--- a/docs/paper/figs/Diagrams.pptx
+++ b/docs/paper/figs/Diagrams.pptx
@@ -292,7 +292,7 @@
             <a:fld id="{1D8BD707-D9CF-40AE-B4C6-C98DA3205C09}" type="datetimeFigureOut">
               <a:rPr lang="en-US" smtClean="0"/>
               <a:pPr/>
-              <a:t>4/20/2019</a:t>
+              <a:t>5/5/2019</a:t>
             </a:fld>
             <a:endParaRPr lang="en-US"/>
           </a:p>
@@ -459,7 +459,7 @@
             <a:fld id="{1D8BD707-D9CF-40AE-B4C6-C98DA3205C09}" type="datetimeFigureOut">
               <a:rPr lang="en-US" smtClean="0"/>
               <a:pPr/>
-              <a:t>4/20/2019</a:t>
+              <a:t>5/5/2019</a:t>
             </a:fld>
             <a:endParaRPr lang="en-US"/>
           </a:p>
@@ -636,7 +636,7 @@
             <a:fld id="{1D8BD707-D9CF-40AE-B4C6-C98DA3205C09}" type="datetimeFigureOut">
               <a:rPr lang="en-US" smtClean="0"/>
               <a:pPr/>
-              <a:t>4/20/2019</a:t>
+              <a:t>5/5/2019</a:t>
             </a:fld>
             <a:endParaRPr lang="en-US"/>
           </a:p>
@@ -803,7 +803,7 @@
             <a:fld id="{1D8BD707-D9CF-40AE-B4C6-C98DA3205C09}" type="datetimeFigureOut">
               <a:rPr lang="en-US" smtClean="0"/>
               <a:pPr/>
-              <a:t>4/20/2019</a:t>
+              <a:t>5/5/2019</a:t>
             </a:fld>
             <a:endParaRPr lang="en-US"/>
           </a:p>
@@ -1046,7 +1046,7 @@
             <a:fld id="{1D8BD707-D9CF-40AE-B4C6-C98DA3205C09}" type="datetimeFigureOut">
               <a:rPr lang="en-US" smtClean="0"/>
               <a:pPr/>
-              <a:t>4/20/2019</a:t>
+              <a:t>5/5/2019</a:t>
             </a:fld>
             <a:endParaRPr lang="en-US"/>
           </a:p>
@@ -1331,7 +1331,7 @@
             <a:fld id="{1D8BD707-D9CF-40AE-B4C6-C98DA3205C09}" type="datetimeFigureOut">
               <a:rPr lang="en-US" smtClean="0"/>
               <a:pPr/>
-              <a:t>4/20/2019</a:t>
+              <a:t>5/5/2019</a:t>
             </a:fld>
             <a:endParaRPr lang="en-US"/>
           </a:p>
@@ -1750,7 +1750,7 @@
             <a:fld id="{1D8BD707-D9CF-40AE-B4C6-C98DA3205C09}" type="datetimeFigureOut">
               <a:rPr lang="en-US" smtClean="0"/>
               <a:pPr/>
-              <a:t>4/20/2019</a:t>
+              <a:t>5/5/2019</a:t>
             </a:fld>
             <a:endParaRPr lang="en-US"/>
           </a:p>
@@ -1865,7 +1865,7 @@
             <a:fld id="{1D8BD707-D9CF-40AE-B4C6-C98DA3205C09}" type="datetimeFigureOut">
               <a:rPr lang="en-US" smtClean="0"/>
               <a:pPr/>
-              <a:t>4/20/2019</a:t>
+              <a:t>5/5/2019</a:t>
             </a:fld>
             <a:endParaRPr lang="en-US"/>
           </a:p>
@@ -1957,7 +1957,7 @@
             <a:fld id="{1D8BD707-D9CF-40AE-B4C6-C98DA3205C09}" type="datetimeFigureOut">
               <a:rPr lang="en-US" smtClean="0"/>
               <a:pPr/>
-              <a:t>4/20/2019</a:t>
+              <a:t>5/5/2019</a:t>
             </a:fld>
             <a:endParaRPr lang="en-US"/>
           </a:p>
@@ -2231,7 +2231,7 @@
             <a:fld id="{1D8BD707-D9CF-40AE-B4C6-C98DA3205C09}" type="datetimeFigureOut">
               <a:rPr lang="en-US" smtClean="0"/>
               <a:pPr/>
-              <a:t>4/20/2019</a:t>
+              <a:t>5/5/2019</a:t>
             </a:fld>
             <a:endParaRPr lang="en-US"/>
           </a:p>
@@ -2481,7 +2481,7 @@
             <a:fld id="{1D8BD707-D9CF-40AE-B4C6-C98DA3205C09}" type="datetimeFigureOut">
               <a:rPr lang="en-US" smtClean="0"/>
               <a:pPr/>
-              <a:t>4/20/2019</a:t>
+              <a:t>5/5/2019</a:t>
             </a:fld>
             <a:endParaRPr lang="en-US"/>
           </a:p>
@@ -2691,7 +2691,7 @@
             <a:fld id="{1D8BD707-D9CF-40AE-B4C6-C98DA3205C09}" type="datetimeFigureOut">
               <a:rPr lang="en-US" smtClean="0"/>
               <a:pPr/>
-              <a:t>4/20/2019</a:t>
+              <a:t>5/5/2019</a:t>
             </a:fld>
             <a:endParaRPr lang="en-US"/>
           </a:p>
@@ -3207,27 +3207,7 @@
                 <a:latin typeface="Times New Roman" pitchFamily="18" charset="0"/>
                 <a:cs typeface="Times New Roman" pitchFamily="18" charset="0"/>
               </a:rPr>
-              <a:t> </a:t>
-            </a:r>
-            <a:r>
-              <a:rPr lang="en-US" sz="1100" dirty="0" smtClean="0">
-                <a:solidFill>
-                  <a:sysClr val="windowText" lastClr="000000"/>
-                </a:solidFill>
-                <a:latin typeface="Times New Roman" pitchFamily="18" charset="0"/>
-                <a:cs typeface="Times New Roman" pitchFamily="18" charset="0"/>
-              </a:rPr>
-              <a:t>Flight </a:t>
-            </a:r>
-            <a:r>
-              <a:rPr lang="en-US" sz="1100" dirty="0" smtClean="0">
-                <a:solidFill>
-                  <a:sysClr val="windowText" lastClr="000000"/>
-                </a:solidFill>
-                <a:latin typeface="Times New Roman" pitchFamily="18" charset="0"/>
-                <a:cs typeface="Times New Roman" pitchFamily="18" charset="0"/>
-              </a:rPr>
-              <a:t>Manifests</a:t>
+              <a:t> Flight Manifests</a:t>
             </a:r>
           </a:p>
         </p:txBody>
@@ -3320,13 +3300,6 @@
               </a:rPr>
               <a:t> Simulated Objects</a:t>
             </a:r>
-            <a:endParaRPr lang="en-US" sz="1100" dirty="0" smtClean="0">
-              <a:solidFill>
-                <a:sysClr val="windowText" lastClr="000000"/>
-              </a:solidFill>
-              <a:latin typeface="Times New Roman" pitchFamily="18" charset="0"/>
-              <a:cs typeface="Times New Roman" pitchFamily="18" charset="0"/>
-            </a:endParaRPr>
           </a:p>
           <a:p>
             <a:pPr>
@@ -3341,25 +3314,8 @@
                 <a:latin typeface="Times New Roman" pitchFamily="18" charset="0"/>
                 <a:cs typeface="Times New Roman" pitchFamily="18" charset="0"/>
               </a:rPr>
-              <a:t> </a:t>
-            </a:r>
-            <a:r>
-              <a:rPr lang="en-US" sz="1100" dirty="0" smtClean="0">
-                <a:solidFill>
-                  <a:sysClr val="windowText" lastClr="000000"/>
-                </a:solidFill>
-                <a:latin typeface="Times New Roman" pitchFamily="18" charset="0"/>
-                <a:cs typeface="Times New Roman" pitchFamily="18" charset="0"/>
-              </a:rPr>
-              <a:t>Object Paths</a:t>
-            </a:r>
-            <a:endParaRPr lang="en-US" sz="1100" dirty="0" smtClean="0">
-              <a:solidFill>
-                <a:sysClr val="windowText" lastClr="000000"/>
-              </a:solidFill>
-              <a:latin typeface="Times New Roman" pitchFamily="18" charset="0"/>
-              <a:cs typeface="Times New Roman" pitchFamily="18" charset="0"/>
-            </a:endParaRPr>
+              <a:t> Object Paths</a:t>
+            </a:r>
           </a:p>
         </p:txBody>
       </p:sp>
@@ -3433,8 +3389,14 @@
                 <a:latin typeface="Times New Roman" pitchFamily="18" charset="0"/>
                 <a:cs typeface="Times New Roman" pitchFamily="18" charset="0"/>
               </a:rPr>
-              <a:t> </a:t>
-            </a:r>
+              <a:t> Simulated Objects</a:t>
+            </a:r>
+          </a:p>
+          <a:p>
+            <a:pPr>
+              <a:buFont typeface="Arial" pitchFamily="34" charset="0"/>
+              <a:buChar char="•"/>
+            </a:pPr>
             <a:r>
               <a:rPr lang="en-US" sz="1100" dirty="0" smtClean="0">
                 <a:solidFill>
@@ -3443,48 +3405,8 @@
                 <a:latin typeface="Times New Roman" pitchFamily="18" charset="0"/>
                 <a:cs typeface="Times New Roman" pitchFamily="18" charset="0"/>
               </a:rPr>
-              <a:t>Simulated Objects</a:t>
-            </a:r>
-            <a:endParaRPr lang="en-US" sz="1100" dirty="0" smtClean="0">
-              <a:solidFill>
-                <a:sysClr val="windowText" lastClr="000000"/>
-              </a:solidFill>
-              <a:latin typeface="Times New Roman" pitchFamily="18" charset="0"/>
-              <a:cs typeface="Times New Roman" pitchFamily="18" charset="0"/>
-            </a:endParaRPr>
-          </a:p>
-          <a:p>
-            <a:pPr>
-              <a:buFont typeface="Arial" pitchFamily="34" charset="0"/>
-              <a:buChar char="•"/>
-            </a:pPr>
-            <a:r>
-              <a:rPr lang="en-US" sz="1100" dirty="0" smtClean="0">
-                <a:solidFill>
-                  <a:sysClr val="windowText" lastClr="000000"/>
-                </a:solidFill>
-                <a:latin typeface="Times New Roman" pitchFamily="18" charset="0"/>
-                <a:cs typeface="Times New Roman" pitchFamily="18" charset="0"/>
-              </a:rPr>
-              <a:t> </a:t>
-            </a:r>
-            <a:r>
-              <a:rPr lang="en-US" sz="1100" dirty="0" smtClean="0">
-                <a:solidFill>
-                  <a:sysClr val="windowText" lastClr="000000"/>
-                </a:solidFill>
-                <a:latin typeface="Times New Roman" pitchFamily="18" charset="0"/>
-                <a:cs typeface="Times New Roman" pitchFamily="18" charset="0"/>
-              </a:rPr>
-              <a:t>Object Paths</a:t>
-            </a:r>
-            <a:endParaRPr lang="en-US" sz="1100" dirty="0" smtClean="0">
-              <a:solidFill>
-                <a:sysClr val="windowText" lastClr="000000"/>
-              </a:solidFill>
-              <a:latin typeface="Times New Roman" pitchFamily="18" charset="0"/>
-              <a:cs typeface="Times New Roman" pitchFamily="18" charset="0"/>
-            </a:endParaRPr>
+              <a:t> Object Paths</a:t>
+            </a:r>
           </a:p>
         </p:txBody>
       </p:sp>
@@ -3545,13 +3467,6 @@
               </a:rPr>
               <a:t>Input Environment</a:t>
             </a:r>
-            <a:endParaRPr lang="en-US" sz="1400" dirty="0" smtClean="0">
-              <a:solidFill>
-                <a:sysClr val="windowText" lastClr="000000"/>
-              </a:solidFill>
-              <a:latin typeface="Times New Roman" pitchFamily="18" charset="0"/>
-              <a:cs typeface="Times New Roman" pitchFamily="18" charset="0"/>
-            </a:endParaRPr>
           </a:p>
         </p:txBody>
       </p:sp>
@@ -3612,13 +3527,6 @@
               </a:rPr>
               <a:t>Input Simulated Objects</a:t>
             </a:r>
-            <a:endParaRPr lang="en-US" sz="1400" dirty="0" smtClean="0">
-              <a:solidFill>
-                <a:sysClr val="windowText" lastClr="000000"/>
-              </a:solidFill>
-              <a:latin typeface="Times New Roman" pitchFamily="18" charset="0"/>
-              <a:cs typeface="Times New Roman" pitchFamily="18" charset="0"/>
-            </a:endParaRPr>
           </a:p>
         </p:txBody>
       </p:sp>
@@ -3679,13 +3587,6 @@
               </a:rPr>
               <a:t>Input Settings and Preview</a:t>
             </a:r>
-            <a:endParaRPr lang="en-US" sz="1400" dirty="0" smtClean="0">
-              <a:solidFill>
-                <a:sysClr val="windowText" lastClr="000000"/>
-              </a:solidFill>
-              <a:latin typeface="Times New Roman" pitchFamily="18" charset="0"/>
-              <a:cs typeface="Times New Roman" pitchFamily="18" charset="0"/>
-            </a:endParaRPr>
           </a:p>
         </p:txBody>
       </p:sp>
@@ -3746,13 +3647,6 @@
               </a:rPr>
               <a:t>Execute Algorithm</a:t>
             </a:r>
-            <a:endParaRPr lang="en-US" sz="1400" dirty="0" smtClean="0">
-              <a:solidFill>
-                <a:sysClr val="windowText" lastClr="000000"/>
-              </a:solidFill>
-              <a:latin typeface="Times New Roman" pitchFamily="18" charset="0"/>
-              <a:cs typeface="Times New Roman" pitchFamily="18" charset="0"/>
-            </a:endParaRPr>
           </a:p>
         </p:txBody>
       </p:sp>
@@ -3813,13 +3707,6 @@
               </a:rPr>
               <a:t>View Results</a:t>
             </a:r>
-            <a:endParaRPr lang="en-US" sz="1400" dirty="0" smtClean="0">
-              <a:solidFill>
-                <a:sysClr val="windowText" lastClr="000000"/>
-              </a:solidFill>
-              <a:latin typeface="Times New Roman" pitchFamily="18" charset="0"/>
-              <a:cs typeface="Times New Roman" pitchFamily="18" charset="0"/>
-            </a:endParaRPr>
           </a:p>
         </p:txBody>
       </p:sp>
@@ -3894,17 +3781,7 @@
                   <a:latin typeface="Times New Roman" pitchFamily="18" charset="0"/>
                   <a:cs typeface="Times New Roman" pitchFamily="18" charset="0"/>
                 </a:rPr>
-                <a:t>User </a:t>
-              </a:r>
-              <a:r>
-                <a:rPr lang="en-US" sz="1400" dirty="0" smtClean="0">
-                  <a:solidFill>
-                    <a:sysClr val="windowText" lastClr="000000"/>
-                  </a:solidFill>
-                  <a:latin typeface="Times New Roman" pitchFamily="18" charset="0"/>
-                  <a:cs typeface="Times New Roman" pitchFamily="18" charset="0"/>
-                </a:rPr>
-                <a:t>Workflow</a:t>
+                <a:t>User Workflow</a:t>
               </a:r>
             </a:p>
             <a:p>
@@ -3923,13 +3800,6 @@
                 </a:rPr>
                 <a:t>Dataflow</a:t>
               </a:r>
-              <a:endParaRPr lang="en-US" sz="1400" dirty="0" smtClean="0">
-                <a:solidFill>
-                  <a:sysClr val="windowText" lastClr="000000"/>
-                </a:solidFill>
-                <a:latin typeface="Times New Roman" pitchFamily="18" charset="0"/>
-                <a:cs typeface="Times New Roman" pitchFamily="18" charset="0"/>
-              </a:endParaRPr>
             </a:p>
           </p:txBody>
         </p:sp>
@@ -4407,13 +4277,6 @@
               </a:rPr>
               <a:t>Pre-execution Preview Plot</a:t>
             </a:r>
-            <a:endParaRPr lang="en-US" sz="1400" dirty="0" smtClean="0">
-              <a:solidFill>
-                <a:schemeClr val="tx1"/>
-              </a:solidFill>
-              <a:latin typeface="Times New Roman" pitchFamily="18" charset="0"/>
-              <a:cs typeface="Times New Roman" pitchFamily="18" charset="0"/>
-            </a:endParaRPr>
           </a:p>
         </p:txBody>
       </p:sp>
@@ -4844,13 +4707,6 @@
               </a:rPr>
               <a:t>Algorithm 3-D Visualization</a:t>
             </a:r>
-            <a:endParaRPr lang="en-US" sz="1400" dirty="0" smtClean="0">
-              <a:solidFill>
-                <a:schemeClr val="tx1"/>
-              </a:solidFill>
-              <a:latin typeface="Times New Roman" pitchFamily="18" charset="0"/>
-              <a:cs typeface="Times New Roman" pitchFamily="18" charset="0"/>
-            </a:endParaRPr>
           </a:p>
         </p:txBody>
       </p:sp>
@@ -4952,13 +4808,6 @@
               </a:rPr>
               <a:t>Iteration History Plots</a:t>
             </a:r>
-            <a:endParaRPr lang="en-US" sz="1400" dirty="0" smtClean="0">
-              <a:solidFill>
-                <a:schemeClr val="tx1"/>
-              </a:solidFill>
-              <a:latin typeface="Times New Roman" pitchFamily="18" charset="0"/>
-              <a:cs typeface="Times New Roman" pitchFamily="18" charset="0"/>
-            </a:endParaRPr>
           </a:p>
         </p:txBody>
       </p:sp>
@@ -5202,8 +5051,14 @@
                 <a:latin typeface="Times New Roman" pitchFamily="18" charset="0"/>
                 <a:cs typeface="Times New Roman" pitchFamily="18" charset="0"/>
               </a:rPr>
-              <a:t> </a:t>
-            </a:r>
+              <a:t> Generates Results</a:t>
+            </a:r>
+          </a:p>
+          <a:p>
+            <a:pPr>
+              <a:buFont typeface="Arial" pitchFamily="34" charset="0"/>
+              <a:buChar char="•"/>
+            </a:pPr>
             <a:r>
               <a:rPr lang="en-US" sz="1100" dirty="0" smtClean="0">
                 <a:solidFill>
@@ -5212,40 +5067,7 @@
                 <a:latin typeface="Times New Roman" pitchFamily="18" charset="0"/>
                 <a:cs typeface="Times New Roman" pitchFamily="18" charset="0"/>
               </a:rPr>
-              <a:t>Generates Results</a:t>
-            </a:r>
-            <a:endParaRPr lang="en-US" sz="1100" dirty="0" smtClean="0">
-              <a:solidFill>
-                <a:sysClr val="windowText" lastClr="000000"/>
-              </a:solidFill>
-              <a:latin typeface="Times New Roman" pitchFamily="18" charset="0"/>
-              <a:cs typeface="Times New Roman" pitchFamily="18" charset="0"/>
-            </a:endParaRPr>
-          </a:p>
-          <a:p>
-            <a:pPr>
-              <a:buFont typeface="Arial" pitchFamily="34" charset="0"/>
-              <a:buChar char="•"/>
-            </a:pPr>
-            <a:r>
-              <a:rPr lang="en-US" sz="1100" dirty="0" smtClean="0">
-                <a:solidFill>
-                  <a:sysClr val="windowText" lastClr="000000"/>
-                </a:solidFill>
-                <a:latin typeface="Times New Roman" pitchFamily="18" charset="0"/>
-                <a:cs typeface="Times New Roman" pitchFamily="18" charset="0"/>
-              </a:rPr>
-              <a:t> </a:t>
-            </a:r>
-            <a:r>
-              <a:rPr lang="en-US" sz="1100" dirty="0" smtClean="0">
-                <a:solidFill>
-                  <a:sysClr val="windowText" lastClr="000000"/>
-                </a:solidFill>
-                <a:latin typeface="Times New Roman" pitchFamily="18" charset="0"/>
-                <a:cs typeface="Times New Roman" pitchFamily="18" charset="0"/>
-              </a:rPr>
-              <a:t>Uses Path Data</a:t>
+              <a:t> Uses Path Data</a:t>
             </a:r>
             <a:endParaRPr lang="en-US" sz="1400" dirty="0" smtClean="0">
               <a:solidFill>
@@ -5339,13 +5161,6 @@
               </a:rPr>
               <a:t>Simulation:</a:t>
             </a:r>
-            <a:endParaRPr lang="en-US" sz="1400" dirty="0" smtClean="0">
-              <a:solidFill>
-                <a:sysClr val="windowText" lastClr="000000"/>
-              </a:solidFill>
-              <a:latin typeface="Times New Roman" pitchFamily="18" charset="0"/>
-              <a:cs typeface="Times New Roman" pitchFamily="18" charset="0"/>
-            </a:endParaRPr>
           </a:p>
           <a:p>
             <a:pPr algn="ctr"/>
@@ -5359,13 +5174,6 @@
               </a:rPr>
               <a:t>Generates flight path contact with simulated objects</a:t>
             </a:r>
-            <a:endParaRPr lang="en-US" sz="1200" i="1" dirty="0" smtClean="0">
-              <a:solidFill>
-                <a:sysClr val="windowText" lastClr="000000"/>
-              </a:solidFill>
-              <a:latin typeface="Times New Roman" pitchFamily="18" charset="0"/>
-              <a:cs typeface="Times New Roman" pitchFamily="18" charset="0"/>
-            </a:endParaRPr>
           </a:p>
         </p:txBody>
       </p:sp>
@@ -5817,13 +5625,6 @@
               </a:rPr>
               <a:t>Initial path</a:t>
             </a:r>
-            <a:endParaRPr lang="en-US" sz="1400" dirty="0" smtClean="0">
-              <a:solidFill>
-                <a:sysClr val="windowText" lastClr="000000"/>
-              </a:solidFill>
-              <a:latin typeface="Times New Roman" pitchFamily="18" charset="0"/>
-              <a:cs typeface="Times New Roman" pitchFamily="18" charset="0"/>
-            </a:endParaRPr>
           </a:p>
         </p:txBody>
       </p:sp>
@@ -5887,13 +5688,6 @@
               </a:rPr>
               <a:t>Assess properties of contacted points</a:t>
             </a:r>
-            <a:endParaRPr lang="en-US" sz="1400" dirty="0" smtClean="0">
-              <a:solidFill>
-                <a:sysClr val="windowText" lastClr="000000"/>
-              </a:solidFill>
-              <a:latin typeface="Times New Roman" pitchFamily="18" charset="0"/>
-              <a:cs typeface="Times New Roman" pitchFamily="18" charset="0"/>
-            </a:endParaRPr>
           </a:p>
         </p:txBody>
       </p:sp>
@@ -5957,13 +5751,6 @@
               </a:rPr>
               <a:t>Tuned path alteration</a:t>
             </a:r>
-            <a:endParaRPr lang="en-US" sz="1400" dirty="0" smtClean="0">
-              <a:solidFill>
-                <a:sysClr val="windowText" lastClr="000000"/>
-              </a:solidFill>
-              <a:latin typeface="Times New Roman" pitchFamily="18" charset="0"/>
-              <a:cs typeface="Times New Roman" pitchFamily="18" charset="0"/>
-            </a:endParaRPr>
           </a:p>
         </p:txBody>
       </p:sp>
@@ -6027,13 +5814,6 @@
               </a:rPr>
               <a:t>Compute the resulting cost  from previous path alteration</a:t>
             </a:r>
-            <a:endParaRPr lang="en-US" sz="1400" dirty="0" smtClean="0">
-              <a:solidFill>
-                <a:sysClr val="windowText" lastClr="000000"/>
-              </a:solidFill>
-              <a:latin typeface="Times New Roman" pitchFamily="18" charset="0"/>
-              <a:cs typeface="Times New Roman" pitchFamily="18" charset="0"/>
-            </a:endParaRPr>
           </a:p>
         </p:txBody>
       </p:sp>
@@ -6097,13 +5877,6 @@
               </a:rPr>
               <a:t>Update tuning parameter vector</a:t>
             </a:r>
-            <a:endParaRPr lang="en-US" sz="1400" dirty="0" smtClean="0">
-              <a:solidFill>
-                <a:sysClr val="windowText" lastClr="000000"/>
-              </a:solidFill>
-              <a:latin typeface="Times New Roman" pitchFamily="18" charset="0"/>
-              <a:cs typeface="Times New Roman" pitchFamily="18" charset="0"/>
-            </a:endParaRPr>
           </a:p>
         </p:txBody>
       </p:sp>

--- a/docs/paper/figs/Diagrams.pptx
+++ b/docs/paper/figs/Diagrams.pptx
@@ -292,7 +292,7 @@
             <a:fld id="{1D8BD707-D9CF-40AE-B4C6-C98DA3205C09}" type="datetimeFigureOut">
               <a:rPr lang="en-US" smtClean="0"/>
               <a:pPr/>
-              <a:t>5/5/2019</a:t>
+              <a:t>5/8/2019</a:t>
             </a:fld>
             <a:endParaRPr lang="en-US"/>
           </a:p>
@@ -459,7 +459,7 @@
             <a:fld id="{1D8BD707-D9CF-40AE-B4C6-C98DA3205C09}" type="datetimeFigureOut">
               <a:rPr lang="en-US" smtClean="0"/>
               <a:pPr/>
-              <a:t>5/5/2019</a:t>
+              <a:t>5/8/2019</a:t>
             </a:fld>
             <a:endParaRPr lang="en-US"/>
           </a:p>
@@ -636,7 +636,7 @@
             <a:fld id="{1D8BD707-D9CF-40AE-B4C6-C98DA3205C09}" type="datetimeFigureOut">
               <a:rPr lang="en-US" smtClean="0"/>
               <a:pPr/>
-              <a:t>5/5/2019</a:t>
+              <a:t>5/8/2019</a:t>
             </a:fld>
             <a:endParaRPr lang="en-US"/>
           </a:p>
@@ -803,7 +803,7 @@
             <a:fld id="{1D8BD707-D9CF-40AE-B4C6-C98DA3205C09}" type="datetimeFigureOut">
               <a:rPr lang="en-US" smtClean="0"/>
               <a:pPr/>
-              <a:t>5/5/2019</a:t>
+              <a:t>5/8/2019</a:t>
             </a:fld>
             <a:endParaRPr lang="en-US"/>
           </a:p>
@@ -1046,7 +1046,7 @@
             <a:fld id="{1D8BD707-D9CF-40AE-B4C6-C98DA3205C09}" type="datetimeFigureOut">
               <a:rPr lang="en-US" smtClean="0"/>
               <a:pPr/>
-              <a:t>5/5/2019</a:t>
+              <a:t>5/8/2019</a:t>
             </a:fld>
             <a:endParaRPr lang="en-US"/>
           </a:p>
@@ -1331,7 +1331,7 @@
             <a:fld id="{1D8BD707-D9CF-40AE-B4C6-C98DA3205C09}" type="datetimeFigureOut">
               <a:rPr lang="en-US" smtClean="0"/>
               <a:pPr/>
-              <a:t>5/5/2019</a:t>
+              <a:t>5/8/2019</a:t>
             </a:fld>
             <a:endParaRPr lang="en-US"/>
           </a:p>
@@ -1750,7 +1750,7 @@
             <a:fld id="{1D8BD707-D9CF-40AE-B4C6-C98DA3205C09}" type="datetimeFigureOut">
               <a:rPr lang="en-US" smtClean="0"/>
               <a:pPr/>
-              <a:t>5/5/2019</a:t>
+              <a:t>5/8/2019</a:t>
             </a:fld>
             <a:endParaRPr lang="en-US"/>
           </a:p>
@@ -1865,7 +1865,7 @@
             <a:fld id="{1D8BD707-D9CF-40AE-B4C6-C98DA3205C09}" type="datetimeFigureOut">
               <a:rPr lang="en-US" smtClean="0"/>
               <a:pPr/>
-              <a:t>5/5/2019</a:t>
+              <a:t>5/8/2019</a:t>
             </a:fld>
             <a:endParaRPr lang="en-US"/>
           </a:p>
@@ -1957,7 +1957,7 @@
             <a:fld id="{1D8BD707-D9CF-40AE-B4C6-C98DA3205C09}" type="datetimeFigureOut">
               <a:rPr lang="en-US" smtClean="0"/>
               <a:pPr/>
-              <a:t>5/5/2019</a:t>
+              <a:t>5/8/2019</a:t>
             </a:fld>
             <a:endParaRPr lang="en-US"/>
           </a:p>
@@ -2231,7 +2231,7 @@
             <a:fld id="{1D8BD707-D9CF-40AE-B4C6-C98DA3205C09}" type="datetimeFigureOut">
               <a:rPr lang="en-US" smtClean="0"/>
               <a:pPr/>
-              <a:t>5/5/2019</a:t>
+              <a:t>5/8/2019</a:t>
             </a:fld>
             <a:endParaRPr lang="en-US"/>
           </a:p>
@@ -2481,7 +2481,7 @@
             <a:fld id="{1D8BD707-D9CF-40AE-B4C6-C98DA3205C09}" type="datetimeFigureOut">
               <a:rPr lang="en-US" smtClean="0"/>
               <a:pPr/>
-              <a:t>5/5/2019</a:t>
+              <a:t>5/8/2019</a:t>
             </a:fld>
             <a:endParaRPr lang="en-US"/>
           </a:p>
@@ -2691,7 +2691,7 @@
             <a:fld id="{1D8BD707-D9CF-40AE-B4C6-C98DA3205C09}" type="datetimeFigureOut">
               <a:rPr lang="en-US" smtClean="0"/>
               <a:pPr/>
-              <a:t>5/5/2019</a:t>
+              <a:t>5/8/2019</a:t>
             </a:fld>
             <a:endParaRPr lang="en-US"/>
           </a:p>
@@ -6031,15 +6031,13 @@
       <p:cxnSp>
         <p:nvCxnSpPr>
           <p:cNvPr id="116" name="Straight Arrow Connector 115"/>
-          <p:cNvCxnSpPr>
-            <a:stCxn id="32" idx="7"/>
-          </p:cNvCxnSpPr>
+          <p:cNvCxnSpPr/>
           <p:nvPr/>
         </p:nvCxnSpPr>
         <p:spPr>
-          <a:xfrm flipH="1">
-            <a:off x="6019800" y="2624278"/>
-            <a:ext cx="880922" cy="576122"/>
+          <a:xfrm>
+            <a:off x="6781800" y="2590800"/>
+            <a:ext cx="262078" cy="880922"/>
           </a:xfrm>
           <a:prstGeom prst="straightConnector1">
             <a:avLst/>
@@ -6076,8 +6074,8 @@
         </p:nvCxnSpPr>
         <p:spPr>
           <a:xfrm flipH="1" flipV="1">
-            <a:off x="5943600" y="2438400"/>
-            <a:ext cx="838200" cy="228600"/>
+            <a:off x="6705600" y="2286000"/>
+            <a:ext cx="152400" cy="533400"/>
           </a:xfrm>
           <a:prstGeom prst="straightConnector1">
             <a:avLst/>
@@ -6114,8 +6112,8 @@
         </p:nvCxnSpPr>
         <p:spPr>
           <a:xfrm flipH="1" flipV="1">
-            <a:off x="4038600" y="2286000"/>
-            <a:ext cx="838200" cy="838200"/>
+            <a:off x="4572000" y="2286000"/>
+            <a:ext cx="304800" cy="914400"/>
           </a:xfrm>
           <a:prstGeom prst="straightConnector1">
             <a:avLst/>
@@ -6147,15 +6145,13 @@
       <p:cxnSp>
         <p:nvCxnSpPr>
           <p:cNvPr id="87" name="Straight Arrow Connector 86"/>
-          <p:cNvCxnSpPr>
-            <a:stCxn id="31" idx="0"/>
-          </p:cNvCxnSpPr>
+          <p:cNvCxnSpPr/>
           <p:nvPr/>
         </p:nvCxnSpPr>
         <p:spPr>
-          <a:xfrm flipH="1">
-            <a:off x="4800600" y="2971800"/>
-            <a:ext cx="38100" cy="1524000"/>
+          <a:xfrm>
+            <a:off x="4838700" y="3048000"/>
+            <a:ext cx="419100" cy="1447800"/>
           </a:xfrm>
           <a:prstGeom prst="straightConnector1">
             <a:avLst/>
@@ -6187,15 +6183,13 @@
       <p:cxnSp>
         <p:nvCxnSpPr>
           <p:cNvPr id="84" name="Straight Arrow Connector 83"/>
-          <p:cNvCxnSpPr>
-            <a:stCxn id="29" idx="2"/>
-          </p:cNvCxnSpPr>
+          <p:cNvCxnSpPr/>
           <p:nvPr/>
         </p:nvCxnSpPr>
         <p:spPr>
           <a:xfrm>
-            <a:off x="2819400" y="3467100"/>
-            <a:ext cx="1447800" cy="419100"/>
+            <a:off x="2895600" y="3352800"/>
+            <a:ext cx="304800" cy="1066800"/>
           </a:xfrm>
           <a:prstGeom prst="straightConnector1">
             <a:avLst/>
@@ -6227,15 +6221,13 @@
       <p:cxnSp>
         <p:nvCxnSpPr>
           <p:cNvPr id="80" name="Straight Arrow Connector 79"/>
-          <p:cNvCxnSpPr>
-            <a:stCxn id="30" idx="2"/>
-          </p:cNvCxnSpPr>
+          <p:cNvCxnSpPr/>
           <p:nvPr/>
         </p:nvCxnSpPr>
         <p:spPr>
           <a:xfrm>
-            <a:off x="1066800" y="3848100"/>
-            <a:ext cx="990600" cy="38100"/>
+            <a:off x="1143000" y="3733800"/>
+            <a:ext cx="152400" cy="647700"/>
           </a:xfrm>
           <a:prstGeom prst="straightConnector1">
             <a:avLst/>
@@ -6271,9 +6263,9 @@
           <p:nvPr/>
         </p:nvCxnSpPr>
         <p:spPr>
-          <a:xfrm flipV="1">
-            <a:off x="2895600" y="2438400"/>
-            <a:ext cx="533400" cy="1033322"/>
+          <a:xfrm flipH="1" flipV="1">
+            <a:off x="2514600" y="1981200"/>
+            <a:ext cx="381000" cy="1371600"/>
           </a:xfrm>
           <a:prstGeom prst="straightConnector1">
             <a:avLst/>
@@ -6305,15 +6297,13 @@
       <p:cxnSp>
         <p:nvCxnSpPr>
           <p:cNvPr id="75" name="Straight Arrow Connector 74"/>
-          <p:cNvCxnSpPr>
-            <a:stCxn id="30" idx="3"/>
-          </p:cNvCxnSpPr>
+          <p:cNvCxnSpPr/>
           <p:nvPr/>
         </p:nvCxnSpPr>
         <p:spPr>
-          <a:xfrm flipV="1">
-            <a:off x="1100278" y="3276600"/>
-            <a:ext cx="804722" cy="652322"/>
+          <a:xfrm flipH="1" flipV="1">
+            <a:off x="990600" y="3048000"/>
+            <a:ext cx="185878" cy="804722"/>
           </a:xfrm>
           <a:prstGeom prst="straightConnector1">
             <a:avLst/>
@@ -7071,7 +7061,7 @@
         <p:spPr>
           <a:xfrm>
             <a:off x="3810000" y="1676400"/>
-            <a:ext cx="1371600" cy="276999"/>
+            <a:ext cx="1524000" cy="276999"/>
           </a:xfrm>
           <a:prstGeom prst="rect">
             <a:avLst/>
@@ -7089,7 +7079,14 @@
                 <a:latin typeface="Times New Roman" pitchFamily="18" charset="0"/>
                 <a:cs typeface="Times New Roman" pitchFamily="18" charset="0"/>
               </a:rPr>
-              <a:t>Last seen location</a:t>
+              <a:t>Last seen </a:t>
+            </a:r>
+            <a:r>
+              <a:rPr lang="en-US" sz="1200" dirty="0" smtClean="0">
+                <a:latin typeface="Times New Roman" pitchFamily="18" charset="0"/>
+                <a:cs typeface="Times New Roman" pitchFamily="18" charset="0"/>
+              </a:rPr>
+              <a:t>location</a:t>
             </a:r>
             <a:endParaRPr lang="en-US" sz="1200" dirty="0">
               <a:latin typeface="Times New Roman" pitchFamily="18" charset="0"/>
@@ -7106,7 +7103,7 @@
         </p:nvSpPr>
         <p:spPr>
           <a:xfrm>
-            <a:off x="5029200" y="3810000"/>
+            <a:off x="3886200" y="4114800"/>
             <a:ext cx="1143000" cy="461665"/>
           </a:xfrm>
           <a:prstGeom prst="rect">
@@ -7142,7 +7139,7 @@
         </p:nvSpPr>
         <p:spPr>
           <a:xfrm>
-            <a:off x="533400" y="3429000"/>
+            <a:off x="1447800" y="4038600"/>
             <a:ext cx="914400" cy="276999"/>
           </a:xfrm>
           <a:prstGeom prst="rect">
@@ -7370,8 +7367,8 @@
         </p:nvSpPr>
         <p:spPr>
           <a:xfrm>
-            <a:off x="2590800" y="1447800"/>
-            <a:ext cx="914400" cy="461665"/>
+            <a:off x="2209800" y="1447800"/>
+            <a:ext cx="1295400" cy="276999"/>
           </a:xfrm>
           <a:prstGeom prst="rect">
             <a:avLst/>
@@ -7407,10 +7404,10 @@
         </p:nvGrpSpPr>
         <p:grpSpPr>
           <a:xfrm>
-            <a:off x="5638800" y="1371600"/>
-            <a:ext cx="2057400" cy="762000"/>
+            <a:off x="5562600" y="1295400"/>
+            <a:ext cx="2438400" cy="762000"/>
             <a:chOff x="5943600" y="3352800"/>
-            <a:chExt cx="2057400" cy="762000"/>
+            <a:chExt cx="2414016" cy="762000"/>
           </a:xfrm>
         </p:grpSpPr>
         <p:sp>
@@ -7422,7 +7419,7 @@
           <p:spPr>
             <a:xfrm>
               <a:off x="5943600" y="3352800"/>
-              <a:ext cx="2057400" cy="762000"/>
+              <a:ext cx="2414016" cy="762000"/>
             </a:xfrm>
             <a:prstGeom prst="rect">
               <a:avLst/>

--- a/docs/paper/figs/Diagrams.pptx
+++ b/docs/paper/figs/Diagrams.pptx
@@ -107,6 +107,22 @@
       </a:defRPr>
     </a:lvl9pPr>
   </p:defaultTextStyle>
+  <p:extLst>
+    <p:ext uri="{EFAFB233-063F-42B5-8137-9DF3F51BA10A}">
+      <p15:sldGuideLst xmlns:p15="http://schemas.microsoft.com/office/powerpoint/2012/main">
+        <p15:guide id="1" orient="horz" pos="2160">
+          <p15:clr>
+            <a:srgbClr val="A4A3A4"/>
+          </p15:clr>
+        </p15:guide>
+        <p15:guide id="2" pos="2880">
+          <p15:clr>
+            <a:srgbClr val="A4A3A4"/>
+          </p15:clr>
+        </p15:guide>
+      </p15:sldGuideLst>
+    </p:ext>
+  </p:extLst>
 </p:presentation>
 </file>
 
@@ -148,10 +164,9 @@
           <a:lstStyle/>
           <a:p>
             <a:r>
-              <a:rPr lang="en-US" smtClean="0"/>
+              <a:rPr lang="en-US"/>
               <a:t>Click to edit Master title style</a:t>
             </a:r>
-            <a:endParaRPr lang="en-US"/>
           </a:p>
         </p:txBody>
       </p:sp>
@@ -267,10 +282,9 @@
           </a:lstStyle>
           <a:p>
             <a:r>
-              <a:rPr lang="en-US" smtClean="0"/>
+              <a:rPr lang="en-US"/>
               <a:t>Click to edit Master subtitle style</a:t>
             </a:r>
-            <a:endParaRPr lang="en-US"/>
           </a:p>
         </p:txBody>
       </p:sp>
@@ -382,10 +396,9 @@
           <a:lstStyle/>
           <a:p>
             <a:r>
-              <a:rPr lang="en-US" smtClean="0"/>
+              <a:rPr lang="en-US"/>
               <a:t>Click to edit Master title style</a:t>
             </a:r>
-            <a:endParaRPr lang="en-US"/>
           </a:p>
         </p:txBody>
       </p:sp>
@@ -406,38 +419,37 @@
           <a:p>
             <a:pPr lvl="0"/>
             <a:r>
-              <a:rPr lang="en-US" smtClean="0"/>
+              <a:rPr lang="en-US"/>
               <a:t>Click to edit Master text styles</a:t>
             </a:r>
           </a:p>
           <a:p>
             <a:pPr lvl="1"/>
             <a:r>
-              <a:rPr lang="en-US" smtClean="0"/>
+              <a:rPr lang="en-US"/>
               <a:t>Second level</a:t>
             </a:r>
           </a:p>
           <a:p>
             <a:pPr lvl="2"/>
             <a:r>
-              <a:rPr lang="en-US" smtClean="0"/>
+              <a:rPr lang="en-US"/>
               <a:t>Third level</a:t>
             </a:r>
           </a:p>
           <a:p>
             <a:pPr lvl="3"/>
             <a:r>
-              <a:rPr lang="en-US" smtClean="0"/>
+              <a:rPr lang="en-US"/>
               <a:t>Fourth level</a:t>
             </a:r>
           </a:p>
           <a:p>
             <a:pPr lvl="4"/>
             <a:r>
-              <a:rPr lang="en-US" smtClean="0"/>
+              <a:rPr lang="en-US"/>
               <a:t>Fifth level</a:t>
             </a:r>
-            <a:endParaRPr lang="en-US"/>
           </a:p>
         </p:txBody>
       </p:sp>
@@ -554,10 +566,9 @@
           <a:lstStyle/>
           <a:p>
             <a:r>
-              <a:rPr lang="en-US" smtClean="0"/>
+              <a:rPr lang="en-US"/>
               <a:t>Click to edit Master title style</a:t>
             </a:r>
-            <a:endParaRPr lang="en-US"/>
           </a:p>
         </p:txBody>
       </p:sp>
@@ -583,38 +594,37 @@
           <a:p>
             <a:pPr lvl="0"/>
             <a:r>
-              <a:rPr lang="en-US" smtClean="0"/>
+              <a:rPr lang="en-US"/>
               <a:t>Click to edit Master text styles</a:t>
             </a:r>
           </a:p>
           <a:p>
             <a:pPr lvl="1"/>
             <a:r>
-              <a:rPr lang="en-US" smtClean="0"/>
+              <a:rPr lang="en-US"/>
               <a:t>Second level</a:t>
             </a:r>
           </a:p>
           <a:p>
             <a:pPr lvl="2"/>
             <a:r>
-              <a:rPr lang="en-US" smtClean="0"/>
+              <a:rPr lang="en-US"/>
               <a:t>Third level</a:t>
             </a:r>
           </a:p>
           <a:p>
             <a:pPr lvl="3"/>
             <a:r>
-              <a:rPr lang="en-US" smtClean="0"/>
+              <a:rPr lang="en-US"/>
               <a:t>Fourth level</a:t>
             </a:r>
           </a:p>
           <a:p>
             <a:pPr lvl="4"/>
             <a:r>
-              <a:rPr lang="en-US" smtClean="0"/>
+              <a:rPr lang="en-US"/>
               <a:t>Fifth level</a:t>
             </a:r>
-            <a:endParaRPr lang="en-US"/>
           </a:p>
         </p:txBody>
       </p:sp>
@@ -726,10 +736,9 @@
           <a:lstStyle/>
           <a:p>
             <a:r>
-              <a:rPr lang="en-US" smtClean="0"/>
+              <a:rPr lang="en-US"/>
               <a:t>Click to edit Master title style</a:t>
             </a:r>
-            <a:endParaRPr lang="en-US"/>
           </a:p>
         </p:txBody>
       </p:sp>
@@ -750,38 +759,37 @@
           <a:p>
             <a:pPr lvl="0"/>
             <a:r>
-              <a:rPr lang="en-US" smtClean="0"/>
+              <a:rPr lang="en-US"/>
               <a:t>Click to edit Master text styles</a:t>
             </a:r>
           </a:p>
           <a:p>
             <a:pPr lvl="1"/>
             <a:r>
-              <a:rPr lang="en-US" smtClean="0"/>
+              <a:rPr lang="en-US"/>
               <a:t>Second level</a:t>
             </a:r>
           </a:p>
           <a:p>
             <a:pPr lvl="2"/>
             <a:r>
-              <a:rPr lang="en-US" smtClean="0"/>
+              <a:rPr lang="en-US"/>
               <a:t>Third level</a:t>
             </a:r>
           </a:p>
           <a:p>
             <a:pPr lvl="3"/>
             <a:r>
-              <a:rPr lang="en-US" smtClean="0"/>
+              <a:rPr lang="en-US"/>
               <a:t>Fourth level</a:t>
             </a:r>
           </a:p>
           <a:p>
             <a:pPr lvl="4"/>
             <a:r>
-              <a:rPr lang="en-US" smtClean="0"/>
+              <a:rPr lang="en-US"/>
               <a:t>Fifth level</a:t>
             </a:r>
-            <a:endParaRPr lang="en-US"/>
           </a:p>
         </p:txBody>
       </p:sp>
@@ -902,10 +910,9 @@
           </a:lstStyle>
           <a:p>
             <a:r>
-              <a:rPr lang="en-US" smtClean="0"/>
+              <a:rPr lang="en-US"/>
               <a:t>Click to edit Master title style</a:t>
             </a:r>
-            <a:endParaRPr lang="en-US"/>
           </a:p>
         </p:txBody>
       </p:sp>
@@ -1022,7 +1029,7 @@
           <a:p>
             <a:pPr lvl="0"/>
             <a:r>
-              <a:rPr lang="en-US" smtClean="0"/>
+              <a:rPr lang="en-US"/>
               <a:t>Click to edit Master text styles</a:t>
             </a:r>
           </a:p>
@@ -1136,10 +1143,9 @@
           <a:lstStyle/>
           <a:p>
             <a:r>
-              <a:rPr lang="en-US" smtClean="0"/>
+              <a:rPr lang="en-US"/>
               <a:t>Click to edit Master title style</a:t>
             </a:r>
-            <a:endParaRPr lang="en-US"/>
           </a:p>
         </p:txBody>
       </p:sp>
@@ -1193,38 +1199,37 @@
           <a:p>
             <a:pPr lvl="0"/>
             <a:r>
-              <a:rPr lang="en-US" smtClean="0"/>
+              <a:rPr lang="en-US"/>
               <a:t>Click to edit Master text styles</a:t>
             </a:r>
           </a:p>
           <a:p>
             <a:pPr lvl="1"/>
             <a:r>
-              <a:rPr lang="en-US" smtClean="0"/>
+              <a:rPr lang="en-US"/>
               <a:t>Second level</a:t>
             </a:r>
           </a:p>
           <a:p>
             <a:pPr lvl="2"/>
             <a:r>
-              <a:rPr lang="en-US" smtClean="0"/>
+              <a:rPr lang="en-US"/>
               <a:t>Third level</a:t>
             </a:r>
           </a:p>
           <a:p>
             <a:pPr lvl="3"/>
             <a:r>
-              <a:rPr lang="en-US" smtClean="0"/>
+              <a:rPr lang="en-US"/>
               <a:t>Fourth level</a:t>
             </a:r>
           </a:p>
           <a:p>
             <a:pPr lvl="4"/>
             <a:r>
-              <a:rPr lang="en-US" smtClean="0"/>
+              <a:rPr lang="en-US"/>
               <a:t>Fifth level</a:t>
             </a:r>
-            <a:endParaRPr lang="en-US"/>
           </a:p>
         </p:txBody>
       </p:sp>
@@ -1278,38 +1283,37 @@
           <a:p>
             <a:pPr lvl="0"/>
             <a:r>
-              <a:rPr lang="en-US" smtClean="0"/>
+              <a:rPr lang="en-US"/>
               <a:t>Click to edit Master text styles</a:t>
             </a:r>
           </a:p>
           <a:p>
             <a:pPr lvl="1"/>
             <a:r>
-              <a:rPr lang="en-US" smtClean="0"/>
+              <a:rPr lang="en-US"/>
               <a:t>Second level</a:t>
             </a:r>
           </a:p>
           <a:p>
             <a:pPr lvl="2"/>
             <a:r>
-              <a:rPr lang="en-US" smtClean="0"/>
+              <a:rPr lang="en-US"/>
               <a:t>Third level</a:t>
             </a:r>
           </a:p>
           <a:p>
             <a:pPr lvl="3"/>
             <a:r>
-              <a:rPr lang="en-US" smtClean="0"/>
+              <a:rPr lang="en-US"/>
               <a:t>Fourth level</a:t>
             </a:r>
           </a:p>
           <a:p>
             <a:pPr lvl="4"/>
             <a:r>
-              <a:rPr lang="en-US" smtClean="0"/>
+              <a:rPr lang="en-US"/>
               <a:t>Fifth level</a:t>
             </a:r>
-            <a:endParaRPr lang="en-US"/>
           </a:p>
         </p:txBody>
       </p:sp>
@@ -1425,10 +1429,9 @@
           </a:lstStyle>
           <a:p>
             <a:r>
-              <a:rPr lang="en-US" smtClean="0"/>
+              <a:rPr lang="en-US"/>
               <a:t>Click to edit Master title style</a:t>
             </a:r>
-            <a:endParaRPr lang="en-US"/>
           </a:p>
         </p:txBody>
       </p:sp>
@@ -1491,7 +1494,7 @@
           <a:p>
             <a:pPr lvl="0"/>
             <a:r>
-              <a:rPr lang="en-US" smtClean="0"/>
+              <a:rPr lang="en-US"/>
               <a:t>Click to edit Master text styles</a:t>
             </a:r>
           </a:p>
@@ -1547,38 +1550,37 @@
           <a:p>
             <a:pPr lvl="0"/>
             <a:r>
-              <a:rPr lang="en-US" smtClean="0"/>
+              <a:rPr lang="en-US"/>
               <a:t>Click to edit Master text styles</a:t>
             </a:r>
           </a:p>
           <a:p>
             <a:pPr lvl="1"/>
             <a:r>
-              <a:rPr lang="en-US" smtClean="0"/>
+              <a:rPr lang="en-US"/>
               <a:t>Second level</a:t>
             </a:r>
           </a:p>
           <a:p>
             <a:pPr lvl="2"/>
             <a:r>
-              <a:rPr lang="en-US" smtClean="0"/>
+              <a:rPr lang="en-US"/>
               <a:t>Third level</a:t>
             </a:r>
           </a:p>
           <a:p>
             <a:pPr lvl="3"/>
             <a:r>
-              <a:rPr lang="en-US" smtClean="0"/>
+              <a:rPr lang="en-US"/>
               <a:t>Fourth level</a:t>
             </a:r>
           </a:p>
           <a:p>
             <a:pPr lvl="4"/>
             <a:r>
-              <a:rPr lang="en-US" smtClean="0"/>
+              <a:rPr lang="en-US"/>
               <a:t>Fifth level</a:t>
             </a:r>
-            <a:endParaRPr lang="en-US"/>
           </a:p>
         </p:txBody>
       </p:sp>
@@ -1641,7 +1643,7 @@
           <a:p>
             <a:pPr lvl="0"/>
             <a:r>
-              <a:rPr lang="en-US" smtClean="0"/>
+              <a:rPr lang="en-US"/>
               <a:t>Click to edit Master text styles</a:t>
             </a:r>
           </a:p>
@@ -1697,38 +1699,37 @@
           <a:p>
             <a:pPr lvl="0"/>
             <a:r>
-              <a:rPr lang="en-US" smtClean="0"/>
+              <a:rPr lang="en-US"/>
               <a:t>Click to edit Master text styles</a:t>
             </a:r>
           </a:p>
           <a:p>
             <a:pPr lvl="1"/>
             <a:r>
-              <a:rPr lang="en-US" smtClean="0"/>
+              <a:rPr lang="en-US"/>
               <a:t>Second level</a:t>
             </a:r>
           </a:p>
           <a:p>
             <a:pPr lvl="2"/>
             <a:r>
-              <a:rPr lang="en-US" smtClean="0"/>
+              <a:rPr lang="en-US"/>
               <a:t>Third level</a:t>
             </a:r>
           </a:p>
           <a:p>
             <a:pPr lvl="3"/>
             <a:r>
-              <a:rPr lang="en-US" smtClean="0"/>
+              <a:rPr lang="en-US"/>
               <a:t>Fourth level</a:t>
             </a:r>
           </a:p>
           <a:p>
             <a:pPr lvl="4"/>
             <a:r>
-              <a:rPr lang="en-US" smtClean="0"/>
+              <a:rPr lang="en-US"/>
               <a:t>Fifth level</a:t>
             </a:r>
-            <a:endParaRPr lang="en-US"/>
           </a:p>
         </p:txBody>
       </p:sp>
@@ -1840,10 +1841,9 @@
           <a:lstStyle/>
           <a:p>
             <a:r>
-              <a:rPr lang="en-US" smtClean="0"/>
+              <a:rPr lang="en-US"/>
               <a:t>Click to edit Master title style</a:t>
             </a:r>
-            <a:endParaRPr lang="en-US"/>
           </a:p>
         </p:txBody>
       </p:sp>
@@ -2056,10 +2056,9 @@
           </a:lstStyle>
           <a:p>
             <a:r>
-              <a:rPr lang="en-US" smtClean="0"/>
+              <a:rPr lang="en-US"/>
               <a:t>Click to edit Master title style</a:t>
             </a:r>
-            <a:endParaRPr lang="en-US"/>
           </a:p>
         </p:txBody>
       </p:sp>
@@ -2113,38 +2112,37 @@
           <a:p>
             <a:pPr lvl="0"/>
             <a:r>
-              <a:rPr lang="en-US" smtClean="0"/>
+              <a:rPr lang="en-US"/>
               <a:t>Click to edit Master text styles</a:t>
             </a:r>
           </a:p>
           <a:p>
             <a:pPr lvl="1"/>
             <a:r>
-              <a:rPr lang="en-US" smtClean="0"/>
+              <a:rPr lang="en-US"/>
               <a:t>Second level</a:t>
             </a:r>
           </a:p>
           <a:p>
             <a:pPr lvl="2"/>
             <a:r>
-              <a:rPr lang="en-US" smtClean="0"/>
+              <a:rPr lang="en-US"/>
               <a:t>Third level</a:t>
             </a:r>
           </a:p>
           <a:p>
             <a:pPr lvl="3"/>
             <a:r>
-              <a:rPr lang="en-US" smtClean="0"/>
+              <a:rPr lang="en-US"/>
               <a:t>Fourth level</a:t>
             </a:r>
           </a:p>
           <a:p>
             <a:pPr lvl="4"/>
             <a:r>
-              <a:rPr lang="en-US" smtClean="0"/>
+              <a:rPr lang="en-US"/>
               <a:t>Fifth level</a:t>
             </a:r>
-            <a:endParaRPr lang="en-US"/>
           </a:p>
         </p:txBody>
       </p:sp>
@@ -2207,7 +2205,7 @@
           <a:p>
             <a:pPr lvl="0"/>
             <a:r>
-              <a:rPr lang="en-US" smtClean="0"/>
+              <a:rPr lang="en-US"/>
               <a:t>Click to edit Master text styles</a:t>
             </a:r>
           </a:p>
@@ -2330,10 +2328,9 @@
           </a:lstStyle>
           <a:p>
             <a:r>
-              <a:rPr lang="en-US" smtClean="0"/>
+              <a:rPr lang="en-US"/>
               <a:t>Click to edit Master title style</a:t>
             </a:r>
-            <a:endParaRPr lang="en-US"/>
           </a:p>
         </p:txBody>
       </p:sp>
@@ -2457,7 +2454,7 @@
           <a:p>
             <a:pPr lvl="0"/>
             <a:r>
-              <a:rPr lang="en-US" smtClean="0"/>
+              <a:rPr lang="en-US"/>
               <a:t>Click to edit Master text styles</a:t>
             </a:r>
           </a:p>
@@ -2586,10 +2583,9 @@
           <a:lstStyle/>
           <a:p>
             <a:r>
-              <a:rPr lang="en-US" smtClean="0"/>
+              <a:rPr lang="en-US"/>
               <a:t>Click to edit Master title style</a:t>
             </a:r>
-            <a:endParaRPr lang="en-US"/>
           </a:p>
         </p:txBody>
       </p:sp>
@@ -2620,38 +2616,37 @@
           <a:p>
             <a:pPr lvl="0"/>
             <a:r>
-              <a:rPr lang="en-US" smtClean="0"/>
+              <a:rPr lang="en-US"/>
               <a:t>Click to edit Master text styles</a:t>
             </a:r>
           </a:p>
           <a:p>
             <a:pPr lvl="1"/>
             <a:r>
-              <a:rPr lang="en-US" smtClean="0"/>
+              <a:rPr lang="en-US"/>
               <a:t>Second level</a:t>
             </a:r>
           </a:p>
           <a:p>
             <a:pPr lvl="2"/>
             <a:r>
-              <a:rPr lang="en-US" smtClean="0"/>
+              <a:rPr lang="en-US"/>
               <a:t>Third level</a:t>
             </a:r>
           </a:p>
           <a:p>
             <a:pPr lvl="3"/>
             <a:r>
-              <a:rPr lang="en-US" smtClean="0"/>
+              <a:rPr lang="en-US"/>
               <a:t>Fourth level</a:t>
             </a:r>
           </a:p>
           <a:p>
             <a:pPr lvl="4"/>
             <a:r>
-              <a:rPr lang="en-US" smtClean="0"/>
+              <a:rPr lang="en-US"/>
               <a:t>Fifth level</a:t>
             </a:r>
-            <a:endParaRPr lang="en-US"/>
           </a:p>
         </p:txBody>
       </p:sp>
@@ -3152,7 +3147,7 @@
           <a:lstStyle/>
           <a:p>
             <a:r>
-              <a:rPr lang="en-US" sz="1400" dirty="0" smtClean="0">
+              <a:rPr lang="en-US" sz="1400" dirty="0">
                 <a:solidFill>
                   <a:sysClr val="windowText" lastClr="000000"/>
                 </a:solidFill>
@@ -3168,7 +3163,7 @@
               <a:buChar char="•"/>
             </a:pPr>
             <a:r>
-              <a:rPr lang="en-US" sz="1100" dirty="0" smtClean="0">
+              <a:rPr lang="en-US" sz="1100" dirty="0">
                 <a:solidFill>
                   <a:sysClr val="windowText" lastClr="000000"/>
                 </a:solidFill>
@@ -3184,7 +3179,7 @@
               <a:buChar char="•"/>
             </a:pPr>
             <a:r>
-              <a:rPr lang="en-US" sz="1100" dirty="0" smtClean="0">
+              <a:rPr lang="en-US" sz="1100" dirty="0">
                 <a:solidFill>
                   <a:sysClr val="windowText" lastClr="000000"/>
                 </a:solidFill>
@@ -3200,7 +3195,7 @@
               <a:buChar char="•"/>
             </a:pPr>
             <a:r>
-              <a:rPr lang="en-US" sz="1100" dirty="0" smtClean="0">
+              <a:rPr lang="en-US" sz="1100" dirty="0">
                 <a:solidFill>
                   <a:sysClr val="windowText" lastClr="000000"/>
                 </a:solidFill>
@@ -3259,7 +3254,7 @@
           <a:lstStyle/>
           <a:p>
             <a:r>
-              <a:rPr lang="en-US" sz="1400" dirty="0" smtClean="0">
+              <a:rPr lang="en-US" sz="1400" dirty="0">
                 <a:solidFill>
                   <a:sysClr val="windowText" lastClr="000000"/>
                 </a:solidFill>
@@ -3275,7 +3270,7 @@
               <a:buChar char="•"/>
             </a:pPr>
             <a:r>
-              <a:rPr lang="en-US" sz="1100" dirty="0" smtClean="0">
+              <a:rPr lang="en-US" sz="1100" dirty="0">
                 <a:solidFill>
                   <a:sysClr val="windowText" lastClr="000000"/>
                 </a:solidFill>
@@ -3291,7 +3286,7 @@
               <a:buChar char="•"/>
             </a:pPr>
             <a:r>
-              <a:rPr lang="en-US" sz="1100" dirty="0" smtClean="0">
+              <a:rPr lang="en-US" sz="1100" dirty="0">
                 <a:solidFill>
                   <a:sysClr val="windowText" lastClr="000000"/>
                 </a:solidFill>
@@ -3307,7 +3302,7 @@
               <a:buChar char="•"/>
             </a:pPr>
             <a:r>
-              <a:rPr lang="en-US" sz="1100" dirty="0" smtClean="0">
+              <a:rPr lang="en-US" sz="1100" dirty="0">
                 <a:solidFill>
                   <a:sysClr val="windowText" lastClr="000000"/>
                 </a:solidFill>
@@ -3366,7 +3361,7 @@
           <a:lstStyle/>
           <a:p>
             <a:r>
-              <a:rPr lang="en-US" sz="1400" dirty="0" smtClean="0">
+              <a:rPr lang="en-US" sz="1400" dirty="0">
                 <a:solidFill>
                   <a:sysClr val="windowText" lastClr="000000"/>
                 </a:solidFill>
@@ -3382,7 +3377,7 @@
               <a:buChar char="•"/>
             </a:pPr>
             <a:r>
-              <a:rPr lang="en-US" sz="1100" dirty="0" smtClean="0">
+              <a:rPr lang="en-US" sz="1100" dirty="0">
                 <a:solidFill>
                   <a:sysClr val="windowText" lastClr="000000"/>
                 </a:solidFill>
@@ -3398,7 +3393,7 @@
               <a:buChar char="•"/>
             </a:pPr>
             <a:r>
-              <a:rPr lang="en-US" sz="1100" dirty="0" smtClean="0">
+              <a:rPr lang="en-US" sz="1100" dirty="0">
                 <a:solidFill>
                   <a:sysClr val="windowText" lastClr="000000"/>
                 </a:solidFill>
@@ -3458,7 +3453,7 @@
           <a:p>
             <a:pPr algn="ctr"/>
             <a:r>
-              <a:rPr lang="en-US" sz="1400" dirty="0" smtClean="0">
+              <a:rPr lang="en-US" sz="1400" dirty="0">
                 <a:solidFill>
                   <a:sysClr val="windowText" lastClr="000000"/>
                 </a:solidFill>
@@ -3518,7 +3513,7 @@
           <a:p>
             <a:pPr algn="ctr"/>
             <a:r>
-              <a:rPr lang="en-US" sz="1400" dirty="0" smtClean="0">
+              <a:rPr lang="en-US" sz="1400" dirty="0">
                 <a:solidFill>
                   <a:sysClr val="windowText" lastClr="000000"/>
                 </a:solidFill>
@@ -3578,7 +3573,7 @@
           <a:p>
             <a:pPr algn="ctr"/>
             <a:r>
-              <a:rPr lang="en-US" sz="1400" dirty="0" smtClean="0">
+              <a:rPr lang="en-US" sz="1400" dirty="0">
                 <a:solidFill>
                   <a:sysClr val="windowText" lastClr="000000"/>
                 </a:solidFill>
@@ -3638,7 +3633,7 @@
           <a:p>
             <a:pPr algn="ctr"/>
             <a:r>
-              <a:rPr lang="en-US" sz="1400" dirty="0" smtClean="0">
+              <a:rPr lang="en-US" sz="1400" dirty="0">
                 <a:solidFill>
                   <a:sysClr val="windowText" lastClr="000000"/>
                 </a:solidFill>
@@ -3698,7 +3693,7 @@
           <a:p>
             <a:pPr algn="ctr"/>
             <a:r>
-              <a:rPr lang="en-US" sz="1400" dirty="0" smtClean="0">
+              <a:rPr lang="en-US" sz="1400" dirty="0">
                 <a:solidFill>
                   <a:sysClr val="windowText" lastClr="000000"/>
                 </a:solidFill>
@@ -3774,7 +3769,7 @@
                 </a:lnSpc>
               </a:pPr>
               <a:r>
-                <a:rPr lang="en-US" sz="1400" dirty="0" smtClean="0">
+                <a:rPr lang="en-US" sz="1400" dirty="0">
                   <a:solidFill>
                     <a:sysClr val="windowText" lastClr="000000"/>
                   </a:solidFill>
@@ -3791,7 +3786,7 @@
                 </a:lnSpc>
               </a:pPr>
               <a:r>
-                <a:rPr lang="en-US" sz="1400" dirty="0" smtClean="0">
+                <a:rPr lang="en-US" sz="1400" dirty="0">
                   <a:solidFill>
                     <a:sysClr val="windowText" lastClr="000000"/>
                   </a:solidFill>
@@ -4268,7 +4263,7 @@
           <a:p>
             <a:pPr algn="ctr"/>
             <a:r>
-              <a:rPr lang="en-US" sz="1400" dirty="0" smtClean="0">
+              <a:rPr lang="en-US" sz="1400" dirty="0">
                 <a:solidFill>
                   <a:schemeClr val="tx1"/>
                 </a:solidFill>
@@ -4625,7 +4620,7 @@
           <a:p>
             <a:pPr algn="ctr"/>
             <a:r>
-              <a:rPr lang="en-US" sz="1400" dirty="0" smtClean="0">
+              <a:rPr lang="en-US" sz="1400" dirty="0">
                 <a:solidFill>
                   <a:sysClr val="windowText" lastClr="000000"/>
                 </a:solidFill>
@@ -4638,7 +4633,7 @@
           <a:p>
             <a:pPr algn="ctr"/>
             <a:r>
-              <a:rPr lang="en-US" sz="1400" dirty="0" smtClean="0">
+              <a:rPr lang="en-US" sz="1400" dirty="0">
                 <a:solidFill>
                   <a:sysClr val="windowText" lastClr="000000"/>
                 </a:solidFill>
@@ -4698,7 +4693,7 @@
           <a:p>
             <a:pPr algn="ctr"/>
             <a:r>
-              <a:rPr lang="en-US" sz="1400" dirty="0" smtClean="0">
+              <a:rPr lang="en-US" sz="1400" dirty="0">
                 <a:solidFill>
                   <a:schemeClr val="tx1"/>
                 </a:solidFill>
@@ -4799,7 +4794,7 @@
           <a:p>
             <a:pPr algn="ctr"/>
             <a:r>
-              <a:rPr lang="en-US" sz="1400" dirty="0" smtClean="0">
+              <a:rPr lang="en-US" sz="1400" dirty="0">
                 <a:solidFill>
                   <a:schemeClr val="tx1"/>
                 </a:solidFill>
@@ -5028,7 +5023,7 @@
           <a:p>
             <a:pPr algn="ctr"/>
             <a:r>
-              <a:rPr lang="en-US" sz="1400" dirty="0" smtClean="0">
+              <a:rPr lang="en-US" sz="1400" dirty="0">
                 <a:solidFill>
                   <a:sysClr val="windowText" lastClr="000000"/>
                 </a:solidFill>
@@ -5044,7 +5039,7 @@
               <a:buChar char="•"/>
             </a:pPr>
             <a:r>
-              <a:rPr lang="en-US" sz="1100" dirty="0" smtClean="0">
+              <a:rPr lang="en-US" sz="1100" dirty="0">
                 <a:solidFill>
                   <a:sysClr val="windowText" lastClr="000000"/>
                 </a:solidFill>
@@ -5060,7 +5055,7 @@
               <a:buChar char="•"/>
             </a:pPr>
             <a:r>
-              <a:rPr lang="en-US" sz="1100" dirty="0" smtClean="0">
+              <a:rPr lang="en-US" sz="1100" dirty="0">
                 <a:solidFill>
                   <a:sysClr val="windowText" lastClr="000000"/>
                 </a:solidFill>
@@ -5069,7 +5064,7 @@
               </a:rPr>
               <a:t> Uses Path Data</a:t>
             </a:r>
-            <a:endParaRPr lang="en-US" sz="1400" dirty="0" smtClean="0">
+            <a:endParaRPr lang="en-US" sz="1400" dirty="0">
               <a:solidFill>
                 <a:sysClr val="windowText" lastClr="000000"/>
               </a:solidFill>
@@ -5152,7 +5147,7 @@
           <a:p>
             <a:pPr algn="ctr"/>
             <a:r>
-              <a:rPr lang="en-US" sz="1400" dirty="0" smtClean="0">
+              <a:rPr lang="en-US" sz="1400" dirty="0">
                 <a:solidFill>
                   <a:sysClr val="windowText" lastClr="000000"/>
                 </a:solidFill>
@@ -5165,7 +5160,7 @@
           <a:p>
             <a:pPr algn="ctr"/>
             <a:r>
-              <a:rPr lang="en-US" sz="1200" i="1" dirty="0" smtClean="0">
+              <a:rPr lang="en-US" sz="1200" i="1" dirty="0">
                 <a:solidFill>
                   <a:sysClr val="windowText" lastClr="000000"/>
                 </a:solidFill>
@@ -5225,7 +5220,7 @@
           <a:p>
             <a:pPr algn="ctr"/>
             <a:r>
-              <a:rPr lang="en-US" sz="1400" dirty="0" smtClean="0">
+              <a:rPr lang="en-US" sz="1400" dirty="0">
                 <a:solidFill>
                   <a:sysClr val="windowText" lastClr="000000"/>
                 </a:solidFill>
@@ -5238,7 +5233,7 @@
           <a:p>
             <a:pPr algn="ctr"/>
             <a:r>
-              <a:rPr lang="en-US" sz="1400" dirty="0" smtClean="0">
+              <a:rPr lang="en-US" sz="1400" dirty="0">
                 <a:solidFill>
                   <a:sysClr val="windowText" lastClr="000000"/>
                 </a:solidFill>
@@ -5553,7 +5548,7 @@
           <a:p>
             <a:pPr algn="ctr"/>
             <a:r>
-              <a:rPr lang="en-US" sz="1400" dirty="0" smtClean="0">
+              <a:rPr lang="en-US" sz="1400" dirty="0">
                 <a:solidFill>
                   <a:sysClr val="windowText" lastClr="000000"/>
                 </a:solidFill>
@@ -5616,7 +5611,7 @@
           <a:p>
             <a:pPr algn="ctr"/>
             <a:r>
-              <a:rPr lang="en-US" sz="1400" dirty="0" smtClean="0">
+              <a:rPr lang="en-US" sz="1400" dirty="0">
                 <a:solidFill>
                   <a:sysClr val="windowText" lastClr="000000"/>
                 </a:solidFill>
@@ -5679,7 +5674,7 @@
           <a:p>
             <a:pPr algn="ctr"/>
             <a:r>
-              <a:rPr lang="en-US" sz="1400" dirty="0" smtClean="0">
+              <a:rPr lang="en-US" sz="1400" dirty="0">
                 <a:solidFill>
                   <a:sysClr val="windowText" lastClr="000000"/>
                 </a:solidFill>
@@ -5742,7 +5737,7 @@
           <a:p>
             <a:pPr algn="ctr"/>
             <a:r>
-              <a:rPr lang="en-US" sz="1400" dirty="0" smtClean="0">
+              <a:rPr lang="en-US" sz="1400" dirty="0">
                 <a:solidFill>
                   <a:sysClr val="windowText" lastClr="000000"/>
                 </a:solidFill>
@@ -5805,7 +5800,7 @@
           <a:p>
             <a:pPr algn="ctr"/>
             <a:r>
-              <a:rPr lang="en-US" sz="1400" dirty="0" smtClean="0">
+              <a:rPr lang="en-US" sz="1400" dirty="0">
                 <a:solidFill>
                   <a:sysClr val="windowText" lastClr="000000"/>
                 </a:solidFill>
@@ -5868,7 +5863,7 @@
           <a:p>
             <a:pPr algn="ctr"/>
             <a:r>
-              <a:rPr lang="en-US" sz="1400" dirty="0" smtClean="0">
+              <a:rPr lang="en-US" sz="1400" dirty="0">
                 <a:solidFill>
                   <a:sysClr val="windowText" lastClr="000000"/>
                 </a:solidFill>
@@ -6031,13 +6026,15 @@
       <p:cxnSp>
         <p:nvCxnSpPr>
           <p:cNvPr id="116" name="Straight Arrow Connector 115"/>
-          <p:cNvCxnSpPr/>
+          <p:cNvCxnSpPr>
+            <a:cxnSpLocks/>
+          </p:cNvCxnSpPr>
           <p:nvPr/>
         </p:nvCxnSpPr>
         <p:spPr>
           <a:xfrm>
             <a:off x="6781800" y="2590800"/>
-            <a:ext cx="262078" cy="880922"/>
+            <a:ext cx="272845" cy="884903"/>
           </a:xfrm>
           <a:prstGeom prst="straightConnector1">
             <a:avLst/>
@@ -6074,7 +6071,7 @@
         </p:nvCxnSpPr>
         <p:spPr>
           <a:xfrm flipH="1" flipV="1">
-            <a:off x="6705600" y="2286000"/>
+            <a:off x="6688861" y="2286000"/>
             <a:ext cx="152400" cy="533400"/>
           </a:xfrm>
           <a:prstGeom prst="straightConnector1">
@@ -6107,13 +6104,15 @@
       <p:cxnSp>
         <p:nvCxnSpPr>
           <p:cNvPr id="90" name="Straight Arrow Connector 89"/>
-          <p:cNvCxnSpPr/>
+          <p:cNvCxnSpPr>
+            <a:cxnSpLocks/>
+          </p:cNvCxnSpPr>
           <p:nvPr/>
         </p:nvCxnSpPr>
         <p:spPr>
           <a:xfrm flipH="1" flipV="1">
-            <a:off x="4572000" y="2286000"/>
-            <a:ext cx="304800" cy="914400"/>
+            <a:off x="4648200" y="2286000"/>
+            <a:ext cx="228600" cy="914400"/>
           </a:xfrm>
           <a:prstGeom prst="straightConnector1">
             <a:avLst/>
@@ -6145,13 +6144,15 @@
       <p:cxnSp>
         <p:nvCxnSpPr>
           <p:cNvPr id="87" name="Straight Arrow Connector 86"/>
-          <p:cNvCxnSpPr/>
+          <p:cNvCxnSpPr>
+            <a:cxnSpLocks/>
+          </p:cNvCxnSpPr>
           <p:nvPr/>
         </p:nvCxnSpPr>
         <p:spPr>
           <a:xfrm>
-            <a:off x="4838700" y="3048000"/>
-            <a:ext cx="419100" cy="1447800"/>
+            <a:off x="4838700" y="3064739"/>
+            <a:ext cx="342900" cy="1397583"/>
           </a:xfrm>
           <a:prstGeom prst="straightConnector1">
             <a:avLst/>
@@ -6183,13 +6184,15 @@
       <p:cxnSp>
         <p:nvCxnSpPr>
           <p:cNvPr id="84" name="Straight Arrow Connector 83"/>
-          <p:cNvCxnSpPr/>
+          <p:cNvCxnSpPr>
+            <a:cxnSpLocks/>
+          </p:cNvCxnSpPr>
           <p:nvPr/>
         </p:nvCxnSpPr>
         <p:spPr>
           <a:xfrm>
             <a:off x="2895600" y="3352800"/>
-            <a:ext cx="304800" cy="1066800"/>
+            <a:ext cx="300178" cy="1109522"/>
           </a:xfrm>
           <a:prstGeom prst="straightConnector1">
             <a:avLst/>
@@ -6226,7 +6229,7 @@
         </p:nvCxnSpPr>
         <p:spPr>
           <a:xfrm>
-            <a:off x="1143000" y="3733800"/>
+            <a:off x="1157894" y="3733800"/>
             <a:ext cx="152400" cy="647700"/>
           </a:xfrm>
           <a:prstGeom prst="straightConnector1">
@@ -6259,13 +6262,15 @@
       <p:cxnSp>
         <p:nvCxnSpPr>
           <p:cNvPr id="76" name="Straight Arrow Connector 75"/>
-          <p:cNvCxnSpPr/>
+          <p:cNvCxnSpPr>
+            <a:cxnSpLocks/>
+          </p:cNvCxnSpPr>
           <p:nvPr/>
         </p:nvCxnSpPr>
         <p:spPr>
           <a:xfrm flipH="1" flipV="1">
-            <a:off x="2514600" y="1981200"/>
-            <a:ext cx="381000" cy="1371600"/>
+            <a:off x="2586178" y="2057400"/>
+            <a:ext cx="309422" cy="1295400"/>
           </a:xfrm>
           <a:prstGeom prst="straightConnector1">
             <a:avLst/>
@@ -7052,121 +7057,375 @@
           </a:p>
         </p:txBody>
       </p:sp>
-      <p:sp>
-        <p:nvSpPr>
-          <p:cNvPr id="36" name="TextBox 35"/>
-          <p:cNvSpPr txBox="1"/>
-          <p:nvPr/>
-        </p:nvSpPr>
-        <p:spPr>
-          <a:xfrm>
-            <a:off x="3810000" y="1676400"/>
-            <a:ext cx="1524000" cy="276999"/>
-          </a:xfrm>
-          <a:prstGeom prst="rect">
-            <a:avLst/>
-          </a:prstGeom>
-          <a:noFill/>
-        </p:spPr>
-        <p:txBody>
-          <a:bodyPr wrap="square" rtlCol="0">
-            <a:spAutoFit/>
-          </a:bodyPr>
-          <a:lstStyle/>
-          <a:p>
-            <a:r>
-              <a:rPr lang="en-US" sz="1200" dirty="0" smtClean="0">
-                <a:latin typeface="Times New Roman" pitchFamily="18" charset="0"/>
-                <a:cs typeface="Times New Roman" pitchFamily="18" charset="0"/>
-              </a:rPr>
-              <a:t>Last seen </a:t>
-            </a:r>
-            <a:r>
-              <a:rPr lang="en-US" sz="1200" dirty="0" smtClean="0">
-                <a:latin typeface="Times New Roman" pitchFamily="18" charset="0"/>
-                <a:cs typeface="Times New Roman" pitchFamily="18" charset="0"/>
-              </a:rPr>
-              <a:t>location</a:t>
-            </a:r>
-            <a:endParaRPr lang="en-US" sz="1200" dirty="0">
-              <a:latin typeface="Times New Roman" pitchFamily="18" charset="0"/>
-              <a:cs typeface="Times New Roman" pitchFamily="18" charset="0"/>
-            </a:endParaRPr>
-          </a:p>
-        </p:txBody>
-      </p:sp>
-      <p:sp>
-        <p:nvSpPr>
-          <p:cNvPr id="37" name="TextBox 36"/>
-          <p:cNvSpPr txBox="1"/>
-          <p:nvPr/>
-        </p:nvSpPr>
-        <p:spPr>
-          <a:xfrm>
-            <a:off x="3886200" y="4114800"/>
-            <a:ext cx="1143000" cy="461665"/>
-          </a:xfrm>
-          <a:prstGeom prst="rect">
-            <a:avLst/>
-          </a:prstGeom>
-          <a:noFill/>
-        </p:spPr>
-        <p:txBody>
-          <a:bodyPr wrap="square" rtlCol="0">
-            <a:spAutoFit/>
-          </a:bodyPr>
-          <a:lstStyle/>
-          <a:p>
-            <a:r>
-              <a:rPr lang="en-US" sz="1200" dirty="0" smtClean="0">
-                <a:latin typeface="Times New Roman" pitchFamily="18" charset="0"/>
-                <a:cs typeface="Times New Roman" pitchFamily="18" charset="0"/>
-              </a:rPr>
-              <a:t>Location of first contact</a:t>
-            </a:r>
-            <a:endParaRPr lang="en-US" sz="1200" dirty="0">
-              <a:latin typeface="Times New Roman" pitchFamily="18" charset="0"/>
-              <a:cs typeface="Times New Roman" pitchFamily="18" charset="0"/>
-            </a:endParaRPr>
-          </a:p>
-        </p:txBody>
-      </p:sp>
-      <p:sp>
-        <p:nvSpPr>
-          <p:cNvPr id="73" name="TextBox 72"/>
-          <p:cNvSpPr txBox="1"/>
-          <p:nvPr/>
-        </p:nvSpPr>
-        <p:spPr>
-          <a:xfrm>
-            <a:off x="1447800" y="4038600"/>
-            <a:ext cx="914400" cy="276999"/>
-          </a:xfrm>
-          <a:prstGeom prst="rect">
-            <a:avLst/>
-          </a:prstGeom>
-          <a:noFill/>
-        </p:spPr>
-        <p:txBody>
-          <a:bodyPr wrap="square" rtlCol="0">
-            <a:spAutoFit/>
-          </a:bodyPr>
-          <a:lstStyle/>
-          <a:p>
-            <a:r>
-              <a:rPr lang="en-US" sz="1200" dirty="0" smtClean="0">
-                <a:latin typeface="Times New Roman" pitchFamily="18" charset="0"/>
-                <a:cs typeface="Times New Roman" pitchFamily="18" charset="0"/>
-              </a:rPr>
-              <a:t>Flight node</a:t>
-            </a:r>
-            <a:endParaRPr lang="en-US" sz="1200" dirty="0">
-              <a:latin typeface="Times New Roman" pitchFamily="18" charset="0"/>
-              <a:cs typeface="Times New Roman" pitchFamily="18" charset="0"/>
-            </a:endParaRPr>
-          </a:p>
-        </p:txBody>
-      </p:sp>
+      <mc:AlternateContent xmlns:mc="http://schemas.openxmlformats.org/markup-compatibility/2006" xmlns:a14="http://schemas.microsoft.com/office/drawing/2010/main">
+        <mc:Choice Requires="a14">
+          <p:sp>
+            <p:nvSpPr>
+              <p:cNvPr id="36" name="TextBox 35"/>
+              <p:cNvSpPr txBox="1"/>
+              <p:nvPr/>
+            </p:nvSpPr>
+            <p:spPr>
+              <a:xfrm>
+                <a:off x="3810000" y="1676400"/>
+                <a:ext cx="1524000" cy="276999"/>
+              </a:xfrm>
+              <a:prstGeom prst="rect">
+                <a:avLst/>
+              </a:prstGeom>
+              <a:noFill/>
+            </p:spPr>
+            <p:txBody>
+              <a:bodyPr wrap="square" rtlCol="0">
+                <a:spAutoFit/>
+              </a:bodyPr>
+              <a:lstStyle/>
+              <a:p>
+                <a:r>
+                  <a:rPr lang="en-US" sz="1200" dirty="0">
+                    <a:latin typeface="Times New Roman" pitchFamily="18" charset="0"/>
+                    <a:cs typeface="Times New Roman" pitchFamily="18" charset="0"/>
+                  </a:rPr>
+                  <a:t>Last seen location, </a:t>
+                </a:r>
+                <a14:m>
+                  <m:oMath xmlns:m="http://schemas.openxmlformats.org/officeDocument/2006/math">
+                    <m:sSub>
+                      <m:sSubPr>
+                        <m:ctrlPr>
+                          <a:rPr lang="en-US" sz="1200" i="1">
+                            <a:latin typeface="Cambria Math" panose="02040503050406030204" pitchFamily="18" charset="0"/>
+                            <a:cs typeface="Times New Roman" pitchFamily="18" charset="0"/>
+                          </a:rPr>
+                        </m:ctrlPr>
+                      </m:sSubPr>
+                      <m:e>
+                        <m:acc>
+                          <m:accPr>
+                            <m:chr m:val="⃗"/>
+                            <m:ctrlPr>
+                              <a:rPr lang="en-US" sz="1200" i="1">
+                                <a:latin typeface="Cambria Math" panose="02040503050406030204" pitchFamily="18" charset="0"/>
+                                <a:cs typeface="Times New Roman" pitchFamily="18" charset="0"/>
+                              </a:rPr>
+                            </m:ctrlPr>
+                          </m:accPr>
+                          <m:e>
+                            <m:r>
+                              <a:rPr lang="en-US" sz="1200" i="1">
+                                <a:latin typeface="Cambria Math" panose="02040503050406030204" pitchFamily="18" charset="0"/>
+                                <a:cs typeface="Times New Roman" pitchFamily="18" charset="0"/>
+                              </a:rPr>
+                              <m:t>𝑜</m:t>
+                            </m:r>
+                          </m:e>
+                        </m:acc>
+                      </m:e>
+                      <m:sub>
+                        <m:r>
+                          <a:rPr lang="en-US" sz="1200" b="0" i="1" smtClean="0">
+                            <a:latin typeface="Cambria Math" panose="02040503050406030204" pitchFamily="18" charset="0"/>
+                            <a:cs typeface="Times New Roman" pitchFamily="18" charset="0"/>
+                          </a:rPr>
+                          <m:t>𝑒</m:t>
+                        </m:r>
+                      </m:sub>
+                    </m:sSub>
+                  </m:oMath>
+                </a14:m>
+                <a:endParaRPr lang="en-US" sz="1200" dirty="0">
+                  <a:latin typeface="Times New Roman" pitchFamily="18" charset="0"/>
+                  <a:cs typeface="Times New Roman" pitchFamily="18" charset="0"/>
+                </a:endParaRPr>
+              </a:p>
+            </p:txBody>
+          </p:sp>
+        </mc:Choice>
+        <mc:Fallback xmlns="">
+          <p:sp>
+            <p:nvSpPr>
+              <p:cNvPr id="36" name="TextBox 35"/>
+              <p:cNvSpPr txBox="1">
+                <a:spLocks noRot="1" noChangeAspect="1" noMove="1" noResize="1" noEditPoints="1" noAdjustHandles="1" noChangeArrowheads="1" noChangeShapeType="1" noTextEdit="1"/>
+              </p:cNvSpPr>
+              <p:nvPr/>
+            </p:nvSpPr>
+            <p:spPr>
+              <a:xfrm>
+                <a:off x="3810000" y="1676400"/>
+                <a:ext cx="1524000" cy="276999"/>
+              </a:xfrm>
+              <a:prstGeom prst="rect">
+                <a:avLst/>
+              </a:prstGeom>
+              <a:blipFill>
+                <a:blip r:embed="rId2"/>
+                <a:stretch>
+                  <a:fillRect r="-5200" b="-17778"/>
+                </a:stretch>
+              </a:blipFill>
+            </p:spPr>
+            <p:txBody>
+              <a:bodyPr/>
+              <a:lstStyle/>
+              <a:p>
+                <a:r>
+                  <a:rPr lang="en-US">
+                    <a:noFill/>
+                  </a:rPr>
+                  <a:t> </a:t>
+                </a:r>
+              </a:p>
+            </p:txBody>
+          </p:sp>
+        </mc:Fallback>
+      </mc:AlternateContent>
+      <mc:AlternateContent xmlns:mc="http://schemas.openxmlformats.org/markup-compatibility/2006" xmlns:a14="http://schemas.microsoft.com/office/drawing/2010/main">
+        <mc:Choice Requires="a14">
+          <p:sp>
+            <p:nvSpPr>
+              <p:cNvPr id="37" name="TextBox 36"/>
+              <p:cNvSpPr txBox="1"/>
+              <p:nvPr/>
+            </p:nvSpPr>
+            <p:spPr>
+              <a:xfrm>
+                <a:off x="3886200" y="4114800"/>
+                <a:ext cx="1143000" cy="461665"/>
+              </a:xfrm>
+              <a:prstGeom prst="rect">
+                <a:avLst/>
+              </a:prstGeom>
+              <a:noFill/>
+            </p:spPr>
+            <p:txBody>
+              <a:bodyPr wrap="square" rtlCol="0">
+                <a:spAutoFit/>
+              </a:bodyPr>
+              <a:lstStyle/>
+              <a:p>
+                <a:r>
+                  <a:rPr lang="en-US" sz="1200" dirty="0">
+                    <a:latin typeface="Times New Roman" pitchFamily="18" charset="0"/>
+                    <a:cs typeface="Times New Roman" pitchFamily="18" charset="0"/>
+                  </a:rPr>
+                  <a:t>Location of first contact, </a:t>
+                </a:r>
+                <a14:m>
+                  <m:oMath xmlns:m="http://schemas.openxmlformats.org/officeDocument/2006/math">
+                    <m:sSub>
+                      <m:sSubPr>
+                        <m:ctrlPr>
+                          <a:rPr lang="en-US" sz="1200" b="0" i="1" smtClean="0">
+                            <a:latin typeface="Cambria Math" panose="02040503050406030204" pitchFamily="18" charset="0"/>
+                            <a:cs typeface="Times New Roman" pitchFamily="18" charset="0"/>
+                          </a:rPr>
+                        </m:ctrlPr>
+                      </m:sSubPr>
+                      <m:e>
+                        <m:acc>
+                          <m:accPr>
+                            <m:chr m:val="⃗"/>
+                            <m:ctrlPr>
+                              <a:rPr lang="en-US" sz="1200" i="1" smtClean="0">
+                                <a:latin typeface="Cambria Math" panose="02040503050406030204" pitchFamily="18" charset="0"/>
+                                <a:cs typeface="Times New Roman" pitchFamily="18" charset="0"/>
+                              </a:rPr>
+                            </m:ctrlPr>
+                          </m:accPr>
+                          <m:e>
+                            <m:r>
+                              <a:rPr lang="en-US" sz="1200" b="0" i="1" smtClean="0">
+                                <a:latin typeface="Cambria Math" panose="02040503050406030204" pitchFamily="18" charset="0"/>
+                                <a:cs typeface="Times New Roman" pitchFamily="18" charset="0"/>
+                              </a:rPr>
+                              <m:t>𝑜</m:t>
+                            </m:r>
+                          </m:e>
+                        </m:acc>
+                      </m:e>
+                      <m:sub>
+                        <m:r>
+                          <a:rPr lang="en-US" sz="1200" b="0" i="1" smtClean="0">
+                            <a:latin typeface="Cambria Math" panose="02040503050406030204" pitchFamily="18" charset="0"/>
+                            <a:cs typeface="Times New Roman" pitchFamily="18" charset="0"/>
+                          </a:rPr>
+                          <m:t>𝑠</m:t>
+                        </m:r>
+                      </m:sub>
+                    </m:sSub>
+                  </m:oMath>
+                </a14:m>
+                <a:endParaRPr lang="en-US" sz="1200" dirty="0">
+                  <a:latin typeface="Times New Roman" pitchFamily="18" charset="0"/>
+                  <a:cs typeface="Times New Roman" pitchFamily="18" charset="0"/>
+                </a:endParaRPr>
+              </a:p>
+            </p:txBody>
+          </p:sp>
+        </mc:Choice>
+        <mc:Fallback xmlns="">
+          <p:sp>
+            <p:nvSpPr>
+              <p:cNvPr id="37" name="TextBox 36"/>
+              <p:cNvSpPr txBox="1">
+                <a:spLocks noRot="1" noChangeAspect="1" noMove="1" noResize="1" noEditPoints="1" noAdjustHandles="1" noChangeArrowheads="1" noChangeShapeType="1" noTextEdit="1"/>
+              </p:cNvSpPr>
+              <p:nvPr/>
+            </p:nvSpPr>
+            <p:spPr>
+              <a:xfrm>
+                <a:off x="3886200" y="4114800"/>
+                <a:ext cx="1143000" cy="461665"/>
+              </a:xfrm>
+              <a:prstGeom prst="rect">
+                <a:avLst/>
+              </a:prstGeom>
+              <a:blipFill>
+                <a:blip r:embed="rId3"/>
+                <a:stretch>
+                  <a:fillRect l="-535" r="-7487" b="-9211"/>
+                </a:stretch>
+              </a:blipFill>
+            </p:spPr>
+            <p:txBody>
+              <a:bodyPr/>
+              <a:lstStyle/>
+              <a:p>
+                <a:r>
+                  <a:rPr lang="en-US">
+                    <a:noFill/>
+                  </a:rPr>
+                  <a:t> </a:t>
+                </a:r>
+              </a:p>
+            </p:txBody>
+          </p:sp>
+        </mc:Fallback>
+      </mc:AlternateContent>
+      <mc:AlternateContent xmlns:mc="http://schemas.openxmlformats.org/markup-compatibility/2006" xmlns:a14="http://schemas.microsoft.com/office/drawing/2010/main">
+        <mc:Choice Requires="a14">
+          <p:sp>
+            <p:nvSpPr>
+              <p:cNvPr id="73" name="TextBox 72"/>
+              <p:cNvSpPr txBox="1"/>
+              <p:nvPr/>
+            </p:nvSpPr>
+            <p:spPr>
+              <a:xfrm>
+                <a:off x="1447800" y="4038600"/>
+                <a:ext cx="1138378" cy="291875"/>
+              </a:xfrm>
+              <a:prstGeom prst="rect">
+                <a:avLst/>
+              </a:prstGeom>
+              <a:noFill/>
+            </p:spPr>
+            <p:txBody>
+              <a:bodyPr wrap="square" rtlCol="0">
+                <a:spAutoFit/>
+              </a:bodyPr>
+              <a:lstStyle/>
+              <a:p>
+                <a:r>
+                  <a:rPr lang="en-US" sz="1200" dirty="0">
+                    <a:latin typeface="Times New Roman" pitchFamily="18" charset="0"/>
+                    <a:cs typeface="Times New Roman" pitchFamily="18" charset="0"/>
+                  </a:rPr>
+                  <a:t>Flight node, </a:t>
+                </a:r>
+                <a14:m>
+                  <m:oMath xmlns:m="http://schemas.openxmlformats.org/officeDocument/2006/math">
+                    <m:sSub>
+                      <m:sSubPr>
+                        <m:ctrlPr>
+                          <a:rPr lang="en-US" sz="1200" i="1">
+                            <a:latin typeface="Cambria Math" panose="02040503050406030204" pitchFamily="18" charset="0"/>
+                            <a:cs typeface="Times New Roman" pitchFamily="18" charset="0"/>
+                          </a:rPr>
+                        </m:ctrlPr>
+                      </m:sSubPr>
+                      <m:e>
+                        <m:acc>
+                          <m:accPr>
+                            <m:chr m:val="⃗"/>
+                            <m:ctrlPr>
+                              <a:rPr lang="en-US" sz="1200" i="1">
+                                <a:latin typeface="Cambria Math" panose="02040503050406030204" pitchFamily="18" charset="0"/>
+                                <a:cs typeface="Times New Roman" pitchFamily="18" charset="0"/>
+                              </a:rPr>
+                            </m:ctrlPr>
+                          </m:accPr>
+                          <m:e>
+                            <m:r>
+                              <a:rPr lang="en-US" sz="1200" b="0" i="1" smtClean="0">
+                                <a:latin typeface="Cambria Math" panose="02040503050406030204" pitchFamily="18" charset="0"/>
+                                <a:cs typeface="Times New Roman" pitchFamily="18" charset="0"/>
+                              </a:rPr>
+                              <m:t>𝑛</m:t>
+                            </m:r>
+                          </m:e>
+                        </m:acc>
+                      </m:e>
+                      <m:sub>
+                        <m:r>
+                          <a:rPr lang="en-US" sz="1200" b="0" i="1" smtClean="0">
+                            <a:latin typeface="Cambria Math" panose="02040503050406030204" pitchFamily="18" charset="0"/>
+                            <a:cs typeface="Times New Roman" pitchFamily="18" charset="0"/>
+                          </a:rPr>
+                          <m:t>𝑗</m:t>
+                        </m:r>
+                      </m:sub>
+                    </m:sSub>
+                  </m:oMath>
+                </a14:m>
+                <a:endParaRPr lang="en-US" sz="1200" dirty="0">
+                  <a:latin typeface="Times New Roman" pitchFamily="18" charset="0"/>
+                  <a:cs typeface="Times New Roman" pitchFamily="18" charset="0"/>
+                </a:endParaRPr>
+              </a:p>
+            </p:txBody>
+          </p:sp>
+        </mc:Choice>
+        <mc:Fallback xmlns="">
+          <p:sp>
+            <p:nvSpPr>
+              <p:cNvPr id="73" name="TextBox 72"/>
+              <p:cNvSpPr txBox="1">
+                <a:spLocks noRot="1" noChangeAspect="1" noMove="1" noResize="1" noEditPoints="1" noAdjustHandles="1" noChangeArrowheads="1" noChangeShapeType="1" noTextEdit="1"/>
+              </p:cNvSpPr>
+              <p:nvPr/>
+            </p:nvSpPr>
+            <p:spPr>
+              <a:xfrm>
+                <a:off x="1447800" y="4038600"/>
+                <a:ext cx="1138378" cy="291875"/>
+              </a:xfrm>
+              <a:prstGeom prst="rect">
+                <a:avLst/>
+              </a:prstGeom>
+              <a:blipFill>
+                <a:blip r:embed="rId4"/>
+                <a:stretch>
+                  <a:fillRect l="-538" t="-2128" b="-10638"/>
+                </a:stretch>
+              </a:blipFill>
+            </p:spPr>
+            <p:txBody>
+              <a:bodyPr/>
+              <a:lstStyle/>
+              <a:p>
+                <a:r>
+                  <a:rPr lang="en-US">
+                    <a:noFill/>
+                  </a:rPr>
+                  <a:t> </a:t>
+                </a:r>
+              </a:p>
+            </p:txBody>
+          </p:sp>
+        </mc:Fallback>
+      </mc:AlternateContent>
       <p:sp>
         <p:nvSpPr>
           <p:cNvPr id="101" name="Diamond 100"/>
@@ -7346,16 +7605,12 @@
           <a:lstStyle/>
           <a:p>
             <a:r>
-              <a:rPr lang="en-US" sz="1200" dirty="0" smtClean="0">
+              <a:rPr lang="en-US" sz="1200" dirty="0">
                 <a:latin typeface="Times New Roman" pitchFamily="18" charset="0"/>
                 <a:cs typeface="Times New Roman" pitchFamily="18" charset="0"/>
               </a:rPr>
               <a:t>Flight Path</a:t>
             </a:r>
-            <a:endParaRPr lang="en-US" sz="1200" dirty="0">
-              <a:latin typeface="Times New Roman" pitchFamily="18" charset="0"/>
-              <a:cs typeface="Times New Roman" pitchFamily="18" charset="0"/>
-            </a:endParaRPr>
           </a:p>
         </p:txBody>
       </p:sp>
@@ -7383,203 +7638,364 @@
           <a:p>
             <a:pPr algn="ctr"/>
             <a:r>
-              <a:rPr lang="en-US" sz="1200" dirty="0" smtClean="0">
+              <a:rPr lang="en-US" sz="1200" dirty="0">
                 <a:latin typeface="Times New Roman" pitchFamily="18" charset="0"/>
                 <a:cs typeface="Times New Roman" pitchFamily="18" charset="0"/>
               </a:rPr>
               <a:t>Sim Object Path</a:t>
             </a:r>
-            <a:endParaRPr lang="en-US" sz="1200" dirty="0">
-              <a:latin typeface="Times New Roman" pitchFamily="18" charset="0"/>
-              <a:cs typeface="Times New Roman" pitchFamily="18" charset="0"/>
-            </a:endParaRPr>
-          </a:p>
-        </p:txBody>
-      </p:sp>
-      <p:grpSp>
-        <p:nvGrpSpPr>
-          <p:cNvPr id="136" name="Group 135"/>
-          <p:cNvGrpSpPr/>
-          <p:nvPr/>
-        </p:nvGrpSpPr>
-        <p:grpSpPr>
-          <a:xfrm>
-            <a:off x="5562600" y="1295400"/>
-            <a:ext cx="2438400" cy="762000"/>
-            <a:chOff x="5943600" y="3352800"/>
-            <a:chExt cx="2414016" cy="762000"/>
-          </a:xfrm>
-        </p:grpSpPr>
-        <p:sp>
-          <p:nvSpPr>
-            <p:cNvPr id="127" name="Rectangle 126"/>
-            <p:cNvSpPr/>
-            <p:nvPr/>
-          </p:nvSpPr>
-          <p:spPr>
-            <a:xfrm>
-              <a:off x="5943600" y="3352800"/>
-              <a:ext cx="2414016" cy="762000"/>
-            </a:xfrm>
-            <a:prstGeom prst="rect">
-              <a:avLst/>
-            </a:prstGeom>
-            <a:solidFill>
-              <a:schemeClr val="bg1"/>
-            </a:solidFill>
-            <a:ln cmpd="thickThin">
+          </a:p>
+        </p:txBody>
+      </p:sp>
+      <mc:AlternateContent xmlns:mc="http://schemas.openxmlformats.org/markup-compatibility/2006">
+        <mc:Choice xmlns:a14="http://schemas.microsoft.com/office/drawing/2010/main" Requires="a14">
+          <p:sp>
+            <p:nvSpPr>
+              <p:cNvPr id="127" name="Rectangle 126"/>
+              <p:cNvSpPr/>
+              <p:nvPr/>
+            </p:nvSpPr>
+            <p:spPr>
+              <a:xfrm>
+                <a:off x="5632837" y="1095483"/>
+                <a:ext cx="2438400" cy="785180"/>
+              </a:xfrm>
+              <a:prstGeom prst="rect">
+                <a:avLst/>
+              </a:prstGeom>
               <a:solidFill>
-                <a:schemeClr val="tx1"/>
+                <a:schemeClr val="bg1"/>
               </a:solidFill>
-              <a:prstDash val="solid"/>
-            </a:ln>
-          </p:spPr>
-          <p:style>
-            <a:lnRef idx="2">
-              <a:schemeClr val="accent1">
-                <a:shade val="50000"/>
-              </a:schemeClr>
-            </a:lnRef>
-            <a:fillRef idx="1">
-              <a:schemeClr val="accent1"/>
-            </a:fillRef>
-            <a:effectRef idx="0">
-              <a:schemeClr val="accent1"/>
-            </a:effectRef>
-            <a:fontRef idx="minor">
-              <a:schemeClr val="lt1"/>
-            </a:fontRef>
-          </p:style>
-          <p:txBody>
-            <a:bodyPr rtlCol="0" anchor="ctr"/>
-            <a:lstStyle/>
-            <a:p>
-              <a:pPr marL="511175" indent="288925">
-                <a:lnSpc>
-                  <a:spcPct val="150000"/>
-                </a:lnSpc>
-                <a:spcBef>
-                  <a:spcPts val="10"/>
-                </a:spcBef>
-              </a:pPr>
-              <a:r>
-                <a:rPr lang="en-US" sz="1200" dirty="0" smtClean="0">
+              <a:ln cmpd="thickThin">
+                <a:solidFill>
+                  <a:schemeClr val="tx1"/>
+                </a:solidFill>
+                <a:prstDash val="solid"/>
+              </a:ln>
+            </p:spPr>
+            <p:style>
+              <a:lnRef idx="2">
+                <a:schemeClr val="accent1">
+                  <a:shade val="50000"/>
+                </a:schemeClr>
+              </a:lnRef>
+              <a:fillRef idx="1">
+                <a:schemeClr val="accent1"/>
+              </a:fillRef>
+              <a:effectRef idx="0">
+                <a:schemeClr val="accent1"/>
+              </a:effectRef>
+              <a:fontRef idx="minor">
+                <a:schemeClr val="lt1"/>
+              </a:fontRef>
+            </p:style>
+            <p:txBody>
+              <a:bodyPr rtlCol="0" anchor="ctr"/>
+              <a:lstStyle/>
+              <a:p>
+                <a:pPr marL="511175" indent="288925">
+                  <a:lnSpc>
+                    <a:spcPct val="150000"/>
+                  </a:lnSpc>
+                  <a:spcBef>
+                    <a:spcPts val="10"/>
+                  </a:spcBef>
+                </a:pPr>
+                <a:r>
+                  <a:rPr lang="en-US" sz="1200" dirty="0">
+                    <a:solidFill>
+                      <a:sysClr val="windowText" lastClr="000000"/>
+                    </a:solidFill>
+                    <a:latin typeface="Times New Roman" pitchFamily="18" charset="0"/>
+                    <a:cs typeface="Times New Roman" pitchFamily="18" charset="0"/>
+                  </a:rPr>
+                  <a:t>Alteration Vector, </a:t>
+                </a:r>
+                <a14:m>
+                  <m:oMath xmlns:m="http://schemas.openxmlformats.org/officeDocument/2006/math">
+                    <m:sSub>
+                      <m:sSubPr>
+                        <m:ctrlPr>
+                          <a:rPr lang="en-US" sz="1200" b="0" i="1" smtClean="0">
+                            <a:solidFill>
+                              <a:sysClr val="windowText" lastClr="000000"/>
+                            </a:solidFill>
+                            <a:latin typeface="Cambria Math" panose="02040503050406030204" pitchFamily="18" charset="0"/>
+                            <a:ea typeface="Cambria Math" panose="02040503050406030204" pitchFamily="18" charset="0"/>
+                            <a:cs typeface="Times New Roman" pitchFamily="18" charset="0"/>
+                          </a:rPr>
+                        </m:ctrlPr>
+                      </m:sSubPr>
+                      <m:e>
+                        <m:acc>
+                          <m:accPr>
+                            <m:chr m:val="⃗"/>
+                            <m:ctrlPr>
+                              <a:rPr lang="en-US" sz="1200" i="1" smtClean="0">
+                                <a:solidFill>
+                                  <a:sysClr val="windowText" lastClr="000000"/>
+                                </a:solidFill>
+                                <a:latin typeface="Cambria Math" panose="02040503050406030204" pitchFamily="18" charset="0"/>
+                                <a:cs typeface="Times New Roman" pitchFamily="18" charset="0"/>
+                              </a:rPr>
+                            </m:ctrlPr>
+                          </m:accPr>
+                          <m:e>
+                            <m:r>
+                              <a:rPr lang="en-US" sz="1200" i="1" smtClean="0">
+                                <a:solidFill>
+                                  <a:sysClr val="windowText" lastClr="000000"/>
+                                </a:solidFill>
+                                <a:latin typeface="Cambria Math" panose="02040503050406030204" pitchFamily="18" charset="0"/>
+                                <a:ea typeface="Cambria Math" panose="02040503050406030204" pitchFamily="18" charset="0"/>
+                                <a:cs typeface="Times New Roman" pitchFamily="18" charset="0"/>
+                              </a:rPr>
+                              <m:t>𝛿</m:t>
+                            </m:r>
+                          </m:e>
+                        </m:acc>
+                      </m:e>
+                      <m:sub>
+                        <m:r>
+                          <a:rPr lang="en-US" sz="1200" b="0" i="1" smtClean="0">
+                            <a:solidFill>
+                              <a:sysClr val="windowText" lastClr="000000"/>
+                            </a:solidFill>
+                            <a:latin typeface="Cambria Math" panose="02040503050406030204" pitchFamily="18" charset="0"/>
+                            <a:ea typeface="Cambria Math" panose="02040503050406030204" pitchFamily="18" charset="0"/>
+                            <a:cs typeface="Times New Roman" pitchFamily="18" charset="0"/>
+                          </a:rPr>
+                          <m:t>𝑗</m:t>
+                        </m:r>
+                      </m:sub>
+                    </m:sSub>
+                  </m:oMath>
+                </a14:m>
+                <a:endParaRPr lang="en-US" sz="1200" dirty="0">
                   <a:solidFill>
                     <a:sysClr val="windowText" lastClr="000000"/>
                   </a:solidFill>
                   <a:latin typeface="Times New Roman" pitchFamily="18" charset="0"/>
                   <a:cs typeface="Times New Roman" pitchFamily="18" charset="0"/>
-                </a:rPr>
-                <a:t>Alteration Vector</a:t>
-              </a:r>
-            </a:p>
-            <a:p>
-              <a:pPr marL="511175" indent="288925">
-                <a:lnSpc>
-                  <a:spcPct val="150000"/>
-                </a:lnSpc>
-                <a:spcBef>
-                  <a:spcPts val="10"/>
-                </a:spcBef>
-              </a:pPr>
-              <a:r>
-                <a:rPr lang="en-US" sz="1200" dirty="0" smtClean="0">
+                </a:endParaRPr>
+              </a:p>
+              <a:p>
+                <a:pPr marL="511175" indent="288925">
+                  <a:lnSpc>
+                    <a:spcPct val="150000"/>
+                  </a:lnSpc>
+                  <a:spcBef>
+                    <a:spcPts val="10"/>
+                  </a:spcBef>
+                </a:pPr>
+                <a:r>
+                  <a:rPr lang="en-US" sz="1200" dirty="0">
+                    <a:solidFill>
+                      <a:sysClr val="windowText" lastClr="000000"/>
+                    </a:solidFill>
+                    <a:latin typeface="Times New Roman" pitchFamily="18" charset="0"/>
+                    <a:cs typeface="Times New Roman" pitchFamily="18" charset="0"/>
+                  </a:rPr>
+                  <a:t>Distance Vector, </a:t>
+                </a:r>
+                <a14:m>
+                  <m:oMath xmlns:m="http://schemas.openxmlformats.org/officeDocument/2006/math">
+                    <m:sSub>
+                      <m:sSubPr>
+                        <m:ctrlPr>
+                          <a:rPr lang="en-US" sz="1200" b="0" i="1" smtClean="0">
+                            <a:solidFill>
+                              <a:sysClr val="windowText" lastClr="000000"/>
+                            </a:solidFill>
+                            <a:latin typeface="Cambria Math" panose="02040503050406030204" pitchFamily="18" charset="0"/>
+                            <a:cs typeface="Times New Roman" pitchFamily="18" charset="0"/>
+                          </a:rPr>
+                        </m:ctrlPr>
+                      </m:sSubPr>
+                      <m:e>
+                        <m:acc>
+                          <m:accPr>
+                            <m:chr m:val="⃗"/>
+                            <m:ctrlPr>
+                              <a:rPr lang="en-US" sz="1200" i="1" smtClean="0">
+                                <a:solidFill>
+                                  <a:sysClr val="windowText" lastClr="000000"/>
+                                </a:solidFill>
+                                <a:latin typeface="Cambria Math" panose="02040503050406030204" pitchFamily="18" charset="0"/>
+                                <a:cs typeface="Times New Roman" pitchFamily="18" charset="0"/>
+                              </a:rPr>
+                            </m:ctrlPr>
+                          </m:accPr>
+                          <m:e>
+                            <m:r>
+                              <a:rPr lang="en-US" sz="1200" b="0" i="1" smtClean="0">
+                                <a:solidFill>
+                                  <a:sysClr val="windowText" lastClr="000000"/>
+                                </a:solidFill>
+                                <a:latin typeface="Cambria Math" panose="02040503050406030204" pitchFamily="18" charset="0"/>
+                                <a:cs typeface="Times New Roman" pitchFamily="18" charset="0"/>
+                              </a:rPr>
+                              <m:t>𝑑</m:t>
+                            </m:r>
+                          </m:e>
+                        </m:acc>
+                      </m:e>
+                      <m:sub>
+                        <m:r>
+                          <a:rPr lang="en-US" sz="1200" b="0" i="1" smtClean="0">
+                            <a:solidFill>
+                              <a:sysClr val="windowText" lastClr="000000"/>
+                            </a:solidFill>
+                            <a:latin typeface="Cambria Math" panose="02040503050406030204" pitchFamily="18" charset="0"/>
+                            <a:cs typeface="Times New Roman" pitchFamily="18" charset="0"/>
+                          </a:rPr>
+                          <m:t>𝑗</m:t>
+                        </m:r>
+                      </m:sub>
+                    </m:sSub>
+                  </m:oMath>
+                </a14:m>
+                <a:endParaRPr lang="en-US" sz="1400" dirty="0">
                   <a:solidFill>
                     <a:sysClr val="windowText" lastClr="000000"/>
                   </a:solidFill>
                   <a:latin typeface="Times New Roman" pitchFamily="18" charset="0"/>
                   <a:cs typeface="Times New Roman" pitchFamily="18" charset="0"/>
-                </a:rPr>
-                <a:t>Distance Vector</a:t>
-              </a:r>
-              <a:endParaRPr lang="en-US" sz="1400" dirty="0" smtClean="0">
+                </a:endParaRPr>
+              </a:p>
+            </p:txBody>
+          </p:sp>
+        </mc:Choice>
+        <mc:Fallback>
+          <p:sp>
+            <p:nvSpPr>
+              <p:cNvPr id="127" name="Rectangle 126"/>
+              <p:cNvSpPr>
+                <a:spLocks noRot="1" noChangeAspect="1" noMove="1" noResize="1" noEditPoints="1" noAdjustHandles="1" noChangeArrowheads="1" noChangeShapeType="1" noTextEdit="1"/>
+              </p:cNvSpPr>
+              <p:nvPr/>
+            </p:nvSpPr>
+            <p:spPr>
+              <a:xfrm>
+                <a:off x="5632837" y="1095483"/>
+                <a:ext cx="2438400" cy="785180"/>
+              </a:xfrm>
+              <a:prstGeom prst="rect">
+                <a:avLst/>
+              </a:prstGeom>
+              <a:blipFill>
+                <a:blip r:embed="rId5"/>
+                <a:stretch>
+                  <a:fillRect/>
+                </a:stretch>
+              </a:blipFill>
+              <a:ln cmpd="thickThin">
                 <a:solidFill>
-                  <a:sysClr val="windowText" lastClr="000000"/>
+                  <a:schemeClr val="tx1"/>
                 </a:solidFill>
-                <a:latin typeface="Times New Roman" pitchFamily="18" charset="0"/>
-                <a:cs typeface="Times New Roman" pitchFamily="18" charset="0"/>
-              </a:endParaRPr>
-            </a:p>
-          </p:txBody>
-        </p:sp>
-        <p:cxnSp>
-          <p:nvCxnSpPr>
-            <p:cNvPr id="120" name="Straight Arrow Connector 119"/>
-            <p:cNvCxnSpPr/>
-            <p:nvPr/>
-          </p:nvCxnSpPr>
-          <p:spPr>
-            <a:xfrm>
-              <a:off x="6096000" y="3581400"/>
-              <a:ext cx="609600" cy="0"/>
-            </a:xfrm>
-            <a:prstGeom prst="straightConnector1">
-              <a:avLst/>
-            </a:prstGeom>
-            <a:ln w="57150">
-              <a:solidFill>
-                <a:schemeClr val="bg1">
-                  <a:lumMod val="50000"/>
-                </a:schemeClr>
-              </a:solidFill>
-              <a:tailEnd type="arrow"/>
-            </a:ln>
-          </p:spPr>
-          <p:style>
-            <a:lnRef idx="1">
-              <a:schemeClr val="accent1"/>
-            </a:lnRef>
-            <a:fillRef idx="0">
-              <a:schemeClr val="accent1"/>
-            </a:fillRef>
-            <a:effectRef idx="0">
-              <a:schemeClr val="accent1"/>
-            </a:effectRef>
-            <a:fontRef idx="minor">
-              <a:schemeClr val="tx1"/>
-            </a:fontRef>
-          </p:style>
-        </p:cxnSp>
-        <p:cxnSp>
-          <p:nvCxnSpPr>
-            <p:cNvPr id="133" name="Straight Connector 132"/>
-            <p:cNvCxnSpPr/>
-            <p:nvPr/>
-          </p:nvCxnSpPr>
-          <p:spPr>
-            <a:xfrm flipH="1">
-              <a:off x="6096000" y="3886200"/>
-              <a:ext cx="533400" cy="0"/>
-            </a:xfrm>
-            <a:prstGeom prst="line">
-              <a:avLst/>
-            </a:prstGeom>
-            <a:ln w="38100">
-              <a:solidFill>
-                <a:schemeClr val="tx1">
-                  <a:lumMod val="85000"/>
-                  <a:lumOff val="15000"/>
-                </a:schemeClr>
-              </a:solidFill>
-              <a:prstDash val="sysDot"/>
-            </a:ln>
-          </p:spPr>
-          <p:style>
-            <a:lnRef idx="1">
-              <a:schemeClr val="accent1"/>
-            </a:lnRef>
-            <a:fillRef idx="0">
-              <a:schemeClr val="accent1"/>
-            </a:fillRef>
-            <a:effectRef idx="0">
-              <a:schemeClr val="accent1"/>
-            </a:effectRef>
-            <a:fontRef idx="minor">
-              <a:schemeClr val="tx1"/>
-            </a:fontRef>
-          </p:style>
-        </p:cxnSp>
-      </p:grpSp>
+                <a:prstDash val="solid"/>
+              </a:ln>
+            </p:spPr>
+            <p:txBody>
+              <a:bodyPr/>
+              <a:lstStyle/>
+              <a:p>
+                <a:r>
+                  <a:rPr lang="en-US">
+                    <a:noFill/>
+                  </a:rPr>
+                  <a:t> </a:t>
+                </a:r>
+              </a:p>
+            </p:txBody>
+          </p:sp>
+        </mc:Fallback>
+      </mc:AlternateContent>
+      <p:cxnSp>
+        <p:nvCxnSpPr>
+          <p:cNvPr id="133" name="Straight Connector 132"/>
+          <p:cNvCxnSpPr/>
+          <p:nvPr/>
+        </p:nvCxnSpPr>
+        <p:spPr>
+          <a:xfrm flipH="1">
+            <a:off x="5786776" y="1712977"/>
+            <a:ext cx="538788" cy="0"/>
+          </a:xfrm>
+          <a:prstGeom prst="line">
+            <a:avLst/>
+          </a:prstGeom>
+          <a:ln w="38100">
+            <a:solidFill>
+              <a:schemeClr val="tx1">
+                <a:lumMod val="85000"/>
+                <a:lumOff val="15000"/>
+              </a:schemeClr>
+            </a:solidFill>
+            <a:prstDash val="sysDot"/>
+          </a:ln>
+        </p:spPr>
+        <p:style>
+          <a:lnRef idx="1">
+            <a:schemeClr val="accent1"/>
+          </a:lnRef>
+          <a:fillRef idx="0">
+            <a:schemeClr val="accent1"/>
+          </a:fillRef>
+          <a:effectRef idx="0">
+            <a:schemeClr val="accent1"/>
+          </a:effectRef>
+          <a:fontRef idx="minor">
+            <a:schemeClr val="tx1"/>
+          </a:fontRef>
+        </p:style>
+      </p:cxnSp>
+      <p:cxnSp>
+        <p:nvCxnSpPr>
+          <p:cNvPr id="42" name="Straight Arrow Connector 41">
+            <a:extLst>
+              <a:ext uri="{FF2B5EF4-FFF2-40B4-BE49-F238E27FC236}">
+                <a16:creationId xmlns:a16="http://schemas.microsoft.com/office/drawing/2014/main" id="{CB0C92B0-7ECC-4037-B676-33E7D221FE94}"/>
+              </a:ext>
+            </a:extLst>
+          </p:cNvPr>
+          <p:cNvCxnSpPr>
+            <a:cxnSpLocks/>
+          </p:cNvCxnSpPr>
+          <p:nvPr/>
+        </p:nvCxnSpPr>
+        <p:spPr>
+          <a:xfrm>
+            <a:off x="5786776" y="1371600"/>
+            <a:ext cx="614024" cy="0"/>
+          </a:xfrm>
+          <a:prstGeom prst="straightConnector1">
+            <a:avLst/>
+          </a:prstGeom>
+          <a:ln w="57150">
+            <a:solidFill>
+              <a:schemeClr val="bg1">
+                <a:lumMod val="50000"/>
+              </a:schemeClr>
+            </a:solidFill>
+            <a:tailEnd type="arrow"/>
+          </a:ln>
+        </p:spPr>
+        <p:style>
+          <a:lnRef idx="1">
+            <a:schemeClr val="accent1"/>
+          </a:lnRef>
+          <a:fillRef idx="0">
+            <a:schemeClr val="accent1"/>
+          </a:fillRef>
+          <a:effectRef idx="0">
+            <a:schemeClr val="accent1"/>
+          </a:effectRef>
+          <a:fontRef idx="minor">
+            <a:schemeClr val="tx1"/>
+          </a:fontRef>
+        </p:style>
+      </p:cxnSp>
     </p:spTree>
   </p:cSld>
   <p:clrMapOvr>
@@ -7706,7 +8122,7 @@
                 </a:spcBef>
               </a:pPr>
               <a:r>
-                <a:rPr lang="en-US" sz="1200" dirty="0" smtClean="0">
+                <a:rPr lang="en-US" sz="1200" dirty="0">
                   <a:solidFill>
                     <a:sysClr val="windowText" lastClr="000000"/>
                   </a:solidFill>
@@ -7726,7 +8142,7 @@
                 </a:spcBef>
               </a:pPr>
               <a:r>
-                <a:rPr lang="en-US" sz="1200" dirty="0" smtClean="0">
+                <a:rPr lang="en-US" sz="1200" dirty="0">
                   <a:solidFill>
                     <a:sysClr val="windowText" lastClr="000000"/>
                   </a:solidFill>
@@ -7746,7 +8162,7 @@
                 </a:spcBef>
               </a:pPr>
               <a:r>
-                <a:rPr lang="en-US" sz="1200" dirty="0" smtClean="0">
+                <a:rPr lang="en-US" sz="1200" dirty="0">
                   <a:solidFill>
                     <a:sysClr val="windowText" lastClr="000000"/>
                   </a:solidFill>
@@ -7755,7 +8171,7 @@
                 </a:rPr>
                 <a:t>Contacted Nodes</a:t>
               </a:r>
-              <a:endParaRPr lang="en-US" sz="1400" dirty="0" smtClean="0">
+              <a:endParaRPr lang="en-US" sz="1400" dirty="0">
                 <a:solidFill>
                   <a:sysClr val="windowText" lastClr="000000"/>
                 </a:solidFill>

--- a/docs/paper/figs/Diagrams.pptx
+++ b/docs/paper/figs/Diagrams.pptx
@@ -9,6 +9,9 @@
     <p:sldId id="258" r:id="rId3"/>
     <p:sldId id="259" r:id="rId4"/>
     <p:sldId id="260" r:id="rId5"/>
+    <p:sldId id="261" r:id="rId6"/>
+    <p:sldId id="262" r:id="rId7"/>
+    <p:sldId id="263" r:id="rId8"/>
   </p:sldIdLst>
   <p:sldSz cx="9144000" cy="6858000" type="screen4x3"/>
   <p:notesSz cx="6858000" cy="9144000"/>
@@ -306,7 +309,7 @@
             <a:fld id="{1D8BD707-D9CF-40AE-B4C6-C98DA3205C09}" type="datetimeFigureOut">
               <a:rPr lang="en-US" smtClean="0"/>
               <a:pPr/>
-              <a:t>5/8/2019</a:t>
+              <a:t>5/9/2019</a:t>
             </a:fld>
             <a:endParaRPr lang="en-US"/>
           </a:p>
@@ -471,7 +474,7 @@
             <a:fld id="{1D8BD707-D9CF-40AE-B4C6-C98DA3205C09}" type="datetimeFigureOut">
               <a:rPr lang="en-US" smtClean="0"/>
               <a:pPr/>
-              <a:t>5/8/2019</a:t>
+              <a:t>5/9/2019</a:t>
             </a:fld>
             <a:endParaRPr lang="en-US"/>
           </a:p>
@@ -646,7 +649,7 @@
             <a:fld id="{1D8BD707-D9CF-40AE-B4C6-C98DA3205C09}" type="datetimeFigureOut">
               <a:rPr lang="en-US" smtClean="0"/>
               <a:pPr/>
-              <a:t>5/8/2019</a:t>
+              <a:t>5/9/2019</a:t>
             </a:fld>
             <a:endParaRPr lang="en-US"/>
           </a:p>
@@ -811,7 +814,7 @@
             <a:fld id="{1D8BD707-D9CF-40AE-B4C6-C98DA3205C09}" type="datetimeFigureOut">
               <a:rPr lang="en-US" smtClean="0"/>
               <a:pPr/>
-              <a:t>5/8/2019</a:t>
+              <a:t>5/9/2019</a:t>
             </a:fld>
             <a:endParaRPr lang="en-US"/>
           </a:p>
@@ -1053,7 +1056,7 @@
             <a:fld id="{1D8BD707-D9CF-40AE-B4C6-C98DA3205C09}" type="datetimeFigureOut">
               <a:rPr lang="en-US" smtClean="0"/>
               <a:pPr/>
-              <a:t>5/8/2019</a:t>
+              <a:t>5/9/2019</a:t>
             </a:fld>
             <a:endParaRPr lang="en-US"/>
           </a:p>
@@ -1335,7 +1338,7 @@
             <a:fld id="{1D8BD707-D9CF-40AE-B4C6-C98DA3205C09}" type="datetimeFigureOut">
               <a:rPr lang="en-US" smtClean="0"/>
               <a:pPr/>
-              <a:t>5/8/2019</a:t>
+              <a:t>5/9/2019</a:t>
             </a:fld>
             <a:endParaRPr lang="en-US"/>
           </a:p>
@@ -1751,7 +1754,7 @@
             <a:fld id="{1D8BD707-D9CF-40AE-B4C6-C98DA3205C09}" type="datetimeFigureOut">
               <a:rPr lang="en-US" smtClean="0"/>
               <a:pPr/>
-              <a:t>5/8/2019</a:t>
+              <a:t>5/9/2019</a:t>
             </a:fld>
             <a:endParaRPr lang="en-US"/>
           </a:p>
@@ -1865,7 +1868,7 @@
             <a:fld id="{1D8BD707-D9CF-40AE-B4C6-C98DA3205C09}" type="datetimeFigureOut">
               <a:rPr lang="en-US" smtClean="0"/>
               <a:pPr/>
-              <a:t>5/8/2019</a:t>
+              <a:t>5/9/2019</a:t>
             </a:fld>
             <a:endParaRPr lang="en-US"/>
           </a:p>
@@ -1957,7 +1960,7 @@
             <a:fld id="{1D8BD707-D9CF-40AE-B4C6-C98DA3205C09}" type="datetimeFigureOut">
               <a:rPr lang="en-US" smtClean="0"/>
               <a:pPr/>
-              <a:t>5/8/2019</a:t>
+              <a:t>5/9/2019</a:t>
             </a:fld>
             <a:endParaRPr lang="en-US"/>
           </a:p>
@@ -2229,7 +2232,7 @@
             <a:fld id="{1D8BD707-D9CF-40AE-B4C6-C98DA3205C09}" type="datetimeFigureOut">
               <a:rPr lang="en-US" smtClean="0"/>
               <a:pPr/>
-              <a:t>5/8/2019</a:t>
+              <a:t>5/9/2019</a:t>
             </a:fld>
             <a:endParaRPr lang="en-US"/>
           </a:p>
@@ -2478,7 +2481,7 @@
             <a:fld id="{1D8BD707-D9CF-40AE-B4C6-C98DA3205C09}" type="datetimeFigureOut">
               <a:rPr lang="en-US" smtClean="0"/>
               <a:pPr/>
-              <a:t>5/8/2019</a:t>
+              <a:t>5/9/2019</a:t>
             </a:fld>
             <a:endParaRPr lang="en-US"/>
           </a:p>
@@ -2686,7 +2689,7 @@
             <a:fld id="{1D8BD707-D9CF-40AE-B4C6-C98DA3205C09}" type="datetimeFigureOut">
               <a:rPr lang="en-US" smtClean="0"/>
               <a:pPr/>
-              <a:t>5/8/2019</a:t>
+              <a:t>5/9/2019</a:t>
             </a:fld>
             <a:endParaRPr lang="en-US"/>
           </a:p>
@@ -7647,8 +7650,8 @@
           </a:p>
         </p:txBody>
       </p:sp>
-      <mc:AlternateContent xmlns:mc="http://schemas.openxmlformats.org/markup-compatibility/2006">
-        <mc:Choice xmlns:a14="http://schemas.microsoft.com/office/drawing/2010/main" Requires="a14">
+      <mc:AlternateContent xmlns:mc="http://schemas.openxmlformats.org/markup-compatibility/2006" xmlns:a14="http://schemas.microsoft.com/office/drawing/2010/main">
+        <mc:Choice Requires="a14">
           <p:sp>
             <p:nvSpPr>
               <p:cNvPr id="127" name="Rectangle 126"/>
@@ -7866,7 +7869,7 @@
             </p:txBody>
           </p:sp>
         </mc:Choice>
-        <mc:Fallback>
+        <mc:Fallback xmlns="">
           <p:sp>
             <p:nvSpPr>
               <p:cNvPr id="127" name="Rectangle 126"/>
@@ -8397,6 +8400,7330 @@
         </p:txBody>
       </p:sp>
     </p:spTree>
+  </p:cSld>
+  <p:clrMapOvr>
+    <a:masterClrMapping/>
+  </p:clrMapOvr>
+</p:sld>
+</file>
+
+<file path=ppt/slides/slide5.xml><?xml version="1.0" encoding="utf-8"?>
+<p:sld xmlns:a="http://schemas.openxmlformats.org/drawingml/2006/main" xmlns:r="http://schemas.openxmlformats.org/officeDocument/2006/relationships" xmlns:p="http://schemas.openxmlformats.org/presentationml/2006/main">
+  <p:cSld>
+    <p:spTree>
+      <p:nvGrpSpPr>
+        <p:cNvPr id="1" name=""/>
+        <p:cNvGrpSpPr/>
+        <p:nvPr/>
+      </p:nvGrpSpPr>
+      <p:grpSpPr>
+        <a:xfrm>
+          <a:off x="0" y="0"/>
+          <a:ext cx="0" cy="0"/>
+          <a:chOff x="0" y="0"/>
+          <a:chExt cx="0" cy="0"/>
+        </a:xfrm>
+      </p:grpSpPr>
+      <p:cxnSp>
+        <p:nvCxnSpPr>
+          <p:cNvPr id="3" name="Straight Arrow Connector 2">
+            <a:extLst>
+              <a:ext uri="{FF2B5EF4-FFF2-40B4-BE49-F238E27FC236}">
+                <a16:creationId xmlns:a16="http://schemas.microsoft.com/office/drawing/2014/main" id="{1B2FA173-03FB-46BE-AB1E-DBFAFE714719}"/>
+              </a:ext>
+            </a:extLst>
+          </p:cNvPr>
+          <p:cNvCxnSpPr>
+            <a:cxnSpLocks/>
+          </p:cNvCxnSpPr>
+          <p:nvPr/>
+        </p:nvCxnSpPr>
+        <p:spPr>
+          <a:xfrm flipH="1">
+            <a:off x="1143000" y="3886200"/>
+            <a:ext cx="914400" cy="685800"/>
+          </a:xfrm>
+          <a:prstGeom prst="straightConnector1">
+            <a:avLst/>
+          </a:prstGeom>
+          <a:ln w="28575">
+            <a:solidFill>
+              <a:schemeClr val="bg1">
+                <a:lumMod val="75000"/>
+              </a:schemeClr>
+            </a:solidFill>
+            <a:tailEnd type="triangle"/>
+          </a:ln>
+        </p:spPr>
+        <p:style>
+          <a:lnRef idx="1">
+            <a:schemeClr val="accent1"/>
+          </a:lnRef>
+          <a:fillRef idx="0">
+            <a:schemeClr val="accent1"/>
+          </a:fillRef>
+          <a:effectRef idx="0">
+            <a:schemeClr val="accent1"/>
+          </a:effectRef>
+          <a:fontRef idx="minor">
+            <a:schemeClr val="tx1"/>
+          </a:fontRef>
+        </p:style>
+      </p:cxnSp>
+      <p:cxnSp>
+        <p:nvCxnSpPr>
+          <p:cNvPr id="4" name="Straight Arrow Connector 3">
+            <a:extLst>
+              <a:ext uri="{FF2B5EF4-FFF2-40B4-BE49-F238E27FC236}">
+                <a16:creationId xmlns:a16="http://schemas.microsoft.com/office/drawing/2014/main" id="{309F462E-9BC2-4DB1-8276-1CB0839DEC53}"/>
+              </a:ext>
+            </a:extLst>
+          </p:cNvPr>
+          <p:cNvCxnSpPr>
+            <a:cxnSpLocks/>
+          </p:cNvCxnSpPr>
+          <p:nvPr/>
+        </p:nvCxnSpPr>
+        <p:spPr>
+          <a:xfrm>
+            <a:off x="2057400" y="3886200"/>
+            <a:ext cx="2667000" cy="0"/>
+          </a:xfrm>
+          <a:prstGeom prst="straightConnector1">
+            <a:avLst/>
+          </a:prstGeom>
+          <a:ln w="28575">
+            <a:solidFill>
+              <a:schemeClr val="bg1">
+                <a:lumMod val="75000"/>
+              </a:schemeClr>
+            </a:solidFill>
+            <a:tailEnd type="triangle"/>
+          </a:ln>
+        </p:spPr>
+        <p:style>
+          <a:lnRef idx="1">
+            <a:schemeClr val="accent1"/>
+          </a:lnRef>
+          <a:fillRef idx="0">
+            <a:schemeClr val="accent1"/>
+          </a:fillRef>
+          <a:effectRef idx="0">
+            <a:schemeClr val="accent1"/>
+          </a:effectRef>
+          <a:fontRef idx="minor">
+            <a:schemeClr val="tx1"/>
+          </a:fontRef>
+        </p:style>
+      </p:cxnSp>
+      <p:cxnSp>
+        <p:nvCxnSpPr>
+          <p:cNvPr id="8" name="Straight Arrow Connector 7">
+            <a:extLst>
+              <a:ext uri="{FF2B5EF4-FFF2-40B4-BE49-F238E27FC236}">
+                <a16:creationId xmlns:a16="http://schemas.microsoft.com/office/drawing/2014/main" id="{9D463C8A-3837-4150-96EC-EB03A4690A29}"/>
+              </a:ext>
+            </a:extLst>
+          </p:cNvPr>
+          <p:cNvCxnSpPr>
+            <a:cxnSpLocks/>
+          </p:cNvCxnSpPr>
+          <p:nvPr/>
+        </p:nvCxnSpPr>
+        <p:spPr>
+          <a:xfrm flipV="1">
+            <a:off x="2057400" y="914400"/>
+            <a:ext cx="0" cy="2971800"/>
+          </a:xfrm>
+          <a:prstGeom prst="straightConnector1">
+            <a:avLst/>
+          </a:prstGeom>
+          <a:ln w="28575">
+            <a:solidFill>
+              <a:schemeClr val="bg1">
+                <a:lumMod val="75000"/>
+              </a:schemeClr>
+            </a:solidFill>
+            <a:tailEnd type="triangle"/>
+          </a:ln>
+        </p:spPr>
+        <p:style>
+          <a:lnRef idx="1">
+            <a:schemeClr val="accent1"/>
+          </a:lnRef>
+          <a:fillRef idx="0">
+            <a:schemeClr val="accent1"/>
+          </a:fillRef>
+          <a:effectRef idx="0">
+            <a:schemeClr val="accent1"/>
+          </a:effectRef>
+          <a:fontRef idx="minor">
+            <a:schemeClr val="tx1"/>
+          </a:fontRef>
+        </p:style>
+      </p:cxnSp>
+      <p:grpSp>
+        <p:nvGrpSpPr>
+          <p:cNvPr id="21" name="Group 20">
+            <a:extLst>
+              <a:ext uri="{FF2B5EF4-FFF2-40B4-BE49-F238E27FC236}">
+                <a16:creationId xmlns:a16="http://schemas.microsoft.com/office/drawing/2014/main" id="{AD4371E3-001C-4F50-B3EE-921E6790505A}"/>
+              </a:ext>
+            </a:extLst>
+          </p:cNvPr>
+          <p:cNvGrpSpPr/>
+          <p:nvPr/>
+        </p:nvGrpSpPr>
+        <p:grpSpPr>
+          <a:xfrm>
+            <a:off x="1447800" y="3886200"/>
+            <a:ext cx="3048000" cy="609600"/>
+            <a:chOff x="3200400" y="3657600"/>
+            <a:chExt cx="3048000" cy="609600"/>
+          </a:xfrm>
+        </p:grpSpPr>
+        <p:cxnSp>
+          <p:nvCxnSpPr>
+            <p:cNvPr id="13" name="Straight Connector 12">
+              <a:extLst>
+                <a:ext uri="{FF2B5EF4-FFF2-40B4-BE49-F238E27FC236}">
+                  <a16:creationId xmlns:a16="http://schemas.microsoft.com/office/drawing/2014/main" id="{F7D9F509-87F5-4C4E-B684-CCF9B16C5A05}"/>
+                </a:ext>
+              </a:extLst>
+            </p:cNvPr>
+            <p:cNvCxnSpPr/>
+            <p:nvPr/>
+          </p:nvCxnSpPr>
+          <p:spPr>
+            <a:xfrm>
+              <a:off x="3505200" y="3886200"/>
+              <a:ext cx="2743200" cy="0"/>
+            </a:xfrm>
+            <a:prstGeom prst="line">
+              <a:avLst/>
+            </a:prstGeom>
+            <a:ln>
+              <a:solidFill>
+                <a:schemeClr val="bg1">
+                  <a:lumMod val="75000"/>
+                </a:schemeClr>
+              </a:solidFill>
+              <a:prstDash val="sysDash"/>
+            </a:ln>
+          </p:spPr>
+          <p:style>
+            <a:lnRef idx="1">
+              <a:schemeClr val="accent1"/>
+            </a:lnRef>
+            <a:fillRef idx="0">
+              <a:schemeClr val="accent1"/>
+            </a:fillRef>
+            <a:effectRef idx="0">
+              <a:schemeClr val="accent1"/>
+            </a:effectRef>
+            <a:fontRef idx="minor">
+              <a:schemeClr val="tx1"/>
+            </a:fontRef>
+          </p:style>
+        </p:cxnSp>
+        <p:cxnSp>
+          <p:nvCxnSpPr>
+            <p:cNvPr id="14" name="Straight Connector 13">
+              <a:extLst>
+                <a:ext uri="{FF2B5EF4-FFF2-40B4-BE49-F238E27FC236}">
+                  <a16:creationId xmlns:a16="http://schemas.microsoft.com/office/drawing/2014/main" id="{B668A5B0-29B3-4862-B69A-C592A9C64555}"/>
+                </a:ext>
+              </a:extLst>
+            </p:cNvPr>
+            <p:cNvCxnSpPr/>
+            <p:nvPr/>
+          </p:nvCxnSpPr>
+          <p:spPr>
+            <a:xfrm>
+              <a:off x="3200400" y="4114800"/>
+              <a:ext cx="2743200" cy="0"/>
+            </a:xfrm>
+            <a:prstGeom prst="line">
+              <a:avLst/>
+            </a:prstGeom>
+            <a:ln>
+              <a:solidFill>
+                <a:schemeClr val="bg1">
+                  <a:lumMod val="75000"/>
+                </a:schemeClr>
+              </a:solidFill>
+              <a:prstDash val="sysDash"/>
+            </a:ln>
+          </p:spPr>
+          <p:style>
+            <a:lnRef idx="1">
+              <a:schemeClr val="accent1"/>
+            </a:lnRef>
+            <a:fillRef idx="0">
+              <a:schemeClr val="accent1"/>
+            </a:fillRef>
+            <a:effectRef idx="0">
+              <a:schemeClr val="accent1"/>
+            </a:effectRef>
+            <a:fontRef idx="minor">
+              <a:schemeClr val="tx1"/>
+            </a:fontRef>
+          </p:style>
+        </p:cxnSp>
+        <p:cxnSp>
+          <p:nvCxnSpPr>
+            <p:cNvPr id="15" name="Straight Connector 14">
+              <a:extLst>
+                <a:ext uri="{FF2B5EF4-FFF2-40B4-BE49-F238E27FC236}">
+                  <a16:creationId xmlns:a16="http://schemas.microsoft.com/office/drawing/2014/main" id="{B7E29B0F-5A1E-4BC8-8247-3141A38ABDD2}"/>
+                </a:ext>
+              </a:extLst>
+            </p:cNvPr>
+            <p:cNvCxnSpPr>
+              <a:cxnSpLocks/>
+            </p:cNvCxnSpPr>
+            <p:nvPr/>
+          </p:nvCxnSpPr>
+          <p:spPr>
+            <a:xfrm flipV="1">
+              <a:off x="3581400" y="3657600"/>
+              <a:ext cx="762000" cy="609600"/>
+            </a:xfrm>
+            <a:prstGeom prst="line">
+              <a:avLst/>
+            </a:prstGeom>
+            <a:ln>
+              <a:solidFill>
+                <a:schemeClr val="bg1">
+                  <a:lumMod val="75000"/>
+                </a:schemeClr>
+              </a:solidFill>
+              <a:prstDash val="sysDash"/>
+            </a:ln>
+          </p:spPr>
+          <p:style>
+            <a:lnRef idx="1">
+              <a:schemeClr val="accent1"/>
+            </a:lnRef>
+            <a:fillRef idx="0">
+              <a:schemeClr val="accent1"/>
+            </a:fillRef>
+            <a:effectRef idx="0">
+              <a:schemeClr val="accent1"/>
+            </a:effectRef>
+            <a:fontRef idx="minor">
+              <a:schemeClr val="tx1"/>
+            </a:fontRef>
+          </p:style>
+        </p:cxnSp>
+        <p:cxnSp>
+          <p:nvCxnSpPr>
+            <p:cNvPr id="18" name="Straight Connector 17">
+              <a:extLst>
+                <a:ext uri="{FF2B5EF4-FFF2-40B4-BE49-F238E27FC236}">
+                  <a16:creationId xmlns:a16="http://schemas.microsoft.com/office/drawing/2014/main" id="{1A23F394-AC6F-4767-8A0E-F91CA239082D}"/>
+                </a:ext>
+              </a:extLst>
+            </p:cNvPr>
+            <p:cNvCxnSpPr>
+              <a:cxnSpLocks/>
+            </p:cNvCxnSpPr>
+            <p:nvPr/>
+          </p:nvCxnSpPr>
+          <p:spPr>
+            <a:xfrm flipV="1">
+              <a:off x="4114800" y="3657600"/>
+              <a:ext cx="762000" cy="609600"/>
+            </a:xfrm>
+            <a:prstGeom prst="line">
+              <a:avLst/>
+            </a:prstGeom>
+            <a:ln>
+              <a:solidFill>
+                <a:schemeClr val="bg1">
+                  <a:lumMod val="75000"/>
+                </a:schemeClr>
+              </a:solidFill>
+              <a:prstDash val="sysDash"/>
+            </a:ln>
+          </p:spPr>
+          <p:style>
+            <a:lnRef idx="1">
+              <a:schemeClr val="accent1"/>
+            </a:lnRef>
+            <a:fillRef idx="0">
+              <a:schemeClr val="accent1"/>
+            </a:fillRef>
+            <a:effectRef idx="0">
+              <a:schemeClr val="accent1"/>
+            </a:effectRef>
+            <a:fontRef idx="minor">
+              <a:schemeClr val="tx1"/>
+            </a:fontRef>
+          </p:style>
+        </p:cxnSp>
+        <p:cxnSp>
+          <p:nvCxnSpPr>
+            <p:cNvPr id="19" name="Straight Connector 18">
+              <a:extLst>
+                <a:ext uri="{FF2B5EF4-FFF2-40B4-BE49-F238E27FC236}">
+                  <a16:creationId xmlns:a16="http://schemas.microsoft.com/office/drawing/2014/main" id="{CE21A95D-0A43-4E31-B054-A3EE32731BBF}"/>
+                </a:ext>
+              </a:extLst>
+            </p:cNvPr>
+            <p:cNvCxnSpPr>
+              <a:cxnSpLocks/>
+            </p:cNvCxnSpPr>
+            <p:nvPr/>
+          </p:nvCxnSpPr>
+          <p:spPr>
+            <a:xfrm flipV="1">
+              <a:off x="4648200" y="3657600"/>
+              <a:ext cx="762000" cy="609600"/>
+            </a:xfrm>
+            <a:prstGeom prst="line">
+              <a:avLst/>
+            </a:prstGeom>
+            <a:ln>
+              <a:solidFill>
+                <a:schemeClr val="bg1">
+                  <a:lumMod val="75000"/>
+                </a:schemeClr>
+              </a:solidFill>
+              <a:prstDash val="sysDash"/>
+            </a:ln>
+          </p:spPr>
+          <p:style>
+            <a:lnRef idx="1">
+              <a:schemeClr val="accent1"/>
+            </a:lnRef>
+            <a:fillRef idx="0">
+              <a:schemeClr val="accent1"/>
+            </a:fillRef>
+            <a:effectRef idx="0">
+              <a:schemeClr val="accent1"/>
+            </a:effectRef>
+            <a:fontRef idx="minor">
+              <a:schemeClr val="tx1"/>
+            </a:fontRef>
+          </p:style>
+        </p:cxnSp>
+        <p:cxnSp>
+          <p:nvCxnSpPr>
+            <p:cNvPr id="20" name="Straight Connector 19">
+              <a:extLst>
+                <a:ext uri="{FF2B5EF4-FFF2-40B4-BE49-F238E27FC236}">
+                  <a16:creationId xmlns:a16="http://schemas.microsoft.com/office/drawing/2014/main" id="{8462E998-7D87-4AF4-8FF0-15A62A119721}"/>
+                </a:ext>
+              </a:extLst>
+            </p:cNvPr>
+            <p:cNvCxnSpPr>
+              <a:cxnSpLocks/>
+            </p:cNvCxnSpPr>
+            <p:nvPr/>
+          </p:nvCxnSpPr>
+          <p:spPr>
+            <a:xfrm flipV="1">
+              <a:off x="5181600" y="3657600"/>
+              <a:ext cx="762000" cy="609600"/>
+            </a:xfrm>
+            <a:prstGeom prst="line">
+              <a:avLst/>
+            </a:prstGeom>
+            <a:ln>
+              <a:solidFill>
+                <a:schemeClr val="bg1">
+                  <a:lumMod val="75000"/>
+                </a:schemeClr>
+              </a:solidFill>
+              <a:prstDash val="sysDash"/>
+            </a:ln>
+          </p:spPr>
+          <p:style>
+            <a:lnRef idx="1">
+              <a:schemeClr val="accent1"/>
+            </a:lnRef>
+            <a:fillRef idx="0">
+              <a:schemeClr val="accent1"/>
+            </a:fillRef>
+            <a:effectRef idx="0">
+              <a:schemeClr val="accent1"/>
+            </a:effectRef>
+            <a:fontRef idx="minor">
+              <a:schemeClr val="tx1"/>
+            </a:fontRef>
+          </p:style>
+        </p:cxnSp>
+      </p:grpSp>
+      <p:grpSp>
+        <p:nvGrpSpPr>
+          <p:cNvPr id="22" name="Group 21">
+            <a:extLst>
+              <a:ext uri="{FF2B5EF4-FFF2-40B4-BE49-F238E27FC236}">
+                <a16:creationId xmlns:a16="http://schemas.microsoft.com/office/drawing/2014/main" id="{6988C129-5CE6-4227-9B8D-F528BD52350D}"/>
+              </a:ext>
+            </a:extLst>
+          </p:cNvPr>
+          <p:cNvGrpSpPr/>
+          <p:nvPr/>
+        </p:nvGrpSpPr>
+        <p:grpSpPr>
+          <a:xfrm>
+            <a:off x="1257300" y="1219200"/>
+            <a:ext cx="3543300" cy="609600"/>
+            <a:chOff x="3009900" y="3657600"/>
+            <a:chExt cx="3543300" cy="609600"/>
+          </a:xfrm>
+        </p:grpSpPr>
+        <p:cxnSp>
+          <p:nvCxnSpPr>
+            <p:cNvPr id="23" name="Straight Connector 22">
+              <a:extLst>
+                <a:ext uri="{FF2B5EF4-FFF2-40B4-BE49-F238E27FC236}">
+                  <a16:creationId xmlns:a16="http://schemas.microsoft.com/office/drawing/2014/main" id="{B69E93ED-B1CC-4CA9-B00B-99473268540A}"/>
+                </a:ext>
+              </a:extLst>
+            </p:cNvPr>
+            <p:cNvCxnSpPr/>
+            <p:nvPr/>
+          </p:nvCxnSpPr>
+          <p:spPr>
+            <a:xfrm>
+              <a:off x="3505200" y="3886200"/>
+              <a:ext cx="2743200" cy="0"/>
+            </a:xfrm>
+            <a:prstGeom prst="line">
+              <a:avLst/>
+            </a:prstGeom>
+            <a:ln>
+              <a:solidFill>
+                <a:schemeClr val="bg1">
+                  <a:lumMod val="75000"/>
+                </a:schemeClr>
+              </a:solidFill>
+              <a:prstDash val="sysDash"/>
+            </a:ln>
+          </p:spPr>
+          <p:style>
+            <a:lnRef idx="1">
+              <a:schemeClr val="accent1"/>
+            </a:lnRef>
+            <a:fillRef idx="0">
+              <a:schemeClr val="accent1"/>
+            </a:fillRef>
+            <a:effectRef idx="0">
+              <a:schemeClr val="accent1"/>
+            </a:effectRef>
+            <a:fontRef idx="minor">
+              <a:schemeClr val="tx1"/>
+            </a:fontRef>
+          </p:style>
+        </p:cxnSp>
+        <p:cxnSp>
+          <p:nvCxnSpPr>
+            <p:cNvPr id="24" name="Straight Connector 23">
+              <a:extLst>
+                <a:ext uri="{FF2B5EF4-FFF2-40B4-BE49-F238E27FC236}">
+                  <a16:creationId xmlns:a16="http://schemas.microsoft.com/office/drawing/2014/main" id="{B8F3D3CC-7CEB-45DB-9041-BB5147F2AE31}"/>
+                </a:ext>
+              </a:extLst>
+            </p:cNvPr>
+            <p:cNvCxnSpPr/>
+            <p:nvPr/>
+          </p:nvCxnSpPr>
+          <p:spPr>
+            <a:xfrm>
+              <a:off x="3200400" y="4114800"/>
+              <a:ext cx="2743200" cy="0"/>
+            </a:xfrm>
+            <a:prstGeom prst="line">
+              <a:avLst/>
+            </a:prstGeom>
+            <a:ln>
+              <a:solidFill>
+                <a:schemeClr val="bg1">
+                  <a:lumMod val="75000"/>
+                </a:schemeClr>
+              </a:solidFill>
+              <a:prstDash val="sysDash"/>
+            </a:ln>
+          </p:spPr>
+          <p:style>
+            <a:lnRef idx="1">
+              <a:schemeClr val="accent1"/>
+            </a:lnRef>
+            <a:fillRef idx="0">
+              <a:schemeClr val="accent1"/>
+            </a:fillRef>
+            <a:effectRef idx="0">
+              <a:schemeClr val="accent1"/>
+            </a:effectRef>
+            <a:fontRef idx="minor">
+              <a:schemeClr val="tx1"/>
+            </a:fontRef>
+          </p:style>
+        </p:cxnSp>
+        <p:cxnSp>
+          <p:nvCxnSpPr>
+            <p:cNvPr id="25" name="Straight Connector 24">
+              <a:extLst>
+                <a:ext uri="{FF2B5EF4-FFF2-40B4-BE49-F238E27FC236}">
+                  <a16:creationId xmlns:a16="http://schemas.microsoft.com/office/drawing/2014/main" id="{96510151-48BF-40E0-AC81-E86E9F24B0A9}"/>
+                </a:ext>
+              </a:extLst>
+            </p:cNvPr>
+            <p:cNvCxnSpPr>
+              <a:cxnSpLocks/>
+            </p:cNvCxnSpPr>
+            <p:nvPr/>
+          </p:nvCxnSpPr>
+          <p:spPr>
+            <a:xfrm flipV="1">
+              <a:off x="3581400" y="3657600"/>
+              <a:ext cx="762000" cy="609600"/>
+            </a:xfrm>
+            <a:prstGeom prst="line">
+              <a:avLst/>
+            </a:prstGeom>
+            <a:ln>
+              <a:solidFill>
+                <a:schemeClr val="bg1">
+                  <a:lumMod val="75000"/>
+                </a:schemeClr>
+              </a:solidFill>
+              <a:prstDash val="sysDash"/>
+            </a:ln>
+          </p:spPr>
+          <p:style>
+            <a:lnRef idx="1">
+              <a:schemeClr val="accent1"/>
+            </a:lnRef>
+            <a:fillRef idx="0">
+              <a:schemeClr val="accent1"/>
+            </a:fillRef>
+            <a:effectRef idx="0">
+              <a:schemeClr val="accent1"/>
+            </a:effectRef>
+            <a:fontRef idx="minor">
+              <a:schemeClr val="tx1"/>
+            </a:fontRef>
+          </p:style>
+        </p:cxnSp>
+        <p:cxnSp>
+          <p:nvCxnSpPr>
+            <p:cNvPr id="26" name="Straight Connector 25">
+              <a:extLst>
+                <a:ext uri="{FF2B5EF4-FFF2-40B4-BE49-F238E27FC236}">
+                  <a16:creationId xmlns:a16="http://schemas.microsoft.com/office/drawing/2014/main" id="{525907CC-22B1-4B6A-A39B-EAF9FFCA50FD}"/>
+                </a:ext>
+              </a:extLst>
+            </p:cNvPr>
+            <p:cNvCxnSpPr>
+              <a:cxnSpLocks/>
+            </p:cNvCxnSpPr>
+            <p:nvPr/>
+          </p:nvCxnSpPr>
+          <p:spPr>
+            <a:xfrm flipV="1">
+              <a:off x="4114800" y="3657600"/>
+              <a:ext cx="762000" cy="609600"/>
+            </a:xfrm>
+            <a:prstGeom prst="line">
+              <a:avLst/>
+            </a:prstGeom>
+            <a:ln>
+              <a:solidFill>
+                <a:schemeClr val="bg1">
+                  <a:lumMod val="75000"/>
+                </a:schemeClr>
+              </a:solidFill>
+              <a:prstDash val="sysDash"/>
+            </a:ln>
+          </p:spPr>
+          <p:style>
+            <a:lnRef idx="1">
+              <a:schemeClr val="accent1"/>
+            </a:lnRef>
+            <a:fillRef idx="0">
+              <a:schemeClr val="accent1"/>
+            </a:fillRef>
+            <a:effectRef idx="0">
+              <a:schemeClr val="accent1"/>
+            </a:effectRef>
+            <a:fontRef idx="minor">
+              <a:schemeClr val="tx1"/>
+            </a:fontRef>
+          </p:style>
+        </p:cxnSp>
+        <p:cxnSp>
+          <p:nvCxnSpPr>
+            <p:cNvPr id="27" name="Straight Connector 26">
+              <a:extLst>
+                <a:ext uri="{FF2B5EF4-FFF2-40B4-BE49-F238E27FC236}">
+                  <a16:creationId xmlns:a16="http://schemas.microsoft.com/office/drawing/2014/main" id="{FAF0063D-458C-4F2C-ACCD-C55C00C876EC}"/>
+                </a:ext>
+              </a:extLst>
+            </p:cNvPr>
+            <p:cNvCxnSpPr>
+              <a:cxnSpLocks/>
+            </p:cNvCxnSpPr>
+            <p:nvPr/>
+          </p:nvCxnSpPr>
+          <p:spPr>
+            <a:xfrm flipV="1">
+              <a:off x="4648200" y="3657600"/>
+              <a:ext cx="762000" cy="609600"/>
+            </a:xfrm>
+            <a:prstGeom prst="line">
+              <a:avLst/>
+            </a:prstGeom>
+            <a:ln>
+              <a:solidFill>
+                <a:schemeClr val="bg1">
+                  <a:lumMod val="75000"/>
+                </a:schemeClr>
+              </a:solidFill>
+              <a:prstDash val="sysDash"/>
+            </a:ln>
+          </p:spPr>
+          <p:style>
+            <a:lnRef idx="1">
+              <a:schemeClr val="accent1"/>
+            </a:lnRef>
+            <a:fillRef idx="0">
+              <a:schemeClr val="accent1"/>
+            </a:fillRef>
+            <a:effectRef idx="0">
+              <a:schemeClr val="accent1"/>
+            </a:effectRef>
+            <a:fontRef idx="minor">
+              <a:schemeClr val="tx1"/>
+            </a:fontRef>
+          </p:style>
+        </p:cxnSp>
+        <p:cxnSp>
+          <p:nvCxnSpPr>
+            <p:cNvPr id="28" name="Straight Connector 27">
+              <a:extLst>
+                <a:ext uri="{FF2B5EF4-FFF2-40B4-BE49-F238E27FC236}">
+                  <a16:creationId xmlns:a16="http://schemas.microsoft.com/office/drawing/2014/main" id="{6DDA6C58-C39D-40B0-9AA7-F82C7BC4CA09}"/>
+                </a:ext>
+              </a:extLst>
+            </p:cNvPr>
+            <p:cNvCxnSpPr>
+              <a:cxnSpLocks/>
+            </p:cNvCxnSpPr>
+            <p:nvPr/>
+          </p:nvCxnSpPr>
+          <p:spPr>
+            <a:xfrm flipV="1">
+              <a:off x="5181600" y="3657600"/>
+              <a:ext cx="762000" cy="609600"/>
+            </a:xfrm>
+            <a:prstGeom prst="line">
+              <a:avLst/>
+            </a:prstGeom>
+            <a:ln>
+              <a:solidFill>
+                <a:schemeClr val="bg1">
+                  <a:lumMod val="75000"/>
+                </a:schemeClr>
+              </a:solidFill>
+              <a:prstDash val="sysDash"/>
+            </a:ln>
+          </p:spPr>
+          <p:style>
+            <a:lnRef idx="1">
+              <a:schemeClr val="accent1"/>
+            </a:lnRef>
+            <a:fillRef idx="0">
+              <a:schemeClr val="accent1"/>
+            </a:fillRef>
+            <a:effectRef idx="0">
+              <a:schemeClr val="accent1"/>
+            </a:effectRef>
+            <a:fontRef idx="minor">
+              <a:schemeClr val="tx1"/>
+            </a:fontRef>
+          </p:style>
+        </p:cxnSp>
+        <p:cxnSp>
+          <p:nvCxnSpPr>
+            <p:cNvPr id="31" name="Straight Connector 30">
+              <a:extLst>
+                <a:ext uri="{FF2B5EF4-FFF2-40B4-BE49-F238E27FC236}">
+                  <a16:creationId xmlns:a16="http://schemas.microsoft.com/office/drawing/2014/main" id="{6062E377-1E19-4759-AA88-4AA9339694B2}"/>
+                </a:ext>
+              </a:extLst>
+            </p:cNvPr>
+            <p:cNvCxnSpPr/>
+            <p:nvPr/>
+          </p:nvCxnSpPr>
+          <p:spPr>
+            <a:xfrm>
+              <a:off x="3810000" y="3657600"/>
+              <a:ext cx="2743200" cy="0"/>
+            </a:xfrm>
+            <a:prstGeom prst="line">
+              <a:avLst/>
+            </a:prstGeom>
+            <a:ln>
+              <a:solidFill>
+                <a:schemeClr val="bg1">
+                  <a:lumMod val="75000"/>
+                </a:schemeClr>
+              </a:solidFill>
+              <a:prstDash val="sysDash"/>
+            </a:ln>
+          </p:spPr>
+          <p:style>
+            <a:lnRef idx="1">
+              <a:schemeClr val="accent1"/>
+            </a:lnRef>
+            <a:fillRef idx="0">
+              <a:schemeClr val="accent1"/>
+            </a:fillRef>
+            <a:effectRef idx="0">
+              <a:schemeClr val="accent1"/>
+            </a:effectRef>
+            <a:fontRef idx="minor">
+              <a:schemeClr val="tx1"/>
+            </a:fontRef>
+          </p:style>
+        </p:cxnSp>
+        <p:cxnSp>
+          <p:nvCxnSpPr>
+            <p:cNvPr id="32" name="Straight Connector 31">
+              <a:extLst>
+                <a:ext uri="{FF2B5EF4-FFF2-40B4-BE49-F238E27FC236}">
+                  <a16:creationId xmlns:a16="http://schemas.microsoft.com/office/drawing/2014/main" id="{2BD5A26A-E7FA-4F06-AA10-146D1F960344}"/>
+                </a:ext>
+              </a:extLst>
+            </p:cNvPr>
+            <p:cNvCxnSpPr>
+              <a:cxnSpLocks/>
+            </p:cNvCxnSpPr>
+            <p:nvPr/>
+          </p:nvCxnSpPr>
+          <p:spPr>
+            <a:xfrm flipV="1">
+              <a:off x="3009900" y="3657600"/>
+              <a:ext cx="800100" cy="609600"/>
+            </a:xfrm>
+            <a:prstGeom prst="line">
+              <a:avLst/>
+            </a:prstGeom>
+            <a:ln>
+              <a:solidFill>
+                <a:schemeClr val="bg1">
+                  <a:lumMod val="75000"/>
+                </a:schemeClr>
+              </a:solidFill>
+              <a:prstDash val="sysDash"/>
+            </a:ln>
+          </p:spPr>
+          <p:style>
+            <a:lnRef idx="1">
+              <a:schemeClr val="accent1"/>
+            </a:lnRef>
+            <a:fillRef idx="0">
+              <a:schemeClr val="accent1"/>
+            </a:fillRef>
+            <a:effectRef idx="0">
+              <a:schemeClr val="accent1"/>
+            </a:effectRef>
+            <a:fontRef idx="minor">
+              <a:schemeClr val="tx1"/>
+            </a:fontRef>
+          </p:style>
+        </p:cxnSp>
+      </p:grpSp>
+      <p:sp>
+        <p:nvSpPr>
+          <p:cNvPr id="34" name="Freeform: Shape 33">
+            <a:extLst>
+              <a:ext uri="{FF2B5EF4-FFF2-40B4-BE49-F238E27FC236}">
+                <a16:creationId xmlns:a16="http://schemas.microsoft.com/office/drawing/2014/main" id="{1F23605D-0BF8-46A8-8935-D29AE32AB1ED}"/>
+              </a:ext>
+            </a:extLst>
+          </p:cNvPr>
+          <p:cNvSpPr/>
+          <p:nvPr/>
+        </p:nvSpPr>
+        <p:spPr>
+          <a:xfrm>
+            <a:off x="1993431" y="1450075"/>
+            <a:ext cx="1924614" cy="2893325"/>
+          </a:xfrm>
+          <a:custGeom>
+            <a:avLst/>
+            <a:gdLst>
+              <a:gd name="connsiteX0" fmla="*/ 24163 w 1924614"/>
+              <a:gd name="connsiteY0" fmla="*/ 2893325 h 2893325"/>
+              <a:gd name="connsiteX1" fmla="*/ 218644 w 1924614"/>
+              <a:gd name="connsiteY1" fmla="*/ 1832212 h 2893325"/>
+              <a:gd name="connsiteX2" fmla="*/ 1614127 w 1924614"/>
+              <a:gd name="connsiteY2" fmla="*/ 808629 h 2893325"/>
+              <a:gd name="connsiteX3" fmla="*/ 1924614 w 1924614"/>
+              <a:gd name="connsiteY3" fmla="*/ 0 h 2893325"/>
+            </a:gdLst>
+            <a:ahLst/>
+            <a:cxnLst>
+              <a:cxn ang="0">
+                <a:pos x="connsiteX0" y="connsiteY0"/>
+              </a:cxn>
+              <a:cxn ang="0">
+                <a:pos x="connsiteX1" y="connsiteY1"/>
+              </a:cxn>
+              <a:cxn ang="0">
+                <a:pos x="connsiteX2" y="connsiteY2"/>
+              </a:cxn>
+              <a:cxn ang="0">
+                <a:pos x="connsiteX3" y="connsiteY3"/>
+              </a:cxn>
+            </a:cxnLst>
+            <a:rect l="l" t="t" r="r" b="b"/>
+            <a:pathLst>
+              <a:path w="1924614" h="2893325">
+                <a:moveTo>
+                  <a:pt x="24163" y="2893325"/>
+                </a:moveTo>
+                <a:cubicBezTo>
+                  <a:pt x="-11094" y="2536493"/>
+                  <a:pt x="-46350" y="2179661"/>
+                  <a:pt x="218644" y="1832212"/>
+                </a:cubicBezTo>
+                <a:cubicBezTo>
+                  <a:pt x="483638" y="1484763"/>
+                  <a:pt x="1329799" y="1113998"/>
+                  <a:pt x="1614127" y="808629"/>
+                </a:cubicBezTo>
+                <a:cubicBezTo>
+                  <a:pt x="1898455" y="503260"/>
+                  <a:pt x="1911534" y="251630"/>
+                  <a:pt x="1924614" y="0"/>
+                </a:cubicBezTo>
+              </a:path>
+            </a:pathLst>
+          </a:custGeom>
+          <a:noFill/>
+          <a:ln w="57150">
+            <a:solidFill>
+              <a:schemeClr val="tx1"/>
+            </a:solidFill>
+          </a:ln>
+        </p:spPr>
+        <p:style>
+          <a:lnRef idx="2">
+            <a:schemeClr val="accent1">
+              <a:shade val="50000"/>
+            </a:schemeClr>
+          </a:lnRef>
+          <a:fillRef idx="1">
+            <a:schemeClr val="accent1"/>
+          </a:fillRef>
+          <a:effectRef idx="0">
+            <a:schemeClr val="accent1"/>
+          </a:effectRef>
+          <a:fontRef idx="minor">
+            <a:schemeClr val="lt1"/>
+          </a:fontRef>
+        </p:style>
+        <p:txBody>
+          <a:bodyPr rtlCol="0" anchor="ctr"/>
+          <a:lstStyle/>
+          <a:p>
+            <a:pPr algn="ctr"/>
+            <a:endParaRPr lang="en-US"/>
+          </a:p>
+        </p:txBody>
+      </p:sp>
+      <p:sp>
+        <p:nvSpPr>
+          <p:cNvPr id="35" name="Oval 34">
+            <a:extLst>
+              <a:ext uri="{FF2B5EF4-FFF2-40B4-BE49-F238E27FC236}">
+                <a16:creationId xmlns:a16="http://schemas.microsoft.com/office/drawing/2014/main" id="{87A2041A-502F-42C9-91EB-A568C640D349}"/>
+              </a:ext>
+            </a:extLst>
+          </p:cNvPr>
+          <p:cNvSpPr/>
+          <p:nvPr/>
+        </p:nvSpPr>
+        <p:spPr>
+          <a:xfrm rot="21251782">
+            <a:off x="1821491" y="4281126"/>
+            <a:ext cx="422731" cy="150800"/>
+          </a:xfrm>
+          <a:prstGeom prst="ellipse">
+            <a:avLst/>
+          </a:prstGeom>
+          <a:noFill/>
+          <a:ln>
+            <a:solidFill>
+              <a:schemeClr val="tx1"/>
+            </a:solidFill>
+            <a:prstDash val="sysDot"/>
+          </a:ln>
+        </p:spPr>
+        <p:style>
+          <a:lnRef idx="2">
+            <a:schemeClr val="accent1">
+              <a:shade val="50000"/>
+            </a:schemeClr>
+          </a:lnRef>
+          <a:fillRef idx="1">
+            <a:schemeClr val="accent1"/>
+          </a:fillRef>
+          <a:effectRef idx="0">
+            <a:schemeClr val="accent1"/>
+          </a:effectRef>
+          <a:fontRef idx="minor">
+            <a:schemeClr val="lt1"/>
+          </a:fontRef>
+        </p:style>
+        <p:txBody>
+          <a:bodyPr rtlCol="0" anchor="ctr"/>
+          <a:lstStyle/>
+          <a:p>
+            <a:pPr algn="ctr"/>
+            <a:endParaRPr lang="en-US"/>
+          </a:p>
+        </p:txBody>
+      </p:sp>
+      <p:sp>
+        <p:nvSpPr>
+          <p:cNvPr id="41" name="Oval 40">
+            <a:extLst>
+              <a:ext uri="{FF2B5EF4-FFF2-40B4-BE49-F238E27FC236}">
+                <a16:creationId xmlns:a16="http://schemas.microsoft.com/office/drawing/2014/main" id="{F4B7E720-2F5E-4DA1-B4CD-F404AF3DBE9D}"/>
+              </a:ext>
+            </a:extLst>
+          </p:cNvPr>
+          <p:cNvSpPr/>
+          <p:nvPr/>
+        </p:nvSpPr>
+        <p:spPr>
+          <a:xfrm>
+            <a:off x="1964854" y="3606707"/>
+            <a:ext cx="146284" cy="145292"/>
+          </a:xfrm>
+          <a:prstGeom prst="ellipse">
+            <a:avLst/>
+          </a:prstGeom>
+          <a:solidFill>
+            <a:schemeClr val="tx1">
+              <a:lumMod val="50000"/>
+              <a:lumOff val="50000"/>
+            </a:schemeClr>
+          </a:solidFill>
+          <a:ln>
+            <a:solidFill>
+              <a:schemeClr val="tx1"/>
+            </a:solidFill>
+          </a:ln>
+        </p:spPr>
+        <p:style>
+          <a:lnRef idx="2">
+            <a:schemeClr val="accent1">
+              <a:shade val="50000"/>
+            </a:schemeClr>
+          </a:lnRef>
+          <a:fillRef idx="1">
+            <a:schemeClr val="accent1"/>
+          </a:fillRef>
+          <a:effectRef idx="0">
+            <a:schemeClr val="accent1"/>
+          </a:effectRef>
+          <a:fontRef idx="minor">
+            <a:schemeClr val="lt1"/>
+          </a:fontRef>
+        </p:style>
+        <p:txBody>
+          <a:bodyPr rtlCol="0" anchor="ctr"/>
+          <a:lstStyle/>
+          <a:p>
+            <a:pPr algn="ctr"/>
+            <a:endParaRPr lang="en-US"/>
+          </a:p>
+        </p:txBody>
+      </p:sp>
+      <p:sp>
+        <p:nvSpPr>
+          <p:cNvPr id="42" name="Oval 41">
+            <a:extLst>
+              <a:ext uri="{FF2B5EF4-FFF2-40B4-BE49-F238E27FC236}">
+                <a16:creationId xmlns:a16="http://schemas.microsoft.com/office/drawing/2014/main" id="{2CA6FE00-B607-43CB-9B88-E0F28E329CC4}"/>
+              </a:ext>
+            </a:extLst>
+          </p:cNvPr>
+          <p:cNvSpPr/>
+          <p:nvPr/>
+        </p:nvSpPr>
+        <p:spPr>
+          <a:xfrm>
+            <a:off x="1955471" y="4270754"/>
+            <a:ext cx="146284" cy="145292"/>
+          </a:xfrm>
+          <a:prstGeom prst="ellipse">
+            <a:avLst/>
+          </a:prstGeom>
+          <a:solidFill>
+            <a:schemeClr val="tx1">
+              <a:lumMod val="50000"/>
+              <a:lumOff val="50000"/>
+            </a:schemeClr>
+          </a:solidFill>
+          <a:ln>
+            <a:solidFill>
+              <a:schemeClr val="tx1"/>
+            </a:solidFill>
+          </a:ln>
+        </p:spPr>
+        <p:style>
+          <a:lnRef idx="2">
+            <a:schemeClr val="accent1">
+              <a:shade val="50000"/>
+            </a:schemeClr>
+          </a:lnRef>
+          <a:fillRef idx="1">
+            <a:schemeClr val="accent1"/>
+          </a:fillRef>
+          <a:effectRef idx="0">
+            <a:schemeClr val="accent1"/>
+          </a:effectRef>
+          <a:fontRef idx="minor">
+            <a:schemeClr val="lt1"/>
+          </a:fontRef>
+        </p:style>
+        <p:txBody>
+          <a:bodyPr rtlCol="0" anchor="ctr"/>
+          <a:lstStyle/>
+          <a:p>
+            <a:pPr algn="ctr"/>
+            <a:endParaRPr lang="en-US"/>
+          </a:p>
+        </p:txBody>
+      </p:sp>
+      <p:sp>
+        <p:nvSpPr>
+          <p:cNvPr id="43" name="Oval 42">
+            <a:extLst>
+              <a:ext uri="{FF2B5EF4-FFF2-40B4-BE49-F238E27FC236}">
+                <a16:creationId xmlns:a16="http://schemas.microsoft.com/office/drawing/2014/main" id="{0EB1CEC4-65CC-4FDE-B973-B9D05E12A02D}"/>
+              </a:ext>
+            </a:extLst>
+          </p:cNvPr>
+          <p:cNvSpPr/>
+          <p:nvPr/>
+        </p:nvSpPr>
+        <p:spPr>
+          <a:xfrm>
+            <a:off x="2314294" y="3029939"/>
+            <a:ext cx="146284" cy="145292"/>
+          </a:xfrm>
+          <a:prstGeom prst="ellipse">
+            <a:avLst/>
+          </a:prstGeom>
+          <a:solidFill>
+            <a:schemeClr val="tx1">
+              <a:lumMod val="50000"/>
+              <a:lumOff val="50000"/>
+            </a:schemeClr>
+          </a:solidFill>
+          <a:ln>
+            <a:solidFill>
+              <a:schemeClr val="tx1"/>
+            </a:solidFill>
+          </a:ln>
+        </p:spPr>
+        <p:style>
+          <a:lnRef idx="2">
+            <a:schemeClr val="accent1">
+              <a:shade val="50000"/>
+            </a:schemeClr>
+          </a:lnRef>
+          <a:fillRef idx="1">
+            <a:schemeClr val="accent1"/>
+          </a:fillRef>
+          <a:effectRef idx="0">
+            <a:schemeClr val="accent1"/>
+          </a:effectRef>
+          <a:fontRef idx="minor">
+            <a:schemeClr val="lt1"/>
+          </a:fontRef>
+        </p:style>
+        <p:txBody>
+          <a:bodyPr rtlCol="0" anchor="ctr"/>
+          <a:lstStyle/>
+          <a:p>
+            <a:pPr algn="ctr"/>
+            <a:endParaRPr lang="en-US"/>
+          </a:p>
+        </p:txBody>
+      </p:sp>
+      <p:sp>
+        <p:nvSpPr>
+          <p:cNvPr id="44" name="Oval 43">
+            <a:extLst>
+              <a:ext uri="{FF2B5EF4-FFF2-40B4-BE49-F238E27FC236}">
+                <a16:creationId xmlns:a16="http://schemas.microsoft.com/office/drawing/2014/main" id="{F546CB64-E35E-492A-BEF5-A3901E9A99EB}"/>
+              </a:ext>
+            </a:extLst>
+          </p:cNvPr>
+          <p:cNvSpPr/>
+          <p:nvPr/>
+        </p:nvSpPr>
+        <p:spPr>
+          <a:xfrm>
+            <a:off x="2982680" y="2562792"/>
+            <a:ext cx="146284" cy="145292"/>
+          </a:xfrm>
+          <a:prstGeom prst="ellipse">
+            <a:avLst/>
+          </a:prstGeom>
+          <a:solidFill>
+            <a:schemeClr val="tx1">
+              <a:lumMod val="50000"/>
+              <a:lumOff val="50000"/>
+            </a:schemeClr>
+          </a:solidFill>
+          <a:ln>
+            <a:solidFill>
+              <a:schemeClr val="tx1"/>
+            </a:solidFill>
+          </a:ln>
+        </p:spPr>
+        <p:style>
+          <a:lnRef idx="2">
+            <a:schemeClr val="accent1">
+              <a:shade val="50000"/>
+            </a:schemeClr>
+          </a:lnRef>
+          <a:fillRef idx="1">
+            <a:schemeClr val="accent1"/>
+          </a:fillRef>
+          <a:effectRef idx="0">
+            <a:schemeClr val="accent1"/>
+          </a:effectRef>
+          <a:fontRef idx="minor">
+            <a:schemeClr val="lt1"/>
+          </a:fontRef>
+        </p:style>
+        <p:txBody>
+          <a:bodyPr rtlCol="0" anchor="ctr"/>
+          <a:lstStyle/>
+          <a:p>
+            <a:pPr algn="ctr"/>
+            <a:endParaRPr lang="en-US"/>
+          </a:p>
+        </p:txBody>
+      </p:sp>
+      <p:sp>
+        <p:nvSpPr>
+          <p:cNvPr id="45" name="Oval 44">
+            <a:extLst>
+              <a:ext uri="{FF2B5EF4-FFF2-40B4-BE49-F238E27FC236}">
+                <a16:creationId xmlns:a16="http://schemas.microsoft.com/office/drawing/2014/main" id="{3E29FBCA-79E5-484B-9215-82A397130412}"/>
+              </a:ext>
+            </a:extLst>
+          </p:cNvPr>
+          <p:cNvSpPr/>
+          <p:nvPr/>
+        </p:nvSpPr>
+        <p:spPr>
+          <a:xfrm>
+            <a:off x="3633716" y="2055125"/>
+            <a:ext cx="146284" cy="145292"/>
+          </a:xfrm>
+          <a:prstGeom prst="ellipse">
+            <a:avLst/>
+          </a:prstGeom>
+          <a:solidFill>
+            <a:schemeClr val="tx1">
+              <a:lumMod val="50000"/>
+              <a:lumOff val="50000"/>
+            </a:schemeClr>
+          </a:solidFill>
+          <a:ln>
+            <a:solidFill>
+              <a:schemeClr val="tx1"/>
+            </a:solidFill>
+          </a:ln>
+        </p:spPr>
+        <p:style>
+          <a:lnRef idx="2">
+            <a:schemeClr val="accent1">
+              <a:shade val="50000"/>
+            </a:schemeClr>
+          </a:lnRef>
+          <a:fillRef idx="1">
+            <a:schemeClr val="accent1"/>
+          </a:fillRef>
+          <a:effectRef idx="0">
+            <a:schemeClr val="accent1"/>
+          </a:effectRef>
+          <a:fontRef idx="minor">
+            <a:schemeClr val="lt1"/>
+          </a:fontRef>
+        </p:style>
+        <p:txBody>
+          <a:bodyPr rtlCol="0" anchor="ctr"/>
+          <a:lstStyle/>
+          <a:p>
+            <a:pPr algn="ctr"/>
+            <a:endParaRPr lang="en-US"/>
+          </a:p>
+        </p:txBody>
+      </p:sp>
+      <p:sp>
+        <p:nvSpPr>
+          <p:cNvPr id="46" name="Oval 45">
+            <a:extLst>
+              <a:ext uri="{FF2B5EF4-FFF2-40B4-BE49-F238E27FC236}">
+                <a16:creationId xmlns:a16="http://schemas.microsoft.com/office/drawing/2014/main" id="{F46849CF-2080-4668-8F14-1AB39550B197}"/>
+              </a:ext>
+            </a:extLst>
+          </p:cNvPr>
+          <p:cNvSpPr/>
+          <p:nvPr/>
+        </p:nvSpPr>
+        <p:spPr>
+          <a:xfrm>
+            <a:off x="3835730" y="1364351"/>
+            <a:ext cx="146284" cy="145292"/>
+          </a:xfrm>
+          <a:prstGeom prst="ellipse">
+            <a:avLst/>
+          </a:prstGeom>
+          <a:solidFill>
+            <a:schemeClr val="tx1">
+              <a:lumMod val="50000"/>
+              <a:lumOff val="50000"/>
+            </a:schemeClr>
+          </a:solidFill>
+          <a:ln>
+            <a:solidFill>
+              <a:schemeClr val="tx1"/>
+            </a:solidFill>
+          </a:ln>
+        </p:spPr>
+        <p:style>
+          <a:lnRef idx="2">
+            <a:schemeClr val="accent1">
+              <a:shade val="50000"/>
+            </a:schemeClr>
+          </a:lnRef>
+          <a:fillRef idx="1">
+            <a:schemeClr val="accent1"/>
+          </a:fillRef>
+          <a:effectRef idx="0">
+            <a:schemeClr val="accent1"/>
+          </a:effectRef>
+          <a:fontRef idx="minor">
+            <a:schemeClr val="lt1"/>
+          </a:fontRef>
+        </p:style>
+        <p:txBody>
+          <a:bodyPr rtlCol="0" anchor="ctr"/>
+          <a:lstStyle/>
+          <a:p>
+            <a:pPr algn="ctr"/>
+            <a:endParaRPr lang="en-US"/>
+          </a:p>
+        </p:txBody>
+      </p:sp>
+      <p:sp>
+        <p:nvSpPr>
+          <p:cNvPr id="59" name="Oval 58">
+            <a:extLst>
+              <a:ext uri="{FF2B5EF4-FFF2-40B4-BE49-F238E27FC236}">
+                <a16:creationId xmlns:a16="http://schemas.microsoft.com/office/drawing/2014/main" id="{05FE7664-66B8-40EC-BE5C-24C0FE61517A}"/>
+              </a:ext>
+            </a:extLst>
+          </p:cNvPr>
+          <p:cNvSpPr/>
+          <p:nvPr/>
+        </p:nvSpPr>
+        <p:spPr>
+          <a:xfrm rot="21251782">
+            <a:off x="2078036" y="2992462"/>
+            <a:ext cx="609600" cy="228595"/>
+          </a:xfrm>
+          <a:prstGeom prst="ellipse">
+            <a:avLst/>
+          </a:prstGeom>
+          <a:noFill/>
+          <a:ln>
+            <a:solidFill>
+              <a:schemeClr val="tx1"/>
+            </a:solidFill>
+            <a:prstDash val="sysDot"/>
+          </a:ln>
+        </p:spPr>
+        <p:style>
+          <a:lnRef idx="2">
+            <a:schemeClr val="accent1">
+              <a:shade val="50000"/>
+            </a:schemeClr>
+          </a:lnRef>
+          <a:fillRef idx="1">
+            <a:schemeClr val="accent1"/>
+          </a:fillRef>
+          <a:effectRef idx="0">
+            <a:schemeClr val="accent1"/>
+          </a:effectRef>
+          <a:fontRef idx="minor">
+            <a:schemeClr val="lt1"/>
+          </a:fontRef>
+        </p:style>
+        <p:txBody>
+          <a:bodyPr rtlCol="0" anchor="ctr"/>
+          <a:lstStyle/>
+          <a:p>
+            <a:pPr algn="ctr"/>
+            <a:endParaRPr lang="en-US"/>
+          </a:p>
+        </p:txBody>
+      </p:sp>
+      <p:sp>
+        <p:nvSpPr>
+          <p:cNvPr id="60" name="Oval 59">
+            <a:extLst>
+              <a:ext uri="{FF2B5EF4-FFF2-40B4-BE49-F238E27FC236}">
+                <a16:creationId xmlns:a16="http://schemas.microsoft.com/office/drawing/2014/main" id="{35FAC20A-9979-47EC-842F-B5B6DDEFEB17}"/>
+              </a:ext>
+            </a:extLst>
+          </p:cNvPr>
+          <p:cNvSpPr/>
+          <p:nvPr/>
+        </p:nvSpPr>
+        <p:spPr>
+          <a:xfrm rot="21251782">
+            <a:off x="2751021" y="2521140"/>
+            <a:ext cx="609600" cy="228595"/>
+          </a:xfrm>
+          <a:prstGeom prst="ellipse">
+            <a:avLst/>
+          </a:prstGeom>
+          <a:noFill/>
+          <a:ln>
+            <a:solidFill>
+              <a:schemeClr val="tx1"/>
+            </a:solidFill>
+            <a:prstDash val="sysDot"/>
+          </a:ln>
+        </p:spPr>
+        <p:style>
+          <a:lnRef idx="2">
+            <a:schemeClr val="accent1">
+              <a:shade val="50000"/>
+            </a:schemeClr>
+          </a:lnRef>
+          <a:fillRef idx="1">
+            <a:schemeClr val="accent1"/>
+          </a:fillRef>
+          <a:effectRef idx="0">
+            <a:schemeClr val="accent1"/>
+          </a:effectRef>
+          <a:fontRef idx="minor">
+            <a:schemeClr val="lt1"/>
+          </a:fontRef>
+        </p:style>
+        <p:txBody>
+          <a:bodyPr rtlCol="0" anchor="ctr"/>
+          <a:lstStyle/>
+          <a:p>
+            <a:pPr algn="ctr"/>
+            <a:endParaRPr lang="en-US"/>
+          </a:p>
+        </p:txBody>
+      </p:sp>
+      <p:sp>
+        <p:nvSpPr>
+          <p:cNvPr id="63" name="Oval 62">
+            <a:extLst>
+              <a:ext uri="{FF2B5EF4-FFF2-40B4-BE49-F238E27FC236}">
+                <a16:creationId xmlns:a16="http://schemas.microsoft.com/office/drawing/2014/main" id="{55A22E46-67F6-4AA8-87F6-260A64F752D4}"/>
+              </a:ext>
+            </a:extLst>
+          </p:cNvPr>
+          <p:cNvSpPr/>
+          <p:nvPr/>
+        </p:nvSpPr>
+        <p:spPr>
+          <a:xfrm rot="21251782">
+            <a:off x="3697506" y="1362440"/>
+            <a:ext cx="422731" cy="150800"/>
+          </a:xfrm>
+          <a:prstGeom prst="ellipse">
+            <a:avLst/>
+          </a:prstGeom>
+          <a:noFill/>
+          <a:ln>
+            <a:solidFill>
+              <a:schemeClr val="tx1"/>
+            </a:solidFill>
+            <a:prstDash val="sysDot"/>
+          </a:ln>
+        </p:spPr>
+        <p:style>
+          <a:lnRef idx="2">
+            <a:schemeClr val="accent1">
+              <a:shade val="50000"/>
+            </a:schemeClr>
+          </a:lnRef>
+          <a:fillRef idx="1">
+            <a:schemeClr val="accent1"/>
+          </a:fillRef>
+          <a:effectRef idx="0">
+            <a:schemeClr val="accent1"/>
+          </a:effectRef>
+          <a:fontRef idx="minor">
+            <a:schemeClr val="lt1"/>
+          </a:fontRef>
+        </p:style>
+        <p:txBody>
+          <a:bodyPr rtlCol="0" anchor="ctr"/>
+          <a:lstStyle/>
+          <a:p>
+            <a:pPr algn="ctr"/>
+            <a:endParaRPr lang="en-US"/>
+          </a:p>
+        </p:txBody>
+      </p:sp>
+      <p:sp>
+        <p:nvSpPr>
+          <p:cNvPr id="64" name="Oval 63">
+            <a:extLst>
+              <a:ext uri="{FF2B5EF4-FFF2-40B4-BE49-F238E27FC236}">
+                <a16:creationId xmlns:a16="http://schemas.microsoft.com/office/drawing/2014/main" id="{A357201E-8B4B-431E-AB2B-42E4CC950030}"/>
+              </a:ext>
+            </a:extLst>
+          </p:cNvPr>
+          <p:cNvSpPr/>
+          <p:nvPr/>
+        </p:nvSpPr>
+        <p:spPr>
+          <a:xfrm rot="21251782">
+            <a:off x="1826631" y="3607322"/>
+            <a:ext cx="422731" cy="150800"/>
+          </a:xfrm>
+          <a:prstGeom prst="ellipse">
+            <a:avLst/>
+          </a:prstGeom>
+          <a:noFill/>
+          <a:ln>
+            <a:solidFill>
+              <a:schemeClr val="tx1"/>
+            </a:solidFill>
+            <a:prstDash val="sysDot"/>
+          </a:ln>
+        </p:spPr>
+        <p:style>
+          <a:lnRef idx="2">
+            <a:schemeClr val="accent1">
+              <a:shade val="50000"/>
+            </a:schemeClr>
+          </a:lnRef>
+          <a:fillRef idx="1">
+            <a:schemeClr val="accent1"/>
+          </a:fillRef>
+          <a:effectRef idx="0">
+            <a:schemeClr val="accent1"/>
+          </a:effectRef>
+          <a:fontRef idx="minor">
+            <a:schemeClr val="lt1"/>
+          </a:fontRef>
+        </p:style>
+        <p:txBody>
+          <a:bodyPr rtlCol="0" anchor="ctr"/>
+          <a:lstStyle/>
+          <a:p>
+            <a:pPr algn="ctr"/>
+            <a:endParaRPr lang="en-US"/>
+          </a:p>
+        </p:txBody>
+      </p:sp>
+      <p:sp>
+        <p:nvSpPr>
+          <p:cNvPr id="65" name="Oval 64">
+            <a:extLst>
+              <a:ext uri="{FF2B5EF4-FFF2-40B4-BE49-F238E27FC236}">
+                <a16:creationId xmlns:a16="http://schemas.microsoft.com/office/drawing/2014/main" id="{B727EF29-EA4B-488E-A177-C37BE50265C8}"/>
+              </a:ext>
+            </a:extLst>
+          </p:cNvPr>
+          <p:cNvSpPr/>
+          <p:nvPr/>
+        </p:nvSpPr>
+        <p:spPr>
+          <a:xfrm rot="21251782">
+            <a:off x="3493341" y="2052370"/>
+            <a:ext cx="422731" cy="150800"/>
+          </a:xfrm>
+          <a:prstGeom prst="ellipse">
+            <a:avLst/>
+          </a:prstGeom>
+          <a:noFill/>
+          <a:ln>
+            <a:solidFill>
+              <a:schemeClr val="tx1"/>
+            </a:solidFill>
+            <a:prstDash val="sysDot"/>
+          </a:ln>
+        </p:spPr>
+        <p:style>
+          <a:lnRef idx="2">
+            <a:schemeClr val="accent1">
+              <a:shade val="50000"/>
+            </a:schemeClr>
+          </a:lnRef>
+          <a:fillRef idx="1">
+            <a:schemeClr val="accent1"/>
+          </a:fillRef>
+          <a:effectRef idx="0">
+            <a:schemeClr val="accent1"/>
+          </a:effectRef>
+          <a:fontRef idx="minor">
+            <a:schemeClr val="lt1"/>
+          </a:fontRef>
+        </p:style>
+        <p:txBody>
+          <a:bodyPr rtlCol="0" anchor="ctr"/>
+          <a:lstStyle/>
+          <a:p>
+            <a:pPr algn="ctr"/>
+            <a:endParaRPr lang="en-US"/>
+          </a:p>
+        </p:txBody>
+      </p:sp>
+      <mc:AlternateContent xmlns:mc="http://schemas.openxmlformats.org/markup-compatibility/2006">
+        <mc:Choice xmlns:a14="http://schemas.microsoft.com/office/drawing/2010/main" Requires="a14">
+          <p:sp>
+            <p:nvSpPr>
+              <p:cNvPr id="66" name="TextBox 65">
+                <a:extLst>
+                  <a:ext uri="{FF2B5EF4-FFF2-40B4-BE49-F238E27FC236}">
+                    <a16:creationId xmlns:a16="http://schemas.microsoft.com/office/drawing/2014/main" id="{17155FCB-EAE5-49EC-B9DF-3AC562110FE6}"/>
+                  </a:ext>
+                </a:extLst>
+              </p:cNvPr>
+              <p:cNvSpPr txBox="1"/>
+              <p:nvPr/>
+            </p:nvSpPr>
+            <p:spPr>
+              <a:xfrm>
+                <a:off x="2316323" y="4173553"/>
+                <a:ext cx="1250086" cy="276999"/>
+              </a:xfrm>
+              <a:prstGeom prst="rect">
+                <a:avLst/>
+              </a:prstGeom>
+              <a:solidFill>
+                <a:schemeClr val="bg1"/>
+              </a:solidFill>
+            </p:spPr>
+            <p:txBody>
+              <a:bodyPr wrap="none" lIns="0" tIns="0" rIns="0" bIns="0" rtlCol="0">
+                <a:spAutoFit/>
+              </a:bodyPr>
+              <a:lstStyle/>
+              <a:p>
+                <a14:m>
+                  <m:oMathPara xmlns:m="http://schemas.openxmlformats.org/officeDocument/2006/math">
+                    <m:oMathParaPr>
+                      <m:jc m:val="centerGroup"/>
+                    </m:oMathParaPr>
+                    <m:oMath xmlns:m="http://schemas.openxmlformats.org/officeDocument/2006/math">
+                      <m:r>
+                        <a:rPr lang="en-US" b="0" i="1" smtClean="0">
+                          <a:latin typeface="Cambria Math" panose="02040503050406030204" pitchFamily="18" charset="0"/>
+                        </a:rPr>
+                        <m:t>𝑡</m:t>
+                      </m:r>
+                      <m:r>
+                        <a:rPr lang="en-US" b="0" i="1" smtClean="0">
+                          <a:latin typeface="Cambria Math" panose="02040503050406030204" pitchFamily="18" charset="0"/>
+                        </a:rPr>
+                        <m:t>=</m:t>
+                      </m:r>
+                      <m:sSub>
+                        <m:sSubPr>
+                          <m:ctrlPr>
+                            <a:rPr lang="en-US" b="0" i="1" smtClean="0">
+                              <a:latin typeface="Cambria Math" panose="02040503050406030204" pitchFamily="18" charset="0"/>
+                            </a:rPr>
+                          </m:ctrlPr>
+                        </m:sSubPr>
+                        <m:e>
+                          <m:r>
+                            <a:rPr lang="en-US" b="0" i="1" smtClean="0">
+                              <a:latin typeface="Cambria Math" panose="02040503050406030204" pitchFamily="18" charset="0"/>
+                            </a:rPr>
+                            <m:t>𝑡</m:t>
+                          </m:r>
+                        </m:e>
+                        <m:sub>
+                          <m:r>
+                            <a:rPr lang="en-US" b="0" i="1" smtClean="0">
+                              <a:latin typeface="Cambria Math" panose="02040503050406030204" pitchFamily="18" charset="0"/>
+                            </a:rPr>
+                            <m:t>0</m:t>
+                          </m:r>
+                        </m:sub>
+                      </m:sSub>
+                      <m:r>
+                        <a:rPr lang="en-US" b="0" i="1" smtClean="0">
+                          <a:latin typeface="Cambria Math" panose="02040503050406030204" pitchFamily="18" charset="0"/>
+                        </a:rPr>
+                        <m:t>, </m:t>
+                      </m:r>
+                      <m:r>
+                        <a:rPr lang="en-US" b="0" i="1" smtClean="0">
+                          <a:latin typeface="Cambria Math" panose="02040503050406030204" pitchFamily="18" charset="0"/>
+                        </a:rPr>
+                        <m:t>𝑗</m:t>
+                      </m:r>
+                      <m:r>
+                        <a:rPr lang="en-US" b="0" i="1" smtClean="0">
+                          <a:latin typeface="Cambria Math" panose="02040503050406030204" pitchFamily="18" charset="0"/>
+                        </a:rPr>
+                        <m:t>=0</m:t>
+                      </m:r>
+                    </m:oMath>
+                  </m:oMathPara>
+                </a14:m>
+                <a:endParaRPr lang="en-US" dirty="0"/>
+              </a:p>
+            </p:txBody>
+          </p:sp>
+        </mc:Choice>
+        <mc:Fallback>
+          <p:sp>
+            <p:nvSpPr>
+              <p:cNvPr id="66" name="TextBox 65">
+                <a:extLst>
+                  <a:ext uri="{FF2B5EF4-FFF2-40B4-BE49-F238E27FC236}">
+                    <a16:creationId xmlns:a16="http://schemas.microsoft.com/office/drawing/2014/main" id="{17155FCB-EAE5-49EC-B9DF-3AC562110FE6}"/>
+                  </a:ext>
+                </a:extLst>
+              </p:cNvPr>
+              <p:cNvSpPr txBox="1">
+                <a:spLocks noRot="1" noChangeAspect="1" noMove="1" noResize="1" noEditPoints="1" noAdjustHandles="1" noChangeArrowheads="1" noChangeShapeType="1" noTextEdit="1"/>
+              </p:cNvSpPr>
+              <p:nvPr/>
+            </p:nvSpPr>
+            <p:spPr>
+              <a:xfrm>
+                <a:off x="2316323" y="4173553"/>
+                <a:ext cx="1250086" cy="276999"/>
+              </a:xfrm>
+              <a:prstGeom prst="rect">
+                <a:avLst/>
+              </a:prstGeom>
+              <a:blipFill>
+                <a:blip r:embed="rId2"/>
+                <a:stretch>
+                  <a:fillRect l="-3902" t="-4444" r="-3902" b="-35556"/>
+                </a:stretch>
+              </a:blipFill>
+            </p:spPr>
+            <p:txBody>
+              <a:bodyPr/>
+              <a:lstStyle/>
+              <a:p>
+                <a:r>
+                  <a:rPr lang="en-US">
+                    <a:noFill/>
+                  </a:rPr>
+                  <a:t> </a:t>
+                </a:r>
+              </a:p>
+            </p:txBody>
+          </p:sp>
+        </mc:Fallback>
+      </mc:AlternateContent>
+      <mc:AlternateContent xmlns:mc="http://schemas.openxmlformats.org/markup-compatibility/2006">
+        <mc:Choice xmlns:a14="http://schemas.microsoft.com/office/drawing/2010/main" Requires="a14">
+          <p:sp>
+            <p:nvSpPr>
+              <p:cNvPr id="68" name="TextBox 67">
+                <a:extLst>
+                  <a:ext uri="{FF2B5EF4-FFF2-40B4-BE49-F238E27FC236}">
+                    <a16:creationId xmlns:a16="http://schemas.microsoft.com/office/drawing/2014/main" id="{25A07163-BBC1-49F2-868D-ADC189C43CD9}"/>
+                  </a:ext>
+                </a:extLst>
+              </p:cNvPr>
+              <p:cNvSpPr txBox="1"/>
+              <p:nvPr/>
+            </p:nvSpPr>
+            <p:spPr>
+              <a:xfrm>
+                <a:off x="4160143" y="1285101"/>
+                <a:ext cx="1992277" cy="276999"/>
+              </a:xfrm>
+              <a:prstGeom prst="rect">
+                <a:avLst/>
+              </a:prstGeom>
+              <a:solidFill>
+                <a:schemeClr val="bg1"/>
+              </a:solidFill>
+            </p:spPr>
+            <p:txBody>
+              <a:bodyPr wrap="none" lIns="0" tIns="0" rIns="0" bIns="0" rtlCol="0">
+                <a:spAutoFit/>
+              </a:bodyPr>
+              <a:lstStyle/>
+              <a:p>
+                <a14:m>
+                  <m:oMathPara xmlns:m="http://schemas.openxmlformats.org/officeDocument/2006/math">
+                    <m:oMathParaPr>
+                      <m:jc m:val="centerGroup"/>
+                    </m:oMathParaPr>
+                    <m:oMath xmlns:m="http://schemas.openxmlformats.org/officeDocument/2006/math">
+                      <m:r>
+                        <a:rPr lang="en-US" b="0" i="1" smtClean="0">
+                          <a:latin typeface="Cambria Math" panose="02040503050406030204" pitchFamily="18" charset="0"/>
+                        </a:rPr>
+                        <m:t>𝑡</m:t>
+                      </m:r>
+                      <m:r>
+                        <a:rPr lang="en-US" b="0" i="1" smtClean="0">
+                          <a:latin typeface="Cambria Math" panose="02040503050406030204" pitchFamily="18" charset="0"/>
+                        </a:rPr>
+                        <m:t>=</m:t>
+                      </m:r>
+                      <m:sSub>
+                        <m:sSubPr>
+                          <m:ctrlPr>
+                            <a:rPr lang="en-US" b="0" i="1" smtClean="0">
+                              <a:latin typeface="Cambria Math" panose="02040503050406030204" pitchFamily="18" charset="0"/>
+                            </a:rPr>
+                          </m:ctrlPr>
+                        </m:sSubPr>
+                        <m:e>
+                          <m:r>
+                            <a:rPr lang="en-US" b="0" i="1" smtClean="0">
+                              <a:latin typeface="Cambria Math" panose="02040503050406030204" pitchFamily="18" charset="0"/>
+                            </a:rPr>
+                            <m:t>𝑡</m:t>
+                          </m:r>
+                        </m:e>
+                        <m:sub>
+                          <m:r>
+                            <a:rPr lang="en-US" b="0" i="1" smtClean="0">
+                              <a:latin typeface="Cambria Math" panose="02040503050406030204" pitchFamily="18" charset="0"/>
+                            </a:rPr>
+                            <m:t>1</m:t>
+                          </m:r>
+                        </m:sub>
+                      </m:sSub>
+                      <m:r>
+                        <a:rPr lang="en-US" b="0" i="1" smtClean="0">
+                          <a:latin typeface="Cambria Math" panose="02040503050406030204" pitchFamily="18" charset="0"/>
+                        </a:rPr>
+                        <m:t>,</m:t>
+                      </m:r>
+                      <m:r>
+                        <a:rPr lang="en-US" b="0" i="1" smtClean="0">
+                          <a:latin typeface="Cambria Math" panose="02040503050406030204" pitchFamily="18" charset="0"/>
+                        </a:rPr>
+                        <m:t>𝑗</m:t>
+                      </m:r>
+                      <m:r>
+                        <a:rPr lang="en-US" b="0" i="1" smtClean="0">
+                          <a:latin typeface="Cambria Math" panose="02040503050406030204" pitchFamily="18" charset="0"/>
+                        </a:rPr>
+                        <m:t>=</m:t>
+                      </m:r>
+                      <m:sSub>
+                        <m:sSubPr>
+                          <m:ctrlPr>
+                            <a:rPr lang="en-US" b="0" i="1" smtClean="0">
+                              <a:latin typeface="Cambria Math" panose="02040503050406030204" pitchFamily="18" charset="0"/>
+                            </a:rPr>
+                          </m:ctrlPr>
+                        </m:sSubPr>
+                        <m:e>
+                          <m:r>
+                            <a:rPr lang="en-US" b="0" i="1" smtClean="0">
+                              <a:latin typeface="Cambria Math" panose="02040503050406030204" pitchFamily="18" charset="0"/>
+                            </a:rPr>
+                            <m:t>𝑗</m:t>
+                          </m:r>
+                        </m:e>
+                        <m:sub>
+                          <m:r>
+                            <a:rPr lang="en-US" b="0" i="1" smtClean="0">
+                              <a:latin typeface="Cambria Math" panose="02040503050406030204" pitchFamily="18" charset="0"/>
+                            </a:rPr>
+                            <m:t>𝑚𝑎𝑥</m:t>
+                          </m:r>
+                        </m:sub>
+                      </m:sSub>
+                      <m:r>
+                        <a:rPr lang="en-US" b="0" i="1" smtClean="0">
+                          <a:latin typeface="Cambria Math" panose="02040503050406030204" pitchFamily="18" charset="0"/>
+                        </a:rPr>
+                        <m:t>=5</m:t>
+                      </m:r>
+                    </m:oMath>
+                  </m:oMathPara>
+                </a14:m>
+                <a:endParaRPr lang="en-US" dirty="0"/>
+              </a:p>
+            </p:txBody>
+          </p:sp>
+        </mc:Choice>
+        <mc:Fallback>
+          <p:sp>
+            <p:nvSpPr>
+              <p:cNvPr id="68" name="TextBox 67">
+                <a:extLst>
+                  <a:ext uri="{FF2B5EF4-FFF2-40B4-BE49-F238E27FC236}">
+                    <a16:creationId xmlns:a16="http://schemas.microsoft.com/office/drawing/2014/main" id="{25A07163-BBC1-49F2-868D-ADC189C43CD9}"/>
+                  </a:ext>
+                </a:extLst>
+              </p:cNvPr>
+              <p:cNvSpPr txBox="1">
+                <a:spLocks noRot="1" noChangeAspect="1" noMove="1" noResize="1" noEditPoints="1" noAdjustHandles="1" noChangeArrowheads="1" noChangeShapeType="1" noTextEdit="1"/>
+              </p:cNvSpPr>
+              <p:nvPr/>
+            </p:nvSpPr>
+            <p:spPr>
+              <a:xfrm>
+                <a:off x="4160143" y="1285101"/>
+                <a:ext cx="1992277" cy="276999"/>
+              </a:xfrm>
+              <a:prstGeom prst="rect">
+                <a:avLst/>
+              </a:prstGeom>
+              <a:blipFill>
+                <a:blip r:embed="rId3"/>
+                <a:stretch>
+                  <a:fillRect l="-1835" t="-2222" r="-2446" b="-35556"/>
+                </a:stretch>
+              </a:blipFill>
+            </p:spPr>
+            <p:txBody>
+              <a:bodyPr/>
+              <a:lstStyle/>
+              <a:p>
+                <a:r>
+                  <a:rPr lang="en-US">
+                    <a:noFill/>
+                  </a:rPr>
+                  <a:t> </a:t>
+                </a:r>
+              </a:p>
+            </p:txBody>
+          </p:sp>
+        </mc:Fallback>
+      </mc:AlternateContent>
+      <mc:AlternateContent xmlns:mc="http://schemas.openxmlformats.org/markup-compatibility/2006">
+        <mc:Choice xmlns:a14="http://schemas.microsoft.com/office/drawing/2010/main" Requires="a14">
+          <p:sp>
+            <p:nvSpPr>
+              <p:cNvPr id="69" name="TextBox 68">
+                <a:extLst>
+                  <a:ext uri="{FF2B5EF4-FFF2-40B4-BE49-F238E27FC236}">
+                    <a16:creationId xmlns:a16="http://schemas.microsoft.com/office/drawing/2014/main" id="{916E4A1F-5BEA-4144-A8AA-9AFDEBE7C4C6}"/>
+                  </a:ext>
+                </a:extLst>
+              </p:cNvPr>
+              <p:cNvSpPr txBox="1"/>
+              <p:nvPr/>
+            </p:nvSpPr>
+            <p:spPr>
+              <a:xfrm>
+                <a:off x="1994989" y="556051"/>
+                <a:ext cx="149913" cy="276999"/>
+              </a:xfrm>
+              <a:prstGeom prst="rect">
+                <a:avLst/>
+              </a:prstGeom>
+              <a:solidFill>
+                <a:schemeClr val="bg1"/>
+              </a:solidFill>
+            </p:spPr>
+            <p:txBody>
+              <a:bodyPr wrap="none" lIns="0" tIns="0" rIns="0" bIns="0" rtlCol="0">
+                <a:spAutoFit/>
+              </a:bodyPr>
+              <a:lstStyle/>
+              <a:p>
+                <a14:m>
+                  <m:oMathPara xmlns:m="http://schemas.openxmlformats.org/officeDocument/2006/math">
+                    <m:oMathParaPr>
+                      <m:jc m:val="centerGroup"/>
+                    </m:oMathParaPr>
+                    <m:oMath xmlns:m="http://schemas.openxmlformats.org/officeDocument/2006/math">
+                      <m:r>
+                        <a:rPr lang="en-US" b="0" i="1" smtClean="0">
+                          <a:latin typeface="Cambria Math" panose="02040503050406030204" pitchFamily="18" charset="0"/>
+                        </a:rPr>
+                        <m:t>𝑡</m:t>
+                      </m:r>
+                    </m:oMath>
+                  </m:oMathPara>
+                </a14:m>
+                <a:endParaRPr lang="en-US" dirty="0"/>
+              </a:p>
+            </p:txBody>
+          </p:sp>
+        </mc:Choice>
+        <mc:Fallback>
+          <p:sp>
+            <p:nvSpPr>
+              <p:cNvPr id="69" name="TextBox 68">
+                <a:extLst>
+                  <a:ext uri="{FF2B5EF4-FFF2-40B4-BE49-F238E27FC236}">
+                    <a16:creationId xmlns:a16="http://schemas.microsoft.com/office/drawing/2014/main" id="{916E4A1F-5BEA-4144-A8AA-9AFDEBE7C4C6}"/>
+                  </a:ext>
+                </a:extLst>
+              </p:cNvPr>
+              <p:cNvSpPr txBox="1">
+                <a:spLocks noRot="1" noChangeAspect="1" noMove="1" noResize="1" noEditPoints="1" noAdjustHandles="1" noChangeArrowheads="1" noChangeShapeType="1" noTextEdit="1"/>
+              </p:cNvSpPr>
+              <p:nvPr/>
+            </p:nvSpPr>
+            <p:spPr>
+              <a:xfrm>
+                <a:off x="1994989" y="556051"/>
+                <a:ext cx="149913" cy="276999"/>
+              </a:xfrm>
+              <a:prstGeom prst="rect">
+                <a:avLst/>
+              </a:prstGeom>
+              <a:blipFill>
+                <a:blip r:embed="rId4"/>
+                <a:stretch>
+                  <a:fillRect l="-32000" r="-28000" b="-4348"/>
+                </a:stretch>
+              </a:blipFill>
+            </p:spPr>
+            <p:txBody>
+              <a:bodyPr/>
+              <a:lstStyle/>
+              <a:p>
+                <a:r>
+                  <a:rPr lang="en-US">
+                    <a:noFill/>
+                  </a:rPr>
+                  <a:t> </a:t>
+                </a:r>
+              </a:p>
+            </p:txBody>
+          </p:sp>
+        </mc:Fallback>
+      </mc:AlternateContent>
+      <mc:AlternateContent xmlns:mc="http://schemas.openxmlformats.org/markup-compatibility/2006">
+        <mc:Choice xmlns:a14="http://schemas.microsoft.com/office/drawing/2010/main" Requires="a14">
+          <p:sp>
+            <p:nvSpPr>
+              <p:cNvPr id="70" name="TextBox 69">
+                <a:extLst>
+                  <a:ext uri="{FF2B5EF4-FFF2-40B4-BE49-F238E27FC236}">
+                    <a16:creationId xmlns:a16="http://schemas.microsoft.com/office/drawing/2014/main" id="{C34EC781-AC8F-409E-8E11-C69FA8FA8486}"/>
+                  </a:ext>
+                </a:extLst>
+              </p:cNvPr>
+              <p:cNvSpPr txBox="1"/>
+              <p:nvPr/>
+            </p:nvSpPr>
+            <p:spPr>
+              <a:xfrm>
+                <a:off x="884077" y="4572000"/>
+                <a:ext cx="186718" cy="276999"/>
+              </a:xfrm>
+              <a:prstGeom prst="rect">
+                <a:avLst/>
+              </a:prstGeom>
+              <a:solidFill>
+                <a:schemeClr val="bg1"/>
+              </a:solidFill>
+            </p:spPr>
+            <p:txBody>
+              <a:bodyPr wrap="none" lIns="0" tIns="0" rIns="0" bIns="0" rtlCol="0">
+                <a:spAutoFit/>
+              </a:bodyPr>
+              <a:lstStyle/>
+              <a:p>
+                <a14:m>
+                  <m:oMathPara xmlns:m="http://schemas.openxmlformats.org/officeDocument/2006/math">
+                    <m:oMathParaPr>
+                      <m:jc m:val="centerGroup"/>
+                    </m:oMathParaPr>
+                    <m:oMath xmlns:m="http://schemas.openxmlformats.org/officeDocument/2006/math">
+                      <m:r>
+                        <a:rPr lang="en-US" b="0" i="1" smtClean="0">
+                          <a:latin typeface="Cambria Math" panose="02040503050406030204" pitchFamily="18" charset="0"/>
+                        </a:rPr>
+                        <m:t>𝑦</m:t>
+                      </m:r>
+                    </m:oMath>
+                  </m:oMathPara>
+                </a14:m>
+                <a:endParaRPr lang="en-US" dirty="0"/>
+              </a:p>
+            </p:txBody>
+          </p:sp>
+        </mc:Choice>
+        <mc:Fallback>
+          <p:sp>
+            <p:nvSpPr>
+              <p:cNvPr id="70" name="TextBox 69">
+                <a:extLst>
+                  <a:ext uri="{FF2B5EF4-FFF2-40B4-BE49-F238E27FC236}">
+                    <a16:creationId xmlns:a16="http://schemas.microsoft.com/office/drawing/2014/main" id="{C34EC781-AC8F-409E-8E11-C69FA8FA8486}"/>
+                  </a:ext>
+                </a:extLst>
+              </p:cNvPr>
+              <p:cNvSpPr txBox="1">
+                <a:spLocks noRot="1" noChangeAspect="1" noMove="1" noResize="1" noEditPoints="1" noAdjustHandles="1" noChangeArrowheads="1" noChangeShapeType="1" noTextEdit="1"/>
+              </p:cNvSpPr>
+              <p:nvPr/>
+            </p:nvSpPr>
+            <p:spPr>
+              <a:xfrm>
+                <a:off x="884077" y="4572000"/>
+                <a:ext cx="186718" cy="276999"/>
+              </a:xfrm>
+              <a:prstGeom prst="rect">
+                <a:avLst/>
+              </a:prstGeom>
+              <a:blipFill>
+                <a:blip r:embed="rId5"/>
+                <a:stretch>
+                  <a:fillRect l="-32258" r="-25806" b="-26667"/>
+                </a:stretch>
+              </a:blipFill>
+            </p:spPr>
+            <p:txBody>
+              <a:bodyPr/>
+              <a:lstStyle/>
+              <a:p>
+                <a:r>
+                  <a:rPr lang="en-US">
+                    <a:noFill/>
+                  </a:rPr>
+                  <a:t> </a:t>
+                </a:r>
+              </a:p>
+            </p:txBody>
+          </p:sp>
+        </mc:Fallback>
+      </mc:AlternateContent>
+      <mc:AlternateContent xmlns:mc="http://schemas.openxmlformats.org/markup-compatibility/2006">
+        <mc:Choice xmlns:a14="http://schemas.microsoft.com/office/drawing/2010/main" Requires="a14">
+          <p:sp>
+            <p:nvSpPr>
+              <p:cNvPr id="71" name="TextBox 70">
+                <a:extLst>
+                  <a:ext uri="{FF2B5EF4-FFF2-40B4-BE49-F238E27FC236}">
+                    <a16:creationId xmlns:a16="http://schemas.microsoft.com/office/drawing/2014/main" id="{E70732F1-F1EC-4425-BD81-710279C5F6F2}"/>
+                  </a:ext>
+                </a:extLst>
+              </p:cNvPr>
+              <p:cNvSpPr txBox="1"/>
+              <p:nvPr/>
+            </p:nvSpPr>
+            <p:spPr>
+              <a:xfrm>
+                <a:off x="4791232" y="3733800"/>
+                <a:ext cx="183320" cy="276999"/>
+              </a:xfrm>
+              <a:prstGeom prst="rect">
+                <a:avLst/>
+              </a:prstGeom>
+              <a:solidFill>
+                <a:schemeClr val="bg1"/>
+              </a:solidFill>
+            </p:spPr>
+            <p:txBody>
+              <a:bodyPr wrap="none" lIns="0" tIns="0" rIns="0" bIns="0" rtlCol="0">
+                <a:spAutoFit/>
+              </a:bodyPr>
+              <a:lstStyle/>
+              <a:p>
+                <a14:m>
+                  <m:oMathPara xmlns:m="http://schemas.openxmlformats.org/officeDocument/2006/math">
+                    <m:oMathParaPr>
+                      <m:jc m:val="centerGroup"/>
+                    </m:oMathParaPr>
+                    <m:oMath xmlns:m="http://schemas.openxmlformats.org/officeDocument/2006/math">
+                      <m:r>
+                        <a:rPr lang="en-US" b="0" i="1" smtClean="0">
+                          <a:latin typeface="Cambria Math" panose="02040503050406030204" pitchFamily="18" charset="0"/>
+                        </a:rPr>
+                        <m:t>𝑥</m:t>
+                      </m:r>
+                    </m:oMath>
+                  </m:oMathPara>
+                </a14:m>
+                <a:endParaRPr lang="en-US" dirty="0"/>
+              </a:p>
+            </p:txBody>
+          </p:sp>
+        </mc:Choice>
+        <mc:Fallback>
+          <p:sp>
+            <p:nvSpPr>
+              <p:cNvPr id="71" name="TextBox 70">
+                <a:extLst>
+                  <a:ext uri="{FF2B5EF4-FFF2-40B4-BE49-F238E27FC236}">
+                    <a16:creationId xmlns:a16="http://schemas.microsoft.com/office/drawing/2014/main" id="{E70732F1-F1EC-4425-BD81-710279C5F6F2}"/>
+                  </a:ext>
+                </a:extLst>
+              </p:cNvPr>
+              <p:cNvSpPr txBox="1">
+                <a:spLocks noRot="1" noChangeAspect="1" noMove="1" noResize="1" noEditPoints="1" noAdjustHandles="1" noChangeArrowheads="1" noChangeShapeType="1" noTextEdit="1"/>
+              </p:cNvSpPr>
+              <p:nvPr/>
+            </p:nvSpPr>
+            <p:spPr>
+              <a:xfrm>
+                <a:off x="4791232" y="3733800"/>
+                <a:ext cx="183320" cy="276999"/>
+              </a:xfrm>
+              <a:prstGeom prst="rect">
+                <a:avLst/>
+              </a:prstGeom>
+              <a:blipFill>
+                <a:blip r:embed="rId6"/>
+                <a:stretch>
+                  <a:fillRect l="-20000" r="-13333"/>
+                </a:stretch>
+              </a:blipFill>
+            </p:spPr>
+            <p:txBody>
+              <a:bodyPr/>
+              <a:lstStyle/>
+              <a:p>
+                <a:r>
+                  <a:rPr lang="en-US">
+                    <a:noFill/>
+                  </a:rPr>
+                  <a:t> </a:t>
+                </a:r>
+              </a:p>
+            </p:txBody>
+          </p:sp>
+        </mc:Fallback>
+      </mc:AlternateContent>
+      <p:sp>
+        <p:nvSpPr>
+          <p:cNvPr id="72" name="Right Brace 71">
+            <a:extLst>
+              <a:ext uri="{FF2B5EF4-FFF2-40B4-BE49-F238E27FC236}">
+                <a16:creationId xmlns:a16="http://schemas.microsoft.com/office/drawing/2014/main" id="{58E30630-20BC-4F42-AC38-F7DEFEF4B465}"/>
+              </a:ext>
+            </a:extLst>
+          </p:cNvPr>
+          <p:cNvSpPr/>
+          <p:nvPr/>
+        </p:nvSpPr>
+        <p:spPr>
+          <a:xfrm>
+            <a:off x="4171258" y="2362209"/>
+            <a:ext cx="228600" cy="1066792"/>
+          </a:xfrm>
+          <a:prstGeom prst="rightBrace">
+            <a:avLst>
+              <a:gd name="adj1" fmla="val 47271"/>
+              <a:gd name="adj2" fmla="val 50000"/>
+            </a:avLst>
+          </a:prstGeom>
+          <a:ln w="38100">
+            <a:solidFill>
+              <a:schemeClr val="tx1"/>
+            </a:solidFill>
+          </a:ln>
+        </p:spPr>
+        <p:style>
+          <a:lnRef idx="1">
+            <a:schemeClr val="accent1"/>
+          </a:lnRef>
+          <a:fillRef idx="0">
+            <a:schemeClr val="accent1"/>
+          </a:fillRef>
+          <a:effectRef idx="0">
+            <a:schemeClr val="accent1"/>
+          </a:effectRef>
+          <a:fontRef idx="minor">
+            <a:schemeClr val="tx1"/>
+          </a:fontRef>
+        </p:style>
+        <p:txBody>
+          <a:bodyPr rtlCol="0" anchor="ctr"/>
+          <a:lstStyle/>
+          <a:p>
+            <a:pPr algn="ctr"/>
+            <a:endParaRPr lang="en-US"/>
+          </a:p>
+        </p:txBody>
+      </p:sp>
+      <p:sp>
+        <p:nvSpPr>
+          <p:cNvPr id="73" name="TextBox 72">
+            <a:extLst>
+              <a:ext uri="{FF2B5EF4-FFF2-40B4-BE49-F238E27FC236}">
+                <a16:creationId xmlns:a16="http://schemas.microsoft.com/office/drawing/2014/main" id="{3CC6B7F0-515C-4984-B268-57003AA0E630}"/>
+              </a:ext>
+            </a:extLst>
+          </p:cNvPr>
+          <p:cNvSpPr txBox="1"/>
+          <p:nvPr/>
+        </p:nvSpPr>
+        <p:spPr>
+          <a:xfrm>
+            <a:off x="4399858" y="2736848"/>
+            <a:ext cx="1905000" cy="307777"/>
+          </a:xfrm>
+          <a:prstGeom prst="rect">
+            <a:avLst/>
+          </a:prstGeom>
+          <a:noFill/>
+        </p:spPr>
+        <p:txBody>
+          <a:bodyPr wrap="square" rtlCol="0">
+            <a:spAutoFit/>
+          </a:bodyPr>
+          <a:lstStyle/>
+          <a:p>
+            <a:pPr algn="ctr"/>
+            <a:r>
+              <a:rPr lang="en-US" sz="1400" dirty="0">
+                <a:latin typeface="Times New Roman" pitchFamily="18" charset="0"/>
+                <a:cs typeface="Times New Roman" pitchFamily="18" charset="0"/>
+              </a:rPr>
+              <a:t>Cruise Portion of Flight</a:t>
+            </a:r>
+          </a:p>
+        </p:txBody>
+      </p:sp>
+    </p:spTree>
+    <p:extLst>
+      <p:ext uri="{BB962C8B-B14F-4D97-AF65-F5344CB8AC3E}">
+        <p14:creationId xmlns:p14="http://schemas.microsoft.com/office/powerpoint/2010/main" val="2060774526"/>
+      </p:ext>
+    </p:extLst>
+  </p:cSld>
+  <p:clrMapOvr>
+    <a:masterClrMapping/>
+  </p:clrMapOvr>
+</p:sld>
+</file>
+
+<file path=ppt/slides/slide6.xml><?xml version="1.0" encoding="utf-8"?>
+<p:sld xmlns:a="http://schemas.openxmlformats.org/drawingml/2006/main" xmlns:r="http://schemas.openxmlformats.org/officeDocument/2006/relationships" xmlns:p="http://schemas.openxmlformats.org/presentationml/2006/main">
+  <p:cSld>
+    <p:spTree>
+      <p:nvGrpSpPr>
+        <p:cNvPr id="1" name=""/>
+        <p:cNvGrpSpPr/>
+        <p:nvPr/>
+      </p:nvGrpSpPr>
+      <p:grpSpPr>
+        <a:xfrm>
+          <a:off x="0" y="0"/>
+          <a:ext cx="0" cy="0"/>
+          <a:chOff x="0" y="0"/>
+          <a:chExt cx="0" cy="0"/>
+        </a:xfrm>
+      </p:grpSpPr>
+      <p:cxnSp>
+        <p:nvCxnSpPr>
+          <p:cNvPr id="3" name="Straight Arrow Connector 2">
+            <a:extLst>
+              <a:ext uri="{FF2B5EF4-FFF2-40B4-BE49-F238E27FC236}">
+                <a16:creationId xmlns:a16="http://schemas.microsoft.com/office/drawing/2014/main" id="{1B2FA173-03FB-46BE-AB1E-DBFAFE714719}"/>
+              </a:ext>
+            </a:extLst>
+          </p:cNvPr>
+          <p:cNvCxnSpPr>
+            <a:cxnSpLocks/>
+          </p:cNvCxnSpPr>
+          <p:nvPr/>
+        </p:nvCxnSpPr>
+        <p:spPr>
+          <a:xfrm flipH="1">
+            <a:off x="1143000" y="3886200"/>
+            <a:ext cx="914400" cy="685800"/>
+          </a:xfrm>
+          <a:prstGeom prst="straightConnector1">
+            <a:avLst/>
+          </a:prstGeom>
+          <a:ln w="28575">
+            <a:solidFill>
+              <a:schemeClr val="bg1">
+                <a:lumMod val="75000"/>
+              </a:schemeClr>
+            </a:solidFill>
+            <a:tailEnd type="triangle"/>
+          </a:ln>
+        </p:spPr>
+        <p:style>
+          <a:lnRef idx="1">
+            <a:schemeClr val="accent1"/>
+          </a:lnRef>
+          <a:fillRef idx="0">
+            <a:schemeClr val="accent1"/>
+          </a:fillRef>
+          <a:effectRef idx="0">
+            <a:schemeClr val="accent1"/>
+          </a:effectRef>
+          <a:fontRef idx="minor">
+            <a:schemeClr val="tx1"/>
+          </a:fontRef>
+        </p:style>
+      </p:cxnSp>
+      <p:cxnSp>
+        <p:nvCxnSpPr>
+          <p:cNvPr id="4" name="Straight Arrow Connector 3">
+            <a:extLst>
+              <a:ext uri="{FF2B5EF4-FFF2-40B4-BE49-F238E27FC236}">
+                <a16:creationId xmlns:a16="http://schemas.microsoft.com/office/drawing/2014/main" id="{309F462E-9BC2-4DB1-8276-1CB0839DEC53}"/>
+              </a:ext>
+            </a:extLst>
+          </p:cNvPr>
+          <p:cNvCxnSpPr>
+            <a:cxnSpLocks/>
+          </p:cNvCxnSpPr>
+          <p:nvPr/>
+        </p:nvCxnSpPr>
+        <p:spPr>
+          <a:xfrm>
+            <a:off x="2057400" y="3886200"/>
+            <a:ext cx="2667000" cy="0"/>
+          </a:xfrm>
+          <a:prstGeom prst="straightConnector1">
+            <a:avLst/>
+          </a:prstGeom>
+          <a:ln w="28575">
+            <a:solidFill>
+              <a:schemeClr val="bg1">
+                <a:lumMod val="75000"/>
+              </a:schemeClr>
+            </a:solidFill>
+            <a:tailEnd type="triangle"/>
+          </a:ln>
+        </p:spPr>
+        <p:style>
+          <a:lnRef idx="1">
+            <a:schemeClr val="accent1"/>
+          </a:lnRef>
+          <a:fillRef idx="0">
+            <a:schemeClr val="accent1"/>
+          </a:fillRef>
+          <a:effectRef idx="0">
+            <a:schemeClr val="accent1"/>
+          </a:effectRef>
+          <a:fontRef idx="minor">
+            <a:schemeClr val="tx1"/>
+          </a:fontRef>
+        </p:style>
+      </p:cxnSp>
+      <p:cxnSp>
+        <p:nvCxnSpPr>
+          <p:cNvPr id="8" name="Straight Arrow Connector 7">
+            <a:extLst>
+              <a:ext uri="{FF2B5EF4-FFF2-40B4-BE49-F238E27FC236}">
+                <a16:creationId xmlns:a16="http://schemas.microsoft.com/office/drawing/2014/main" id="{9D463C8A-3837-4150-96EC-EB03A4690A29}"/>
+              </a:ext>
+            </a:extLst>
+          </p:cNvPr>
+          <p:cNvCxnSpPr>
+            <a:cxnSpLocks/>
+          </p:cNvCxnSpPr>
+          <p:nvPr/>
+        </p:nvCxnSpPr>
+        <p:spPr>
+          <a:xfrm flipV="1">
+            <a:off x="2057400" y="914400"/>
+            <a:ext cx="0" cy="2971800"/>
+          </a:xfrm>
+          <a:prstGeom prst="straightConnector1">
+            <a:avLst/>
+          </a:prstGeom>
+          <a:ln w="28575">
+            <a:solidFill>
+              <a:schemeClr val="bg1">
+                <a:lumMod val="75000"/>
+              </a:schemeClr>
+            </a:solidFill>
+            <a:tailEnd type="triangle"/>
+          </a:ln>
+        </p:spPr>
+        <p:style>
+          <a:lnRef idx="1">
+            <a:schemeClr val="accent1"/>
+          </a:lnRef>
+          <a:fillRef idx="0">
+            <a:schemeClr val="accent1"/>
+          </a:fillRef>
+          <a:effectRef idx="0">
+            <a:schemeClr val="accent1"/>
+          </a:effectRef>
+          <a:fontRef idx="minor">
+            <a:schemeClr val="tx1"/>
+          </a:fontRef>
+        </p:style>
+      </p:cxnSp>
+      <p:grpSp>
+        <p:nvGrpSpPr>
+          <p:cNvPr id="21" name="Group 20">
+            <a:extLst>
+              <a:ext uri="{FF2B5EF4-FFF2-40B4-BE49-F238E27FC236}">
+                <a16:creationId xmlns:a16="http://schemas.microsoft.com/office/drawing/2014/main" id="{AD4371E3-001C-4F50-B3EE-921E6790505A}"/>
+              </a:ext>
+            </a:extLst>
+          </p:cNvPr>
+          <p:cNvGrpSpPr/>
+          <p:nvPr/>
+        </p:nvGrpSpPr>
+        <p:grpSpPr>
+          <a:xfrm>
+            <a:off x="1447800" y="3886200"/>
+            <a:ext cx="3048000" cy="609600"/>
+            <a:chOff x="3200400" y="3657600"/>
+            <a:chExt cx="3048000" cy="609600"/>
+          </a:xfrm>
+        </p:grpSpPr>
+        <p:cxnSp>
+          <p:nvCxnSpPr>
+            <p:cNvPr id="13" name="Straight Connector 12">
+              <a:extLst>
+                <a:ext uri="{FF2B5EF4-FFF2-40B4-BE49-F238E27FC236}">
+                  <a16:creationId xmlns:a16="http://schemas.microsoft.com/office/drawing/2014/main" id="{F7D9F509-87F5-4C4E-B684-CCF9B16C5A05}"/>
+                </a:ext>
+              </a:extLst>
+            </p:cNvPr>
+            <p:cNvCxnSpPr/>
+            <p:nvPr/>
+          </p:nvCxnSpPr>
+          <p:spPr>
+            <a:xfrm>
+              <a:off x="3505200" y="3886200"/>
+              <a:ext cx="2743200" cy="0"/>
+            </a:xfrm>
+            <a:prstGeom prst="line">
+              <a:avLst/>
+            </a:prstGeom>
+            <a:ln>
+              <a:solidFill>
+                <a:schemeClr val="bg1">
+                  <a:lumMod val="75000"/>
+                </a:schemeClr>
+              </a:solidFill>
+              <a:prstDash val="sysDash"/>
+            </a:ln>
+          </p:spPr>
+          <p:style>
+            <a:lnRef idx="1">
+              <a:schemeClr val="accent1"/>
+            </a:lnRef>
+            <a:fillRef idx="0">
+              <a:schemeClr val="accent1"/>
+            </a:fillRef>
+            <a:effectRef idx="0">
+              <a:schemeClr val="accent1"/>
+            </a:effectRef>
+            <a:fontRef idx="minor">
+              <a:schemeClr val="tx1"/>
+            </a:fontRef>
+          </p:style>
+        </p:cxnSp>
+        <p:cxnSp>
+          <p:nvCxnSpPr>
+            <p:cNvPr id="14" name="Straight Connector 13">
+              <a:extLst>
+                <a:ext uri="{FF2B5EF4-FFF2-40B4-BE49-F238E27FC236}">
+                  <a16:creationId xmlns:a16="http://schemas.microsoft.com/office/drawing/2014/main" id="{B668A5B0-29B3-4862-B69A-C592A9C64555}"/>
+                </a:ext>
+              </a:extLst>
+            </p:cNvPr>
+            <p:cNvCxnSpPr/>
+            <p:nvPr/>
+          </p:nvCxnSpPr>
+          <p:spPr>
+            <a:xfrm>
+              <a:off x="3200400" y="4114800"/>
+              <a:ext cx="2743200" cy="0"/>
+            </a:xfrm>
+            <a:prstGeom prst="line">
+              <a:avLst/>
+            </a:prstGeom>
+            <a:ln>
+              <a:solidFill>
+                <a:schemeClr val="bg1">
+                  <a:lumMod val="75000"/>
+                </a:schemeClr>
+              </a:solidFill>
+              <a:prstDash val="sysDash"/>
+            </a:ln>
+          </p:spPr>
+          <p:style>
+            <a:lnRef idx="1">
+              <a:schemeClr val="accent1"/>
+            </a:lnRef>
+            <a:fillRef idx="0">
+              <a:schemeClr val="accent1"/>
+            </a:fillRef>
+            <a:effectRef idx="0">
+              <a:schemeClr val="accent1"/>
+            </a:effectRef>
+            <a:fontRef idx="minor">
+              <a:schemeClr val="tx1"/>
+            </a:fontRef>
+          </p:style>
+        </p:cxnSp>
+        <p:cxnSp>
+          <p:nvCxnSpPr>
+            <p:cNvPr id="15" name="Straight Connector 14">
+              <a:extLst>
+                <a:ext uri="{FF2B5EF4-FFF2-40B4-BE49-F238E27FC236}">
+                  <a16:creationId xmlns:a16="http://schemas.microsoft.com/office/drawing/2014/main" id="{B7E29B0F-5A1E-4BC8-8247-3141A38ABDD2}"/>
+                </a:ext>
+              </a:extLst>
+            </p:cNvPr>
+            <p:cNvCxnSpPr>
+              <a:cxnSpLocks/>
+            </p:cNvCxnSpPr>
+            <p:nvPr/>
+          </p:nvCxnSpPr>
+          <p:spPr>
+            <a:xfrm flipV="1">
+              <a:off x="3581400" y="3657600"/>
+              <a:ext cx="762000" cy="609600"/>
+            </a:xfrm>
+            <a:prstGeom prst="line">
+              <a:avLst/>
+            </a:prstGeom>
+            <a:ln>
+              <a:solidFill>
+                <a:schemeClr val="bg1">
+                  <a:lumMod val="75000"/>
+                </a:schemeClr>
+              </a:solidFill>
+              <a:prstDash val="sysDash"/>
+            </a:ln>
+          </p:spPr>
+          <p:style>
+            <a:lnRef idx="1">
+              <a:schemeClr val="accent1"/>
+            </a:lnRef>
+            <a:fillRef idx="0">
+              <a:schemeClr val="accent1"/>
+            </a:fillRef>
+            <a:effectRef idx="0">
+              <a:schemeClr val="accent1"/>
+            </a:effectRef>
+            <a:fontRef idx="minor">
+              <a:schemeClr val="tx1"/>
+            </a:fontRef>
+          </p:style>
+        </p:cxnSp>
+        <p:cxnSp>
+          <p:nvCxnSpPr>
+            <p:cNvPr id="18" name="Straight Connector 17">
+              <a:extLst>
+                <a:ext uri="{FF2B5EF4-FFF2-40B4-BE49-F238E27FC236}">
+                  <a16:creationId xmlns:a16="http://schemas.microsoft.com/office/drawing/2014/main" id="{1A23F394-AC6F-4767-8A0E-F91CA239082D}"/>
+                </a:ext>
+              </a:extLst>
+            </p:cNvPr>
+            <p:cNvCxnSpPr>
+              <a:cxnSpLocks/>
+            </p:cNvCxnSpPr>
+            <p:nvPr/>
+          </p:nvCxnSpPr>
+          <p:spPr>
+            <a:xfrm flipV="1">
+              <a:off x="4114800" y="3657600"/>
+              <a:ext cx="762000" cy="609600"/>
+            </a:xfrm>
+            <a:prstGeom prst="line">
+              <a:avLst/>
+            </a:prstGeom>
+            <a:ln>
+              <a:solidFill>
+                <a:schemeClr val="bg1">
+                  <a:lumMod val="75000"/>
+                </a:schemeClr>
+              </a:solidFill>
+              <a:prstDash val="sysDash"/>
+            </a:ln>
+          </p:spPr>
+          <p:style>
+            <a:lnRef idx="1">
+              <a:schemeClr val="accent1"/>
+            </a:lnRef>
+            <a:fillRef idx="0">
+              <a:schemeClr val="accent1"/>
+            </a:fillRef>
+            <a:effectRef idx="0">
+              <a:schemeClr val="accent1"/>
+            </a:effectRef>
+            <a:fontRef idx="minor">
+              <a:schemeClr val="tx1"/>
+            </a:fontRef>
+          </p:style>
+        </p:cxnSp>
+        <p:cxnSp>
+          <p:nvCxnSpPr>
+            <p:cNvPr id="19" name="Straight Connector 18">
+              <a:extLst>
+                <a:ext uri="{FF2B5EF4-FFF2-40B4-BE49-F238E27FC236}">
+                  <a16:creationId xmlns:a16="http://schemas.microsoft.com/office/drawing/2014/main" id="{CE21A95D-0A43-4E31-B054-A3EE32731BBF}"/>
+                </a:ext>
+              </a:extLst>
+            </p:cNvPr>
+            <p:cNvCxnSpPr>
+              <a:cxnSpLocks/>
+            </p:cNvCxnSpPr>
+            <p:nvPr/>
+          </p:nvCxnSpPr>
+          <p:spPr>
+            <a:xfrm flipV="1">
+              <a:off x="4648200" y="3657600"/>
+              <a:ext cx="762000" cy="609600"/>
+            </a:xfrm>
+            <a:prstGeom prst="line">
+              <a:avLst/>
+            </a:prstGeom>
+            <a:ln>
+              <a:solidFill>
+                <a:schemeClr val="bg1">
+                  <a:lumMod val="75000"/>
+                </a:schemeClr>
+              </a:solidFill>
+              <a:prstDash val="sysDash"/>
+            </a:ln>
+          </p:spPr>
+          <p:style>
+            <a:lnRef idx="1">
+              <a:schemeClr val="accent1"/>
+            </a:lnRef>
+            <a:fillRef idx="0">
+              <a:schemeClr val="accent1"/>
+            </a:fillRef>
+            <a:effectRef idx="0">
+              <a:schemeClr val="accent1"/>
+            </a:effectRef>
+            <a:fontRef idx="minor">
+              <a:schemeClr val="tx1"/>
+            </a:fontRef>
+          </p:style>
+        </p:cxnSp>
+        <p:cxnSp>
+          <p:nvCxnSpPr>
+            <p:cNvPr id="20" name="Straight Connector 19">
+              <a:extLst>
+                <a:ext uri="{FF2B5EF4-FFF2-40B4-BE49-F238E27FC236}">
+                  <a16:creationId xmlns:a16="http://schemas.microsoft.com/office/drawing/2014/main" id="{8462E998-7D87-4AF4-8FF0-15A62A119721}"/>
+                </a:ext>
+              </a:extLst>
+            </p:cNvPr>
+            <p:cNvCxnSpPr>
+              <a:cxnSpLocks/>
+            </p:cNvCxnSpPr>
+            <p:nvPr/>
+          </p:nvCxnSpPr>
+          <p:spPr>
+            <a:xfrm flipV="1">
+              <a:off x="5181600" y="3657600"/>
+              <a:ext cx="762000" cy="609600"/>
+            </a:xfrm>
+            <a:prstGeom prst="line">
+              <a:avLst/>
+            </a:prstGeom>
+            <a:ln>
+              <a:solidFill>
+                <a:schemeClr val="bg1">
+                  <a:lumMod val="75000"/>
+                </a:schemeClr>
+              </a:solidFill>
+              <a:prstDash val="sysDash"/>
+            </a:ln>
+          </p:spPr>
+          <p:style>
+            <a:lnRef idx="1">
+              <a:schemeClr val="accent1"/>
+            </a:lnRef>
+            <a:fillRef idx="0">
+              <a:schemeClr val="accent1"/>
+            </a:fillRef>
+            <a:effectRef idx="0">
+              <a:schemeClr val="accent1"/>
+            </a:effectRef>
+            <a:fontRef idx="minor">
+              <a:schemeClr val="tx1"/>
+            </a:fontRef>
+          </p:style>
+        </p:cxnSp>
+      </p:grpSp>
+      <p:grpSp>
+        <p:nvGrpSpPr>
+          <p:cNvPr id="22" name="Group 21">
+            <a:extLst>
+              <a:ext uri="{FF2B5EF4-FFF2-40B4-BE49-F238E27FC236}">
+                <a16:creationId xmlns:a16="http://schemas.microsoft.com/office/drawing/2014/main" id="{6988C129-5CE6-4227-9B8D-F528BD52350D}"/>
+              </a:ext>
+            </a:extLst>
+          </p:cNvPr>
+          <p:cNvGrpSpPr/>
+          <p:nvPr/>
+        </p:nvGrpSpPr>
+        <p:grpSpPr>
+          <a:xfrm>
+            <a:off x="1257300" y="1219200"/>
+            <a:ext cx="3543300" cy="609600"/>
+            <a:chOff x="3009900" y="3657600"/>
+            <a:chExt cx="3543300" cy="609600"/>
+          </a:xfrm>
+        </p:grpSpPr>
+        <p:cxnSp>
+          <p:nvCxnSpPr>
+            <p:cNvPr id="23" name="Straight Connector 22">
+              <a:extLst>
+                <a:ext uri="{FF2B5EF4-FFF2-40B4-BE49-F238E27FC236}">
+                  <a16:creationId xmlns:a16="http://schemas.microsoft.com/office/drawing/2014/main" id="{B69E93ED-B1CC-4CA9-B00B-99473268540A}"/>
+                </a:ext>
+              </a:extLst>
+            </p:cNvPr>
+            <p:cNvCxnSpPr/>
+            <p:nvPr/>
+          </p:nvCxnSpPr>
+          <p:spPr>
+            <a:xfrm>
+              <a:off x="3505200" y="3886200"/>
+              <a:ext cx="2743200" cy="0"/>
+            </a:xfrm>
+            <a:prstGeom prst="line">
+              <a:avLst/>
+            </a:prstGeom>
+            <a:ln>
+              <a:solidFill>
+                <a:schemeClr val="bg1">
+                  <a:lumMod val="75000"/>
+                </a:schemeClr>
+              </a:solidFill>
+              <a:prstDash val="sysDash"/>
+            </a:ln>
+          </p:spPr>
+          <p:style>
+            <a:lnRef idx="1">
+              <a:schemeClr val="accent1"/>
+            </a:lnRef>
+            <a:fillRef idx="0">
+              <a:schemeClr val="accent1"/>
+            </a:fillRef>
+            <a:effectRef idx="0">
+              <a:schemeClr val="accent1"/>
+            </a:effectRef>
+            <a:fontRef idx="minor">
+              <a:schemeClr val="tx1"/>
+            </a:fontRef>
+          </p:style>
+        </p:cxnSp>
+        <p:cxnSp>
+          <p:nvCxnSpPr>
+            <p:cNvPr id="24" name="Straight Connector 23">
+              <a:extLst>
+                <a:ext uri="{FF2B5EF4-FFF2-40B4-BE49-F238E27FC236}">
+                  <a16:creationId xmlns:a16="http://schemas.microsoft.com/office/drawing/2014/main" id="{B8F3D3CC-7CEB-45DB-9041-BB5147F2AE31}"/>
+                </a:ext>
+              </a:extLst>
+            </p:cNvPr>
+            <p:cNvCxnSpPr/>
+            <p:nvPr/>
+          </p:nvCxnSpPr>
+          <p:spPr>
+            <a:xfrm>
+              <a:off x="3200400" y="4114800"/>
+              <a:ext cx="2743200" cy="0"/>
+            </a:xfrm>
+            <a:prstGeom prst="line">
+              <a:avLst/>
+            </a:prstGeom>
+            <a:ln>
+              <a:solidFill>
+                <a:schemeClr val="bg1">
+                  <a:lumMod val="75000"/>
+                </a:schemeClr>
+              </a:solidFill>
+              <a:prstDash val="sysDash"/>
+            </a:ln>
+          </p:spPr>
+          <p:style>
+            <a:lnRef idx="1">
+              <a:schemeClr val="accent1"/>
+            </a:lnRef>
+            <a:fillRef idx="0">
+              <a:schemeClr val="accent1"/>
+            </a:fillRef>
+            <a:effectRef idx="0">
+              <a:schemeClr val="accent1"/>
+            </a:effectRef>
+            <a:fontRef idx="minor">
+              <a:schemeClr val="tx1"/>
+            </a:fontRef>
+          </p:style>
+        </p:cxnSp>
+        <p:cxnSp>
+          <p:nvCxnSpPr>
+            <p:cNvPr id="25" name="Straight Connector 24">
+              <a:extLst>
+                <a:ext uri="{FF2B5EF4-FFF2-40B4-BE49-F238E27FC236}">
+                  <a16:creationId xmlns:a16="http://schemas.microsoft.com/office/drawing/2014/main" id="{96510151-48BF-40E0-AC81-E86E9F24B0A9}"/>
+                </a:ext>
+              </a:extLst>
+            </p:cNvPr>
+            <p:cNvCxnSpPr>
+              <a:cxnSpLocks/>
+            </p:cNvCxnSpPr>
+            <p:nvPr/>
+          </p:nvCxnSpPr>
+          <p:spPr>
+            <a:xfrm flipV="1">
+              <a:off x="3581400" y="3657600"/>
+              <a:ext cx="762000" cy="609600"/>
+            </a:xfrm>
+            <a:prstGeom prst="line">
+              <a:avLst/>
+            </a:prstGeom>
+            <a:ln>
+              <a:solidFill>
+                <a:schemeClr val="bg1">
+                  <a:lumMod val="75000"/>
+                </a:schemeClr>
+              </a:solidFill>
+              <a:prstDash val="sysDash"/>
+            </a:ln>
+          </p:spPr>
+          <p:style>
+            <a:lnRef idx="1">
+              <a:schemeClr val="accent1"/>
+            </a:lnRef>
+            <a:fillRef idx="0">
+              <a:schemeClr val="accent1"/>
+            </a:fillRef>
+            <a:effectRef idx="0">
+              <a:schemeClr val="accent1"/>
+            </a:effectRef>
+            <a:fontRef idx="minor">
+              <a:schemeClr val="tx1"/>
+            </a:fontRef>
+          </p:style>
+        </p:cxnSp>
+        <p:cxnSp>
+          <p:nvCxnSpPr>
+            <p:cNvPr id="26" name="Straight Connector 25">
+              <a:extLst>
+                <a:ext uri="{FF2B5EF4-FFF2-40B4-BE49-F238E27FC236}">
+                  <a16:creationId xmlns:a16="http://schemas.microsoft.com/office/drawing/2014/main" id="{525907CC-22B1-4B6A-A39B-EAF9FFCA50FD}"/>
+                </a:ext>
+              </a:extLst>
+            </p:cNvPr>
+            <p:cNvCxnSpPr>
+              <a:cxnSpLocks/>
+            </p:cNvCxnSpPr>
+            <p:nvPr/>
+          </p:nvCxnSpPr>
+          <p:spPr>
+            <a:xfrm flipV="1">
+              <a:off x="4114800" y="3657600"/>
+              <a:ext cx="762000" cy="609600"/>
+            </a:xfrm>
+            <a:prstGeom prst="line">
+              <a:avLst/>
+            </a:prstGeom>
+            <a:ln>
+              <a:solidFill>
+                <a:schemeClr val="bg1">
+                  <a:lumMod val="75000"/>
+                </a:schemeClr>
+              </a:solidFill>
+              <a:prstDash val="sysDash"/>
+            </a:ln>
+          </p:spPr>
+          <p:style>
+            <a:lnRef idx="1">
+              <a:schemeClr val="accent1"/>
+            </a:lnRef>
+            <a:fillRef idx="0">
+              <a:schemeClr val="accent1"/>
+            </a:fillRef>
+            <a:effectRef idx="0">
+              <a:schemeClr val="accent1"/>
+            </a:effectRef>
+            <a:fontRef idx="minor">
+              <a:schemeClr val="tx1"/>
+            </a:fontRef>
+          </p:style>
+        </p:cxnSp>
+        <p:cxnSp>
+          <p:nvCxnSpPr>
+            <p:cNvPr id="27" name="Straight Connector 26">
+              <a:extLst>
+                <a:ext uri="{FF2B5EF4-FFF2-40B4-BE49-F238E27FC236}">
+                  <a16:creationId xmlns:a16="http://schemas.microsoft.com/office/drawing/2014/main" id="{FAF0063D-458C-4F2C-ACCD-C55C00C876EC}"/>
+                </a:ext>
+              </a:extLst>
+            </p:cNvPr>
+            <p:cNvCxnSpPr>
+              <a:cxnSpLocks/>
+            </p:cNvCxnSpPr>
+            <p:nvPr/>
+          </p:nvCxnSpPr>
+          <p:spPr>
+            <a:xfrm flipV="1">
+              <a:off x="4648200" y="3657600"/>
+              <a:ext cx="762000" cy="609600"/>
+            </a:xfrm>
+            <a:prstGeom prst="line">
+              <a:avLst/>
+            </a:prstGeom>
+            <a:ln>
+              <a:solidFill>
+                <a:schemeClr val="bg1">
+                  <a:lumMod val="75000"/>
+                </a:schemeClr>
+              </a:solidFill>
+              <a:prstDash val="sysDash"/>
+            </a:ln>
+          </p:spPr>
+          <p:style>
+            <a:lnRef idx="1">
+              <a:schemeClr val="accent1"/>
+            </a:lnRef>
+            <a:fillRef idx="0">
+              <a:schemeClr val="accent1"/>
+            </a:fillRef>
+            <a:effectRef idx="0">
+              <a:schemeClr val="accent1"/>
+            </a:effectRef>
+            <a:fontRef idx="minor">
+              <a:schemeClr val="tx1"/>
+            </a:fontRef>
+          </p:style>
+        </p:cxnSp>
+        <p:cxnSp>
+          <p:nvCxnSpPr>
+            <p:cNvPr id="28" name="Straight Connector 27">
+              <a:extLst>
+                <a:ext uri="{FF2B5EF4-FFF2-40B4-BE49-F238E27FC236}">
+                  <a16:creationId xmlns:a16="http://schemas.microsoft.com/office/drawing/2014/main" id="{6DDA6C58-C39D-40B0-9AA7-F82C7BC4CA09}"/>
+                </a:ext>
+              </a:extLst>
+            </p:cNvPr>
+            <p:cNvCxnSpPr>
+              <a:cxnSpLocks/>
+            </p:cNvCxnSpPr>
+            <p:nvPr/>
+          </p:nvCxnSpPr>
+          <p:spPr>
+            <a:xfrm flipV="1">
+              <a:off x="5181600" y="3657600"/>
+              <a:ext cx="762000" cy="609600"/>
+            </a:xfrm>
+            <a:prstGeom prst="line">
+              <a:avLst/>
+            </a:prstGeom>
+            <a:ln>
+              <a:solidFill>
+                <a:schemeClr val="bg1">
+                  <a:lumMod val="75000"/>
+                </a:schemeClr>
+              </a:solidFill>
+              <a:prstDash val="sysDash"/>
+            </a:ln>
+          </p:spPr>
+          <p:style>
+            <a:lnRef idx="1">
+              <a:schemeClr val="accent1"/>
+            </a:lnRef>
+            <a:fillRef idx="0">
+              <a:schemeClr val="accent1"/>
+            </a:fillRef>
+            <a:effectRef idx="0">
+              <a:schemeClr val="accent1"/>
+            </a:effectRef>
+            <a:fontRef idx="minor">
+              <a:schemeClr val="tx1"/>
+            </a:fontRef>
+          </p:style>
+        </p:cxnSp>
+        <p:cxnSp>
+          <p:nvCxnSpPr>
+            <p:cNvPr id="31" name="Straight Connector 30">
+              <a:extLst>
+                <a:ext uri="{FF2B5EF4-FFF2-40B4-BE49-F238E27FC236}">
+                  <a16:creationId xmlns:a16="http://schemas.microsoft.com/office/drawing/2014/main" id="{6062E377-1E19-4759-AA88-4AA9339694B2}"/>
+                </a:ext>
+              </a:extLst>
+            </p:cNvPr>
+            <p:cNvCxnSpPr/>
+            <p:nvPr/>
+          </p:nvCxnSpPr>
+          <p:spPr>
+            <a:xfrm>
+              <a:off x="3810000" y="3657600"/>
+              <a:ext cx="2743200" cy="0"/>
+            </a:xfrm>
+            <a:prstGeom prst="line">
+              <a:avLst/>
+            </a:prstGeom>
+            <a:ln>
+              <a:solidFill>
+                <a:schemeClr val="bg1">
+                  <a:lumMod val="75000"/>
+                </a:schemeClr>
+              </a:solidFill>
+              <a:prstDash val="sysDash"/>
+            </a:ln>
+          </p:spPr>
+          <p:style>
+            <a:lnRef idx="1">
+              <a:schemeClr val="accent1"/>
+            </a:lnRef>
+            <a:fillRef idx="0">
+              <a:schemeClr val="accent1"/>
+            </a:fillRef>
+            <a:effectRef idx="0">
+              <a:schemeClr val="accent1"/>
+            </a:effectRef>
+            <a:fontRef idx="minor">
+              <a:schemeClr val="tx1"/>
+            </a:fontRef>
+          </p:style>
+        </p:cxnSp>
+        <p:cxnSp>
+          <p:nvCxnSpPr>
+            <p:cNvPr id="32" name="Straight Connector 31">
+              <a:extLst>
+                <a:ext uri="{FF2B5EF4-FFF2-40B4-BE49-F238E27FC236}">
+                  <a16:creationId xmlns:a16="http://schemas.microsoft.com/office/drawing/2014/main" id="{2BD5A26A-E7FA-4F06-AA10-146D1F960344}"/>
+                </a:ext>
+              </a:extLst>
+            </p:cNvPr>
+            <p:cNvCxnSpPr>
+              <a:cxnSpLocks/>
+            </p:cNvCxnSpPr>
+            <p:nvPr/>
+          </p:nvCxnSpPr>
+          <p:spPr>
+            <a:xfrm flipV="1">
+              <a:off x="3009900" y="3657600"/>
+              <a:ext cx="800100" cy="609600"/>
+            </a:xfrm>
+            <a:prstGeom prst="line">
+              <a:avLst/>
+            </a:prstGeom>
+            <a:ln>
+              <a:solidFill>
+                <a:schemeClr val="bg1">
+                  <a:lumMod val="75000"/>
+                </a:schemeClr>
+              </a:solidFill>
+              <a:prstDash val="sysDash"/>
+            </a:ln>
+          </p:spPr>
+          <p:style>
+            <a:lnRef idx="1">
+              <a:schemeClr val="accent1"/>
+            </a:lnRef>
+            <a:fillRef idx="0">
+              <a:schemeClr val="accent1"/>
+            </a:fillRef>
+            <a:effectRef idx="0">
+              <a:schemeClr val="accent1"/>
+            </a:effectRef>
+            <a:fontRef idx="minor">
+              <a:schemeClr val="tx1"/>
+            </a:fontRef>
+          </p:style>
+        </p:cxnSp>
+      </p:grpSp>
+      <p:sp>
+        <p:nvSpPr>
+          <p:cNvPr id="35" name="Oval 34">
+            <a:extLst>
+              <a:ext uri="{FF2B5EF4-FFF2-40B4-BE49-F238E27FC236}">
+                <a16:creationId xmlns:a16="http://schemas.microsoft.com/office/drawing/2014/main" id="{87A2041A-502F-42C9-91EB-A568C640D349}"/>
+              </a:ext>
+            </a:extLst>
+          </p:cNvPr>
+          <p:cNvSpPr/>
+          <p:nvPr/>
+        </p:nvSpPr>
+        <p:spPr>
+          <a:xfrm rot="21251782">
+            <a:off x="1821491" y="4281126"/>
+            <a:ext cx="422731" cy="150800"/>
+          </a:xfrm>
+          <a:prstGeom prst="ellipse">
+            <a:avLst/>
+          </a:prstGeom>
+          <a:noFill/>
+          <a:ln>
+            <a:solidFill>
+              <a:schemeClr val="tx1"/>
+            </a:solidFill>
+            <a:prstDash val="sysDot"/>
+          </a:ln>
+        </p:spPr>
+        <p:style>
+          <a:lnRef idx="2">
+            <a:schemeClr val="accent1">
+              <a:shade val="50000"/>
+            </a:schemeClr>
+          </a:lnRef>
+          <a:fillRef idx="1">
+            <a:schemeClr val="accent1"/>
+          </a:fillRef>
+          <a:effectRef idx="0">
+            <a:schemeClr val="accent1"/>
+          </a:effectRef>
+          <a:fontRef idx="minor">
+            <a:schemeClr val="lt1"/>
+          </a:fontRef>
+        </p:style>
+        <p:txBody>
+          <a:bodyPr rtlCol="0" anchor="ctr"/>
+          <a:lstStyle/>
+          <a:p>
+            <a:pPr algn="ctr"/>
+            <a:endParaRPr lang="en-US"/>
+          </a:p>
+        </p:txBody>
+      </p:sp>
+      <p:sp>
+        <p:nvSpPr>
+          <p:cNvPr id="59" name="Oval 58">
+            <a:extLst>
+              <a:ext uri="{FF2B5EF4-FFF2-40B4-BE49-F238E27FC236}">
+                <a16:creationId xmlns:a16="http://schemas.microsoft.com/office/drawing/2014/main" id="{05FE7664-66B8-40EC-BE5C-24C0FE61517A}"/>
+              </a:ext>
+            </a:extLst>
+          </p:cNvPr>
+          <p:cNvSpPr/>
+          <p:nvPr/>
+        </p:nvSpPr>
+        <p:spPr>
+          <a:xfrm rot="21251782">
+            <a:off x="2078036" y="2992462"/>
+            <a:ext cx="609600" cy="228595"/>
+          </a:xfrm>
+          <a:prstGeom prst="ellipse">
+            <a:avLst/>
+          </a:prstGeom>
+          <a:noFill/>
+          <a:ln>
+            <a:solidFill>
+              <a:schemeClr val="tx1"/>
+            </a:solidFill>
+            <a:prstDash val="sysDot"/>
+          </a:ln>
+        </p:spPr>
+        <p:style>
+          <a:lnRef idx="2">
+            <a:schemeClr val="accent1">
+              <a:shade val="50000"/>
+            </a:schemeClr>
+          </a:lnRef>
+          <a:fillRef idx="1">
+            <a:schemeClr val="accent1"/>
+          </a:fillRef>
+          <a:effectRef idx="0">
+            <a:schemeClr val="accent1"/>
+          </a:effectRef>
+          <a:fontRef idx="minor">
+            <a:schemeClr val="lt1"/>
+          </a:fontRef>
+        </p:style>
+        <p:txBody>
+          <a:bodyPr rtlCol="0" anchor="ctr"/>
+          <a:lstStyle/>
+          <a:p>
+            <a:pPr algn="ctr"/>
+            <a:endParaRPr lang="en-US"/>
+          </a:p>
+        </p:txBody>
+      </p:sp>
+      <p:sp>
+        <p:nvSpPr>
+          <p:cNvPr id="60" name="Oval 59">
+            <a:extLst>
+              <a:ext uri="{FF2B5EF4-FFF2-40B4-BE49-F238E27FC236}">
+                <a16:creationId xmlns:a16="http://schemas.microsoft.com/office/drawing/2014/main" id="{35FAC20A-9979-47EC-842F-B5B6DDEFEB17}"/>
+              </a:ext>
+            </a:extLst>
+          </p:cNvPr>
+          <p:cNvSpPr/>
+          <p:nvPr/>
+        </p:nvSpPr>
+        <p:spPr>
+          <a:xfrm rot="21251782">
+            <a:off x="2751021" y="2521140"/>
+            <a:ext cx="609600" cy="228595"/>
+          </a:xfrm>
+          <a:prstGeom prst="ellipse">
+            <a:avLst/>
+          </a:prstGeom>
+          <a:noFill/>
+          <a:ln>
+            <a:solidFill>
+              <a:schemeClr val="tx1"/>
+            </a:solidFill>
+            <a:prstDash val="sysDot"/>
+          </a:ln>
+        </p:spPr>
+        <p:style>
+          <a:lnRef idx="2">
+            <a:schemeClr val="accent1">
+              <a:shade val="50000"/>
+            </a:schemeClr>
+          </a:lnRef>
+          <a:fillRef idx="1">
+            <a:schemeClr val="accent1"/>
+          </a:fillRef>
+          <a:effectRef idx="0">
+            <a:schemeClr val="accent1"/>
+          </a:effectRef>
+          <a:fontRef idx="minor">
+            <a:schemeClr val="lt1"/>
+          </a:fontRef>
+        </p:style>
+        <p:txBody>
+          <a:bodyPr rtlCol="0" anchor="ctr"/>
+          <a:lstStyle/>
+          <a:p>
+            <a:pPr algn="ctr"/>
+            <a:endParaRPr lang="en-US"/>
+          </a:p>
+        </p:txBody>
+      </p:sp>
+      <p:sp>
+        <p:nvSpPr>
+          <p:cNvPr id="63" name="Oval 62">
+            <a:extLst>
+              <a:ext uri="{FF2B5EF4-FFF2-40B4-BE49-F238E27FC236}">
+                <a16:creationId xmlns:a16="http://schemas.microsoft.com/office/drawing/2014/main" id="{55A22E46-67F6-4AA8-87F6-260A64F752D4}"/>
+              </a:ext>
+            </a:extLst>
+          </p:cNvPr>
+          <p:cNvSpPr/>
+          <p:nvPr/>
+        </p:nvSpPr>
+        <p:spPr>
+          <a:xfrm rot="21251782">
+            <a:off x="3697506" y="1362440"/>
+            <a:ext cx="422731" cy="150800"/>
+          </a:xfrm>
+          <a:prstGeom prst="ellipse">
+            <a:avLst/>
+          </a:prstGeom>
+          <a:noFill/>
+          <a:ln>
+            <a:solidFill>
+              <a:schemeClr val="tx1"/>
+            </a:solidFill>
+            <a:prstDash val="sysDot"/>
+          </a:ln>
+        </p:spPr>
+        <p:style>
+          <a:lnRef idx="2">
+            <a:schemeClr val="accent1">
+              <a:shade val="50000"/>
+            </a:schemeClr>
+          </a:lnRef>
+          <a:fillRef idx="1">
+            <a:schemeClr val="accent1"/>
+          </a:fillRef>
+          <a:effectRef idx="0">
+            <a:schemeClr val="accent1"/>
+          </a:effectRef>
+          <a:fontRef idx="minor">
+            <a:schemeClr val="lt1"/>
+          </a:fontRef>
+        </p:style>
+        <p:txBody>
+          <a:bodyPr rtlCol="0" anchor="ctr"/>
+          <a:lstStyle/>
+          <a:p>
+            <a:pPr algn="ctr"/>
+            <a:endParaRPr lang="en-US"/>
+          </a:p>
+        </p:txBody>
+      </p:sp>
+      <p:sp>
+        <p:nvSpPr>
+          <p:cNvPr id="64" name="Oval 63">
+            <a:extLst>
+              <a:ext uri="{FF2B5EF4-FFF2-40B4-BE49-F238E27FC236}">
+                <a16:creationId xmlns:a16="http://schemas.microsoft.com/office/drawing/2014/main" id="{A357201E-8B4B-431E-AB2B-42E4CC950030}"/>
+              </a:ext>
+            </a:extLst>
+          </p:cNvPr>
+          <p:cNvSpPr/>
+          <p:nvPr/>
+        </p:nvSpPr>
+        <p:spPr>
+          <a:xfrm rot="21251782">
+            <a:off x="1826631" y="3607322"/>
+            <a:ext cx="422731" cy="150800"/>
+          </a:xfrm>
+          <a:prstGeom prst="ellipse">
+            <a:avLst/>
+          </a:prstGeom>
+          <a:noFill/>
+          <a:ln>
+            <a:solidFill>
+              <a:schemeClr val="tx1"/>
+            </a:solidFill>
+            <a:prstDash val="sysDot"/>
+          </a:ln>
+        </p:spPr>
+        <p:style>
+          <a:lnRef idx="2">
+            <a:schemeClr val="accent1">
+              <a:shade val="50000"/>
+            </a:schemeClr>
+          </a:lnRef>
+          <a:fillRef idx="1">
+            <a:schemeClr val="accent1"/>
+          </a:fillRef>
+          <a:effectRef idx="0">
+            <a:schemeClr val="accent1"/>
+          </a:effectRef>
+          <a:fontRef idx="minor">
+            <a:schemeClr val="lt1"/>
+          </a:fontRef>
+        </p:style>
+        <p:txBody>
+          <a:bodyPr rtlCol="0" anchor="ctr"/>
+          <a:lstStyle/>
+          <a:p>
+            <a:pPr algn="ctr"/>
+            <a:endParaRPr lang="en-US"/>
+          </a:p>
+        </p:txBody>
+      </p:sp>
+      <p:sp>
+        <p:nvSpPr>
+          <p:cNvPr id="65" name="Oval 64">
+            <a:extLst>
+              <a:ext uri="{FF2B5EF4-FFF2-40B4-BE49-F238E27FC236}">
+                <a16:creationId xmlns:a16="http://schemas.microsoft.com/office/drawing/2014/main" id="{B727EF29-EA4B-488E-A177-C37BE50265C8}"/>
+              </a:ext>
+            </a:extLst>
+          </p:cNvPr>
+          <p:cNvSpPr/>
+          <p:nvPr/>
+        </p:nvSpPr>
+        <p:spPr>
+          <a:xfrm rot="21251782">
+            <a:off x="3493341" y="2052370"/>
+            <a:ext cx="422731" cy="150800"/>
+          </a:xfrm>
+          <a:prstGeom prst="ellipse">
+            <a:avLst/>
+          </a:prstGeom>
+          <a:noFill/>
+          <a:ln>
+            <a:solidFill>
+              <a:schemeClr val="tx1"/>
+            </a:solidFill>
+            <a:prstDash val="sysDot"/>
+          </a:ln>
+        </p:spPr>
+        <p:style>
+          <a:lnRef idx="2">
+            <a:schemeClr val="accent1">
+              <a:shade val="50000"/>
+            </a:schemeClr>
+          </a:lnRef>
+          <a:fillRef idx="1">
+            <a:schemeClr val="accent1"/>
+          </a:fillRef>
+          <a:effectRef idx="0">
+            <a:schemeClr val="accent1"/>
+          </a:effectRef>
+          <a:fontRef idx="minor">
+            <a:schemeClr val="lt1"/>
+          </a:fontRef>
+        </p:style>
+        <p:txBody>
+          <a:bodyPr rtlCol="0" anchor="ctr"/>
+          <a:lstStyle/>
+          <a:p>
+            <a:pPr algn="ctr"/>
+            <a:endParaRPr lang="en-US"/>
+          </a:p>
+        </p:txBody>
+      </p:sp>
+      <mc:AlternateContent xmlns:mc="http://schemas.openxmlformats.org/markup-compatibility/2006">
+        <mc:Choice xmlns:a14="http://schemas.microsoft.com/office/drawing/2010/main" Requires="a14">
+          <p:sp>
+            <p:nvSpPr>
+              <p:cNvPr id="68" name="TextBox 67">
+                <a:extLst>
+                  <a:ext uri="{FF2B5EF4-FFF2-40B4-BE49-F238E27FC236}">
+                    <a16:creationId xmlns:a16="http://schemas.microsoft.com/office/drawing/2014/main" id="{25A07163-BBC1-49F2-868D-ADC189C43CD9}"/>
+                  </a:ext>
+                </a:extLst>
+              </p:cNvPr>
+              <p:cNvSpPr txBox="1"/>
+              <p:nvPr/>
+            </p:nvSpPr>
+            <p:spPr>
+              <a:xfrm>
+                <a:off x="3271590" y="2757612"/>
+                <a:ext cx="273280" cy="276999"/>
+              </a:xfrm>
+              <a:prstGeom prst="rect">
+                <a:avLst/>
+              </a:prstGeom>
+              <a:solidFill>
+                <a:schemeClr val="bg1"/>
+              </a:solidFill>
+            </p:spPr>
+            <p:txBody>
+              <a:bodyPr wrap="none" lIns="0" tIns="0" rIns="0" bIns="0" rtlCol="0">
+                <a:spAutoFit/>
+              </a:bodyPr>
+              <a:lstStyle/>
+              <a:p>
+                <a14:m>
+                  <m:oMathPara xmlns:m="http://schemas.openxmlformats.org/officeDocument/2006/math">
+                    <m:oMathParaPr>
+                      <m:jc m:val="centerGroup"/>
+                    </m:oMathParaPr>
+                    <m:oMath xmlns:m="http://schemas.openxmlformats.org/officeDocument/2006/math">
+                      <m:sSub>
+                        <m:sSubPr>
+                          <m:ctrlPr>
+                            <a:rPr lang="en-US" b="0" i="1" smtClean="0">
+                              <a:latin typeface="Cambria Math" panose="02040503050406030204" pitchFamily="18" charset="0"/>
+                            </a:rPr>
+                          </m:ctrlPr>
+                        </m:sSubPr>
+                        <m:e>
+                          <m:acc>
+                            <m:accPr>
+                              <m:chr m:val="⃗"/>
+                              <m:ctrlPr>
+                                <a:rPr lang="en-US" b="0" i="1" smtClean="0">
+                                  <a:latin typeface="Cambria Math" panose="02040503050406030204" pitchFamily="18" charset="0"/>
+                                </a:rPr>
+                              </m:ctrlPr>
+                            </m:accPr>
+                            <m:e>
+                              <m:r>
+                                <a:rPr lang="en-US" b="0" i="1" smtClean="0">
+                                  <a:latin typeface="Cambria Math" panose="02040503050406030204" pitchFamily="18" charset="0"/>
+                                </a:rPr>
+                                <m:t>𝑜</m:t>
+                              </m:r>
+                            </m:e>
+                          </m:acc>
+                        </m:e>
+                        <m:sub>
+                          <m:r>
+                            <a:rPr lang="en-US" b="0" i="1" smtClean="0">
+                              <a:latin typeface="Cambria Math" panose="02040503050406030204" pitchFamily="18" charset="0"/>
+                            </a:rPr>
+                            <m:t>𝑒</m:t>
+                          </m:r>
+                        </m:sub>
+                      </m:sSub>
+                    </m:oMath>
+                  </m:oMathPara>
+                </a14:m>
+                <a:endParaRPr lang="en-US" dirty="0"/>
+              </a:p>
+            </p:txBody>
+          </p:sp>
+        </mc:Choice>
+        <mc:Fallback>
+          <p:sp>
+            <p:nvSpPr>
+              <p:cNvPr id="68" name="TextBox 67">
+                <a:extLst>
+                  <a:ext uri="{FF2B5EF4-FFF2-40B4-BE49-F238E27FC236}">
+                    <a16:creationId xmlns:a16="http://schemas.microsoft.com/office/drawing/2014/main" id="{25A07163-BBC1-49F2-868D-ADC189C43CD9}"/>
+                  </a:ext>
+                </a:extLst>
+              </p:cNvPr>
+              <p:cNvSpPr txBox="1">
+                <a:spLocks noRot="1" noChangeAspect="1" noMove="1" noResize="1" noEditPoints="1" noAdjustHandles="1" noChangeArrowheads="1" noChangeShapeType="1" noTextEdit="1"/>
+              </p:cNvSpPr>
+              <p:nvPr/>
+            </p:nvSpPr>
+            <p:spPr>
+              <a:xfrm>
+                <a:off x="3271590" y="2757612"/>
+                <a:ext cx="273280" cy="276999"/>
+              </a:xfrm>
+              <a:prstGeom prst="rect">
+                <a:avLst/>
+              </a:prstGeom>
+              <a:blipFill>
+                <a:blip r:embed="rId2"/>
+                <a:stretch>
+                  <a:fillRect l="-24444" t="-45652" r="-66667" b="-10870"/>
+                </a:stretch>
+              </a:blipFill>
+            </p:spPr>
+            <p:txBody>
+              <a:bodyPr/>
+              <a:lstStyle/>
+              <a:p>
+                <a:r>
+                  <a:rPr lang="en-US">
+                    <a:noFill/>
+                  </a:rPr>
+                  <a:t> </a:t>
+                </a:r>
+              </a:p>
+            </p:txBody>
+          </p:sp>
+        </mc:Fallback>
+      </mc:AlternateContent>
+      <mc:AlternateContent xmlns:mc="http://schemas.openxmlformats.org/markup-compatibility/2006">
+        <mc:Choice xmlns:a14="http://schemas.microsoft.com/office/drawing/2010/main" Requires="a14">
+          <p:sp>
+            <p:nvSpPr>
+              <p:cNvPr id="69" name="TextBox 68">
+                <a:extLst>
+                  <a:ext uri="{FF2B5EF4-FFF2-40B4-BE49-F238E27FC236}">
+                    <a16:creationId xmlns:a16="http://schemas.microsoft.com/office/drawing/2014/main" id="{916E4A1F-5BEA-4144-A8AA-9AFDEBE7C4C6}"/>
+                  </a:ext>
+                </a:extLst>
+              </p:cNvPr>
+              <p:cNvSpPr txBox="1"/>
+              <p:nvPr/>
+            </p:nvSpPr>
+            <p:spPr>
+              <a:xfrm>
+                <a:off x="1994989" y="556051"/>
+                <a:ext cx="149913" cy="276999"/>
+              </a:xfrm>
+              <a:prstGeom prst="rect">
+                <a:avLst/>
+              </a:prstGeom>
+              <a:solidFill>
+                <a:schemeClr val="bg1"/>
+              </a:solidFill>
+            </p:spPr>
+            <p:txBody>
+              <a:bodyPr wrap="none" lIns="0" tIns="0" rIns="0" bIns="0" rtlCol="0">
+                <a:spAutoFit/>
+              </a:bodyPr>
+              <a:lstStyle/>
+              <a:p>
+                <a14:m>
+                  <m:oMathPara xmlns:m="http://schemas.openxmlformats.org/officeDocument/2006/math">
+                    <m:oMathParaPr>
+                      <m:jc m:val="centerGroup"/>
+                    </m:oMathParaPr>
+                    <m:oMath xmlns:m="http://schemas.openxmlformats.org/officeDocument/2006/math">
+                      <m:r>
+                        <a:rPr lang="en-US" b="0" i="1" smtClean="0">
+                          <a:latin typeface="Cambria Math" panose="02040503050406030204" pitchFamily="18" charset="0"/>
+                        </a:rPr>
+                        <m:t>𝑡</m:t>
+                      </m:r>
+                    </m:oMath>
+                  </m:oMathPara>
+                </a14:m>
+                <a:endParaRPr lang="en-US" dirty="0"/>
+              </a:p>
+            </p:txBody>
+          </p:sp>
+        </mc:Choice>
+        <mc:Fallback>
+          <p:sp>
+            <p:nvSpPr>
+              <p:cNvPr id="69" name="TextBox 68">
+                <a:extLst>
+                  <a:ext uri="{FF2B5EF4-FFF2-40B4-BE49-F238E27FC236}">
+                    <a16:creationId xmlns:a16="http://schemas.microsoft.com/office/drawing/2014/main" id="{916E4A1F-5BEA-4144-A8AA-9AFDEBE7C4C6}"/>
+                  </a:ext>
+                </a:extLst>
+              </p:cNvPr>
+              <p:cNvSpPr txBox="1">
+                <a:spLocks noRot="1" noChangeAspect="1" noMove="1" noResize="1" noEditPoints="1" noAdjustHandles="1" noChangeArrowheads="1" noChangeShapeType="1" noTextEdit="1"/>
+              </p:cNvSpPr>
+              <p:nvPr/>
+            </p:nvSpPr>
+            <p:spPr>
+              <a:xfrm>
+                <a:off x="1994989" y="556051"/>
+                <a:ext cx="149913" cy="276999"/>
+              </a:xfrm>
+              <a:prstGeom prst="rect">
+                <a:avLst/>
+              </a:prstGeom>
+              <a:blipFill>
+                <a:blip r:embed="rId3"/>
+                <a:stretch>
+                  <a:fillRect l="-32000" r="-28000" b="-4348"/>
+                </a:stretch>
+              </a:blipFill>
+            </p:spPr>
+            <p:txBody>
+              <a:bodyPr/>
+              <a:lstStyle/>
+              <a:p>
+                <a:r>
+                  <a:rPr lang="en-US">
+                    <a:noFill/>
+                  </a:rPr>
+                  <a:t> </a:t>
+                </a:r>
+              </a:p>
+            </p:txBody>
+          </p:sp>
+        </mc:Fallback>
+      </mc:AlternateContent>
+      <mc:AlternateContent xmlns:mc="http://schemas.openxmlformats.org/markup-compatibility/2006">
+        <mc:Choice xmlns:a14="http://schemas.microsoft.com/office/drawing/2010/main" Requires="a14">
+          <p:sp>
+            <p:nvSpPr>
+              <p:cNvPr id="70" name="TextBox 69">
+                <a:extLst>
+                  <a:ext uri="{FF2B5EF4-FFF2-40B4-BE49-F238E27FC236}">
+                    <a16:creationId xmlns:a16="http://schemas.microsoft.com/office/drawing/2014/main" id="{C34EC781-AC8F-409E-8E11-C69FA8FA8486}"/>
+                  </a:ext>
+                </a:extLst>
+              </p:cNvPr>
+              <p:cNvSpPr txBox="1"/>
+              <p:nvPr/>
+            </p:nvSpPr>
+            <p:spPr>
+              <a:xfrm>
+                <a:off x="884077" y="4572000"/>
+                <a:ext cx="186718" cy="276999"/>
+              </a:xfrm>
+              <a:prstGeom prst="rect">
+                <a:avLst/>
+              </a:prstGeom>
+              <a:solidFill>
+                <a:schemeClr val="bg1"/>
+              </a:solidFill>
+            </p:spPr>
+            <p:txBody>
+              <a:bodyPr wrap="none" lIns="0" tIns="0" rIns="0" bIns="0" rtlCol="0">
+                <a:spAutoFit/>
+              </a:bodyPr>
+              <a:lstStyle/>
+              <a:p>
+                <a14:m>
+                  <m:oMathPara xmlns:m="http://schemas.openxmlformats.org/officeDocument/2006/math">
+                    <m:oMathParaPr>
+                      <m:jc m:val="centerGroup"/>
+                    </m:oMathParaPr>
+                    <m:oMath xmlns:m="http://schemas.openxmlformats.org/officeDocument/2006/math">
+                      <m:r>
+                        <a:rPr lang="en-US" b="0" i="1" smtClean="0">
+                          <a:latin typeface="Cambria Math" panose="02040503050406030204" pitchFamily="18" charset="0"/>
+                        </a:rPr>
+                        <m:t>𝑦</m:t>
+                      </m:r>
+                    </m:oMath>
+                  </m:oMathPara>
+                </a14:m>
+                <a:endParaRPr lang="en-US" dirty="0"/>
+              </a:p>
+            </p:txBody>
+          </p:sp>
+        </mc:Choice>
+        <mc:Fallback>
+          <p:sp>
+            <p:nvSpPr>
+              <p:cNvPr id="70" name="TextBox 69">
+                <a:extLst>
+                  <a:ext uri="{FF2B5EF4-FFF2-40B4-BE49-F238E27FC236}">
+                    <a16:creationId xmlns:a16="http://schemas.microsoft.com/office/drawing/2014/main" id="{C34EC781-AC8F-409E-8E11-C69FA8FA8486}"/>
+                  </a:ext>
+                </a:extLst>
+              </p:cNvPr>
+              <p:cNvSpPr txBox="1">
+                <a:spLocks noRot="1" noChangeAspect="1" noMove="1" noResize="1" noEditPoints="1" noAdjustHandles="1" noChangeArrowheads="1" noChangeShapeType="1" noTextEdit="1"/>
+              </p:cNvSpPr>
+              <p:nvPr/>
+            </p:nvSpPr>
+            <p:spPr>
+              <a:xfrm>
+                <a:off x="884077" y="4572000"/>
+                <a:ext cx="186718" cy="276999"/>
+              </a:xfrm>
+              <a:prstGeom prst="rect">
+                <a:avLst/>
+              </a:prstGeom>
+              <a:blipFill>
+                <a:blip r:embed="rId4"/>
+                <a:stretch>
+                  <a:fillRect l="-32258" r="-25806" b="-26667"/>
+                </a:stretch>
+              </a:blipFill>
+            </p:spPr>
+            <p:txBody>
+              <a:bodyPr/>
+              <a:lstStyle/>
+              <a:p>
+                <a:r>
+                  <a:rPr lang="en-US">
+                    <a:noFill/>
+                  </a:rPr>
+                  <a:t> </a:t>
+                </a:r>
+              </a:p>
+            </p:txBody>
+          </p:sp>
+        </mc:Fallback>
+      </mc:AlternateContent>
+      <mc:AlternateContent xmlns:mc="http://schemas.openxmlformats.org/markup-compatibility/2006">
+        <mc:Choice xmlns:a14="http://schemas.microsoft.com/office/drawing/2010/main" Requires="a14">
+          <p:sp>
+            <p:nvSpPr>
+              <p:cNvPr id="71" name="TextBox 70">
+                <a:extLst>
+                  <a:ext uri="{FF2B5EF4-FFF2-40B4-BE49-F238E27FC236}">
+                    <a16:creationId xmlns:a16="http://schemas.microsoft.com/office/drawing/2014/main" id="{E70732F1-F1EC-4425-BD81-710279C5F6F2}"/>
+                  </a:ext>
+                </a:extLst>
+              </p:cNvPr>
+              <p:cNvSpPr txBox="1"/>
+              <p:nvPr/>
+            </p:nvSpPr>
+            <p:spPr>
+              <a:xfrm>
+                <a:off x="4791232" y="3733800"/>
+                <a:ext cx="183320" cy="276999"/>
+              </a:xfrm>
+              <a:prstGeom prst="rect">
+                <a:avLst/>
+              </a:prstGeom>
+              <a:solidFill>
+                <a:schemeClr val="bg1"/>
+              </a:solidFill>
+            </p:spPr>
+            <p:txBody>
+              <a:bodyPr wrap="none" lIns="0" tIns="0" rIns="0" bIns="0" rtlCol="0">
+                <a:spAutoFit/>
+              </a:bodyPr>
+              <a:lstStyle/>
+              <a:p>
+                <a14:m>
+                  <m:oMathPara xmlns:m="http://schemas.openxmlformats.org/officeDocument/2006/math">
+                    <m:oMathParaPr>
+                      <m:jc m:val="centerGroup"/>
+                    </m:oMathParaPr>
+                    <m:oMath xmlns:m="http://schemas.openxmlformats.org/officeDocument/2006/math">
+                      <m:r>
+                        <a:rPr lang="en-US" b="0" i="1" smtClean="0">
+                          <a:latin typeface="Cambria Math" panose="02040503050406030204" pitchFamily="18" charset="0"/>
+                        </a:rPr>
+                        <m:t>𝑥</m:t>
+                      </m:r>
+                    </m:oMath>
+                  </m:oMathPara>
+                </a14:m>
+                <a:endParaRPr lang="en-US" dirty="0"/>
+              </a:p>
+            </p:txBody>
+          </p:sp>
+        </mc:Choice>
+        <mc:Fallback>
+          <p:sp>
+            <p:nvSpPr>
+              <p:cNvPr id="71" name="TextBox 70">
+                <a:extLst>
+                  <a:ext uri="{FF2B5EF4-FFF2-40B4-BE49-F238E27FC236}">
+                    <a16:creationId xmlns:a16="http://schemas.microsoft.com/office/drawing/2014/main" id="{E70732F1-F1EC-4425-BD81-710279C5F6F2}"/>
+                  </a:ext>
+                </a:extLst>
+              </p:cNvPr>
+              <p:cNvSpPr txBox="1">
+                <a:spLocks noRot="1" noChangeAspect="1" noMove="1" noResize="1" noEditPoints="1" noAdjustHandles="1" noChangeArrowheads="1" noChangeShapeType="1" noTextEdit="1"/>
+              </p:cNvSpPr>
+              <p:nvPr/>
+            </p:nvSpPr>
+            <p:spPr>
+              <a:xfrm>
+                <a:off x="4791232" y="3733800"/>
+                <a:ext cx="183320" cy="276999"/>
+              </a:xfrm>
+              <a:prstGeom prst="rect">
+                <a:avLst/>
+              </a:prstGeom>
+              <a:blipFill>
+                <a:blip r:embed="rId5"/>
+                <a:stretch>
+                  <a:fillRect l="-20000" r="-13333"/>
+                </a:stretch>
+              </a:blipFill>
+            </p:spPr>
+            <p:txBody>
+              <a:bodyPr/>
+              <a:lstStyle/>
+              <a:p>
+                <a:r>
+                  <a:rPr lang="en-US">
+                    <a:noFill/>
+                  </a:rPr>
+                  <a:t> </a:t>
+                </a:r>
+              </a:p>
+            </p:txBody>
+          </p:sp>
+        </mc:Fallback>
+      </mc:AlternateContent>
+      <p:cxnSp>
+        <p:nvCxnSpPr>
+          <p:cNvPr id="5" name="Straight Arrow Connector 4">
+            <a:extLst>
+              <a:ext uri="{FF2B5EF4-FFF2-40B4-BE49-F238E27FC236}">
+                <a16:creationId xmlns:a16="http://schemas.microsoft.com/office/drawing/2014/main" id="{00456ABE-9E37-466A-A773-4A9233B09E65}"/>
+              </a:ext>
+            </a:extLst>
+          </p:cNvPr>
+          <p:cNvCxnSpPr/>
+          <p:nvPr/>
+        </p:nvCxnSpPr>
+        <p:spPr>
+          <a:xfrm flipV="1">
+            <a:off x="1524000" y="2133600"/>
+            <a:ext cx="3048000" cy="1219200"/>
+          </a:xfrm>
+          <a:prstGeom prst="straightConnector1">
+            <a:avLst/>
+          </a:prstGeom>
+          <a:ln w="38100">
+            <a:solidFill>
+              <a:schemeClr val="bg1">
+                <a:lumMod val="50000"/>
+              </a:schemeClr>
+            </a:solidFill>
+            <a:tailEnd type="triangle"/>
+          </a:ln>
+        </p:spPr>
+        <p:style>
+          <a:lnRef idx="1">
+            <a:schemeClr val="accent1"/>
+          </a:lnRef>
+          <a:fillRef idx="0">
+            <a:schemeClr val="accent1"/>
+          </a:fillRef>
+          <a:effectRef idx="0">
+            <a:schemeClr val="accent1"/>
+          </a:effectRef>
+          <a:fontRef idx="minor">
+            <a:schemeClr val="tx1"/>
+          </a:fontRef>
+        </p:style>
+      </p:cxnSp>
+      <p:sp>
+        <p:nvSpPr>
+          <p:cNvPr id="34" name="Freeform: Shape 33">
+            <a:extLst>
+              <a:ext uri="{FF2B5EF4-FFF2-40B4-BE49-F238E27FC236}">
+                <a16:creationId xmlns:a16="http://schemas.microsoft.com/office/drawing/2014/main" id="{1F23605D-0BF8-46A8-8935-D29AE32AB1ED}"/>
+              </a:ext>
+            </a:extLst>
+          </p:cNvPr>
+          <p:cNvSpPr/>
+          <p:nvPr/>
+        </p:nvSpPr>
+        <p:spPr>
+          <a:xfrm>
+            <a:off x="1994342" y="1450075"/>
+            <a:ext cx="1924614" cy="2893325"/>
+          </a:xfrm>
+          <a:custGeom>
+            <a:avLst/>
+            <a:gdLst>
+              <a:gd name="connsiteX0" fmla="*/ 24163 w 1924614"/>
+              <a:gd name="connsiteY0" fmla="*/ 2893325 h 2893325"/>
+              <a:gd name="connsiteX1" fmla="*/ 218644 w 1924614"/>
+              <a:gd name="connsiteY1" fmla="*/ 1832212 h 2893325"/>
+              <a:gd name="connsiteX2" fmla="*/ 1614127 w 1924614"/>
+              <a:gd name="connsiteY2" fmla="*/ 808629 h 2893325"/>
+              <a:gd name="connsiteX3" fmla="*/ 1924614 w 1924614"/>
+              <a:gd name="connsiteY3" fmla="*/ 0 h 2893325"/>
+            </a:gdLst>
+            <a:ahLst/>
+            <a:cxnLst>
+              <a:cxn ang="0">
+                <a:pos x="connsiteX0" y="connsiteY0"/>
+              </a:cxn>
+              <a:cxn ang="0">
+                <a:pos x="connsiteX1" y="connsiteY1"/>
+              </a:cxn>
+              <a:cxn ang="0">
+                <a:pos x="connsiteX2" y="connsiteY2"/>
+              </a:cxn>
+              <a:cxn ang="0">
+                <a:pos x="connsiteX3" y="connsiteY3"/>
+              </a:cxn>
+            </a:cxnLst>
+            <a:rect l="l" t="t" r="r" b="b"/>
+            <a:pathLst>
+              <a:path w="1924614" h="2893325">
+                <a:moveTo>
+                  <a:pt x="24163" y="2893325"/>
+                </a:moveTo>
+                <a:cubicBezTo>
+                  <a:pt x="-11094" y="2536493"/>
+                  <a:pt x="-46350" y="2179661"/>
+                  <a:pt x="218644" y="1832212"/>
+                </a:cubicBezTo>
+                <a:cubicBezTo>
+                  <a:pt x="483638" y="1484763"/>
+                  <a:pt x="1329799" y="1113998"/>
+                  <a:pt x="1614127" y="808629"/>
+                </a:cubicBezTo>
+                <a:cubicBezTo>
+                  <a:pt x="1898455" y="503260"/>
+                  <a:pt x="1911534" y="251630"/>
+                  <a:pt x="1924614" y="0"/>
+                </a:cubicBezTo>
+              </a:path>
+            </a:pathLst>
+          </a:custGeom>
+          <a:noFill/>
+          <a:ln w="57150">
+            <a:solidFill>
+              <a:schemeClr val="tx1"/>
+            </a:solidFill>
+          </a:ln>
+        </p:spPr>
+        <p:style>
+          <a:lnRef idx="2">
+            <a:schemeClr val="accent1">
+              <a:shade val="50000"/>
+            </a:schemeClr>
+          </a:lnRef>
+          <a:fillRef idx="1">
+            <a:schemeClr val="accent1"/>
+          </a:fillRef>
+          <a:effectRef idx="0">
+            <a:schemeClr val="accent1"/>
+          </a:effectRef>
+          <a:fontRef idx="minor">
+            <a:schemeClr val="lt1"/>
+          </a:fontRef>
+        </p:style>
+        <p:txBody>
+          <a:bodyPr rtlCol="0" anchor="ctr"/>
+          <a:lstStyle/>
+          <a:p>
+            <a:pPr algn="ctr"/>
+            <a:endParaRPr lang="en-US"/>
+          </a:p>
+        </p:txBody>
+      </p:sp>
+      <p:sp>
+        <p:nvSpPr>
+          <p:cNvPr id="41" name="Oval 40">
+            <a:extLst>
+              <a:ext uri="{FF2B5EF4-FFF2-40B4-BE49-F238E27FC236}">
+                <a16:creationId xmlns:a16="http://schemas.microsoft.com/office/drawing/2014/main" id="{F4B7E720-2F5E-4DA1-B4CD-F404AF3DBE9D}"/>
+              </a:ext>
+            </a:extLst>
+          </p:cNvPr>
+          <p:cNvSpPr/>
+          <p:nvPr/>
+        </p:nvSpPr>
+        <p:spPr>
+          <a:xfrm>
+            <a:off x="1964854" y="3606707"/>
+            <a:ext cx="146284" cy="145292"/>
+          </a:xfrm>
+          <a:prstGeom prst="ellipse">
+            <a:avLst/>
+          </a:prstGeom>
+          <a:solidFill>
+            <a:schemeClr val="tx1">
+              <a:lumMod val="50000"/>
+              <a:lumOff val="50000"/>
+            </a:schemeClr>
+          </a:solidFill>
+          <a:ln>
+            <a:solidFill>
+              <a:schemeClr val="tx1"/>
+            </a:solidFill>
+          </a:ln>
+        </p:spPr>
+        <p:style>
+          <a:lnRef idx="2">
+            <a:schemeClr val="accent1">
+              <a:shade val="50000"/>
+            </a:schemeClr>
+          </a:lnRef>
+          <a:fillRef idx="1">
+            <a:schemeClr val="accent1"/>
+          </a:fillRef>
+          <a:effectRef idx="0">
+            <a:schemeClr val="accent1"/>
+          </a:effectRef>
+          <a:fontRef idx="minor">
+            <a:schemeClr val="lt1"/>
+          </a:fontRef>
+        </p:style>
+        <p:txBody>
+          <a:bodyPr rtlCol="0" anchor="ctr"/>
+          <a:lstStyle/>
+          <a:p>
+            <a:pPr algn="ctr"/>
+            <a:endParaRPr lang="en-US"/>
+          </a:p>
+        </p:txBody>
+      </p:sp>
+      <p:sp>
+        <p:nvSpPr>
+          <p:cNvPr id="42" name="Oval 41">
+            <a:extLst>
+              <a:ext uri="{FF2B5EF4-FFF2-40B4-BE49-F238E27FC236}">
+                <a16:creationId xmlns:a16="http://schemas.microsoft.com/office/drawing/2014/main" id="{2CA6FE00-B607-43CB-9B88-E0F28E329CC4}"/>
+              </a:ext>
+            </a:extLst>
+          </p:cNvPr>
+          <p:cNvSpPr/>
+          <p:nvPr/>
+        </p:nvSpPr>
+        <p:spPr>
+          <a:xfrm>
+            <a:off x="1955471" y="4270754"/>
+            <a:ext cx="146284" cy="145292"/>
+          </a:xfrm>
+          <a:prstGeom prst="ellipse">
+            <a:avLst/>
+          </a:prstGeom>
+          <a:solidFill>
+            <a:schemeClr val="tx1">
+              <a:lumMod val="50000"/>
+              <a:lumOff val="50000"/>
+            </a:schemeClr>
+          </a:solidFill>
+          <a:ln>
+            <a:solidFill>
+              <a:schemeClr val="tx1"/>
+            </a:solidFill>
+          </a:ln>
+        </p:spPr>
+        <p:style>
+          <a:lnRef idx="2">
+            <a:schemeClr val="accent1">
+              <a:shade val="50000"/>
+            </a:schemeClr>
+          </a:lnRef>
+          <a:fillRef idx="1">
+            <a:schemeClr val="accent1"/>
+          </a:fillRef>
+          <a:effectRef idx="0">
+            <a:schemeClr val="accent1"/>
+          </a:effectRef>
+          <a:fontRef idx="minor">
+            <a:schemeClr val="lt1"/>
+          </a:fontRef>
+        </p:style>
+        <p:txBody>
+          <a:bodyPr rtlCol="0" anchor="ctr"/>
+          <a:lstStyle/>
+          <a:p>
+            <a:pPr algn="ctr"/>
+            <a:endParaRPr lang="en-US"/>
+          </a:p>
+        </p:txBody>
+      </p:sp>
+      <p:sp>
+        <p:nvSpPr>
+          <p:cNvPr id="44" name="Oval 43">
+            <a:extLst>
+              <a:ext uri="{FF2B5EF4-FFF2-40B4-BE49-F238E27FC236}">
+                <a16:creationId xmlns:a16="http://schemas.microsoft.com/office/drawing/2014/main" id="{F546CB64-E35E-492A-BEF5-A3901E9A99EB}"/>
+              </a:ext>
+            </a:extLst>
+          </p:cNvPr>
+          <p:cNvSpPr/>
+          <p:nvPr/>
+        </p:nvSpPr>
+        <p:spPr>
+          <a:xfrm>
+            <a:off x="2982680" y="2562792"/>
+            <a:ext cx="146284" cy="145292"/>
+          </a:xfrm>
+          <a:prstGeom prst="ellipse">
+            <a:avLst/>
+          </a:prstGeom>
+          <a:solidFill>
+            <a:schemeClr val="tx1">
+              <a:lumMod val="50000"/>
+              <a:lumOff val="50000"/>
+            </a:schemeClr>
+          </a:solidFill>
+          <a:ln>
+            <a:solidFill>
+              <a:schemeClr val="tx1"/>
+            </a:solidFill>
+          </a:ln>
+        </p:spPr>
+        <p:style>
+          <a:lnRef idx="2">
+            <a:schemeClr val="accent1">
+              <a:shade val="50000"/>
+            </a:schemeClr>
+          </a:lnRef>
+          <a:fillRef idx="1">
+            <a:schemeClr val="accent1"/>
+          </a:fillRef>
+          <a:effectRef idx="0">
+            <a:schemeClr val="accent1"/>
+          </a:effectRef>
+          <a:fontRef idx="minor">
+            <a:schemeClr val="lt1"/>
+          </a:fontRef>
+        </p:style>
+        <p:txBody>
+          <a:bodyPr rtlCol="0" anchor="ctr"/>
+          <a:lstStyle/>
+          <a:p>
+            <a:pPr algn="ctr"/>
+            <a:endParaRPr lang="en-US"/>
+          </a:p>
+        </p:txBody>
+      </p:sp>
+      <p:sp>
+        <p:nvSpPr>
+          <p:cNvPr id="45" name="Oval 44">
+            <a:extLst>
+              <a:ext uri="{FF2B5EF4-FFF2-40B4-BE49-F238E27FC236}">
+                <a16:creationId xmlns:a16="http://schemas.microsoft.com/office/drawing/2014/main" id="{3E29FBCA-79E5-484B-9215-82A397130412}"/>
+              </a:ext>
+            </a:extLst>
+          </p:cNvPr>
+          <p:cNvSpPr/>
+          <p:nvPr/>
+        </p:nvSpPr>
+        <p:spPr>
+          <a:xfrm>
+            <a:off x="3633716" y="2055125"/>
+            <a:ext cx="146284" cy="145292"/>
+          </a:xfrm>
+          <a:prstGeom prst="ellipse">
+            <a:avLst/>
+          </a:prstGeom>
+          <a:solidFill>
+            <a:schemeClr val="tx1">
+              <a:lumMod val="50000"/>
+              <a:lumOff val="50000"/>
+            </a:schemeClr>
+          </a:solidFill>
+          <a:ln>
+            <a:solidFill>
+              <a:schemeClr val="tx1"/>
+            </a:solidFill>
+          </a:ln>
+        </p:spPr>
+        <p:style>
+          <a:lnRef idx="2">
+            <a:schemeClr val="accent1">
+              <a:shade val="50000"/>
+            </a:schemeClr>
+          </a:lnRef>
+          <a:fillRef idx="1">
+            <a:schemeClr val="accent1"/>
+          </a:fillRef>
+          <a:effectRef idx="0">
+            <a:schemeClr val="accent1"/>
+          </a:effectRef>
+          <a:fontRef idx="minor">
+            <a:schemeClr val="lt1"/>
+          </a:fontRef>
+        </p:style>
+        <p:txBody>
+          <a:bodyPr rtlCol="0" anchor="ctr"/>
+          <a:lstStyle/>
+          <a:p>
+            <a:pPr algn="ctr"/>
+            <a:endParaRPr lang="en-US"/>
+          </a:p>
+        </p:txBody>
+      </p:sp>
+      <p:sp>
+        <p:nvSpPr>
+          <p:cNvPr id="46" name="Oval 45">
+            <a:extLst>
+              <a:ext uri="{FF2B5EF4-FFF2-40B4-BE49-F238E27FC236}">
+                <a16:creationId xmlns:a16="http://schemas.microsoft.com/office/drawing/2014/main" id="{F46849CF-2080-4668-8F14-1AB39550B197}"/>
+              </a:ext>
+            </a:extLst>
+          </p:cNvPr>
+          <p:cNvSpPr/>
+          <p:nvPr/>
+        </p:nvSpPr>
+        <p:spPr>
+          <a:xfrm>
+            <a:off x="3835730" y="1364351"/>
+            <a:ext cx="146284" cy="145292"/>
+          </a:xfrm>
+          <a:prstGeom prst="ellipse">
+            <a:avLst/>
+          </a:prstGeom>
+          <a:solidFill>
+            <a:schemeClr val="tx1">
+              <a:lumMod val="50000"/>
+              <a:lumOff val="50000"/>
+            </a:schemeClr>
+          </a:solidFill>
+          <a:ln>
+            <a:solidFill>
+              <a:schemeClr val="tx1"/>
+            </a:solidFill>
+          </a:ln>
+        </p:spPr>
+        <p:style>
+          <a:lnRef idx="2">
+            <a:schemeClr val="accent1">
+              <a:shade val="50000"/>
+            </a:schemeClr>
+          </a:lnRef>
+          <a:fillRef idx="1">
+            <a:schemeClr val="accent1"/>
+          </a:fillRef>
+          <a:effectRef idx="0">
+            <a:schemeClr val="accent1"/>
+          </a:effectRef>
+          <a:fontRef idx="minor">
+            <a:schemeClr val="lt1"/>
+          </a:fontRef>
+        </p:style>
+        <p:txBody>
+          <a:bodyPr rtlCol="0" anchor="ctr"/>
+          <a:lstStyle/>
+          <a:p>
+            <a:pPr algn="ctr"/>
+            <a:endParaRPr lang="en-US"/>
+          </a:p>
+        </p:txBody>
+      </p:sp>
+      <p:sp>
+        <p:nvSpPr>
+          <p:cNvPr id="43" name="Oval 42">
+            <a:extLst>
+              <a:ext uri="{FF2B5EF4-FFF2-40B4-BE49-F238E27FC236}">
+                <a16:creationId xmlns:a16="http://schemas.microsoft.com/office/drawing/2014/main" id="{0EB1CEC4-65CC-4FDE-B973-B9D05E12A02D}"/>
+              </a:ext>
+            </a:extLst>
+          </p:cNvPr>
+          <p:cNvSpPr/>
+          <p:nvPr/>
+        </p:nvSpPr>
+        <p:spPr>
+          <a:xfrm>
+            <a:off x="2314294" y="3029939"/>
+            <a:ext cx="146284" cy="145292"/>
+          </a:xfrm>
+          <a:prstGeom prst="ellipse">
+            <a:avLst/>
+          </a:prstGeom>
+          <a:solidFill>
+            <a:schemeClr val="tx1">
+              <a:lumMod val="50000"/>
+              <a:lumOff val="50000"/>
+            </a:schemeClr>
+          </a:solidFill>
+          <a:ln>
+            <a:solidFill>
+              <a:schemeClr val="tx1"/>
+            </a:solidFill>
+          </a:ln>
+        </p:spPr>
+        <p:style>
+          <a:lnRef idx="2">
+            <a:schemeClr val="accent1">
+              <a:shade val="50000"/>
+            </a:schemeClr>
+          </a:lnRef>
+          <a:fillRef idx="1">
+            <a:schemeClr val="accent1"/>
+          </a:fillRef>
+          <a:effectRef idx="0">
+            <a:schemeClr val="accent1"/>
+          </a:effectRef>
+          <a:fontRef idx="minor">
+            <a:schemeClr val="lt1"/>
+          </a:fontRef>
+        </p:style>
+        <p:txBody>
+          <a:bodyPr rtlCol="0" anchor="ctr"/>
+          <a:lstStyle/>
+          <a:p>
+            <a:pPr algn="ctr"/>
+            <a:endParaRPr lang="en-US"/>
+          </a:p>
+        </p:txBody>
+      </p:sp>
+      <p:sp>
+        <p:nvSpPr>
+          <p:cNvPr id="6" name="Diamond 5">
+            <a:extLst>
+              <a:ext uri="{FF2B5EF4-FFF2-40B4-BE49-F238E27FC236}">
+                <a16:creationId xmlns:a16="http://schemas.microsoft.com/office/drawing/2014/main" id="{815402E1-EB8A-473F-B9C7-A4173C2C82F0}"/>
+              </a:ext>
+            </a:extLst>
+          </p:cNvPr>
+          <p:cNvSpPr/>
+          <p:nvPr/>
+        </p:nvSpPr>
+        <p:spPr>
+          <a:xfrm>
+            <a:off x="1958807" y="3031555"/>
+            <a:ext cx="228600" cy="199739"/>
+          </a:xfrm>
+          <a:prstGeom prst="diamond">
+            <a:avLst/>
+          </a:prstGeom>
+          <a:solidFill>
+            <a:schemeClr val="bg1">
+              <a:lumMod val="85000"/>
+            </a:schemeClr>
+          </a:solidFill>
+          <a:ln>
+            <a:solidFill>
+              <a:schemeClr val="bg1">
+                <a:lumMod val="50000"/>
+              </a:schemeClr>
+            </a:solidFill>
+          </a:ln>
+        </p:spPr>
+        <p:style>
+          <a:lnRef idx="2">
+            <a:schemeClr val="accent1">
+              <a:shade val="50000"/>
+            </a:schemeClr>
+          </a:lnRef>
+          <a:fillRef idx="1">
+            <a:schemeClr val="accent1"/>
+          </a:fillRef>
+          <a:effectRef idx="0">
+            <a:schemeClr val="accent1"/>
+          </a:effectRef>
+          <a:fontRef idx="minor">
+            <a:schemeClr val="lt1"/>
+          </a:fontRef>
+        </p:style>
+        <p:txBody>
+          <a:bodyPr rtlCol="0" anchor="ctr"/>
+          <a:lstStyle/>
+          <a:p>
+            <a:pPr algn="ctr"/>
+            <a:endParaRPr lang="en-US"/>
+          </a:p>
+        </p:txBody>
+      </p:sp>
+      <p:sp>
+        <p:nvSpPr>
+          <p:cNvPr id="47" name="Diamond 46">
+            <a:extLst>
+              <a:ext uri="{FF2B5EF4-FFF2-40B4-BE49-F238E27FC236}">
+                <a16:creationId xmlns:a16="http://schemas.microsoft.com/office/drawing/2014/main" id="{66641687-635C-4053-8C7B-D4F288A09C98}"/>
+              </a:ext>
+            </a:extLst>
+          </p:cNvPr>
+          <p:cNvSpPr/>
+          <p:nvPr/>
+        </p:nvSpPr>
+        <p:spPr>
+          <a:xfrm>
+            <a:off x="3245929" y="2516685"/>
+            <a:ext cx="228600" cy="199739"/>
+          </a:xfrm>
+          <a:prstGeom prst="diamond">
+            <a:avLst/>
+          </a:prstGeom>
+          <a:solidFill>
+            <a:schemeClr val="bg1">
+              <a:lumMod val="85000"/>
+            </a:schemeClr>
+          </a:solidFill>
+          <a:ln>
+            <a:solidFill>
+              <a:schemeClr val="bg1">
+                <a:lumMod val="50000"/>
+              </a:schemeClr>
+            </a:solidFill>
+          </a:ln>
+        </p:spPr>
+        <p:style>
+          <a:lnRef idx="2">
+            <a:schemeClr val="accent1">
+              <a:shade val="50000"/>
+            </a:schemeClr>
+          </a:lnRef>
+          <a:fillRef idx="1">
+            <a:schemeClr val="accent1"/>
+          </a:fillRef>
+          <a:effectRef idx="0">
+            <a:schemeClr val="accent1"/>
+          </a:effectRef>
+          <a:fontRef idx="minor">
+            <a:schemeClr val="lt1"/>
+          </a:fontRef>
+        </p:style>
+        <p:txBody>
+          <a:bodyPr rtlCol="0" anchor="ctr"/>
+          <a:lstStyle/>
+          <a:p>
+            <a:pPr algn="ctr"/>
+            <a:endParaRPr lang="en-US"/>
+          </a:p>
+        </p:txBody>
+      </p:sp>
+      <p:sp>
+        <p:nvSpPr>
+          <p:cNvPr id="48" name="Right Brace 47">
+            <a:extLst>
+              <a:ext uri="{FF2B5EF4-FFF2-40B4-BE49-F238E27FC236}">
+                <a16:creationId xmlns:a16="http://schemas.microsoft.com/office/drawing/2014/main" id="{B5943DC3-16F5-4BE9-8303-8249E58363F6}"/>
+              </a:ext>
+            </a:extLst>
+          </p:cNvPr>
+          <p:cNvSpPr/>
+          <p:nvPr/>
+        </p:nvSpPr>
+        <p:spPr>
+          <a:xfrm>
+            <a:off x="3712078" y="2590806"/>
+            <a:ext cx="228600" cy="533394"/>
+          </a:xfrm>
+          <a:prstGeom prst="rightBrace">
+            <a:avLst>
+              <a:gd name="adj1" fmla="val 47271"/>
+              <a:gd name="adj2" fmla="val 50000"/>
+            </a:avLst>
+          </a:prstGeom>
+          <a:ln w="38100">
+            <a:solidFill>
+              <a:schemeClr val="tx1"/>
+            </a:solidFill>
+          </a:ln>
+        </p:spPr>
+        <p:style>
+          <a:lnRef idx="1">
+            <a:schemeClr val="accent1"/>
+          </a:lnRef>
+          <a:fillRef idx="0">
+            <a:schemeClr val="accent1"/>
+          </a:fillRef>
+          <a:effectRef idx="0">
+            <a:schemeClr val="accent1"/>
+          </a:effectRef>
+          <a:fontRef idx="minor">
+            <a:schemeClr val="tx1"/>
+          </a:fontRef>
+        </p:style>
+        <p:txBody>
+          <a:bodyPr rtlCol="0" anchor="ctr"/>
+          <a:lstStyle/>
+          <a:p>
+            <a:pPr algn="ctr"/>
+            <a:endParaRPr lang="en-US"/>
+          </a:p>
+        </p:txBody>
+      </p:sp>
+      <p:sp>
+        <p:nvSpPr>
+          <p:cNvPr id="49" name="TextBox 48">
+            <a:extLst>
+              <a:ext uri="{FF2B5EF4-FFF2-40B4-BE49-F238E27FC236}">
+                <a16:creationId xmlns:a16="http://schemas.microsoft.com/office/drawing/2014/main" id="{2428E316-4AF2-4F05-BC16-0BA847CBE512}"/>
+              </a:ext>
+            </a:extLst>
+          </p:cNvPr>
+          <p:cNvSpPr txBox="1"/>
+          <p:nvPr/>
+        </p:nvSpPr>
+        <p:spPr>
+          <a:xfrm>
+            <a:off x="3980902" y="2683072"/>
+            <a:ext cx="1274722" cy="307777"/>
+          </a:xfrm>
+          <a:prstGeom prst="rect">
+            <a:avLst/>
+          </a:prstGeom>
+          <a:noFill/>
+        </p:spPr>
+        <p:txBody>
+          <a:bodyPr wrap="square" rtlCol="0">
+            <a:spAutoFit/>
+          </a:bodyPr>
+          <a:lstStyle/>
+          <a:p>
+            <a:pPr algn="ctr"/>
+            <a:r>
+              <a:rPr lang="en-US" sz="1400" dirty="0">
+                <a:latin typeface="Times New Roman" pitchFamily="18" charset="0"/>
+                <a:cs typeface="Times New Roman" pitchFamily="18" charset="0"/>
+              </a:rPr>
+              <a:t>Contact Event</a:t>
+            </a:r>
+          </a:p>
+        </p:txBody>
+      </p:sp>
+      <mc:AlternateContent xmlns:mc="http://schemas.openxmlformats.org/markup-compatibility/2006">
+        <mc:Choice xmlns:a14="http://schemas.microsoft.com/office/drawing/2010/main" Requires="a14">
+          <p:sp>
+            <p:nvSpPr>
+              <p:cNvPr id="50" name="TextBox 49">
+                <a:extLst>
+                  <a:ext uri="{FF2B5EF4-FFF2-40B4-BE49-F238E27FC236}">
+                    <a16:creationId xmlns:a16="http://schemas.microsoft.com/office/drawing/2014/main" id="{0E76F852-14C4-46B1-9D32-737AB4F2699C}"/>
+                  </a:ext>
+                </a:extLst>
+              </p:cNvPr>
+              <p:cNvSpPr txBox="1"/>
+              <p:nvPr/>
+            </p:nvSpPr>
+            <p:spPr>
+              <a:xfrm>
+                <a:off x="1670514" y="2772036"/>
+                <a:ext cx="262058" cy="276999"/>
+              </a:xfrm>
+              <a:prstGeom prst="rect">
+                <a:avLst/>
+              </a:prstGeom>
+              <a:solidFill>
+                <a:schemeClr val="bg1"/>
+              </a:solidFill>
+            </p:spPr>
+            <p:txBody>
+              <a:bodyPr wrap="none" lIns="0" tIns="0" rIns="0" bIns="0" rtlCol="0">
+                <a:spAutoFit/>
+              </a:bodyPr>
+              <a:lstStyle/>
+              <a:p>
+                <a14:m>
+                  <m:oMathPara xmlns:m="http://schemas.openxmlformats.org/officeDocument/2006/math">
+                    <m:oMathParaPr>
+                      <m:jc m:val="centerGroup"/>
+                    </m:oMathParaPr>
+                    <m:oMath xmlns:m="http://schemas.openxmlformats.org/officeDocument/2006/math">
+                      <m:sSub>
+                        <m:sSubPr>
+                          <m:ctrlPr>
+                            <a:rPr lang="en-US" b="0" i="1" smtClean="0">
+                              <a:latin typeface="Cambria Math" panose="02040503050406030204" pitchFamily="18" charset="0"/>
+                            </a:rPr>
+                          </m:ctrlPr>
+                        </m:sSubPr>
+                        <m:e>
+                          <m:acc>
+                            <m:accPr>
+                              <m:chr m:val="⃗"/>
+                              <m:ctrlPr>
+                                <a:rPr lang="en-US" b="0" i="1" smtClean="0">
+                                  <a:latin typeface="Cambria Math" panose="02040503050406030204" pitchFamily="18" charset="0"/>
+                                </a:rPr>
+                              </m:ctrlPr>
+                            </m:accPr>
+                            <m:e>
+                              <m:r>
+                                <a:rPr lang="en-US" b="0" i="1" smtClean="0">
+                                  <a:latin typeface="Cambria Math" panose="02040503050406030204" pitchFamily="18" charset="0"/>
+                                </a:rPr>
+                                <m:t>𝑜</m:t>
+                              </m:r>
+                            </m:e>
+                          </m:acc>
+                        </m:e>
+                        <m:sub>
+                          <m:r>
+                            <a:rPr lang="en-US" b="0" i="1" smtClean="0">
+                              <a:latin typeface="Cambria Math" panose="02040503050406030204" pitchFamily="18" charset="0"/>
+                            </a:rPr>
+                            <m:t>𝑠</m:t>
+                          </m:r>
+                        </m:sub>
+                      </m:sSub>
+                    </m:oMath>
+                  </m:oMathPara>
+                </a14:m>
+                <a:endParaRPr lang="en-US" dirty="0"/>
+              </a:p>
+            </p:txBody>
+          </p:sp>
+        </mc:Choice>
+        <mc:Fallback>
+          <p:sp>
+            <p:nvSpPr>
+              <p:cNvPr id="50" name="TextBox 49">
+                <a:extLst>
+                  <a:ext uri="{FF2B5EF4-FFF2-40B4-BE49-F238E27FC236}">
+                    <a16:creationId xmlns:a16="http://schemas.microsoft.com/office/drawing/2014/main" id="{0E76F852-14C4-46B1-9D32-737AB4F2699C}"/>
+                  </a:ext>
+                </a:extLst>
+              </p:cNvPr>
+              <p:cNvSpPr txBox="1">
+                <a:spLocks noRot="1" noChangeAspect="1" noMove="1" noResize="1" noEditPoints="1" noAdjustHandles="1" noChangeArrowheads="1" noChangeShapeType="1" noTextEdit="1"/>
+              </p:cNvSpPr>
+              <p:nvPr/>
+            </p:nvSpPr>
+            <p:spPr>
+              <a:xfrm>
+                <a:off x="1670514" y="2772036"/>
+                <a:ext cx="262058" cy="276999"/>
+              </a:xfrm>
+              <a:prstGeom prst="rect">
+                <a:avLst/>
+              </a:prstGeom>
+              <a:blipFill>
+                <a:blip r:embed="rId6"/>
+                <a:stretch>
+                  <a:fillRect l="-23256" t="-48889" r="-72093" b="-11111"/>
+                </a:stretch>
+              </a:blipFill>
+            </p:spPr>
+            <p:txBody>
+              <a:bodyPr/>
+              <a:lstStyle/>
+              <a:p>
+                <a:r>
+                  <a:rPr lang="en-US">
+                    <a:noFill/>
+                  </a:rPr>
+                  <a:t> </a:t>
+                </a:r>
+              </a:p>
+            </p:txBody>
+          </p:sp>
+        </mc:Fallback>
+      </mc:AlternateContent>
+    </p:spTree>
+    <p:extLst>
+      <p:ext uri="{BB962C8B-B14F-4D97-AF65-F5344CB8AC3E}">
+        <p14:creationId xmlns:p14="http://schemas.microsoft.com/office/powerpoint/2010/main" val="2183673420"/>
+      </p:ext>
+    </p:extLst>
+  </p:cSld>
+  <p:clrMapOvr>
+    <a:masterClrMapping/>
+  </p:clrMapOvr>
+</p:sld>
+</file>
+
+<file path=ppt/slides/slide7.xml><?xml version="1.0" encoding="utf-8"?>
+<p:sld xmlns:a="http://schemas.openxmlformats.org/drawingml/2006/main" xmlns:r="http://schemas.openxmlformats.org/officeDocument/2006/relationships" xmlns:p="http://schemas.openxmlformats.org/presentationml/2006/main">
+  <p:cSld>
+    <p:spTree>
+      <p:nvGrpSpPr>
+        <p:cNvPr id="1" name=""/>
+        <p:cNvGrpSpPr/>
+        <p:nvPr/>
+      </p:nvGrpSpPr>
+      <p:grpSpPr>
+        <a:xfrm>
+          <a:off x="0" y="0"/>
+          <a:ext cx="0" cy="0"/>
+          <a:chOff x="0" y="0"/>
+          <a:chExt cx="0" cy="0"/>
+        </a:xfrm>
+      </p:grpSpPr>
+      <p:cxnSp>
+        <p:nvCxnSpPr>
+          <p:cNvPr id="3" name="Straight Arrow Connector 2">
+            <a:extLst>
+              <a:ext uri="{FF2B5EF4-FFF2-40B4-BE49-F238E27FC236}">
+                <a16:creationId xmlns:a16="http://schemas.microsoft.com/office/drawing/2014/main" id="{1B2FA173-03FB-46BE-AB1E-DBFAFE714719}"/>
+              </a:ext>
+            </a:extLst>
+          </p:cNvPr>
+          <p:cNvCxnSpPr>
+            <a:cxnSpLocks/>
+          </p:cNvCxnSpPr>
+          <p:nvPr/>
+        </p:nvCxnSpPr>
+        <p:spPr>
+          <a:xfrm flipH="1">
+            <a:off x="1143000" y="3886200"/>
+            <a:ext cx="914400" cy="685800"/>
+          </a:xfrm>
+          <a:prstGeom prst="straightConnector1">
+            <a:avLst/>
+          </a:prstGeom>
+          <a:ln w="28575">
+            <a:solidFill>
+              <a:schemeClr val="bg1">
+                <a:lumMod val="75000"/>
+              </a:schemeClr>
+            </a:solidFill>
+            <a:tailEnd type="triangle"/>
+          </a:ln>
+        </p:spPr>
+        <p:style>
+          <a:lnRef idx="1">
+            <a:schemeClr val="accent1"/>
+          </a:lnRef>
+          <a:fillRef idx="0">
+            <a:schemeClr val="accent1"/>
+          </a:fillRef>
+          <a:effectRef idx="0">
+            <a:schemeClr val="accent1"/>
+          </a:effectRef>
+          <a:fontRef idx="minor">
+            <a:schemeClr val="tx1"/>
+          </a:fontRef>
+        </p:style>
+      </p:cxnSp>
+      <p:cxnSp>
+        <p:nvCxnSpPr>
+          <p:cNvPr id="4" name="Straight Arrow Connector 3">
+            <a:extLst>
+              <a:ext uri="{FF2B5EF4-FFF2-40B4-BE49-F238E27FC236}">
+                <a16:creationId xmlns:a16="http://schemas.microsoft.com/office/drawing/2014/main" id="{309F462E-9BC2-4DB1-8276-1CB0839DEC53}"/>
+              </a:ext>
+            </a:extLst>
+          </p:cNvPr>
+          <p:cNvCxnSpPr>
+            <a:cxnSpLocks/>
+          </p:cNvCxnSpPr>
+          <p:nvPr/>
+        </p:nvCxnSpPr>
+        <p:spPr>
+          <a:xfrm>
+            <a:off x="2057400" y="3886200"/>
+            <a:ext cx="2667000" cy="0"/>
+          </a:xfrm>
+          <a:prstGeom prst="straightConnector1">
+            <a:avLst/>
+          </a:prstGeom>
+          <a:ln w="28575">
+            <a:solidFill>
+              <a:schemeClr val="bg1">
+                <a:lumMod val="75000"/>
+              </a:schemeClr>
+            </a:solidFill>
+            <a:tailEnd type="triangle"/>
+          </a:ln>
+        </p:spPr>
+        <p:style>
+          <a:lnRef idx="1">
+            <a:schemeClr val="accent1"/>
+          </a:lnRef>
+          <a:fillRef idx="0">
+            <a:schemeClr val="accent1"/>
+          </a:fillRef>
+          <a:effectRef idx="0">
+            <a:schemeClr val="accent1"/>
+          </a:effectRef>
+          <a:fontRef idx="minor">
+            <a:schemeClr val="tx1"/>
+          </a:fontRef>
+        </p:style>
+      </p:cxnSp>
+      <p:cxnSp>
+        <p:nvCxnSpPr>
+          <p:cNvPr id="8" name="Straight Arrow Connector 7">
+            <a:extLst>
+              <a:ext uri="{FF2B5EF4-FFF2-40B4-BE49-F238E27FC236}">
+                <a16:creationId xmlns:a16="http://schemas.microsoft.com/office/drawing/2014/main" id="{9D463C8A-3837-4150-96EC-EB03A4690A29}"/>
+              </a:ext>
+            </a:extLst>
+          </p:cNvPr>
+          <p:cNvCxnSpPr>
+            <a:cxnSpLocks/>
+          </p:cNvCxnSpPr>
+          <p:nvPr/>
+        </p:nvCxnSpPr>
+        <p:spPr>
+          <a:xfrm flipV="1">
+            <a:off x="2057400" y="914400"/>
+            <a:ext cx="0" cy="2971800"/>
+          </a:xfrm>
+          <a:prstGeom prst="straightConnector1">
+            <a:avLst/>
+          </a:prstGeom>
+          <a:ln w="28575">
+            <a:solidFill>
+              <a:schemeClr val="bg1">
+                <a:lumMod val="75000"/>
+              </a:schemeClr>
+            </a:solidFill>
+            <a:tailEnd type="triangle"/>
+          </a:ln>
+        </p:spPr>
+        <p:style>
+          <a:lnRef idx="1">
+            <a:schemeClr val="accent1"/>
+          </a:lnRef>
+          <a:fillRef idx="0">
+            <a:schemeClr val="accent1"/>
+          </a:fillRef>
+          <a:effectRef idx="0">
+            <a:schemeClr val="accent1"/>
+          </a:effectRef>
+          <a:fontRef idx="minor">
+            <a:schemeClr val="tx1"/>
+          </a:fontRef>
+        </p:style>
+      </p:cxnSp>
+      <p:grpSp>
+        <p:nvGrpSpPr>
+          <p:cNvPr id="21" name="Group 20">
+            <a:extLst>
+              <a:ext uri="{FF2B5EF4-FFF2-40B4-BE49-F238E27FC236}">
+                <a16:creationId xmlns:a16="http://schemas.microsoft.com/office/drawing/2014/main" id="{AD4371E3-001C-4F50-B3EE-921E6790505A}"/>
+              </a:ext>
+            </a:extLst>
+          </p:cNvPr>
+          <p:cNvGrpSpPr/>
+          <p:nvPr/>
+        </p:nvGrpSpPr>
+        <p:grpSpPr>
+          <a:xfrm>
+            <a:off x="1447800" y="3886200"/>
+            <a:ext cx="3048000" cy="609600"/>
+            <a:chOff x="3200400" y="3657600"/>
+            <a:chExt cx="3048000" cy="609600"/>
+          </a:xfrm>
+        </p:grpSpPr>
+        <p:cxnSp>
+          <p:nvCxnSpPr>
+            <p:cNvPr id="13" name="Straight Connector 12">
+              <a:extLst>
+                <a:ext uri="{FF2B5EF4-FFF2-40B4-BE49-F238E27FC236}">
+                  <a16:creationId xmlns:a16="http://schemas.microsoft.com/office/drawing/2014/main" id="{F7D9F509-87F5-4C4E-B684-CCF9B16C5A05}"/>
+                </a:ext>
+              </a:extLst>
+            </p:cNvPr>
+            <p:cNvCxnSpPr/>
+            <p:nvPr/>
+          </p:nvCxnSpPr>
+          <p:spPr>
+            <a:xfrm>
+              <a:off x="3505200" y="3886200"/>
+              <a:ext cx="2743200" cy="0"/>
+            </a:xfrm>
+            <a:prstGeom prst="line">
+              <a:avLst/>
+            </a:prstGeom>
+            <a:ln>
+              <a:solidFill>
+                <a:schemeClr val="bg1">
+                  <a:lumMod val="75000"/>
+                </a:schemeClr>
+              </a:solidFill>
+              <a:prstDash val="sysDash"/>
+            </a:ln>
+          </p:spPr>
+          <p:style>
+            <a:lnRef idx="1">
+              <a:schemeClr val="accent1"/>
+            </a:lnRef>
+            <a:fillRef idx="0">
+              <a:schemeClr val="accent1"/>
+            </a:fillRef>
+            <a:effectRef idx="0">
+              <a:schemeClr val="accent1"/>
+            </a:effectRef>
+            <a:fontRef idx="minor">
+              <a:schemeClr val="tx1"/>
+            </a:fontRef>
+          </p:style>
+        </p:cxnSp>
+        <p:cxnSp>
+          <p:nvCxnSpPr>
+            <p:cNvPr id="14" name="Straight Connector 13">
+              <a:extLst>
+                <a:ext uri="{FF2B5EF4-FFF2-40B4-BE49-F238E27FC236}">
+                  <a16:creationId xmlns:a16="http://schemas.microsoft.com/office/drawing/2014/main" id="{B668A5B0-29B3-4862-B69A-C592A9C64555}"/>
+                </a:ext>
+              </a:extLst>
+            </p:cNvPr>
+            <p:cNvCxnSpPr/>
+            <p:nvPr/>
+          </p:nvCxnSpPr>
+          <p:spPr>
+            <a:xfrm>
+              <a:off x="3200400" y="4114800"/>
+              <a:ext cx="2743200" cy="0"/>
+            </a:xfrm>
+            <a:prstGeom prst="line">
+              <a:avLst/>
+            </a:prstGeom>
+            <a:ln>
+              <a:solidFill>
+                <a:schemeClr val="bg1">
+                  <a:lumMod val="75000"/>
+                </a:schemeClr>
+              </a:solidFill>
+              <a:prstDash val="sysDash"/>
+            </a:ln>
+          </p:spPr>
+          <p:style>
+            <a:lnRef idx="1">
+              <a:schemeClr val="accent1"/>
+            </a:lnRef>
+            <a:fillRef idx="0">
+              <a:schemeClr val="accent1"/>
+            </a:fillRef>
+            <a:effectRef idx="0">
+              <a:schemeClr val="accent1"/>
+            </a:effectRef>
+            <a:fontRef idx="minor">
+              <a:schemeClr val="tx1"/>
+            </a:fontRef>
+          </p:style>
+        </p:cxnSp>
+        <p:cxnSp>
+          <p:nvCxnSpPr>
+            <p:cNvPr id="15" name="Straight Connector 14">
+              <a:extLst>
+                <a:ext uri="{FF2B5EF4-FFF2-40B4-BE49-F238E27FC236}">
+                  <a16:creationId xmlns:a16="http://schemas.microsoft.com/office/drawing/2014/main" id="{B7E29B0F-5A1E-4BC8-8247-3141A38ABDD2}"/>
+                </a:ext>
+              </a:extLst>
+            </p:cNvPr>
+            <p:cNvCxnSpPr>
+              <a:cxnSpLocks/>
+            </p:cNvCxnSpPr>
+            <p:nvPr/>
+          </p:nvCxnSpPr>
+          <p:spPr>
+            <a:xfrm flipV="1">
+              <a:off x="3581400" y="3657600"/>
+              <a:ext cx="762000" cy="609600"/>
+            </a:xfrm>
+            <a:prstGeom prst="line">
+              <a:avLst/>
+            </a:prstGeom>
+            <a:ln>
+              <a:solidFill>
+                <a:schemeClr val="bg1">
+                  <a:lumMod val="75000"/>
+                </a:schemeClr>
+              </a:solidFill>
+              <a:prstDash val="sysDash"/>
+            </a:ln>
+          </p:spPr>
+          <p:style>
+            <a:lnRef idx="1">
+              <a:schemeClr val="accent1"/>
+            </a:lnRef>
+            <a:fillRef idx="0">
+              <a:schemeClr val="accent1"/>
+            </a:fillRef>
+            <a:effectRef idx="0">
+              <a:schemeClr val="accent1"/>
+            </a:effectRef>
+            <a:fontRef idx="minor">
+              <a:schemeClr val="tx1"/>
+            </a:fontRef>
+          </p:style>
+        </p:cxnSp>
+        <p:cxnSp>
+          <p:nvCxnSpPr>
+            <p:cNvPr id="18" name="Straight Connector 17">
+              <a:extLst>
+                <a:ext uri="{FF2B5EF4-FFF2-40B4-BE49-F238E27FC236}">
+                  <a16:creationId xmlns:a16="http://schemas.microsoft.com/office/drawing/2014/main" id="{1A23F394-AC6F-4767-8A0E-F91CA239082D}"/>
+                </a:ext>
+              </a:extLst>
+            </p:cNvPr>
+            <p:cNvCxnSpPr>
+              <a:cxnSpLocks/>
+            </p:cNvCxnSpPr>
+            <p:nvPr/>
+          </p:nvCxnSpPr>
+          <p:spPr>
+            <a:xfrm flipV="1">
+              <a:off x="4114800" y="3657600"/>
+              <a:ext cx="762000" cy="609600"/>
+            </a:xfrm>
+            <a:prstGeom prst="line">
+              <a:avLst/>
+            </a:prstGeom>
+            <a:ln>
+              <a:solidFill>
+                <a:schemeClr val="bg1">
+                  <a:lumMod val="75000"/>
+                </a:schemeClr>
+              </a:solidFill>
+              <a:prstDash val="sysDash"/>
+            </a:ln>
+          </p:spPr>
+          <p:style>
+            <a:lnRef idx="1">
+              <a:schemeClr val="accent1"/>
+            </a:lnRef>
+            <a:fillRef idx="0">
+              <a:schemeClr val="accent1"/>
+            </a:fillRef>
+            <a:effectRef idx="0">
+              <a:schemeClr val="accent1"/>
+            </a:effectRef>
+            <a:fontRef idx="minor">
+              <a:schemeClr val="tx1"/>
+            </a:fontRef>
+          </p:style>
+        </p:cxnSp>
+        <p:cxnSp>
+          <p:nvCxnSpPr>
+            <p:cNvPr id="19" name="Straight Connector 18">
+              <a:extLst>
+                <a:ext uri="{FF2B5EF4-FFF2-40B4-BE49-F238E27FC236}">
+                  <a16:creationId xmlns:a16="http://schemas.microsoft.com/office/drawing/2014/main" id="{CE21A95D-0A43-4E31-B054-A3EE32731BBF}"/>
+                </a:ext>
+              </a:extLst>
+            </p:cNvPr>
+            <p:cNvCxnSpPr>
+              <a:cxnSpLocks/>
+            </p:cNvCxnSpPr>
+            <p:nvPr/>
+          </p:nvCxnSpPr>
+          <p:spPr>
+            <a:xfrm flipV="1">
+              <a:off x="4648200" y="3657600"/>
+              <a:ext cx="762000" cy="609600"/>
+            </a:xfrm>
+            <a:prstGeom prst="line">
+              <a:avLst/>
+            </a:prstGeom>
+            <a:ln>
+              <a:solidFill>
+                <a:schemeClr val="bg1">
+                  <a:lumMod val="75000"/>
+                </a:schemeClr>
+              </a:solidFill>
+              <a:prstDash val="sysDash"/>
+            </a:ln>
+          </p:spPr>
+          <p:style>
+            <a:lnRef idx="1">
+              <a:schemeClr val="accent1"/>
+            </a:lnRef>
+            <a:fillRef idx="0">
+              <a:schemeClr val="accent1"/>
+            </a:fillRef>
+            <a:effectRef idx="0">
+              <a:schemeClr val="accent1"/>
+            </a:effectRef>
+            <a:fontRef idx="minor">
+              <a:schemeClr val="tx1"/>
+            </a:fontRef>
+          </p:style>
+        </p:cxnSp>
+        <p:cxnSp>
+          <p:nvCxnSpPr>
+            <p:cNvPr id="20" name="Straight Connector 19">
+              <a:extLst>
+                <a:ext uri="{FF2B5EF4-FFF2-40B4-BE49-F238E27FC236}">
+                  <a16:creationId xmlns:a16="http://schemas.microsoft.com/office/drawing/2014/main" id="{8462E998-7D87-4AF4-8FF0-15A62A119721}"/>
+                </a:ext>
+              </a:extLst>
+            </p:cNvPr>
+            <p:cNvCxnSpPr>
+              <a:cxnSpLocks/>
+            </p:cNvCxnSpPr>
+            <p:nvPr/>
+          </p:nvCxnSpPr>
+          <p:spPr>
+            <a:xfrm flipV="1">
+              <a:off x="5181600" y="3657600"/>
+              <a:ext cx="762000" cy="609600"/>
+            </a:xfrm>
+            <a:prstGeom prst="line">
+              <a:avLst/>
+            </a:prstGeom>
+            <a:ln>
+              <a:solidFill>
+                <a:schemeClr val="bg1">
+                  <a:lumMod val="75000"/>
+                </a:schemeClr>
+              </a:solidFill>
+              <a:prstDash val="sysDash"/>
+            </a:ln>
+          </p:spPr>
+          <p:style>
+            <a:lnRef idx="1">
+              <a:schemeClr val="accent1"/>
+            </a:lnRef>
+            <a:fillRef idx="0">
+              <a:schemeClr val="accent1"/>
+            </a:fillRef>
+            <a:effectRef idx="0">
+              <a:schemeClr val="accent1"/>
+            </a:effectRef>
+            <a:fontRef idx="minor">
+              <a:schemeClr val="tx1"/>
+            </a:fontRef>
+          </p:style>
+        </p:cxnSp>
+      </p:grpSp>
+      <p:grpSp>
+        <p:nvGrpSpPr>
+          <p:cNvPr id="22" name="Group 21">
+            <a:extLst>
+              <a:ext uri="{FF2B5EF4-FFF2-40B4-BE49-F238E27FC236}">
+                <a16:creationId xmlns:a16="http://schemas.microsoft.com/office/drawing/2014/main" id="{6988C129-5CE6-4227-9B8D-F528BD52350D}"/>
+              </a:ext>
+            </a:extLst>
+          </p:cNvPr>
+          <p:cNvGrpSpPr/>
+          <p:nvPr/>
+        </p:nvGrpSpPr>
+        <p:grpSpPr>
+          <a:xfrm>
+            <a:off x="1257300" y="1219200"/>
+            <a:ext cx="3543300" cy="609600"/>
+            <a:chOff x="3009900" y="3657600"/>
+            <a:chExt cx="3543300" cy="609600"/>
+          </a:xfrm>
+        </p:grpSpPr>
+        <p:cxnSp>
+          <p:nvCxnSpPr>
+            <p:cNvPr id="23" name="Straight Connector 22">
+              <a:extLst>
+                <a:ext uri="{FF2B5EF4-FFF2-40B4-BE49-F238E27FC236}">
+                  <a16:creationId xmlns:a16="http://schemas.microsoft.com/office/drawing/2014/main" id="{B69E93ED-B1CC-4CA9-B00B-99473268540A}"/>
+                </a:ext>
+              </a:extLst>
+            </p:cNvPr>
+            <p:cNvCxnSpPr/>
+            <p:nvPr/>
+          </p:nvCxnSpPr>
+          <p:spPr>
+            <a:xfrm>
+              <a:off x="3505200" y="3886200"/>
+              <a:ext cx="2743200" cy="0"/>
+            </a:xfrm>
+            <a:prstGeom prst="line">
+              <a:avLst/>
+            </a:prstGeom>
+            <a:ln>
+              <a:solidFill>
+                <a:schemeClr val="bg1">
+                  <a:lumMod val="75000"/>
+                </a:schemeClr>
+              </a:solidFill>
+              <a:prstDash val="sysDash"/>
+            </a:ln>
+          </p:spPr>
+          <p:style>
+            <a:lnRef idx="1">
+              <a:schemeClr val="accent1"/>
+            </a:lnRef>
+            <a:fillRef idx="0">
+              <a:schemeClr val="accent1"/>
+            </a:fillRef>
+            <a:effectRef idx="0">
+              <a:schemeClr val="accent1"/>
+            </a:effectRef>
+            <a:fontRef idx="minor">
+              <a:schemeClr val="tx1"/>
+            </a:fontRef>
+          </p:style>
+        </p:cxnSp>
+        <p:cxnSp>
+          <p:nvCxnSpPr>
+            <p:cNvPr id="24" name="Straight Connector 23">
+              <a:extLst>
+                <a:ext uri="{FF2B5EF4-FFF2-40B4-BE49-F238E27FC236}">
+                  <a16:creationId xmlns:a16="http://schemas.microsoft.com/office/drawing/2014/main" id="{B8F3D3CC-7CEB-45DB-9041-BB5147F2AE31}"/>
+                </a:ext>
+              </a:extLst>
+            </p:cNvPr>
+            <p:cNvCxnSpPr/>
+            <p:nvPr/>
+          </p:nvCxnSpPr>
+          <p:spPr>
+            <a:xfrm>
+              <a:off x="3200400" y="4114800"/>
+              <a:ext cx="2743200" cy="0"/>
+            </a:xfrm>
+            <a:prstGeom prst="line">
+              <a:avLst/>
+            </a:prstGeom>
+            <a:ln>
+              <a:solidFill>
+                <a:schemeClr val="bg1">
+                  <a:lumMod val="75000"/>
+                </a:schemeClr>
+              </a:solidFill>
+              <a:prstDash val="sysDash"/>
+            </a:ln>
+          </p:spPr>
+          <p:style>
+            <a:lnRef idx="1">
+              <a:schemeClr val="accent1"/>
+            </a:lnRef>
+            <a:fillRef idx="0">
+              <a:schemeClr val="accent1"/>
+            </a:fillRef>
+            <a:effectRef idx="0">
+              <a:schemeClr val="accent1"/>
+            </a:effectRef>
+            <a:fontRef idx="minor">
+              <a:schemeClr val="tx1"/>
+            </a:fontRef>
+          </p:style>
+        </p:cxnSp>
+        <p:cxnSp>
+          <p:nvCxnSpPr>
+            <p:cNvPr id="25" name="Straight Connector 24">
+              <a:extLst>
+                <a:ext uri="{FF2B5EF4-FFF2-40B4-BE49-F238E27FC236}">
+                  <a16:creationId xmlns:a16="http://schemas.microsoft.com/office/drawing/2014/main" id="{96510151-48BF-40E0-AC81-E86E9F24B0A9}"/>
+                </a:ext>
+              </a:extLst>
+            </p:cNvPr>
+            <p:cNvCxnSpPr>
+              <a:cxnSpLocks/>
+            </p:cNvCxnSpPr>
+            <p:nvPr/>
+          </p:nvCxnSpPr>
+          <p:spPr>
+            <a:xfrm flipV="1">
+              <a:off x="3581400" y="3657600"/>
+              <a:ext cx="762000" cy="609600"/>
+            </a:xfrm>
+            <a:prstGeom prst="line">
+              <a:avLst/>
+            </a:prstGeom>
+            <a:ln>
+              <a:solidFill>
+                <a:schemeClr val="bg1">
+                  <a:lumMod val="75000"/>
+                </a:schemeClr>
+              </a:solidFill>
+              <a:prstDash val="sysDash"/>
+            </a:ln>
+          </p:spPr>
+          <p:style>
+            <a:lnRef idx="1">
+              <a:schemeClr val="accent1"/>
+            </a:lnRef>
+            <a:fillRef idx="0">
+              <a:schemeClr val="accent1"/>
+            </a:fillRef>
+            <a:effectRef idx="0">
+              <a:schemeClr val="accent1"/>
+            </a:effectRef>
+            <a:fontRef idx="minor">
+              <a:schemeClr val="tx1"/>
+            </a:fontRef>
+          </p:style>
+        </p:cxnSp>
+        <p:cxnSp>
+          <p:nvCxnSpPr>
+            <p:cNvPr id="26" name="Straight Connector 25">
+              <a:extLst>
+                <a:ext uri="{FF2B5EF4-FFF2-40B4-BE49-F238E27FC236}">
+                  <a16:creationId xmlns:a16="http://schemas.microsoft.com/office/drawing/2014/main" id="{525907CC-22B1-4B6A-A39B-EAF9FFCA50FD}"/>
+                </a:ext>
+              </a:extLst>
+            </p:cNvPr>
+            <p:cNvCxnSpPr>
+              <a:cxnSpLocks/>
+            </p:cNvCxnSpPr>
+            <p:nvPr/>
+          </p:nvCxnSpPr>
+          <p:spPr>
+            <a:xfrm flipV="1">
+              <a:off x="4114800" y="3657600"/>
+              <a:ext cx="762000" cy="609600"/>
+            </a:xfrm>
+            <a:prstGeom prst="line">
+              <a:avLst/>
+            </a:prstGeom>
+            <a:ln>
+              <a:solidFill>
+                <a:schemeClr val="bg1">
+                  <a:lumMod val="75000"/>
+                </a:schemeClr>
+              </a:solidFill>
+              <a:prstDash val="sysDash"/>
+            </a:ln>
+          </p:spPr>
+          <p:style>
+            <a:lnRef idx="1">
+              <a:schemeClr val="accent1"/>
+            </a:lnRef>
+            <a:fillRef idx="0">
+              <a:schemeClr val="accent1"/>
+            </a:fillRef>
+            <a:effectRef idx="0">
+              <a:schemeClr val="accent1"/>
+            </a:effectRef>
+            <a:fontRef idx="minor">
+              <a:schemeClr val="tx1"/>
+            </a:fontRef>
+          </p:style>
+        </p:cxnSp>
+        <p:cxnSp>
+          <p:nvCxnSpPr>
+            <p:cNvPr id="27" name="Straight Connector 26">
+              <a:extLst>
+                <a:ext uri="{FF2B5EF4-FFF2-40B4-BE49-F238E27FC236}">
+                  <a16:creationId xmlns:a16="http://schemas.microsoft.com/office/drawing/2014/main" id="{FAF0063D-458C-4F2C-ACCD-C55C00C876EC}"/>
+                </a:ext>
+              </a:extLst>
+            </p:cNvPr>
+            <p:cNvCxnSpPr>
+              <a:cxnSpLocks/>
+            </p:cNvCxnSpPr>
+            <p:nvPr/>
+          </p:nvCxnSpPr>
+          <p:spPr>
+            <a:xfrm flipV="1">
+              <a:off x="4648200" y="3657600"/>
+              <a:ext cx="762000" cy="609600"/>
+            </a:xfrm>
+            <a:prstGeom prst="line">
+              <a:avLst/>
+            </a:prstGeom>
+            <a:ln>
+              <a:solidFill>
+                <a:schemeClr val="bg1">
+                  <a:lumMod val="75000"/>
+                </a:schemeClr>
+              </a:solidFill>
+              <a:prstDash val="sysDash"/>
+            </a:ln>
+          </p:spPr>
+          <p:style>
+            <a:lnRef idx="1">
+              <a:schemeClr val="accent1"/>
+            </a:lnRef>
+            <a:fillRef idx="0">
+              <a:schemeClr val="accent1"/>
+            </a:fillRef>
+            <a:effectRef idx="0">
+              <a:schemeClr val="accent1"/>
+            </a:effectRef>
+            <a:fontRef idx="minor">
+              <a:schemeClr val="tx1"/>
+            </a:fontRef>
+          </p:style>
+        </p:cxnSp>
+        <p:cxnSp>
+          <p:nvCxnSpPr>
+            <p:cNvPr id="28" name="Straight Connector 27">
+              <a:extLst>
+                <a:ext uri="{FF2B5EF4-FFF2-40B4-BE49-F238E27FC236}">
+                  <a16:creationId xmlns:a16="http://schemas.microsoft.com/office/drawing/2014/main" id="{6DDA6C58-C39D-40B0-9AA7-F82C7BC4CA09}"/>
+                </a:ext>
+              </a:extLst>
+            </p:cNvPr>
+            <p:cNvCxnSpPr>
+              <a:cxnSpLocks/>
+            </p:cNvCxnSpPr>
+            <p:nvPr/>
+          </p:nvCxnSpPr>
+          <p:spPr>
+            <a:xfrm flipV="1">
+              <a:off x="5181600" y="3657600"/>
+              <a:ext cx="762000" cy="609600"/>
+            </a:xfrm>
+            <a:prstGeom prst="line">
+              <a:avLst/>
+            </a:prstGeom>
+            <a:ln>
+              <a:solidFill>
+                <a:schemeClr val="bg1">
+                  <a:lumMod val="75000"/>
+                </a:schemeClr>
+              </a:solidFill>
+              <a:prstDash val="sysDash"/>
+            </a:ln>
+          </p:spPr>
+          <p:style>
+            <a:lnRef idx="1">
+              <a:schemeClr val="accent1"/>
+            </a:lnRef>
+            <a:fillRef idx="0">
+              <a:schemeClr val="accent1"/>
+            </a:fillRef>
+            <a:effectRef idx="0">
+              <a:schemeClr val="accent1"/>
+            </a:effectRef>
+            <a:fontRef idx="minor">
+              <a:schemeClr val="tx1"/>
+            </a:fontRef>
+          </p:style>
+        </p:cxnSp>
+        <p:cxnSp>
+          <p:nvCxnSpPr>
+            <p:cNvPr id="31" name="Straight Connector 30">
+              <a:extLst>
+                <a:ext uri="{FF2B5EF4-FFF2-40B4-BE49-F238E27FC236}">
+                  <a16:creationId xmlns:a16="http://schemas.microsoft.com/office/drawing/2014/main" id="{6062E377-1E19-4759-AA88-4AA9339694B2}"/>
+                </a:ext>
+              </a:extLst>
+            </p:cNvPr>
+            <p:cNvCxnSpPr/>
+            <p:nvPr/>
+          </p:nvCxnSpPr>
+          <p:spPr>
+            <a:xfrm>
+              <a:off x="3810000" y="3657600"/>
+              <a:ext cx="2743200" cy="0"/>
+            </a:xfrm>
+            <a:prstGeom prst="line">
+              <a:avLst/>
+            </a:prstGeom>
+            <a:ln>
+              <a:solidFill>
+                <a:schemeClr val="bg1">
+                  <a:lumMod val="75000"/>
+                </a:schemeClr>
+              </a:solidFill>
+              <a:prstDash val="sysDash"/>
+            </a:ln>
+          </p:spPr>
+          <p:style>
+            <a:lnRef idx="1">
+              <a:schemeClr val="accent1"/>
+            </a:lnRef>
+            <a:fillRef idx="0">
+              <a:schemeClr val="accent1"/>
+            </a:fillRef>
+            <a:effectRef idx="0">
+              <a:schemeClr val="accent1"/>
+            </a:effectRef>
+            <a:fontRef idx="minor">
+              <a:schemeClr val="tx1"/>
+            </a:fontRef>
+          </p:style>
+        </p:cxnSp>
+        <p:cxnSp>
+          <p:nvCxnSpPr>
+            <p:cNvPr id="32" name="Straight Connector 31">
+              <a:extLst>
+                <a:ext uri="{FF2B5EF4-FFF2-40B4-BE49-F238E27FC236}">
+                  <a16:creationId xmlns:a16="http://schemas.microsoft.com/office/drawing/2014/main" id="{2BD5A26A-E7FA-4F06-AA10-146D1F960344}"/>
+                </a:ext>
+              </a:extLst>
+            </p:cNvPr>
+            <p:cNvCxnSpPr>
+              <a:cxnSpLocks/>
+            </p:cNvCxnSpPr>
+            <p:nvPr/>
+          </p:nvCxnSpPr>
+          <p:spPr>
+            <a:xfrm flipV="1">
+              <a:off x="3009900" y="3657600"/>
+              <a:ext cx="800100" cy="609600"/>
+            </a:xfrm>
+            <a:prstGeom prst="line">
+              <a:avLst/>
+            </a:prstGeom>
+            <a:ln>
+              <a:solidFill>
+                <a:schemeClr val="bg1">
+                  <a:lumMod val="75000"/>
+                </a:schemeClr>
+              </a:solidFill>
+              <a:prstDash val="sysDash"/>
+            </a:ln>
+          </p:spPr>
+          <p:style>
+            <a:lnRef idx="1">
+              <a:schemeClr val="accent1"/>
+            </a:lnRef>
+            <a:fillRef idx="0">
+              <a:schemeClr val="accent1"/>
+            </a:fillRef>
+            <a:effectRef idx="0">
+              <a:schemeClr val="accent1"/>
+            </a:effectRef>
+            <a:fontRef idx="minor">
+              <a:schemeClr val="tx1"/>
+            </a:fontRef>
+          </p:style>
+        </p:cxnSp>
+      </p:grpSp>
+      <p:sp>
+        <p:nvSpPr>
+          <p:cNvPr id="34" name="Freeform: Shape 33">
+            <a:extLst>
+              <a:ext uri="{FF2B5EF4-FFF2-40B4-BE49-F238E27FC236}">
+                <a16:creationId xmlns:a16="http://schemas.microsoft.com/office/drawing/2014/main" id="{1F23605D-0BF8-46A8-8935-D29AE32AB1ED}"/>
+              </a:ext>
+            </a:extLst>
+          </p:cNvPr>
+          <p:cNvSpPr/>
+          <p:nvPr/>
+        </p:nvSpPr>
+        <p:spPr>
+          <a:xfrm>
+            <a:off x="1993431" y="1450075"/>
+            <a:ext cx="1924614" cy="2893325"/>
+          </a:xfrm>
+          <a:custGeom>
+            <a:avLst/>
+            <a:gdLst>
+              <a:gd name="connsiteX0" fmla="*/ 24163 w 1924614"/>
+              <a:gd name="connsiteY0" fmla="*/ 2893325 h 2893325"/>
+              <a:gd name="connsiteX1" fmla="*/ 218644 w 1924614"/>
+              <a:gd name="connsiteY1" fmla="*/ 1832212 h 2893325"/>
+              <a:gd name="connsiteX2" fmla="*/ 1614127 w 1924614"/>
+              <a:gd name="connsiteY2" fmla="*/ 808629 h 2893325"/>
+              <a:gd name="connsiteX3" fmla="*/ 1924614 w 1924614"/>
+              <a:gd name="connsiteY3" fmla="*/ 0 h 2893325"/>
+            </a:gdLst>
+            <a:ahLst/>
+            <a:cxnLst>
+              <a:cxn ang="0">
+                <a:pos x="connsiteX0" y="connsiteY0"/>
+              </a:cxn>
+              <a:cxn ang="0">
+                <a:pos x="connsiteX1" y="connsiteY1"/>
+              </a:cxn>
+              <a:cxn ang="0">
+                <a:pos x="connsiteX2" y="connsiteY2"/>
+              </a:cxn>
+              <a:cxn ang="0">
+                <a:pos x="connsiteX3" y="connsiteY3"/>
+              </a:cxn>
+            </a:cxnLst>
+            <a:rect l="l" t="t" r="r" b="b"/>
+            <a:pathLst>
+              <a:path w="1924614" h="2893325">
+                <a:moveTo>
+                  <a:pt x="24163" y="2893325"/>
+                </a:moveTo>
+                <a:cubicBezTo>
+                  <a:pt x="-11094" y="2536493"/>
+                  <a:pt x="-46350" y="2179661"/>
+                  <a:pt x="218644" y="1832212"/>
+                </a:cubicBezTo>
+                <a:cubicBezTo>
+                  <a:pt x="483638" y="1484763"/>
+                  <a:pt x="1329799" y="1113998"/>
+                  <a:pt x="1614127" y="808629"/>
+                </a:cubicBezTo>
+                <a:cubicBezTo>
+                  <a:pt x="1898455" y="503260"/>
+                  <a:pt x="1911534" y="251630"/>
+                  <a:pt x="1924614" y="0"/>
+                </a:cubicBezTo>
+              </a:path>
+            </a:pathLst>
+          </a:custGeom>
+          <a:noFill/>
+          <a:ln w="57150">
+            <a:solidFill>
+              <a:schemeClr val="tx1"/>
+            </a:solidFill>
+          </a:ln>
+        </p:spPr>
+        <p:style>
+          <a:lnRef idx="2">
+            <a:schemeClr val="accent1">
+              <a:shade val="50000"/>
+            </a:schemeClr>
+          </a:lnRef>
+          <a:fillRef idx="1">
+            <a:schemeClr val="accent1"/>
+          </a:fillRef>
+          <a:effectRef idx="0">
+            <a:schemeClr val="accent1"/>
+          </a:effectRef>
+          <a:fontRef idx="minor">
+            <a:schemeClr val="lt1"/>
+          </a:fontRef>
+        </p:style>
+        <p:txBody>
+          <a:bodyPr rtlCol="0" anchor="ctr"/>
+          <a:lstStyle/>
+          <a:p>
+            <a:pPr algn="ctr"/>
+            <a:endParaRPr lang="en-US"/>
+          </a:p>
+        </p:txBody>
+      </p:sp>
+      <p:sp>
+        <p:nvSpPr>
+          <p:cNvPr id="42" name="Oval 41">
+            <a:extLst>
+              <a:ext uri="{FF2B5EF4-FFF2-40B4-BE49-F238E27FC236}">
+                <a16:creationId xmlns:a16="http://schemas.microsoft.com/office/drawing/2014/main" id="{2CA6FE00-B607-43CB-9B88-E0F28E329CC4}"/>
+              </a:ext>
+            </a:extLst>
+          </p:cNvPr>
+          <p:cNvSpPr/>
+          <p:nvPr/>
+        </p:nvSpPr>
+        <p:spPr>
+          <a:xfrm>
+            <a:off x="1955471" y="4270754"/>
+            <a:ext cx="146284" cy="145292"/>
+          </a:xfrm>
+          <a:prstGeom prst="ellipse">
+            <a:avLst/>
+          </a:prstGeom>
+          <a:solidFill>
+            <a:schemeClr val="tx1">
+              <a:lumMod val="50000"/>
+              <a:lumOff val="50000"/>
+            </a:schemeClr>
+          </a:solidFill>
+          <a:ln>
+            <a:solidFill>
+              <a:schemeClr val="tx1"/>
+            </a:solidFill>
+          </a:ln>
+        </p:spPr>
+        <p:style>
+          <a:lnRef idx="2">
+            <a:schemeClr val="accent1">
+              <a:shade val="50000"/>
+            </a:schemeClr>
+          </a:lnRef>
+          <a:fillRef idx="1">
+            <a:schemeClr val="accent1"/>
+          </a:fillRef>
+          <a:effectRef idx="0">
+            <a:schemeClr val="accent1"/>
+          </a:effectRef>
+          <a:fontRef idx="minor">
+            <a:schemeClr val="lt1"/>
+          </a:fontRef>
+        </p:style>
+        <p:txBody>
+          <a:bodyPr rtlCol="0" anchor="ctr"/>
+          <a:lstStyle/>
+          <a:p>
+            <a:pPr algn="ctr"/>
+            <a:endParaRPr lang="en-US"/>
+          </a:p>
+        </p:txBody>
+      </p:sp>
+      <p:sp>
+        <p:nvSpPr>
+          <p:cNvPr id="46" name="Oval 45">
+            <a:extLst>
+              <a:ext uri="{FF2B5EF4-FFF2-40B4-BE49-F238E27FC236}">
+                <a16:creationId xmlns:a16="http://schemas.microsoft.com/office/drawing/2014/main" id="{F46849CF-2080-4668-8F14-1AB39550B197}"/>
+              </a:ext>
+            </a:extLst>
+          </p:cNvPr>
+          <p:cNvSpPr/>
+          <p:nvPr/>
+        </p:nvSpPr>
+        <p:spPr>
+          <a:xfrm>
+            <a:off x="3835730" y="1364351"/>
+            <a:ext cx="146284" cy="145292"/>
+          </a:xfrm>
+          <a:prstGeom prst="ellipse">
+            <a:avLst/>
+          </a:prstGeom>
+          <a:solidFill>
+            <a:schemeClr val="tx1">
+              <a:lumMod val="50000"/>
+              <a:lumOff val="50000"/>
+            </a:schemeClr>
+          </a:solidFill>
+          <a:ln>
+            <a:solidFill>
+              <a:schemeClr val="tx1"/>
+            </a:solidFill>
+          </a:ln>
+        </p:spPr>
+        <p:style>
+          <a:lnRef idx="2">
+            <a:schemeClr val="accent1">
+              <a:shade val="50000"/>
+            </a:schemeClr>
+          </a:lnRef>
+          <a:fillRef idx="1">
+            <a:schemeClr val="accent1"/>
+          </a:fillRef>
+          <a:effectRef idx="0">
+            <a:schemeClr val="accent1"/>
+          </a:effectRef>
+          <a:fontRef idx="minor">
+            <a:schemeClr val="lt1"/>
+          </a:fontRef>
+        </p:style>
+        <p:txBody>
+          <a:bodyPr rtlCol="0" anchor="ctr"/>
+          <a:lstStyle/>
+          <a:p>
+            <a:pPr algn="ctr"/>
+            <a:endParaRPr lang="en-US"/>
+          </a:p>
+        </p:txBody>
+      </p:sp>
+      <mc:AlternateContent xmlns:mc="http://schemas.openxmlformats.org/markup-compatibility/2006">
+        <mc:Choice xmlns:a14="http://schemas.microsoft.com/office/drawing/2010/main" Requires="a14">
+          <p:sp>
+            <p:nvSpPr>
+              <p:cNvPr id="69" name="TextBox 68">
+                <a:extLst>
+                  <a:ext uri="{FF2B5EF4-FFF2-40B4-BE49-F238E27FC236}">
+                    <a16:creationId xmlns:a16="http://schemas.microsoft.com/office/drawing/2014/main" id="{916E4A1F-5BEA-4144-A8AA-9AFDEBE7C4C6}"/>
+                  </a:ext>
+                </a:extLst>
+              </p:cNvPr>
+              <p:cNvSpPr txBox="1"/>
+              <p:nvPr/>
+            </p:nvSpPr>
+            <p:spPr>
+              <a:xfrm>
+                <a:off x="1994989" y="556051"/>
+                <a:ext cx="149913" cy="276999"/>
+              </a:xfrm>
+              <a:prstGeom prst="rect">
+                <a:avLst/>
+              </a:prstGeom>
+              <a:solidFill>
+                <a:schemeClr val="bg1"/>
+              </a:solidFill>
+            </p:spPr>
+            <p:txBody>
+              <a:bodyPr wrap="none" lIns="0" tIns="0" rIns="0" bIns="0" rtlCol="0">
+                <a:spAutoFit/>
+              </a:bodyPr>
+              <a:lstStyle/>
+              <a:p>
+                <a14:m>
+                  <m:oMathPara xmlns:m="http://schemas.openxmlformats.org/officeDocument/2006/math">
+                    <m:oMathParaPr>
+                      <m:jc m:val="centerGroup"/>
+                    </m:oMathParaPr>
+                    <m:oMath xmlns:m="http://schemas.openxmlformats.org/officeDocument/2006/math">
+                      <m:r>
+                        <a:rPr lang="en-US" b="0" i="1" smtClean="0">
+                          <a:latin typeface="Cambria Math" panose="02040503050406030204" pitchFamily="18" charset="0"/>
+                        </a:rPr>
+                        <m:t>𝑡</m:t>
+                      </m:r>
+                    </m:oMath>
+                  </m:oMathPara>
+                </a14:m>
+                <a:endParaRPr lang="en-US" dirty="0"/>
+              </a:p>
+            </p:txBody>
+          </p:sp>
+        </mc:Choice>
+        <mc:Fallback>
+          <p:sp>
+            <p:nvSpPr>
+              <p:cNvPr id="69" name="TextBox 68">
+                <a:extLst>
+                  <a:ext uri="{FF2B5EF4-FFF2-40B4-BE49-F238E27FC236}">
+                    <a16:creationId xmlns:a16="http://schemas.microsoft.com/office/drawing/2014/main" id="{916E4A1F-5BEA-4144-A8AA-9AFDEBE7C4C6}"/>
+                  </a:ext>
+                </a:extLst>
+              </p:cNvPr>
+              <p:cNvSpPr txBox="1">
+                <a:spLocks noRot="1" noChangeAspect="1" noMove="1" noResize="1" noEditPoints="1" noAdjustHandles="1" noChangeArrowheads="1" noChangeShapeType="1" noTextEdit="1"/>
+              </p:cNvSpPr>
+              <p:nvPr/>
+            </p:nvSpPr>
+            <p:spPr>
+              <a:xfrm>
+                <a:off x="1994989" y="556051"/>
+                <a:ext cx="149913" cy="276999"/>
+              </a:xfrm>
+              <a:prstGeom prst="rect">
+                <a:avLst/>
+              </a:prstGeom>
+              <a:blipFill>
+                <a:blip r:embed="rId2"/>
+                <a:stretch>
+                  <a:fillRect l="-32000" r="-28000" b="-4348"/>
+                </a:stretch>
+              </a:blipFill>
+            </p:spPr>
+            <p:txBody>
+              <a:bodyPr/>
+              <a:lstStyle/>
+              <a:p>
+                <a:r>
+                  <a:rPr lang="en-US">
+                    <a:noFill/>
+                  </a:rPr>
+                  <a:t> </a:t>
+                </a:r>
+              </a:p>
+            </p:txBody>
+          </p:sp>
+        </mc:Fallback>
+      </mc:AlternateContent>
+      <mc:AlternateContent xmlns:mc="http://schemas.openxmlformats.org/markup-compatibility/2006">
+        <mc:Choice xmlns:a14="http://schemas.microsoft.com/office/drawing/2010/main" Requires="a14">
+          <p:sp>
+            <p:nvSpPr>
+              <p:cNvPr id="70" name="TextBox 69">
+                <a:extLst>
+                  <a:ext uri="{FF2B5EF4-FFF2-40B4-BE49-F238E27FC236}">
+                    <a16:creationId xmlns:a16="http://schemas.microsoft.com/office/drawing/2014/main" id="{C34EC781-AC8F-409E-8E11-C69FA8FA8486}"/>
+                  </a:ext>
+                </a:extLst>
+              </p:cNvPr>
+              <p:cNvSpPr txBox="1"/>
+              <p:nvPr/>
+            </p:nvSpPr>
+            <p:spPr>
+              <a:xfrm>
+                <a:off x="884077" y="4572000"/>
+                <a:ext cx="186718" cy="276999"/>
+              </a:xfrm>
+              <a:prstGeom prst="rect">
+                <a:avLst/>
+              </a:prstGeom>
+              <a:solidFill>
+                <a:schemeClr val="bg1"/>
+              </a:solidFill>
+            </p:spPr>
+            <p:txBody>
+              <a:bodyPr wrap="none" lIns="0" tIns="0" rIns="0" bIns="0" rtlCol="0">
+                <a:spAutoFit/>
+              </a:bodyPr>
+              <a:lstStyle/>
+              <a:p>
+                <a14:m>
+                  <m:oMathPara xmlns:m="http://schemas.openxmlformats.org/officeDocument/2006/math">
+                    <m:oMathParaPr>
+                      <m:jc m:val="centerGroup"/>
+                    </m:oMathParaPr>
+                    <m:oMath xmlns:m="http://schemas.openxmlformats.org/officeDocument/2006/math">
+                      <m:r>
+                        <a:rPr lang="en-US" b="0" i="1" smtClean="0">
+                          <a:latin typeface="Cambria Math" panose="02040503050406030204" pitchFamily="18" charset="0"/>
+                        </a:rPr>
+                        <m:t>𝑦</m:t>
+                      </m:r>
+                    </m:oMath>
+                  </m:oMathPara>
+                </a14:m>
+                <a:endParaRPr lang="en-US" dirty="0"/>
+              </a:p>
+            </p:txBody>
+          </p:sp>
+        </mc:Choice>
+        <mc:Fallback>
+          <p:sp>
+            <p:nvSpPr>
+              <p:cNvPr id="70" name="TextBox 69">
+                <a:extLst>
+                  <a:ext uri="{FF2B5EF4-FFF2-40B4-BE49-F238E27FC236}">
+                    <a16:creationId xmlns:a16="http://schemas.microsoft.com/office/drawing/2014/main" id="{C34EC781-AC8F-409E-8E11-C69FA8FA8486}"/>
+                  </a:ext>
+                </a:extLst>
+              </p:cNvPr>
+              <p:cNvSpPr txBox="1">
+                <a:spLocks noRot="1" noChangeAspect="1" noMove="1" noResize="1" noEditPoints="1" noAdjustHandles="1" noChangeArrowheads="1" noChangeShapeType="1" noTextEdit="1"/>
+              </p:cNvSpPr>
+              <p:nvPr/>
+            </p:nvSpPr>
+            <p:spPr>
+              <a:xfrm>
+                <a:off x="884077" y="4572000"/>
+                <a:ext cx="186718" cy="276999"/>
+              </a:xfrm>
+              <a:prstGeom prst="rect">
+                <a:avLst/>
+              </a:prstGeom>
+              <a:blipFill>
+                <a:blip r:embed="rId3"/>
+                <a:stretch>
+                  <a:fillRect l="-32258" r="-25806" b="-26667"/>
+                </a:stretch>
+              </a:blipFill>
+            </p:spPr>
+            <p:txBody>
+              <a:bodyPr/>
+              <a:lstStyle/>
+              <a:p>
+                <a:r>
+                  <a:rPr lang="en-US">
+                    <a:noFill/>
+                  </a:rPr>
+                  <a:t> </a:t>
+                </a:r>
+              </a:p>
+            </p:txBody>
+          </p:sp>
+        </mc:Fallback>
+      </mc:AlternateContent>
+      <mc:AlternateContent xmlns:mc="http://schemas.openxmlformats.org/markup-compatibility/2006">
+        <mc:Choice xmlns:a14="http://schemas.microsoft.com/office/drawing/2010/main" Requires="a14">
+          <p:sp>
+            <p:nvSpPr>
+              <p:cNvPr id="71" name="TextBox 70">
+                <a:extLst>
+                  <a:ext uri="{FF2B5EF4-FFF2-40B4-BE49-F238E27FC236}">
+                    <a16:creationId xmlns:a16="http://schemas.microsoft.com/office/drawing/2014/main" id="{E70732F1-F1EC-4425-BD81-710279C5F6F2}"/>
+                  </a:ext>
+                </a:extLst>
+              </p:cNvPr>
+              <p:cNvSpPr txBox="1"/>
+              <p:nvPr/>
+            </p:nvSpPr>
+            <p:spPr>
+              <a:xfrm>
+                <a:off x="4791232" y="3733800"/>
+                <a:ext cx="183320" cy="276999"/>
+              </a:xfrm>
+              <a:prstGeom prst="rect">
+                <a:avLst/>
+              </a:prstGeom>
+              <a:solidFill>
+                <a:schemeClr val="bg1"/>
+              </a:solidFill>
+            </p:spPr>
+            <p:txBody>
+              <a:bodyPr wrap="none" lIns="0" tIns="0" rIns="0" bIns="0" rtlCol="0">
+                <a:spAutoFit/>
+              </a:bodyPr>
+              <a:lstStyle/>
+              <a:p>
+                <a14:m>
+                  <m:oMathPara xmlns:m="http://schemas.openxmlformats.org/officeDocument/2006/math">
+                    <m:oMathParaPr>
+                      <m:jc m:val="centerGroup"/>
+                    </m:oMathParaPr>
+                    <m:oMath xmlns:m="http://schemas.openxmlformats.org/officeDocument/2006/math">
+                      <m:r>
+                        <a:rPr lang="en-US" b="0" i="1" smtClean="0">
+                          <a:latin typeface="Cambria Math" panose="02040503050406030204" pitchFamily="18" charset="0"/>
+                        </a:rPr>
+                        <m:t>𝑥</m:t>
+                      </m:r>
+                    </m:oMath>
+                  </m:oMathPara>
+                </a14:m>
+                <a:endParaRPr lang="en-US" dirty="0"/>
+              </a:p>
+            </p:txBody>
+          </p:sp>
+        </mc:Choice>
+        <mc:Fallback>
+          <p:sp>
+            <p:nvSpPr>
+              <p:cNvPr id="71" name="TextBox 70">
+                <a:extLst>
+                  <a:ext uri="{FF2B5EF4-FFF2-40B4-BE49-F238E27FC236}">
+                    <a16:creationId xmlns:a16="http://schemas.microsoft.com/office/drawing/2014/main" id="{E70732F1-F1EC-4425-BD81-710279C5F6F2}"/>
+                  </a:ext>
+                </a:extLst>
+              </p:cNvPr>
+              <p:cNvSpPr txBox="1">
+                <a:spLocks noRot="1" noChangeAspect="1" noMove="1" noResize="1" noEditPoints="1" noAdjustHandles="1" noChangeArrowheads="1" noChangeShapeType="1" noTextEdit="1"/>
+              </p:cNvSpPr>
+              <p:nvPr/>
+            </p:nvSpPr>
+            <p:spPr>
+              <a:xfrm>
+                <a:off x="4791232" y="3733800"/>
+                <a:ext cx="183320" cy="276999"/>
+              </a:xfrm>
+              <a:prstGeom prst="rect">
+                <a:avLst/>
+              </a:prstGeom>
+              <a:blipFill>
+                <a:blip r:embed="rId4"/>
+                <a:stretch>
+                  <a:fillRect l="-20000" r="-13333"/>
+                </a:stretch>
+              </a:blipFill>
+            </p:spPr>
+            <p:txBody>
+              <a:bodyPr/>
+              <a:lstStyle/>
+              <a:p>
+                <a:r>
+                  <a:rPr lang="en-US">
+                    <a:noFill/>
+                  </a:rPr>
+                  <a:t> </a:t>
+                </a:r>
+              </a:p>
+            </p:txBody>
+          </p:sp>
+        </mc:Fallback>
+      </mc:AlternateContent>
+      <p:sp>
+        <p:nvSpPr>
+          <p:cNvPr id="47" name="Oval 46">
+            <a:extLst>
+              <a:ext uri="{FF2B5EF4-FFF2-40B4-BE49-F238E27FC236}">
+                <a16:creationId xmlns:a16="http://schemas.microsoft.com/office/drawing/2014/main" id="{3E7AD5C7-0293-4D14-A336-F8A1FA3BB1BF}"/>
+              </a:ext>
+            </a:extLst>
+          </p:cNvPr>
+          <p:cNvSpPr/>
+          <p:nvPr/>
+        </p:nvSpPr>
+        <p:spPr>
+          <a:xfrm rot="21400820">
+            <a:off x="1197286" y="2352616"/>
+            <a:ext cx="2402893" cy="353606"/>
+          </a:xfrm>
+          <a:prstGeom prst="ellipse">
+            <a:avLst/>
+          </a:prstGeom>
+          <a:solidFill>
+            <a:schemeClr val="bg1">
+              <a:lumMod val="75000"/>
+              <a:alpha val="26000"/>
+            </a:schemeClr>
+          </a:solidFill>
+          <a:ln>
+            <a:solidFill>
+              <a:schemeClr val="bg1">
+                <a:lumMod val="50000"/>
+              </a:schemeClr>
+            </a:solidFill>
+          </a:ln>
+        </p:spPr>
+        <p:style>
+          <a:lnRef idx="2">
+            <a:schemeClr val="accent1">
+              <a:shade val="50000"/>
+            </a:schemeClr>
+          </a:lnRef>
+          <a:fillRef idx="1">
+            <a:schemeClr val="accent1"/>
+          </a:fillRef>
+          <a:effectRef idx="0">
+            <a:schemeClr val="accent1"/>
+          </a:effectRef>
+          <a:fontRef idx="minor">
+            <a:schemeClr val="lt1"/>
+          </a:fontRef>
+        </p:style>
+        <p:txBody>
+          <a:bodyPr rot="0" spcFirstLastPara="0" vertOverflow="overflow" horzOverflow="overflow" vert="horz" wrap="square" lIns="91440" tIns="45720" rIns="91440" bIns="45720" numCol="1" spcCol="0" rtlCol="0" fromWordArt="0" anchor="ctr" anchorCtr="0" forceAA="0" compatLnSpc="1">
+            <a:prstTxWarp prst="textNoShape">
+              <a:avLst/>
+            </a:prstTxWarp>
+            <a:noAutofit/>
+          </a:bodyPr>
+          <a:lstStyle/>
+          <a:p>
+            <a:pPr algn="ctr"/>
+            <a:endParaRPr lang="en-US" dirty="0"/>
+          </a:p>
+        </p:txBody>
+      </p:sp>
+      <p:sp>
+        <p:nvSpPr>
+          <p:cNvPr id="54" name="Freeform: Shape 53">
+            <a:extLst>
+              <a:ext uri="{FF2B5EF4-FFF2-40B4-BE49-F238E27FC236}">
+                <a16:creationId xmlns:a16="http://schemas.microsoft.com/office/drawing/2014/main" id="{0B64A567-D32D-4D10-8A75-09BC13E833D1}"/>
+              </a:ext>
+            </a:extLst>
+          </p:cNvPr>
+          <p:cNvSpPr/>
+          <p:nvPr/>
+        </p:nvSpPr>
+        <p:spPr>
+          <a:xfrm>
+            <a:off x="2127647" y="2526505"/>
+            <a:ext cx="517044" cy="197643"/>
+          </a:xfrm>
+          <a:custGeom>
+            <a:avLst/>
+            <a:gdLst>
+              <a:gd name="connsiteX0" fmla="*/ 70247 w 516731"/>
+              <a:gd name="connsiteY0" fmla="*/ 200025 h 200025"/>
+              <a:gd name="connsiteX1" fmla="*/ 0 w 516731"/>
+              <a:gd name="connsiteY1" fmla="*/ 40482 h 200025"/>
+              <a:gd name="connsiteX2" fmla="*/ 42862 w 516731"/>
+              <a:gd name="connsiteY2" fmla="*/ 57150 h 200025"/>
+              <a:gd name="connsiteX3" fmla="*/ 117872 w 516731"/>
+              <a:gd name="connsiteY3" fmla="*/ 69057 h 200025"/>
+              <a:gd name="connsiteX4" fmla="*/ 203597 w 516731"/>
+              <a:gd name="connsiteY4" fmla="*/ 70247 h 200025"/>
+              <a:gd name="connsiteX5" fmla="*/ 297656 w 516731"/>
+              <a:gd name="connsiteY5" fmla="*/ 61913 h 200025"/>
+              <a:gd name="connsiteX6" fmla="*/ 398859 w 516731"/>
+              <a:gd name="connsiteY6" fmla="*/ 45244 h 200025"/>
+              <a:gd name="connsiteX7" fmla="*/ 469106 w 516731"/>
+              <a:gd name="connsiteY7" fmla="*/ 25003 h 200025"/>
+              <a:gd name="connsiteX8" fmla="*/ 516731 w 516731"/>
+              <a:gd name="connsiteY8" fmla="*/ 0 h 200025"/>
+              <a:gd name="connsiteX9" fmla="*/ 440531 w 516731"/>
+              <a:gd name="connsiteY9" fmla="*/ 182166 h 200025"/>
+              <a:gd name="connsiteX10" fmla="*/ 258366 w 516731"/>
+              <a:gd name="connsiteY10" fmla="*/ 195263 h 200025"/>
+              <a:gd name="connsiteX11" fmla="*/ 70247 w 516731"/>
+              <a:gd name="connsiteY11" fmla="*/ 200025 h 200025"/>
+              <a:gd name="connsiteX0" fmla="*/ 70247 w 516731"/>
+              <a:gd name="connsiteY0" fmla="*/ 200025 h 200025"/>
+              <a:gd name="connsiteX1" fmla="*/ 0 w 516731"/>
+              <a:gd name="connsiteY1" fmla="*/ 40482 h 200025"/>
+              <a:gd name="connsiteX2" fmla="*/ 42862 w 516731"/>
+              <a:gd name="connsiteY2" fmla="*/ 57150 h 200025"/>
+              <a:gd name="connsiteX3" fmla="*/ 117872 w 516731"/>
+              <a:gd name="connsiteY3" fmla="*/ 69057 h 200025"/>
+              <a:gd name="connsiteX4" fmla="*/ 203597 w 516731"/>
+              <a:gd name="connsiteY4" fmla="*/ 70247 h 200025"/>
+              <a:gd name="connsiteX5" fmla="*/ 297656 w 516731"/>
+              <a:gd name="connsiteY5" fmla="*/ 61913 h 200025"/>
+              <a:gd name="connsiteX6" fmla="*/ 398859 w 516731"/>
+              <a:gd name="connsiteY6" fmla="*/ 45244 h 200025"/>
+              <a:gd name="connsiteX7" fmla="*/ 469106 w 516731"/>
+              <a:gd name="connsiteY7" fmla="*/ 25003 h 200025"/>
+              <a:gd name="connsiteX8" fmla="*/ 516731 w 516731"/>
+              <a:gd name="connsiteY8" fmla="*/ 0 h 200025"/>
+              <a:gd name="connsiteX9" fmla="*/ 440531 w 516731"/>
+              <a:gd name="connsiteY9" fmla="*/ 154690 h 200025"/>
+              <a:gd name="connsiteX10" fmla="*/ 258366 w 516731"/>
+              <a:gd name="connsiteY10" fmla="*/ 195263 h 200025"/>
+              <a:gd name="connsiteX11" fmla="*/ 70247 w 516731"/>
+              <a:gd name="connsiteY11" fmla="*/ 200025 h 200025"/>
+              <a:gd name="connsiteX0" fmla="*/ 70247 w 516731"/>
+              <a:gd name="connsiteY0" fmla="*/ 200025 h 200025"/>
+              <a:gd name="connsiteX1" fmla="*/ 0 w 516731"/>
+              <a:gd name="connsiteY1" fmla="*/ 40482 h 200025"/>
+              <a:gd name="connsiteX2" fmla="*/ 42862 w 516731"/>
+              <a:gd name="connsiteY2" fmla="*/ 57150 h 200025"/>
+              <a:gd name="connsiteX3" fmla="*/ 117872 w 516731"/>
+              <a:gd name="connsiteY3" fmla="*/ 69057 h 200025"/>
+              <a:gd name="connsiteX4" fmla="*/ 203597 w 516731"/>
+              <a:gd name="connsiteY4" fmla="*/ 70247 h 200025"/>
+              <a:gd name="connsiteX5" fmla="*/ 297656 w 516731"/>
+              <a:gd name="connsiteY5" fmla="*/ 61913 h 200025"/>
+              <a:gd name="connsiteX6" fmla="*/ 398859 w 516731"/>
+              <a:gd name="connsiteY6" fmla="*/ 45244 h 200025"/>
+              <a:gd name="connsiteX7" fmla="*/ 469106 w 516731"/>
+              <a:gd name="connsiteY7" fmla="*/ 25003 h 200025"/>
+              <a:gd name="connsiteX8" fmla="*/ 516731 w 516731"/>
+              <a:gd name="connsiteY8" fmla="*/ 0 h 200025"/>
+              <a:gd name="connsiteX9" fmla="*/ 440531 w 516731"/>
+              <a:gd name="connsiteY9" fmla="*/ 154690 h 200025"/>
+              <a:gd name="connsiteX10" fmla="*/ 259557 w 516731"/>
+              <a:gd name="connsiteY10" fmla="*/ 175480 h 200025"/>
+              <a:gd name="connsiteX11" fmla="*/ 70247 w 516731"/>
+              <a:gd name="connsiteY11" fmla="*/ 200025 h 200025"/>
+              <a:gd name="connsiteX0" fmla="*/ 65488 w 516731"/>
+              <a:gd name="connsiteY0" fmla="*/ 187935 h 187935"/>
+              <a:gd name="connsiteX1" fmla="*/ 0 w 516731"/>
+              <a:gd name="connsiteY1" fmla="*/ 40482 h 187935"/>
+              <a:gd name="connsiteX2" fmla="*/ 42862 w 516731"/>
+              <a:gd name="connsiteY2" fmla="*/ 57150 h 187935"/>
+              <a:gd name="connsiteX3" fmla="*/ 117872 w 516731"/>
+              <a:gd name="connsiteY3" fmla="*/ 69057 h 187935"/>
+              <a:gd name="connsiteX4" fmla="*/ 203597 w 516731"/>
+              <a:gd name="connsiteY4" fmla="*/ 70247 h 187935"/>
+              <a:gd name="connsiteX5" fmla="*/ 297656 w 516731"/>
+              <a:gd name="connsiteY5" fmla="*/ 61913 h 187935"/>
+              <a:gd name="connsiteX6" fmla="*/ 398859 w 516731"/>
+              <a:gd name="connsiteY6" fmla="*/ 45244 h 187935"/>
+              <a:gd name="connsiteX7" fmla="*/ 469106 w 516731"/>
+              <a:gd name="connsiteY7" fmla="*/ 25003 h 187935"/>
+              <a:gd name="connsiteX8" fmla="*/ 516731 w 516731"/>
+              <a:gd name="connsiteY8" fmla="*/ 0 h 187935"/>
+              <a:gd name="connsiteX9" fmla="*/ 440531 w 516731"/>
+              <a:gd name="connsiteY9" fmla="*/ 154690 h 187935"/>
+              <a:gd name="connsiteX10" fmla="*/ 259557 w 516731"/>
+              <a:gd name="connsiteY10" fmla="*/ 175480 h 187935"/>
+              <a:gd name="connsiteX11" fmla="*/ 65488 w 516731"/>
+              <a:gd name="connsiteY11" fmla="*/ 187935 h 187935"/>
+              <a:gd name="connsiteX0" fmla="*/ 65488 w 516731"/>
+              <a:gd name="connsiteY0" fmla="*/ 187935 h 187935"/>
+              <a:gd name="connsiteX1" fmla="*/ 0 w 516731"/>
+              <a:gd name="connsiteY1" fmla="*/ 40482 h 187935"/>
+              <a:gd name="connsiteX2" fmla="*/ 42862 w 516731"/>
+              <a:gd name="connsiteY2" fmla="*/ 57150 h 187935"/>
+              <a:gd name="connsiteX3" fmla="*/ 117872 w 516731"/>
+              <a:gd name="connsiteY3" fmla="*/ 69057 h 187935"/>
+              <a:gd name="connsiteX4" fmla="*/ 203597 w 516731"/>
+              <a:gd name="connsiteY4" fmla="*/ 70247 h 187935"/>
+              <a:gd name="connsiteX5" fmla="*/ 297656 w 516731"/>
+              <a:gd name="connsiteY5" fmla="*/ 61913 h 187935"/>
+              <a:gd name="connsiteX6" fmla="*/ 398859 w 516731"/>
+              <a:gd name="connsiteY6" fmla="*/ 45244 h 187935"/>
+              <a:gd name="connsiteX7" fmla="*/ 469106 w 516731"/>
+              <a:gd name="connsiteY7" fmla="*/ 25003 h 187935"/>
+              <a:gd name="connsiteX8" fmla="*/ 516731 w 516731"/>
+              <a:gd name="connsiteY8" fmla="*/ 0 h 187935"/>
+              <a:gd name="connsiteX9" fmla="*/ 442912 w 516731"/>
+              <a:gd name="connsiteY9" fmla="*/ 168978 h 187935"/>
+              <a:gd name="connsiteX10" fmla="*/ 259557 w 516731"/>
+              <a:gd name="connsiteY10" fmla="*/ 175480 h 187935"/>
+              <a:gd name="connsiteX11" fmla="*/ 65488 w 516731"/>
+              <a:gd name="connsiteY11" fmla="*/ 187935 h 187935"/>
+              <a:gd name="connsiteX0" fmla="*/ 65488 w 516731"/>
+              <a:gd name="connsiteY0" fmla="*/ 187935 h 187935"/>
+              <a:gd name="connsiteX1" fmla="*/ 0 w 516731"/>
+              <a:gd name="connsiteY1" fmla="*/ 40482 h 187935"/>
+              <a:gd name="connsiteX2" fmla="*/ 42862 w 516731"/>
+              <a:gd name="connsiteY2" fmla="*/ 57150 h 187935"/>
+              <a:gd name="connsiteX3" fmla="*/ 117872 w 516731"/>
+              <a:gd name="connsiteY3" fmla="*/ 69057 h 187935"/>
+              <a:gd name="connsiteX4" fmla="*/ 203597 w 516731"/>
+              <a:gd name="connsiteY4" fmla="*/ 70247 h 187935"/>
+              <a:gd name="connsiteX5" fmla="*/ 297656 w 516731"/>
+              <a:gd name="connsiteY5" fmla="*/ 61913 h 187935"/>
+              <a:gd name="connsiteX6" fmla="*/ 398859 w 516731"/>
+              <a:gd name="connsiteY6" fmla="*/ 45244 h 187935"/>
+              <a:gd name="connsiteX7" fmla="*/ 469106 w 516731"/>
+              <a:gd name="connsiteY7" fmla="*/ 25003 h 187935"/>
+              <a:gd name="connsiteX8" fmla="*/ 516731 w 516731"/>
+              <a:gd name="connsiteY8" fmla="*/ 0 h 187935"/>
+              <a:gd name="connsiteX9" fmla="*/ 435772 w 516731"/>
+              <a:gd name="connsiteY9" fmla="*/ 161284 h 187935"/>
+              <a:gd name="connsiteX10" fmla="*/ 259557 w 516731"/>
+              <a:gd name="connsiteY10" fmla="*/ 175480 h 187935"/>
+              <a:gd name="connsiteX11" fmla="*/ 65488 w 516731"/>
+              <a:gd name="connsiteY11" fmla="*/ 187935 h 187935"/>
+              <a:gd name="connsiteX0" fmla="*/ 65488 w 516731"/>
+              <a:gd name="connsiteY0" fmla="*/ 187935 h 187935"/>
+              <a:gd name="connsiteX1" fmla="*/ 0 w 516731"/>
+              <a:gd name="connsiteY1" fmla="*/ 40482 h 187935"/>
+              <a:gd name="connsiteX2" fmla="*/ 42862 w 516731"/>
+              <a:gd name="connsiteY2" fmla="*/ 57150 h 187935"/>
+              <a:gd name="connsiteX3" fmla="*/ 117872 w 516731"/>
+              <a:gd name="connsiteY3" fmla="*/ 69057 h 187935"/>
+              <a:gd name="connsiteX4" fmla="*/ 203597 w 516731"/>
+              <a:gd name="connsiteY4" fmla="*/ 70247 h 187935"/>
+              <a:gd name="connsiteX5" fmla="*/ 297656 w 516731"/>
+              <a:gd name="connsiteY5" fmla="*/ 61913 h 187935"/>
+              <a:gd name="connsiteX6" fmla="*/ 398859 w 516731"/>
+              <a:gd name="connsiteY6" fmla="*/ 45244 h 187935"/>
+              <a:gd name="connsiteX7" fmla="*/ 469106 w 516731"/>
+              <a:gd name="connsiteY7" fmla="*/ 25003 h 187935"/>
+              <a:gd name="connsiteX8" fmla="*/ 516731 w 516731"/>
+              <a:gd name="connsiteY8" fmla="*/ 0 h 187935"/>
+              <a:gd name="connsiteX9" fmla="*/ 445291 w 516731"/>
+              <a:gd name="connsiteY9" fmla="*/ 161284 h 187935"/>
+              <a:gd name="connsiteX10" fmla="*/ 259557 w 516731"/>
+              <a:gd name="connsiteY10" fmla="*/ 175480 h 187935"/>
+              <a:gd name="connsiteX11" fmla="*/ 65488 w 516731"/>
+              <a:gd name="connsiteY11" fmla="*/ 187935 h 187935"/>
+              <a:gd name="connsiteX0" fmla="*/ 69057 w 516731"/>
+              <a:gd name="connsiteY0" fmla="*/ 182440 h 182440"/>
+              <a:gd name="connsiteX1" fmla="*/ 0 w 516731"/>
+              <a:gd name="connsiteY1" fmla="*/ 40482 h 182440"/>
+              <a:gd name="connsiteX2" fmla="*/ 42862 w 516731"/>
+              <a:gd name="connsiteY2" fmla="*/ 57150 h 182440"/>
+              <a:gd name="connsiteX3" fmla="*/ 117872 w 516731"/>
+              <a:gd name="connsiteY3" fmla="*/ 69057 h 182440"/>
+              <a:gd name="connsiteX4" fmla="*/ 203597 w 516731"/>
+              <a:gd name="connsiteY4" fmla="*/ 70247 h 182440"/>
+              <a:gd name="connsiteX5" fmla="*/ 297656 w 516731"/>
+              <a:gd name="connsiteY5" fmla="*/ 61913 h 182440"/>
+              <a:gd name="connsiteX6" fmla="*/ 398859 w 516731"/>
+              <a:gd name="connsiteY6" fmla="*/ 45244 h 182440"/>
+              <a:gd name="connsiteX7" fmla="*/ 469106 w 516731"/>
+              <a:gd name="connsiteY7" fmla="*/ 25003 h 182440"/>
+              <a:gd name="connsiteX8" fmla="*/ 516731 w 516731"/>
+              <a:gd name="connsiteY8" fmla="*/ 0 h 182440"/>
+              <a:gd name="connsiteX9" fmla="*/ 445291 w 516731"/>
+              <a:gd name="connsiteY9" fmla="*/ 161284 h 182440"/>
+              <a:gd name="connsiteX10" fmla="*/ 259557 w 516731"/>
+              <a:gd name="connsiteY10" fmla="*/ 175480 h 182440"/>
+              <a:gd name="connsiteX11" fmla="*/ 69057 w 516731"/>
+              <a:gd name="connsiteY11" fmla="*/ 182440 h 182440"/>
+            </a:gdLst>
+            <a:ahLst/>
+            <a:cxnLst>
+              <a:cxn ang="0">
+                <a:pos x="connsiteX0" y="connsiteY0"/>
+              </a:cxn>
+              <a:cxn ang="0">
+                <a:pos x="connsiteX1" y="connsiteY1"/>
+              </a:cxn>
+              <a:cxn ang="0">
+                <a:pos x="connsiteX2" y="connsiteY2"/>
+              </a:cxn>
+              <a:cxn ang="0">
+                <a:pos x="connsiteX3" y="connsiteY3"/>
+              </a:cxn>
+              <a:cxn ang="0">
+                <a:pos x="connsiteX4" y="connsiteY4"/>
+              </a:cxn>
+              <a:cxn ang="0">
+                <a:pos x="connsiteX5" y="connsiteY5"/>
+              </a:cxn>
+              <a:cxn ang="0">
+                <a:pos x="connsiteX6" y="connsiteY6"/>
+              </a:cxn>
+              <a:cxn ang="0">
+                <a:pos x="connsiteX7" y="connsiteY7"/>
+              </a:cxn>
+              <a:cxn ang="0">
+                <a:pos x="connsiteX8" y="connsiteY8"/>
+              </a:cxn>
+              <a:cxn ang="0">
+                <a:pos x="connsiteX9" y="connsiteY9"/>
+              </a:cxn>
+              <a:cxn ang="0">
+                <a:pos x="connsiteX10" y="connsiteY10"/>
+              </a:cxn>
+              <a:cxn ang="0">
+                <a:pos x="connsiteX11" y="connsiteY11"/>
+              </a:cxn>
+            </a:cxnLst>
+            <a:rect l="l" t="t" r="r" b="b"/>
+            <a:pathLst>
+              <a:path w="516731" h="182440">
+                <a:moveTo>
+                  <a:pt x="69057" y="182440"/>
+                </a:moveTo>
+                <a:lnTo>
+                  <a:pt x="0" y="40482"/>
+                </a:lnTo>
+                <a:lnTo>
+                  <a:pt x="42862" y="57150"/>
+                </a:lnTo>
+                <a:lnTo>
+                  <a:pt x="117872" y="69057"/>
+                </a:lnTo>
+                <a:lnTo>
+                  <a:pt x="203597" y="70247"/>
+                </a:lnTo>
+                <a:lnTo>
+                  <a:pt x="297656" y="61913"/>
+                </a:lnTo>
+                <a:lnTo>
+                  <a:pt x="398859" y="45244"/>
+                </a:lnTo>
+                <a:lnTo>
+                  <a:pt x="469106" y="25003"/>
+                </a:lnTo>
+                <a:lnTo>
+                  <a:pt x="516731" y="0"/>
+                </a:lnTo>
+                <a:lnTo>
+                  <a:pt x="445291" y="161284"/>
+                </a:lnTo>
+                <a:lnTo>
+                  <a:pt x="259557" y="175480"/>
+                </a:lnTo>
+                <a:lnTo>
+                  <a:pt x="69057" y="182440"/>
+                </a:lnTo>
+                <a:close/>
+              </a:path>
+            </a:pathLst>
+          </a:custGeom>
+          <a:solidFill>
+            <a:schemeClr val="bg1">
+              <a:lumMod val="65000"/>
+            </a:schemeClr>
+          </a:solidFill>
+          <a:ln>
+            <a:noFill/>
+          </a:ln>
+        </p:spPr>
+        <p:style>
+          <a:lnRef idx="2">
+            <a:schemeClr val="accent1">
+              <a:shade val="50000"/>
+            </a:schemeClr>
+          </a:lnRef>
+          <a:fillRef idx="1">
+            <a:schemeClr val="accent1"/>
+          </a:fillRef>
+          <a:effectRef idx="0">
+            <a:schemeClr val="accent1"/>
+          </a:effectRef>
+          <a:fontRef idx="minor">
+            <a:schemeClr val="lt1"/>
+          </a:fontRef>
+        </p:style>
+        <p:txBody>
+          <a:bodyPr rtlCol="0" anchor="ctr"/>
+          <a:lstStyle/>
+          <a:p>
+            <a:pPr algn="ctr"/>
+            <a:endParaRPr lang="en-US"/>
+          </a:p>
+        </p:txBody>
+      </p:sp>
+      <p:sp>
+        <p:nvSpPr>
+          <p:cNvPr id="48" name="Oval 47">
+            <a:extLst>
+              <a:ext uri="{FF2B5EF4-FFF2-40B4-BE49-F238E27FC236}">
+                <a16:creationId xmlns:a16="http://schemas.microsoft.com/office/drawing/2014/main" id="{AAE69B95-E744-4ED0-9F5D-6FE9E73897E2}"/>
+              </a:ext>
+            </a:extLst>
+          </p:cNvPr>
+          <p:cNvSpPr/>
+          <p:nvPr/>
+        </p:nvSpPr>
+        <p:spPr>
+          <a:xfrm rot="21342381">
+            <a:off x="2115484" y="2475436"/>
+            <a:ext cx="529951" cy="114743"/>
+          </a:xfrm>
+          <a:prstGeom prst="ellipse">
+            <a:avLst/>
+          </a:prstGeom>
+          <a:noFill/>
+          <a:ln w="19050">
+            <a:solidFill>
+              <a:schemeClr val="bg1">
+                <a:lumMod val="50000"/>
+              </a:schemeClr>
+            </a:solidFill>
+            <a:prstDash val="solid"/>
+          </a:ln>
+        </p:spPr>
+        <p:style>
+          <a:lnRef idx="2">
+            <a:schemeClr val="accent1">
+              <a:shade val="50000"/>
+            </a:schemeClr>
+          </a:lnRef>
+          <a:fillRef idx="1">
+            <a:schemeClr val="accent1"/>
+          </a:fillRef>
+          <a:effectRef idx="0">
+            <a:schemeClr val="accent1"/>
+          </a:effectRef>
+          <a:fontRef idx="minor">
+            <a:schemeClr val="lt1"/>
+          </a:fontRef>
+        </p:style>
+        <p:txBody>
+          <a:bodyPr rtlCol="0" anchor="ctr"/>
+          <a:lstStyle/>
+          <a:p>
+            <a:pPr algn="ctr"/>
+            <a:endParaRPr lang="en-US"/>
+          </a:p>
+        </p:txBody>
+      </p:sp>
+      <p:cxnSp>
+        <p:nvCxnSpPr>
+          <p:cNvPr id="5" name="Straight Connector 4">
+            <a:extLst>
+              <a:ext uri="{FF2B5EF4-FFF2-40B4-BE49-F238E27FC236}">
+                <a16:creationId xmlns:a16="http://schemas.microsoft.com/office/drawing/2014/main" id="{C55141B0-A9CA-476D-83AB-337A6F159E37}"/>
+              </a:ext>
+            </a:extLst>
+          </p:cNvPr>
+          <p:cNvCxnSpPr>
+            <a:stCxn id="48" idx="2"/>
+            <a:endCxn id="43" idx="1"/>
+          </p:cNvCxnSpPr>
+          <p:nvPr/>
+        </p:nvCxnSpPr>
+        <p:spPr>
+          <a:xfrm>
+            <a:off x="2116228" y="2552646"/>
+            <a:ext cx="219489" cy="498571"/>
+          </a:xfrm>
+          <a:prstGeom prst="line">
+            <a:avLst/>
+          </a:prstGeom>
+          <a:ln w="19050">
+            <a:solidFill>
+              <a:schemeClr val="bg1">
+                <a:lumMod val="50000"/>
+              </a:schemeClr>
+            </a:solidFill>
+          </a:ln>
+        </p:spPr>
+        <p:style>
+          <a:lnRef idx="1">
+            <a:schemeClr val="accent1"/>
+          </a:lnRef>
+          <a:fillRef idx="0">
+            <a:schemeClr val="accent1"/>
+          </a:fillRef>
+          <a:effectRef idx="0">
+            <a:schemeClr val="accent1"/>
+          </a:effectRef>
+          <a:fontRef idx="minor">
+            <a:schemeClr val="tx1"/>
+          </a:fontRef>
+        </p:style>
+      </p:cxnSp>
+      <p:cxnSp>
+        <p:nvCxnSpPr>
+          <p:cNvPr id="49" name="Straight Connector 48">
+            <a:extLst>
+              <a:ext uri="{FF2B5EF4-FFF2-40B4-BE49-F238E27FC236}">
+                <a16:creationId xmlns:a16="http://schemas.microsoft.com/office/drawing/2014/main" id="{98CD1803-046F-47C8-9DD9-41928A5DC79C}"/>
+              </a:ext>
+            </a:extLst>
+          </p:cNvPr>
+          <p:cNvCxnSpPr>
+            <a:cxnSpLocks/>
+            <a:stCxn id="48" idx="6"/>
+            <a:endCxn id="43" idx="7"/>
+          </p:cNvCxnSpPr>
+          <p:nvPr/>
+        </p:nvCxnSpPr>
+        <p:spPr>
+          <a:xfrm flipH="1">
+            <a:off x="2439155" y="2512970"/>
+            <a:ext cx="205536" cy="538247"/>
+          </a:xfrm>
+          <a:prstGeom prst="line">
+            <a:avLst/>
+          </a:prstGeom>
+          <a:ln w="19050">
+            <a:solidFill>
+              <a:schemeClr val="bg1">
+                <a:lumMod val="50000"/>
+              </a:schemeClr>
+            </a:solidFill>
+          </a:ln>
+        </p:spPr>
+        <p:style>
+          <a:lnRef idx="1">
+            <a:schemeClr val="accent1"/>
+          </a:lnRef>
+          <a:fillRef idx="0">
+            <a:schemeClr val="accent1"/>
+          </a:fillRef>
+          <a:effectRef idx="0">
+            <a:schemeClr val="accent1"/>
+          </a:effectRef>
+          <a:fontRef idx="minor">
+            <a:schemeClr val="tx1"/>
+          </a:fontRef>
+        </p:style>
+      </p:cxnSp>
+      <p:sp>
+        <p:nvSpPr>
+          <p:cNvPr id="67" name="Oval 66">
+            <a:extLst>
+              <a:ext uri="{FF2B5EF4-FFF2-40B4-BE49-F238E27FC236}">
+                <a16:creationId xmlns:a16="http://schemas.microsoft.com/office/drawing/2014/main" id="{EEE344C5-B44D-40EC-868E-8E55F10B6A17}"/>
+              </a:ext>
+            </a:extLst>
+          </p:cNvPr>
+          <p:cNvSpPr/>
+          <p:nvPr/>
+        </p:nvSpPr>
+        <p:spPr>
+          <a:xfrm rot="21400820">
+            <a:off x="1197286" y="2355276"/>
+            <a:ext cx="2402893" cy="353606"/>
+          </a:xfrm>
+          <a:prstGeom prst="ellipse">
+            <a:avLst/>
+          </a:prstGeom>
+          <a:noFill/>
+          <a:ln>
+            <a:solidFill>
+              <a:schemeClr val="bg1">
+                <a:lumMod val="50000"/>
+              </a:schemeClr>
+            </a:solidFill>
+          </a:ln>
+        </p:spPr>
+        <p:style>
+          <a:lnRef idx="2">
+            <a:schemeClr val="accent1">
+              <a:shade val="50000"/>
+            </a:schemeClr>
+          </a:lnRef>
+          <a:fillRef idx="1">
+            <a:schemeClr val="accent1"/>
+          </a:fillRef>
+          <a:effectRef idx="0">
+            <a:schemeClr val="accent1"/>
+          </a:effectRef>
+          <a:fontRef idx="minor">
+            <a:schemeClr val="lt1"/>
+          </a:fontRef>
+        </p:style>
+        <p:txBody>
+          <a:bodyPr rot="0" spcFirstLastPara="0" vertOverflow="overflow" horzOverflow="overflow" vert="horz" wrap="square" lIns="91440" tIns="45720" rIns="91440" bIns="45720" numCol="1" spcCol="0" rtlCol="0" fromWordArt="0" anchor="ctr" anchorCtr="0" forceAA="0" compatLnSpc="1">
+            <a:prstTxWarp prst="textNoShape">
+              <a:avLst/>
+            </a:prstTxWarp>
+            <a:noAutofit/>
+          </a:bodyPr>
+          <a:lstStyle/>
+          <a:p>
+            <a:pPr algn="ctr"/>
+            <a:endParaRPr lang="en-US"/>
+          </a:p>
+        </p:txBody>
+      </p:sp>
+      <p:sp>
+        <p:nvSpPr>
+          <p:cNvPr id="53" name="Freeform: Shape 52">
+            <a:extLst>
+              <a:ext uri="{FF2B5EF4-FFF2-40B4-BE49-F238E27FC236}">
+                <a16:creationId xmlns:a16="http://schemas.microsoft.com/office/drawing/2014/main" id="{7BA15C87-C24C-4338-9901-E13B9410C367}"/>
+              </a:ext>
+            </a:extLst>
+          </p:cNvPr>
+          <p:cNvSpPr/>
+          <p:nvPr/>
+        </p:nvSpPr>
+        <p:spPr>
+          <a:xfrm>
+            <a:off x="1257300" y="2517976"/>
+            <a:ext cx="2287938" cy="572220"/>
+          </a:xfrm>
+          <a:custGeom>
+            <a:avLst/>
+            <a:gdLst>
+              <a:gd name="connsiteX0" fmla="*/ 793740 w 1799725"/>
+              <a:gd name="connsiteY0" fmla="*/ 596032 h 596032"/>
+              <a:gd name="connsiteX1" fmla="*/ 0 w 1799725"/>
+              <a:gd name="connsiteY1" fmla="*/ 127929 h 596032"/>
+              <a:gd name="connsiteX2" fmla="*/ 100307 w 1799725"/>
+              <a:gd name="connsiteY2" fmla="*/ 155550 h 596032"/>
+              <a:gd name="connsiteX3" fmla="*/ 209338 w 1799725"/>
+              <a:gd name="connsiteY3" fmla="*/ 171541 h 596032"/>
+              <a:gd name="connsiteX4" fmla="*/ 364887 w 1799725"/>
+              <a:gd name="connsiteY4" fmla="*/ 184624 h 596032"/>
+              <a:gd name="connsiteX5" fmla="*/ 572772 w 1799725"/>
+              <a:gd name="connsiteY5" fmla="*/ 197708 h 596032"/>
+              <a:gd name="connsiteX6" fmla="*/ 770480 w 1799725"/>
+              <a:gd name="connsiteY6" fmla="*/ 191893 h 596032"/>
+              <a:gd name="connsiteX7" fmla="*/ 952197 w 1799725"/>
+              <a:gd name="connsiteY7" fmla="*/ 183170 h 596032"/>
+              <a:gd name="connsiteX8" fmla="*/ 1173165 w 1799725"/>
+              <a:gd name="connsiteY8" fmla="*/ 164272 h 596032"/>
+              <a:gd name="connsiteX9" fmla="*/ 1373780 w 1799725"/>
+              <a:gd name="connsiteY9" fmla="*/ 136651 h 596032"/>
+              <a:gd name="connsiteX10" fmla="*/ 1529330 w 1799725"/>
+              <a:gd name="connsiteY10" fmla="*/ 101761 h 596032"/>
+              <a:gd name="connsiteX11" fmla="*/ 1695056 w 1799725"/>
+              <a:gd name="connsiteY11" fmla="*/ 56695 h 596032"/>
+              <a:gd name="connsiteX12" fmla="*/ 1799725 w 1799725"/>
+              <a:gd name="connsiteY12" fmla="*/ 0 h 596032"/>
+              <a:gd name="connsiteX13" fmla="*/ 939113 w 1799725"/>
+              <a:gd name="connsiteY13" fmla="*/ 588763 h 596032"/>
+              <a:gd name="connsiteX14" fmla="*/ 793740 w 1799725"/>
+              <a:gd name="connsiteY14" fmla="*/ 596032 h 596032"/>
+              <a:gd name="connsiteX0" fmla="*/ 859224 w 1799725"/>
+              <a:gd name="connsiteY0" fmla="*/ 576982 h 588763"/>
+              <a:gd name="connsiteX1" fmla="*/ 0 w 1799725"/>
+              <a:gd name="connsiteY1" fmla="*/ 127929 h 588763"/>
+              <a:gd name="connsiteX2" fmla="*/ 100307 w 1799725"/>
+              <a:gd name="connsiteY2" fmla="*/ 155550 h 588763"/>
+              <a:gd name="connsiteX3" fmla="*/ 209338 w 1799725"/>
+              <a:gd name="connsiteY3" fmla="*/ 171541 h 588763"/>
+              <a:gd name="connsiteX4" fmla="*/ 364887 w 1799725"/>
+              <a:gd name="connsiteY4" fmla="*/ 184624 h 588763"/>
+              <a:gd name="connsiteX5" fmla="*/ 572772 w 1799725"/>
+              <a:gd name="connsiteY5" fmla="*/ 197708 h 588763"/>
+              <a:gd name="connsiteX6" fmla="*/ 770480 w 1799725"/>
+              <a:gd name="connsiteY6" fmla="*/ 191893 h 588763"/>
+              <a:gd name="connsiteX7" fmla="*/ 952197 w 1799725"/>
+              <a:gd name="connsiteY7" fmla="*/ 183170 h 588763"/>
+              <a:gd name="connsiteX8" fmla="*/ 1173165 w 1799725"/>
+              <a:gd name="connsiteY8" fmla="*/ 164272 h 588763"/>
+              <a:gd name="connsiteX9" fmla="*/ 1373780 w 1799725"/>
+              <a:gd name="connsiteY9" fmla="*/ 136651 h 588763"/>
+              <a:gd name="connsiteX10" fmla="*/ 1529330 w 1799725"/>
+              <a:gd name="connsiteY10" fmla="*/ 101761 h 588763"/>
+              <a:gd name="connsiteX11" fmla="*/ 1695056 w 1799725"/>
+              <a:gd name="connsiteY11" fmla="*/ 56695 h 588763"/>
+              <a:gd name="connsiteX12" fmla="*/ 1799725 w 1799725"/>
+              <a:gd name="connsiteY12" fmla="*/ 0 h 588763"/>
+              <a:gd name="connsiteX13" fmla="*/ 939113 w 1799725"/>
+              <a:gd name="connsiteY13" fmla="*/ 588763 h 588763"/>
+              <a:gd name="connsiteX14" fmla="*/ 859224 w 1799725"/>
+              <a:gd name="connsiteY14" fmla="*/ 576982 h 588763"/>
+              <a:gd name="connsiteX0" fmla="*/ 872321 w 1799725"/>
+              <a:gd name="connsiteY0" fmla="*/ 572220 h 588763"/>
+              <a:gd name="connsiteX1" fmla="*/ 0 w 1799725"/>
+              <a:gd name="connsiteY1" fmla="*/ 127929 h 588763"/>
+              <a:gd name="connsiteX2" fmla="*/ 100307 w 1799725"/>
+              <a:gd name="connsiteY2" fmla="*/ 155550 h 588763"/>
+              <a:gd name="connsiteX3" fmla="*/ 209338 w 1799725"/>
+              <a:gd name="connsiteY3" fmla="*/ 171541 h 588763"/>
+              <a:gd name="connsiteX4" fmla="*/ 364887 w 1799725"/>
+              <a:gd name="connsiteY4" fmla="*/ 184624 h 588763"/>
+              <a:gd name="connsiteX5" fmla="*/ 572772 w 1799725"/>
+              <a:gd name="connsiteY5" fmla="*/ 197708 h 588763"/>
+              <a:gd name="connsiteX6" fmla="*/ 770480 w 1799725"/>
+              <a:gd name="connsiteY6" fmla="*/ 191893 h 588763"/>
+              <a:gd name="connsiteX7" fmla="*/ 952197 w 1799725"/>
+              <a:gd name="connsiteY7" fmla="*/ 183170 h 588763"/>
+              <a:gd name="connsiteX8" fmla="*/ 1173165 w 1799725"/>
+              <a:gd name="connsiteY8" fmla="*/ 164272 h 588763"/>
+              <a:gd name="connsiteX9" fmla="*/ 1373780 w 1799725"/>
+              <a:gd name="connsiteY9" fmla="*/ 136651 h 588763"/>
+              <a:gd name="connsiteX10" fmla="*/ 1529330 w 1799725"/>
+              <a:gd name="connsiteY10" fmla="*/ 101761 h 588763"/>
+              <a:gd name="connsiteX11" fmla="*/ 1695056 w 1799725"/>
+              <a:gd name="connsiteY11" fmla="*/ 56695 h 588763"/>
+              <a:gd name="connsiteX12" fmla="*/ 1799725 w 1799725"/>
+              <a:gd name="connsiteY12" fmla="*/ 0 h 588763"/>
+              <a:gd name="connsiteX13" fmla="*/ 939113 w 1799725"/>
+              <a:gd name="connsiteY13" fmla="*/ 588763 h 588763"/>
+              <a:gd name="connsiteX14" fmla="*/ 872321 w 1799725"/>
+              <a:gd name="connsiteY14" fmla="*/ 572220 h 588763"/>
+              <a:gd name="connsiteX0" fmla="*/ 872321 w 1799725"/>
+              <a:gd name="connsiteY0" fmla="*/ 572220 h 572220"/>
+              <a:gd name="connsiteX1" fmla="*/ 0 w 1799725"/>
+              <a:gd name="connsiteY1" fmla="*/ 127929 h 572220"/>
+              <a:gd name="connsiteX2" fmla="*/ 100307 w 1799725"/>
+              <a:gd name="connsiteY2" fmla="*/ 155550 h 572220"/>
+              <a:gd name="connsiteX3" fmla="*/ 209338 w 1799725"/>
+              <a:gd name="connsiteY3" fmla="*/ 171541 h 572220"/>
+              <a:gd name="connsiteX4" fmla="*/ 364887 w 1799725"/>
+              <a:gd name="connsiteY4" fmla="*/ 184624 h 572220"/>
+              <a:gd name="connsiteX5" fmla="*/ 572772 w 1799725"/>
+              <a:gd name="connsiteY5" fmla="*/ 197708 h 572220"/>
+              <a:gd name="connsiteX6" fmla="*/ 770480 w 1799725"/>
+              <a:gd name="connsiteY6" fmla="*/ 191893 h 572220"/>
+              <a:gd name="connsiteX7" fmla="*/ 952197 w 1799725"/>
+              <a:gd name="connsiteY7" fmla="*/ 183170 h 572220"/>
+              <a:gd name="connsiteX8" fmla="*/ 1173165 w 1799725"/>
+              <a:gd name="connsiteY8" fmla="*/ 164272 h 572220"/>
+              <a:gd name="connsiteX9" fmla="*/ 1373780 w 1799725"/>
+              <a:gd name="connsiteY9" fmla="*/ 136651 h 572220"/>
+              <a:gd name="connsiteX10" fmla="*/ 1529330 w 1799725"/>
+              <a:gd name="connsiteY10" fmla="*/ 101761 h 572220"/>
+              <a:gd name="connsiteX11" fmla="*/ 1695056 w 1799725"/>
+              <a:gd name="connsiteY11" fmla="*/ 56695 h 572220"/>
+              <a:gd name="connsiteX12" fmla="*/ 1799725 w 1799725"/>
+              <a:gd name="connsiteY12" fmla="*/ 0 h 572220"/>
+              <a:gd name="connsiteX13" fmla="*/ 872321 w 1799725"/>
+              <a:gd name="connsiteY13" fmla="*/ 572220 h 572220"/>
+            </a:gdLst>
+            <a:ahLst/>
+            <a:cxnLst>
+              <a:cxn ang="0">
+                <a:pos x="connsiteX0" y="connsiteY0"/>
+              </a:cxn>
+              <a:cxn ang="0">
+                <a:pos x="connsiteX1" y="connsiteY1"/>
+              </a:cxn>
+              <a:cxn ang="0">
+                <a:pos x="connsiteX2" y="connsiteY2"/>
+              </a:cxn>
+              <a:cxn ang="0">
+                <a:pos x="connsiteX3" y="connsiteY3"/>
+              </a:cxn>
+              <a:cxn ang="0">
+                <a:pos x="connsiteX4" y="connsiteY4"/>
+              </a:cxn>
+              <a:cxn ang="0">
+                <a:pos x="connsiteX5" y="connsiteY5"/>
+              </a:cxn>
+              <a:cxn ang="0">
+                <a:pos x="connsiteX6" y="connsiteY6"/>
+              </a:cxn>
+              <a:cxn ang="0">
+                <a:pos x="connsiteX7" y="connsiteY7"/>
+              </a:cxn>
+              <a:cxn ang="0">
+                <a:pos x="connsiteX8" y="connsiteY8"/>
+              </a:cxn>
+              <a:cxn ang="0">
+                <a:pos x="connsiteX9" y="connsiteY9"/>
+              </a:cxn>
+              <a:cxn ang="0">
+                <a:pos x="connsiteX10" y="connsiteY10"/>
+              </a:cxn>
+              <a:cxn ang="0">
+                <a:pos x="connsiteX11" y="connsiteY11"/>
+              </a:cxn>
+              <a:cxn ang="0">
+                <a:pos x="connsiteX12" y="connsiteY12"/>
+              </a:cxn>
+              <a:cxn ang="0">
+                <a:pos x="connsiteX13" y="connsiteY13"/>
+              </a:cxn>
+            </a:cxnLst>
+            <a:rect l="l" t="t" r="r" b="b"/>
+            <a:pathLst>
+              <a:path w="1799725" h="572220">
+                <a:moveTo>
+                  <a:pt x="872321" y="572220"/>
+                </a:moveTo>
+                <a:lnTo>
+                  <a:pt x="0" y="127929"/>
+                </a:lnTo>
+                <a:lnTo>
+                  <a:pt x="100307" y="155550"/>
+                </a:lnTo>
+                <a:lnTo>
+                  <a:pt x="209338" y="171541"/>
+                </a:lnTo>
+                <a:lnTo>
+                  <a:pt x="364887" y="184624"/>
+                </a:lnTo>
+                <a:lnTo>
+                  <a:pt x="572772" y="197708"/>
+                </a:lnTo>
+                <a:lnTo>
+                  <a:pt x="770480" y="191893"/>
+                </a:lnTo>
+                <a:lnTo>
+                  <a:pt x="952197" y="183170"/>
+                </a:lnTo>
+                <a:lnTo>
+                  <a:pt x="1173165" y="164272"/>
+                </a:lnTo>
+                <a:lnTo>
+                  <a:pt x="1373780" y="136651"/>
+                </a:lnTo>
+                <a:lnTo>
+                  <a:pt x="1529330" y="101761"/>
+                </a:lnTo>
+                <a:lnTo>
+                  <a:pt x="1695056" y="56695"/>
+                </a:lnTo>
+                <a:lnTo>
+                  <a:pt x="1799725" y="0"/>
+                </a:lnTo>
+                <a:lnTo>
+                  <a:pt x="872321" y="572220"/>
+                </a:lnTo>
+                <a:close/>
+              </a:path>
+            </a:pathLst>
+          </a:custGeom>
+          <a:solidFill>
+            <a:schemeClr val="bg1">
+              <a:lumMod val="75000"/>
+              <a:alpha val="72000"/>
+            </a:schemeClr>
+          </a:solidFill>
+          <a:ln>
+            <a:solidFill>
+              <a:schemeClr val="bg1">
+                <a:lumMod val="50000"/>
+              </a:schemeClr>
+            </a:solidFill>
+          </a:ln>
+        </p:spPr>
+        <p:style>
+          <a:lnRef idx="2">
+            <a:schemeClr val="accent1">
+              <a:shade val="50000"/>
+            </a:schemeClr>
+          </a:lnRef>
+          <a:fillRef idx="1">
+            <a:schemeClr val="accent1"/>
+          </a:fillRef>
+          <a:effectRef idx="0">
+            <a:schemeClr val="accent1"/>
+          </a:effectRef>
+          <a:fontRef idx="minor">
+            <a:schemeClr val="lt1"/>
+          </a:fontRef>
+        </p:style>
+        <p:txBody>
+          <a:bodyPr rtlCol="0" anchor="ctr"/>
+          <a:lstStyle/>
+          <a:p>
+            <a:pPr algn="ctr"/>
+            <a:endParaRPr lang="en-US" dirty="0"/>
+          </a:p>
+        </p:txBody>
+      </p:sp>
+      <p:sp>
+        <p:nvSpPr>
+          <p:cNvPr id="43" name="Oval 42">
+            <a:extLst>
+              <a:ext uri="{FF2B5EF4-FFF2-40B4-BE49-F238E27FC236}">
+                <a16:creationId xmlns:a16="http://schemas.microsoft.com/office/drawing/2014/main" id="{0EB1CEC4-65CC-4FDE-B973-B9D05E12A02D}"/>
+              </a:ext>
+            </a:extLst>
+          </p:cNvPr>
+          <p:cNvSpPr/>
+          <p:nvPr/>
+        </p:nvSpPr>
+        <p:spPr>
+          <a:xfrm>
+            <a:off x="2314294" y="3029939"/>
+            <a:ext cx="146284" cy="145292"/>
+          </a:xfrm>
+          <a:prstGeom prst="ellipse">
+            <a:avLst/>
+          </a:prstGeom>
+          <a:solidFill>
+            <a:schemeClr val="tx1">
+              <a:lumMod val="50000"/>
+              <a:lumOff val="50000"/>
+            </a:schemeClr>
+          </a:solidFill>
+          <a:ln>
+            <a:solidFill>
+              <a:schemeClr val="tx1"/>
+            </a:solidFill>
+          </a:ln>
+        </p:spPr>
+        <p:style>
+          <a:lnRef idx="2">
+            <a:schemeClr val="accent1">
+              <a:shade val="50000"/>
+            </a:schemeClr>
+          </a:lnRef>
+          <a:fillRef idx="1">
+            <a:schemeClr val="accent1"/>
+          </a:fillRef>
+          <a:effectRef idx="0">
+            <a:schemeClr val="accent1"/>
+          </a:effectRef>
+          <a:fontRef idx="minor">
+            <a:schemeClr val="lt1"/>
+          </a:fontRef>
+        </p:style>
+        <p:txBody>
+          <a:bodyPr rtlCol="0" anchor="ctr"/>
+          <a:lstStyle/>
+          <a:p>
+            <a:pPr algn="ctr"/>
+            <a:endParaRPr lang="en-US"/>
+          </a:p>
+        </p:txBody>
+      </p:sp>
+      <mc:AlternateContent xmlns:mc="http://schemas.openxmlformats.org/markup-compatibility/2006">
+        <mc:Choice xmlns:a14="http://schemas.microsoft.com/office/drawing/2010/main" Requires="a14">
+          <p:sp>
+            <p:nvSpPr>
+              <p:cNvPr id="74" name="TextBox 73">
+                <a:extLst>
+                  <a:ext uri="{FF2B5EF4-FFF2-40B4-BE49-F238E27FC236}">
+                    <a16:creationId xmlns:a16="http://schemas.microsoft.com/office/drawing/2014/main" id="{2ADDCA5A-183A-4337-ACC9-CB88DC34EA2A}"/>
+                  </a:ext>
+                </a:extLst>
+              </p:cNvPr>
+              <p:cNvSpPr txBox="1"/>
+              <p:nvPr/>
+            </p:nvSpPr>
+            <p:spPr>
+              <a:xfrm>
+                <a:off x="3667229" y="2751146"/>
+                <a:ext cx="1517645" cy="307777"/>
+              </a:xfrm>
+              <a:prstGeom prst="rect">
+                <a:avLst/>
+              </a:prstGeom>
+              <a:noFill/>
+            </p:spPr>
+            <p:txBody>
+              <a:bodyPr wrap="square" rtlCol="0">
+                <a:spAutoFit/>
+              </a:bodyPr>
+              <a:lstStyle/>
+              <a:p>
+                <a:pPr algn="ctr"/>
+                <a:r>
+                  <a:rPr lang="en-US" sz="1400" dirty="0">
+                    <a:latin typeface="Times New Roman" pitchFamily="18" charset="0"/>
+                    <a:cs typeface="Times New Roman" pitchFamily="18" charset="0"/>
+                  </a:rPr>
+                  <a:t>Travelling at </a:t>
+                </a:r>
+                <a14:m>
+                  <m:oMath xmlns:m="http://schemas.openxmlformats.org/officeDocument/2006/math">
+                    <m:sSub>
+                      <m:sSubPr>
+                        <m:ctrlPr>
+                          <a:rPr lang="en-US" sz="1400" b="0" i="1" smtClean="0">
+                            <a:latin typeface="Cambria Math" panose="02040503050406030204" pitchFamily="18" charset="0"/>
+                            <a:cs typeface="Times New Roman" pitchFamily="18" charset="0"/>
+                          </a:rPr>
+                        </m:ctrlPr>
+                      </m:sSubPr>
+                      <m:e>
+                        <m:r>
+                          <a:rPr lang="en-US" sz="1400" b="0" i="1" smtClean="0">
+                            <a:latin typeface="Cambria Math" panose="02040503050406030204" pitchFamily="18" charset="0"/>
+                            <a:cs typeface="Times New Roman" pitchFamily="18" charset="0"/>
+                          </a:rPr>
+                          <m:t>𝑣</m:t>
+                        </m:r>
+                      </m:e>
+                      <m:sub>
+                        <m:r>
+                          <a:rPr lang="en-US" sz="1400" b="0" i="1" smtClean="0">
+                            <a:latin typeface="Cambria Math" panose="02040503050406030204" pitchFamily="18" charset="0"/>
+                            <a:cs typeface="Times New Roman" pitchFamily="18" charset="0"/>
+                          </a:rPr>
+                          <m:t>𝑚𝑎𝑥</m:t>
+                        </m:r>
+                      </m:sub>
+                    </m:sSub>
+                  </m:oMath>
+                </a14:m>
+                <a:endParaRPr lang="en-US" sz="1400" dirty="0">
+                  <a:latin typeface="Times New Roman" pitchFamily="18" charset="0"/>
+                  <a:cs typeface="Times New Roman" pitchFamily="18" charset="0"/>
+                </a:endParaRPr>
+              </a:p>
+            </p:txBody>
+          </p:sp>
+        </mc:Choice>
+        <mc:Fallback>
+          <p:sp>
+            <p:nvSpPr>
+              <p:cNvPr id="74" name="TextBox 73">
+                <a:extLst>
+                  <a:ext uri="{FF2B5EF4-FFF2-40B4-BE49-F238E27FC236}">
+                    <a16:creationId xmlns:a16="http://schemas.microsoft.com/office/drawing/2014/main" id="{2ADDCA5A-183A-4337-ACC9-CB88DC34EA2A}"/>
+                  </a:ext>
+                </a:extLst>
+              </p:cNvPr>
+              <p:cNvSpPr txBox="1">
+                <a:spLocks noRot="1" noChangeAspect="1" noMove="1" noResize="1" noEditPoints="1" noAdjustHandles="1" noChangeArrowheads="1" noChangeShapeType="1" noTextEdit="1"/>
+              </p:cNvSpPr>
+              <p:nvPr/>
+            </p:nvSpPr>
+            <p:spPr>
+              <a:xfrm>
+                <a:off x="3667229" y="2751146"/>
+                <a:ext cx="1517645" cy="307777"/>
+              </a:xfrm>
+              <a:prstGeom prst="rect">
+                <a:avLst/>
+              </a:prstGeom>
+              <a:blipFill>
+                <a:blip r:embed="rId5"/>
+                <a:stretch>
+                  <a:fillRect l="-1205" t="-1961" b="-19608"/>
+                </a:stretch>
+              </a:blipFill>
+            </p:spPr>
+            <p:txBody>
+              <a:bodyPr/>
+              <a:lstStyle/>
+              <a:p>
+                <a:r>
+                  <a:rPr lang="en-US">
+                    <a:noFill/>
+                  </a:rPr>
+                  <a:t> </a:t>
+                </a:r>
+              </a:p>
+            </p:txBody>
+          </p:sp>
+        </mc:Fallback>
+      </mc:AlternateContent>
+      <mc:AlternateContent xmlns:mc="http://schemas.openxmlformats.org/markup-compatibility/2006">
+        <mc:Choice xmlns:a14="http://schemas.microsoft.com/office/drawing/2010/main" Requires="a14">
+          <p:sp>
+            <p:nvSpPr>
+              <p:cNvPr id="75" name="TextBox 74">
+                <a:extLst>
+                  <a:ext uri="{FF2B5EF4-FFF2-40B4-BE49-F238E27FC236}">
+                    <a16:creationId xmlns:a16="http://schemas.microsoft.com/office/drawing/2014/main" id="{C4C6F936-8528-42D8-A872-796ADE32C2A0}"/>
+                  </a:ext>
+                </a:extLst>
+              </p:cNvPr>
+              <p:cNvSpPr txBox="1"/>
+              <p:nvPr/>
+            </p:nvSpPr>
+            <p:spPr>
+              <a:xfrm>
+                <a:off x="179377" y="1898135"/>
+                <a:ext cx="1524000" cy="307777"/>
+              </a:xfrm>
+              <a:prstGeom prst="rect">
+                <a:avLst/>
+              </a:prstGeom>
+              <a:noFill/>
+            </p:spPr>
+            <p:txBody>
+              <a:bodyPr wrap="square" rtlCol="0">
+                <a:spAutoFit/>
+              </a:bodyPr>
+              <a:lstStyle/>
+              <a:p>
+                <a:pPr algn="ctr"/>
+                <a:r>
+                  <a:rPr lang="en-US" sz="1400" dirty="0">
+                    <a:latin typeface="Times New Roman" pitchFamily="18" charset="0"/>
+                    <a:cs typeface="Times New Roman" pitchFamily="18" charset="0"/>
+                  </a:rPr>
+                  <a:t>Travelling at </a:t>
+                </a:r>
+                <a14:m>
+                  <m:oMath xmlns:m="http://schemas.openxmlformats.org/officeDocument/2006/math">
+                    <m:sSub>
+                      <m:sSubPr>
+                        <m:ctrlPr>
+                          <a:rPr lang="en-US" sz="1400" b="0" i="1" smtClean="0">
+                            <a:latin typeface="Cambria Math" panose="02040503050406030204" pitchFamily="18" charset="0"/>
+                            <a:cs typeface="Times New Roman" pitchFamily="18" charset="0"/>
+                          </a:rPr>
+                        </m:ctrlPr>
+                      </m:sSubPr>
+                      <m:e>
+                        <m:r>
+                          <a:rPr lang="en-US" sz="1400" b="0" i="1" smtClean="0">
+                            <a:latin typeface="Cambria Math" panose="02040503050406030204" pitchFamily="18" charset="0"/>
+                            <a:cs typeface="Times New Roman" pitchFamily="18" charset="0"/>
+                          </a:rPr>
+                          <m:t>𝑣</m:t>
+                        </m:r>
+                      </m:e>
+                      <m:sub>
+                        <m:r>
+                          <a:rPr lang="en-US" sz="1400" b="0" i="1" smtClean="0">
+                            <a:latin typeface="Cambria Math" panose="02040503050406030204" pitchFamily="18" charset="0"/>
+                            <a:cs typeface="Times New Roman" pitchFamily="18" charset="0"/>
+                          </a:rPr>
+                          <m:t>𝑚𝑖𝑛</m:t>
+                        </m:r>
+                      </m:sub>
+                    </m:sSub>
+                  </m:oMath>
+                </a14:m>
+                <a:endParaRPr lang="en-US" sz="1400" dirty="0">
+                  <a:latin typeface="Times New Roman" pitchFamily="18" charset="0"/>
+                  <a:cs typeface="Times New Roman" pitchFamily="18" charset="0"/>
+                </a:endParaRPr>
+              </a:p>
+            </p:txBody>
+          </p:sp>
+        </mc:Choice>
+        <mc:Fallback>
+          <p:sp>
+            <p:nvSpPr>
+              <p:cNvPr id="75" name="TextBox 74">
+                <a:extLst>
+                  <a:ext uri="{FF2B5EF4-FFF2-40B4-BE49-F238E27FC236}">
+                    <a16:creationId xmlns:a16="http://schemas.microsoft.com/office/drawing/2014/main" id="{C4C6F936-8528-42D8-A872-796ADE32C2A0}"/>
+                  </a:ext>
+                </a:extLst>
+              </p:cNvPr>
+              <p:cNvSpPr txBox="1">
+                <a:spLocks noRot="1" noChangeAspect="1" noMove="1" noResize="1" noEditPoints="1" noAdjustHandles="1" noChangeArrowheads="1" noChangeShapeType="1" noTextEdit="1"/>
+              </p:cNvSpPr>
+              <p:nvPr/>
+            </p:nvSpPr>
+            <p:spPr>
+              <a:xfrm>
+                <a:off x="179377" y="1898135"/>
+                <a:ext cx="1524000" cy="307777"/>
+              </a:xfrm>
+              <a:prstGeom prst="rect">
+                <a:avLst/>
+              </a:prstGeom>
+              <a:blipFill>
+                <a:blip r:embed="rId6"/>
+                <a:stretch>
+                  <a:fillRect t="-1961" b="-19608"/>
+                </a:stretch>
+              </a:blipFill>
+            </p:spPr>
+            <p:txBody>
+              <a:bodyPr/>
+              <a:lstStyle/>
+              <a:p>
+                <a:r>
+                  <a:rPr lang="en-US">
+                    <a:noFill/>
+                  </a:rPr>
+                  <a:t> </a:t>
+                </a:r>
+              </a:p>
+            </p:txBody>
+          </p:sp>
+        </mc:Fallback>
+      </mc:AlternateContent>
+      <p:cxnSp>
+        <p:nvCxnSpPr>
+          <p:cNvPr id="56" name="Straight Arrow Connector 55">
+            <a:extLst>
+              <a:ext uri="{FF2B5EF4-FFF2-40B4-BE49-F238E27FC236}">
+                <a16:creationId xmlns:a16="http://schemas.microsoft.com/office/drawing/2014/main" id="{7516F1E3-F08D-422A-865F-36D75A7F0844}"/>
+              </a:ext>
+            </a:extLst>
+          </p:cNvPr>
+          <p:cNvCxnSpPr>
+            <a:cxnSpLocks/>
+          </p:cNvCxnSpPr>
+          <p:nvPr/>
+        </p:nvCxnSpPr>
+        <p:spPr>
+          <a:xfrm>
+            <a:off x="1657350" y="2189414"/>
+            <a:ext cx="734320" cy="347170"/>
+          </a:xfrm>
+          <a:prstGeom prst="straightConnector1">
+            <a:avLst/>
+          </a:prstGeom>
+          <a:ln w="28575">
+            <a:solidFill>
+              <a:schemeClr val="tx1"/>
+            </a:solidFill>
+            <a:tailEnd type="triangle"/>
+          </a:ln>
+        </p:spPr>
+        <p:style>
+          <a:lnRef idx="1">
+            <a:schemeClr val="accent1"/>
+          </a:lnRef>
+          <a:fillRef idx="0">
+            <a:schemeClr val="accent1"/>
+          </a:fillRef>
+          <a:effectRef idx="0">
+            <a:schemeClr val="accent1"/>
+          </a:effectRef>
+          <a:fontRef idx="minor">
+            <a:schemeClr val="tx1"/>
+          </a:fontRef>
+        </p:style>
+      </p:cxnSp>
+      <p:cxnSp>
+        <p:nvCxnSpPr>
+          <p:cNvPr id="76" name="Straight Arrow Connector 75">
+            <a:extLst>
+              <a:ext uri="{FF2B5EF4-FFF2-40B4-BE49-F238E27FC236}">
+                <a16:creationId xmlns:a16="http://schemas.microsoft.com/office/drawing/2014/main" id="{33C84D76-9D7A-4202-A69B-946C1CEC30FC}"/>
+              </a:ext>
+            </a:extLst>
+          </p:cNvPr>
+          <p:cNvCxnSpPr>
+            <a:cxnSpLocks/>
+            <a:stCxn id="74" idx="1"/>
+          </p:cNvCxnSpPr>
+          <p:nvPr/>
+        </p:nvCxnSpPr>
+        <p:spPr>
+          <a:xfrm flipH="1" flipV="1">
+            <a:off x="3085772" y="2805729"/>
+            <a:ext cx="581457" cy="99306"/>
+          </a:xfrm>
+          <a:prstGeom prst="straightConnector1">
+            <a:avLst/>
+          </a:prstGeom>
+          <a:ln w="28575">
+            <a:solidFill>
+              <a:schemeClr val="tx1"/>
+            </a:solidFill>
+            <a:tailEnd type="triangle"/>
+          </a:ln>
+        </p:spPr>
+        <p:style>
+          <a:lnRef idx="1">
+            <a:schemeClr val="accent1"/>
+          </a:lnRef>
+          <a:fillRef idx="0">
+            <a:schemeClr val="accent1"/>
+          </a:fillRef>
+          <a:effectRef idx="0">
+            <a:schemeClr val="accent1"/>
+          </a:effectRef>
+          <a:fontRef idx="minor">
+            <a:schemeClr val="tx1"/>
+          </a:fontRef>
+        </p:style>
+      </p:cxnSp>
+    </p:spTree>
+    <p:extLst>
+      <p:ext uri="{BB962C8B-B14F-4D97-AF65-F5344CB8AC3E}">
+        <p14:creationId xmlns:p14="http://schemas.microsoft.com/office/powerpoint/2010/main" val="2930560599"/>
+      </p:ext>
+    </p:extLst>
   </p:cSld>
   <p:clrMapOvr>
     <a:masterClrMapping/>

--- a/docs/paper/figs/Diagrams.pptx
+++ b/docs/paper/figs/Diagrams.pptx
@@ -12,6 +12,8 @@
     <p:sldId id="261" r:id="rId6"/>
     <p:sldId id="262" r:id="rId7"/>
     <p:sldId id="263" r:id="rId8"/>
+    <p:sldId id="264" r:id="rId9"/>
+    <p:sldId id="265" r:id="rId10"/>
   </p:sldIdLst>
   <p:sldSz cx="9144000" cy="6858000" type="screen4x3"/>
   <p:notesSz cx="6858000" cy="9144000"/>
@@ -309,7 +311,7 @@
             <a:fld id="{1D8BD707-D9CF-40AE-B4C6-C98DA3205C09}" type="datetimeFigureOut">
               <a:rPr lang="en-US" smtClean="0"/>
               <a:pPr/>
-              <a:t>5/9/2019</a:t>
+              <a:t>5/12/2019</a:t>
             </a:fld>
             <a:endParaRPr lang="en-US"/>
           </a:p>
@@ -474,7 +476,7 @@
             <a:fld id="{1D8BD707-D9CF-40AE-B4C6-C98DA3205C09}" type="datetimeFigureOut">
               <a:rPr lang="en-US" smtClean="0"/>
               <a:pPr/>
-              <a:t>5/9/2019</a:t>
+              <a:t>5/12/2019</a:t>
             </a:fld>
             <a:endParaRPr lang="en-US"/>
           </a:p>
@@ -649,7 +651,7 @@
             <a:fld id="{1D8BD707-D9CF-40AE-B4C6-C98DA3205C09}" type="datetimeFigureOut">
               <a:rPr lang="en-US" smtClean="0"/>
               <a:pPr/>
-              <a:t>5/9/2019</a:t>
+              <a:t>5/12/2019</a:t>
             </a:fld>
             <a:endParaRPr lang="en-US"/>
           </a:p>
@@ -814,7 +816,7 @@
             <a:fld id="{1D8BD707-D9CF-40AE-B4C6-C98DA3205C09}" type="datetimeFigureOut">
               <a:rPr lang="en-US" smtClean="0"/>
               <a:pPr/>
-              <a:t>5/9/2019</a:t>
+              <a:t>5/12/2019</a:t>
             </a:fld>
             <a:endParaRPr lang="en-US"/>
           </a:p>
@@ -1056,7 +1058,7 @@
             <a:fld id="{1D8BD707-D9CF-40AE-B4C6-C98DA3205C09}" type="datetimeFigureOut">
               <a:rPr lang="en-US" smtClean="0"/>
               <a:pPr/>
-              <a:t>5/9/2019</a:t>
+              <a:t>5/12/2019</a:t>
             </a:fld>
             <a:endParaRPr lang="en-US"/>
           </a:p>
@@ -1338,7 +1340,7 @@
             <a:fld id="{1D8BD707-D9CF-40AE-B4C6-C98DA3205C09}" type="datetimeFigureOut">
               <a:rPr lang="en-US" smtClean="0"/>
               <a:pPr/>
-              <a:t>5/9/2019</a:t>
+              <a:t>5/12/2019</a:t>
             </a:fld>
             <a:endParaRPr lang="en-US"/>
           </a:p>
@@ -1754,7 +1756,7 @@
             <a:fld id="{1D8BD707-D9CF-40AE-B4C6-C98DA3205C09}" type="datetimeFigureOut">
               <a:rPr lang="en-US" smtClean="0"/>
               <a:pPr/>
-              <a:t>5/9/2019</a:t>
+              <a:t>5/12/2019</a:t>
             </a:fld>
             <a:endParaRPr lang="en-US"/>
           </a:p>
@@ -1868,7 +1870,7 @@
             <a:fld id="{1D8BD707-D9CF-40AE-B4C6-C98DA3205C09}" type="datetimeFigureOut">
               <a:rPr lang="en-US" smtClean="0"/>
               <a:pPr/>
-              <a:t>5/9/2019</a:t>
+              <a:t>5/12/2019</a:t>
             </a:fld>
             <a:endParaRPr lang="en-US"/>
           </a:p>
@@ -1960,7 +1962,7 @@
             <a:fld id="{1D8BD707-D9CF-40AE-B4C6-C98DA3205C09}" type="datetimeFigureOut">
               <a:rPr lang="en-US" smtClean="0"/>
               <a:pPr/>
-              <a:t>5/9/2019</a:t>
+              <a:t>5/12/2019</a:t>
             </a:fld>
             <a:endParaRPr lang="en-US"/>
           </a:p>
@@ -2232,7 +2234,7 @@
             <a:fld id="{1D8BD707-D9CF-40AE-B4C6-C98DA3205C09}" type="datetimeFigureOut">
               <a:rPr lang="en-US" smtClean="0"/>
               <a:pPr/>
-              <a:t>5/9/2019</a:t>
+              <a:t>5/12/2019</a:t>
             </a:fld>
             <a:endParaRPr lang="en-US"/>
           </a:p>
@@ -2481,7 +2483,7 @@
             <a:fld id="{1D8BD707-D9CF-40AE-B4C6-C98DA3205C09}" type="datetimeFigureOut">
               <a:rPr lang="en-US" smtClean="0"/>
               <a:pPr/>
-              <a:t>5/9/2019</a:t>
+              <a:t>5/12/2019</a:t>
             </a:fld>
             <a:endParaRPr lang="en-US"/>
           </a:p>
@@ -2689,7 +2691,7 @@
             <a:fld id="{1D8BD707-D9CF-40AE-B4C6-C98DA3205C09}" type="datetimeFigureOut">
               <a:rPr lang="en-US" smtClean="0"/>
               <a:pPr/>
-              <a:t>5/9/2019</a:t>
+              <a:t>5/12/2019</a:t>
             </a:fld>
             <a:endParaRPr lang="en-US"/>
           </a:p>
@@ -3122,7 +3124,7 @@
               <a:lumMod val="95000"/>
             </a:schemeClr>
           </a:solidFill>
-          <a:ln cmpd="thickThin">
+          <a:ln cmpd="sng">
             <a:solidFill>
               <a:schemeClr val="tx1"/>
             </a:solidFill>
@@ -3229,7 +3231,7 @@
               <a:lumMod val="95000"/>
             </a:schemeClr>
           </a:solidFill>
-          <a:ln cmpd="thickThin">
+          <a:ln cmpd="sng">
             <a:solidFill>
               <a:schemeClr val="tx1"/>
             </a:solidFill>
@@ -3336,7 +3338,7 @@
               <a:lumMod val="95000"/>
             </a:schemeClr>
           </a:solidFill>
-          <a:ln cmpd="thickThin">
+          <a:ln cmpd="sng">
             <a:solidFill>
               <a:schemeClr val="tx1"/>
             </a:solidFill>
@@ -3427,7 +3429,7 @@
               <a:lumMod val="95000"/>
             </a:schemeClr>
           </a:solidFill>
-          <a:ln cmpd="thickThin">
+          <a:ln cmpd="sng">
             <a:solidFill>
               <a:schemeClr val="tx1"/>
             </a:solidFill>
@@ -3463,7 +3465,7 @@
                 <a:latin typeface="Times New Roman" pitchFamily="18" charset="0"/>
                 <a:cs typeface="Times New Roman" pitchFamily="18" charset="0"/>
               </a:rPr>
-              <a:t>Input Environment</a:t>
+              <a:t>Input Geography</a:t>
             </a:r>
           </a:p>
         </p:txBody>
@@ -3487,7 +3489,7 @@
               <a:lumMod val="95000"/>
             </a:schemeClr>
           </a:solidFill>
-          <a:ln cmpd="thickThin">
+          <a:ln cmpd="sng">
             <a:solidFill>
               <a:schemeClr val="tx1"/>
             </a:solidFill>
@@ -3523,7 +3525,7 @@
                 <a:latin typeface="Times New Roman" pitchFamily="18" charset="0"/>
                 <a:cs typeface="Times New Roman" pitchFamily="18" charset="0"/>
               </a:rPr>
-              <a:t>Input Simulated Objects</a:t>
+              <a:t>Input Simulation</a:t>
             </a:r>
           </a:p>
         </p:txBody>
@@ -3547,7 +3549,7 @@
               <a:lumMod val="95000"/>
             </a:schemeClr>
           </a:solidFill>
-          <a:ln cmpd="thickThin">
+          <a:ln cmpd="sng">
             <a:solidFill>
               <a:schemeClr val="tx1"/>
             </a:solidFill>
@@ -3583,7 +3585,7 @@
                 <a:latin typeface="Times New Roman" pitchFamily="18" charset="0"/>
                 <a:cs typeface="Times New Roman" pitchFamily="18" charset="0"/>
               </a:rPr>
-              <a:t>Input Settings and Preview</a:t>
+              <a:t>Input Settings</a:t>
             </a:r>
           </a:p>
         </p:txBody>
@@ -3607,7 +3609,7 @@
               <a:lumMod val="95000"/>
             </a:schemeClr>
           </a:solidFill>
-          <a:ln cmpd="thickThin">
+          <a:ln cmpd="sng">
             <a:solidFill>
               <a:schemeClr val="tx1"/>
             </a:solidFill>
@@ -3667,7 +3669,7 @@
               <a:lumMod val="95000"/>
             </a:schemeClr>
           </a:solidFill>
-          <a:ln cmpd="thickThin">
+          <a:ln cmpd="sng">
             <a:solidFill>
               <a:schemeClr val="tx1"/>
             </a:solidFill>
@@ -3739,7 +3741,7 @@
             <a:solidFill>
               <a:schemeClr val="bg1"/>
             </a:solidFill>
-            <a:ln cmpd="thickThin">
+            <a:ln cmpd="sng">
               <a:solidFill>
                 <a:schemeClr val="tx1"/>
               </a:solidFill>
@@ -3815,7 +3817,7 @@
             <a:prstGeom prst="straightConnector1">
               <a:avLst/>
             </a:prstGeom>
-            <a:ln w="57150">
+            <a:ln w="57150" cmpd="sng">
               <a:solidFill>
                 <a:schemeClr val="tx1"/>
               </a:solidFill>
@@ -3853,7 +3855,7 @@
             <a:prstGeom prst="straightConnector1">
               <a:avLst/>
             </a:prstGeom>
-            <a:ln w="19050">
+            <a:ln w="19050" cmpd="sng">
               <a:solidFill>
                 <a:schemeClr val="tx1"/>
               </a:solidFill>
@@ -4153,7 +4155,7 @@
           <a:prstGeom prst="straightConnector1">
             <a:avLst/>
           </a:prstGeom>
-          <a:ln w="57150">
+          <a:ln w="57150" cmpd="sng">
             <a:solidFill>
               <a:schemeClr val="tx1"/>
             </a:solidFill>
@@ -4194,7 +4196,7 @@
           <a:prstGeom prst="straightConnector1">
             <a:avLst/>
           </a:prstGeom>
-          <a:ln w="57150">
+          <a:ln w="57150" cmpd="sng">
             <a:solidFill>
               <a:schemeClr val="tx1"/>
             </a:solidFill>
@@ -4237,7 +4239,7 @@
               <a:lumMod val="65000"/>
             </a:schemeClr>
           </a:solidFill>
-          <a:ln cmpd="thickThin">
+          <a:ln cmpd="sng">
             <a:solidFill>
               <a:schemeClr val="tx1"/>
             </a:solidFill>
@@ -4295,7 +4297,7 @@
           <a:prstGeom prst="straightConnector1">
             <a:avLst/>
           </a:prstGeom>
-          <a:ln w="57150">
+          <a:ln w="57150" cmpd="sng">
             <a:solidFill>
               <a:schemeClr val="tx1"/>
             </a:solidFill>
@@ -4381,7 +4383,7 @@
           <a:prstGeom prst="straightConnector1">
             <a:avLst/>
           </a:prstGeom>
-          <a:ln w="57150">
+          <a:ln w="57150" cmpd="sng">
             <a:solidFill>
               <a:schemeClr val="tx1"/>
             </a:solidFill>
@@ -4424,7 +4426,9 @@
           </a:prstGeom>
           <a:ln w="19050">
             <a:solidFill>
-              <a:schemeClr val="tx1"/>
+              <a:schemeClr val="bg1">
+                <a:lumMod val="50000"/>
+              </a:schemeClr>
             </a:solidFill>
             <a:prstDash val="solid"/>
             <a:headEnd type="triangle" w="med" len="med"/>
@@ -4460,7 +4464,7 @@
           <a:prstGeom prst="rect">
             <a:avLst/>
           </a:prstGeom>
-          <a:ln>
+          <a:ln cmpd="sng">
             <a:prstDash val="solid"/>
           </a:ln>
         </p:spPr>
@@ -4594,7 +4598,7 @@
               <a:lumMod val="95000"/>
             </a:schemeClr>
           </a:solidFill>
-          <a:ln cmpd="thickThin">
+          <a:ln cmpd="sng">
             <a:solidFill>
               <a:schemeClr val="tx1"/>
             </a:solidFill>
@@ -4667,7 +4671,7 @@
               <a:lumMod val="65000"/>
             </a:schemeClr>
           </a:solidFill>
-          <a:ln cmpd="thickThin">
+          <a:ln cmpd="sng">
             <a:solidFill>
               <a:schemeClr val="tx1"/>
             </a:solidFill>
@@ -4725,7 +4729,7 @@
           <a:prstGeom prst="straightConnector1">
             <a:avLst/>
           </a:prstGeom>
-          <a:ln w="57150">
+          <a:ln w="57150" cmpd="sng">
             <a:solidFill>
               <a:schemeClr val="tx1"/>
             </a:solidFill>
@@ -4768,7 +4772,7 @@
               <a:lumMod val="65000"/>
             </a:schemeClr>
           </a:solidFill>
-          <a:ln cmpd="thickThin">
+          <a:ln cmpd="sng">
             <a:solidFill>
               <a:schemeClr val="tx1"/>
             </a:solidFill>
@@ -4804,7 +4808,7 @@
                 <a:latin typeface="Times New Roman" pitchFamily="18" charset="0"/>
                 <a:cs typeface="Times New Roman" pitchFamily="18" charset="0"/>
               </a:rPr>
-              <a:t>Iteration History Plots</a:t>
+              <a:t>Recorded Path Alteration Maps</a:t>
             </a:r>
           </a:p>
         </p:txBody>
@@ -4826,7 +4830,7 @@
           <a:prstGeom prst="straightConnector1">
             <a:avLst/>
           </a:prstGeom>
-          <a:ln w="57150">
+          <a:ln w="57150" cmpd="sng">
             <a:solidFill>
               <a:schemeClr val="tx1"/>
             </a:solidFill>
@@ -4978,6 +4982,168 @@
           </a:fontRef>
         </p:style>
       </p:cxnSp>
+      <p:cxnSp>
+        <p:nvCxnSpPr>
+          <p:cNvPr id="40" name="Elbow Connector 98">
+            <a:extLst>
+              <a:ext uri="{FF2B5EF4-FFF2-40B4-BE49-F238E27FC236}">
+                <a16:creationId xmlns:a16="http://schemas.microsoft.com/office/drawing/2014/main" id="{6913609F-167A-4950-9BEF-7A265FF60C78}"/>
+              </a:ext>
+            </a:extLst>
+          </p:cNvPr>
+          <p:cNvCxnSpPr>
+            <a:cxnSpLocks/>
+            <a:stCxn id="43" idx="0"/>
+            <a:endCxn id="91" idx="3"/>
+          </p:cNvCxnSpPr>
+          <p:nvPr/>
+        </p:nvCxnSpPr>
+        <p:spPr>
+          <a:xfrm rot="16200000" flipV="1">
+            <a:off x="5575936" y="4337685"/>
+            <a:ext cx="1142999" cy="1154430"/>
+          </a:xfrm>
+          <a:prstGeom prst="bentConnector2">
+            <a:avLst/>
+          </a:prstGeom>
+          <a:ln w="19050">
+            <a:solidFill>
+              <a:schemeClr val="bg1">
+                <a:lumMod val="50000"/>
+              </a:schemeClr>
+            </a:solidFill>
+            <a:prstDash val="solid"/>
+            <a:headEnd type="triangle" w="med" len="med"/>
+            <a:tailEnd type="none" w="med" len="med"/>
+          </a:ln>
+        </p:spPr>
+        <p:style>
+          <a:lnRef idx="1">
+            <a:schemeClr val="accent1"/>
+          </a:lnRef>
+          <a:fillRef idx="0">
+            <a:schemeClr val="accent1"/>
+          </a:fillRef>
+          <a:effectRef idx="0">
+            <a:schemeClr val="accent1"/>
+          </a:effectRef>
+          <a:fontRef idx="minor">
+            <a:schemeClr val="tx1"/>
+          </a:fontRef>
+        </p:style>
+      </p:cxnSp>
+      <p:sp>
+        <p:nvSpPr>
+          <p:cNvPr id="43" name="Plaque 42">
+            <a:extLst>
+              <a:ext uri="{FF2B5EF4-FFF2-40B4-BE49-F238E27FC236}">
+                <a16:creationId xmlns:a16="http://schemas.microsoft.com/office/drawing/2014/main" id="{6A23B612-AA95-4949-8386-23BE99F0B6A7}"/>
+              </a:ext>
+            </a:extLst>
+          </p:cNvPr>
+          <p:cNvSpPr/>
+          <p:nvPr/>
+        </p:nvSpPr>
+        <p:spPr>
+          <a:xfrm>
+            <a:off x="5753100" y="5486399"/>
+            <a:ext cx="1943100" cy="609600"/>
+          </a:xfrm>
+          <a:prstGeom prst="plaque">
+            <a:avLst/>
+          </a:prstGeom>
+          <a:solidFill>
+            <a:schemeClr val="bg1">
+              <a:lumMod val="65000"/>
+            </a:schemeClr>
+          </a:solidFill>
+          <a:ln cmpd="sng">
+            <a:solidFill>
+              <a:schemeClr val="tx1"/>
+            </a:solidFill>
+            <a:prstDash val="solid"/>
+          </a:ln>
+        </p:spPr>
+        <p:style>
+          <a:lnRef idx="2">
+            <a:schemeClr val="accent1">
+              <a:shade val="50000"/>
+            </a:schemeClr>
+          </a:lnRef>
+          <a:fillRef idx="1">
+            <a:schemeClr val="accent1"/>
+          </a:fillRef>
+          <a:effectRef idx="0">
+            <a:schemeClr val="accent1"/>
+          </a:effectRef>
+          <a:fontRef idx="minor">
+            <a:schemeClr val="lt1"/>
+          </a:fontRef>
+        </p:style>
+        <p:txBody>
+          <a:bodyPr rtlCol="0" anchor="ctr"/>
+          <a:lstStyle/>
+          <a:p>
+            <a:pPr algn="ctr"/>
+            <a:r>
+              <a:rPr lang="en-US" sz="1400" dirty="0">
+                <a:solidFill>
+                  <a:schemeClr val="tx1"/>
+                </a:solidFill>
+                <a:latin typeface="Times New Roman" pitchFamily="18" charset="0"/>
+                <a:cs typeface="Times New Roman" pitchFamily="18" charset="0"/>
+              </a:rPr>
+              <a:t>Parameter and Performance History</a:t>
+            </a:r>
+          </a:p>
+        </p:txBody>
+      </p:sp>
+      <p:cxnSp>
+        <p:nvCxnSpPr>
+          <p:cNvPr id="47" name="Straight Arrow Connector 46">
+            <a:extLst>
+              <a:ext uri="{FF2B5EF4-FFF2-40B4-BE49-F238E27FC236}">
+                <a16:creationId xmlns:a16="http://schemas.microsoft.com/office/drawing/2014/main" id="{2D0CF5D4-A079-4D4F-AAE1-2620C3D712AC}"/>
+              </a:ext>
+            </a:extLst>
+          </p:cNvPr>
+          <p:cNvCxnSpPr/>
+          <p:nvPr/>
+        </p:nvCxnSpPr>
+        <p:spPr>
+          <a:xfrm flipH="1">
+            <a:off x="6553200" y="1447800"/>
+            <a:ext cx="381000" cy="0"/>
+          </a:xfrm>
+          <a:prstGeom prst="straightConnector1">
+            <a:avLst/>
+          </a:prstGeom>
+          <a:ln w="19050" cmpd="sng">
+            <a:solidFill>
+              <a:schemeClr val="bg1">
+                <a:lumMod val="50000"/>
+              </a:schemeClr>
+            </a:solidFill>
+            <a:prstDash val="solid"/>
+            <a:headEnd type="triangle" w="med" len="med"/>
+            <a:tailEnd type="none" w="med" len="med"/>
+          </a:ln>
+        </p:spPr>
+        <p:style>
+          <a:lnRef idx="1">
+            <a:schemeClr val="accent1"/>
+          </a:lnRef>
+          <a:fillRef idx="0">
+            <a:schemeClr val="accent1"/>
+          </a:fillRef>
+          <a:effectRef idx="0">
+            <a:schemeClr val="accent1"/>
+          </a:effectRef>
+          <a:fontRef idx="minor">
+            <a:schemeClr val="tx1"/>
+          </a:fontRef>
+        </p:style>
+      </p:cxnSp>
       <p:sp>
         <p:nvSpPr>
           <p:cNvPr id="91" name="Flowchart: Manual Operation 90"/>
@@ -5026,7 +5192,7 @@
           <a:p>
             <a:pPr algn="ctr"/>
             <a:r>
-              <a:rPr lang="en-US" sz="1400" dirty="0">
+              <a:rPr lang="en-US" sz="1400" b="1" dirty="0">
                 <a:solidFill>
                   <a:sysClr val="windowText" lastClr="000000"/>
                 </a:solidFill>
@@ -5036,47 +5202,56 @@
               <a:t>Core Algorithm</a:t>
             </a:r>
           </a:p>
-          <a:p>
-            <a:pPr>
-              <a:buFont typeface="Arial" pitchFamily="34" charset="0"/>
-              <a:buChar char="•"/>
-            </a:pPr>
-            <a:r>
-              <a:rPr lang="en-US" sz="1100" dirty="0">
-                <a:solidFill>
-                  <a:sysClr val="windowText" lastClr="000000"/>
-                </a:solidFill>
-                <a:latin typeface="Times New Roman" pitchFamily="18" charset="0"/>
-                <a:cs typeface="Times New Roman" pitchFamily="18" charset="0"/>
-              </a:rPr>
-              <a:t> Generates Results</a:t>
-            </a:r>
-          </a:p>
-          <a:p>
-            <a:pPr>
-              <a:buFont typeface="Arial" pitchFamily="34" charset="0"/>
-              <a:buChar char="•"/>
-            </a:pPr>
-            <a:r>
-              <a:rPr lang="en-US" sz="1100" dirty="0">
-                <a:solidFill>
-                  <a:sysClr val="windowText" lastClr="000000"/>
-                </a:solidFill>
-                <a:latin typeface="Times New Roman" pitchFamily="18" charset="0"/>
-                <a:cs typeface="Times New Roman" pitchFamily="18" charset="0"/>
-              </a:rPr>
-              <a:t> Uses Path Data</a:t>
-            </a:r>
-            <a:endParaRPr lang="en-US" sz="1400" dirty="0">
-              <a:solidFill>
-                <a:sysClr val="windowText" lastClr="000000"/>
-              </a:solidFill>
-              <a:latin typeface="Times New Roman" pitchFamily="18" charset="0"/>
-              <a:cs typeface="Times New Roman" pitchFamily="18" charset="0"/>
-            </a:endParaRPr>
-          </a:p>
         </p:txBody>
       </p:sp>
+      <p:cxnSp>
+        <p:nvCxnSpPr>
+          <p:cNvPr id="48" name="Straight Arrow Connector 47">
+            <a:extLst>
+              <a:ext uri="{FF2B5EF4-FFF2-40B4-BE49-F238E27FC236}">
+                <a16:creationId xmlns:a16="http://schemas.microsoft.com/office/drawing/2014/main" id="{5B26E3E5-7934-4F84-873E-3FD79B3F4575}"/>
+              </a:ext>
+            </a:extLst>
+          </p:cNvPr>
+          <p:cNvCxnSpPr>
+            <a:cxnSpLocks/>
+            <a:stCxn id="43" idx="1"/>
+            <a:endCxn id="135" idx="3"/>
+          </p:cNvCxnSpPr>
+          <p:nvPr/>
+        </p:nvCxnSpPr>
+        <p:spPr>
+          <a:xfrm flipH="1">
+            <a:off x="5486400" y="5791199"/>
+            <a:ext cx="266700" cy="1"/>
+          </a:xfrm>
+          <a:prstGeom prst="straightConnector1">
+            <a:avLst/>
+          </a:prstGeom>
+          <a:ln w="57150">
+            <a:solidFill>
+              <a:schemeClr val="tx1"/>
+            </a:solidFill>
+            <a:prstDash val="solid"/>
+            <a:headEnd type="triangle" w="med" len="med"/>
+            <a:tailEnd type="none" w="med" len="med"/>
+          </a:ln>
+        </p:spPr>
+        <p:style>
+          <a:lnRef idx="1">
+            <a:schemeClr val="accent1"/>
+          </a:lnRef>
+          <a:fillRef idx="0">
+            <a:schemeClr val="accent1"/>
+          </a:fillRef>
+          <a:effectRef idx="0">
+            <a:schemeClr val="accent1"/>
+          </a:effectRef>
+          <a:fontRef idx="minor">
+            <a:schemeClr val="tx1"/>
+          </a:fontRef>
+        </p:style>
+      </p:cxnSp>
     </p:spTree>
   </p:cSld>
   <p:clrMapOvr>
@@ -5110,20 +5285,20 @@
         </p:nvSpPr>
         <p:spPr>
           <a:xfrm>
-            <a:off x="5791200" y="1752600"/>
+            <a:off x="5791200" y="1104900"/>
             <a:ext cx="2286000" cy="1219200"/>
           </a:xfrm>
           <a:prstGeom prst="flowChartPredefinedProcess">
             <a:avLst/>
           </a:prstGeom>
           <a:solidFill>
-            <a:schemeClr val="bg1">
-              <a:lumMod val="95000"/>
-            </a:schemeClr>
+            <a:schemeClr val="bg1"/>
           </a:solidFill>
-          <a:ln cmpd="thickThin">
+          <a:ln cmpd="sng">
             <a:solidFill>
-              <a:schemeClr val="tx1"/>
+              <a:schemeClr val="bg1">
+                <a:lumMod val="75000"/>
+              </a:schemeClr>
             </a:solidFill>
             <a:prstDash val="solid"/>
           </a:ln>
@@ -5175,79 +5350,6 @@
           </a:p>
         </p:txBody>
       </p:sp>
-      <p:sp>
-        <p:nvSpPr>
-          <p:cNvPr id="3" name="Can 2"/>
-          <p:cNvSpPr/>
-          <p:nvPr/>
-        </p:nvSpPr>
-        <p:spPr>
-          <a:xfrm>
-            <a:off x="3657600" y="1676400"/>
-            <a:ext cx="1066800" cy="1371600"/>
-          </a:xfrm>
-          <a:prstGeom prst="can">
-            <a:avLst/>
-          </a:prstGeom>
-          <a:solidFill>
-            <a:schemeClr val="bg1">
-              <a:lumMod val="95000"/>
-            </a:schemeClr>
-          </a:solidFill>
-          <a:ln cmpd="thickThin">
-            <a:solidFill>
-              <a:schemeClr val="tx1"/>
-            </a:solidFill>
-            <a:prstDash val="solid"/>
-          </a:ln>
-        </p:spPr>
-        <p:style>
-          <a:lnRef idx="2">
-            <a:schemeClr val="accent1">
-              <a:shade val="50000"/>
-            </a:schemeClr>
-          </a:lnRef>
-          <a:fillRef idx="1">
-            <a:schemeClr val="accent1"/>
-          </a:fillRef>
-          <a:effectRef idx="0">
-            <a:schemeClr val="accent1"/>
-          </a:effectRef>
-          <a:fontRef idx="minor">
-            <a:schemeClr val="lt1"/>
-          </a:fontRef>
-        </p:style>
-        <p:txBody>
-          <a:bodyPr rtlCol="0" anchor="ctr"/>
-          <a:lstStyle/>
-          <a:p>
-            <a:pPr algn="ctr"/>
-            <a:r>
-              <a:rPr lang="en-US" sz="1400" dirty="0">
-                <a:solidFill>
-                  <a:sysClr val="windowText" lastClr="000000"/>
-                </a:solidFill>
-                <a:latin typeface="Times New Roman" pitchFamily="18" charset="0"/>
-                <a:cs typeface="Times New Roman" pitchFamily="18" charset="0"/>
-              </a:rPr>
-              <a:t>MySQL</a:t>
-            </a:r>
-          </a:p>
-          <a:p>
-            <a:pPr algn="ctr"/>
-            <a:r>
-              <a:rPr lang="en-US" sz="1400" dirty="0">
-                <a:solidFill>
-                  <a:sysClr val="windowText" lastClr="000000"/>
-                </a:solidFill>
-                <a:latin typeface="Times New Roman" pitchFamily="18" charset="0"/>
-                <a:cs typeface="Times New Roman" pitchFamily="18" charset="0"/>
-              </a:rPr>
-              <a:t>Database</a:t>
-            </a:r>
-          </a:p>
-        </p:txBody>
-      </p:sp>
       <p:cxnSp>
         <p:nvCxnSpPr>
           <p:cNvPr id="18" name="Straight Arrow Connector 17"/>
@@ -5259,13 +5361,13 @@
         </p:nvCxnSpPr>
         <p:spPr>
           <a:xfrm flipH="1">
-            <a:off x="2895600" y="2362200"/>
-            <a:ext cx="762000" cy="0"/>
+            <a:off x="2682054" y="1714500"/>
+            <a:ext cx="438894" cy="0"/>
           </a:xfrm>
           <a:prstGeom prst="straightConnector1">
             <a:avLst/>
           </a:prstGeom>
-          <a:ln w="19050">
+          <a:ln w="19050" cmpd="sng">
             <a:solidFill>
               <a:schemeClr val="tx1"/>
             </a:solidFill>
@@ -5300,99 +5402,17 @@
         </p:nvCxnSpPr>
         <p:spPr>
           <a:xfrm flipH="1">
-            <a:off x="4724400" y="2362200"/>
-            <a:ext cx="1066800" cy="0"/>
+            <a:off x="4187748" y="1714500"/>
+            <a:ext cx="1603452" cy="0"/>
           </a:xfrm>
           <a:prstGeom prst="straightConnector1">
             <a:avLst/>
           </a:prstGeom>
-          <a:ln w="19050">
+          <a:ln w="19050" cmpd="sng">
             <a:solidFill>
-              <a:schemeClr val="tx1"/>
-            </a:solidFill>
-            <a:prstDash val="solid"/>
-            <a:headEnd type="triangle" w="med" len="med"/>
-            <a:tailEnd type="none" w="med" len="med"/>
-          </a:ln>
-        </p:spPr>
-        <p:style>
-          <a:lnRef idx="1">
-            <a:schemeClr val="accent1"/>
-          </a:lnRef>
-          <a:fillRef idx="0">
-            <a:schemeClr val="accent1"/>
-          </a:fillRef>
-          <a:effectRef idx="0">
-            <a:schemeClr val="accent1"/>
-          </a:effectRef>
-          <a:fontRef idx="minor">
-            <a:schemeClr val="tx1"/>
-          </a:fontRef>
-        </p:style>
-      </p:cxnSp>
-      <p:cxnSp>
-        <p:nvCxnSpPr>
-          <p:cNvPr id="29" name="Elbow Connector 59"/>
-          <p:cNvCxnSpPr>
-            <a:stCxn id="39" idx="1"/>
-            <a:endCxn id="58" idx="1"/>
-          </p:cNvCxnSpPr>
-          <p:nvPr/>
-        </p:nvCxnSpPr>
-        <p:spPr>
-          <a:xfrm rot="16200000" flipH="1">
-            <a:off x="2686050" y="3524250"/>
-            <a:ext cx="914400" cy="2400300"/>
-          </a:xfrm>
-          <a:prstGeom prst="bentConnector3">
-            <a:avLst>
-              <a:gd name="adj1" fmla="val 125000"/>
-            </a:avLst>
-          </a:prstGeom>
-          <a:ln w="19050">
-            <a:solidFill>
-              <a:schemeClr val="tx1"/>
-            </a:solidFill>
-            <a:prstDash val="solid"/>
-            <a:headEnd type="triangle" w="med" len="med"/>
-            <a:tailEnd type="none" w="med" len="med"/>
-          </a:ln>
-        </p:spPr>
-        <p:style>
-          <a:lnRef idx="1">
-            <a:schemeClr val="accent1"/>
-          </a:lnRef>
-          <a:fillRef idx="0">
-            <a:schemeClr val="accent1"/>
-          </a:fillRef>
-          <a:effectRef idx="0">
-            <a:schemeClr val="accent1"/>
-          </a:effectRef>
-          <a:fontRef idx="minor">
-            <a:schemeClr val="tx1"/>
-          </a:fontRef>
-        </p:style>
-      </p:cxnSp>
-      <p:cxnSp>
-        <p:nvCxnSpPr>
-          <p:cNvPr id="32" name="Straight Arrow Connector 31"/>
-          <p:cNvCxnSpPr>
-            <a:stCxn id="58" idx="3"/>
-            <a:endCxn id="53" idx="1"/>
-          </p:cNvCxnSpPr>
-          <p:nvPr/>
-        </p:nvCxnSpPr>
-        <p:spPr>
-          <a:xfrm flipV="1">
-            <a:off x="4343400" y="4267200"/>
-            <a:ext cx="0" cy="304800"/>
-          </a:xfrm>
-          <a:prstGeom prst="straightConnector1">
-            <a:avLst/>
-          </a:prstGeom>
-          <a:ln w="19050">
-            <a:solidFill>
-              <a:schemeClr val="tx1"/>
+              <a:schemeClr val="bg1">
+                <a:lumMod val="75000"/>
+              </a:schemeClr>
             </a:solidFill>
             <a:prstDash val="solid"/>
             <a:headEnd type="triangle" w="med" len="med"/>
@@ -5425,8 +5445,8 @@
         </p:nvCxnSpPr>
         <p:spPr>
           <a:xfrm rot="5400000">
-            <a:off x="2762250" y="2228850"/>
-            <a:ext cx="609600" cy="2247900"/>
+            <a:off x="2460192" y="1669662"/>
+            <a:ext cx="463519" cy="1924794"/>
           </a:xfrm>
           <a:prstGeom prst="bentConnector3">
             <a:avLst>
@@ -5457,49 +5477,6 @@
           </a:fontRef>
         </p:style>
       </p:cxnSp>
-      <p:cxnSp>
-        <p:nvCxnSpPr>
-          <p:cNvPr id="36" name="Elbow Connector 59"/>
-          <p:cNvCxnSpPr>
-            <a:stCxn id="53" idx="3"/>
-            <a:endCxn id="2" idx="2"/>
-          </p:cNvCxnSpPr>
-          <p:nvPr/>
-        </p:nvCxnSpPr>
-        <p:spPr>
-          <a:xfrm rot="5400000" flipH="1" flipV="1">
-            <a:off x="5295900" y="2019300"/>
-            <a:ext cx="685800" cy="2590800"/>
-          </a:xfrm>
-          <a:prstGeom prst="bentConnector3">
-            <a:avLst>
-              <a:gd name="adj1" fmla="val 50000"/>
-            </a:avLst>
-          </a:prstGeom>
-          <a:ln w="19050">
-            <a:solidFill>
-              <a:schemeClr val="tx1"/>
-            </a:solidFill>
-            <a:prstDash val="solid"/>
-            <a:headEnd type="triangle" w="med" len="med"/>
-            <a:tailEnd type="none" w="med" len="med"/>
-          </a:ln>
-        </p:spPr>
-        <p:style>
-          <a:lnRef idx="1">
-            <a:schemeClr val="accent1"/>
-          </a:lnRef>
-          <a:fillRef idx="0">
-            <a:schemeClr val="accent1"/>
-          </a:fillRef>
-          <a:effectRef idx="0">
-            <a:schemeClr val="accent1"/>
-          </a:effectRef>
-          <a:fontRef idx="minor">
-            <a:schemeClr val="tx1"/>
-          </a:fontRef>
-        </p:style>
-      </p:cxnSp>
       <p:sp>
         <p:nvSpPr>
           <p:cNvPr id="39" name="Snip Diagonal Corner Rectangle 38"/>
@@ -5508,7 +5485,7 @@
         </p:nvSpPr>
         <p:spPr>
           <a:xfrm>
-            <a:off x="990600" y="3657600"/>
+            <a:off x="777054" y="2863819"/>
             <a:ext cx="1905000" cy="609600"/>
           </a:xfrm>
           <a:prstGeom prst="snip2DiagRect">
@@ -5558,7 +5535,7 @@
                 <a:latin typeface="Times New Roman" pitchFamily="18" charset="0"/>
                 <a:cs typeface="Times New Roman" pitchFamily="18" charset="0"/>
               </a:rPr>
-              <a:t>Newly altered path</a:t>
+              <a:t>Resulting best-performing path</a:t>
             </a:r>
           </a:p>
         </p:txBody>
@@ -5571,7 +5548,7 @@
         </p:nvSpPr>
         <p:spPr>
           <a:xfrm>
-            <a:off x="990600" y="2057400"/>
+            <a:off x="777054" y="1409700"/>
             <a:ext cx="1905000" cy="609600"/>
           </a:xfrm>
           <a:prstGeom prst="snip2DiagRect">
@@ -5621,21 +5598,21 @@
                 <a:latin typeface="Times New Roman" pitchFamily="18" charset="0"/>
                 <a:cs typeface="Times New Roman" pitchFamily="18" charset="0"/>
               </a:rPr>
-              <a:t>Initial path</a:t>
+              <a:t>Initial path and contact event</a:t>
             </a:r>
           </a:p>
         </p:txBody>
       </p:sp>
       <p:sp>
         <p:nvSpPr>
-          <p:cNvPr id="53" name="Snip Diagonal Corner Rectangle 52"/>
+          <p:cNvPr id="58" name="Snip Diagonal Corner Rectangle 57"/>
           <p:cNvSpPr/>
           <p:nvPr/>
         </p:nvSpPr>
         <p:spPr>
           <a:xfrm>
-            <a:off x="3352800" y="3657600"/>
-            <a:ext cx="1981200" cy="609600"/>
+            <a:off x="510354" y="3810000"/>
+            <a:ext cx="2438400" cy="609600"/>
           </a:xfrm>
           <a:prstGeom prst="snip2DiagRect">
             <a:avLst>
@@ -5648,7 +5625,7 @@
               <a:lumMod val="95000"/>
             </a:schemeClr>
           </a:solidFill>
-          <a:ln cmpd="thickThin">
+          <a:ln cmpd="sng">
             <a:solidFill>
               <a:schemeClr val="tx1"/>
             </a:solidFill>
@@ -5684,21 +5661,21 @@
                 <a:latin typeface="Times New Roman" pitchFamily="18" charset="0"/>
                 <a:cs typeface="Times New Roman" pitchFamily="18" charset="0"/>
               </a:rPr>
-              <a:t>Assess properties of contacted points</a:t>
+              <a:t>Determine best-performing parameters</a:t>
             </a:r>
           </a:p>
         </p:txBody>
       </p:sp>
       <p:sp>
         <p:nvSpPr>
-          <p:cNvPr id="58" name="Snip Diagonal Corner Rectangle 57"/>
+          <p:cNvPr id="63" name="Snip Diagonal Corner Rectangle 62"/>
           <p:cNvSpPr/>
           <p:nvPr/>
         </p:nvSpPr>
         <p:spPr>
           <a:xfrm>
-            <a:off x="3352800" y="4572000"/>
-            <a:ext cx="1981200" cy="609600"/>
+            <a:off x="5391150" y="3673955"/>
+            <a:ext cx="3086100" cy="914400"/>
           </a:xfrm>
           <a:prstGeom prst="snip2DiagRect">
             <a:avLst>
@@ -5711,7 +5688,7 @@
               <a:lumMod val="95000"/>
             </a:schemeClr>
           </a:solidFill>
-          <a:ln cmpd="thickThin">
+          <a:ln cmpd="sng">
             <a:solidFill>
               <a:schemeClr val="tx1"/>
             </a:solidFill>
@@ -5747,21 +5724,382 @@
                 <a:latin typeface="Times New Roman" pitchFamily="18" charset="0"/>
                 <a:cs typeface="Times New Roman" pitchFamily="18" charset="0"/>
               </a:rPr>
-              <a:t>Tuned path alteration</a:t>
+              <a:t>Generate mutated children paths alongside parent (previous generation’s best performing)</a:t>
+            </a:r>
+          </a:p>
+        </p:txBody>
+      </p:sp>
+      <p:cxnSp>
+        <p:nvCxnSpPr>
+          <p:cNvPr id="71" name="Straight Arrow Connector 70"/>
+          <p:cNvCxnSpPr>
+            <a:cxnSpLocks/>
+            <a:stCxn id="63" idx="3"/>
+            <a:endCxn id="53" idx="1"/>
+          </p:cNvCxnSpPr>
+          <p:nvPr/>
+        </p:nvCxnSpPr>
+        <p:spPr>
+          <a:xfrm flipV="1">
+            <a:off x="6934200" y="3369155"/>
+            <a:ext cx="0" cy="304800"/>
+          </a:xfrm>
+          <a:prstGeom prst="straightConnector1">
+            <a:avLst/>
+          </a:prstGeom>
+          <a:ln w="19050" cmpd="sng">
+            <a:solidFill>
+              <a:schemeClr val="tx1"/>
+            </a:solidFill>
+            <a:prstDash val="solid"/>
+            <a:headEnd type="triangle" w="med" len="med"/>
+            <a:tailEnd type="none" w="med" len="med"/>
+          </a:ln>
+        </p:spPr>
+        <p:style>
+          <a:lnRef idx="1">
+            <a:schemeClr val="accent1"/>
+          </a:lnRef>
+          <a:fillRef idx="0">
+            <a:schemeClr val="accent1"/>
+          </a:fillRef>
+          <a:effectRef idx="0">
+            <a:schemeClr val="accent1"/>
+          </a:effectRef>
+          <a:fontRef idx="minor">
+            <a:schemeClr val="tx1"/>
+          </a:fontRef>
+        </p:style>
+      </p:cxnSp>
+      <p:cxnSp>
+        <p:nvCxnSpPr>
+          <p:cNvPr id="75" name="Straight Arrow Connector 74">
+            <a:extLst>
+              <a:ext uri="{FF2B5EF4-FFF2-40B4-BE49-F238E27FC236}">
+                <a16:creationId xmlns:a16="http://schemas.microsoft.com/office/drawing/2014/main" id="{4BDD8873-0547-45B2-B747-AA5754E31D9D}"/>
+              </a:ext>
+            </a:extLst>
+          </p:cNvPr>
+          <p:cNvCxnSpPr>
+            <a:cxnSpLocks/>
+            <a:stCxn id="53" idx="3"/>
+            <a:endCxn id="2" idx="2"/>
+          </p:cNvCxnSpPr>
+          <p:nvPr/>
+        </p:nvCxnSpPr>
+        <p:spPr>
+          <a:xfrm flipV="1">
+            <a:off x="6934200" y="2324100"/>
+            <a:ext cx="0" cy="435455"/>
+          </a:xfrm>
+          <a:prstGeom prst="straightConnector1">
+            <a:avLst/>
+          </a:prstGeom>
+          <a:ln w="19050" cmpd="sng">
+            <a:solidFill>
+              <a:schemeClr val="bg1">
+                <a:lumMod val="75000"/>
+              </a:schemeClr>
+            </a:solidFill>
+            <a:prstDash val="solid"/>
+            <a:headEnd type="triangle" w="med" len="med"/>
+            <a:tailEnd type="none" w="med" len="med"/>
+          </a:ln>
+        </p:spPr>
+        <p:style>
+          <a:lnRef idx="1">
+            <a:schemeClr val="accent1"/>
+          </a:lnRef>
+          <a:fillRef idx="0">
+            <a:schemeClr val="accent1"/>
+          </a:fillRef>
+          <a:effectRef idx="0">
+            <a:schemeClr val="accent1"/>
+          </a:effectRef>
+          <a:fontRef idx="minor">
+            <a:schemeClr val="tx1"/>
+          </a:fontRef>
+        </p:style>
+      </p:cxnSp>
+      <p:cxnSp>
+        <p:nvCxnSpPr>
+          <p:cNvPr id="102" name="Straight Arrow Connector 101">
+            <a:extLst>
+              <a:ext uri="{FF2B5EF4-FFF2-40B4-BE49-F238E27FC236}">
+                <a16:creationId xmlns:a16="http://schemas.microsoft.com/office/drawing/2014/main" id="{D4F54408-50A9-4D83-BAE2-CA75EC1C5A17}"/>
+              </a:ext>
+            </a:extLst>
+          </p:cNvPr>
+          <p:cNvCxnSpPr>
+            <a:cxnSpLocks/>
+            <a:stCxn id="39" idx="1"/>
+            <a:endCxn id="58" idx="3"/>
+          </p:cNvCxnSpPr>
+          <p:nvPr/>
+        </p:nvCxnSpPr>
+        <p:spPr>
+          <a:xfrm>
+            <a:off x="1729554" y="3473419"/>
+            <a:ext cx="0" cy="336581"/>
+          </a:xfrm>
+          <a:prstGeom prst="straightConnector1">
+            <a:avLst/>
+          </a:prstGeom>
+          <a:ln w="19050" cmpd="sng">
+            <a:solidFill>
+              <a:schemeClr val="tx1"/>
+            </a:solidFill>
+            <a:prstDash val="solid"/>
+            <a:headEnd type="triangle" w="med" len="med"/>
+            <a:tailEnd type="none" w="med" len="med"/>
+          </a:ln>
+        </p:spPr>
+        <p:style>
+          <a:lnRef idx="1">
+            <a:schemeClr val="accent1"/>
+          </a:lnRef>
+          <a:fillRef idx="0">
+            <a:schemeClr val="accent1"/>
+          </a:fillRef>
+          <a:effectRef idx="0">
+            <a:schemeClr val="accent1"/>
+          </a:effectRef>
+          <a:fontRef idx="minor">
+            <a:schemeClr val="tx1"/>
+          </a:fontRef>
+        </p:style>
+      </p:cxnSp>
+      <p:cxnSp>
+        <p:nvCxnSpPr>
+          <p:cNvPr id="112" name="Elbow Connector 59">
+            <a:extLst>
+              <a:ext uri="{FF2B5EF4-FFF2-40B4-BE49-F238E27FC236}">
+                <a16:creationId xmlns:a16="http://schemas.microsoft.com/office/drawing/2014/main" id="{20310B79-BF8E-441E-96E0-7CC583D8EFEA}"/>
+              </a:ext>
+            </a:extLst>
+          </p:cNvPr>
+          <p:cNvCxnSpPr>
+            <a:cxnSpLocks/>
+            <a:stCxn id="64" idx="0"/>
+            <a:endCxn id="63" idx="1"/>
+          </p:cNvCxnSpPr>
+          <p:nvPr/>
+        </p:nvCxnSpPr>
+        <p:spPr>
+          <a:xfrm flipV="1">
+            <a:off x="5257800" y="4588355"/>
+            <a:ext cx="1676400" cy="370964"/>
+          </a:xfrm>
+          <a:prstGeom prst="bentConnector2">
+            <a:avLst/>
+          </a:prstGeom>
+          <a:ln w="19050">
+            <a:solidFill>
+              <a:schemeClr val="tx1"/>
+            </a:solidFill>
+            <a:prstDash val="solid"/>
+            <a:headEnd type="triangle" w="med" len="med"/>
+            <a:tailEnd type="none" w="med" len="med"/>
+          </a:ln>
+        </p:spPr>
+        <p:style>
+          <a:lnRef idx="1">
+            <a:schemeClr val="accent1"/>
+          </a:lnRef>
+          <a:fillRef idx="0">
+            <a:schemeClr val="accent1"/>
+          </a:fillRef>
+          <a:effectRef idx="0">
+            <a:schemeClr val="accent1"/>
+          </a:effectRef>
+          <a:fontRef idx="minor">
+            <a:schemeClr val="tx1"/>
+          </a:fontRef>
+        </p:style>
+      </p:cxnSp>
+      <p:cxnSp>
+        <p:nvCxnSpPr>
+          <p:cNvPr id="128" name="Elbow Connector 59">
+            <a:extLst>
+              <a:ext uri="{FF2B5EF4-FFF2-40B4-BE49-F238E27FC236}">
+                <a16:creationId xmlns:a16="http://schemas.microsoft.com/office/drawing/2014/main" id="{B7CE63DA-52A1-41D3-B9ED-4879C5FE8F9A}"/>
+              </a:ext>
+            </a:extLst>
+          </p:cNvPr>
+          <p:cNvCxnSpPr>
+            <a:cxnSpLocks/>
+            <a:stCxn id="58" idx="1"/>
+            <a:endCxn id="64" idx="2"/>
+          </p:cNvCxnSpPr>
+          <p:nvPr/>
+        </p:nvCxnSpPr>
+        <p:spPr>
+          <a:xfrm rot="16200000" flipH="1">
+            <a:off x="2195118" y="3954036"/>
+            <a:ext cx="539719" cy="1470846"/>
+          </a:xfrm>
+          <a:prstGeom prst="bentConnector2">
+            <a:avLst/>
+          </a:prstGeom>
+          <a:ln w="19050">
+            <a:solidFill>
+              <a:schemeClr val="tx1"/>
+            </a:solidFill>
+            <a:prstDash val="solid"/>
+            <a:headEnd type="triangle" w="med" len="med"/>
+            <a:tailEnd type="none" w="med" len="med"/>
+          </a:ln>
+        </p:spPr>
+        <p:style>
+          <a:lnRef idx="1">
+            <a:schemeClr val="accent1"/>
+          </a:lnRef>
+          <a:fillRef idx="0">
+            <a:schemeClr val="accent1"/>
+          </a:fillRef>
+          <a:effectRef idx="0">
+            <a:schemeClr val="accent1"/>
+          </a:effectRef>
+          <a:fontRef idx="minor">
+            <a:schemeClr val="tx1"/>
+          </a:fontRef>
+        </p:style>
+      </p:cxnSp>
+      <p:cxnSp>
+        <p:nvCxnSpPr>
+          <p:cNvPr id="143" name="Elbow Connector 59">
+            <a:extLst>
+              <a:ext uri="{FF2B5EF4-FFF2-40B4-BE49-F238E27FC236}">
+                <a16:creationId xmlns:a16="http://schemas.microsoft.com/office/drawing/2014/main" id="{BB6653B8-6029-4032-92C5-692DEF42FEB3}"/>
+              </a:ext>
+            </a:extLst>
+          </p:cNvPr>
+          <p:cNvCxnSpPr>
+            <a:cxnSpLocks/>
+            <a:stCxn id="64" idx="3"/>
+            <a:endCxn id="2" idx="2"/>
+          </p:cNvCxnSpPr>
+          <p:nvPr/>
+        </p:nvCxnSpPr>
+        <p:spPr>
+          <a:xfrm rot="5400000" flipH="1" flipV="1">
+            <a:off x="4416441" y="2136760"/>
+            <a:ext cx="2330419" cy="2705100"/>
+          </a:xfrm>
+          <a:prstGeom prst="bentConnector3">
+            <a:avLst>
+              <a:gd name="adj1" fmla="val 91726"/>
+            </a:avLst>
+          </a:prstGeom>
+          <a:ln w="19050">
+            <a:solidFill>
+              <a:schemeClr val="bg1">
+                <a:lumMod val="75000"/>
+              </a:schemeClr>
+            </a:solidFill>
+            <a:prstDash val="solid"/>
+            <a:headEnd type="triangle" w="med" len="med"/>
+            <a:tailEnd type="none" w="med" len="med"/>
+          </a:ln>
+        </p:spPr>
+        <p:style>
+          <a:lnRef idx="1">
+            <a:schemeClr val="accent1"/>
+          </a:lnRef>
+          <a:fillRef idx="0">
+            <a:schemeClr val="accent1"/>
+          </a:fillRef>
+          <a:effectRef idx="0">
+            <a:schemeClr val="accent1"/>
+          </a:effectRef>
+          <a:fontRef idx="minor">
+            <a:schemeClr val="tx1"/>
+          </a:fontRef>
+        </p:style>
+      </p:cxnSp>
+      <p:sp>
+        <p:nvSpPr>
+          <p:cNvPr id="3" name="Can 2"/>
+          <p:cNvSpPr/>
+          <p:nvPr/>
+        </p:nvSpPr>
+        <p:spPr>
+          <a:xfrm>
+            <a:off x="3120948" y="1028700"/>
+            <a:ext cx="1066800" cy="1371600"/>
+          </a:xfrm>
+          <a:prstGeom prst="can">
+            <a:avLst/>
+          </a:prstGeom>
+          <a:solidFill>
+            <a:schemeClr val="bg1">
+              <a:lumMod val="95000"/>
+            </a:schemeClr>
+          </a:solidFill>
+          <a:ln cmpd="sng">
+            <a:solidFill>
+              <a:schemeClr val="tx1"/>
+            </a:solidFill>
+            <a:prstDash val="solid"/>
+          </a:ln>
+        </p:spPr>
+        <p:style>
+          <a:lnRef idx="2">
+            <a:schemeClr val="accent1">
+              <a:shade val="50000"/>
+            </a:schemeClr>
+          </a:lnRef>
+          <a:fillRef idx="1">
+            <a:schemeClr val="accent1"/>
+          </a:fillRef>
+          <a:effectRef idx="0">
+            <a:schemeClr val="accent1"/>
+          </a:effectRef>
+          <a:fontRef idx="minor">
+            <a:schemeClr val="lt1"/>
+          </a:fontRef>
+        </p:style>
+        <p:txBody>
+          <a:bodyPr rtlCol="0" anchor="ctr"/>
+          <a:lstStyle/>
+          <a:p>
+            <a:pPr algn="ctr"/>
+            <a:r>
+              <a:rPr lang="en-US" sz="1400" dirty="0">
+                <a:solidFill>
+                  <a:sysClr val="windowText" lastClr="000000"/>
+                </a:solidFill>
+                <a:latin typeface="Times New Roman" pitchFamily="18" charset="0"/>
+                <a:cs typeface="Times New Roman" pitchFamily="18" charset="0"/>
+              </a:rPr>
+              <a:t>MySQL</a:t>
+            </a:r>
+          </a:p>
+          <a:p>
+            <a:pPr algn="ctr"/>
+            <a:r>
+              <a:rPr lang="en-US" sz="1400" dirty="0">
+                <a:solidFill>
+                  <a:sysClr val="windowText" lastClr="000000"/>
+                </a:solidFill>
+                <a:latin typeface="Times New Roman" pitchFamily="18" charset="0"/>
+                <a:cs typeface="Times New Roman" pitchFamily="18" charset="0"/>
+              </a:rPr>
+              <a:t>Database</a:t>
             </a:r>
           </a:p>
         </p:txBody>
       </p:sp>
       <p:sp>
         <p:nvSpPr>
-          <p:cNvPr id="63" name="Snip Diagonal Corner Rectangle 62"/>
+          <p:cNvPr id="64" name="Snip Diagonal Corner Rectangle 63"/>
           <p:cNvSpPr/>
           <p:nvPr/>
         </p:nvSpPr>
         <p:spPr>
           <a:xfrm>
-            <a:off x="5715000" y="3581400"/>
-            <a:ext cx="2438400" cy="762000"/>
+            <a:off x="3200400" y="4654519"/>
+            <a:ext cx="2057400" cy="609600"/>
           </a:xfrm>
           <a:prstGeom prst="snip2DiagRect">
             <a:avLst>
@@ -5774,7 +6112,7 @@
               <a:lumMod val="95000"/>
             </a:schemeClr>
           </a:solidFill>
-          <a:ln cmpd="thickThin">
+          <a:ln cmpd="sng">
             <a:solidFill>
               <a:schemeClr val="tx1"/>
             </a:solidFill>
@@ -5810,21 +6148,41 @@
                 <a:latin typeface="Times New Roman" pitchFamily="18" charset="0"/>
                 <a:cs typeface="Times New Roman" pitchFamily="18" charset="0"/>
               </a:rPr>
-              <a:t>Compute the resulting cost  from previous path alteration</a:t>
+              <a:t>Fly a batch of </a:t>
+            </a:r>
+            <a:r>
+              <a:rPr lang="en-US" sz="1400" b="1" dirty="0">
+                <a:solidFill>
+                  <a:sysClr val="windowText" lastClr="000000"/>
+                </a:solidFill>
+                <a:latin typeface="Times New Roman" pitchFamily="18" charset="0"/>
+                <a:cs typeface="Times New Roman" pitchFamily="18" charset="0"/>
+              </a:rPr>
+              <a:t>valid</a:t>
+            </a:r>
+            <a:r>
+              <a:rPr lang="en-US" sz="1400" dirty="0">
+                <a:solidFill>
+                  <a:sysClr val="windowText" lastClr="000000"/>
+                </a:solidFill>
+                <a:latin typeface="Times New Roman" pitchFamily="18" charset="0"/>
+                <a:cs typeface="Times New Roman" pitchFamily="18" charset="0"/>
+              </a:rPr>
+              <a:t> paths from parameters</a:t>
             </a:r>
           </a:p>
         </p:txBody>
       </p:sp>
       <p:sp>
         <p:nvSpPr>
-          <p:cNvPr id="64" name="Snip Diagonal Corner Rectangle 63"/>
+          <p:cNvPr id="53" name="Snip Diagonal Corner Rectangle 52"/>
           <p:cNvSpPr/>
           <p:nvPr/>
         </p:nvSpPr>
         <p:spPr>
           <a:xfrm>
-            <a:off x="5943600" y="4572000"/>
-            <a:ext cx="1981200" cy="609600"/>
+            <a:off x="5391150" y="2759555"/>
+            <a:ext cx="3086100" cy="609600"/>
           </a:xfrm>
           <a:prstGeom prst="snip2DiagRect">
             <a:avLst>
@@ -5837,7 +6195,7 @@
               <a:lumMod val="95000"/>
             </a:schemeClr>
           </a:solidFill>
-          <a:ln cmpd="thickThin">
+          <a:ln cmpd="sng">
             <a:solidFill>
               <a:schemeClr val="tx1"/>
             </a:solidFill>
@@ -5873,27 +6231,37 @@
                 <a:latin typeface="Times New Roman" pitchFamily="18" charset="0"/>
                 <a:cs typeface="Times New Roman" pitchFamily="18" charset="0"/>
               </a:rPr>
-              <a:t>Update tuning parameter vector</a:t>
+              <a:t>Assess contact event and generate alteration planes</a:t>
             </a:r>
           </a:p>
         </p:txBody>
       </p:sp>
       <p:cxnSp>
         <p:nvCxnSpPr>
-          <p:cNvPr id="65" name="Straight Arrow Connector 64"/>
+          <p:cNvPr id="160" name="Elbow Connector 59">
+            <a:extLst>
+              <a:ext uri="{FF2B5EF4-FFF2-40B4-BE49-F238E27FC236}">
+                <a16:creationId xmlns:a16="http://schemas.microsoft.com/office/drawing/2014/main" id="{F1CDC0BF-338F-4AAB-B972-6587C0324B42}"/>
+              </a:ext>
+            </a:extLst>
+          </p:cNvPr>
           <p:cNvCxnSpPr>
-            <a:stCxn id="64" idx="3"/>
-            <a:endCxn id="63" idx="1"/>
+            <a:cxnSpLocks/>
+            <a:stCxn id="63" idx="2"/>
+            <a:endCxn id="58" idx="3"/>
           </p:cNvCxnSpPr>
           <p:nvPr/>
         </p:nvCxnSpPr>
         <p:spPr>
-          <a:xfrm flipV="1">
-            <a:off x="6934200" y="4343400"/>
-            <a:ext cx="0" cy="228600"/>
-          </a:xfrm>
-          <a:prstGeom prst="straightConnector1">
-            <a:avLst/>
+          <a:xfrm rot="10800000">
+            <a:off x="1729554" y="3810001"/>
+            <a:ext cx="3661596" cy="321155"/>
+          </a:xfrm>
+          <a:prstGeom prst="bentConnector4">
+            <a:avLst>
+              <a:gd name="adj1" fmla="val 48066"/>
+              <a:gd name="adj2" fmla="val 138101"/>
+            </a:avLst>
           </a:prstGeom>
           <a:ln w="19050">
             <a:solidFill>
@@ -5919,88 +6287,258 @@
           </a:fontRef>
         </p:style>
       </p:cxnSp>
-      <p:cxnSp>
-        <p:nvCxnSpPr>
-          <p:cNvPr id="71" name="Straight Arrow Connector 70"/>
-          <p:cNvCxnSpPr>
-            <a:stCxn id="63" idx="2"/>
-            <a:endCxn id="53" idx="0"/>
-          </p:cNvCxnSpPr>
-          <p:nvPr/>
-        </p:nvCxnSpPr>
-        <p:spPr>
-          <a:xfrm flipH="1">
-            <a:off x="5334000" y="3962400"/>
-            <a:ext cx="381000" cy="0"/>
-          </a:xfrm>
-          <a:prstGeom prst="straightConnector1">
+      <p:sp>
+        <p:nvSpPr>
+          <p:cNvPr id="165" name="Rectangle 164">
+            <a:extLst>
+              <a:ext uri="{FF2B5EF4-FFF2-40B4-BE49-F238E27FC236}">
+                <a16:creationId xmlns:a16="http://schemas.microsoft.com/office/drawing/2014/main" id="{BC1DB069-94FD-4840-9458-95E3CFA128F3}"/>
+              </a:ext>
+            </a:extLst>
+          </p:cNvPr>
+          <p:cNvSpPr/>
+          <p:nvPr/>
+        </p:nvSpPr>
+        <p:spPr>
+          <a:xfrm>
+            <a:off x="5197399" y="2646359"/>
+            <a:ext cx="446144" cy="364647"/>
+          </a:xfrm>
+          <a:prstGeom prst="rect">
             <a:avLst/>
           </a:prstGeom>
-          <a:ln w="19050">
+          <a:solidFill>
+            <a:schemeClr val="bg1"/>
+          </a:solidFill>
+          <a:ln>
             <a:solidFill>
               <a:schemeClr val="tx1"/>
             </a:solidFill>
-            <a:prstDash val="solid"/>
-            <a:headEnd type="triangle" w="med" len="med"/>
-            <a:tailEnd type="none" w="med" len="med"/>
           </a:ln>
         </p:spPr>
         <p:style>
-          <a:lnRef idx="1">
-            <a:schemeClr val="accent1"/>
+          <a:lnRef idx="2">
+            <a:schemeClr val="accent1">
+              <a:shade val="50000"/>
+            </a:schemeClr>
           </a:lnRef>
-          <a:fillRef idx="0">
+          <a:fillRef idx="1">
             <a:schemeClr val="accent1"/>
           </a:fillRef>
           <a:effectRef idx="0">
             <a:schemeClr val="accent1"/>
           </a:effectRef>
           <a:fontRef idx="minor">
-            <a:schemeClr val="tx1"/>
+            <a:schemeClr val="lt1"/>
           </a:fontRef>
         </p:style>
-      </p:cxnSp>
-      <p:cxnSp>
-        <p:nvCxnSpPr>
-          <p:cNvPr id="74" name="Straight Arrow Connector 73"/>
-          <p:cNvCxnSpPr>
-            <a:stCxn id="58" idx="0"/>
-            <a:endCxn id="64" idx="2"/>
-          </p:cNvCxnSpPr>
-          <p:nvPr/>
-        </p:nvCxnSpPr>
+        <p:txBody>
+          <a:bodyPr rtlCol="0" anchor="ctr"/>
+          <a:lstStyle/>
+          <a:p>
+            <a:pPr algn="ctr"/>
+            <a:r>
+              <a:rPr lang="en-US" dirty="0">
+                <a:solidFill>
+                  <a:schemeClr val="tx1"/>
+                </a:solidFill>
+                <a:latin typeface="Times New Roman" panose="02020603050405020304" pitchFamily="18" charset="0"/>
+                <a:cs typeface="Times New Roman" panose="02020603050405020304" pitchFamily="18" charset="0"/>
+              </a:rPr>
+              <a:t>C.</a:t>
+            </a:r>
+          </a:p>
+        </p:txBody>
+      </p:sp>
+      <p:sp>
+        <p:nvSpPr>
+          <p:cNvPr id="166" name="Rectangle 165">
+            <a:extLst>
+              <a:ext uri="{FF2B5EF4-FFF2-40B4-BE49-F238E27FC236}">
+                <a16:creationId xmlns:a16="http://schemas.microsoft.com/office/drawing/2014/main" id="{F29BB2A6-623E-4EDB-B05F-003D01DACEDE}"/>
+              </a:ext>
+            </a:extLst>
+          </p:cNvPr>
+          <p:cNvSpPr/>
+          <p:nvPr/>
+        </p:nvSpPr>
         <p:spPr>
           <a:xfrm>
-            <a:off x="5334000" y="4876800"/>
-            <a:ext cx="609600" cy="0"/>
-          </a:xfrm>
-          <a:prstGeom prst="straightConnector1">
+            <a:off x="5197399" y="3559655"/>
+            <a:ext cx="446144" cy="364647"/>
+          </a:xfrm>
+          <a:prstGeom prst="rect">
             <a:avLst/>
           </a:prstGeom>
-          <a:ln w="19050">
+          <a:solidFill>
+            <a:schemeClr val="bg1"/>
+          </a:solidFill>
+          <a:ln>
             <a:solidFill>
               <a:schemeClr val="tx1"/>
             </a:solidFill>
-            <a:prstDash val="solid"/>
-            <a:headEnd type="triangle" w="med" len="med"/>
-            <a:tailEnd type="none" w="med" len="med"/>
           </a:ln>
         </p:spPr>
         <p:style>
-          <a:lnRef idx="1">
-            <a:schemeClr val="accent1"/>
+          <a:lnRef idx="2">
+            <a:schemeClr val="accent1">
+              <a:shade val="50000"/>
+            </a:schemeClr>
           </a:lnRef>
-          <a:fillRef idx="0">
+          <a:fillRef idx="1">
             <a:schemeClr val="accent1"/>
           </a:fillRef>
           <a:effectRef idx="0">
             <a:schemeClr val="accent1"/>
           </a:effectRef>
           <a:fontRef idx="minor">
-            <a:schemeClr val="tx1"/>
+            <a:schemeClr val="lt1"/>
           </a:fontRef>
         </p:style>
-      </p:cxnSp>
+        <p:txBody>
+          <a:bodyPr rtlCol="0" anchor="ctr"/>
+          <a:lstStyle/>
+          <a:p>
+            <a:pPr algn="ctr"/>
+            <a:r>
+              <a:rPr lang="en-US" dirty="0">
+                <a:solidFill>
+                  <a:schemeClr val="tx1"/>
+                </a:solidFill>
+                <a:latin typeface="Times New Roman" panose="02020603050405020304" pitchFamily="18" charset="0"/>
+                <a:cs typeface="Times New Roman" panose="02020603050405020304" pitchFamily="18" charset="0"/>
+              </a:rPr>
+              <a:t>D.</a:t>
+            </a:r>
+          </a:p>
+        </p:txBody>
+      </p:sp>
+      <p:sp>
+        <p:nvSpPr>
+          <p:cNvPr id="167" name="Rectangle 166">
+            <a:extLst>
+              <a:ext uri="{FF2B5EF4-FFF2-40B4-BE49-F238E27FC236}">
+                <a16:creationId xmlns:a16="http://schemas.microsoft.com/office/drawing/2014/main" id="{C72A6B7B-BDB3-43B0-930A-D97FD01D76C6}"/>
+              </a:ext>
+            </a:extLst>
+          </p:cNvPr>
+          <p:cNvSpPr/>
+          <p:nvPr/>
+        </p:nvSpPr>
+        <p:spPr>
+          <a:xfrm>
+            <a:off x="3009433" y="4507135"/>
+            <a:ext cx="446144" cy="364647"/>
+          </a:xfrm>
+          <a:prstGeom prst="rect">
+            <a:avLst/>
+          </a:prstGeom>
+          <a:solidFill>
+            <a:schemeClr val="bg1"/>
+          </a:solidFill>
+          <a:ln>
+            <a:solidFill>
+              <a:schemeClr val="tx1"/>
+            </a:solidFill>
+          </a:ln>
+        </p:spPr>
+        <p:style>
+          <a:lnRef idx="2">
+            <a:schemeClr val="accent1">
+              <a:shade val="50000"/>
+            </a:schemeClr>
+          </a:lnRef>
+          <a:fillRef idx="1">
+            <a:schemeClr val="accent1"/>
+          </a:fillRef>
+          <a:effectRef idx="0">
+            <a:schemeClr val="accent1"/>
+          </a:effectRef>
+          <a:fontRef idx="minor">
+            <a:schemeClr val="lt1"/>
+          </a:fontRef>
+        </p:style>
+        <p:txBody>
+          <a:bodyPr rtlCol="0" anchor="ctr"/>
+          <a:lstStyle/>
+          <a:p>
+            <a:pPr algn="ctr"/>
+            <a:r>
+              <a:rPr lang="en-US" dirty="0">
+                <a:solidFill>
+                  <a:schemeClr val="tx1"/>
+                </a:solidFill>
+                <a:latin typeface="Times New Roman" panose="02020603050405020304" pitchFamily="18" charset="0"/>
+                <a:cs typeface="Times New Roman" panose="02020603050405020304" pitchFamily="18" charset="0"/>
+              </a:rPr>
+              <a:t>E.</a:t>
+            </a:r>
+          </a:p>
+        </p:txBody>
+      </p:sp>
+      <p:sp>
+        <p:nvSpPr>
+          <p:cNvPr id="168" name="Rectangle 167">
+            <a:extLst>
+              <a:ext uri="{FF2B5EF4-FFF2-40B4-BE49-F238E27FC236}">
+                <a16:creationId xmlns:a16="http://schemas.microsoft.com/office/drawing/2014/main" id="{3FA68DD3-970B-4186-AEBA-561F693DF9D4}"/>
+              </a:ext>
+            </a:extLst>
+          </p:cNvPr>
+          <p:cNvSpPr/>
+          <p:nvPr/>
+        </p:nvSpPr>
+        <p:spPr>
+          <a:xfrm>
+            <a:off x="304800" y="3622422"/>
+            <a:ext cx="407949" cy="364647"/>
+          </a:xfrm>
+          <a:prstGeom prst="rect">
+            <a:avLst/>
+          </a:prstGeom>
+          <a:solidFill>
+            <a:schemeClr val="bg1"/>
+          </a:solidFill>
+          <a:ln>
+            <a:solidFill>
+              <a:schemeClr val="tx1"/>
+            </a:solidFill>
+          </a:ln>
+        </p:spPr>
+        <p:style>
+          <a:lnRef idx="2">
+            <a:schemeClr val="accent1">
+              <a:shade val="50000"/>
+            </a:schemeClr>
+          </a:lnRef>
+          <a:fillRef idx="1">
+            <a:schemeClr val="accent1"/>
+          </a:fillRef>
+          <a:effectRef idx="0">
+            <a:schemeClr val="accent1"/>
+          </a:effectRef>
+          <a:fontRef idx="minor">
+            <a:schemeClr val="lt1"/>
+          </a:fontRef>
+        </p:style>
+        <p:txBody>
+          <a:bodyPr rtlCol="0" anchor="ctr"/>
+          <a:lstStyle/>
+          <a:p>
+            <a:pPr algn="ctr"/>
+            <a:r>
+              <a:rPr lang="en-US" dirty="0">
+                <a:solidFill>
+                  <a:schemeClr val="tx1"/>
+                </a:solidFill>
+                <a:latin typeface="Times New Roman" panose="02020603050405020304" pitchFamily="18" charset="0"/>
+                <a:cs typeface="Times New Roman" panose="02020603050405020304" pitchFamily="18" charset="0"/>
+              </a:rPr>
+              <a:t>F.</a:t>
+            </a:r>
+          </a:p>
+        </p:txBody>
+      </p:sp>
     </p:spTree>
   </p:cSld>
   <p:clrMapOvr>
@@ -9998,8 +10536,8 @@
           </a:p>
         </p:txBody>
       </p:sp>
-      <mc:AlternateContent xmlns:mc="http://schemas.openxmlformats.org/markup-compatibility/2006">
-        <mc:Choice xmlns:a14="http://schemas.microsoft.com/office/drawing/2010/main" Requires="a14">
+      <mc:AlternateContent xmlns:mc="http://schemas.openxmlformats.org/markup-compatibility/2006" xmlns:a14="http://schemas.microsoft.com/office/drawing/2010/main">
+        <mc:Choice Requires="a14">
           <p:sp>
             <p:nvSpPr>
               <p:cNvPr id="66" name="TextBox 65">
@@ -10030,6 +10568,7 @@
               </a:bodyPr>
               <a:lstStyle/>
               <a:p>
+                <a:pPr/>
                 <a14:m>
                   <m:oMathPara xmlns:m="http://schemas.openxmlformats.org/officeDocument/2006/math">
                     <m:oMathParaPr>
@@ -10099,7 +10638,7 @@
             </p:txBody>
           </p:sp>
         </mc:Choice>
-        <mc:Fallback>
+        <mc:Fallback xmlns="">
           <p:sp>
             <p:nvSpPr>
               <p:cNvPr id="66" name="TextBox 65">
@@ -10144,8 +10683,8 @@
           </p:sp>
         </mc:Fallback>
       </mc:AlternateContent>
-      <mc:AlternateContent xmlns:mc="http://schemas.openxmlformats.org/markup-compatibility/2006">
-        <mc:Choice xmlns:a14="http://schemas.microsoft.com/office/drawing/2010/main" Requires="a14">
+      <mc:AlternateContent xmlns:mc="http://schemas.openxmlformats.org/markup-compatibility/2006" xmlns:a14="http://schemas.microsoft.com/office/drawing/2010/main">
+        <mc:Choice Requires="a14">
           <p:sp>
             <p:nvSpPr>
               <p:cNvPr id="68" name="TextBox 67">
@@ -10176,6 +10715,7 @@
               </a:bodyPr>
               <a:lstStyle/>
               <a:p>
+                <a:pPr/>
                 <a14:m>
                   <m:oMathPara xmlns:m="http://schemas.openxmlformats.org/officeDocument/2006/math">
                     <m:oMathParaPr>
@@ -10276,7 +10816,7 @@
             </p:txBody>
           </p:sp>
         </mc:Choice>
-        <mc:Fallback>
+        <mc:Fallback xmlns="">
           <p:sp>
             <p:nvSpPr>
               <p:cNvPr id="68" name="TextBox 67">
@@ -10321,8 +10861,8 @@
           </p:sp>
         </mc:Fallback>
       </mc:AlternateContent>
-      <mc:AlternateContent xmlns:mc="http://schemas.openxmlformats.org/markup-compatibility/2006">
-        <mc:Choice xmlns:a14="http://schemas.microsoft.com/office/drawing/2010/main" Requires="a14">
+      <mc:AlternateContent xmlns:mc="http://schemas.openxmlformats.org/markup-compatibility/2006" xmlns:a14="http://schemas.microsoft.com/office/drawing/2010/main">
+        <mc:Choice Requires="a14">
           <p:sp>
             <p:nvSpPr>
               <p:cNvPr id="69" name="TextBox 68">
@@ -10353,6 +10893,7 @@
               </a:bodyPr>
               <a:lstStyle/>
               <a:p>
+                <a:pPr/>
                 <a14:m>
                   <m:oMathPara xmlns:m="http://schemas.openxmlformats.org/officeDocument/2006/math">
                     <m:oMathParaPr>
@@ -10373,7 +10914,7 @@
             </p:txBody>
           </p:sp>
         </mc:Choice>
-        <mc:Fallback>
+        <mc:Fallback xmlns="">
           <p:sp>
             <p:nvSpPr>
               <p:cNvPr id="69" name="TextBox 68">
@@ -10418,8 +10959,8 @@
           </p:sp>
         </mc:Fallback>
       </mc:AlternateContent>
-      <mc:AlternateContent xmlns:mc="http://schemas.openxmlformats.org/markup-compatibility/2006">
-        <mc:Choice xmlns:a14="http://schemas.microsoft.com/office/drawing/2010/main" Requires="a14">
+      <mc:AlternateContent xmlns:mc="http://schemas.openxmlformats.org/markup-compatibility/2006" xmlns:a14="http://schemas.microsoft.com/office/drawing/2010/main">
+        <mc:Choice Requires="a14">
           <p:sp>
             <p:nvSpPr>
               <p:cNvPr id="70" name="TextBox 69">
@@ -10450,6 +10991,7 @@
               </a:bodyPr>
               <a:lstStyle/>
               <a:p>
+                <a:pPr/>
                 <a14:m>
                   <m:oMathPara xmlns:m="http://schemas.openxmlformats.org/officeDocument/2006/math">
                     <m:oMathParaPr>
@@ -10470,7 +11012,7 @@
             </p:txBody>
           </p:sp>
         </mc:Choice>
-        <mc:Fallback>
+        <mc:Fallback xmlns="">
           <p:sp>
             <p:nvSpPr>
               <p:cNvPr id="70" name="TextBox 69">
@@ -10515,8 +11057,8 @@
           </p:sp>
         </mc:Fallback>
       </mc:AlternateContent>
-      <mc:AlternateContent xmlns:mc="http://schemas.openxmlformats.org/markup-compatibility/2006">
-        <mc:Choice xmlns:a14="http://schemas.microsoft.com/office/drawing/2010/main" Requires="a14">
+      <mc:AlternateContent xmlns:mc="http://schemas.openxmlformats.org/markup-compatibility/2006" xmlns:a14="http://schemas.microsoft.com/office/drawing/2010/main">
+        <mc:Choice Requires="a14">
           <p:sp>
             <p:nvSpPr>
               <p:cNvPr id="71" name="TextBox 70">
@@ -10547,6 +11089,7 @@
               </a:bodyPr>
               <a:lstStyle/>
               <a:p>
+                <a:pPr/>
                 <a14:m>
                   <m:oMathPara xmlns:m="http://schemas.openxmlformats.org/officeDocument/2006/math">
                     <m:oMathParaPr>
@@ -10567,7 +11110,7 @@
             </p:txBody>
           </p:sp>
         </mc:Choice>
-        <mc:Fallback>
+        <mc:Fallback xmlns="">
           <p:sp>
             <p:nvSpPr>
               <p:cNvPr id="71" name="TextBox 70">
@@ -11655,59 +12198,6 @@
       </p:sp>
       <p:sp>
         <p:nvSpPr>
-          <p:cNvPr id="60" name="Oval 59">
-            <a:extLst>
-              <a:ext uri="{FF2B5EF4-FFF2-40B4-BE49-F238E27FC236}">
-                <a16:creationId xmlns:a16="http://schemas.microsoft.com/office/drawing/2014/main" id="{35FAC20A-9979-47EC-842F-B5B6DDEFEB17}"/>
-              </a:ext>
-            </a:extLst>
-          </p:cNvPr>
-          <p:cNvSpPr/>
-          <p:nvPr/>
-        </p:nvSpPr>
-        <p:spPr>
-          <a:xfrm rot="21251782">
-            <a:off x="2751021" y="2521140"/>
-            <a:ext cx="609600" cy="228595"/>
-          </a:xfrm>
-          <a:prstGeom prst="ellipse">
-            <a:avLst/>
-          </a:prstGeom>
-          <a:noFill/>
-          <a:ln>
-            <a:solidFill>
-              <a:schemeClr val="tx1"/>
-            </a:solidFill>
-            <a:prstDash val="sysDot"/>
-          </a:ln>
-        </p:spPr>
-        <p:style>
-          <a:lnRef idx="2">
-            <a:schemeClr val="accent1">
-              <a:shade val="50000"/>
-            </a:schemeClr>
-          </a:lnRef>
-          <a:fillRef idx="1">
-            <a:schemeClr val="accent1"/>
-          </a:fillRef>
-          <a:effectRef idx="0">
-            <a:schemeClr val="accent1"/>
-          </a:effectRef>
-          <a:fontRef idx="minor">
-            <a:schemeClr val="lt1"/>
-          </a:fontRef>
-        </p:style>
-        <p:txBody>
-          <a:bodyPr rtlCol="0" anchor="ctr"/>
-          <a:lstStyle/>
-          <a:p>
-            <a:pPr algn="ctr"/>
-            <a:endParaRPr lang="en-US"/>
-          </a:p>
-        </p:txBody>
-      </p:sp>
-      <p:sp>
-        <p:nvSpPr>
           <p:cNvPr id="63" name="Oval 62">
             <a:extLst>
               <a:ext uri="{FF2B5EF4-FFF2-40B4-BE49-F238E27FC236}">
@@ -11865,8 +12355,8 @@
           </a:p>
         </p:txBody>
       </p:sp>
-      <mc:AlternateContent xmlns:mc="http://schemas.openxmlformats.org/markup-compatibility/2006">
-        <mc:Choice xmlns:a14="http://schemas.microsoft.com/office/drawing/2010/main" Requires="a14">
+      <mc:AlternateContent xmlns:mc="http://schemas.openxmlformats.org/markup-compatibility/2006" xmlns:a14="http://schemas.microsoft.com/office/drawing/2010/main">
+        <mc:Choice Requires="a14">
           <p:sp>
             <p:nvSpPr>
               <p:cNvPr id="68" name="TextBox 67">
@@ -11897,6 +12387,7 @@
               </a:bodyPr>
               <a:lstStyle/>
               <a:p>
+                <a:pPr/>
                 <a14:m>
                   <m:oMathPara xmlns:m="http://schemas.openxmlformats.org/officeDocument/2006/math">
                     <m:oMathParaPr>
@@ -11948,7 +12439,7 @@
             </p:txBody>
           </p:sp>
         </mc:Choice>
-        <mc:Fallback>
+        <mc:Fallback xmlns="">
           <p:sp>
             <p:nvSpPr>
               <p:cNvPr id="68" name="TextBox 67">
@@ -11993,8 +12484,8 @@
           </p:sp>
         </mc:Fallback>
       </mc:AlternateContent>
-      <mc:AlternateContent xmlns:mc="http://schemas.openxmlformats.org/markup-compatibility/2006">
-        <mc:Choice xmlns:a14="http://schemas.microsoft.com/office/drawing/2010/main" Requires="a14">
+      <mc:AlternateContent xmlns:mc="http://schemas.openxmlformats.org/markup-compatibility/2006" xmlns:a14="http://schemas.microsoft.com/office/drawing/2010/main">
+        <mc:Choice Requires="a14">
           <p:sp>
             <p:nvSpPr>
               <p:cNvPr id="69" name="TextBox 68">
@@ -12025,6 +12516,7 @@
               </a:bodyPr>
               <a:lstStyle/>
               <a:p>
+                <a:pPr/>
                 <a14:m>
                   <m:oMathPara xmlns:m="http://schemas.openxmlformats.org/officeDocument/2006/math">
                     <m:oMathParaPr>
@@ -12045,7 +12537,7 @@
             </p:txBody>
           </p:sp>
         </mc:Choice>
-        <mc:Fallback>
+        <mc:Fallback xmlns="">
           <p:sp>
             <p:nvSpPr>
               <p:cNvPr id="69" name="TextBox 68">
@@ -12090,8 +12582,8 @@
           </p:sp>
         </mc:Fallback>
       </mc:AlternateContent>
-      <mc:AlternateContent xmlns:mc="http://schemas.openxmlformats.org/markup-compatibility/2006">
-        <mc:Choice xmlns:a14="http://schemas.microsoft.com/office/drawing/2010/main" Requires="a14">
+      <mc:AlternateContent xmlns:mc="http://schemas.openxmlformats.org/markup-compatibility/2006" xmlns:a14="http://schemas.microsoft.com/office/drawing/2010/main">
+        <mc:Choice Requires="a14">
           <p:sp>
             <p:nvSpPr>
               <p:cNvPr id="70" name="TextBox 69">
@@ -12122,6 +12614,7 @@
               </a:bodyPr>
               <a:lstStyle/>
               <a:p>
+                <a:pPr/>
                 <a14:m>
                   <m:oMathPara xmlns:m="http://schemas.openxmlformats.org/officeDocument/2006/math">
                     <m:oMathParaPr>
@@ -12142,7 +12635,7 @@
             </p:txBody>
           </p:sp>
         </mc:Choice>
-        <mc:Fallback>
+        <mc:Fallback xmlns="">
           <p:sp>
             <p:nvSpPr>
               <p:cNvPr id="70" name="TextBox 69">
@@ -12187,8 +12680,8 @@
           </p:sp>
         </mc:Fallback>
       </mc:AlternateContent>
-      <mc:AlternateContent xmlns:mc="http://schemas.openxmlformats.org/markup-compatibility/2006">
-        <mc:Choice xmlns:a14="http://schemas.microsoft.com/office/drawing/2010/main" Requires="a14">
+      <mc:AlternateContent xmlns:mc="http://schemas.openxmlformats.org/markup-compatibility/2006" xmlns:a14="http://schemas.microsoft.com/office/drawing/2010/main">
+        <mc:Choice Requires="a14">
           <p:sp>
             <p:nvSpPr>
               <p:cNvPr id="71" name="TextBox 70">
@@ -12219,6 +12712,7 @@
               </a:bodyPr>
               <a:lstStyle/>
               <a:p>
+                <a:pPr/>
                 <a14:m>
                   <m:oMathPara xmlns:m="http://schemas.openxmlformats.org/officeDocument/2006/math">
                     <m:oMathParaPr>
@@ -12239,7 +12733,7 @@
             </p:txBody>
           </p:sp>
         </mc:Choice>
-        <mc:Fallback>
+        <mc:Fallback xmlns="">
           <p:sp>
             <p:nvSpPr>
               <p:cNvPr id="71" name="TextBox 70">
@@ -12830,64 +13324,6 @@
       </p:sp>
       <p:sp>
         <p:nvSpPr>
-          <p:cNvPr id="47" name="Diamond 46">
-            <a:extLst>
-              <a:ext uri="{FF2B5EF4-FFF2-40B4-BE49-F238E27FC236}">
-                <a16:creationId xmlns:a16="http://schemas.microsoft.com/office/drawing/2014/main" id="{66641687-635C-4053-8C7B-D4F288A09C98}"/>
-              </a:ext>
-            </a:extLst>
-          </p:cNvPr>
-          <p:cNvSpPr/>
-          <p:nvPr/>
-        </p:nvSpPr>
-        <p:spPr>
-          <a:xfrm>
-            <a:off x="3245929" y="2516685"/>
-            <a:ext cx="228600" cy="199739"/>
-          </a:xfrm>
-          <a:prstGeom prst="diamond">
-            <a:avLst/>
-          </a:prstGeom>
-          <a:solidFill>
-            <a:schemeClr val="bg1">
-              <a:lumMod val="85000"/>
-            </a:schemeClr>
-          </a:solidFill>
-          <a:ln>
-            <a:solidFill>
-              <a:schemeClr val="bg1">
-                <a:lumMod val="50000"/>
-              </a:schemeClr>
-            </a:solidFill>
-          </a:ln>
-        </p:spPr>
-        <p:style>
-          <a:lnRef idx="2">
-            <a:schemeClr val="accent1">
-              <a:shade val="50000"/>
-            </a:schemeClr>
-          </a:lnRef>
-          <a:fillRef idx="1">
-            <a:schemeClr val="accent1"/>
-          </a:fillRef>
-          <a:effectRef idx="0">
-            <a:schemeClr val="accent1"/>
-          </a:effectRef>
-          <a:fontRef idx="minor">
-            <a:schemeClr val="lt1"/>
-          </a:fontRef>
-        </p:style>
-        <p:txBody>
-          <a:bodyPr rtlCol="0" anchor="ctr"/>
-          <a:lstStyle/>
-          <a:p>
-            <a:pPr algn="ctr"/>
-            <a:endParaRPr lang="en-US"/>
-          </a:p>
-        </p:txBody>
-      </p:sp>
-      <p:sp>
-        <p:nvSpPr>
           <p:cNvPr id="48" name="Right Brace 47">
             <a:extLst>
               <a:ext uri="{FF2B5EF4-FFF2-40B4-BE49-F238E27FC236}">
@@ -12977,8 +13413,8 @@
           </a:p>
         </p:txBody>
       </p:sp>
-      <mc:AlternateContent xmlns:mc="http://schemas.openxmlformats.org/markup-compatibility/2006">
-        <mc:Choice xmlns:a14="http://schemas.microsoft.com/office/drawing/2010/main" Requires="a14">
+      <mc:AlternateContent xmlns:mc="http://schemas.openxmlformats.org/markup-compatibility/2006" xmlns:a14="http://schemas.microsoft.com/office/drawing/2010/main">
+        <mc:Choice Requires="a14">
           <p:sp>
             <p:nvSpPr>
               <p:cNvPr id="50" name="TextBox 49">
@@ -13009,6 +13445,7 @@
               </a:bodyPr>
               <a:lstStyle/>
               <a:p>
+                <a:pPr/>
                 <a14:m>
                   <m:oMathPara xmlns:m="http://schemas.openxmlformats.org/officeDocument/2006/math">
                     <m:oMathParaPr>
@@ -13060,7 +13497,7 @@
             </p:txBody>
           </p:sp>
         </mc:Choice>
-        <mc:Fallback>
+        <mc:Fallback xmlns="">
           <p:sp>
             <p:nvSpPr>
               <p:cNvPr id="50" name="TextBox 49">
@@ -13105,6 +13542,117 @@
           </p:sp>
         </mc:Fallback>
       </mc:AlternateContent>
+      <p:sp>
+        <p:nvSpPr>
+          <p:cNvPr id="60" name="Oval 59">
+            <a:extLst>
+              <a:ext uri="{FF2B5EF4-FFF2-40B4-BE49-F238E27FC236}">
+                <a16:creationId xmlns:a16="http://schemas.microsoft.com/office/drawing/2014/main" id="{35FAC20A-9979-47EC-842F-B5B6DDEFEB17}"/>
+              </a:ext>
+            </a:extLst>
+          </p:cNvPr>
+          <p:cNvSpPr/>
+          <p:nvPr/>
+        </p:nvSpPr>
+        <p:spPr>
+          <a:xfrm rot="21251782">
+            <a:off x="2751021" y="2521140"/>
+            <a:ext cx="609600" cy="228595"/>
+          </a:xfrm>
+          <a:prstGeom prst="ellipse">
+            <a:avLst/>
+          </a:prstGeom>
+          <a:noFill/>
+          <a:ln>
+            <a:solidFill>
+              <a:schemeClr val="tx1"/>
+            </a:solidFill>
+            <a:prstDash val="sysDot"/>
+          </a:ln>
+        </p:spPr>
+        <p:style>
+          <a:lnRef idx="2">
+            <a:schemeClr val="accent1">
+              <a:shade val="50000"/>
+            </a:schemeClr>
+          </a:lnRef>
+          <a:fillRef idx="1">
+            <a:schemeClr val="accent1"/>
+          </a:fillRef>
+          <a:effectRef idx="0">
+            <a:schemeClr val="accent1"/>
+          </a:effectRef>
+          <a:fontRef idx="minor">
+            <a:schemeClr val="lt1"/>
+          </a:fontRef>
+        </p:style>
+        <p:txBody>
+          <a:bodyPr rtlCol="0" anchor="ctr"/>
+          <a:lstStyle/>
+          <a:p>
+            <a:pPr algn="ctr"/>
+            <a:endParaRPr lang="en-US"/>
+          </a:p>
+        </p:txBody>
+      </p:sp>
+      <p:sp>
+        <p:nvSpPr>
+          <p:cNvPr id="47" name="Diamond 46">
+            <a:extLst>
+              <a:ext uri="{FF2B5EF4-FFF2-40B4-BE49-F238E27FC236}">
+                <a16:creationId xmlns:a16="http://schemas.microsoft.com/office/drawing/2014/main" id="{66641687-635C-4053-8C7B-D4F288A09C98}"/>
+              </a:ext>
+            </a:extLst>
+          </p:cNvPr>
+          <p:cNvSpPr/>
+          <p:nvPr/>
+        </p:nvSpPr>
+        <p:spPr>
+          <a:xfrm>
+            <a:off x="3245929" y="2516685"/>
+            <a:ext cx="228600" cy="199739"/>
+          </a:xfrm>
+          <a:prstGeom prst="diamond">
+            <a:avLst/>
+          </a:prstGeom>
+          <a:solidFill>
+            <a:schemeClr val="bg1">
+              <a:lumMod val="85000"/>
+            </a:schemeClr>
+          </a:solidFill>
+          <a:ln>
+            <a:solidFill>
+              <a:schemeClr val="bg1">
+                <a:lumMod val="50000"/>
+              </a:schemeClr>
+            </a:solidFill>
+          </a:ln>
+        </p:spPr>
+        <p:style>
+          <a:lnRef idx="2">
+            <a:schemeClr val="accent1">
+              <a:shade val="50000"/>
+            </a:schemeClr>
+          </a:lnRef>
+          <a:fillRef idx="1">
+            <a:schemeClr val="accent1"/>
+          </a:fillRef>
+          <a:effectRef idx="0">
+            <a:schemeClr val="accent1"/>
+          </a:effectRef>
+          <a:fontRef idx="minor">
+            <a:schemeClr val="lt1"/>
+          </a:fontRef>
+        </p:style>
+        <p:txBody>
+          <a:bodyPr rtlCol="0" anchor="ctr"/>
+          <a:lstStyle/>
+          <a:p>
+            <a:pPr algn="ctr"/>
+            <a:endParaRPr lang="en-US"/>
+          </a:p>
+        </p:txBody>
+      </p:sp>
     </p:spTree>
     <p:extLst>
       <p:ext uri="{BB962C8B-B14F-4D97-AF65-F5344CB8AC3E}">
@@ -13137,6 +13685,116 @@
       </p:grpSpPr>
       <p:cxnSp>
         <p:nvCxnSpPr>
+          <p:cNvPr id="8" name="Straight Arrow Connector 7">
+            <a:extLst>
+              <a:ext uri="{FF2B5EF4-FFF2-40B4-BE49-F238E27FC236}">
+                <a16:creationId xmlns:a16="http://schemas.microsoft.com/office/drawing/2014/main" id="{9D463C8A-3837-4150-96EC-EB03A4690A29}"/>
+              </a:ext>
+            </a:extLst>
+          </p:cNvPr>
+          <p:cNvCxnSpPr>
+            <a:cxnSpLocks/>
+          </p:cNvCxnSpPr>
+          <p:nvPr/>
+        </p:nvCxnSpPr>
+        <p:spPr>
+          <a:xfrm flipV="1">
+            <a:off x="2057400" y="914400"/>
+            <a:ext cx="0" cy="2971800"/>
+          </a:xfrm>
+          <a:prstGeom prst="straightConnector1">
+            <a:avLst/>
+          </a:prstGeom>
+          <a:ln w="28575">
+            <a:solidFill>
+              <a:schemeClr val="bg1">
+                <a:lumMod val="75000"/>
+              </a:schemeClr>
+            </a:solidFill>
+            <a:tailEnd type="triangle"/>
+          </a:ln>
+        </p:spPr>
+        <p:style>
+          <a:lnRef idx="1">
+            <a:schemeClr val="accent1"/>
+          </a:lnRef>
+          <a:fillRef idx="0">
+            <a:schemeClr val="accent1"/>
+          </a:fillRef>
+          <a:effectRef idx="0">
+            <a:schemeClr val="accent1"/>
+          </a:effectRef>
+          <a:fontRef idx="minor">
+            <a:schemeClr val="tx1"/>
+          </a:fontRef>
+        </p:style>
+      </p:cxnSp>
+      <p:sp>
+        <p:nvSpPr>
+          <p:cNvPr id="47" name="Oval 46">
+            <a:extLst>
+              <a:ext uri="{FF2B5EF4-FFF2-40B4-BE49-F238E27FC236}">
+                <a16:creationId xmlns:a16="http://schemas.microsoft.com/office/drawing/2014/main" id="{3E7AD5C7-0293-4D14-A336-F8A1FA3BB1BF}"/>
+              </a:ext>
+            </a:extLst>
+          </p:cNvPr>
+          <p:cNvSpPr/>
+          <p:nvPr/>
+        </p:nvSpPr>
+        <p:spPr>
+          <a:xfrm rot="21400820">
+            <a:off x="1197286" y="2352616"/>
+            <a:ext cx="2402893" cy="353606"/>
+          </a:xfrm>
+          <a:prstGeom prst="ellipse">
+            <a:avLst/>
+          </a:prstGeom>
+          <a:solidFill>
+            <a:schemeClr val="bg1">
+              <a:lumMod val="75000"/>
+              <a:alpha val="26000"/>
+            </a:schemeClr>
+          </a:solidFill>
+          <a:ln>
+            <a:solidFill>
+              <a:schemeClr val="bg1">
+                <a:lumMod val="50000"/>
+              </a:schemeClr>
+            </a:solidFill>
+          </a:ln>
+        </p:spPr>
+        <p:style>
+          <a:lnRef idx="2">
+            <a:schemeClr val="accent1">
+              <a:shade val="50000"/>
+            </a:schemeClr>
+          </a:lnRef>
+          <a:fillRef idx="1">
+            <a:schemeClr val="accent1"/>
+          </a:fillRef>
+          <a:effectRef idx="0">
+            <a:schemeClr val="accent1"/>
+          </a:effectRef>
+          <a:fontRef idx="minor">
+            <a:schemeClr val="lt1"/>
+          </a:fontRef>
+        </p:style>
+        <p:txBody>
+          <a:bodyPr rot="0" spcFirstLastPara="0" vertOverflow="overflow" horzOverflow="overflow" vert="horz" wrap="square" lIns="91440" tIns="45720" rIns="91440" bIns="45720" numCol="1" spcCol="0" rtlCol="0" fromWordArt="0" anchor="ctr" anchorCtr="0" forceAA="0" compatLnSpc="1">
+            <a:prstTxWarp prst="textNoShape">
+              <a:avLst/>
+            </a:prstTxWarp>
+            <a:noAutofit/>
+          </a:bodyPr>
+          <a:lstStyle/>
+          <a:p>
+            <a:pPr algn="ctr"/>
+            <a:endParaRPr lang="en-US" dirty="0"/>
+          </a:p>
+        </p:txBody>
+      </p:sp>
+      <p:cxnSp>
+        <p:nvCxnSpPr>
           <p:cNvPr id="3" name="Straight Arrow Connector 2">
             <a:extLst>
               <a:ext uri="{FF2B5EF4-FFF2-40B4-BE49-F238E27FC236}">
@@ -13199,52 +13857,6 @@
           <a:xfrm>
             <a:off x="2057400" y="3886200"/>
             <a:ext cx="2667000" cy="0"/>
-          </a:xfrm>
-          <a:prstGeom prst="straightConnector1">
-            <a:avLst/>
-          </a:prstGeom>
-          <a:ln w="28575">
-            <a:solidFill>
-              <a:schemeClr val="bg1">
-                <a:lumMod val="75000"/>
-              </a:schemeClr>
-            </a:solidFill>
-            <a:tailEnd type="triangle"/>
-          </a:ln>
-        </p:spPr>
-        <p:style>
-          <a:lnRef idx="1">
-            <a:schemeClr val="accent1"/>
-          </a:lnRef>
-          <a:fillRef idx="0">
-            <a:schemeClr val="accent1"/>
-          </a:fillRef>
-          <a:effectRef idx="0">
-            <a:schemeClr val="accent1"/>
-          </a:effectRef>
-          <a:fontRef idx="minor">
-            <a:schemeClr val="tx1"/>
-          </a:fontRef>
-        </p:style>
-      </p:cxnSp>
-      <p:cxnSp>
-        <p:nvCxnSpPr>
-          <p:cNvPr id="8" name="Straight Arrow Connector 7">
-            <a:extLst>
-              <a:ext uri="{FF2B5EF4-FFF2-40B4-BE49-F238E27FC236}">
-                <a16:creationId xmlns:a16="http://schemas.microsoft.com/office/drawing/2014/main" id="{9D463C8A-3837-4150-96EC-EB03A4690A29}"/>
-              </a:ext>
-            </a:extLst>
-          </p:cNvPr>
-          <p:cNvCxnSpPr>
-            <a:cxnSpLocks/>
-          </p:cNvCxnSpPr>
-          <p:nvPr/>
-        </p:nvCxnSpPr>
-        <p:spPr>
-          <a:xfrm flipV="1">
-            <a:off x="2057400" y="914400"/>
-            <a:ext cx="0" cy="2971800"/>
           </a:xfrm>
           <a:prstGeom prst="straightConnector1">
             <a:avLst/>
@@ -14045,7 +14657,7 @@
           <a:lstStyle/>
           <a:p>
             <a:pPr algn="ctr"/>
-            <a:endParaRPr lang="en-US"/>
+            <a:endParaRPr lang="en-US" dirty="0"/>
           </a:p>
         </p:txBody>
       </p:sp>
@@ -14163,8 +14775,8 @@
           </a:p>
         </p:txBody>
       </p:sp>
-      <mc:AlternateContent xmlns:mc="http://schemas.openxmlformats.org/markup-compatibility/2006">
-        <mc:Choice xmlns:a14="http://schemas.microsoft.com/office/drawing/2010/main" Requires="a14">
+      <mc:AlternateContent xmlns:mc="http://schemas.openxmlformats.org/markup-compatibility/2006" xmlns:a14="http://schemas.microsoft.com/office/drawing/2010/main">
+        <mc:Choice Requires="a14">
           <p:sp>
             <p:nvSpPr>
               <p:cNvPr id="69" name="TextBox 68">
@@ -14195,6 +14807,7 @@
               </a:bodyPr>
               <a:lstStyle/>
               <a:p>
+                <a:pPr/>
                 <a14:m>
                   <m:oMathPara xmlns:m="http://schemas.openxmlformats.org/officeDocument/2006/math">
                     <m:oMathParaPr>
@@ -14215,7 +14828,7 @@
             </p:txBody>
           </p:sp>
         </mc:Choice>
-        <mc:Fallback>
+        <mc:Fallback xmlns="">
           <p:sp>
             <p:nvSpPr>
               <p:cNvPr id="69" name="TextBox 68">
@@ -14260,8 +14873,8 @@
           </p:sp>
         </mc:Fallback>
       </mc:AlternateContent>
-      <mc:AlternateContent xmlns:mc="http://schemas.openxmlformats.org/markup-compatibility/2006">
-        <mc:Choice xmlns:a14="http://schemas.microsoft.com/office/drawing/2010/main" Requires="a14">
+      <mc:AlternateContent xmlns:mc="http://schemas.openxmlformats.org/markup-compatibility/2006" xmlns:a14="http://schemas.microsoft.com/office/drawing/2010/main">
+        <mc:Choice Requires="a14">
           <p:sp>
             <p:nvSpPr>
               <p:cNvPr id="70" name="TextBox 69">
@@ -14292,6 +14905,7 @@
               </a:bodyPr>
               <a:lstStyle/>
               <a:p>
+                <a:pPr/>
                 <a14:m>
                   <m:oMathPara xmlns:m="http://schemas.openxmlformats.org/officeDocument/2006/math">
                     <m:oMathParaPr>
@@ -14312,7 +14926,7 @@
             </p:txBody>
           </p:sp>
         </mc:Choice>
-        <mc:Fallback>
+        <mc:Fallback xmlns="">
           <p:sp>
             <p:nvSpPr>
               <p:cNvPr id="70" name="TextBox 69">
@@ -14357,8 +14971,8 @@
           </p:sp>
         </mc:Fallback>
       </mc:AlternateContent>
-      <mc:AlternateContent xmlns:mc="http://schemas.openxmlformats.org/markup-compatibility/2006">
-        <mc:Choice xmlns:a14="http://schemas.microsoft.com/office/drawing/2010/main" Requires="a14">
+      <mc:AlternateContent xmlns:mc="http://schemas.openxmlformats.org/markup-compatibility/2006" xmlns:a14="http://schemas.microsoft.com/office/drawing/2010/main">
+        <mc:Choice Requires="a14">
           <p:sp>
             <p:nvSpPr>
               <p:cNvPr id="71" name="TextBox 70">
@@ -14389,6 +15003,7 @@
               </a:bodyPr>
               <a:lstStyle/>
               <a:p>
+                <a:pPr/>
                 <a14:m>
                   <m:oMathPara xmlns:m="http://schemas.openxmlformats.org/officeDocument/2006/math">
                     <m:oMathParaPr>
@@ -14409,7 +15024,7 @@
             </p:txBody>
           </p:sp>
         </mc:Choice>
-        <mc:Fallback>
+        <mc:Fallback xmlns="">
           <p:sp>
             <p:nvSpPr>
               <p:cNvPr id="71" name="TextBox 70">
@@ -14454,70 +15069,6 @@
           </p:sp>
         </mc:Fallback>
       </mc:AlternateContent>
-      <p:sp>
-        <p:nvSpPr>
-          <p:cNvPr id="47" name="Oval 46">
-            <a:extLst>
-              <a:ext uri="{FF2B5EF4-FFF2-40B4-BE49-F238E27FC236}">
-                <a16:creationId xmlns:a16="http://schemas.microsoft.com/office/drawing/2014/main" id="{3E7AD5C7-0293-4D14-A336-F8A1FA3BB1BF}"/>
-              </a:ext>
-            </a:extLst>
-          </p:cNvPr>
-          <p:cNvSpPr/>
-          <p:nvPr/>
-        </p:nvSpPr>
-        <p:spPr>
-          <a:xfrm rot="21400820">
-            <a:off x="1197286" y="2352616"/>
-            <a:ext cx="2402893" cy="353606"/>
-          </a:xfrm>
-          <a:prstGeom prst="ellipse">
-            <a:avLst/>
-          </a:prstGeom>
-          <a:solidFill>
-            <a:schemeClr val="bg1">
-              <a:lumMod val="75000"/>
-              <a:alpha val="26000"/>
-            </a:schemeClr>
-          </a:solidFill>
-          <a:ln>
-            <a:solidFill>
-              <a:schemeClr val="bg1">
-                <a:lumMod val="50000"/>
-              </a:schemeClr>
-            </a:solidFill>
-          </a:ln>
-        </p:spPr>
-        <p:style>
-          <a:lnRef idx="2">
-            <a:schemeClr val="accent1">
-              <a:shade val="50000"/>
-            </a:schemeClr>
-          </a:lnRef>
-          <a:fillRef idx="1">
-            <a:schemeClr val="accent1"/>
-          </a:fillRef>
-          <a:effectRef idx="0">
-            <a:schemeClr val="accent1"/>
-          </a:effectRef>
-          <a:fontRef idx="minor">
-            <a:schemeClr val="lt1"/>
-          </a:fontRef>
-        </p:style>
-        <p:txBody>
-          <a:bodyPr rot="0" spcFirstLastPara="0" vertOverflow="overflow" horzOverflow="overflow" vert="horz" wrap="square" lIns="91440" tIns="45720" rIns="91440" bIns="45720" numCol="1" spcCol="0" rtlCol="0" fromWordArt="0" anchor="ctr" anchorCtr="0" forceAA="0" compatLnSpc="1">
-            <a:prstTxWarp prst="textNoShape">
-              <a:avLst/>
-            </a:prstTxWarp>
-            <a:noAutofit/>
-          </a:bodyPr>
-          <a:lstStyle/>
-          <a:p>
-            <a:pPr algn="ctr"/>
-            <a:endParaRPr lang="en-US" dirty="0"/>
-          </a:p>
-        </p:txBody>
-      </p:sp>
       <p:sp>
         <p:nvSpPr>
           <p:cNvPr id="54" name="Freeform: Shape 53">
@@ -15069,7 +15620,7 @@
         <p:spPr>
           <a:xfrm>
             <a:off x="1257300" y="2517976"/>
-            <a:ext cx="2287938" cy="572220"/>
+            <a:ext cx="2287938" cy="604417"/>
           </a:xfrm>
           <a:custGeom>
             <a:avLst/>
@@ -15192,6 +15743,34 @@
               <a:gd name="connsiteY12" fmla="*/ 0 h 572220"/>
               <a:gd name="connsiteX13" fmla="*/ 872321 w 1799725"/>
               <a:gd name="connsiteY13" fmla="*/ 572220 h 572220"/>
+              <a:gd name="connsiteX0" fmla="*/ 887517 w 1799725"/>
+              <a:gd name="connsiteY0" fmla="*/ 604417 h 604417"/>
+              <a:gd name="connsiteX1" fmla="*/ 0 w 1799725"/>
+              <a:gd name="connsiteY1" fmla="*/ 127929 h 604417"/>
+              <a:gd name="connsiteX2" fmla="*/ 100307 w 1799725"/>
+              <a:gd name="connsiteY2" fmla="*/ 155550 h 604417"/>
+              <a:gd name="connsiteX3" fmla="*/ 209338 w 1799725"/>
+              <a:gd name="connsiteY3" fmla="*/ 171541 h 604417"/>
+              <a:gd name="connsiteX4" fmla="*/ 364887 w 1799725"/>
+              <a:gd name="connsiteY4" fmla="*/ 184624 h 604417"/>
+              <a:gd name="connsiteX5" fmla="*/ 572772 w 1799725"/>
+              <a:gd name="connsiteY5" fmla="*/ 197708 h 604417"/>
+              <a:gd name="connsiteX6" fmla="*/ 770480 w 1799725"/>
+              <a:gd name="connsiteY6" fmla="*/ 191893 h 604417"/>
+              <a:gd name="connsiteX7" fmla="*/ 952197 w 1799725"/>
+              <a:gd name="connsiteY7" fmla="*/ 183170 h 604417"/>
+              <a:gd name="connsiteX8" fmla="*/ 1173165 w 1799725"/>
+              <a:gd name="connsiteY8" fmla="*/ 164272 h 604417"/>
+              <a:gd name="connsiteX9" fmla="*/ 1373780 w 1799725"/>
+              <a:gd name="connsiteY9" fmla="*/ 136651 h 604417"/>
+              <a:gd name="connsiteX10" fmla="*/ 1529330 w 1799725"/>
+              <a:gd name="connsiteY10" fmla="*/ 101761 h 604417"/>
+              <a:gd name="connsiteX11" fmla="*/ 1695056 w 1799725"/>
+              <a:gd name="connsiteY11" fmla="*/ 56695 h 604417"/>
+              <a:gd name="connsiteX12" fmla="*/ 1799725 w 1799725"/>
+              <a:gd name="connsiteY12" fmla="*/ 0 h 604417"/>
+              <a:gd name="connsiteX13" fmla="*/ 887517 w 1799725"/>
+              <a:gd name="connsiteY13" fmla="*/ 604417 h 604417"/>
             </a:gdLst>
             <a:ahLst/>
             <a:cxnLst>
@@ -15240,9 +15819,9 @@
             </a:cxnLst>
             <a:rect l="l" t="t" r="r" b="b"/>
             <a:pathLst>
-              <a:path w="1799725" h="572220">
+              <a:path w="1799725" h="604417">
                 <a:moveTo>
-                  <a:pt x="872321" y="572220"/>
+                  <a:pt x="887517" y="604417"/>
                 </a:moveTo>
                 <a:lnTo>
                   <a:pt x="0" y="127929"/>
@@ -15281,7 +15860,7 @@
                   <a:pt x="1799725" y="0"/>
                 </a:lnTo>
                 <a:lnTo>
-                  <a:pt x="872321" y="572220"/>
+                  <a:pt x="887517" y="604417"/>
                 </a:lnTo>
                 <a:close/>
               </a:path>
@@ -15383,8 +15962,8 @@
           </a:p>
         </p:txBody>
       </p:sp>
-      <mc:AlternateContent xmlns:mc="http://schemas.openxmlformats.org/markup-compatibility/2006">
-        <mc:Choice xmlns:a14="http://schemas.microsoft.com/office/drawing/2010/main" Requires="a14">
+      <mc:AlternateContent xmlns:mc="http://schemas.openxmlformats.org/markup-compatibility/2006" xmlns:a14="http://schemas.microsoft.com/office/drawing/2010/main">
+        <mc:Choice Requires="a14">
           <p:sp>
             <p:nvSpPr>
               <p:cNvPr id="74" name="TextBox 73">
@@ -15461,7 +16040,7 @@
             </p:txBody>
           </p:sp>
         </mc:Choice>
-        <mc:Fallback>
+        <mc:Fallback xmlns="">
           <p:sp>
             <p:nvSpPr>
               <p:cNvPr id="74" name="TextBox 73">
@@ -15506,8 +16085,8 @@
           </p:sp>
         </mc:Fallback>
       </mc:AlternateContent>
-      <mc:AlternateContent xmlns:mc="http://schemas.openxmlformats.org/markup-compatibility/2006">
-        <mc:Choice xmlns:a14="http://schemas.microsoft.com/office/drawing/2010/main" Requires="a14">
+      <mc:AlternateContent xmlns:mc="http://schemas.openxmlformats.org/markup-compatibility/2006" xmlns:a14="http://schemas.microsoft.com/office/drawing/2010/main">
+        <mc:Choice Requires="a14">
           <p:sp>
             <p:nvSpPr>
               <p:cNvPr id="75" name="TextBox 74">
@@ -15584,7 +16163,7 @@
             </p:txBody>
           </p:sp>
         </mc:Choice>
-        <mc:Fallback>
+        <mc:Fallback xmlns="">
           <p:sp>
             <p:nvSpPr>
               <p:cNvPr id="75" name="TextBox 74">
@@ -15718,10 +16297,5127 @@
           </a:fontRef>
         </p:style>
       </p:cxnSp>
+      <p:cxnSp>
+        <p:nvCxnSpPr>
+          <p:cNvPr id="6" name="Straight Connector 5">
+            <a:extLst>
+              <a:ext uri="{FF2B5EF4-FFF2-40B4-BE49-F238E27FC236}">
+                <a16:creationId xmlns:a16="http://schemas.microsoft.com/office/drawing/2014/main" id="{32424C31-09D8-440A-A250-E0200CE3FAAD}"/>
+              </a:ext>
+            </a:extLst>
+          </p:cNvPr>
+          <p:cNvCxnSpPr>
+            <a:cxnSpLocks/>
+          </p:cNvCxnSpPr>
+          <p:nvPr/>
+        </p:nvCxnSpPr>
+        <p:spPr>
+          <a:xfrm flipV="1">
+            <a:off x="3385118" y="2357788"/>
+            <a:ext cx="120082" cy="87545"/>
+          </a:xfrm>
+          <a:prstGeom prst="line">
+            <a:avLst/>
+          </a:prstGeom>
+          <a:noFill/>
+          <a:ln w="57150">
+            <a:solidFill>
+              <a:schemeClr val="tx1"/>
+            </a:solidFill>
+          </a:ln>
+        </p:spPr>
+        <p:style>
+          <a:lnRef idx="2">
+            <a:schemeClr val="accent1">
+              <a:shade val="50000"/>
+            </a:schemeClr>
+          </a:lnRef>
+          <a:fillRef idx="1">
+            <a:schemeClr val="accent1"/>
+          </a:fillRef>
+          <a:effectRef idx="0">
+            <a:schemeClr val="accent1"/>
+          </a:effectRef>
+          <a:fontRef idx="minor">
+            <a:schemeClr val="lt1"/>
+          </a:fontRef>
+        </p:style>
+      </p:cxnSp>
     </p:spTree>
     <p:extLst>
       <p:ext uri="{BB962C8B-B14F-4D97-AF65-F5344CB8AC3E}">
         <p14:creationId xmlns:p14="http://schemas.microsoft.com/office/powerpoint/2010/main" val="2930560599"/>
+      </p:ext>
+    </p:extLst>
+  </p:cSld>
+  <p:clrMapOvr>
+    <a:masterClrMapping/>
+  </p:clrMapOvr>
+</p:sld>
+</file>
+
+<file path=ppt/slides/slide8.xml><?xml version="1.0" encoding="utf-8"?>
+<p:sld xmlns:a="http://schemas.openxmlformats.org/drawingml/2006/main" xmlns:r="http://schemas.openxmlformats.org/officeDocument/2006/relationships" xmlns:p="http://schemas.openxmlformats.org/presentationml/2006/main">
+  <p:cSld>
+    <p:spTree>
+      <p:nvGrpSpPr>
+        <p:cNvPr id="1" name=""/>
+        <p:cNvGrpSpPr/>
+        <p:nvPr/>
+      </p:nvGrpSpPr>
+      <p:grpSpPr>
+        <a:xfrm>
+          <a:off x="0" y="0"/>
+          <a:ext cx="0" cy="0"/>
+          <a:chOff x="0" y="0"/>
+          <a:chExt cx="0" cy="0"/>
+        </a:xfrm>
+      </p:grpSpPr>
+      <p:sp>
+        <p:nvSpPr>
+          <p:cNvPr id="5" name="Rectangle 4">
+            <a:extLst>
+              <a:ext uri="{FF2B5EF4-FFF2-40B4-BE49-F238E27FC236}">
+                <a16:creationId xmlns:a16="http://schemas.microsoft.com/office/drawing/2014/main" id="{978381A7-402D-4619-BE38-D6F44DAFBA6F}"/>
+              </a:ext>
+            </a:extLst>
+          </p:cNvPr>
+          <p:cNvSpPr/>
+          <p:nvPr/>
+        </p:nvSpPr>
+        <p:spPr>
+          <a:xfrm>
+            <a:off x="5638800" y="933450"/>
+            <a:ext cx="2133600" cy="723900"/>
+          </a:xfrm>
+          <a:prstGeom prst="rect">
+            <a:avLst/>
+          </a:prstGeom>
+          <a:solidFill>
+            <a:schemeClr val="bg1"/>
+          </a:solidFill>
+          <a:ln w="38100" cmpd="thickThin">
+            <a:solidFill>
+              <a:schemeClr val="bg1">
+                <a:lumMod val="65000"/>
+              </a:schemeClr>
+            </a:solidFill>
+            <a:prstDash val="solid"/>
+          </a:ln>
+        </p:spPr>
+        <p:style>
+          <a:lnRef idx="2">
+            <a:schemeClr val="accent1">
+              <a:shade val="50000"/>
+            </a:schemeClr>
+          </a:lnRef>
+          <a:fillRef idx="1">
+            <a:schemeClr val="accent1"/>
+          </a:fillRef>
+          <a:effectRef idx="0">
+            <a:schemeClr val="accent1"/>
+          </a:effectRef>
+          <a:fontRef idx="minor">
+            <a:schemeClr val="lt1"/>
+          </a:fontRef>
+        </p:style>
+        <p:txBody>
+          <a:bodyPr rtlCol="0" anchor="ctr"/>
+          <a:lstStyle/>
+          <a:p>
+            <a:pPr algn="ctr"/>
+            <a:r>
+              <a:rPr lang="en-US" sz="1400" b="1" i="1" dirty="0">
+                <a:solidFill>
+                  <a:sysClr val="windowText" lastClr="000000"/>
+                </a:solidFill>
+                <a:latin typeface="Times New Roman" pitchFamily="18" charset="0"/>
+                <a:cs typeface="Times New Roman" pitchFamily="18" charset="0"/>
+              </a:rPr>
+              <a:t>Sim</a:t>
+            </a:r>
+          </a:p>
+          <a:p>
+            <a:pPr marL="171450" indent="-171450">
+              <a:buFont typeface="Arial" panose="020B0604020202020204" pitchFamily="34" charset="0"/>
+              <a:buChar char="•"/>
+            </a:pPr>
+            <a:r>
+              <a:rPr lang="en-US" sz="1200" i="1" dirty="0">
+                <a:solidFill>
+                  <a:sysClr val="windowText" lastClr="000000"/>
+                </a:solidFill>
+                <a:latin typeface="Times New Roman" pitchFamily="18" charset="0"/>
+                <a:cs typeface="Times New Roman" pitchFamily="18" charset="0"/>
+              </a:rPr>
+              <a:t>Available Simulation Suites</a:t>
+            </a:r>
+          </a:p>
+          <a:p>
+            <a:pPr marL="171450" indent="-171450">
+              <a:buFont typeface="Arial" panose="020B0604020202020204" pitchFamily="34" charset="0"/>
+              <a:buChar char="•"/>
+            </a:pPr>
+            <a:r>
+              <a:rPr lang="en-US" sz="1200" i="1" dirty="0">
+                <a:solidFill>
+                  <a:sysClr val="windowText" lastClr="000000"/>
+                </a:solidFill>
+                <a:latin typeface="Times New Roman" pitchFamily="18" charset="0"/>
+                <a:cs typeface="Times New Roman" pitchFamily="18" charset="0"/>
+              </a:rPr>
+              <a:t>Associated target objects</a:t>
+            </a:r>
+          </a:p>
+        </p:txBody>
+      </p:sp>
+      <p:cxnSp>
+        <p:nvCxnSpPr>
+          <p:cNvPr id="9" name="Straight Arrow Connector 8">
+            <a:extLst>
+              <a:ext uri="{FF2B5EF4-FFF2-40B4-BE49-F238E27FC236}">
+                <a16:creationId xmlns:a16="http://schemas.microsoft.com/office/drawing/2014/main" id="{E9CFEACE-EC32-4455-955F-37604ECCEC15}"/>
+              </a:ext>
+            </a:extLst>
+          </p:cNvPr>
+          <p:cNvCxnSpPr>
+            <a:cxnSpLocks/>
+            <a:stCxn id="5" idx="1"/>
+            <a:endCxn id="3" idx="3"/>
+          </p:cNvCxnSpPr>
+          <p:nvPr/>
+        </p:nvCxnSpPr>
+        <p:spPr>
+          <a:xfrm flipH="1">
+            <a:off x="5087198" y="1295400"/>
+            <a:ext cx="551602" cy="0"/>
+          </a:xfrm>
+          <a:prstGeom prst="straightConnector1">
+            <a:avLst/>
+          </a:prstGeom>
+          <a:ln w="38100">
+            <a:solidFill>
+              <a:schemeClr val="bg1">
+                <a:lumMod val="65000"/>
+              </a:schemeClr>
+            </a:solidFill>
+            <a:tailEnd type="triangle"/>
+          </a:ln>
+        </p:spPr>
+        <p:style>
+          <a:lnRef idx="1">
+            <a:schemeClr val="accent1"/>
+          </a:lnRef>
+          <a:fillRef idx="0">
+            <a:schemeClr val="accent1"/>
+          </a:fillRef>
+          <a:effectRef idx="0">
+            <a:schemeClr val="accent1"/>
+          </a:effectRef>
+          <a:fontRef idx="minor">
+            <a:schemeClr val="tx1"/>
+          </a:fontRef>
+        </p:style>
+      </p:cxnSp>
+      <p:sp>
+        <p:nvSpPr>
+          <p:cNvPr id="20" name="Rectangle 19">
+            <a:extLst>
+              <a:ext uri="{FF2B5EF4-FFF2-40B4-BE49-F238E27FC236}">
+                <a16:creationId xmlns:a16="http://schemas.microsoft.com/office/drawing/2014/main" id="{149D0B98-BB59-42CA-A36A-F1E351331107}"/>
+              </a:ext>
+            </a:extLst>
+          </p:cNvPr>
+          <p:cNvSpPr/>
+          <p:nvPr/>
+        </p:nvSpPr>
+        <p:spPr>
+          <a:xfrm>
+            <a:off x="5638800" y="1952277"/>
+            <a:ext cx="2133600" cy="685800"/>
+          </a:xfrm>
+          <a:prstGeom prst="rect">
+            <a:avLst/>
+          </a:prstGeom>
+          <a:solidFill>
+            <a:schemeClr val="bg1"/>
+          </a:solidFill>
+          <a:ln w="38100" cmpd="thickThin">
+            <a:solidFill>
+              <a:schemeClr val="bg1">
+                <a:lumMod val="65000"/>
+              </a:schemeClr>
+            </a:solidFill>
+            <a:prstDash val="solid"/>
+          </a:ln>
+        </p:spPr>
+        <p:style>
+          <a:lnRef idx="2">
+            <a:schemeClr val="accent1">
+              <a:shade val="50000"/>
+            </a:schemeClr>
+          </a:lnRef>
+          <a:fillRef idx="1">
+            <a:schemeClr val="accent1"/>
+          </a:fillRef>
+          <a:effectRef idx="0">
+            <a:schemeClr val="accent1"/>
+          </a:effectRef>
+          <a:fontRef idx="minor">
+            <a:schemeClr val="lt1"/>
+          </a:fontRef>
+        </p:style>
+        <p:txBody>
+          <a:bodyPr rtlCol="0" anchor="ctr"/>
+          <a:lstStyle/>
+          <a:p>
+            <a:pPr algn="ctr"/>
+            <a:r>
+              <a:rPr lang="en-US" sz="1400" b="1" i="1" dirty="0">
+                <a:solidFill>
+                  <a:sysClr val="windowText" lastClr="000000"/>
+                </a:solidFill>
+                <a:latin typeface="Times New Roman" pitchFamily="18" charset="0"/>
+                <a:cs typeface="Times New Roman" pitchFamily="18" charset="0"/>
+              </a:rPr>
+              <a:t>Sim Objects</a:t>
+            </a:r>
+          </a:p>
+          <a:p>
+            <a:pPr marL="171450" indent="-171450">
+              <a:buFont typeface="Arial" panose="020B0604020202020204" pitchFamily="34" charset="0"/>
+              <a:buChar char="•"/>
+            </a:pPr>
+            <a:r>
+              <a:rPr lang="en-US" sz="1200" i="1" dirty="0">
+                <a:solidFill>
+                  <a:sysClr val="windowText" lastClr="000000"/>
+                </a:solidFill>
+                <a:latin typeface="Times New Roman" pitchFamily="18" charset="0"/>
+                <a:cs typeface="Times New Roman" pitchFamily="18" charset="0"/>
+              </a:rPr>
+              <a:t>All available target objects</a:t>
+            </a:r>
+          </a:p>
+          <a:p>
+            <a:pPr marL="171450" indent="-171450">
+              <a:buFont typeface="Arial" panose="020B0604020202020204" pitchFamily="34" charset="0"/>
+              <a:buChar char="•"/>
+            </a:pPr>
+            <a:r>
+              <a:rPr lang="en-US" sz="1200" i="1" dirty="0">
+                <a:solidFill>
+                  <a:sysClr val="windowText" lastClr="000000"/>
+                </a:solidFill>
+                <a:latin typeface="Times New Roman" pitchFamily="18" charset="0"/>
+                <a:cs typeface="Times New Roman" pitchFamily="18" charset="0"/>
+              </a:rPr>
+              <a:t>Associated sim path points</a:t>
+            </a:r>
+          </a:p>
+        </p:txBody>
+      </p:sp>
+      <p:sp>
+        <p:nvSpPr>
+          <p:cNvPr id="3" name="Rectangle 2">
+            <a:extLst>
+              <a:ext uri="{FF2B5EF4-FFF2-40B4-BE49-F238E27FC236}">
+                <a16:creationId xmlns:a16="http://schemas.microsoft.com/office/drawing/2014/main" id="{3BE47A04-AC1A-4547-B134-EE71D28166C8}"/>
+              </a:ext>
+            </a:extLst>
+          </p:cNvPr>
+          <p:cNvSpPr/>
+          <p:nvPr/>
+        </p:nvSpPr>
+        <p:spPr>
+          <a:xfrm>
+            <a:off x="3200400" y="762000"/>
+            <a:ext cx="1886798" cy="1066800"/>
+          </a:xfrm>
+          <a:prstGeom prst="rect">
+            <a:avLst/>
+          </a:prstGeom>
+          <a:solidFill>
+            <a:schemeClr val="bg1">
+              <a:lumMod val="95000"/>
+            </a:schemeClr>
+          </a:solidFill>
+          <a:ln w="38100" cmpd="thickThin">
+            <a:solidFill>
+              <a:schemeClr val="tx1"/>
+            </a:solidFill>
+            <a:prstDash val="solid"/>
+          </a:ln>
+        </p:spPr>
+        <p:style>
+          <a:lnRef idx="2">
+            <a:schemeClr val="accent1">
+              <a:shade val="50000"/>
+            </a:schemeClr>
+          </a:lnRef>
+          <a:fillRef idx="1">
+            <a:schemeClr val="accent1"/>
+          </a:fillRef>
+          <a:effectRef idx="0">
+            <a:schemeClr val="accent1"/>
+          </a:effectRef>
+          <a:fontRef idx="minor">
+            <a:schemeClr val="lt1"/>
+          </a:fontRef>
+        </p:style>
+        <p:txBody>
+          <a:bodyPr rtlCol="0" anchor="ctr"/>
+          <a:lstStyle/>
+          <a:p>
+            <a:pPr algn="ctr"/>
+            <a:r>
+              <a:rPr lang="en-US" sz="1400" b="1" dirty="0">
+                <a:solidFill>
+                  <a:sysClr val="windowText" lastClr="000000"/>
+                </a:solidFill>
+                <a:latin typeface="Times New Roman" pitchFamily="18" charset="0"/>
+                <a:cs typeface="Times New Roman" pitchFamily="18" charset="0"/>
+              </a:rPr>
+              <a:t>Settings</a:t>
+            </a:r>
+          </a:p>
+          <a:p>
+            <a:pPr marL="171450" indent="-171450">
+              <a:buFont typeface="Arial" panose="020B0604020202020204" pitchFamily="34" charset="0"/>
+              <a:buChar char="•"/>
+            </a:pPr>
+            <a:r>
+              <a:rPr lang="en-US" sz="1200" dirty="0">
+                <a:solidFill>
+                  <a:sysClr val="windowText" lastClr="000000"/>
+                </a:solidFill>
+                <a:latin typeface="Times New Roman" pitchFamily="18" charset="0"/>
+                <a:cs typeface="Times New Roman" pitchFamily="18" charset="0"/>
+              </a:rPr>
+              <a:t>Geography used</a:t>
+            </a:r>
+          </a:p>
+          <a:p>
+            <a:pPr marL="171450" indent="-171450">
+              <a:buFont typeface="Arial" panose="020B0604020202020204" pitchFamily="34" charset="0"/>
+              <a:buChar char="•"/>
+            </a:pPr>
+            <a:r>
+              <a:rPr lang="en-US" sz="1200" i="1" dirty="0">
+                <a:solidFill>
+                  <a:sysClr val="windowText" lastClr="000000"/>
+                </a:solidFill>
+                <a:latin typeface="Times New Roman" pitchFamily="18" charset="0"/>
+                <a:cs typeface="Times New Roman" pitchFamily="18" charset="0"/>
+              </a:rPr>
+              <a:t>Simulation used</a:t>
+            </a:r>
+          </a:p>
+          <a:p>
+            <a:pPr marL="171450" indent="-171450">
+              <a:buFont typeface="Arial" panose="020B0604020202020204" pitchFamily="34" charset="0"/>
+              <a:buChar char="•"/>
+            </a:pPr>
+            <a:r>
+              <a:rPr lang="en-US" sz="1200" dirty="0">
+                <a:solidFill>
+                  <a:sysClr val="windowText" lastClr="000000"/>
+                </a:solidFill>
+                <a:latin typeface="Times New Roman" pitchFamily="18" charset="0"/>
+                <a:cs typeface="Times New Roman" pitchFamily="18" charset="0"/>
+              </a:rPr>
+              <a:t>Fleet parameters</a:t>
+            </a:r>
+          </a:p>
+          <a:p>
+            <a:pPr marL="171450" indent="-171450">
+              <a:buFont typeface="Arial" panose="020B0604020202020204" pitchFamily="34" charset="0"/>
+              <a:buChar char="•"/>
+            </a:pPr>
+            <a:r>
+              <a:rPr lang="en-US" sz="1200" dirty="0">
+                <a:solidFill>
+                  <a:sysClr val="windowText" lastClr="000000"/>
+                </a:solidFill>
+                <a:latin typeface="Times New Roman" pitchFamily="18" charset="0"/>
+                <a:cs typeface="Times New Roman" pitchFamily="18" charset="0"/>
+              </a:rPr>
+              <a:t>Algorithm parameters</a:t>
+            </a:r>
+          </a:p>
+        </p:txBody>
+      </p:sp>
+      <p:sp>
+        <p:nvSpPr>
+          <p:cNvPr id="4" name="Rectangle 3">
+            <a:extLst>
+              <a:ext uri="{FF2B5EF4-FFF2-40B4-BE49-F238E27FC236}">
+                <a16:creationId xmlns:a16="http://schemas.microsoft.com/office/drawing/2014/main" id="{3CDDE0EF-BBAD-4CF7-88C2-F3B6E7633B2D}"/>
+              </a:ext>
+            </a:extLst>
+          </p:cNvPr>
+          <p:cNvSpPr/>
+          <p:nvPr/>
+        </p:nvSpPr>
+        <p:spPr>
+          <a:xfrm>
+            <a:off x="838200" y="933450"/>
+            <a:ext cx="1810598" cy="723900"/>
+          </a:xfrm>
+          <a:prstGeom prst="rect">
+            <a:avLst/>
+          </a:prstGeom>
+          <a:solidFill>
+            <a:schemeClr val="bg1">
+              <a:lumMod val="95000"/>
+            </a:schemeClr>
+          </a:solidFill>
+          <a:ln w="38100" cmpd="thickThin">
+            <a:solidFill>
+              <a:schemeClr val="tx1"/>
+            </a:solidFill>
+            <a:prstDash val="solid"/>
+          </a:ln>
+        </p:spPr>
+        <p:style>
+          <a:lnRef idx="2">
+            <a:schemeClr val="accent1">
+              <a:shade val="50000"/>
+            </a:schemeClr>
+          </a:lnRef>
+          <a:fillRef idx="1">
+            <a:schemeClr val="accent1"/>
+          </a:fillRef>
+          <a:effectRef idx="0">
+            <a:schemeClr val="accent1"/>
+          </a:effectRef>
+          <a:fontRef idx="minor">
+            <a:schemeClr val="lt1"/>
+          </a:fontRef>
+        </p:style>
+        <p:txBody>
+          <a:bodyPr rtlCol="0" anchor="ctr"/>
+          <a:lstStyle/>
+          <a:p>
+            <a:pPr algn="ctr"/>
+            <a:r>
+              <a:rPr lang="en-US" sz="1400" b="1" dirty="0">
+                <a:solidFill>
+                  <a:sysClr val="windowText" lastClr="000000"/>
+                </a:solidFill>
+                <a:latin typeface="Times New Roman" pitchFamily="18" charset="0"/>
+                <a:cs typeface="Times New Roman" pitchFamily="18" charset="0"/>
+              </a:rPr>
+              <a:t>Geo</a:t>
+            </a:r>
+          </a:p>
+          <a:p>
+            <a:pPr marL="171450" indent="-171450">
+              <a:buFont typeface="Arial" panose="020B0604020202020204" pitchFamily="34" charset="0"/>
+              <a:buChar char="•"/>
+            </a:pPr>
+            <a:r>
+              <a:rPr lang="en-US" sz="1200" dirty="0">
+                <a:solidFill>
+                  <a:sysClr val="windowText" lastClr="000000"/>
+                </a:solidFill>
+                <a:latin typeface="Times New Roman" pitchFamily="18" charset="0"/>
+                <a:cs typeface="Times New Roman" pitchFamily="18" charset="0"/>
+              </a:rPr>
+              <a:t>Geography description</a:t>
+            </a:r>
+          </a:p>
+          <a:p>
+            <a:pPr marL="171450" indent="-171450">
+              <a:buFont typeface="Arial" panose="020B0604020202020204" pitchFamily="34" charset="0"/>
+              <a:buChar char="•"/>
+            </a:pPr>
+            <a:r>
+              <a:rPr lang="en-US" sz="1200" dirty="0">
+                <a:solidFill>
+                  <a:sysClr val="windowText" lastClr="000000"/>
+                </a:solidFill>
+                <a:latin typeface="Times New Roman" pitchFamily="18" charset="0"/>
+                <a:cs typeface="Times New Roman" pitchFamily="18" charset="0"/>
+              </a:rPr>
+              <a:t>Associated airports</a:t>
+            </a:r>
+          </a:p>
+        </p:txBody>
+      </p:sp>
+      <p:cxnSp>
+        <p:nvCxnSpPr>
+          <p:cNvPr id="7" name="Straight Arrow Connector 6">
+            <a:extLst>
+              <a:ext uri="{FF2B5EF4-FFF2-40B4-BE49-F238E27FC236}">
+                <a16:creationId xmlns:a16="http://schemas.microsoft.com/office/drawing/2014/main" id="{4F52CCD3-F53C-4C21-A030-AF785FBC5081}"/>
+              </a:ext>
+            </a:extLst>
+          </p:cNvPr>
+          <p:cNvCxnSpPr>
+            <a:cxnSpLocks/>
+            <a:stCxn id="4" idx="3"/>
+            <a:endCxn id="3" idx="1"/>
+          </p:cNvCxnSpPr>
+          <p:nvPr/>
+        </p:nvCxnSpPr>
+        <p:spPr>
+          <a:xfrm>
+            <a:off x="2648798" y="1295400"/>
+            <a:ext cx="551602" cy="0"/>
+          </a:xfrm>
+          <a:prstGeom prst="straightConnector1">
+            <a:avLst/>
+          </a:prstGeom>
+          <a:ln w="38100">
+            <a:solidFill>
+              <a:schemeClr val="tx1"/>
+            </a:solidFill>
+            <a:tailEnd type="triangle"/>
+          </a:ln>
+        </p:spPr>
+        <p:style>
+          <a:lnRef idx="1">
+            <a:schemeClr val="accent1"/>
+          </a:lnRef>
+          <a:fillRef idx="0">
+            <a:schemeClr val="accent1"/>
+          </a:fillRef>
+          <a:effectRef idx="0">
+            <a:schemeClr val="accent1"/>
+          </a:effectRef>
+          <a:fontRef idx="minor">
+            <a:schemeClr val="tx1"/>
+          </a:fontRef>
+        </p:style>
+      </p:cxnSp>
+      <p:sp>
+        <p:nvSpPr>
+          <p:cNvPr id="19" name="Rectangle 18">
+            <a:extLst>
+              <a:ext uri="{FF2B5EF4-FFF2-40B4-BE49-F238E27FC236}">
+                <a16:creationId xmlns:a16="http://schemas.microsoft.com/office/drawing/2014/main" id="{A53B17F5-1CAE-41F3-94D6-49FF4D07CA70}"/>
+              </a:ext>
+            </a:extLst>
+          </p:cNvPr>
+          <p:cNvSpPr/>
+          <p:nvPr/>
+        </p:nvSpPr>
+        <p:spPr>
+          <a:xfrm>
+            <a:off x="838200" y="1947843"/>
+            <a:ext cx="1810598" cy="685954"/>
+          </a:xfrm>
+          <a:prstGeom prst="rect">
+            <a:avLst/>
+          </a:prstGeom>
+          <a:solidFill>
+            <a:schemeClr val="bg1">
+              <a:lumMod val="95000"/>
+            </a:schemeClr>
+          </a:solidFill>
+          <a:ln w="38100" cmpd="thickThin">
+            <a:solidFill>
+              <a:schemeClr val="tx1"/>
+            </a:solidFill>
+            <a:prstDash val="solid"/>
+          </a:ln>
+        </p:spPr>
+        <p:style>
+          <a:lnRef idx="2">
+            <a:schemeClr val="accent1">
+              <a:shade val="50000"/>
+            </a:schemeClr>
+          </a:lnRef>
+          <a:fillRef idx="1">
+            <a:schemeClr val="accent1"/>
+          </a:fillRef>
+          <a:effectRef idx="0">
+            <a:schemeClr val="accent1"/>
+          </a:effectRef>
+          <a:fontRef idx="minor">
+            <a:schemeClr val="lt1"/>
+          </a:fontRef>
+        </p:style>
+        <p:txBody>
+          <a:bodyPr rtlCol="0" anchor="ctr"/>
+          <a:lstStyle/>
+          <a:p>
+            <a:pPr algn="ctr"/>
+            <a:r>
+              <a:rPr lang="en-US" sz="1400" b="1" dirty="0">
+                <a:solidFill>
+                  <a:sysClr val="windowText" lastClr="000000"/>
+                </a:solidFill>
+                <a:latin typeface="Times New Roman" pitchFamily="18" charset="0"/>
+                <a:cs typeface="Times New Roman" pitchFamily="18" charset="0"/>
+              </a:rPr>
+              <a:t>Ports</a:t>
+            </a:r>
+          </a:p>
+          <a:p>
+            <a:pPr marL="171450" indent="-171450">
+              <a:buFont typeface="Arial" panose="020B0604020202020204" pitchFamily="34" charset="0"/>
+              <a:buChar char="•"/>
+            </a:pPr>
+            <a:r>
+              <a:rPr lang="en-US" sz="1200" dirty="0">
+                <a:solidFill>
+                  <a:sysClr val="windowText" lastClr="000000"/>
+                </a:solidFill>
+                <a:latin typeface="Times New Roman" pitchFamily="18" charset="0"/>
+                <a:cs typeface="Times New Roman" pitchFamily="18" charset="0"/>
+              </a:rPr>
+              <a:t>All available airports</a:t>
+            </a:r>
+          </a:p>
+          <a:p>
+            <a:pPr marL="171450" indent="-171450">
+              <a:buFont typeface="Arial" panose="020B0604020202020204" pitchFamily="34" charset="0"/>
+              <a:buChar char="•"/>
+            </a:pPr>
+            <a:r>
+              <a:rPr lang="en-US" sz="1200" dirty="0">
+                <a:solidFill>
+                  <a:sysClr val="windowText" lastClr="000000"/>
+                </a:solidFill>
+                <a:latin typeface="Times New Roman" pitchFamily="18" charset="0"/>
+                <a:cs typeface="Times New Roman" pitchFamily="18" charset="0"/>
+              </a:rPr>
+              <a:t>Associated flights</a:t>
+            </a:r>
+          </a:p>
+        </p:txBody>
+      </p:sp>
+      <p:sp>
+        <p:nvSpPr>
+          <p:cNvPr id="25" name="Rectangle 24">
+            <a:extLst>
+              <a:ext uri="{FF2B5EF4-FFF2-40B4-BE49-F238E27FC236}">
+                <a16:creationId xmlns:a16="http://schemas.microsoft.com/office/drawing/2014/main" id="{904F5ED6-008D-4310-BEBC-9C1EE43DE010}"/>
+              </a:ext>
+            </a:extLst>
+          </p:cNvPr>
+          <p:cNvSpPr/>
+          <p:nvPr/>
+        </p:nvSpPr>
+        <p:spPr>
+          <a:xfrm>
+            <a:off x="838200" y="2924291"/>
+            <a:ext cx="1810598" cy="504709"/>
+          </a:xfrm>
+          <a:prstGeom prst="rect">
+            <a:avLst/>
+          </a:prstGeom>
+          <a:solidFill>
+            <a:schemeClr val="bg1">
+              <a:lumMod val="95000"/>
+            </a:schemeClr>
+          </a:solidFill>
+          <a:ln w="38100" cmpd="thickThin">
+            <a:solidFill>
+              <a:schemeClr val="tx1"/>
+            </a:solidFill>
+            <a:prstDash val="solid"/>
+          </a:ln>
+        </p:spPr>
+        <p:style>
+          <a:lnRef idx="2">
+            <a:schemeClr val="accent1">
+              <a:shade val="50000"/>
+            </a:schemeClr>
+          </a:lnRef>
+          <a:fillRef idx="1">
+            <a:schemeClr val="accent1"/>
+          </a:fillRef>
+          <a:effectRef idx="0">
+            <a:schemeClr val="accent1"/>
+          </a:effectRef>
+          <a:fontRef idx="minor">
+            <a:schemeClr val="lt1"/>
+          </a:fontRef>
+        </p:style>
+        <p:txBody>
+          <a:bodyPr rtlCol="0" anchor="ctr"/>
+          <a:lstStyle/>
+          <a:p>
+            <a:pPr algn="ctr"/>
+            <a:r>
+              <a:rPr lang="en-US" sz="1400" b="1" dirty="0">
+                <a:solidFill>
+                  <a:sysClr val="windowText" lastClr="000000"/>
+                </a:solidFill>
+                <a:latin typeface="Times New Roman" pitchFamily="18" charset="0"/>
+                <a:cs typeface="Times New Roman" pitchFamily="18" charset="0"/>
+              </a:rPr>
+              <a:t>Entries</a:t>
+            </a:r>
+          </a:p>
+          <a:p>
+            <a:pPr marL="171450" indent="-171450">
+              <a:buFont typeface="Arial" panose="020B0604020202020204" pitchFamily="34" charset="0"/>
+              <a:buChar char="•"/>
+            </a:pPr>
+            <a:r>
+              <a:rPr lang="en-US" sz="1200" dirty="0">
+                <a:solidFill>
+                  <a:sysClr val="windowText" lastClr="000000"/>
+                </a:solidFill>
+                <a:latin typeface="Times New Roman" pitchFamily="18" charset="0"/>
+                <a:cs typeface="Times New Roman" pitchFamily="18" charset="0"/>
+              </a:rPr>
+              <a:t>All flight paths</a:t>
+            </a:r>
+          </a:p>
+        </p:txBody>
+      </p:sp>
+      <p:sp>
+        <p:nvSpPr>
+          <p:cNvPr id="28" name="Rectangle 27">
+            <a:extLst>
+              <a:ext uri="{FF2B5EF4-FFF2-40B4-BE49-F238E27FC236}">
+                <a16:creationId xmlns:a16="http://schemas.microsoft.com/office/drawing/2014/main" id="{64409F60-1D2D-4021-8B3D-AEBA335D6175}"/>
+              </a:ext>
+            </a:extLst>
+          </p:cNvPr>
+          <p:cNvSpPr/>
+          <p:nvPr/>
+        </p:nvSpPr>
+        <p:spPr>
+          <a:xfrm>
+            <a:off x="5638800" y="2924291"/>
+            <a:ext cx="2133600" cy="504709"/>
+          </a:xfrm>
+          <a:prstGeom prst="rect">
+            <a:avLst/>
+          </a:prstGeom>
+          <a:solidFill>
+            <a:schemeClr val="bg1"/>
+          </a:solidFill>
+          <a:ln w="38100" cmpd="thickThin">
+            <a:solidFill>
+              <a:schemeClr val="bg1">
+                <a:lumMod val="65000"/>
+              </a:schemeClr>
+            </a:solidFill>
+            <a:prstDash val="solid"/>
+          </a:ln>
+        </p:spPr>
+        <p:style>
+          <a:lnRef idx="2">
+            <a:schemeClr val="accent1">
+              <a:shade val="50000"/>
+            </a:schemeClr>
+          </a:lnRef>
+          <a:fillRef idx="1">
+            <a:schemeClr val="accent1"/>
+          </a:fillRef>
+          <a:effectRef idx="0">
+            <a:schemeClr val="accent1"/>
+          </a:effectRef>
+          <a:fontRef idx="minor">
+            <a:schemeClr val="lt1"/>
+          </a:fontRef>
+        </p:style>
+        <p:txBody>
+          <a:bodyPr rtlCol="0" anchor="ctr"/>
+          <a:lstStyle/>
+          <a:p>
+            <a:pPr algn="ctr"/>
+            <a:r>
+              <a:rPr lang="en-US" sz="1400" b="1" i="1" dirty="0">
+                <a:solidFill>
+                  <a:sysClr val="windowText" lastClr="000000"/>
+                </a:solidFill>
+                <a:latin typeface="Times New Roman" pitchFamily="18" charset="0"/>
+                <a:cs typeface="Times New Roman" pitchFamily="18" charset="0"/>
+              </a:rPr>
+              <a:t>Sim Points</a:t>
+            </a:r>
+          </a:p>
+          <a:p>
+            <a:pPr marL="171450" indent="-171450">
+              <a:buFont typeface="Arial" panose="020B0604020202020204" pitchFamily="34" charset="0"/>
+              <a:buChar char="•"/>
+            </a:pPr>
+            <a:r>
+              <a:rPr lang="en-US" sz="1200" i="1" dirty="0">
+                <a:solidFill>
+                  <a:sysClr val="windowText" lastClr="000000"/>
+                </a:solidFill>
+                <a:latin typeface="Times New Roman" pitchFamily="18" charset="0"/>
+                <a:cs typeface="Times New Roman" pitchFamily="18" charset="0"/>
+              </a:rPr>
+              <a:t>All simulated path points</a:t>
+            </a:r>
+          </a:p>
+        </p:txBody>
+      </p:sp>
+      <p:sp>
+        <p:nvSpPr>
+          <p:cNvPr id="29" name="Rectangle 28">
+            <a:extLst>
+              <a:ext uri="{FF2B5EF4-FFF2-40B4-BE49-F238E27FC236}">
+                <a16:creationId xmlns:a16="http://schemas.microsoft.com/office/drawing/2014/main" id="{C4AE8ED8-0DEC-4E35-945D-67E11AFEA529}"/>
+              </a:ext>
+            </a:extLst>
+          </p:cNvPr>
+          <p:cNvSpPr/>
+          <p:nvPr/>
+        </p:nvSpPr>
+        <p:spPr>
+          <a:xfrm>
+            <a:off x="3200400" y="2324177"/>
+            <a:ext cx="1886798" cy="685954"/>
+          </a:xfrm>
+          <a:prstGeom prst="rect">
+            <a:avLst/>
+          </a:prstGeom>
+          <a:solidFill>
+            <a:schemeClr val="bg1">
+              <a:lumMod val="95000"/>
+            </a:schemeClr>
+          </a:solidFill>
+          <a:ln w="38100" cmpd="thickThin">
+            <a:solidFill>
+              <a:schemeClr val="tx1"/>
+            </a:solidFill>
+            <a:prstDash val="solid"/>
+          </a:ln>
+        </p:spPr>
+        <p:style>
+          <a:lnRef idx="2">
+            <a:schemeClr val="accent1">
+              <a:shade val="50000"/>
+            </a:schemeClr>
+          </a:lnRef>
+          <a:fillRef idx="1">
+            <a:schemeClr val="accent1"/>
+          </a:fillRef>
+          <a:effectRef idx="0">
+            <a:schemeClr val="accent1"/>
+          </a:effectRef>
+          <a:fontRef idx="minor">
+            <a:schemeClr val="lt1"/>
+          </a:fontRef>
+        </p:style>
+        <p:txBody>
+          <a:bodyPr rtlCol="0" anchor="ctr"/>
+          <a:lstStyle/>
+          <a:p>
+            <a:pPr algn="ctr"/>
+            <a:r>
+              <a:rPr lang="en-US" sz="1400" b="1" dirty="0">
+                <a:solidFill>
+                  <a:sysClr val="windowText" lastClr="000000"/>
+                </a:solidFill>
+                <a:latin typeface="Times New Roman" pitchFamily="18" charset="0"/>
+                <a:cs typeface="Times New Roman" pitchFamily="18" charset="0"/>
+              </a:rPr>
+              <a:t>Sight Schedule</a:t>
+            </a:r>
+          </a:p>
+          <a:p>
+            <a:pPr marL="171450" indent="-171450">
+              <a:buFont typeface="Arial" panose="020B0604020202020204" pitchFamily="34" charset="0"/>
+              <a:buChar char="•"/>
+            </a:pPr>
+            <a:r>
+              <a:rPr lang="en-US" sz="1200" dirty="0">
+                <a:solidFill>
+                  <a:sysClr val="windowText" lastClr="000000"/>
+                </a:solidFill>
+                <a:latin typeface="Times New Roman" pitchFamily="18" charset="0"/>
+                <a:cs typeface="Times New Roman" pitchFamily="18" charset="0"/>
+              </a:rPr>
+              <a:t>Drone sight range as a function of time</a:t>
+            </a:r>
+          </a:p>
+        </p:txBody>
+      </p:sp>
+      <p:cxnSp>
+        <p:nvCxnSpPr>
+          <p:cNvPr id="35" name="Straight Arrow Connector 34">
+            <a:extLst>
+              <a:ext uri="{FF2B5EF4-FFF2-40B4-BE49-F238E27FC236}">
+                <a16:creationId xmlns:a16="http://schemas.microsoft.com/office/drawing/2014/main" id="{5F71A9B7-8BFA-4824-9489-6E8E22B51989}"/>
+              </a:ext>
+            </a:extLst>
+          </p:cNvPr>
+          <p:cNvCxnSpPr>
+            <a:cxnSpLocks/>
+            <a:stCxn id="19" idx="0"/>
+            <a:endCxn id="4" idx="2"/>
+          </p:cNvCxnSpPr>
+          <p:nvPr/>
+        </p:nvCxnSpPr>
+        <p:spPr>
+          <a:xfrm flipV="1">
+            <a:off x="1743499" y="1657350"/>
+            <a:ext cx="0" cy="290493"/>
+          </a:xfrm>
+          <a:prstGeom prst="straightConnector1">
+            <a:avLst/>
+          </a:prstGeom>
+          <a:ln w="38100">
+            <a:solidFill>
+              <a:schemeClr val="tx1"/>
+            </a:solidFill>
+            <a:tailEnd type="triangle"/>
+          </a:ln>
+        </p:spPr>
+        <p:style>
+          <a:lnRef idx="1">
+            <a:schemeClr val="accent1"/>
+          </a:lnRef>
+          <a:fillRef idx="0">
+            <a:schemeClr val="accent1"/>
+          </a:fillRef>
+          <a:effectRef idx="0">
+            <a:schemeClr val="accent1"/>
+          </a:effectRef>
+          <a:fontRef idx="minor">
+            <a:schemeClr val="tx1"/>
+          </a:fontRef>
+        </p:style>
+      </p:cxnSp>
+      <p:cxnSp>
+        <p:nvCxnSpPr>
+          <p:cNvPr id="38" name="Straight Arrow Connector 37">
+            <a:extLst>
+              <a:ext uri="{FF2B5EF4-FFF2-40B4-BE49-F238E27FC236}">
+                <a16:creationId xmlns:a16="http://schemas.microsoft.com/office/drawing/2014/main" id="{C4AD0953-3AA7-4BDF-9D17-0BB9AC1B80CD}"/>
+              </a:ext>
+            </a:extLst>
+          </p:cNvPr>
+          <p:cNvCxnSpPr>
+            <a:cxnSpLocks/>
+            <a:stCxn id="25" idx="0"/>
+            <a:endCxn id="19" idx="2"/>
+          </p:cNvCxnSpPr>
+          <p:nvPr/>
+        </p:nvCxnSpPr>
+        <p:spPr>
+          <a:xfrm flipV="1">
+            <a:off x="1743499" y="2633797"/>
+            <a:ext cx="0" cy="290494"/>
+          </a:xfrm>
+          <a:prstGeom prst="straightConnector1">
+            <a:avLst/>
+          </a:prstGeom>
+          <a:ln w="38100">
+            <a:solidFill>
+              <a:schemeClr val="tx1"/>
+            </a:solidFill>
+            <a:tailEnd type="triangle"/>
+          </a:ln>
+        </p:spPr>
+        <p:style>
+          <a:lnRef idx="1">
+            <a:schemeClr val="accent1"/>
+          </a:lnRef>
+          <a:fillRef idx="0">
+            <a:schemeClr val="accent1"/>
+          </a:fillRef>
+          <a:effectRef idx="0">
+            <a:schemeClr val="accent1"/>
+          </a:effectRef>
+          <a:fontRef idx="minor">
+            <a:schemeClr val="tx1"/>
+          </a:fontRef>
+        </p:style>
+      </p:cxnSp>
+      <p:cxnSp>
+        <p:nvCxnSpPr>
+          <p:cNvPr id="41" name="Straight Arrow Connector 40">
+            <a:extLst>
+              <a:ext uri="{FF2B5EF4-FFF2-40B4-BE49-F238E27FC236}">
+                <a16:creationId xmlns:a16="http://schemas.microsoft.com/office/drawing/2014/main" id="{E63F0F0D-854B-4896-A857-DA53D265F105}"/>
+              </a:ext>
+            </a:extLst>
+          </p:cNvPr>
+          <p:cNvCxnSpPr>
+            <a:cxnSpLocks/>
+            <a:stCxn id="29" idx="0"/>
+            <a:endCxn id="3" idx="2"/>
+          </p:cNvCxnSpPr>
+          <p:nvPr/>
+        </p:nvCxnSpPr>
+        <p:spPr>
+          <a:xfrm flipV="1">
+            <a:off x="4143799" y="1828800"/>
+            <a:ext cx="0" cy="495377"/>
+          </a:xfrm>
+          <a:prstGeom prst="straightConnector1">
+            <a:avLst/>
+          </a:prstGeom>
+          <a:ln w="38100">
+            <a:solidFill>
+              <a:schemeClr val="tx1"/>
+            </a:solidFill>
+            <a:tailEnd type="triangle"/>
+          </a:ln>
+        </p:spPr>
+        <p:style>
+          <a:lnRef idx="1">
+            <a:schemeClr val="accent1"/>
+          </a:lnRef>
+          <a:fillRef idx="0">
+            <a:schemeClr val="accent1"/>
+          </a:fillRef>
+          <a:effectRef idx="0">
+            <a:schemeClr val="accent1"/>
+          </a:effectRef>
+          <a:fontRef idx="minor">
+            <a:schemeClr val="tx1"/>
+          </a:fontRef>
+        </p:style>
+      </p:cxnSp>
+      <p:cxnSp>
+        <p:nvCxnSpPr>
+          <p:cNvPr id="44" name="Straight Arrow Connector 43">
+            <a:extLst>
+              <a:ext uri="{FF2B5EF4-FFF2-40B4-BE49-F238E27FC236}">
+                <a16:creationId xmlns:a16="http://schemas.microsoft.com/office/drawing/2014/main" id="{D17EACA2-FFF3-4C98-9095-BA2456BD52AD}"/>
+              </a:ext>
+            </a:extLst>
+          </p:cNvPr>
+          <p:cNvCxnSpPr>
+            <a:cxnSpLocks/>
+            <a:stCxn id="20" idx="0"/>
+            <a:endCxn id="5" idx="2"/>
+          </p:cNvCxnSpPr>
+          <p:nvPr/>
+        </p:nvCxnSpPr>
+        <p:spPr>
+          <a:xfrm flipV="1">
+            <a:off x="6705600" y="1657350"/>
+            <a:ext cx="0" cy="294927"/>
+          </a:xfrm>
+          <a:prstGeom prst="straightConnector1">
+            <a:avLst/>
+          </a:prstGeom>
+          <a:ln w="38100">
+            <a:solidFill>
+              <a:schemeClr val="bg1">
+                <a:lumMod val="65000"/>
+              </a:schemeClr>
+            </a:solidFill>
+            <a:tailEnd type="triangle"/>
+          </a:ln>
+        </p:spPr>
+        <p:style>
+          <a:lnRef idx="1">
+            <a:schemeClr val="accent1"/>
+          </a:lnRef>
+          <a:fillRef idx="0">
+            <a:schemeClr val="accent1"/>
+          </a:fillRef>
+          <a:effectRef idx="0">
+            <a:schemeClr val="accent1"/>
+          </a:effectRef>
+          <a:fontRef idx="minor">
+            <a:schemeClr val="tx1"/>
+          </a:fontRef>
+        </p:style>
+      </p:cxnSp>
+      <p:cxnSp>
+        <p:nvCxnSpPr>
+          <p:cNvPr id="47" name="Straight Arrow Connector 46">
+            <a:extLst>
+              <a:ext uri="{FF2B5EF4-FFF2-40B4-BE49-F238E27FC236}">
+                <a16:creationId xmlns:a16="http://schemas.microsoft.com/office/drawing/2014/main" id="{729105FC-F28A-44C4-9BB7-AC07E25B0DF2}"/>
+              </a:ext>
+            </a:extLst>
+          </p:cNvPr>
+          <p:cNvCxnSpPr>
+            <a:cxnSpLocks/>
+            <a:stCxn id="28" idx="0"/>
+            <a:endCxn id="20" idx="2"/>
+          </p:cNvCxnSpPr>
+          <p:nvPr/>
+        </p:nvCxnSpPr>
+        <p:spPr>
+          <a:xfrm flipV="1">
+            <a:off x="6705600" y="2638077"/>
+            <a:ext cx="0" cy="286214"/>
+          </a:xfrm>
+          <a:prstGeom prst="straightConnector1">
+            <a:avLst/>
+          </a:prstGeom>
+          <a:ln w="38100">
+            <a:solidFill>
+              <a:schemeClr val="bg1">
+                <a:lumMod val="65000"/>
+              </a:schemeClr>
+            </a:solidFill>
+            <a:tailEnd type="triangle"/>
+          </a:ln>
+        </p:spPr>
+        <p:style>
+          <a:lnRef idx="1">
+            <a:schemeClr val="accent1"/>
+          </a:lnRef>
+          <a:fillRef idx="0">
+            <a:schemeClr val="accent1"/>
+          </a:fillRef>
+          <a:effectRef idx="0">
+            <a:schemeClr val="accent1"/>
+          </a:effectRef>
+          <a:fontRef idx="minor">
+            <a:schemeClr val="tx1"/>
+          </a:fontRef>
+        </p:style>
+      </p:cxnSp>
+    </p:spTree>
+    <p:extLst>
+      <p:ext uri="{BB962C8B-B14F-4D97-AF65-F5344CB8AC3E}">
+        <p14:creationId xmlns:p14="http://schemas.microsoft.com/office/powerpoint/2010/main" val="1763622663"/>
+      </p:ext>
+    </p:extLst>
+  </p:cSld>
+  <p:clrMapOvr>
+    <a:masterClrMapping/>
+  </p:clrMapOvr>
+</p:sld>
+</file>
+
+<file path=ppt/slides/slide9.xml><?xml version="1.0" encoding="utf-8"?>
+<p:sld xmlns:a="http://schemas.openxmlformats.org/drawingml/2006/main" xmlns:r="http://schemas.openxmlformats.org/officeDocument/2006/relationships" xmlns:p="http://schemas.openxmlformats.org/presentationml/2006/main">
+  <p:cSld>
+    <p:spTree>
+      <p:nvGrpSpPr>
+        <p:cNvPr id="1" name=""/>
+        <p:cNvGrpSpPr/>
+        <p:nvPr/>
+      </p:nvGrpSpPr>
+      <p:grpSpPr>
+        <a:xfrm>
+          <a:off x="0" y="0"/>
+          <a:ext cx="0" cy="0"/>
+          <a:chOff x="0" y="0"/>
+          <a:chExt cx="0" cy="0"/>
+        </a:xfrm>
+      </p:grpSpPr>
+      <p:sp>
+        <p:nvSpPr>
+          <p:cNvPr id="122" name="Freeform: Shape 121">
+            <a:extLst>
+              <a:ext uri="{FF2B5EF4-FFF2-40B4-BE49-F238E27FC236}">
+                <a16:creationId xmlns:a16="http://schemas.microsoft.com/office/drawing/2014/main" id="{462B47CD-EE2A-4C12-9E28-B72F9025BD79}"/>
+              </a:ext>
+            </a:extLst>
+          </p:cNvPr>
+          <p:cNvSpPr/>
+          <p:nvPr/>
+        </p:nvSpPr>
+        <p:spPr>
+          <a:xfrm>
+            <a:off x="1064062" y="3175304"/>
+            <a:ext cx="5409744" cy="572185"/>
+          </a:xfrm>
+          <a:custGeom>
+            <a:avLst/>
+            <a:gdLst>
+              <a:gd name="connsiteX0" fmla="*/ 0 w 5409744"/>
+              <a:gd name="connsiteY0" fmla="*/ 19164 h 572185"/>
+              <a:gd name="connsiteX1" fmla="*/ 10951 w 5409744"/>
+              <a:gd name="connsiteY1" fmla="*/ 572185 h 572185"/>
+              <a:gd name="connsiteX2" fmla="*/ 5409744 w 5409744"/>
+              <a:gd name="connsiteY2" fmla="*/ 553021 h 572185"/>
+              <a:gd name="connsiteX3" fmla="*/ 1508487 w 5409744"/>
+              <a:gd name="connsiteY3" fmla="*/ 0 h 572185"/>
+              <a:gd name="connsiteX4" fmla="*/ 0 w 5409744"/>
+              <a:gd name="connsiteY4" fmla="*/ 19164 h 572185"/>
+            </a:gdLst>
+            <a:ahLst/>
+            <a:cxnLst>
+              <a:cxn ang="0">
+                <a:pos x="connsiteX0" y="connsiteY0"/>
+              </a:cxn>
+              <a:cxn ang="0">
+                <a:pos x="connsiteX1" y="connsiteY1"/>
+              </a:cxn>
+              <a:cxn ang="0">
+                <a:pos x="connsiteX2" y="connsiteY2"/>
+              </a:cxn>
+              <a:cxn ang="0">
+                <a:pos x="connsiteX3" y="connsiteY3"/>
+              </a:cxn>
+              <a:cxn ang="0">
+                <a:pos x="connsiteX4" y="connsiteY4"/>
+              </a:cxn>
+            </a:cxnLst>
+            <a:rect l="l" t="t" r="r" b="b"/>
+            <a:pathLst>
+              <a:path w="5409744" h="572185">
+                <a:moveTo>
+                  <a:pt x="0" y="19164"/>
+                </a:moveTo>
+                <a:lnTo>
+                  <a:pt x="10951" y="572185"/>
+                </a:lnTo>
+                <a:lnTo>
+                  <a:pt x="5409744" y="553021"/>
+                </a:lnTo>
+                <a:lnTo>
+                  <a:pt x="1508487" y="0"/>
+                </a:lnTo>
+                <a:lnTo>
+                  <a:pt x="0" y="19164"/>
+                </a:lnTo>
+                <a:close/>
+              </a:path>
+            </a:pathLst>
+          </a:custGeom>
+          <a:solidFill>
+            <a:schemeClr val="bg1">
+              <a:lumMod val="85000"/>
+            </a:schemeClr>
+          </a:solidFill>
+          <a:ln>
+            <a:solidFill>
+              <a:schemeClr val="bg1">
+                <a:lumMod val="85000"/>
+              </a:schemeClr>
+            </a:solidFill>
+          </a:ln>
+        </p:spPr>
+        <p:style>
+          <a:lnRef idx="2">
+            <a:schemeClr val="accent1">
+              <a:shade val="50000"/>
+            </a:schemeClr>
+          </a:lnRef>
+          <a:fillRef idx="1">
+            <a:schemeClr val="accent1"/>
+          </a:fillRef>
+          <a:effectRef idx="0">
+            <a:schemeClr val="accent1"/>
+          </a:effectRef>
+          <a:fontRef idx="minor">
+            <a:schemeClr val="lt1"/>
+          </a:fontRef>
+        </p:style>
+        <p:txBody>
+          <a:bodyPr rtlCol="0" anchor="ctr"/>
+          <a:lstStyle/>
+          <a:p>
+            <a:pPr algn="ctr"/>
+            <a:endParaRPr lang="en-US" dirty="0"/>
+          </a:p>
+        </p:txBody>
+      </p:sp>
+      <p:cxnSp>
+        <p:nvCxnSpPr>
+          <p:cNvPr id="117" name="Straight Connector 116">
+            <a:extLst>
+              <a:ext uri="{FF2B5EF4-FFF2-40B4-BE49-F238E27FC236}">
+                <a16:creationId xmlns:a16="http://schemas.microsoft.com/office/drawing/2014/main" id="{B7202B40-D3E3-465A-B2F8-74818D07E46D}"/>
+              </a:ext>
+            </a:extLst>
+          </p:cNvPr>
+          <p:cNvCxnSpPr>
+            <a:cxnSpLocks/>
+            <a:stCxn id="35" idx="1"/>
+          </p:cNvCxnSpPr>
+          <p:nvPr/>
+        </p:nvCxnSpPr>
+        <p:spPr>
+          <a:xfrm flipH="1" flipV="1">
+            <a:off x="991843" y="3456121"/>
+            <a:ext cx="3467263" cy="10584"/>
+          </a:xfrm>
+          <a:prstGeom prst="line">
+            <a:avLst/>
+          </a:prstGeom>
+          <a:ln w="28575">
+            <a:solidFill>
+              <a:schemeClr val="tx1"/>
+            </a:solidFill>
+            <a:prstDash val="sysDash"/>
+          </a:ln>
+        </p:spPr>
+        <p:style>
+          <a:lnRef idx="1">
+            <a:schemeClr val="accent1"/>
+          </a:lnRef>
+          <a:fillRef idx="0">
+            <a:schemeClr val="accent1"/>
+          </a:fillRef>
+          <a:effectRef idx="0">
+            <a:schemeClr val="accent1"/>
+          </a:effectRef>
+          <a:fontRef idx="minor">
+            <a:schemeClr val="tx1"/>
+          </a:fontRef>
+        </p:style>
+      </p:cxnSp>
+      <p:cxnSp>
+        <p:nvCxnSpPr>
+          <p:cNvPr id="104" name="Straight Connector 103">
+            <a:extLst>
+              <a:ext uri="{FF2B5EF4-FFF2-40B4-BE49-F238E27FC236}">
+                <a16:creationId xmlns:a16="http://schemas.microsoft.com/office/drawing/2014/main" id="{B64C4F65-13F0-4612-8F04-9052D3707F3A}"/>
+              </a:ext>
+            </a:extLst>
+          </p:cNvPr>
+          <p:cNvCxnSpPr>
+            <a:cxnSpLocks/>
+          </p:cNvCxnSpPr>
+          <p:nvPr/>
+        </p:nvCxnSpPr>
+        <p:spPr>
+          <a:xfrm flipH="1">
+            <a:off x="1935636" y="2408902"/>
+            <a:ext cx="6071062" cy="0"/>
+          </a:xfrm>
+          <a:prstGeom prst="line">
+            <a:avLst/>
+          </a:prstGeom>
+          <a:ln w="28575">
+            <a:solidFill>
+              <a:schemeClr val="tx1"/>
+            </a:solidFill>
+            <a:prstDash val="sysDash"/>
+          </a:ln>
+        </p:spPr>
+        <p:style>
+          <a:lnRef idx="1">
+            <a:schemeClr val="accent1"/>
+          </a:lnRef>
+          <a:fillRef idx="0">
+            <a:schemeClr val="accent1"/>
+          </a:fillRef>
+          <a:effectRef idx="0">
+            <a:schemeClr val="accent1"/>
+          </a:effectRef>
+          <a:fontRef idx="minor">
+            <a:schemeClr val="tx1"/>
+          </a:fontRef>
+        </p:style>
+      </p:cxnSp>
+      <p:cxnSp>
+        <p:nvCxnSpPr>
+          <p:cNvPr id="106" name="Straight Connector 105">
+            <a:extLst>
+              <a:ext uri="{FF2B5EF4-FFF2-40B4-BE49-F238E27FC236}">
+                <a16:creationId xmlns:a16="http://schemas.microsoft.com/office/drawing/2014/main" id="{ACD0E916-9936-4486-BB09-4A95FC4160A3}"/>
+              </a:ext>
+            </a:extLst>
+          </p:cNvPr>
+          <p:cNvCxnSpPr>
+            <a:cxnSpLocks/>
+          </p:cNvCxnSpPr>
+          <p:nvPr/>
+        </p:nvCxnSpPr>
+        <p:spPr>
+          <a:xfrm flipH="1">
+            <a:off x="7397098" y="4162539"/>
+            <a:ext cx="609600" cy="0"/>
+          </a:xfrm>
+          <a:prstGeom prst="line">
+            <a:avLst/>
+          </a:prstGeom>
+          <a:ln w="28575">
+            <a:solidFill>
+              <a:schemeClr val="tx1"/>
+            </a:solidFill>
+            <a:prstDash val="sysDash"/>
+          </a:ln>
+        </p:spPr>
+        <p:style>
+          <a:lnRef idx="1">
+            <a:schemeClr val="accent1"/>
+          </a:lnRef>
+          <a:fillRef idx="0">
+            <a:schemeClr val="accent1"/>
+          </a:fillRef>
+          <a:effectRef idx="0">
+            <a:schemeClr val="accent1"/>
+          </a:effectRef>
+          <a:fontRef idx="minor">
+            <a:schemeClr val="tx1"/>
+          </a:fontRef>
+        </p:style>
+      </p:cxnSp>
+      <p:sp>
+        <p:nvSpPr>
+          <p:cNvPr id="84" name="Rectangle 83">
+            <a:extLst>
+              <a:ext uri="{FF2B5EF4-FFF2-40B4-BE49-F238E27FC236}">
+                <a16:creationId xmlns:a16="http://schemas.microsoft.com/office/drawing/2014/main" id="{A6C42EF6-A68B-4F09-9F9C-C3205192C41C}"/>
+              </a:ext>
+            </a:extLst>
+          </p:cNvPr>
+          <p:cNvSpPr/>
+          <p:nvPr/>
+        </p:nvSpPr>
+        <p:spPr>
+          <a:xfrm>
+            <a:off x="1066799" y="3086465"/>
+            <a:ext cx="1810454" cy="149649"/>
+          </a:xfrm>
+          <a:prstGeom prst="rect">
+            <a:avLst/>
+          </a:prstGeom>
+          <a:solidFill>
+            <a:schemeClr val="bg1">
+              <a:lumMod val="50000"/>
+            </a:schemeClr>
+          </a:solidFill>
+          <a:ln>
+            <a:noFill/>
+          </a:ln>
+        </p:spPr>
+        <p:style>
+          <a:lnRef idx="2">
+            <a:schemeClr val="accent1">
+              <a:shade val="50000"/>
+            </a:schemeClr>
+          </a:lnRef>
+          <a:fillRef idx="1">
+            <a:schemeClr val="accent1"/>
+          </a:fillRef>
+          <a:effectRef idx="0">
+            <a:schemeClr val="accent1"/>
+          </a:effectRef>
+          <a:fontRef idx="minor">
+            <a:schemeClr val="lt1"/>
+          </a:fontRef>
+        </p:style>
+        <p:txBody>
+          <a:bodyPr rtlCol="0" anchor="ctr"/>
+          <a:lstStyle/>
+          <a:p>
+            <a:pPr algn="ctr"/>
+            <a:endParaRPr lang="en-US"/>
+          </a:p>
+        </p:txBody>
+      </p:sp>
+      <p:sp>
+        <p:nvSpPr>
+          <p:cNvPr id="85" name="Isosceles Triangle 84">
+            <a:extLst>
+              <a:ext uri="{FF2B5EF4-FFF2-40B4-BE49-F238E27FC236}">
+                <a16:creationId xmlns:a16="http://schemas.microsoft.com/office/drawing/2014/main" id="{08D16CAC-DA44-4CF3-896C-BBE8D5D6D60B}"/>
+              </a:ext>
+            </a:extLst>
+          </p:cNvPr>
+          <p:cNvSpPr/>
+          <p:nvPr/>
+        </p:nvSpPr>
+        <p:spPr>
+          <a:xfrm rot="558050">
+            <a:off x="2139903" y="2945996"/>
+            <a:ext cx="1178816" cy="228600"/>
+          </a:xfrm>
+          <a:prstGeom prst="triangle">
+            <a:avLst/>
+          </a:prstGeom>
+          <a:solidFill>
+            <a:schemeClr val="bg1"/>
+          </a:solidFill>
+          <a:ln>
+            <a:noFill/>
+          </a:ln>
+        </p:spPr>
+        <p:style>
+          <a:lnRef idx="2">
+            <a:schemeClr val="accent1">
+              <a:shade val="50000"/>
+            </a:schemeClr>
+          </a:lnRef>
+          <a:fillRef idx="1">
+            <a:schemeClr val="accent1"/>
+          </a:fillRef>
+          <a:effectRef idx="0">
+            <a:schemeClr val="accent1"/>
+          </a:effectRef>
+          <a:fontRef idx="minor">
+            <a:schemeClr val="lt1"/>
+          </a:fontRef>
+        </p:style>
+        <p:txBody>
+          <a:bodyPr rtlCol="0" anchor="ctr"/>
+          <a:lstStyle/>
+          <a:p>
+            <a:pPr algn="ctr"/>
+            <a:endParaRPr lang="en-US"/>
+          </a:p>
+        </p:txBody>
+      </p:sp>
+      <p:sp>
+        <p:nvSpPr>
+          <p:cNvPr id="79" name="Rectangle 78">
+            <a:extLst>
+              <a:ext uri="{FF2B5EF4-FFF2-40B4-BE49-F238E27FC236}">
+                <a16:creationId xmlns:a16="http://schemas.microsoft.com/office/drawing/2014/main" id="{6A4BA444-4A87-442A-969B-6D73314836B3}"/>
+              </a:ext>
+            </a:extLst>
+          </p:cNvPr>
+          <p:cNvSpPr/>
+          <p:nvPr/>
+        </p:nvSpPr>
+        <p:spPr>
+          <a:xfrm>
+            <a:off x="1066799" y="3686740"/>
+            <a:ext cx="5602107" cy="95646"/>
+          </a:xfrm>
+          <a:prstGeom prst="rect">
+            <a:avLst/>
+          </a:prstGeom>
+          <a:solidFill>
+            <a:schemeClr val="bg1">
+              <a:lumMod val="50000"/>
+            </a:schemeClr>
+          </a:solidFill>
+          <a:ln>
+            <a:noFill/>
+          </a:ln>
+        </p:spPr>
+        <p:style>
+          <a:lnRef idx="2">
+            <a:schemeClr val="accent1">
+              <a:shade val="50000"/>
+            </a:schemeClr>
+          </a:lnRef>
+          <a:fillRef idx="1">
+            <a:schemeClr val="accent1"/>
+          </a:fillRef>
+          <a:effectRef idx="0">
+            <a:schemeClr val="accent1"/>
+          </a:effectRef>
+          <a:fontRef idx="minor">
+            <a:schemeClr val="lt1"/>
+          </a:fontRef>
+        </p:style>
+        <p:txBody>
+          <a:bodyPr rtlCol="0" anchor="ctr"/>
+          <a:lstStyle/>
+          <a:p>
+            <a:pPr algn="ctr"/>
+            <a:endParaRPr lang="en-US"/>
+          </a:p>
+        </p:txBody>
+      </p:sp>
+      <p:sp>
+        <p:nvSpPr>
+          <p:cNvPr id="83" name="Isosceles Triangle 82">
+            <a:extLst>
+              <a:ext uri="{FF2B5EF4-FFF2-40B4-BE49-F238E27FC236}">
+                <a16:creationId xmlns:a16="http://schemas.microsoft.com/office/drawing/2014/main" id="{E2CC31D9-5F11-4060-8BB9-0E8D0F8AB3DA}"/>
+              </a:ext>
+            </a:extLst>
+          </p:cNvPr>
+          <p:cNvSpPr/>
+          <p:nvPr/>
+        </p:nvSpPr>
+        <p:spPr>
+          <a:xfrm rot="558050">
+            <a:off x="6364106" y="3505200"/>
+            <a:ext cx="457200" cy="228600"/>
+          </a:xfrm>
+          <a:prstGeom prst="triangle">
+            <a:avLst/>
+          </a:prstGeom>
+          <a:solidFill>
+            <a:schemeClr val="bg1"/>
+          </a:solidFill>
+          <a:ln>
+            <a:noFill/>
+          </a:ln>
+        </p:spPr>
+        <p:style>
+          <a:lnRef idx="2">
+            <a:schemeClr val="accent1">
+              <a:shade val="50000"/>
+            </a:schemeClr>
+          </a:lnRef>
+          <a:fillRef idx="1">
+            <a:schemeClr val="accent1"/>
+          </a:fillRef>
+          <a:effectRef idx="0">
+            <a:schemeClr val="accent1"/>
+          </a:effectRef>
+          <a:fontRef idx="minor">
+            <a:schemeClr val="lt1"/>
+          </a:fontRef>
+        </p:style>
+        <p:txBody>
+          <a:bodyPr rtlCol="0" anchor="ctr"/>
+          <a:lstStyle/>
+          <a:p>
+            <a:pPr algn="ctr"/>
+            <a:endParaRPr lang="en-US"/>
+          </a:p>
+        </p:txBody>
+      </p:sp>
+      <p:cxnSp>
+        <p:nvCxnSpPr>
+          <p:cNvPr id="46" name="Straight Arrow Connector 45">
+            <a:extLst>
+              <a:ext uri="{FF2B5EF4-FFF2-40B4-BE49-F238E27FC236}">
+                <a16:creationId xmlns:a16="http://schemas.microsoft.com/office/drawing/2014/main" id="{BA5E35CB-C359-4A74-BEA2-8E4987394DCF}"/>
+              </a:ext>
+            </a:extLst>
+          </p:cNvPr>
+          <p:cNvCxnSpPr>
+            <a:cxnSpLocks/>
+          </p:cNvCxnSpPr>
+          <p:nvPr/>
+        </p:nvCxnSpPr>
+        <p:spPr>
+          <a:xfrm flipV="1">
+            <a:off x="1066800" y="1828800"/>
+            <a:ext cx="0" cy="2590801"/>
+          </a:xfrm>
+          <a:prstGeom prst="straightConnector1">
+            <a:avLst/>
+          </a:prstGeom>
+          <a:ln w="28575">
+            <a:solidFill>
+              <a:schemeClr val="bg1">
+                <a:lumMod val="75000"/>
+              </a:schemeClr>
+            </a:solidFill>
+            <a:tailEnd type="triangle"/>
+          </a:ln>
+        </p:spPr>
+        <p:style>
+          <a:lnRef idx="1">
+            <a:schemeClr val="accent1"/>
+          </a:lnRef>
+          <a:fillRef idx="0">
+            <a:schemeClr val="accent1"/>
+          </a:fillRef>
+          <a:effectRef idx="0">
+            <a:schemeClr val="accent1"/>
+          </a:effectRef>
+          <a:fontRef idx="minor">
+            <a:schemeClr val="tx1"/>
+          </a:fontRef>
+        </p:style>
+      </p:cxnSp>
+      <p:sp>
+        <p:nvSpPr>
+          <p:cNvPr id="44" name="Rectangle 43">
+            <a:extLst>
+              <a:ext uri="{FF2B5EF4-FFF2-40B4-BE49-F238E27FC236}">
+                <a16:creationId xmlns:a16="http://schemas.microsoft.com/office/drawing/2014/main" id="{7D62021F-22D0-4AEF-8B55-BF502CDAE3F6}"/>
+              </a:ext>
+            </a:extLst>
+          </p:cNvPr>
+          <p:cNvSpPr/>
+          <p:nvPr/>
+        </p:nvSpPr>
+        <p:spPr>
+          <a:xfrm>
+            <a:off x="6082703" y="1362508"/>
+            <a:ext cx="1562100" cy="776634"/>
+          </a:xfrm>
+          <a:prstGeom prst="rect">
+            <a:avLst/>
+          </a:prstGeom>
+          <a:solidFill>
+            <a:schemeClr val="bg1"/>
+          </a:solidFill>
+          <a:ln cmpd="sng">
+            <a:solidFill>
+              <a:schemeClr val="tx1"/>
+            </a:solidFill>
+            <a:prstDash val="solid"/>
+          </a:ln>
+        </p:spPr>
+        <p:style>
+          <a:lnRef idx="2">
+            <a:schemeClr val="accent1">
+              <a:shade val="50000"/>
+            </a:schemeClr>
+          </a:lnRef>
+          <a:fillRef idx="1">
+            <a:schemeClr val="accent1"/>
+          </a:fillRef>
+          <a:effectRef idx="0">
+            <a:schemeClr val="accent1"/>
+          </a:effectRef>
+          <a:fontRef idx="minor">
+            <a:schemeClr val="lt1"/>
+          </a:fontRef>
+        </p:style>
+        <p:txBody>
+          <a:bodyPr rtlCol="0" anchor="t"/>
+          <a:lstStyle/>
+          <a:p>
+            <a:pPr marL="341313" indent="61913">
+              <a:lnSpc>
+                <a:spcPct val="150000"/>
+              </a:lnSpc>
+            </a:pPr>
+            <a:r>
+              <a:rPr lang="en-US" sz="1400" dirty="0">
+                <a:solidFill>
+                  <a:sysClr val="windowText" lastClr="000000"/>
+                </a:solidFill>
+                <a:latin typeface="Times New Roman" pitchFamily="18" charset="0"/>
+                <a:cs typeface="Times New Roman" pitchFamily="18" charset="0"/>
+              </a:rPr>
+              <a:t>Contacted</a:t>
+            </a:r>
+          </a:p>
+          <a:p>
+            <a:pPr marL="341313" indent="61913">
+              <a:lnSpc>
+                <a:spcPct val="150000"/>
+              </a:lnSpc>
+            </a:pPr>
+            <a:r>
+              <a:rPr lang="en-US" sz="1400" dirty="0">
+                <a:solidFill>
+                  <a:sysClr val="windowText" lastClr="000000"/>
+                </a:solidFill>
+                <a:latin typeface="Times New Roman" pitchFamily="18" charset="0"/>
+                <a:cs typeface="Times New Roman" pitchFamily="18" charset="0"/>
+              </a:rPr>
+              <a:t>Uncontacted</a:t>
+            </a:r>
+          </a:p>
+        </p:txBody>
+      </p:sp>
+      <p:sp>
+        <p:nvSpPr>
+          <p:cNvPr id="103" name="Freeform: Shape 102">
+            <a:extLst>
+              <a:ext uri="{FF2B5EF4-FFF2-40B4-BE49-F238E27FC236}">
+                <a16:creationId xmlns:a16="http://schemas.microsoft.com/office/drawing/2014/main" id="{FDCD88FE-9A90-4EBA-B54E-CBCEFAB37734}"/>
+              </a:ext>
+            </a:extLst>
+          </p:cNvPr>
+          <p:cNvSpPr/>
+          <p:nvPr/>
+        </p:nvSpPr>
+        <p:spPr>
+          <a:xfrm>
+            <a:off x="1660822" y="1896736"/>
+            <a:ext cx="5780183" cy="2265803"/>
+          </a:xfrm>
+          <a:custGeom>
+            <a:avLst/>
+            <a:gdLst>
+              <a:gd name="connsiteX0" fmla="*/ 5603913 w 5603913"/>
+              <a:gd name="connsiteY0" fmla="*/ 1983036 h 1983036"/>
+              <a:gd name="connsiteX1" fmla="*/ 5155894 w 5603913"/>
+              <a:gd name="connsiteY1" fmla="*/ 1483604 h 1983036"/>
+              <a:gd name="connsiteX2" fmla="*/ 4601378 w 5603913"/>
+              <a:gd name="connsiteY2" fmla="*/ 1340385 h 1983036"/>
+              <a:gd name="connsiteX3" fmla="*/ 4083585 w 5603913"/>
+              <a:gd name="connsiteY3" fmla="*/ 1259595 h 1983036"/>
+              <a:gd name="connsiteX4" fmla="*/ 3565792 w 5603913"/>
+              <a:gd name="connsiteY4" fmla="*/ 1164115 h 1983036"/>
+              <a:gd name="connsiteX5" fmla="*/ 2981898 w 5603913"/>
+              <a:gd name="connsiteY5" fmla="*/ 1120048 h 1983036"/>
+              <a:gd name="connsiteX6" fmla="*/ 2405349 w 5603913"/>
+              <a:gd name="connsiteY6" fmla="*/ 976829 h 1983036"/>
+              <a:gd name="connsiteX7" fmla="*/ 1869195 w 5603913"/>
+              <a:gd name="connsiteY7" fmla="*/ 958467 h 1983036"/>
+              <a:gd name="connsiteX8" fmla="*/ 1333041 w 5603913"/>
+              <a:gd name="connsiteY8" fmla="*/ 892366 h 1983036"/>
+              <a:gd name="connsiteX9" fmla="*/ 796886 w 5603913"/>
+              <a:gd name="connsiteY9" fmla="*/ 826265 h 1983036"/>
+              <a:gd name="connsiteX10" fmla="*/ 370901 w 5603913"/>
+              <a:gd name="connsiteY10" fmla="*/ 576549 h 1983036"/>
+              <a:gd name="connsiteX11" fmla="*/ 102824 w 5603913"/>
+              <a:gd name="connsiteY11" fmla="*/ 212992 h 1983036"/>
+              <a:gd name="connsiteX12" fmla="*/ 0 w 5603913"/>
+              <a:gd name="connsiteY12" fmla="*/ 0 h 1983036"/>
+              <a:gd name="connsiteX0" fmla="*/ 5780183 w 5780183"/>
+              <a:gd name="connsiteY0" fmla="*/ 2265803 h 2265803"/>
+              <a:gd name="connsiteX1" fmla="*/ 5332164 w 5780183"/>
+              <a:gd name="connsiteY1" fmla="*/ 1766371 h 2265803"/>
+              <a:gd name="connsiteX2" fmla="*/ 4777648 w 5780183"/>
+              <a:gd name="connsiteY2" fmla="*/ 1623152 h 2265803"/>
+              <a:gd name="connsiteX3" fmla="*/ 4259855 w 5780183"/>
+              <a:gd name="connsiteY3" fmla="*/ 1542362 h 2265803"/>
+              <a:gd name="connsiteX4" fmla="*/ 3742062 w 5780183"/>
+              <a:gd name="connsiteY4" fmla="*/ 1446882 h 2265803"/>
+              <a:gd name="connsiteX5" fmla="*/ 3158168 w 5780183"/>
+              <a:gd name="connsiteY5" fmla="*/ 1402815 h 2265803"/>
+              <a:gd name="connsiteX6" fmla="*/ 2581619 w 5780183"/>
+              <a:gd name="connsiteY6" fmla="*/ 1259596 h 2265803"/>
+              <a:gd name="connsiteX7" fmla="*/ 2045465 w 5780183"/>
+              <a:gd name="connsiteY7" fmla="*/ 1241234 h 2265803"/>
+              <a:gd name="connsiteX8" fmla="*/ 1509311 w 5780183"/>
+              <a:gd name="connsiteY8" fmla="*/ 1175133 h 2265803"/>
+              <a:gd name="connsiteX9" fmla="*/ 973156 w 5780183"/>
+              <a:gd name="connsiteY9" fmla="*/ 1109032 h 2265803"/>
+              <a:gd name="connsiteX10" fmla="*/ 547171 w 5780183"/>
+              <a:gd name="connsiteY10" fmla="*/ 859316 h 2265803"/>
+              <a:gd name="connsiteX11" fmla="*/ 279094 w 5780183"/>
+              <a:gd name="connsiteY11" fmla="*/ 495759 h 2265803"/>
+              <a:gd name="connsiteX12" fmla="*/ 0 w 5780183"/>
+              <a:gd name="connsiteY12" fmla="*/ 0 h 2265803"/>
+            </a:gdLst>
+            <a:ahLst/>
+            <a:cxnLst>
+              <a:cxn ang="0">
+                <a:pos x="connsiteX0" y="connsiteY0"/>
+              </a:cxn>
+              <a:cxn ang="0">
+                <a:pos x="connsiteX1" y="connsiteY1"/>
+              </a:cxn>
+              <a:cxn ang="0">
+                <a:pos x="connsiteX2" y="connsiteY2"/>
+              </a:cxn>
+              <a:cxn ang="0">
+                <a:pos x="connsiteX3" y="connsiteY3"/>
+              </a:cxn>
+              <a:cxn ang="0">
+                <a:pos x="connsiteX4" y="connsiteY4"/>
+              </a:cxn>
+              <a:cxn ang="0">
+                <a:pos x="connsiteX5" y="connsiteY5"/>
+              </a:cxn>
+              <a:cxn ang="0">
+                <a:pos x="connsiteX6" y="connsiteY6"/>
+              </a:cxn>
+              <a:cxn ang="0">
+                <a:pos x="connsiteX7" y="connsiteY7"/>
+              </a:cxn>
+              <a:cxn ang="0">
+                <a:pos x="connsiteX8" y="connsiteY8"/>
+              </a:cxn>
+              <a:cxn ang="0">
+                <a:pos x="connsiteX9" y="connsiteY9"/>
+              </a:cxn>
+              <a:cxn ang="0">
+                <a:pos x="connsiteX10" y="connsiteY10"/>
+              </a:cxn>
+              <a:cxn ang="0">
+                <a:pos x="connsiteX11" y="connsiteY11"/>
+              </a:cxn>
+              <a:cxn ang="0">
+                <a:pos x="connsiteX12" y="connsiteY12"/>
+              </a:cxn>
+            </a:cxnLst>
+            <a:rect l="l" t="t" r="r" b="b"/>
+            <a:pathLst>
+              <a:path w="5780183" h="2265803">
+                <a:moveTo>
+                  <a:pt x="5780183" y="2265803"/>
+                </a:moveTo>
+                <a:lnTo>
+                  <a:pt x="5332164" y="1766371"/>
+                </a:lnTo>
+                <a:lnTo>
+                  <a:pt x="4777648" y="1623152"/>
+                </a:lnTo>
+                <a:lnTo>
+                  <a:pt x="4259855" y="1542362"/>
+                </a:lnTo>
+                <a:lnTo>
+                  <a:pt x="3742062" y="1446882"/>
+                </a:lnTo>
+                <a:lnTo>
+                  <a:pt x="3158168" y="1402815"/>
+                </a:lnTo>
+                <a:lnTo>
+                  <a:pt x="2581619" y="1259596"/>
+                </a:lnTo>
+                <a:lnTo>
+                  <a:pt x="2045465" y="1241234"/>
+                </a:lnTo>
+                <a:lnTo>
+                  <a:pt x="1509311" y="1175133"/>
+                </a:lnTo>
+                <a:lnTo>
+                  <a:pt x="973156" y="1109032"/>
+                </a:lnTo>
+                <a:lnTo>
+                  <a:pt x="547171" y="859316"/>
+                </a:lnTo>
+                <a:lnTo>
+                  <a:pt x="279094" y="495759"/>
+                </a:lnTo>
+                <a:lnTo>
+                  <a:pt x="0" y="0"/>
+                </a:lnTo>
+              </a:path>
+            </a:pathLst>
+          </a:custGeom>
+          <a:noFill/>
+          <a:ln w="57150">
+            <a:solidFill>
+              <a:schemeClr val="tx1"/>
+            </a:solidFill>
+            <a:headEnd type="none" w="med" len="med"/>
+            <a:tailEnd type="triangle" w="med" len="med"/>
+          </a:ln>
+        </p:spPr>
+        <p:style>
+          <a:lnRef idx="2">
+            <a:schemeClr val="accent1">
+              <a:shade val="50000"/>
+            </a:schemeClr>
+          </a:lnRef>
+          <a:fillRef idx="1">
+            <a:schemeClr val="accent1"/>
+          </a:fillRef>
+          <a:effectRef idx="0">
+            <a:schemeClr val="accent1"/>
+          </a:effectRef>
+          <a:fontRef idx="minor">
+            <a:schemeClr val="lt1"/>
+          </a:fontRef>
+        </p:style>
+        <p:txBody>
+          <a:bodyPr rtlCol="0" anchor="ctr"/>
+          <a:lstStyle/>
+          <a:p>
+            <a:pPr algn="ctr"/>
+            <a:endParaRPr lang="en-US"/>
+          </a:p>
+        </p:txBody>
+      </p:sp>
+      <p:cxnSp>
+        <p:nvCxnSpPr>
+          <p:cNvPr id="2" name="Straight Connector 1">
+            <a:extLst>
+              <a:ext uri="{FF2B5EF4-FFF2-40B4-BE49-F238E27FC236}">
+                <a16:creationId xmlns:a16="http://schemas.microsoft.com/office/drawing/2014/main" id="{5C6EF409-1DD8-4E2F-84A8-A8C8993DCDA6}"/>
+              </a:ext>
+            </a:extLst>
+          </p:cNvPr>
+          <p:cNvCxnSpPr>
+            <a:cxnSpLocks/>
+          </p:cNvCxnSpPr>
+          <p:nvPr/>
+        </p:nvCxnSpPr>
+        <p:spPr>
+          <a:xfrm>
+            <a:off x="649106" y="2895600"/>
+            <a:ext cx="6934200" cy="990600"/>
+          </a:xfrm>
+          <a:prstGeom prst="line">
+            <a:avLst/>
+          </a:prstGeom>
+          <a:ln w="57150">
+            <a:solidFill>
+              <a:schemeClr val="bg1">
+                <a:lumMod val="65000"/>
+              </a:schemeClr>
+            </a:solidFill>
+            <a:headEnd type="triangle" w="med" len="med"/>
+            <a:tailEnd type="none" w="med" len="med"/>
+          </a:ln>
+        </p:spPr>
+        <p:style>
+          <a:lnRef idx="1">
+            <a:schemeClr val="accent1"/>
+          </a:lnRef>
+          <a:fillRef idx="0">
+            <a:schemeClr val="accent1"/>
+          </a:fillRef>
+          <a:effectRef idx="0">
+            <a:schemeClr val="accent1"/>
+          </a:effectRef>
+          <a:fontRef idx="minor">
+            <a:schemeClr val="tx1"/>
+          </a:fontRef>
+        </p:style>
+      </p:cxnSp>
+      <p:sp>
+        <p:nvSpPr>
+          <p:cNvPr id="24" name="Diamond 23">
+            <a:extLst>
+              <a:ext uri="{FF2B5EF4-FFF2-40B4-BE49-F238E27FC236}">
+                <a16:creationId xmlns:a16="http://schemas.microsoft.com/office/drawing/2014/main" id="{8969434A-6161-47C4-A986-237455F6AD32}"/>
+              </a:ext>
+            </a:extLst>
+          </p:cNvPr>
+          <p:cNvSpPr/>
+          <p:nvPr/>
+        </p:nvSpPr>
+        <p:spPr>
+          <a:xfrm>
+            <a:off x="3925706" y="3276995"/>
+            <a:ext cx="228600" cy="228600"/>
+          </a:xfrm>
+          <a:prstGeom prst="diamond">
+            <a:avLst/>
+          </a:prstGeom>
+          <a:solidFill>
+            <a:schemeClr val="bg1">
+              <a:lumMod val="85000"/>
+            </a:schemeClr>
+          </a:solidFill>
+          <a:ln>
+            <a:solidFill>
+              <a:schemeClr val="bg1">
+                <a:lumMod val="65000"/>
+              </a:schemeClr>
+            </a:solidFill>
+          </a:ln>
+        </p:spPr>
+        <p:style>
+          <a:lnRef idx="2">
+            <a:schemeClr val="accent1">
+              <a:shade val="50000"/>
+            </a:schemeClr>
+          </a:lnRef>
+          <a:fillRef idx="1">
+            <a:schemeClr val="accent1"/>
+          </a:fillRef>
+          <a:effectRef idx="0">
+            <a:schemeClr val="accent1"/>
+          </a:effectRef>
+          <a:fontRef idx="minor">
+            <a:schemeClr val="lt1"/>
+          </a:fontRef>
+        </p:style>
+        <p:txBody>
+          <a:bodyPr rtlCol="0" anchor="ctr"/>
+          <a:lstStyle/>
+          <a:p>
+            <a:pPr algn="ctr"/>
+            <a:endParaRPr lang="en-US"/>
+          </a:p>
+        </p:txBody>
+      </p:sp>
+      <p:sp>
+        <p:nvSpPr>
+          <p:cNvPr id="25" name="Diamond 24">
+            <a:extLst>
+              <a:ext uri="{FF2B5EF4-FFF2-40B4-BE49-F238E27FC236}">
+                <a16:creationId xmlns:a16="http://schemas.microsoft.com/office/drawing/2014/main" id="{146AA949-9D9F-4ED9-BD47-97BD01237299}"/>
+              </a:ext>
+            </a:extLst>
+          </p:cNvPr>
+          <p:cNvSpPr/>
+          <p:nvPr/>
+        </p:nvSpPr>
+        <p:spPr>
+          <a:xfrm>
+            <a:off x="3392306" y="3200795"/>
+            <a:ext cx="228600" cy="228600"/>
+          </a:xfrm>
+          <a:prstGeom prst="diamond">
+            <a:avLst/>
+          </a:prstGeom>
+          <a:solidFill>
+            <a:schemeClr val="bg1">
+              <a:lumMod val="85000"/>
+            </a:schemeClr>
+          </a:solidFill>
+          <a:ln>
+            <a:solidFill>
+              <a:schemeClr val="bg1">
+                <a:lumMod val="65000"/>
+              </a:schemeClr>
+            </a:solidFill>
+          </a:ln>
+        </p:spPr>
+        <p:style>
+          <a:lnRef idx="2">
+            <a:schemeClr val="accent1">
+              <a:shade val="50000"/>
+            </a:schemeClr>
+          </a:lnRef>
+          <a:fillRef idx="1">
+            <a:schemeClr val="accent1"/>
+          </a:fillRef>
+          <a:effectRef idx="0">
+            <a:schemeClr val="accent1"/>
+          </a:effectRef>
+          <a:fontRef idx="minor">
+            <a:schemeClr val="lt1"/>
+          </a:fontRef>
+        </p:style>
+        <p:txBody>
+          <a:bodyPr rtlCol="0" anchor="ctr"/>
+          <a:lstStyle/>
+          <a:p>
+            <a:pPr algn="ctr"/>
+            <a:endParaRPr lang="en-US"/>
+          </a:p>
+        </p:txBody>
+      </p:sp>
+      <p:sp>
+        <p:nvSpPr>
+          <p:cNvPr id="26" name="Diamond 25">
+            <a:extLst>
+              <a:ext uri="{FF2B5EF4-FFF2-40B4-BE49-F238E27FC236}">
+                <a16:creationId xmlns:a16="http://schemas.microsoft.com/office/drawing/2014/main" id="{6C1A698A-01FB-45AF-90A9-2CCD4EB7A7E2}"/>
+              </a:ext>
+            </a:extLst>
+          </p:cNvPr>
+          <p:cNvSpPr/>
+          <p:nvPr/>
+        </p:nvSpPr>
+        <p:spPr>
+          <a:xfrm>
+            <a:off x="2858906" y="3124595"/>
+            <a:ext cx="228600" cy="228600"/>
+          </a:xfrm>
+          <a:prstGeom prst="diamond">
+            <a:avLst/>
+          </a:prstGeom>
+          <a:solidFill>
+            <a:schemeClr val="bg1">
+              <a:lumMod val="50000"/>
+            </a:schemeClr>
+          </a:solidFill>
+          <a:ln>
+            <a:solidFill>
+              <a:schemeClr val="tx1"/>
+            </a:solidFill>
+          </a:ln>
+        </p:spPr>
+        <p:style>
+          <a:lnRef idx="2">
+            <a:schemeClr val="accent1">
+              <a:shade val="50000"/>
+            </a:schemeClr>
+          </a:lnRef>
+          <a:fillRef idx="1">
+            <a:schemeClr val="accent1"/>
+          </a:fillRef>
+          <a:effectRef idx="0">
+            <a:schemeClr val="accent1"/>
+          </a:effectRef>
+          <a:fontRef idx="minor">
+            <a:schemeClr val="lt1"/>
+          </a:fontRef>
+        </p:style>
+        <p:txBody>
+          <a:bodyPr rtlCol="0" anchor="ctr"/>
+          <a:lstStyle/>
+          <a:p>
+            <a:pPr algn="ctr"/>
+            <a:endParaRPr lang="en-US"/>
+          </a:p>
+        </p:txBody>
+      </p:sp>
+      <p:sp>
+        <p:nvSpPr>
+          <p:cNvPr id="34" name="Diamond 33">
+            <a:extLst>
+              <a:ext uri="{FF2B5EF4-FFF2-40B4-BE49-F238E27FC236}">
+                <a16:creationId xmlns:a16="http://schemas.microsoft.com/office/drawing/2014/main" id="{34E1BBB9-94FD-4EE5-8F0B-A91E7D2ADE8B}"/>
+              </a:ext>
+            </a:extLst>
+          </p:cNvPr>
+          <p:cNvSpPr/>
+          <p:nvPr/>
+        </p:nvSpPr>
+        <p:spPr>
+          <a:xfrm>
+            <a:off x="4992506" y="3428605"/>
+            <a:ext cx="228600" cy="228600"/>
+          </a:xfrm>
+          <a:prstGeom prst="diamond">
+            <a:avLst/>
+          </a:prstGeom>
+          <a:solidFill>
+            <a:schemeClr val="bg1">
+              <a:lumMod val="85000"/>
+            </a:schemeClr>
+          </a:solidFill>
+          <a:ln>
+            <a:solidFill>
+              <a:schemeClr val="bg1">
+                <a:lumMod val="65000"/>
+              </a:schemeClr>
+            </a:solidFill>
+          </a:ln>
+        </p:spPr>
+        <p:style>
+          <a:lnRef idx="2">
+            <a:schemeClr val="accent1">
+              <a:shade val="50000"/>
+            </a:schemeClr>
+          </a:lnRef>
+          <a:fillRef idx="1">
+            <a:schemeClr val="accent1"/>
+          </a:fillRef>
+          <a:effectRef idx="0">
+            <a:schemeClr val="accent1"/>
+          </a:effectRef>
+          <a:fontRef idx="minor">
+            <a:schemeClr val="lt1"/>
+          </a:fontRef>
+        </p:style>
+        <p:txBody>
+          <a:bodyPr rtlCol="0" anchor="ctr"/>
+          <a:lstStyle/>
+          <a:p>
+            <a:pPr algn="ctr"/>
+            <a:endParaRPr lang="en-US"/>
+          </a:p>
+        </p:txBody>
+      </p:sp>
+      <p:sp>
+        <p:nvSpPr>
+          <p:cNvPr id="35" name="Diamond 34">
+            <a:extLst>
+              <a:ext uri="{FF2B5EF4-FFF2-40B4-BE49-F238E27FC236}">
+                <a16:creationId xmlns:a16="http://schemas.microsoft.com/office/drawing/2014/main" id="{E5A987F9-B2FD-4FAE-B93E-9DDCBADEA844}"/>
+              </a:ext>
+            </a:extLst>
+          </p:cNvPr>
+          <p:cNvSpPr/>
+          <p:nvPr/>
+        </p:nvSpPr>
+        <p:spPr>
+          <a:xfrm>
+            <a:off x="4459106" y="3352405"/>
+            <a:ext cx="228600" cy="228600"/>
+          </a:xfrm>
+          <a:prstGeom prst="diamond">
+            <a:avLst/>
+          </a:prstGeom>
+          <a:solidFill>
+            <a:schemeClr val="bg1">
+              <a:lumMod val="50000"/>
+            </a:schemeClr>
+          </a:solidFill>
+          <a:ln>
+            <a:solidFill>
+              <a:schemeClr val="tx1"/>
+            </a:solidFill>
+          </a:ln>
+        </p:spPr>
+        <p:style>
+          <a:lnRef idx="2">
+            <a:schemeClr val="accent1">
+              <a:shade val="50000"/>
+            </a:schemeClr>
+          </a:lnRef>
+          <a:fillRef idx="1">
+            <a:schemeClr val="accent1"/>
+          </a:fillRef>
+          <a:effectRef idx="0">
+            <a:schemeClr val="accent1"/>
+          </a:effectRef>
+          <a:fontRef idx="minor">
+            <a:schemeClr val="lt1"/>
+          </a:fontRef>
+        </p:style>
+        <p:txBody>
+          <a:bodyPr rtlCol="0" anchor="ctr"/>
+          <a:lstStyle/>
+          <a:p>
+            <a:pPr algn="ctr"/>
+            <a:endParaRPr lang="en-US"/>
+          </a:p>
+        </p:txBody>
+      </p:sp>
+      <p:sp>
+        <p:nvSpPr>
+          <p:cNvPr id="36" name="Diamond 35">
+            <a:extLst>
+              <a:ext uri="{FF2B5EF4-FFF2-40B4-BE49-F238E27FC236}">
+                <a16:creationId xmlns:a16="http://schemas.microsoft.com/office/drawing/2014/main" id="{5584BEC6-D6DC-499E-B450-9F8F9D8182F4}"/>
+              </a:ext>
+            </a:extLst>
+          </p:cNvPr>
+          <p:cNvSpPr/>
+          <p:nvPr/>
+        </p:nvSpPr>
+        <p:spPr>
+          <a:xfrm>
+            <a:off x="7126106" y="3733800"/>
+            <a:ext cx="228600" cy="228600"/>
+          </a:xfrm>
+          <a:prstGeom prst="diamond">
+            <a:avLst/>
+          </a:prstGeom>
+          <a:solidFill>
+            <a:schemeClr val="bg1">
+              <a:lumMod val="85000"/>
+            </a:schemeClr>
+          </a:solidFill>
+          <a:ln>
+            <a:solidFill>
+              <a:schemeClr val="bg1">
+                <a:lumMod val="65000"/>
+              </a:schemeClr>
+            </a:solidFill>
+          </a:ln>
+        </p:spPr>
+        <p:style>
+          <a:lnRef idx="2">
+            <a:schemeClr val="accent1">
+              <a:shade val="50000"/>
+            </a:schemeClr>
+          </a:lnRef>
+          <a:fillRef idx="1">
+            <a:schemeClr val="accent1"/>
+          </a:fillRef>
+          <a:effectRef idx="0">
+            <a:schemeClr val="accent1"/>
+          </a:effectRef>
+          <a:fontRef idx="minor">
+            <a:schemeClr val="lt1"/>
+          </a:fontRef>
+        </p:style>
+        <p:txBody>
+          <a:bodyPr rtlCol="0" anchor="ctr"/>
+          <a:lstStyle/>
+          <a:p>
+            <a:pPr algn="ctr"/>
+            <a:endParaRPr lang="en-US"/>
+          </a:p>
+        </p:txBody>
+      </p:sp>
+      <p:sp>
+        <p:nvSpPr>
+          <p:cNvPr id="37" name="Diamond 36">
+            <a:extLst>
+              <a:ext uri="{FF2B5EF4-FFF2-40B4-BE49-F238E27FC236}">
+                <a16:creationId xmlns:a16="http://schemas.microsoft.com/office/drawing/2014/main" id="{D92B14E0-78B2-4657-A702-11028EDE2613}"/>
+              </a:ext>
+            </a:extLst>
+          </p:cNvPr>
+          <p:cNvSpPr/>
+          <p:nvPr/>
+        </p:nvSpPr>
+        <p:spPr>
+          <a:xfrm>
+            <a:off x="6592706" y="3657600"/>
+            <a:ext cx="228600" cy="228600"/>
+          </a:xfrm>
+          <a:prstGeom prst="diamond">
+            <a:avLst/>
+          </a:prstGeom>
+          <a:solidFill>
+            <a:schemeClr val="bg1">
+              <a:lumMod val="50000"/>
+            </a:schemeClr>
+          </a:solidFill>
+          <a:ln>
+            <a:solidFill>
+              <a:schemeClr val="tx1"/>
+            </a:solidFill>
+          </a:ln>
+        </p:spPr>
+        <p:style>
+          <a:lnRef idx="2">
+            <a:schemeClr val="accent1">
+              <a:shade val="50000"/>
+            </a:schemeClr>
+          </a:lnRef>
+          <a:fillRef idx="1">
+            <a:schemeClr val="accent1"/>
+          </a:fillRef>
+          <a:effectRef idx="0">
+            <a:schemeClr val="accent1"/>
+          </a:effectRef>
+          <a:fontRef idx="minor">
+            <a:schemeClr val="lt1"/>
+          </a:fontRef>
+        </p:style>
+        <p:txBody>
+          <a:bodyPr rtlCol="0" anchor="ctr"/>
+          <a:lstStyle/>
+          <a:p>
+            <a:pPr algn="ctr"/>
+            <a:endParaRPr lang="en-US"/>
+          </a:p>
+        </p:txBody>
+      </p:sp>
+      <p:sp>
+        <p:nvSpPr>
+          <p:cNvPr id="42" name="Diamond 41">
+            <a:extLst>
+              <a:ext uri="{FF2B5EF4-FFF2-40B4-BE49-F238E27FC236}">
+                <a16:creationId xmlns:a16="http://schemas.microsoft.com/office/drawing/2014/main" id="{FCF3E360-FADB-4498-82FB-A720314F947B}"/>
+              </a:ext>
+            </a:extLst>
+          </p:cNvPr>
+          <p:cNvSpPr/>
+          <p:nvPr/>
+        </p:nvSpPr>
+        <p:spPr>
+          <a:xfrm>
+            <a:off x="6197003" y="1478918"/>
+            <a:ext cx="228600" cy="228600"/>
+          </a:xfrm>
+          <a:prstGeom prst="diamond">
+            <a:avLst/>
+          </a:prstGeom>
+          <a:solidFill>
+            <a:schemeClr val="bg1">
+              <a:lumMod val="50000"/>
+            </a:schemeClr>
+          </a:solidFill>
+          <a:ln>
+            <a:solidFill>
+              <a:schemeClr val="tx1"/>
+            </a:solidFill>
+          </a:ln>
+        </p:spPr>
+        <p:style>
+          <a:lnRef idx="2">
+            <a:schemeClr val="accent1">
+              <a:shade val="50000"/>
+            </a:schemeClr>
+          </a:lnRef>
+          <a:fillRef idx="1">
+            <a:schemeClr val="accent1"/>
+          </a:fillRef>
+          <a:effectRef idx="0">
+            <a:schemeClr val="accent1"/>
+          </a:effectRef>
+          <a:fontRef idx="minor">
+            <a:schemeClr val="lt1"/>
+          </a:fontRef>
+        </p:style>
+        <p:txBody>
+          <a:bodyPr rtlCol="0" anchor="ctr"/>
+          <a:lstStyle/>
+          <a:p>
+            <a:pPr algn="ctr"/>
+            <a:endParaRPr lang="en-US"/>
+          </a:p>
+        </p:txBody>
+      </p:sp>
+      <p:sp>
+        <p:nvSpPr>
+          <p:cNvPr id="43" name="Diamond 42">
+            <a:extLst>
+              <a:ext uri="{FF2B5EF4-FFF2-40B4-BE49-F238E27FC236}">
+                <a16:creationId xmlns:a16="http://schemas.microsoft.com/office/drawing/2014/main" id="{3C1F9B16-D2B2-4F2D-AA56-26AEB9A10BD7}"/>
+              </a:ext>
+            </a:extLst>
+          </p:cNvPr>
+          <p:cNvSpPr/>
+          <p:nvPr/>
+        </p:nvSpPr>
+        <p:spPr>
+          <a:xfrm>
+            <a:off x="6200431" y="1800955"/>
+            <a:ext cx="228600" cy="228600"/>
+          </a:xfrm>
+          <a:prstGeom prst="diamond">
+            <a:avLst/>
+          </a:prstGeom>
+          <a:solidFill>
+            <a:schemeClr val="bg1">
+              <a:lumMod val="85000"/>
+            </a:schemeClr>
+          </a:solidFill>
+          <a:ln>
+            <a:solidFill>
+              <a:schemeClr val="bg1">
+                <a:lumMod val="65000"/>
+              </a:schemeClr>
+            </a:solidFill>
+          </a:ln>
+        </p:spPr>
+        <p:style>
+          <a:lnRef idx="2">
+            <a:schemeClr val="accent1">
+              <a:shade val="50000"/>
+            </a:schemeClr>
+          </a:lnRef>
+          <a:fillRef idx="1">
+            <a:schemeClr val="accent1"/>
+          </a:fillRef>
+          <a:effectRef idx="0">
+            <a:schemeClr val="accent1"/>
+          </a:effectRef>
+          <a:fontRef idx="minor">
+            <a:schemeClr val="lt1"/>
+          </a:fontRef>
+        </p:style>
+        <p:txBody>
+          <a:bodyPr rtlCol="0" anchor="ctr"/>
+          <a:lstStyle/>
+          <a:p>
+            <a:pPr algn="ctr"/>
+            <a:endParaRPr lang="en-US"/>
+          </a:p>
+        </p:txBody>
+      </p:sp>
+      <p:cxnSp>
+        <p:nvCxnSpPr>
+          <p:cNvPr id="45" name="Straight Arrow Connector 44">
+            <a:extLst>
+              <a:ext uri="{FF2B5EF4-FFF2-40B4-BE49-F238E27FC236}">
+                <a16:creationId xmlns:a16="http://schemas.microsoft.com/office/drawing/2014/main" id="{3C52516F-D96F-45A5-87F3-6FB6BE3033F3}"/>
+              </a:ext>
+            </a:extLst>
+          </p:cNvPr>
+          <p:cNvCxnSpPr>
+            <a:cxnSpLocks/>
+          </p:cNvCxnSpPr>
+          <p:nvPr/>
+        </p:nvCxnSpPr>
+        <p:spPr>
+          <a:xfrm>
+            <a:off x="1066800" y="4419600"/>
+            <a:ext cx="6364106" cy="0"/>
+          </a:xfrm>
+          <a:prstGeom prst="straightConnector1">
+            <a:avLst/>
+          </a:prstGeom>
+          <a:ln w="28575">
+            <a:solidFill>
+              <a:schemeClr val="bg1">
+                <a:lumMod val="75000"/>
+              </a:schemeClr>
+            </a:solidFill>
+            <a:tailEnd type="triangle"/>
+          </a:ln>
+        </p:spPr>
+        <p:style>
+          <a:lnRef idx="1">
+            <a:schemeClr val="accent1"/>
+          </a:lnRef>
+          <a:fillRef idx="0">
+            <a:schemeClr val="accent1"/>
+          </a:fillRef>
+          <a:effectRef idx="0">
+            <a:schemeClr val="accent1"/>
+          </a:effectRef>
+          <a:fontRef idx="minor">
+            <a:schemeClr val="tx1"/>
+          </a:fontRef>
+        </p:style>
+      </p:cxnSp>
+      <mc:AlternateContent xmlns:mc="http://schemas.openxmlformats.org/markup-compatibility/2006">
+        <mc:Choice xmlns:a14="http://schemas.microsoft.com/office/drawing/2010/main" Requires="a14">
+          <p:sp>
+            <p:nvSpPr>
+              <p:cNvPr id="47" name="TextBox 46">
+                <a:extLst>
+                  <a:ext uri="{FF2B5EF4-FFF2-40B4-BE49-F238E27FC236}">
+                    <a16:creationId xmlns:a16="http://schemas.microsoft.com/office/drawing/2014/main" id="{6FF4E12F-3E8E-4726-BDC7-4F3FE8EB9D94}"/>
+                  </a:ext>
+                </a:extLst>
+              </p:cNvPr>
+              <p:cNvSpPr txBox="1"/>
+              <p:nvPr/>
+            </p:nvSpPr>
+            <p:spPr>
+              <a:xfrm>
+                <a:off x="991843" y="1551801"/>
+                <a:ext cx="149913" cy="276999"/>
+              </a:xfrm>
+              <a:prstGeom prst="rect">
+                <a:avLst/>
+              </a:prstGeom>
+              <a:solidFill>
+                <a:schemeClr val="bg1"/>
+              </a:solidFill>
+            </p:spPr>
+            <p:txBody>
+              <a:bodyPr wrap="none" lIns="0" tIns="0" rIns="0" bIns="0" rtlCol="0">
+                <a:spAutoFit/>
+              </a:bodyPr>
+              <a:lstStyle/>
+              <a:p>
+                <a:pPr/>
+                <a14:m>
+                  <m:oMathPara xmlns:m="http://schemas.openxmlformats.org/officeDocument/2006/math">
+                    <m:oMathParaPr>
+                      <m:jc m:val="centerGroup"/>
+                    </m:oMathParaPr>
+                    <m:oMath xmlns:m="http://schemas.openxmlformats.org/officeDocument/2006/math">
+                      <m:r>
+                        <a:rPr lang="en-US" b="0" i="1" smtClean="0">
+                          <a:latin typeface="Cambria Math" panose="02040503050406030204" pitchFamily="18" charset="0"/>
+                        </a:rPr>
+                        <m:t>𝑡</m:t>
+                      </m:r>
+                    </m:oMath>
+                  </m:oMathPara>
+                </a14:m>
+                <a:endParaRPr lang="en-US" dirty="0"/>
+              </a:p>
+            </p:txBody>
+          </p:sp>
+        </mc:Choice>
+        <mc:Fallback>
+          <p:sp>
+            <p:nvSpPr>
+              <p:cNvPr id="47" name="TextBox 46">
+                <a:extLst>
+                  <a:ext uri="{FF2B5EF4-FFF2-40B4-BE49-F238E27FC236}">
+                    <a16:creationId xmlns:a16="http://schemas.microsoft.com/office/drawing/2014/main" id="{6FF4E12F-3E8E-4726-BDC7-4F3FE8EB9D94}"/>
+                  </a:ext>
+                </a:extLst>
+              </p:cNvPr>
+              <p:cNvSpPr txBox="1">
+                <a:spLocks noRot="1" noChangeAspect="1" noMove="1" noResize="1" noEditPoints="1" noAdjustHandles="1" noChangeArrowheads="1" noChangeShapeType="1" noTextEdit="1"/>
+              </p:cNvSpPr>
+              <p:nvPr/>
+            </p:nvSpPr>
+            <p:spPr>
+              <a:xfrm>
+                <a:off x="991843" y="1551801"/>
+                <a:ext cx="149913" cy="276999"/>
+              </a:xfrm>
+              <a:prstGeom prst="rect">
+                <a:avLst/>
+              </a:prstGeom>
+              <a:blipFill>
+                <a:blip r:embed="rId2"/>
+                <a:stretch>
+                  <a:fillRect l="-37500" r="-29167" b="-4444"/>
+                </a:stretch>
+              </a:blipFill>
+            </p:spPr>
+            <p:txBody>
+              <a:bodyPr/>
+              <a:lstStyle/>
+              <a:p>
+                <a:r>
+                  <a:rPr lang="en-US">
+                    <a:noFill/>
+                  </a:rPr>
+                  <a:t> </a:t>
+                </a:r>
+              </a:p>
+            </p:txBody>
+          </p:sp>
+        </mc:Fallback>
+      </mc:AlternateContent>
+      <mc:AlternateContent xmlns:mc="http://schemas.openxmlformats.org/markup-compatibility/2006">
+        <mc:Choice xmlns:a14="http://schemas.microsoft.com/office/drawing/2010/main" Requires="a14">
+          <p:sp>
+            <p:nvSpPr>
+              <p:cNvPr id="48" name="TextBox 47">
+                <a:extLst>
+                  <a:ext uri="{FF2B5EF4-FFF2-40B4-BE49-F238E27FC236}">
+                    <a16:creationId xmlns:a16="http://schemas.microsoft.com/office/drawing/2014/main" id="{DBEDE7D5-5839-46F0-8E5D-BC92F86B8E4C}"/>
+                  </a:ext>
+                </a:extLst>
+              </p:cNvPr>
+              <p:cNvSpPr txBox="1"/>
+              <p:nvPr/>
+            </p:nvSpPr>
+            <p:spPr>
+              <a:xfrm>
+                <a:off x="7518578" y="4281100"/>
+                <a:ext cx="183320" cy="276999"/>
+              </a:xfrm>
+              <a:prstGeom prst="rect">
+                <a:avLst/>
+              </a:prstGeom>
+              <a:solidFill>
+                <a:schemeClr val="bg1"/>
+              </a:solidFill>
+            </p:spPr>
+            <p:txBody>
+              <a:bodyPr wrap="none" lIns="0" tIns="0" rIns="0" bIns="0" rtlCol="0">
+                <a:spAutoFit/>
+              </a:bodyPr>
+              <a:lstStyle/>
+              <a:p>
+                <a:pPr/>
+                <a14:m>
+                  <m:oMathPara xmlns:m="http://schemas.openxmlformats.org/officeDocument/2006/math">
+                    <m:oMathParaPr>
+                      <m:jc m:val="centerGroup"/>
+                    </m:oMathParaPr>
+                    <m:oMath xmlns:m="http://schemas.openxmlformats.org/officeDocument/2006/math">
+                      <m:r>
+                        <a:rPr lang="en-US" b="0" i="1" smtClean="0">
+                          <a:latin typeface="Cambria Math" panose="02040503050406030204" pitchFamily="18" charset="0"/>
+                        </a:rPr>
+                        <m:t>𝑥</m:t>
+                      </m:r>
+                    </m:oMath>
+                  </m:oMathPara>
+                </a14:m>
+                <a:endParaRPr lang="en-US" dirty="0"/>
+              </a:p>
+            </p:txBody>
+          </p:sp>
+        </mc:Choice>
+        <mc:Fallback>
+          <p:sp>
+            <p:nvSpPr>
+              <p:cNvPr id="48" name="TextBox 47">
+                <a:extLst>
+                  <a:ext uri="{FF2B5EF4-FFF2-40B4-BE49-F238E27FC236}">
+                    <a16:creationId xmlns:a16="http://schemas.microsoft.com/office/drawing/2014/main" id="{DBEDE7D5-5839-46F0-8E5D-BC92F86B8E4C}"/>
+                  </a:ext>
+                </a:extLst>
+              </p:cNvPr>
+              <p:cNvSpPr txBox="1">
+                <a:spLocks noRot="1" noChangeAspect="1" noMove="1" noResize="1" noEditPoints="1" noAdjustHandles="1" noChangeArrowheads="1" noChangeShapeType="1" noTextEdit="1"/>
+              </p:cNvSpPr>
+              <p:nvPr/>
+            </p:nvSpPr>
+            <p:spPr>
+              <a:xfrm>
+                <a:off x="7518578" y="4281100"/>
+                <a:ext cx="183320" cy="276999"/>
+              </a:xfrm>
+              <a:prstGeom prst="rect">
+                <a:avLst/>
+              </a:prstGeom>
+              <a:blipFill>
+                <a:blip r:embed="rId3"/>
+                <a:stretch>
+                  <a:fillRect l="-20000" r="-13333"/>
+                </a:stretch>
+              </a:blipFill>
+            </p:spPr>
+            <p:txBody>
+              <a:bodyPr/>
+              <a:lstStyle/>
+              <a:p>
+                <a:r>
+                  <a:rPr lang="en-US">
+                    <a:noFill/>
+                  </a:rPr>
+                  <a:t> </a:t>
+                </a:r>
+              </a:p>
+            </p:txBody>
+          </p:sp>
+        </mc:Fallback>
+      </mc:AlternateContent>
+      <mc:AlternateContent xmlns:mc="http://schemas.openxmlformats.org/markup-compatibility/2006">
+        <mc:Choice xmlns:a14="http://schemas.microsoft.com/office/drawing/2010/main" Requires="a14">
+          <p:sp>
+            <p:nvSpPr>
+              <p:cNvPr id="51" name="TextBox 50">
+                <a:extLst>
+                  <a:ext uri="{FF2B5EF4-FFF2-40B4-BE49-F238E27FC236}">
+                    <a16:creationId xmlns:a16="http://schemas.microsoft.com/office/drawing/2014/main" id="{2639EA40-D330-488C-87A3-05C298D9C03E}"/>
+                  </a:ext>
+                </a:extLst>
+              </p:cNvPr>
+              <p:cNvSpPr txBox="1"/>
+              <p:nvPr/>
+            </p:nvSpPr>
+            <p:spPr>
+              <a:xfrm>
+                <a:off x="1350731" y="4058334"/>
+                <a:ext cx="478721" cy="276999"/>
+              </a:xfrm>
+              <a:prstGeom prst="rect">
+                <a:avLst/>
+              </a:prstGeom>
+              <a:solidFill>
+                <a:schemeClr val="bg1"/>
+              </a:solidFill>
+            </p:spPr>
+            <p:txBody>
+              <a:bodyPr wrap="none" lIns="0" tIns="0" rIns="0" bIns="0" rtlCol="0">
+                <a:spAutoFit/>
+              </a:bodyPr>
+              <a:lstStyle/>
+              <a:p>
+                <a:pPr/>
+                <a14:m>
+                  <m:oMathPara xmlns:m="http://schemas.openxmlformats.org/officeDocument/2006/math">
+                    <m:oMathParaPr>
+                      <m:jc m:val="centerGroup"/>
+                    </m:oMathParaPr>
+                    <m:oMath xmlns:m="http://schemas.openxmlformats.org/officeDocument/2006/math">
+                      <m:sSub>
+                        <m:sSubPr>
+                          <m:ctrlPr>
+                            <a:rPr lang="en-US" b="0" i="1" smtClean="0">
+                              <a:latin typeface="Cambria Math" panose="02040503050406030204" pitchFamily="18" charset="0"/>
+                            </a:rPr>
+                          </m:ctrlPr>
+                        </m:sSubPr>
+                        <m:e>
+                          <m:r>
+                            <a:rPr lang="en-US" b="0" i="1" smtClean="0">
+                              <a:latin typeface="Cambria Math" panose="02040503050406030204" pitchFamily="18" charset="0"/>
+                            </a:rPr>
+                            <m:t>𝑡</m:t>
+                          </m:r>
+                        </m:e>
+                        <m:sub>
+                          <m:r>
+                            <a:rPr lang="en-US" b="0" i="1" smtClean="0">
+                              <a:latin typeface="Cambria Math" panose="02040503050406030204" pitchFamily="18" charset="0"/>
+                            </a:rPr>
+                            <m:t>𝑚𝑖𝑛</m:t>
+                          </m:r>
+                        </m:sub>
+                      </m:sSub>
+                    </m:oMath>
+                  </m:oMathPara>
+                </a14:m>
+                <a:endParaRPr lang="en-US" dirty="0"/>
+              </a:p>
+            </p:txBody>
+          </p:sp>
+        </mc:Choice>
+        <mc:Fallback>
+          <p:sp>
+            <p:nvSpPr>
+              <p:cNvPr id="51" name="TextBox 50">
+                <a:extLst>
+                  <a:ext uri="{FF2B5EF4-FFF2-40B4-BE49-F238E27FC236}">
+                    <a16:creationId xmlns:a16="http://schemas.microsoft.com/office/drawing/2014/main" id="{2639EA40-D330-488C-87A3-05C298D9C03E}"/>
+                  </a:ext>
+                </a:extLst>
+              </p:cNvPr>
+              <p:cNvSpPr txBox="1">
+                <a:spLocks noRot="1" noChangeAspect="1" noMove="1" noResize="1" noEditPoints="1" noAdjustHandles="1" noChangeArrowheads="1" noChangeShapeType="1" noTextEdit="1"/>
+              </p:cNvSpPr>
+              <p:nvPr/>
+            </p:nvSpPr>
+            <p:spPr>
+              <a:xfrm>
+                <a:off x="1350731" y="4058334"/>
+                <a:ext cx="478721" cy="276999"/>
+              </a:xfrm>
+              <a:prstGeom prst="rect">
+                <a:avLst/>
+              </a:prstGeom>
+              <a:blipFill>
+                <a:blip r:embed="rId4"/>
+                <a:stretch>
+                  <a:fillRect l="-10256" r="-6410" b="-17778"/>
+                </a:stretch>
+              </a:blipFill>
+            </p:spPr>
+            <p:txBody>
+              <a:bodyPr/>
+              <a:lstStyle/>
+              <a:p>
+                <a:r>
+                  <a:rPr lang="en-US">
+                    <a:noFill/>
+                  </a:rPr>
+                  <a:t> </a:t>
+                </a:r>
+              </a:p>
+            </p:txBody>
+          </p:sp>
+        </mc:Fallback>
+      </mc:AlternateContent>
+      <p:cxnSp>
+        <p:nvCxnSpPr>
+          <p:cNvPr id="53" name="Straight Connector 52">
+            <a:extLst>
+              <a:ext uri="{FF2B5EF4-FFF2-40B4-BE49-F238E27FC236}">
+                <a16:creationId xmlns:a16="http://schemas.microsoft.com/office/drawing/2014/main" id="{D4E75DC6-C077-4F84-962B-89F5CE652050}"/>
+              </a:ext>
+            </a:extLst>
+          </p:cNvPr>
+          <p:cNvCxnSpPr>
+            <a:stCxn id="17" idx="1"/>
+          </p:cNvCxnSpPr>
+          <p:nvPr/>
+        </p:nvCxnSpPr>
+        <p:spPr>
+          <a:xfrm flipH="1">
+            <a:off x="953906" y="3086100"/>
+            <a:ext cx="838200" cy="0"/>
+          </a:xfrm>
+          <a:prstGeom prst="line">
+            <a:avLst/>
+          </a:prstGeom>
+          <a:ln w="28575">
+            <a:solidFill>
+              <a:schemeClr val="tx1"/>
+            </a:solidFill>
+            <a:prstDash val="sysDash"/>
+          </a:ln>
+        </p:spPr>
+        <p:style>
+          <a:lnRef idx="1">
+            <a:schemeClr val="accent1"/>
+          </a:lnRef>
+          <a:fillRef idx="0">
+            <a:schemeClr val="accent1"/>
+          </a:fillRef>
+          <a:effectRef idx="0">
+            <a:schemeClr val="accent1"/>
+          </a:effectRef>
+          <a:fontRef idx="minor">
+            <a:schemeClr val="tx1"/>
+          </a:fontRef>
+        </p:style>
+      </p:cxnSp>
+      <p:sp>
+        <p:nvSpPr>
+          <p:cNvPr id="18" name="Diamond 17">
+            <a:extLst>
+              <a:ext uri="{FF2B5EF4-FFF2-40B4-BE49-F238E27FC236}">
+                <a16:creationId xmlns:a16="http://schemas.microsoft.com/office/drawing/2014/main" id="{6F8CC0DF-7373-4656-BF5B-C86D5CCA3F30}"/>
+              </a:ext>
+            </a:extLst>
+          </p:cNvPr>
+          <p:cNvSpPr/>
+          <p:nvPr/>
+        </p:nvSpPr>
+        <p:spPr>
+          <a:xfrm>
+            <a:off x="1258706" y="2895600"/>
+            <a:ext cx="228600" cy="228600"/>
+          </a:xfrm>
+          <a:prstGeom prst="diamond">
+            <a:avLst/>
+          </a:prstGeom>
+          <a:solidFill>
+            <a:schemeClr val="bg1">
+              <a:lumMod val="85000"/>
+            </a:schemeClr>
+          </a:solidFill>
+          <a:ln>
+            <a:solidFill>
+              <a:schemeClr val="bg1">
+                <a:lumMod val="65000"/>
+              </a:schemeClr>
+            </a:solidFill>
+          </a:ln>
+        </p:spPr>
+        <p:style>
+          <a:lnRef idx="2">
+            <a:schemeClr val="accent1">
+              <a:shade val="50000"/>
+            </a:schemeClr>
+          </a:lnRef>
+          <a:fillRef idx="1">
+            <a:schemeClr val="accent1"/>
+          </a:fillRef>
+          <a:effectRef idx="0">
+            <a:schemeClr val="accent1"/>
+          </a:effectRef>
+          <a:fontRef idx="minor">
+            <a:schemeClr val="lt1"/>
+          </a:fontRef>
+        </p:style>
+        <p:txBody>
+          <a:bodyPr rtlCol="0" anchor="ctr"/>
+          <a:lstStyle/>
+          <a:p>
+            <a:pPr algn="ctr"/>
+            <a:endParaRPr lang="en-US"/>
+          </a:p>
+        </p:txBody>
+      </p:sp>
+      <p:cxnSp>
+        <p:nvCxnSpPr>
+          <p:cNvPr id="54" name="Straight Connector 53">
+            <a:extLst>
+              <a:ext uri="{FF2B5EF4-FFF2-40B4-BE49-F238E27FC236}">
+                <a16:creationId xmlns:a16="http://schemas.microsoft.com/office/drawing/2014/main" id="{E04D856E-0530-44E3-8992-A302063A1002}"/>
+              </a:ext>
+            </a:extLst>
+          </p:cNvPr>
+          <p:cNvCxnSpPr>
+            <a:cxnSpLocks/>
+            <a:stCxn id="26" idx="1"/>
+          </p:cNvCxnSpPr>
+          <p:nvPr/>
+        </p:nvCxnSpPr>
+        <p:spPr>
+          <a:xfrm flipH="1">
+            <a:off x="953906" y="3238895"/>
+            <a:ext cx="1905000" cy="0"/>
+          </a:xfrm>
+          <a:prstGeom prst="line">
+            <a:avLst/>
+          </a:prstGeom>
+          <a:ln w="28575">
+            <a:solidFill>
+              <a:schemeClr val="tx1"/>
+            </a:solidFill>
+            <a:prstDash val="sysDash"/>
+          </a:ln>
+        </p:spPr>
+        <p:style>
+          <a:lnRef idx="1">
+            <a:schemeClr val="accent1"/>
+          </a:lnRef>
+          <a:fillRef idx="0">
+            <a:schemeClr val="accent1"/>
+          </a:fillRef>
+          <a:effectRef idx="0">
+            <a:schemeClr val="accent1"/>
+          </a:effectRef>
+          <a:fontRef idx="minor">
+            <a:schemeClr val="tx1"/>
+          </a:fontRef>
+        </p:style>
+      </p:cxnSp>
+      <p:cxnSp>
+        <p:nvCxnSpPr>
+          <p:cNvPr id="59" name="Straight Connector 58">
+            <a:extLst>
+              <a:ext uri="{FF2B5EF4-FFF2-40B4-BE49-F238E27FC236}">
+                <a16:creationId xmlns:a16="http://schemas.microsoft.com/office/drawing/2014/main" id="{BCBCADE8-EB3D-4915-90CF-BE937EAD6722}"/>
+              </a:ext>
+            </a:extLst>
+          </p:cNvPr>
+          <p:cNvCxnSpPr>
+            <a:cxnSpLocks/>
+            <a:stCxn id="16" idx="1"/>
+          </p:cNvCxnSpPr>
+          <p:nvPr/>
+        </p:nvCxnSpPr>
+        <p:spPr>
+          <a:xfrm flipH="1">
+            <a:off x="953906" y="3162300"/>
+            <a:ext cx="1371600" cy="0"/>
+          </a:xfrm>
+          <a:prstGeom prst="line">
+            <a:avLst/>
+          </a:prstGeom>
+          <a:ln w="19050">
+            <a:solidFill>
+              <a:schemeClr val="tx1"/>
+            </a:solidFill>
+            <a:prstDash val="sysDot"/>
+          </a:ln>
+        </p:spPr>
+        <p:style>
+          <a:lnRef idx="1">
+            <a:schemeClr val="accent1"/>
+          </a:lnRef>
+          <a:fillRef idx="0">
+            <a:schemeClr val="accent1"/>
+          </a:fillRef>
+          <a:effectRef idx="0">
+            <a:schemeClr val="accent1"/>
+          </a:effectRef>
+          <a:fontRef idx="minor">
+            <a:schemeClr val="tx1"/>
+          </a:fontRef>
+        </p:style>
+      </p:cxnSp>
+      <p:sp>
+        <p:nvSpPr>
+          <p:cNvPr id="17" name="Diamond 16">
+            <a:extLst>
+              <a:ext uri="{FF2B5EF4-FFF2-40B4-BE49-F238E27FC236}">
+                <a16:creationId xmlns:a16="http://schemas.microsoft.com/office/drawing/2014/main" id="{5F6571F6-81D5-48B1-A99C-498D40986AEA}"/>
+              </a:ext>
+            </a:extLst>
+          </p:cNvPr>
+          <p:cNvSpPr/>
+          <p:nvPr/>
+        </p:nvSpPr>
+        <p:spPr>
+          <a:xfrm>
+            <a:off x="1792106" y="2971800"/>
+            <a:ext cx="228600" cy="228600"/>
+          </a:xfrm>
+          <a:prstGeom prst="diamond">
+            <a:avLst/>
+          </a:prstGeom>
+          <a:solidFill>
+            <a:schemeClr val="bg1">
+              <a:lumMod val="50000"/>
+            </a:schemeClr>
+          </a:solidFill>
+          <a:ln>
+            <a:solidFill>
+              <a:schemeClr val="tx1"/>
+            </a:solidFill>
+          </a:ln>
+        </p:spPr>
+        <p:style>
+          <a:lnRef idx="2">
+            <a:schemeClr val="accent1">
+              <a:shade val="50000"/>
+            </a:schemeClr>
+          </a:lnRef>
+          <a:fillRef idx="1">
+            <a:schemeClr val="accent1"/>
+          </a:fillRef>
+          <a:effectRef idx="0">
+            <a:schemeClr val="accent1"/>
+          </a:effectRef>
+          <a:fontRef idx="minor">
+            <a:schemeClr val="lt1"/>
+          </a:fontRef>
+        </p:style>
+        <p:txBody>
+          <a:bodyPr rtlCol="0" anchor="ctr"/>
+          <a:lstStyle/>
+          <a:p>
+            <a:pPr algn="ctr"/>
+            <a:endParaRPr lang="en-US"/>
+          </a:p>
+        </p:txBody>
+      </p:sp>
+      <p:cxnSp>
+        <p:nvCxnSpPr>
+          <p:cNvPr id="62" name="Straight Connector 61">
+            <a:extLst>
+              <a:ext uri="{FF2B5EF4-FFF2-40B4-BE49-F238E27FC236}">
+                <a16:creationId xmlns:a16="http://schemas.microsoft.com/office/drawing/2014/main" id="{F57CEEBF-0E59-4FBE-B19C-A88D2D38CE8E}"/>
+              </a:ext>
+            </a:extLst>
+          </p:cNvPr>
+          <p:cNvCxnSpPr>
+            <a:cxnSpLocks/>
+            <a:stCxn id="38" idx="1"/>
+          </p:cNvCxnSpPr>
+          <p:nvPr/>
+        </p:nvCxnSpPr>
+        <p:spPr>
+          <a:xfrm flipH="1">
+            <a:off x="991843" y="3695700"/>
+            <a:ext cx="5067463" cy="0"/>
+          </a:xfrm>
+          <a:prstGeom prst="line">
+            <a:avLst/>
+          </a:prstGeom>
+          <a:ln w="28575">
+            <a:solidFill>
+              <a:schemeClr val="tx1"/>
+            </a:solidFill>
+            <a:prstDash val="sysDash"/>
+          </a:ln>
+        </p:spPr>
+        <p:style>
+          <a:lnRef idx="1">
+            <a:schemeClr val="accent1"/>
+          </a:lnRef>
+          <a:fillRef idx="0">
+            <a:schemeClr val="accent1"/>
+          </a:fillRef>
+          <a:effectRef idx="0">
+            <a:schemeClr val="accent1"/>
+          </a:effectRef>
+          <a:fontRef idx="minor">
+            <a:schemeClr val="tx1"/>
+          </a:fontRef>
+        </p:style>
+      </p:cxnSp>
+      <p:cxnSp>
+        <p:nvCxnSpPr>
+          <p:cNvPr id="63" name="Straight Connector 62">
+            <a:extLst>
+              <a:ext uri="{FF2B5EF4-FFF2-40B4-BE49-F238E27FC236}">
+                <a16:creationId xmlns:a16="http://schemas.microsoft.com/office/drawing/2014/main" id="{617DD4C2-E5BC-47F1-989C-A5CA3F549EA6}"/>
+              </a:ext>
+            </a:extLst>
+          </p:cNvPr>
+          <p:cNvCxnSpPr>
+            <a:cxnSpLocks/>
+            <a:stCxn id="37" idx="1"/>
+          </p:cNvCxnSpPr>
+          <p:nvPr/>
+        </p:nvCxnSpPr>
+        <p:spPr>
+          <a:xfrm flipH="1">
+            <a:off x="991843" y="3771900"/>
+            <a:ext cx="5600863" cy="0"/>
+          </a:xfrm>
+          <a:prstGeom prst="line">
+            <a:avLst/>
+          </a:prstGeom>
+          <a:ln w="28575">
+            <a:solidFill>
+              <a:schemeClr val="tx1"/>
+            </a:solidFill>
+            <a:prstDash val="sysDash"/>
+          </a:ln>
+        </p:spPr>
+        <p:style>
+          <a:lnRef idx="1">
+            <a:schemeClr val="accent1"/>
+          </a:lnRef>
+          <a:fillRef idx="0">
+            <a:schemeClr val="accent1"/>
+          </a:fillRef>
+          <a:effectRef idx="0">
+            <a:schemeClr val="accent1"/>
+          </a:effectRef>
+          <a:fontRef idx="minor">
+            <a:schemeClr val="tx1"/>
+          </a:fontRef>
+        </p:style>
+      </p:cxnSp>
+      <p:sp>
+        <p:nvSpPr>
+          <p:cNvPr id="33" name="Diamond 32">
+            <a:extLst>
+              <a:ext uri="{FF2B5EF4-FFF2-40B4-BE49-F238E27FC236}">
+                <a16:creationId xmlns:a16="http://schemas.microsoft.com/office/drawing/2014/main" id="{FC97AA1F-0B98-42A8-B1E6-7391A00EB5CB}"/>
+              </a:ext>
+            </a:extLst>
+          </p:cNvPr>
+          <p:cNvSpPr/>
+          <p:nvPr/>
+        </p:nvSpPr>
+        <p:spPr>
+          <a:xfrm>
+            <a:off x="5525906" y="3504805"/>
+            <a:ext cx="228600" cy="228600"/>
+          </a:xfrm>
+          <a:prstGeom prst="diamond">
+            <a:avLst/>
+          </a:prstGeom>
+          <a:solidFill>
+            <a:schemeClr val="bg1">
+              <a:lumMod val="85000"/>
+            </a:schemeClr>
+          </a:solidFill>
+          <a:ln>
+            <a:solidFill>
+              <a:schemeClr val="bg1">
+                <a:lumMod val="65000"/>
+              </a:schemeClr>
+            </a:solidFill>
+          </a:ln>
+        </p:spPr>
+        <p:style>
+          <a:lnRef idx="2">
+            <a:schemeClr val="accent1">
+              <a:shade val="50000"/>
+            </a:schemeClr>
+          </a:lnRef>
+          <a:fillRef idx="1">
+            <a:schemeClr val="accent1"/>
+          </a:fillRef>
+          <a:effectRef idx="0">
+            <a:schemeClr val="accent1"/>
+          </a:effectRef>
+          <a:fontRef idx="minor">
+            <a:schemeClr val="lt1"/>
+          </a:fontRef>
+        </p:style>
+        <p:txBody>
+          <a:bodyPr rtlCol="0" anchor="ctr"/>
+          <a:lstStyle/>
+          <a:p>
+            <a:pPr algn="ctr"/>
+            <a:endParaRPr lang="en-US"/>
+          </a:p>
+        </p:txBody>
+      </p:sp>
+      <p:sp>
+        <p:nvSpPr>
+          <p:cNvPr id="38" name="Diamond 37">
+            <a:extLst>
+              <a:ext uri="{FF2B5EF4-FFF2-40B4-BE49-F238E27FC236}">
+                <a16:creationId xmlns:a16="http://schemas.microsoft.com/office/drawing/2014/main" id="{30647402-3570-4CED-95A5-C241A7BD6371}"/>
+              </a:ext>
+            </a:extLst>
+          </p:cNvPr>
+          <p:cNvSpPr/>
+          <p:nvPr/>
+        </p:nvSpPr>
+        <p:spPr>
+          <a:xfrm>
+            <a:off x="6059306" y="3581400"/>
+            <a:ext cx="228600" cy="228600"/>
+          </a:xfrm>
+          <a:prstGeom prst="diamond">
+            <a:avLst/>
+          </a:prstGeom>
+          <a:solidFill>
+            <a:schemeClr val="bg1">
+              <a:lumMod val="50000"/>
+            </a:schemeClr>
+          </a:solidFill>
+          <a:ln>
+            <a:solidFill>
+              <a:schemeClr val="tx1"/>
+            </a:solidFill>
+          </a:ln>
+        </p:spPr>
+        <p:style>
+          <a:lnRef idx="2">
+            <a:schemeClr val="accent1">
+              <a:shade val="50000"/>
+            </a:schemeClr>
+          </a:lnRef>
+          <a:fillRef idx="1">
+            <a:schemeClr val="accent1"/>
+          </a:fillRef>
+          <a:effectRef idx="0">
+            <a:schemeClr val="accent1"/>
+          </a:effectRef>
+          <a:fontRef idx="minor">
+            <a:schemeClr val="lt1"/>
+          </a:fontRef>
+        </p:style>
+        <p:txBody>
+          <a:bodyPr rtlCol="0" anchor="ctr"/>
+          <a:lstStyle/>
+          <a:p>
+            <a:pPr algn="ctr"/>
+            <a:endParaRPr lang="en-US"/>
+          </a:p>
+        </p:txBody>
+      </p:sp>
+      <p:sp>
+        <p:nvSpPr>
+          <p:cNvPr id="16" name="Diamond 15">
+            <a:extLst>
+              <a:ext uri="{FF2B5EF4-FFF2-40B4-BE49-F238E27FC236}">
+                <a16:creationId xmlns:a16="http://schemas.microsoft.com/office/drawing/2014/main" id="{CB86380D-A265-42D6-8F2F-3B990756272E}"/>
+              </a:ext>
+            </a:extLst>
+          </p:cNvPr>
+          <p:cNvSpPr/>
+          <p:nvPr/>
+        </p:nvSpPr>
+        <p:spPr>
+          <a:xfrm>
+            <a:off x="2325506" y="3048000"/>
+            <a:ext cx="228600" cy="228600"/>
+          </a:xfrm>
+          <a:prstGeom prst="diamond">
+            <a:avLst/>
+          </a:prstGeom>
+          <a:solidFill>
+            <a:schemeClr val="bg1">
+              <a:lumMod val="50000"/>
+            </a:schemeClr>
+          </a:solidFill>
+          <a:ln>
+            <a:solidFill>
+              <a:schemeClr val="tx1"/>
+            </a:solidFill>
+          </a:ln>
+        </p:spPr>
+        <p:style>
+          <a:lnRef idx="2">
+            <a:schemeClr val="accent1">
+              <a:shade val="50000"/>
+            </a:schemeClr>
+          </a:lnRef>
+          <a:fillRef idx="1">
+            <a:schemeClr val="accent1"/>
+          </a:fillRef>
+          <a:effectRef idx="0">
+            <a:schemeClr val="accent1"/>
+          </a:effectRef>
+          <a:fontRef idx="minor">
+            <a:schemeClr val="lt1"/>
+          </a:fontRef>
+        </p:style>
+        <p:txBody>
+          <a:bodyPr rtlCol="0" anchor="ctr"/>
+          <a:lstStyle/>
+          <a:p>
+            <a:pPr algn="ctr"/>
+            <a:endParaRPr lang="en-US"/>
+          </a:p>
+        </p:txBody>
+      </p:sp>
+      <p:sp>
+        <p:nvSpPr>
+          <p:cNvPr id="88" name="Oval 87">
+            <a:extLst>
+              <a:ext uri="{FF2B5EF4-FFF2-40B4-BE49-F238E27FC236}">
+                <a16:creationId xmlns:a16="http://schemas.microsoft.com/office/drawing/2014/main" id="{919D70B6-455D-4029-848A-A65F95A857AF}"/>
+              </a:ext>
+            </a:extLst>
+          </p:cNvPr>
+          <p:cNvSpPr/>
+          <p:nvPr/>
+        </p:nvSpPr>
+        <p:spPr>
+          <a:xfrm>
+            <a:off x="2543732" y="2936219"/>
+            <a:ext cx="165738" cy="155750"/>
+          </a:xfrm>
+          <a:prstGeom prst="ellipse">
+            <a:avLst/>
+          </a:prstGeom>
+          <a:solidFill>
+            <a:schemeClr val="tx1">
+              <a:lumMod val="50000"/>
+              <a:lumOff val="50000"/>
+            </a:schemeClr>
+          </a:solidFill>
+          <a:ln>
+            <a:solidFill>
+              <a:schemeClr val="tx1"/>
+            </a:solidFill>
+          </a:ln>
+        </p:spPr>
+        <p:style>
+          <a:lnRef idx="2">
+            <a:schemeClr val="accent1">
+              <a:shade val="50000"/>
+            </a:schemeClr>
+          </a:lnRef>
+          <a:fillRef idx="1">
+            <a:schemeClr val="accent1"/>
+          </a:fillRef>
+          <a:effectRef idx="0">
+            <a:schemeClr val="accent1"/>
+          </a:effectRef>
+          <a:fontRef idx="minor">
+            <a:schemeClr val="lt1"/>
+          </a:fontRef>
+        </p:style>
+        <p:txBody>
+          <a:bodyPr rtlCol="0" anchor="ctr"/>
+          <a:lstStyle/>
+          <a:p>
+            <a:pPr algn="ctr"/>
+            <a:endParaRPr lang="en-US"/>
+          </a:p>
+        </p:txBody>
+      </p:sp>
+      <p:sp>
+        <p:nvSpPr>
+          <p:cNvPr id="91" name="Oval 90">
+            <a:extLst>
+              <a:ext uri="{FF2B5EF4-FFF2-40B4-BE49-F238E27FC236}">
+                <a16:creationId xmlns:a16="http://schemas.microsoft.com/office/drawing/2014/main" id="{22BAD626-8175-49A7-B628-7B7ACCF8BF88}"/>
+              </a:ext>
+            </a:extLst>
+          </p:cNvPr>
+          <p:cNvSpPr/>
+          <p:nvPr/>
+        </p:nvSpPr>
+        <p:spPr>
+          <a:xfrm>
+            <a:off x="3083083" y="3004140"/>
+            <a:ext cx="165738" cy="155750"/>
+          </a:xfrm>
+          <a:prstGeom prst="ellipse">
+            <a:avLst/>
+          </a:prstGeom>
+          <a:solidFill>
+            <a:schemeClr val="tx1">
+              <a:lumMod val="50000"/>
+              <a:lumOff val="50000"/>
+            </a:schemeClr>
+          </a:solidFill>
+          <a:ln>
+            <a:solidFill>
+              <a:schemeClr val="tx1"/>
+            </a:solidFill>
+          </a:ln>
+        </p:spPr>
+        <p:style>
+          <a:lnRef idx="2">
+            <a:schemeClr val="accent1">
+              <a:shade val="50000"/>
+            </a:schemeClr>
+          </a:lnRef>
+          <a:fillRef idx="1">
+            <a:schemeClr val="accent1"/>
+          </a:fillRef>
+          <a:effectRef idx="0">
+            <a:schemeClr val="accent1"/>
+          </a:effectRef>
+          <a:fontRef idx="minor">
+            <a:schemeClr val="lt1"/>
+          </a:fontRef>
+        </p:style>
+        <p:txBody>
+          <a:bodyPr rtlCol="0" anchor="ctr"/>
+          <a:lstStyle/>
+          <a:p>
+            <a:pPr algn="ctr"/>
+            <a:endParaRPr lang="en-US"/>
+          </a:p>
+        </p:txBody>
+      </p:sp>
+      <p:sp>
+        <p:nvSpPr>
+          <p:cNvPr id="92" name="Oval 91">
+            <a:extLst>
+              <a:ext uri="{FF2B5EF4-FFF2-40B4-BE49-F238E27FC236}">
+                <a16:creationId xmlns:a16="http://schemas.microsoft.com/office/drawing/2014/main" id="{013C98BA-93B4-4A36-BDB8-DB06F2D67151}"/>
+              </a:ext>
+            </a:extLst>
+          </p:cNvPr>
+          <p:cNvSpPr/>
+          <p:nvPr/>
+        </p:nvSpPr>
+        <p:spPr>
+          <a:xfrm>
+            <a:off x="3620188" y="3057545"/>
+            <a:ext cx="165738" cy="155750"/>
+          </a:xfrm>
+          <a:prstGeom prst="ellipse">
+            <a:avLst/>
+          </a:prstGeom>
+          <a:solidFill>
+            <a:schemeClr val="tx1">
+              <a:lumMod val="50000"/>
+              <a:lumOff val="50000"/>
+            </a:schemeClr>
+          </a:solidFill>
+          <a:ln>
+            <a:solidFill>
+              <a:schemeClr val="tx1"/>
+            </a:solidFill>
+          </a:ln>
+        </p:spPr>
+        <p:style>
+          <a:lnRef idx="2">
+            <a:schemeClr val="accent1">
+              <a:shade val="50000"/>
+            </a:schemeClr>
+          </a:lnRef>
+          <a:fillRef idx="1">
+            <a:schemeClr val="accent1"/>
+          </a:fillRef>
+          <a:effectRef idx="0">
+            <a:schemeClr val="accent1"/>
+          </a:effectRef>
+          <a:fontRef idx="minor">
+            <a:schemeClr val="lt1"/>
+          </a:fontRef>
+        </p:style>
+        <p:txBody>
+          <a:bodyPr rtlCol="0" anchor="ctr"/>
+          <a:lstStyle/>
+          <a:p>
+            <a:pPr algn="ctr"/>
+            <a:endParaRPr lang="en-US"/>
+          </a:p>
+        </p:txBody>
+      </p:sp>
+      <p:sp>
+        <p:nvSpPr>
+          <p:cNvPr id="93" name="Oval 92">
+            <a:extLst>
+              <a:ext uri="{FF2B5EF4-FFF2-40B4-BE49-F238E27FC236}">
+                <a16:creationId xmlns:a16="http://schemas.microsoft.com/office/drawing/2014/main" id="{A77E8858-0A50-4274-A82F-95D82B0FAE26}"/>
+              </a:ext>
+            </a:extLst>
+          </p:cNvPr>
+          <p:cNvSpPr/>
+          <p:nvPr/>
+        </p:nvSpPr>
+        <p:spPr>
+          <a:xfrm>
+            <a:off x="4158738" y="3086959"/>
+            <a:ext cx="165738" cy="155750"/>
+          </a:xfrm>
+          <a:prstGeom prst="ellipse">
+            <a:avLst/>
+          </a:prstGeom>
+          <a:solidFill>
+            <a:schemeClr val="tx1">
+              <a:lumMod val="50000"/>
+              <a:lumOff val="50000"/>
+            </a:schemeClr>
+          </a:solidFill>
+          <a:ln>
+            <a:solidFill>
+              <a:schemeClr val="tx1"/>
+            </a:solidFill>
+          </a:ln>
+        </p:spPr>
+        <p:style>
+          <a:lnRef idx="2">
+            <a:schemeClr val="accent1">
+              <a:shade val="50000"/>
+            </a:schemeClr>
+          </a:lnRef>
+          <a:fillRef idx="1">
+            <a:schemeClr val="accent1"/>
+          </a:fillRef>
+          <a:effectRef idx="0">
+            <a:schemeClr val="accent1"/>
+          </a:effectRef>
+          <a:fontRef idx="minor">
+            <a:schemeClr val="lt1"/>
+          </a:fontRef>
+        </p:style>
+        <p:txBody>
+          <a:bodyPr rtlCol="0" anchor="ctr"/>
+          <a:lstStyle/>
+          <a:p>
+            <a:pPr algn="ctr"/>
+            <a:endParaRPr lang="en-US"/>
+          </a:p>
+        </p:txBody>
+      </p:sp>
+      <p:sp>
+        <p:nvSpPr>
+          <p:cNvPr id="94" name="Oval 93">
+            <a:extLst>
+              <a:ext uri="{FF2B5EF4-FFF2-40B4-BE49-F238E27FC236}">
+                <a16:creationId xmlns:a16="http://schemas.microsoft.com/office/drawing/2014/main" id="{959E1B65-6DB8-4BDA-AACF-170BDC6F1853}"/>
+              </a:ext>
+            </a:extLst>
+          </p:cNvPr>
+          <p:cNvSpPr/>
+          <p:nvPr/>
+        </p:nvSpPr>
+        <p:spPr>
+          <a:xfrm>
+            <a:off x="4736067" y="3226259"/>
+            <a:ext cx="165738" cy="155750"/>
+          </a:xfrm>
+          <a:prstGeom prst="ellipse">
+            <a:avLst/>
+          </a:prstGeom>
+          <a:solidFill>
+            <a:schemeClr val="tx1">
+              <a:lumMod val="50000"/>
+              <a:lumOff val="50000"/>
+            </a:schemeClr>
+          </a:solidFill>
+          <a:ln>
+            <a:solidFill>
+              <a:schemeClr val="tx1"/>
+            </a:solidFill>
+          </a:ln>
+        </p:spPr>
+        <p:style>
+          <a:lnRef idx="2">
+            <a:schemeClr val="accent1">
+              <a:shade val="50000"/>
+            </a:schemeClr>
+          </a:lnRef>
+          <a:fillRef idx="1">
+            <a:schemeClr val="accent1"/>
+          </a:fillRef>
+          <a:effectRef idx="0">
+            <a:schemeClr val="accent1"/>
+          </a:effectRef>
+          <a:fontRef idx="minor">
+            <a:schemeClr val="lt1"/>
+          </a:fontRef>
+        </p:style>
+        <p:txBody>
+          <a:bodyPr rtlCol="0" anchor="ctr"/>
+          <a:lstStyle/>
+          <a:p>
+            <a:pPr algn="ctr"/>
+            <a:endParaRPr lang="en-US"/>
+          </a:p>
+        </p:txBody>
+      </p:sp>
+      <p:sp>
+        <p:nvSpPr>
+          <p:cNvPr id="95" name="Oval 94">
+            <a:extLst>
+              <a:ext uri="{FF2B5EF4-FFF2-40B4-BE49-F238E27FC236}">
+                <a16:creationId xmlns:a16="http://schemas.microsoft.com/office/drawing/2014/main" id="{5364AFE2-55A3-471C-A811-D2A3836BAEC2}"/>
+              </a:ext>
+            </a:extLst>
+          </p:cNvPr>
+          <p:cNvSpPr/>
+          <p:nvPr/>
+        </p:nvSpPr>
+        <p:spPr>
+          <a:xfrm>
+            <a:off x="5313396" y="3277094"/>
+            <a:ext cx="165738" cy="155750"/>
+          </a:xfrm>
+          <a:prstGeom prst="ellipse">
+            <a:avLst/>
+          </a:prstGeom>
+          <a:solidFill>
+            <a:schemeClr val="tx1">
+              <a:lumMod val="50000"/>
+              <a:lumOff val="50000"/>
+            </a:schemeClr>
+          </a:solidFill>
+          <a:ln>
+            <a:solidFill>
+              <a:schemeClr val="tx1"/>
+            </a:solidFill>
+          </a:ln>
+        </p:spPr>
+        <p:style>
+          <a:lnRef idx="2">
+            <a:schemeClr val="accent1">
+              <a:shade val="50000"/>
+            </a:schemeClr>
+          </a:lnRef>
+          <a:fillRef idx="1">
+            <a:schemeClr val="accent1"/>
+          </a:fillRef>
+          <a:effectRef idx="0">
+            <a:schemeClr val="accent1"/>
+          </a:effectRef>
+          <a:fontRef idx="minor">
+            <a:schemeClr val="lt1"/>
+          </a:fontRef>
+        </p:style>
+        <p:txBody>
+          <a:bodyPr rtlCol="0" anchor="ctr"/>
+          <a:lstStyle/>
+          <a:p>
+            <a:pPr algn="ctr"/>
+            <a:endParaRPr lang="en-US"/>
+          </a:p>
+        </p:txBody>
+      </p:sp>
+      <p:sp>
+        <p:nvSpPr>
+          <p:cNvPr id="96" name="Oval 95">
+            <a:extLst>
+              <a:ext uri="{FF2B5EF4-FFF2-40B4-BE49-F238E27FC236}">
+                <a16:creationId xmlns:a16="http://schemas.microsoft.com/office/drawing/2014/main" id="{E21396B9-82BD-4D6D-BC0C-583E12F4452A}"/>
+              </a:ext>
+            </a:extLst>
+          </p:cNvPr>
+          <p:cNvSpPr/>
+          <p:nvPr/>
+        </p:nvSpPr>
+        <p:spPr>
+          <a:xfrm>
+            <a:off x="5846669" y="3364218"/>
+            <a:ext cx="165738" cy="155750"/>
+          </a:xfrm>
+          <a:prstGeom prst="ellipse">
+            <a:avLst/>
+          </a:prstGeom>
+          <a:solidFill>
+            <a:schemeClr val="tx1">
+              <a:lumMod val="50000"/>
+              <a:lumOff val="50000"/>
+            </a:schemeClr>
+          </a:solidFill>
+          <a:ln>
+            <a:solidFill>
+              <a:schemeClr val="tx1"/>
+            </a:solidFill>
+          </a:ln>
+        </p:spPr>
+        <p:style>
+          <a:lnRef idx="2">
+            <a:schemeClr val="accent1">
+              <a:shade val="50000"/>
+            </a:schemeClr>
+          </a:lnRef>
+          <a:fillRef idx="1">
+            <a:schemeClr val="accent1"/>
+          </a:fillRef>
+          <a:effectRef idx="0">
+            <a:schemeClr val="accent1"/>
+          </a:effectRef>
+          <a:fontRef idx="minor">
+            <a:schemeClr val="lt1"/>
+          </a:fontRef>
+        </p:style>
+        <p:txBody>
+          <a:bodyPr rtlCol="0" anchor="ctr"/>
+          <a:lstStyle/>
+          <a:p>
+            <a:pPr algn="ctr"/>
+            <a:endParaRPr lang="en-US"/>
+          </a:p>
+        </p:txBody>
+      </p:sp>
+      <p:sp>
+        <p:nvSpPr>
+          <p:cNvPr id="97" name="Oval 96">
+            <a:extLst>
+              <a:ext uri="{FF2B5EF4-FFF2-40B4-BE49-F238E27FC236}">
+                <a16:creationId xmlns:a16="http://schemas.microsoft.com/office/drawing/2014/main" id="{41EBF66E-2ED9-454B-8348-E468F7AD2348}"/>
+              </a:ext>
+            </a:extLst>
+          </p:cNvPr>
+          <p:cNvSpPr/>
+          <p:nvPr/>
+        </p:nvSpPr>
+        <p:spPr>
+          <a:xfrm>
+            <a:off x="6380069" y="3450302"/>
+            <a:ext cx="165738" cy="155750"/>
+          </a:xfrm>
+          <a:prstGeom prst="ellipse">
+            <a:avLst/>
+          </a:prstGeom>
+          <a:solidFill>
+            <a:schemeClr val="tx1">
+              <a:lumMod val="50000"/>
+              <a:lumOff val="50000"/>
+            </a:schemeClr>
+          </a:solidFill>
+          <a:ln>
+            <a:solidFill>
+              <a:schemeClr val="tx1"/>
+            </a:solidFill>
+          </a:ln>
+        </p:spPr>
+        <p:style>
+          <a:lnRef idx="2">
+            <a:schemeClr val="accent1">
+              <a:shade val="50000"/>
+            </a:schemeClr>
+          </a:lnRef>
+          <a:fillRef idx="1">
+            <a:schemeClr val="accent1"/>
+          </a:fillRef>
+          <a:effectRef idx="0">
+            <a:schemeClr val="accent1"/>
+          </a:effectRef>
+          <a:fontRef idx="minor">
+            <a:schemeClr val="lt1"/>
+          </a:fontRef>
+        </p:style>
+        <p:txBody>
+          <a:bodyPr rtlCol="0" anchor="ctr"/>
+          <a:lstStyle/>
+          <a:p>
+            <a:pPr algn="ctr"/>
+            <a:endParaRPr lang="en-US"/>
+          </a:p>
+        </p:txBody>
+      </p:sp>
+      <p:sp>
+        <p:nvSpPr>
+          <p:cNvPr id="99" name="Oval 98">
+            <a:extLst>
+              <a:ext uri="{FF2B5EF4-FFF2-40B4-BE49-F238E27FC236}">
+                <a16:creationId xmlns:a16="http://schemas.microsoft.com/office/drawing/2014/main" id="{E2F9B919-615F-4D0C-B5F5-4FCC1067B4F4}"/>
+              </a:ext>
+            </a:extLst>
+          </p:cNvPr>
+          <p:cNvSpPr/>
+          <p:nvPr/>
+        </p:nvSpPr>
+        <p:spPr>
+          <a:xfrm>
+            <a:off x="6930240" y="3606052"/>
+            <a:ext cx="165738" cy="155750"/>
+          </a:xfrm>
+          <a:prstGeom prst="ellipse">
+            <a:avLst/>
+          </a:prstGeom>
+          <a:solidFill>
+            <a:schemeClr val="tx1">
+              <a:lumMod val="50000"/>
+              <a:lumOff val="50000"/>
+            </a:schemeClr>
+          </a:solidFill>
+          <a:ln>
+            <a:solidFill>
+              <a:schemeClr val="tx1"/>
+            </a:solidFill>
+          </a:ln>
+        </p:spPr>
+        <p:style>
+          <a:lnRef idx="2">
+            <a:schemeClr val="accent1">
+              <a:shade val="50000"/>
+            </a:schemeClr>
+          </a:lnRef>
+          <a:fillRef idx="1">
+            <a:schemeClr val="accent1"/>
+          </a:fillRef>
+          <a:effectRef idx="0">
+            <a:schemeClr val="accent1"/>
+          </a:effectRef>
+          <a:fontRef idx="minor">
+            <a:schemeClr val="lt1"/>
+          </a:fontRef>
+        </p:style>
+        <p:txBody>
+          <a:bodyPr rtlCol="0" anchor="ctr"/>
+          <a:lstStyle/>
+          <a:p>
+            <a:pPr algn="ctr"/>
+            <a:endParaRPr lang="en-US"/>
+          </a:p>
+        </p:txBody>
+      </p:sp>
+      <p:sp>
+        <p:nvSpPr>
+          <p:cNvPr id="100" name="Oval 99">
+            <a:extLst>
+              <a:ext uri="{FF2B5EF4-FFF2-40B4-BE49-F238E27FC236}">
+                <a16:creationId xmlns:a16="http://schemas.microsoft.com/office/drawing/2014/main" id="{29CF2AB4-0C79-43B0-B2C3-B778829BC614}"/>
+              </a:ext>
+            </a:extLst>
+          </p:cNvPr>
+          <p:cNvSpPr/>
+          <p:nvPr/>
+        </p:nvSpPr>
+        <p:spPr>
+          <a:xfrm>
+            <a:off x="7348037" y="4075025"/>
+            <a:ext cx="165738" cy="155750"/>
+          </a:xfrm>
+          <a:prstGeom prst="ellipse">
+            <a:avLst/>
+          </a:prstGeom>
+          <a:solidFill>
+            <a:schemeClr val="tx1">
+              <a:lumMod val="50000"/>
+              <a:lumOff val="50000"/>
+            </a:schemeClr>
+          </a:solidFill>
+          <a:ln>
+            <a:solidFill>
+              <a:schemeClr val="tx1"/>
+            </a:solidFill>
+          </a:ln>
+        </p:spPr>
+        <p:style>
+          <a:lnRef idx="2">
+            <a:schemeClr val="accent1">
+              <a:shade val="50000"/>
+            </a:schemeClr>
+          </a:lnRef>
+          <a:fillRef idx="1">
+            <a:schemeClr val="accent1"/>
+          </a:fillRef>
+          <a:effectRef idx="0">
+            <a:schemeClr val="accent1"/>
+          </a:effectRef>
+          <a:fontRef idx="minor">
+            <a:schemeClr val="lt1"/>
+          </a:fontRef>
+        </p:style>
+        <p:txBody>
+          <a:bodyPr rtlCol="0" anchor="ctr"/>
+          <a:lstStyle/>
+          <a:p>
+            <a:pPr algn="ctr"/>
+            <a:endParaRPr lang="en-US"/>
+          </a:p>
+        </p:txBody>
+      </p:sp>
+      <p:sp>
+        <p:nvSpPr>
+          <p:cNvPr id="101" name="Oval 100">
+            <a:extLst>
+              <a:ext uri="{FF2B5EF4-FFF2-40B4-BE49-F238E27FC236}">
+                <a16:creationId xmlns:a16="http://schemas.microsoft.com/office/drawing/2014/main" id="{715D37CE-5B4D-4906-8BA6-EFC393BFAF1C}"/>
+              </a:ext>
+            </a:extLst>
+          </p:cNvPr>
+          <p:cNvSpPr/>
+          <p:nvPr/>
+        </p:nvSpPr>
+        <p:spPr>
+          <a:xfrm>
+            <a:off x="2129178" y="2686983"/>
+            <a:ext cx="165738" cy="155750"/>
+          </a:xfrm>
+          <a:prstGeom prst="ellipse">
+            <a:avLst/>
+          </a:prstGeom>
+          <a:solidFill>
+            <a:schemeClr val="tx1">
+              <a:lumMod val="50000"/>
+              <a:lumOff val="50000"/>
+            </a:schemeClr>
+          </a:solidFill>
+          <a:ln>
+            <a:solidFill>
+              <a:schemeClr val="tx1"/>
+            </a:solidFill>
+          </a:ln>
+        </p:spPr>
+        <p:style>
+          <a:lnRef idx="2">
+            <a:schemeClr val="accent1">
+              <a:shade val="50000"/>
+            </a:schemeClr>
+          </a:lnRef>
+          <a:fillRef idx="1">
+            <a:schemeClr val="accent1"/>
+          </a:fillRef>
+          <a:effectRef idx="0">
+            <a:schemeClr val="accent1"/>
+          </a:effectRef>
+          <a:fontRef idx="minor">
+            <a:schemeClr val="lt1"/>
+          </a:fontRef>
+        </p:style>
+        <p:txBody>
+          <a:bodyPr rtlCol="0" anchor="ctr"/>
+          <a:lstStyle/>
+          <a:p>
+            <a:pPr algn="ctr"/>
+            <a:endParaRPr lang="en-US"/>
+          </a:p>
+        </p:txBody>
+      </p:sp>
+      <p:sp>
+        <p:nvSpPr>
+          <p:cNvPr id="102" name="Oval 101">
+            <a:extLst>
+              <a:ext uri="{FF2B5EF4-FFF2-40B4-BE49-F238E27FC236}">
+                <a16:creationId xmlns:a16="http://schemas.microsoft.com/office/drawing/2014/main" id="{E191C9B8-D712-4265-8A3E-B163A04F0599}"/>
+              </a:ext>
+            </a:extLst>
+          </p:cNvPr>
+          <p:cNvSpPr/>
+          <p:nvPr/>
+        </p:nvSpPr>
+        <p:spPr>
+          <a:xfrm>
+            <a:off x="1859832" y="2332705"/>
+            <a:ext cx="165738" cy="155750"/>
+          </a:xfrm>
+          <a:prstGeom prst="ellipse">
+            <a:avLst/>
+          </a:prstGeom>
+          <a:solidFill>
+            <a:schemeClr val="tx1">
+              <a:lumMod val="50000"/>
+              <a:lumOff val="50000"/>
+            </a:schemeClr>
+          </a:solidFill>
+          <a:ln>
+            <a:solidFill>
+              <a:schemeClr val="tx1"/>
+            </a:solidFill>
+          </a:ln>
+        </p:spPr>
+        <p:style>
+          <a:lnRef idx="2">
+            <a:schemeClr val="accent1">
+              <a:shade val="50000"/>
+            </a:schemeClr>
+          </a:lnRef>
+          <a:fillRef idx="1">
+            <a:schemeClr val="accent1"/>
+          </a:fillRef>
+          <a:effectRef idx="0">
+            <a:schemeClr val="accent1"/>
+          </a:effectRef>
+          <a:fontRef idx="minor">
+            <a:schemeClr val="lt1"/>
+          </a:fontRef>
+        </p:style>
+        <p:txBody>
+          <a:bodyPr rtlCol="0" anchor="ctr"/>
+          <a:lstStyle/>
+          <a:p>
+            <a:pPr algn="ctr"/>
+            <a:endParaRPr lang="en-US"/>
+          </a:p>
+        </p:txBody>
+      </p:sp>
+      <p:cxnSp>
+        <p:nvCxnSpPr>
+          <p:cNvPr id="110" name="Straight Arrow Connector 109">
+            <a:extLst>
+              <a:ext uri="{FF2B5EF4-FFF2-40B4-BE49-F238E27FC236}">
+                <a16:creationId xmlns:a16="http://schemas.microsoft.com/office/drawing/2014/main" id="{2727FCD4-0525-471C-AADB-045F751505ED}"/>
+              </a:ext>
+            </a:extLst>
+          </p:cNvPr>
+          <p:cNvCxnSpPr>
+            <a:cxnSpLocks/>
+          </p:cNvCxnSpPr>
+          <p:nvPr/>
+        </p:nvCxnSpPr>
+        <p:spPr>
+          <a:xfrm flipH="1" flipV="1">
+            <a:off x="7848600" y="2408902"/>
+            <a:ext cx="3996" cy="1753637"/>
+          </a:xfrm>
+          <a:prstGeom prst="straightConnector1">
+            <a:avLst/>
+          </a:prstGeom>
+          <a:ln w="28575">
+            <a:solidFill>
+              <a:schemeClr val="tx1"/>
+            </a:solidFill>
+            <a:headEnd type="triangle" w="med" len="med"/>
+            <a:tailEnd type="triangle" w="med" len="med"/>
+          </a:ln>
+        </p:spPr>
+        <p:style>
+          <a:lnRef idx="1">
+            <a:schemeClr val="accent1"/>
+          </a:lnRef>
+          <a:fillRef idx="0">
+            <a:schemeClr val="accent1"/>
+          </a:fillRef>
+          <a:effectRef idx="0">
+            <a:schemeClr val="accent1"/>
+          </a:effectRef>
+          <a:fontRef idx="minor">
+            <a:schemeClr val="tx1"/>
+          </a:fontRef>
+        </p:style>
+      </p:cxnSp>
+      <p:sp>
+        <p:nvSpPr>
+          <p:cNvPr id="113" name="TextBox 112">
+            <a:extLst>
+              <a:ext uri="{FF2B5EF4-FFF2-40B4-BE49-F238E27FC236}">
+                <a16:creationId xmlns:a16="http://schemas.microsoft.com/office/drawing/2014/main" id="{0BEA04BE-54E6-4994-A1F1-714C61B56582}"/>
+              </a:ext>
+            </a:extLst>
+          </p:cNvPr>
+          <p:cNvSpPr txBox="1"/>
+          <p:nvPr/>
+        </p:nvSpPr>
+        <p:spPr>
+          <a:xfrm>
+            <a:off x="7204436" y="3014990"/>
+            <a:ext cx="1286022" cy="523220"/>
+          </a:xfrm>
+          <a:prstGeom prst="rect">
+            <a:avLst/>
+          </a:prstGeom>
+          <a:solidFill>
+            <a:schemeClr val="bg1"/>
+          </a:solidFill>
+        </p:spPr>
+        <p:txBody>
+          <a:bodyPr wrap="square" rtlCol="0">
+            <a:spAutoFit/>
+          </a:bodyPr>
+          <a:lstStyle/>
+          <a:p>
+            <a:pPr algn="ctr"/>
+            <a:r>
+              <a:rPr lang="en-US" sz="1400" dirty="0">
+                <a:latin typeface="Times New Roman" panose="02020603050405020304" pitchFamily="18" charset="0"/>
+                <a:cs typeface="Times New Roman" panose="02020603050405020304" pitchFamily="18" charset="0"/>
+              </a:rPr>
+              <a:t>Total Flight Time</a:t>
+            </a:r>
+          </a:p>
+        </p:txBody>
+      </p:sp>
+      <mc:AlternateContent xmlns:mc="http://schemas.openxmlformats.org/markup-compatibility/2006">
+        <mc:Choice xmlns:a14="http://schemas.microsoft.com/office/drawing/2010/main" Requires="a14">
+          <p:sp>
+            <p:nvSpPr>
+              <p:cNvPr id="115" name="TextBox 114">
+                <a:extLst>
+                  <a:ext uri="{FF2B5EF4-FFF2-40B4-BE49-F238E27FC236}">
+                    <a16:creationId xmlns:a16="http://schemas.microsoft.com/office/drawing/2014/main" id="{2BFB2BE6-D50D-4B9A-A793-123C885DB973}"/>
+                  </a:ext>
+                </a:extLst>
+              </p:cNvPr>
+              <p:cNvSpPr txBox="1"/>
+              <p:nvPr/>
+            </p:nvSpPr>
+            <p:spPr>
+              <a:xfrm>
+                <a:off x="725995" y="3579314"/>
+                <a:ext cx="242887" cy="276999"/>
+              </a:xfrm>
+              <a:prstGeom prst="rect">
+                <a:avLst/>
+              </a:prstGeom>
+              <a:solidFill>
+                <a:schemeClr val="bg1"/>
+              </a:solidFill>
+            </p:spPr>
+            <p:txBody>
+              <a:bodyPr wrap="none" lIns="0" tIns="0" rIns="0" bIns="0" rtlCol="0">
+                <a:spAutoFit/>
+              </a:bodyPr>
+              <a:lstStyle/>
+              <a:p>
+                <a:pPr/>
+                <a14:m>
+                  <m:oMathPara xmlns:m="http://schemas.openxmlformats.org/officeDocument/2006/math">
+                    <m:oMathParaPr>
+                      <m:jc m:val="centerGroup"/>
+                    </m:oMathParaPr>
+                    <m:oMath xmlns:m="http://schemas.openxmlformats.org/officeDocument/2006/math">
+                      <m:sSub>
+                        <m:sSubPr>
+                          <m:ctrlPr>
+                            <a:rPr lang="en-US" b="0" i="1" smtClean="0">
+                              <a:latin typeface="Cambria Math" panose="02040503050406030204" pitchFamily="18" charset="0"/>
+                            </a:rPr>
+                          </m:ctrlPr>
+                        </m:sSubPr>
+                        <m:e>
+                          <m:r>
+                            <a:rPr lang="en-US" b="0" i="1" smtClean="0">
+                              <a:latin typeface="Cambria Math" panose="02040503050406030204" pitchFamily="18" charset="0"/>
+                            </a:rPr>
+                            <m:t>𝑡</m:t>
+                          </m:r>
+                        </m:e>
+                        <m:sub>
+                          <m:r>
+                            <a:rPr lang="en-US" b="0" i="1" smtClean="0">
+                              <a:latin typeface="Cambria Math" panose="02040503050406030204" pitchFamily="18" charset="0"/>
+                            </a:rPr>
+                            <m:t>1</m:t>
+                          </m:r>
+                        </m:sub>
+                      </m:sSub>
+                    </m:oMath>
+                  </m:oMathPara>
+                </a14:m>
+                <a:endParaRPr lang="en-US" dirty="0"/>
+              </a:p>
+            </p:txBody>
+          </p:sp>
+        </mc:Choice>
+        <mc:Fallback>
+          <p:sp>
+            <p:nvSpPr>
+              <p:cNvPr id="115" name="TextBox 114">
+                <a:extLst>
+                  <a:ext uri="{FF2B5EF4-FFF2-40B4-BE49-F238E27FC236}">
+                    <a16:creationId xmlns:a16="http://schemas.microsoft.com/office/drawing/2014/main" id="{2BFB2BE6-D50D-4B9A-A793-123C885DB973}"/>
+                  </a:ext>
+                </a:extLst>
+              </p:cNvPr>
+              <p:cNvSpPr txBox="1">
+                <a:spLocks noRot="1" noChangeAspect="1" noMove="1" noResize="1" noEditPoints="1" noAdjustHandles="1" noChangeArrowheads="1" noChangeShapeType="1" noTextEdit="1"/>
+              </p:cNvSpPr>
+              <p:nvPr/>
+            </p:nvSpPr>
+            <p:spPr>
+              <a:xfrm>
+                <a:off x="725995" y="3579314"/>
+                <a:ext cx="242887" cy="276999"/>
+              </a:xfrm>
+              <a:prstGeom prst="rect">
+                <a:avLst/>
+              </a:prstGeom>
+              <a:blipFill>
+                <a:blip r:embed="rId5"/>
+                <a:stretch>
+                  <a:fillRect l="-20000" r="-7500" b="-15217"/>
+                </a:stretch>
+              </a:blipFill>
+            </p:spPr>
+            <p:txBody>
+              <a:bodyPr/>
+              <a:lstStyle/>
+              <a:p>
+                <a:r>
+                  <a:rPr lang="en-US">
+                    <a:noFill/>
+                  </a:rPr>
+                  <a:t> </a:t>
+                </a:r>
+              </a:p>
+            </p:txBody>
+          </p:sp>
+        </mc:Fallback>
+      </mc:AlternateContent>
+      <mc:AlternateContent xmlns:mc="http://schemas.openxmlformats.org/markup-compatibility/2006">
+        <mc:Choice xmlns:a14="http://schemas.microsoft.com/office/drawing/2010/main" Requires="a14">
+          <p:sp>
+            <p:nvSpPr>
+              <p:cNvPr id="116" name="TextBox 115">
+                <a:extLst>
+                  <a:ext uri="{FF2B5EF4-FFF2-40B4-BE49-F238E27FC236}">
+                    <a16:creationId xmlns:a16="http://schemas.microsoft.com/office/drawing/2014/main" id="{651368F3-BA59-4FD9-BB36-DB4728A3AA06}"/>
+                  </a:ext>
+                </a:extLst>
+              </p:cNvPr>
+              <p:cNvSpPr txBox="1"/>
+              <p:nvPr/>
+            </p:nvSpPr>
+            <p:spPr>
+              <a:xfrm>
+                <a:off x="463331" y="3021390"/>
+                <a:ext cx="530081" cy="276999"/>
+              </a:xfrm>
+              <a:prstGeom prst="rect">
+                <a:avLst/>
+              </a:prstGeom>
+              <a:solidFill>
+                <a:schemeClr val="bg1"/>
+              </a:solidFill>
+            </p:spPr>
+            <p:txBody>
+              <a:bodyPr wrap="none" lIns="0" tIns="0" rIns="0" bIns="0" rtlCol="0">
+                <a:spAutoFit/>
+              </a:bodyPr>
+              <a:lstStyle/>
+              <a:p>
+                <a:pPr/>
+                <a14:m>
+                  <m:oMathPara xmlns:m="http://schemas.openxmlformats.org/officeDocument/2006/math">
+                    <m:oMathParaPr>
+                      <m:jc m:val="centerGroup"/>
+                    </m:oMathParaPr>
+                    <m:oMath xmlns:m="http://schemas.openxmlformats.org/officeDocument/2006/math">
+                      <m:sSub>
+                        <m:sSubPr>
+                          <m:ctrlPr>
+                            <a:rPr lang="en-US" b="0" i="1" smtClean="0">
+                              <a:latin typeface="Cambria Math" panose="02040503050406030204" pitchFamily="18" charset="0"/>
+                            </a:rPr>
+                          </m:ctrlPr>
+                        </m:sSubPr>
+                        <m:e>
+                          <m:r>
+                            <a:rPr lang="en-US" b="0" i="1" smtClean="0">
+                              <a:latin typeface="Cambria Math" panose="02040503050406030204" pitchFamily="18" charset="0"/>
+                            </a:rPr>
+                            <m:t>𝑡</m:t>
+                          </m:r>
+                        </m:e>
+                        <m:sub>
+                          <m:r>
+                            <a:rPr lang="en-US" b="0" i="1" smtClean="0">
+                              <a:latin typeface="Cambria Math" panose="02040503050406030204" pitchFamily="18" charset="0"/>
+                            </a:rPr>
+                            <m:t>4</m:t>
+                          </m:r>
+                        </m:sub>
+                      </m:sSub>
+                      <m:r>
+                        <a:rPr lang="en-US" b="0" i="1" smtClean="0">
+                          <a:latin typeface="Cambria Math" panose="02040503050406030204" pitchFamily="18" charset="0"/>
+                        </a:rPr>
+                        <m:t>,</m:t>
+                      </m:r>
+                      <m:sSub>
+                        <m:sSubPr>
+                          <m:ctrlPr>
+                            <a:rPr lang="en-US" i="1">
+                              <a:latin typeface="Cambria Math" panose="02040503050406030204" pitchFamily="18" charset="0"/>
+                            </a:rPr>
+                          </m:ctrlPr>
+                        </m:sSubPr>
+                        <m:e>
+                          <m:r>
+                            <a:rPr lang="en-US" i="1">
+                              <a:latin typeface="Cambria Math" panose="02040503050406030204" pitchFamily="18" charset="0"/>
+                            </a:rPr>
+                            <m:t>𝑡</m:t>
+                          </m:r>
+                        </m:e>
+                        <m:sub>
+                          <m:r>
+                            <a:rPr lang="en-US" b="0" i="1" smtClean="0">
+                              <a:latin typeface="Cambria Math" panose="02040503050406030204" pitchFamily="18" charset="0"/>
+                            </a:rPr>
+                            <m:t>5</m:t>
+                          </m:r>
+                        </m:sub>
+                      </m:sSub>
+                    </m:oMath>
+                  </m:oMathPara>
+                </a14:m>
+                <a:endParaRPr lang="en-US" dirty="0"/>
+              </a:p>
+            </p:txBody>
+          </p:sp>
+        </mc:Choice>
+        <mc:Fallback>
+          <p:sp>
+            <p:nvSpPr>
+              <p:cNvPr id="116" name="TextBox 115">
+                <a:extLst>
+                  <a:ext uri="{FF2B5EF4-FFF2-40B4-BE49-F238E27FC236}">
+                    <a16:creationId xmlns:a16="http://schemas.microsoft.com/office/drawing/2014/main" id="{651368F3-BA59-4FD9-BB36-DB4728A3AA06}"/>
+                  </a:ext>
+                </a:extLst>
+              </p:cNvPr>
+              <p:cNvSpPr txBox="1">
+                <a:spLocks noRot="1" noChangeAspect="1" noMove="1" noResize="1" noEditPoints="1" noAdjustHandles="1" noChangeArrowheads="1" noChangeShapeType="1" noTextEdit="1"/>
+              </p:cNvSpPr>
+              <p:nvPr/>
+            </p:nvSpPr>
+            <p:spPr>
+              <a:xfrm>
+                <a:off x="463331" y="3021390"/>
+                <a:ext cx="530081" cy="276999"/>
+              </a:xfrm>
+              <a:prstGeom prst="rect">
+                <a:avLst/>
+              </a:prstGeom>
+              <a:blipFill>
+                <a:blip r:embed="rId6"/>
+                <a:stretch>
+                  <a:fillRect l="-8046" r="-3448" b="-17778"/>
+                </a:stretch>
+              </a:blipFill>
+            </p:spPr>
+            <p:txBody>
+              <a:bodyPr/>
+              <a:lstStyle/>
+              <a:p>
+                <a:r>
+                  <a:rPr lang="en-US">
+                    <a:noFill/>
+                  </a:rPr>
+                  <a:t> </a:t>
+                </a:r>
+              </a:p>
+            </p:txBody>
+          </p:sp>
+        </mc:Fallback>
+      </mc:AlternateContent>
+      <mc:AlternateContent xmlns:mc="http://schemas.openxmlformats.org/markup-compatibility/2006">
+        <mc:Choice xmlns:a14="http://schemas.microsoft.com/office/drawing/2010/main" Requires="a14">
+          <p:sp>
+            <p:nvSpPr>
+              <p:cNvPr id="123" name="TextBox 122">
+                <a:extLst>
+                  <a:ext uri="{FF2B5EF4-FFF2-40B4-BE49-F238E27FC236}">
+                    <a16:creationId xmlns:a16="http://schemas.microsoft.com/office/drawing/2014/main" id="{E8B9784C-BC73-4747-8B50-DACB6D820610}"/>
+                  </a:ext>
+                </a:extLst>
+              </p:cNvPr>
+              <p:cNvSpPr txBox="1"/>
+              <p:nvPr/>
+            </p:nvSpPr>
+            <p:spPr>
+              <a:xfrm>
+                <a:off x="457171" y="3311802"/>
+                <a:ext cx="530081" cy="276999"/>
+              </a:xfrm>
+              <a:prstGeom prst="rect">
+                <a:avLst/>
+              </a:prstGeom>
+              <a:solidFill>
+                <a:schemeClr val="bg1"/>
+              </a:solidFill>
+            </p:spPr>
+            <p:txBody>
+              <a:bodyPr wrap="none" lIns="0" tIns="0" rIns="0" bIns="0" rtlCol="0">
+                <a:spAutoFit/>
+              </a:bodyPr>
+              <a:lstStyle/>
+              <a:p>
+                <a:pPr/>
+                <a14:m>
+                  <m:oMathPara xmlns:m="http://schemas.openxmlformats.org/officeDocument/2006/math">
+                    <m:oMathParaPr>
+                      <m:jc m:val="centerGroup"/>
+                    </m:oMathParaPr>
+                    <m:oMath xmlns:m="http://schemas.openxmlformats.org/officeDocument/2006/math">
+                      <m:sSub>
+                        <m:sSubPr>
+                          <m:ctrlPr>
+                            <a:rPr lang="en-US" b="0" i="1" smtClean="0">
+                              <a:latin typeface="Cambria Math" panose="02040503050406030204" pitchFamily="18" charset="0"/>
+                            </a:rPr>
+                          </m:ctrlPr>
+                        </m:sSubPr>
+                        <m:e>
+                          <m:r>
+                            <a:rPr lang="en-US" b="0" i="1" smtClean="0">
+                              <a:latin typeface="Cambria Math" panose="02040503050406030204" pitchFamily="18" charset="0"/>
+                            </a:rPr>
+                            <m:t>𝑡</m:t>
+                          </m:r>
+                        </m:e>
+                        <m:sub>
+                          <m:r>
+                            <a:rPr lang="en-US" b="0" i="1" smtClean="0">
+                              <a:latin typeface="Cambria Math" panose="02040503050406030204" pitchFamily="18" charset="0"/>
+                            </a:rPr>
+                            <m:t>2</m:t>
+                          </m:r>
+                        </m:sub>
+                      </m:sSub>
+                      <m:r>
+                        <a:rPr lang="en-US" b="0" i="1" smtClean="0">
+                          <a:latin typeface="Cambria Math" panose="02040503050406030204" pitchFamily="18" charset="0"/>
+                        </a:rPr>
+                        <m:t>,</m:t>
+                      </m:r>
+                      <m:sSub>
+                        <m:sSubPr>
+                          <m:ctrlPr>
+                            <a:rPr lang="en-US" i="1">
+                              <a:latin typeface="Cambria Math" panose="02040503050406030204" pitchFamily="18" charset="0"/>
+                            </a:rPr>
+                          </m:ctrlPr>
+                        </m:sSubPr>
+                        <m:e>
+                          <m:r>
+                            <a:rPr lang="en-US" i="1">
+                              <a:latin typeface="Cambria Math" panose="02040503050406030204" pitchFamily="18" charset="0"/>
+                            </a:rPr>
+                            <m:t>𝑡</m:t>
+                          </m:r>
+                        </m:e>
+                        <m:sub>
+                          <m:r>
+                            <a:rPr lang="en-US" b="0" i="1" smtClean="0">
+                              <a:latin typeface="Cambria Math" panose="02040503050406030204" pitchFamily="18" charset="0"/>
+                            </a:rPr>
+                            <m:t>3</m:t>
+                          </m:r>
+                        </m:sub>
+                      </m:sSub>
+                    </m:oMath>
+                  </m:oMathPara>
+                </a14:m>
+                <a:endParaRPr lang="en-US" dirty="0"/>
+              </a:p>
+            </p:txBody>
+          </p:sp>
+        </mc:Choice>
+        <mc:Fallback>
+          <p:sp>
+            <p:nvSpPr>
+              <p:cNvPr id="123" name="TextBox 122">
+                <a:extLst>
+                  <a:ext uri="{FF2B5EF4-FFF2-40B4-BE49-F238E27FC236}">
+                    <a16:creationId xmlns:a16="http://schemas.microsoft.com/office/drawing/2014/main" id="{E8B9784C-BC73-4747-8B50-DACB6D820610}"/>
+                  </a:ext>
+                </a:extLst>
+              </p:cNvPr>
+              <p:cNvSpPr txBox="1">
+                <a:spLocks noRot="1" noChangeAspect="1" noMove="1" noResize="1" noEditPoints="1" noAdjustHandles="1" noChangeArrowheads="1" noChangeShapeType="1" noTextEdit="1"/>
+              </p:cNvSpPr>
+              <p:nvPr/>
+            </p:nvSpPr>
+            <p:spPr>
+              <a:xfrm>
+                <a:off x="457171" y="3311802"/>
+                <a:ext cx="530081" cy="276999"/>
+              </a:xfrm>
+              <a:prstGeom prst="rect">
+                <a:avLst/>
+              </a:prstGeom>
+              <a:blipFill>
+                <a:blip r:embed="rId7"/>
+                <a:stretch>
+                  <a:fillRect l="-9195" r="-2299" b="-15217"/>
+                </a:stretch>
+              </a:blipFill>
+            </p:spPr>
+            <p:txBody>
+              <a:bodyPr/>
+              <a:lstStyle/>
+              <a:p>
+                <a:r>
+                  <a:rPr lang="en-US">
+                    <a:noFill/>
+                  </a:rPr>
+                  <a:t> </a:t>
+                </a:r>
+              </a:p>
+            </p:txBody>
+          </p:sp>
+        </mc:Fallback>
+      </mc:AlternateContent>
+      <p:cxnSp>
+        <p:nvCxnSpPr>
+          <p:cNvPr id="124" name="Straight Connector 123">
+            <a:extLst>
+              <a:ext uri="{FF2B5EF4-FFF2-40B4-BE49-F238E27FC236}">
+                <a16:creationId xmlns:a16="http://schemas.microsoft.com/office/drawing/2014/main" id="{56493996-B854-4E36-9C00-259346D9B6CB}"/>
+              </a:ext>
+            </a:extLst>
+          </p:cNvPr>
+          <p:cNvCxnSpPr>
+            <a:cxnSpLocks/>
+          </p:cNvCxnSpPr>
+          <p:nvPr/>
+        </p:nvCxnSpPr>
+        <p:spPr>
+          <a:xfrm flipH="1">
+            <a:off x="991843" y="4267200"/>
+            <a:ext cx="315402" cy="0"/>
+          </a:xfrm>
+          <a:prstGeom prst="line">
+            <a:avLst/>
+          </a:prstGeom>
+          <a:ln w="28575">
+            <a:solidFill>
+              <a:schemeClr val="tx1"/>
+            </a:solidFill>
+            <a:prstDash val="sysDash"/>
+          </a:ln>
+        </p:spPr>
+        <p:style>
+          <a:lnRef idx="1">
+            <a:schemeClr val="accent1"/>
+          </a:lnRef>
+          <a:fillRef idx="0">
+            <a:schemeClr val="accent1"/>
+          </a:fillRef>
+          <a:effectRef idx="0">
+            <a:schemeClr val="accent1"/>
+          </a:effectRef>
+          <a:fontRef idx="minor">
+            <a:schemeClr val="tx1"/>
+          </a:fontRef>
+        </p:style>
+      </p:cxnSp>
+      <p:cxnSp>
+        <p:nvCxnSpPr>
+          <p:cNvPr id="126" name="Straight Arrow Connector 125">
+            <a:extLst>
+              <a:ext uri="{FF2B5EF4-FFF2-40B4-BE49-F238E27FC236}">
+                <a16:creationId xmlns:a16="http://schemas.microsoft.com/office/drawing/2014/main" id="{CDD4C332-44F0-4FD1-B8D2-EAF2F46A71D2}"/>
+              </a:ext>
+            </a:extLst>
+          </p:cNvPr>
+          <p:cNvCxnSpPr>
+            <a:cxnSpLocks/>
+          </p:cNvCxnSpPr>
+          <p:nvPr/>
+        </p:nvCxnSpPr>
+        <p:spPr>
+          <a:xfrm flipV="1">
+            <a:off x="1219200" y="4002226"/>
+            <a:ext cx="0" cy="251545"/>
+          </a:xfrm>
+          <a:prstGeom prst="straightConnector1">
+            <a:avLst/>
+          </a:prstGeom>
+          <a:ln w="28575">
+            <a:solidFill>
+              <a:schemeClr val="tx1"/>
+            </a:solidFill>
+            <a:headEnd type="triangle" w="med" len="med"/>
+            <a:tailEnd type="none" w="med" len="med"/>
+          </a:ln>
+        </p:spPr>
+        <p:style>
+          <a:lnRef idx="1">
+            <a:schemeClr val="accent1"/>
+          </a:lnRef>
+          <a:fillRef idx="0">
+            <a:schemeClr val="accent1"/>
+          </a:fillRef>
+          <a:effectRef idx="0">
+            <a:schemeClr val="accent1"/>
+          </a:effectRef>
+          <a:fontRef idx="minor">
+            <a:schemeClr val="tx1"/>
+          </a:fontRef>
+        </p:style>
+      </p:cxnSp>
+      <p:cxnSp>
+        <p:nvCxnSpPr>
+          <p:cNvPr id="128" name="Straight Arrow Connector 127">
+            <a:extLst>
+              <a:ext uri="{FF2B5EF4-FFF2-40B4-BE49-F238E27FC236}">
+                <a16:creationId xmlns:a16="http://schemas.microsoft.com/office/drawing/2014/main" id="{93532006-213D-4A08-8740-CDF020C44492}"/>
+              </a:ext>
+            </a:extLst>
+          </p:cNvPr>
+          <p:cNvCxnSpPr>
+            <a:cxnSpLocks/>
+          </p:cNvCxnSpPr>
+          <p:nvPr/>
+        </p:nvCxnSpPr>
+        <p:spPr>
+          <a:xfrm>
+            <a:off x="1219200" y="4419601"/>
+            <a:ext cx="0" cy="228599"/>
+          </a:xfrm>
+          <a:prstGeom prst="straightConnector1">
+            <a:avLst/>
+          </a:prstGeom>
+          <a:ln w="28575">
+            <a:solidFill>
+              <a:schemeClr val="tx1"/>
+            </a:solidFill>
+            <a:headEnd type="triangle" w="med" len="med"/>
+            <a:tailEnd type="none" w="med" len="med"/>
+          </a:ln>
+        </p:spPr>
+        <p:style>
+          <a:lnRef idx="1">
+            <a:schemeClr val="accent1"/>
+          </a:lnRef>
+          <a:fillRef idx="0">
+            <a:schemeClr val="accent1"/>
+          </a:fillRef>
+          <a:effectRef idx="0">
+            <a:schemeClr val="accent1"/>
+          </a:effectRef>
+          <a:fontRef idx="minor">
+            <a:schemeClr val="tx1"/>
+          </a:fontRef>
+        </p:style>
+      </p:cxnSp>
+      <mc:AlternateContent xmlns:mc="http://schemas.openxmlformats.org/markup-compatibility/2006">
+        <mc:Choice xmlns:a14="http://schemas.microsoft.com/office/drawing/2010/main" Requires="a14">
+          <p:sp>
+            <p:nvSpPr>
+              <p:cNvPr id="131" name="TextBox 130">
+                <a:extLst>
+                  <a:ext uri="{FF2B5EF4-FFF2-40B4-BE49-F238E27FC236}">
+                    <a16:creationId xmlns:a16="http://schemas.microsoft.com/office/drawing/2014/main" id="{D9A83F52-BB20-402D-A2B3-8BBAD0BCB15D}"/>
+                  </a:ext>
+                </a:extLst>
+              </p:cNvPr>
+              <p:cNvSpPr txBox="1"/>
+              <p:nvPr/>
+            </p:nvSpPr>
+            <p:spPr>
+              <a:xfrm>
+                <a:off x="1920509" y="3928280"/>
+                <a:ext cx="3616795" cy="427681"/>
+              </a:xfrm>
+              <a:prstGeom prst="rect">
+                <a:avLst/>
+              </a:prstGeom>
+              <a:solidFill>
+                <a:schemeClr val="bg1"/>
+              </a:solidFill>
+            </p:spPr>
+            <p:txBody>
+              <a:bodyPr wrap="square" lIns="0" tIns="0" rIns="0" bIns="0" rtlCol="0">
+                <a:spAutoFit/>
+              </a:bodyPr>
+              <a:lstStyle/>
+              <a:p>
+                <a:pPr/>
+                <a14:m>
+                  <m:oMathPara xmlns:m="http://schemas.openxmlformats.org/officeDocument/2006/math">
+                    <m:oMathParaPr>
+                      <m:jc m:val="centerGroup"/>
+                    </m:oMathParaPr>
+                    <m:oMath xmlns:m="http://schemas.openxmlformats.org/officeDocument/2006/math">
+                      <m:sSub>
+                        <m:sSubPr>
+                          <m:ctrlPr>
+                            <a:rPr lang="en-US" b="0" i="1" smtClean="0">
+                              <a:latin typeface="Cambria Math" panose="02040503050406030204" pitchFamily="18" charset="0"/>
+                            </a:rPr>
+                          </m:ctrlPr>
+                        </m:sSubPr>
+                        <m:e>
+                          <m:r>
+                            <a:rPr lang="en-US" b="0" i="1" smtClean="0">
+                              <a:latin typeface="Cambria Math" panose="02040503050406030204" pitchFamily="18" charset="0"/>
+                            </a:rPr>
+                            <m:t>𝑡</m:t>
+                          </m:r>
+                        </m:e>
+                        <m:sub>
+                          <m:r>
+                            <a:rPr lang="en-US" b="0" i="1" smtClean="0">
+                              <a:latin typeface="Cambria Math" panose="02040503050406030204" pitchFamily="18" charset="0"/>
+                            </a:rPr>
+                            <m:t>2, 3</m:t>
+                          </m:r>
+                        </m:sub>
+                      </m:sSub>
+                      <m:r>
+                        <a:rPr lang="en-US" b="0" i="1" smtClean="0">
+                          <a:latin typeface="Cambria Math" panose="02040503050406030204" pitchFamily="18" charset="0"/>
+                        </a:rPr>
+                        <m:t>&gt;</m:t>
+                      </m:r>
+                      <m:sSub>
+                        <m:sSubPr>
+                          <m:ctrlPr>
+                            <a:rPr lang="en-US" b="0" i="1" smtClean="0">
+                              <a:latin typeface="Cambria Math" panose="02040503050406030204" pitchFamily="18" charset="0"/>
+                            </a:rPr>
+                          </m:ctrlPr>
+                        </m:sSubPr>
+                        <m:e>
+                          <m:r>
+                            <a:rPr lang="en-US" b="0" i="1" smtClean="0">
+                              <a:latin typeface="Cambria Math" panose="02040503050406030204" pitchFamily="18" charset="0"/>
+                            </a:rPr>
+                            <m:t>𝑡</m:t>
+                          </m:r>
+                        </m:e>
+                        <m:sub>
+                          <m:r>
+                            <a:rPr lang="en-US" b="0" i="1" smtClean="0">
+                              <a:latin typeface="Cambria Math" panose="02040503050406030204" pitchFamily="18" charset="0"/>
+                            </a:rPr>
+                            <m:t>𝑚𝑖𝑛</m:t>
+                          </m:r>
+                        </m:sub>
+                      </m:sSub>
+                      <m:r>
+                        <a:rPr lang="en-US" b="0" i="1" smtClean="0">
+                          <a:latin typeface="Cambria Math" panose="02040503050406030204" pitchFamily="18" charset="0"/>
+                        </a:rPr>
+                        <m:t>&gt;</m:t>
+                      </m:r>
+                      <m:sSub>
+                        <m:sSubPr>
+                          <m:ctrlPr>
+                            <a:rPr lang="en-US" b="0" i="1" smtClean="0">
+                              <a:latin typeface="Cambria Math" panose="02040503050406030204" pitchFamily="18" charset="0"/>
+                            </a:rPr>
+                          </m:ctrlPr>
+                        </m:sSubPr>
+                        <m:e>
+                          <m:r>
+                            <a:rPr lang="en-US" b="0" i="1" smtClean="0">
+                              <a:latin typeface="Cambria Math" panose="02040503050406030204" pitchFamily="18" charset="0"/>
+                            </a:rPr>
+                            <m:t>𝑡</m:t>
+                          </m:r>
+                        </m:e>
+                        <m:sub>
+                          <m:r>
+                            <a:rPr lang="en-US" b="0" i="1" smtClean="0">
+                              <a:latin typeface="Cambria Math" panose="02040503050406030204" pitchFamily="18" charset="0"/>
+                            </a:rPr>
+                            <m:t>1,4,5</m:t>
+                          </m:r>
+                        </m:sub>
+                      </m:sSub>
+                    </m:oMath>
+                  </m:oMathPara>
+                </a14:m>
+                <a:endParaRPr lang="en-US" dirty="0"/>
+              </a:p>
+              <a:p>
+                <a:pPr/>
+                <a:endParaRPr lang="en-US" sz="900" dirty="0"/>
+              </a:p>
+            </p:txBody>
+          </p:sp>
+        </mc:Choice>
+        <mc:Fallback>
+          <p:sp>
+            <p:nvSpPr>
+              <p:cNvPr id="131" name="TextBox 130">
+                <a:extLst>
+                  <a:ext uri="{FF2B5EF4-FFF2-40B4-BE49-F238E27FC236}">
+                    <a16:creationId xmlns:a16="http://schemas.microsoft.com/office/drawing/2014/main" id="{D9A83F52-BB20-402D-A2B3-8BBAD0BCB15D}"/>
+                  </a:ext>
+                </a:extLst>
+              </p:cNvPr>
+              <p:cNvSpPr txBox="1">
+                <a:spLocks noRot="1" noChangeAspect="1" noMove="1" noResize="1" noEditPoints="1" noAdjustHandles="1" noChangeArrowheads="1" noChangeShapeType="1" noTextEdit="1"/>
+              </p:cNvSpPr>
+              <p:nvPr/>
+            </p:nvSpPr>
+            <p:spPr>
+              <a:xfrm>
+                <a:off x="1920509" y="3928280"/>
+                <a:ext cx="3616795" cy="427681"/>
+              </a:xfrm>
+              <a:prstGeom prst="rect">
+                <a:avLst/>
+              </a:prstGeom>
+              <a:blipFill>
+                <a:blip r:embed="rId8"/>
+                <a:stretch>
+                  <a:fillRect/>
+                </a:stretch>
+              </a:blipFill>
+            </p:spPr>
+            <p:txBody>
+              <a:bodyPr/>
+              <a:lstStyle/>
+              <a:p>
+                <a:r>
+                  <a:rPr lang="en-US">
+                    <a:noFill/>
+                  </a:rPr>
+                  <a:t> </a:t>
+                </a:r>
+              </a:p>
+            </p:txBody>
+          </p:sp>
+        </mc:Fallback>
+      </mc:AlternateContent>
+      <mc:AlternateContent xmlns:mc="http://schemas.openxmlformats.org/markup-compatibility/2006">
+        <mc:Choice xmlns:a14="http://schemas.microsoft.com/office/drawing/2010/main" Requires="a14">
+          <p:sp>
+            <p:nvSpPr>
+              <p:cNvPr id="132" name="TextBox 131">
+                <a:extLst>
+                  <a:ext uri="{FF2B5EF4-FFF2-40B4-BE49-F238E27FC236}">
+                    <a16:creationId xmlns:a16="http://schemas.microsoft.com/office/drawing/2014/main" id="{90848DF0-AEE8-45D7-89BA-22FEAA361852}"/>
+                  </a:ext>
+                </a:extLst>
+              </p:cNvPr>
+              <p:cNvSpPr txBox="1"/>
+              <p:nvPr/>
+            </p:nvSpPr>
+            <p:spPr>
+              <a:xfrm>
+                <a:off x="6495365" y="3928560"/>
+                <a:ext cx="478528" cy="215444"/>
+              </a:xfrm>
+              <a:prstGeom prst="rect">
+                <a:avLst/>
+              </a:prstGeom>
+              <a:solidFill>
+                <a:schemeClr val="bg1"/>
+              </a:solidFill>
+            </p:spPr>
+            <p:txBody>
+              <a:bodyPr wrap="none" lIns="0" tIns="0" rIns="0" bIns="0" rtlCol="0">
+                <a:spAutoFit/>
+              </a:bodyPr>
+              <a:lstStyle/>
+              <a:p>
+                <a:pPr/>
+                <a14:m>
+                  <m:oMathPara xmlns:m="http://schemas.openxmlformats.org/officeDocument/2006/math">
+                    <m:oMathParaPr>
+                      <m:jc m:val="centerGroup"/>
+                    </m:oMathParaPr>
+                    <m:oMath xmlns:m="http://schemas.openxmlformats.org/officeDocument/2006/math">
+                      <m:r>
+                        <a:rPr lang="en-US" sz="1400" b="0" i="1" smtClean="0">
+                          <a:latin typeface="Cambria Math" panose="02040503050406030204" pitchFamily="18" charset="0"/>
+                        </a:rPr>
+                        <m:t>𝑘</m:t>
+                      </m:r>
+                      <m:r>
+                        <a:rPr lang="en-US" sz="1400" b="0" i="1" smtClean="0">
+                          <a:latin typeface="Cambria Math" panose="02040503050406030204" pitchFamily="18" charset="0"/>
+                        </a:rPr>
+                        <m:t>=0</m:t>
+                      </m:r>
+                    </m:oMath>
+                  </m:oMathPara>
+                </a14:m>
+                <a:endParaRPr lang="en-US" sz="1400" dirty="0"/>
+              </a:p>
+            </p:txBody>
+          </p:sp>
+        </mc:Choice>
+        <mc:Fallback>
+          <p:sp>
+            <p:nvSpPr>
+              <p:cNvPr id="132" name="TextBox 131">
+                <a:extLst>
+                  <a:ext uri="{FF2B5EF4-FFF2-40B4-BE49-F238E27FC236}">
+                    <a16:creationId xmlns:a16="http://schemas.microsoft.com/office/drawing/2014/main" id="{90848DF0-AEE8-45D7-89BA-22FEAA361852}"/>
+                  </a:ext>
+                </a:extLst>
+              </p:cNvPr>
+              <p:cNvSpPr txBox="1">
+                <a:spLocks noRot="1" noChangeAspect="1" noMove="1" noResize="1" noEditPoints="1" noAdjustHandles="1" noChangeArrowheads="1" noChangeShapeType="1" noTextEdit="1"/>
+              </p:cNvSpPr>
+              <p:nvPr/>
+            </p:nvSpPr>
+            <p:spPr>
+              <a:xfrm>
+                <a:off x="6495365" y="3928560"/>
+                <a:ext cx="478528" cy="215444"/>
+              </a:xfrm>
+              <a:prstGeom prst="rect">
+                <a:avLst/>
+              </a:prstGeom>
+              <a:blipFill>
+                <a:blip r:embed="rId9"/>
+                <a:stretch>
+                  <a:fillRect l="-8974" r="-8974" b="-5556"/>
+                </a:stretch>
+              </a:blipFill>
+            </p:spPr>
+            <p:txBody>
+              <a:bodyPr/>
+              <a:lstStyle/>
+              <a:p>
+                <a:r>
+                  <a:rPr lang="en-US">
+                    <a:noFill/>
+                  </a:rPr>
+                  <a:t> </a:t>
+                </a:r>
+              </a:p>
+            </p:txBody>
+          </p:sp>
+        </mc:Fallback>
+      </mc:AlternateContent>
+      <mc:AlternateContent xmlns:mc="http://schemas.openxmlformats.org/markup-compatibility/2006">
+        <mc:Choice xmlns:a14="http://schemas.microsoft.com/office/drawing/2010/main" Requires="a14">
+          <p:sp>
+            <p:nvSpPr>
+              <p:cNvPr id="133" name="TextBox 132">
+                <a:extLst>
+                  <a:ext uri="{FF2B5EF4-FFF2-40B4-BE49-F238E27FC236}">
+                    <a16:creationId xmlns:a16="http://schemas.microsoft.com/office/drawing/2014/main" id="{8B14E828-70B1-4ADE-8CD0-403AEABB6256}"/>
+                  </a:ext>
+                </a:extLst>
+              </p:cNvPr>
+              <p:cNvSpPr txBox="1"/>
+              <p:nvPr/>
+            </p:nvSpPr>
+            <p:spPr>
+              <a:xfrm>
+                <a:off x="1558029" y="2722660"/>
+                <a:ext cx="478528" cy="215444"/>
+              </a:xfrm>
+              <a:prstGeom prst="rect">
+                <a:avLst/>
+              </a:prstGeom>
+              <a:solidFill>
+                <a:schemeClr val="bg1"/>
+              </a:solidFill>
+            </p:spPr>
+            <p:txBody>
+              <a:bodyPr wrap="none" lIns="0" tIns="0" rIns="0" bIns="0" rtlCol="0">
+                <a:spAutoFit/>
+              </a:bodyPr>
+              <a:lstStyle/>
+              <a:p>
+                <a:pPr/>
+                <a14:m>
+                  <m:oMathPara xmlns:m="http://schemas.openxmlformats.org/officeDocument/2006/math">
+                    <m:oMathParaPr>
+                      <m:jc m:val="centerGroup"/>
+                    </m:oMathParaPr>
+                    <m:oMath xmlns:m="http://schemas.openxmlformats.org/officeDocument/2006/math">
+                      <m:r>
+                        <a:rPr lang="en-US" sz="1400" b="0" i="1" smtClean="0">
+                          <a:latin typeface="Cambria Math" panose="02040503050406030204" pitchFamily="18" charset="0"/>
+                        </a:rPr>
+                        <m:t>𝑘</m:t>
+                      </m:r>
+                      <m:r>
+                        <a:rPr lang="en-US" sz="1400" b="0" i="1" smtClean="0">
+                          <a:latin typeface="Cambria Math" panose="02040503050406030204" pitchFamily="18" charset="0"/>
+                        </a:rPr>
+                        <m:t>=6</m:t>
+                      </m:r>
+                    </m:oMath>
+                  </m:oMathPara>
+                </a14:m>
+                <a:endParaRPr lang="en-US" sz="1400" dirty="0"/>
+              </a:p>
+            </p:txBody>
+          </p:sp>
+        </mc:Choice>
+        <mc:Fallback>
+          <p:sp>
+            <p:nvSpPr>
+              <p:cNvPr id="133" name="TextBox 132">
+                <a:extLst>
+                  <a:ext uri="{FF2B5EF4-FFF2-40B4-BE49-F238E27FC236}">
+                    <a16:creationId xmlns:a16="http://schemas.microsoft.com/office/drawing/2014/main" id="{8B14E828-70B1-4ADE-8CD0-403AEABB6256}"/>
+                  </a:ext>
+                </a:extLst>
+              </p:cNvPr>
+              <p:cNvSpPr txBox="1">
+                <a:spLocks noRot="1" noChangeAspect="1" noMove="1" noResize="1" noEditPoints="1" noAdjustHandles="1" noChangeArrowheads="1" noChangeShapeType="1" noTextEdit="1"/>
+              </p:cNvSpPr>
+              <p:nvPr/>
+            </p:nvSpPr>
+            <p:spPr>
+              <a:xfrm>
+                <a:off x="1558029" y="2722660"/>
+                <a:ext cx="478528" cy="215444"/>
+              </a:xfrm>
+              <a:prstGeom prst="rect">
+                <a:avLst/>
+              </a:prstGeom>
+              <a:blipFill>
+                <a:blip r:embed="rId10"/>
+                <a:stretch>
+                  <a:fillRect l="-8974" r="-8974" b="-5714"/>
+                </a:stretch>
+              </a:blipFill>
+            </p:spPr>
+            <p:txBody>
+              <a:bodyPr/>
+              <a:lstStyle/>
+              <a:p>
+                <a:r>
+                  <a:rPr lang="en-US">
+                    <a:noFill/>
+                  </a:rPr>
+                  <a:t> </a:t>
+                </a:r>
+              </a:p>
+            </p:txBody>
+          </p:sp>
+        </mc:Fallback>
+      </mc:AlternateContent>
+    </p:spTree>
+    <p:extLst>
+      <p:ext uri="{BB962C8B-B14F-4D97-AF65-F5344CB8AC3E}">
+        <p14:creationId xmlns:p14="http://schemas.microsoft.com/office/powerpoint/2010/main" val="3676149174"/>
       </p:ext>
     </p:extLst>
   </p:cSld>

--- a/docs/paper/figs/Diagrams.pptx
+++ b/docs/paper/figs/Diagrams.pptx
@@ -14,6 +14,7 @@
     <p:sldId id="263" r:id="rId8"/>
     <p:sldId id="264" r:id="rId9"/>
     <p:sldId id="265" r:id="rId10"/>
+    <p:sldId id="266" r:id="rId11"/>
   </p:sldIdLst>
   <p:sldSz cx="9144000" cy="6858000" type="screen4x3"/>
   <p:notesSz cx="6858000" cy="9144000"/>
@@ -311,7 +312,7 @@
             <a:fld id="{1D8BD707-D9CF-40AE-B4C6-C98DA3205C09}" type="datetimeFigureOut">
               <a:rPr lang="en-US" smtClean="0"/>
               <a:pPr/>
-              <a:t>5/12/2019</a:t>
+              <a:t>5/13/2019</a:t>
             </a:fld>
             <a:endParaRPr lang="en-US"/>
           </a:p>
@@ -476,7 +477,7 @@
             <a:fld id="{1D8BD707-D9CF-40AE-B4C6-C98DA3205C09}" type="datetimeFigureOut">
               <a:rPr lang="en-US" smtClean="0"/>
               <a:pPr/>
-              <a:t>5/12/2019</a:t>
+              <a:t>5/13/2019</a:t>
             </a:fld>
             <a:endParaRPr lang="en-US"/>
           </a:p>
@@ -651,7 +652,7 @@
             <a:fld id="{1D8BD707-D9CF-40AE-B4C6-C98DA3205C09}" type="datetimeFigureOut">
               <a:rPr lang="en-US" smtClean="0"/>
               <a:pPr/>
-              <a:t>5/12/2019</a:t>
+              <a:t>5/13/2019</a:t>
             </a:fld>
             <a:endParaRPr lang="en-US"/>
           </a:p>
@@ -816,7 +817,7 @@
             <a:fld id="{1D8BD707-D9CF-40AE-B4C6-C98DA3205C09}" type="datetimeFigureOut">
               <a:rPr lang="en-US" smtClean="0"/>
               <a:pPr/>
-              <a:t>5/12/2019</a:t>
+              <a:t>5/13/2019</a:t>
             </a:fld>
             <a:endParaRPr lang="en-US"/>
           </a:p>
@@ -1058,7 +1059,7 @@
             <a:fld id="{1D8BD707-D9CF-40AE-B4C6-C98DA3205C09}" type="datetimeFigureOut">
               <a:rPr lang="en-US" smtClean="0"/>
               <a:pPr/>
-              <a:t>5/12/2019</a:t>
+              <a:t>5/13/2019</a:t>
             </a:fld>
             <a:endParaRPr lang="en-US"/>
           </a:p>
@@ -1340,7 +1341,7 @@
             <a:fld id="{1D8BD707-D9CF-40AE-B4C6-C98DA3205C09}" type="datetimeFigureOut">
               <a:rPr lang="en-US" smtClean="0"/>
               <a:pPr/>
-              <a:t>5/12/2019</a:t>
+              <a:t>5/13/2019</a:t>
             </a:fld>
             <a:endParaRPr lang="en-US"/>
           </a:p>
@@ -1756,7 +1757,7 @@
             <a:fld id="{1D8BD707-D9CF-40AE-B4C6-C98DA3205C09}" type="datetimeFigureOut">
               <a:rPr lang="en-US" smtClean="0"/>
               <a:pPr/>
-              <a:t>5/12/2019</a:t>
+              <a:t>5/13/2019</a:t>
             </a:fld>
             <a:endParaRPr lang="en-US"/>
           </a:p>
@@ -1870,7 +1871,7 @@
             <a:fld id="{1D8BD707-D9CF-40AE-B4C6-C98DA3205C09}" type="datetimeFigureOut">
               <a:rPr lang="en-US" smtClean="0"/>
               <a:pPr/>
-              <a:t>5/12/2019</a:t>
+              <a:t>5/13/2019</a:t>
             </a:fld>
             <a:endParaRPr lang="en-US"/>
           </a:p>
@@ -1962,7 +1963,7 @@
             <a:fld id="{1D8BD707-D9CF-40AE-B4C6-C98DA3205C09}" type="datetimeFigureOut">
               <a:rPr lang="en-US" smtClean="0"/>
               <a:pPr/>
-              <a:t>5/12/2019</a:t>
+              <a:t>5/13/2019</a:t>
             </a:fld>
             <a:endParaRPr lang="en-US"/>
           </a:p>
@@ -2234,7 +2235,7 @@
             <a:fld id="{1D8BD707-D9CF-40AE-B4C6-C98DA3205C09}" type="datetimeFigureOut">
               <a:rPr lang="en-US" smtClean="0"/>
               <a:pPr/>
-              <a:t>5/12/2019</a:t>
+              <a:t>5/13/2019</a:t>
             </a:fld>
             <a:endParaRPr lang="en-US"/>
           </a:p>
@@ -2483,7 +2484,7 @@
             <a:fld id="{1D8BD707-D9CF-40AE-B4C6-C98DA3205C09}" type="datetimeFigureOut">
               <a:rPr lang="en-US" smtClean="0"/>
               <a:pPr/>
-              <a:t>5/12/2019</a:t>
+              <a:t>5/13/2019</a:t>
             </a:fld>
             <a:endParaRPr lang="en-US"/>
           </a:p>
@@ -2691,7 +2692,7 @@
             <a:fld id="{1D8BD707-D9CF-40AE-B4C6-C98DA3205C09}" type="datetimeFigureOut">
               <a:rPr lang="en-US" smtClean="0"/>
               <a:pPr/>
-              <a:t>5/12/2019</a:t>
+              <a:t>5/13/2019</a:t>
             </a:fld>
             <a:endParaRPr lang="en-US"/>
           </a:p>
@@ -5253,6 +5254,652 @@
         </p:style>
       </p:cxnSp>
     </p:spTree>
+  </p:cSld>
+  <p:clrMapOvr>
+    <a:masterClrMapping/>
+  </p:clrMapOvr>
+</p:sld>
+</file>
+
+<file path=ppt/slides/slide10.xml><?xml version="1.0" encoding="utf-8"?>
+<p:sld xmlns:a="http://schemas.openxmlformats.org/drawingml/2006/main" xmlns:r="http://schemas.openxmlformats.org/officeDocument/2006/relationships" xmlns:p="http://schemas.openxmlformats.org/presentationml/2006/main">
+  <p:cSld>
+    <p:spTree>
+      <p:nvGrpSpPr>
+        <p:cNvPr id="1" name=""/>
+        <p:cNvGrpSpPr/>
+        <p:nvPr/>
+      </p:nvGrpSpPr>
+      <p:grpSpPr>
+        <a:xfrm>
+          <a:off x="0" y="0"/>
+          <a:ext cx="0" cy="0"/>
+          <a:chOff x="0" y="0"/>
+          <a:chExt cx="0" cy="0"/>
+        </a:xfrm>
+      </p:grpSpPr>
+      <p:sp>
+        <p:nvSpPr>
+          <p:cNvPr id="2" name="Flowchart: Manual Operation 1">
+            <a:extLst>
+              <a:ext uri="{FF2B5EF4-FFF2-40B4-BE49-F238E27FC236}">
+                <a16:creationId xmlns:a16="http://schemas.microsoft.com/office/drawing/2014/main" id="{B19C5C58-52F5-40BF-9545-B05A8DB901E1}"/>
+              </a:ext>
+            </a:extLst>
+          </p:cNvPr>
+          <p:cNvSpPr/>
+          <p:nvPr/>
+        </p:nvSpPr>
+        <p:spPr>
+          <a:xfrm>
+            <a:off x="375007" y="2895600"/>
+            <a:ext cx="4343400" cy="1600200"/>
+          </a:xfrm>
+          <a:prstGeom prst="flowChartManualOperation">
+            <a:avLst/>
+          </a:prstGeom>
+          <a:solidFill>
+            <a:schemeClr val="bg1">
+              <a:lumMod val="95000"/>
+            </a:schemeClr>
+          </a:solidFill>
+          <a:ln w="76200" cmpd="tri">
+            <a:solidFill>
+              <a:schemeClr val="tx1"/>
+            </a:solidFill>
+            <a:prstDash val="solid"/>
+          </a:ln>
+        </p:spPr>
+        <p:style>
+          <a:lnRef idx="2">
+            <a:schemeClr val="accent1">
+              <a:shade val="50000"/>
+            </a:schemeClr>
+          </a:lnRef>
+          <a:fillRef idx="1">
+            <a:schemeClr val="accent1"/>
+          </a:fillRef>
+          <a:effectRef idx="0">
+            <a:schemeClr val="accent1"/>
+          </a:effectRef>
+          <a:fontRef idx="minor">
+            <a:schemeClr val="lt1"/>
+          </a:fontRef>
+        </p:style>
+        <p:txBody>
+          <a:bodyPr rtlCol="0" anchor="ctr"/>
+          <a:lstStyle/>
+          <a:p>
+            <a:pPr algn="ctr"/>
+            <a:r>
+              <a:rPr lang="en-US" sz="1400" b="1" dirty="0">
+                <a:solidFill>
+                  <a:sysClr val="windowText" lastClr="000000"/>
+                </a:solidFill>
+                <a:latin typeface="Times New Roman" pitchFamily="18" charset="0"/>
+                <a:cs typeface="Times New Roman" pitchFamily="18" charset="0"/>
+              </a:rPr>
+              <a:t>Core Algorithm</a:t>
+            </a:r>
+          </a:p>
+          <a:p>
+            <a:pPr marL="342900" indent="-342900">
+              <a:buFont typeface="+mj-lt"/>
+              <a:buAutoNum type="arabicParenR"/>
+            </a:pPr>
+            <a:r>
+              <a:rPr lang="en-US" sz="1400" dirty="0">
+                <a:solidFill>
+                  <a:sysClr val="windowText" lastClr="000000"/>
+                </a:solidFill>
+                <a:latin typeface="Times New Roman" pitchFamily="18" charset="0"/>
+                <a:cs typeface="Times New Roman" pitchFamily="18" charset="0"/>
+              </a:rPr>
+              <a:t>Batch of Shaping Parameters</a:t>
+            </a:r>
+          </a:p>
+          <a:p>
+            <a:pPr marL="342900" indent="-342900">
+              <a:buFont typeface="+mj-lt"/>
+              <a:buAutoNum type="arabicParenR"/>
+            </a:pPr>
+            <a:r>
+              <a:rPr lang="en-US" sz="1400" dirty="0">
+                <a:solidFill>
+                  <a:sysClr val="windowText" lastClr="000000"/>
+                </a:solidFill>
+                <a:latin typeface="Times New Roman" pitchFamily="18" charset="0"/>
+                <a:cs typeface="Times New Roman" pitchFamily="18" charset="0"/>
+              </a:rPr>
+              <a:t>Proposed Flights</a:t>
+            </a:r>
+          </a:p>
+          <a:p>
+            <a:pPr marL="342900" indent="-342900">
+              <a:buFont typeface="+mj-lt"/>
+              <a:buAutoNum type="arabicParenR"/>
+            </a:pPr>
+            <a:r>
+              <a:rPr lang="en-US" sz="1400" dirty="0">
+                <a:solidFill>
+                  <a:sysClr val="windowText" lastClr="000000"/>
+                </a:solidFill>
+                <a:latin typeface="Times New Roman" pitchFamily="18" charset="0"/>
+                <a:cs typeface="Times New Roman" pitchFamily="18" charset="0"/>
+              </a:rPr>
+              <a:t>Valid Flights</a:t>
+            </a:r>
+          </a:p>
+          <a:p>
+            <a:pPr marL="342900" indent="-342900">
+              <a:buFont typeface="+mj-lt"/>
+              <a:buAutoNum type="arabicParenR"/>
+            </a:pPr>
+            <a:r>
+              <a:rPr lang="en-US" sz="1400" dirty="0">
+                <a:solidFill>
+                  <a:sysClr val="windowText" lastClr="000000"/>
+                </a:solidFill>
+                <a:latin typeface="Times New Roman" pitchFamily="18" charset="0"/>
+                <a:cs typeface="Times New Roman" pitchFamily="18" charset="0"/>
+              </a:rPr>
+              <a:t>Select parameter set from best-performing flight</a:t>
+            </a:r>
+          </a:p>
+        </p:txBody>
+      </p:sp>
+      <p:cxnSp>
+        <p:nvCxnSpPr>
+          <p:cNvPr id="3" name="Elbow Connector 59">
+            <a:extLst>
+              <a:ext uri="{FF2B5EF4-FFF2-40B4-BE49-F238E27FC236}">
+                <a16:creationId xmlns:a16="http://schemas.microsoft.com/office/drawing/2014/main" id="{BEC44C06-987A-45BE-8F73-AE1C4493FCC9}"/>
+              </a:ext>
+            </a:extLst>
+          </p:cNvPr>
+          <p:cNvCxnSpPr>
+            <a:cxnSpLocks/>
+            <a:stCxn id="5" idx="2"/>
+            <a:endCxn id="2" idx="2"/>
+          </p:cNvCxnSpPr>
+          <p:nvPr/>
+        </p:nvCxnSpPr>
+        <p:spPr>
+          <a:xfrm rot="5400000" flipH="1">
+            <a:off x="4721405" y="2321103"/>
+            <a:ext cx="114297" cy="4463693"/>
+          </a:xfrm>
+          <a:prstGeom prst="bentConnector3">
+            <a:avLst>
+              <a:gd name="adj1" fmla="val -200005"/>
+            </a:avLst>
+          </a:prstGeom>
+          <a:ln w="38100">
+            <a:solidFill>
+              <a:schemeClr val="tx1"/>
+            </a:solidFill>
+            <a:prstDash val="solid"/>
+            <a:headEnd type="triangle" w="med" len="med"/>
+            <a:tailEnd type="none" w="med" len="med"/>
+          </a:ln>
+        </p:spPr>
+        <p:style>
+          <a:lnRef idx="1">
+            <a:schemeClr val="accent1"/>
+          </a:lnRef>
+          <a:fillRef idx="0">
+            <a:schemeClr val="accent1"/>
+          </a:fillRef>
+          <a:effectRef idx="0">
+            <a:schemeClr val="accent1"/>
+          </a:effectRef>
+          <a:fontRef idx="minor">
+            <a:schemeClr val="tx1"/>
+          </a:fontRef>
+        </p:style>
+      </p:cxnSp>
+      <p:sp>
+        <p:nvSpPr>
+          <p:cNvPr id="5" name="Rectangle 4">
+            <a:extLst>
+              <a:ext uri="{FF2B5EF4-FFF2-40B4-BE49-F238E27FC236}">
+                <a16:creationId xmlns:a16="http://schemas.microsoft.com/office/drawing/2014/main" id="{A778FEAF-7939-4FF9-A479-C5FA4E5829D1}"/>
+              </a:ext>
+            </a:extLst>
+          </p:cNvPr>
+          <p:cNvSpPr/>
+          <p:nvPr/>
+        </p:nvSpPr>
+        <p:spPr>
+          <a:xfrm>
+            <a:off x="5562600" y="2895600"/>
+            <a:ext cx="2895600" cy="1714497"/>
+          </a:xfrm>
+          <a:prstGeom prst="rect">
+            <a:avLst/>
+          </a:prstGeom>
+          <a:solidFill>
+            <a:schemeClr val="bg1">
+              <a:lumMod val="95000"/>
+            </a:schemeClr>
+          </a:solidFill>
+          <a:ln w="76200" cmpd="tri">
+            <a:solidFill>
+              <a:schemeClr val="tx1"/>
+            </a:solidFill>
+            <a:prstDash val="solid"/>
+          </a:ln>
+        </p:spPr>
+        <p:style>
+          <a:lnRef idx="2">
+            <a:schemeClr val="accent1">
+              <a:shade val="50000"/>
+            </a:schemeClr>
+          </a:lnRef>
+          <a:fillRef idx="1">
+            <a:schemeClr val="accent1"/>
+          </a:fillRef>
+          <a:effectRef idx="0">
+            <a:schemeClr val="accent1"/>
+          </a:effectRef>
+          <a:fontRef idx="minor">
+            <a:schemeClr val="lt1"/>
+          </a:fontRef>
+        </p:style>
+        <p:txBody>
+          <a:bodyPr rtlCol="0" anchor="ctr"/>
+          <a:lstStyle/>
+          <a:p>
+            <a:pPr algn="ctr"/>
+            <a:r>
+              <a:rPr lang="en-US" sz="1400" b="1" dirty="0">
+                <a:solidFill>
+                  <a:sysClr val="windowText" lastClr="000000"/>
+                </a:solidFill>
+                <a:latin typeface="Times New Roman" pitchFamily="18" charset="0"/>
+                <a:cs typeface="Times New Roman" pitchFamily="18" charset="0"/>
+              </a:rPr>
+              <a:t>Differentiable Extension</a:t>
+            </a:r>
+          </a:p>
+          <a:p>
+            <a:pPr marL="342900" indent="-342900">
+              <a:buFont typeface="+mj-lt"/>
+              <a:buAutoNum type="arabicParenR"/>
+            </a:pPr>
+            <a:r>
+              <a:rPr lang="en-US" sz="1400" dirty="0">
+                <a:solidFill>
+                  <a:sysClr val="windowText" lastClr="000000"/>
+                </a:solidFill>
+                <a:latin typeface="Times New Roman" pitchFamily="18" charset="0"/>
+                <a:cs typeface="Times New Roman" pitchFamily="18" charset="0"/>
+              </a:rPr>
+              <a:t>Assess best-performing path</a:t>
+            </a:r>
+          </a:p>
+          <a:p>
+            <a:pPr marL="342900" indent="-342900">
+              <a:buFont typeface="+mj-lt"/>
+              <a:buAutoNum type="arabicParenR"/>
+            </a:pPr>
+            <a:r>
+              <a:rPr lang="en-US" sz="1400" dirty="0">
+                <a:solidFill>
+                  <a:sysClr val="windowText" lastClr="000000"/>
+                </a:solidFill>
+                <a:latin typeface="Times New Roman" pitchFamily="18" charset="0"/>
+                <a:cs typeface="Times New Roman" pitchFamily="18" charset="0"/>
+              </a:rPr>
+              <a:t>Minimize Path Length while maintaining contact</a:t>
+            </a:r>
+          </a:p>
+          <a:p>
+            <a:pPr marL="342900" indent="-342900">
+              <a:buFont typeface="+mj-lt"/>
+              <a:buAutoNum type="arabicParenR"/>
+            </a:pPr>
+            <a:r>
+              <a:rPr lang="en-US" sz="1400" dirty="0">
+                <a:solidFill>
+                  <a:sysClr val="windowText" lastClr="000000"/>
+                </a:solidFill>
+                <a:latin typeface="Times New Roman" pitchFamily="18" charset="0"/>
+                <a:cs typeface="Times New Roman" pitchFamily="18" charset="0"/>
+              </a:rPr>
+              <a:t>Optimized parameters</a:t>
+            </a:r>
+          </a:p>
+          <a:p>
+            <a:pPr marL="342900" indent="-342900">
+              <a:buFont typeface="+mj-lt"/>
+              <a:buAutoNum type="arabicParenR"/>
+            </a:pPr>
+            <a:r>
+              <a:rPr lang="en-US" sz="1400" dirty="0">
+                <a:solidFill>
+                  <a:sysClr val="windowText" lastClr="000000"/>
+                </a:solidFill>
+                <a:latin typeface="Times New Roman" pitchFamily="18" charset="0"/>
+                <a:cs typeface="Times New Roman" pitchFamily="18" charset="0"/>
+              </a:rPr>
+              <a:t>Output shortened path with equivalent contact performance</a:t>
+            </a:r>
+          </a:p>
+        </p:txBody>
+      </p:sp>
+      <p:sp>
+        <p:nvSpPr>
+          <p:cNvPr id="12" name="Flowchart: Predefined Process 11">
+            <a:extLst>
+              <a:ext uri="{FF2B5EF4-FFF2-40B4-BE49-F238E27FC236}">
+                <a16:creationId xmlns:a16="http://schemas.microsoft.com/office/drawing/2014/main" id="{F88CA9D5-05D6-4261-8D87-0C8F624A3808}"/>
+              </a:ext>
+            </a:extLst>
+          </p:cNvPr>
+          <p:cNvSpPr/>
+          <p:nvPr/>
+        </p:nvSpPr>
+        <p:spPr>
+          <a:xfrm>
+            <a:off x="1403707" y="1066800"/>
+            <a:ext cx="2286000" cy="1219200"/>
+          </a:xfrm>
+          <a:prstGeom prst="flowChartPredefinedProcess">
+            <a:avLst/>
+          </a:prstGeom>
+          <a:solidFill>
+            <a:schemeClr val="bg1"/>
+          </a:solidFill>
+          <a:ln cmpd="sng">
+            <a:solidFill>
+              <a:schemeClr val="bg1">
+                <a:lumMod val="75000"/>
+              </a:schemeClr>
+            </a:solidFill>
+            <a:prstDash val="solid"/>
+          </a:ln>
+        </p:spPr>
+        <p:style>
+          <a:lnRef idx="2">
+            <a:schemeClr val="accent1">
+              <a:shade val="50000"/>
+            </a:schemeClr>
+          </a:lnRef>
+          <a:fillRef idx="1">
+            <a:schemeClr val="accent1"/>
+          </a:fillRef>
+          <a:effectRef idx="0">
+            <a:schemeClr val="accent1"/>
+          </a:effectRef>
+          <a:fontRef idx="minor">
+            <a:schemeClr val="lt1"/>
+          </a:fontRef>
+        </p:style>
+        <p:txBody>
+          <a:bodyPr rtlCol="0" anchor="ctr"/>
+          <a:lstStyle/>
+          <a:p>
+            <a:pPr algn="ctr"/>
+            <a:r>
+              <a:rPr lang="en-US" sz="1400" dirty="0">
+                <a:solidFill>
+                  <a:sysClr val="windowText" lastClr="000000"/>
+                </a:solidFill>
+                <a:latin typeface="Times New Roman" pitchFamily="18" charset="0"/>
+                <a:cs typeface="Times New Roman" pitchFamily="18" charset="0"/>
+              </a:rPr>
+              <a:t>Simulation:</a:t>
+            </a:r>
+          </a:p>
+          <a:p>
+            <a:pPr algn="ctr"/>
+            <a:r>
+              <a:rPr lang="en-US" sz="1200" i="1" dirty="0">
+                <a:solidFill>
+                  <a:sysClr val="windowText" lastClr="000000"/>
+                </a:solidFill>
+                <a:latin typeface="Times New Roman" pitchFamily="18" charset="0"/>
+                <a:cs typeface="Times New Roman" pitchFamily="18" charset="0"/>
+              </a:rPr>
+              <a:t>Generates flight path contact with simulated objects</a:t>
+            </a:r>
+          </a:p>
+        </p:txBody>
+      </p:sp>
+      <p:cxnSp>
+        <p:nvCxnSpPr>
+          <p:cNvPr id="13" name="Straight Arrow Connector 12">
+            <a:extLst>
+              <a:ext uri="{FF2B5EF4-FFF2-40B4-BE49-F238E27FC236}">
+                <a16:creationId xmlns:a16="http://schemas.microsoft.com/office/drawing/2014/main" id="{180860D7-0DCF-424A-8F2E-3B0000427A1E}"/>
+              </a:ext>
+            </a:extLst>
+          </p:cNvPr>
+          <p:cNvCxnSpPr>
+            <a:cxnSpLocks/>
+            <a:stCxn id="12" idx="3"/>
+            <a:endCxn id="14" idx="2"/>
+          </p:cNvCxnSpPr>
+          <p:nvPr/>
+        </p:nvCxnSpPr>
+        <p:spPr>
+          <a:xfrm flipV="1">
+            <a:off x="3689707" y="1676399"/>
+            <a:ext cx="1339493" cy="1"/>
+          </a:xfrm>
+          <a:prstGeom prst="straightConnector1">
+            <a:avLst/>
+          </a:prstGeom>
+          <a:ln w="38100" cmpd="sng">
+            <a:solidFill>
+              <a:schemeClr val="bg1">
+                <a:lumMod val="75000"/>
+              </a:schemeClr>
+            </a:solidFill>
+            <a:prstDash val="solid"/>
+            <a:headEnd type="triangle" w="med" len="med"/>
+            <a:tailEnd type="none" w="med" len="med"/>
+          </a:ln>
+        </p:spPr>
+        <p:style>
+          <a:lnRef idx="1">
+            <a:schemeClr val="accent1"/>
+          </a:lnRef>
+          <a:fillRef idx="0">
+            <a:schemeClr val="accent1"/>
+          </a:fillRef>
+          <a:effectRef idx="0">
+            <a:schemeClr val="accent1"/>
+          </a:effectRef>
+          <a:fontRef idx="minor">
+            <a:schemeClr val="tx1"/>
+          </a:fontRef>
+        </p:style>
+      </p:cxnSp>
+      <p:sp>
+        <p:nvSpPr>
+          <p:cNvPr id="14" name="Can 2">
+            <a:extLst>
+              <a:ext uri="{FF2B5EF4-FFF2-40B4-BE49-F238E27FC236}">
+                <a16:creationId xmlns:a16="http://schemas.microsoft.com/office/drawing/2014/main" id="{BE79ADA4-F7FA-4E4A-A9F3-00178093B2E6}"/>
+              </a:ext>
+            </a:extLst>
+          </p:cNvPr>
+          <p:cNvSpPr/>
+          <p:nvPr/>
+        </p:nvSpPr>
+        <p:spPr>
+          <a:xfrm>
+            <a:off x="5029200" y="990599"/>
+            <a:ext cx="1066800" cy="1371600"/>
+          </a:xfrm>
+          <a:prstGeom prst="can">
+            <a:avLst/>
+          </a:prstGeom>
+          <a:solidFill>
+            <a:schemeClr val="bg1">
+              <a:lumMod val="95000"/>
+            </a:schemeClr>
+          </a:solidFill>
+          <a:ln cmpd="sng">
+            <a:solidFill>
+              <a:schemeClr val="tx1"/>
+            </a:solidFill>
+            <a:prstDash val="solid"/>
+          </a:ln>
+        </p:spPr>
+        <p:style>
+          <a:lnRef idx="2">
+            <a:schemeClr val="accent1">
+              <a:shade val="50000"/>
+            </a:schemeClr>
+          </a:lnRef>
+          <a:fillRef idx="1">
+            <a:schemeClr val="accent1"/>
+          </a:fillRef>
+          <a:effectRef idx="0">
+            <a:schemeClr val="accent1"/>
+          </a:effectRef>
+          <a:fontRef idx="minor">
+            <a:schemeClr val="lt1"/>
+          </a:fontRef>
+        </p:style>
+        <p:txBody>
+          <a:bodyPr rtlCol="0" anchor="ctr"/>
+          <a:lstStyle/>
+          <a:p>
+            <a:pPr algn="ctr"/>
+            <a:r>
+              <a:rPr lang="en-US" sz="1400" dirty="0">
+                <a:solidFill>
+                  <a:sysClr val="windowText" lastClr="000000"/>
+                </a:solidFill>
+                <a:latin typeface="Times New Roman" pitchFamily="18" charset="0"/>
+                <a:cs typeface="Times New Roman" pitchFamily="18" charset="0"/>
+              </a:rPr>
+              <a:t>MySQL</a:t>
+            </a:r>
+          </a:p>
+          <a:p>
+            <a:pPr algn="ctr"/>
+            <a:r>
+              <a:rPr lang="en-US" sz="1400" dirty="0">
+                <a:solidFill>
+                  <a:sysClr val="windowText" lastClr="000000"/>
+                </a:solidFill>
+                <a:latin typeface="Times New Roman" pitchFamily="18" charset="0"/>
+                <a:cs typeface="Times New Roman" pitchFamily="18" charset="0"/>
+              </a:rPr>
+              <a:t>Database</a:t>
+            </a:r>
+          </a:p>
+        </p:txBody>
+      </p:sp>
+      <p:cxnSp>
+        <p:nvCxnSpPr>
+          <p:cNvPr id="21" name="Straight Arrow Connector 20">
+            <a:extLst>
+              <a:ext uri="{FF2B5EF4-FFF2-40B4-BE49-F238E27FC236}">
+                <a16:creationId xmlns:a16="http://schemas.microsoft.com/office/drawing/2014/main" id="{3A51C57E-BD7C-4418-BAC7-015707BC8020}"/>
+              </a:ext>
+            </a:extLst>
+          </p:cNvPr>
+          <p:cNvCxnSpPr>
+            <a:cxnSpLocks/>
+            <a:stCxn id="2" idx="0"/>
+            <a:endCxn id="12" idx="2"/>
+          </p:cNvCxnSpPr>
+          <p:nvPr/>
+        </p:nvCxnSpPr>
+        <p:spPr>
+          <a:xfrm flipV="1">
+            <a:off x="2546707" y="2286000"/>
+            <a:ext cx="0" cy="609600"/>
+          </a:xfrm>
+          <a:prstGeom prst="straightConnector1">
+            <a:avLst/>
+          </a:prstGeom>
+          <a:ln w="38100" cmpd="sng">
+            <a:solidFill>
+              <a:schemeClr val="bg1">
+                <a:lumMod val="75000"/>
+              </a:schemeClr>
+            </a:solidFill>
+            <a:prstDash val="solid"/>
+            <a:headEnd type="triangle" w="med" len="med"/>
+            <a:tailEnd type="none" w="med" len="med"/>
+          </a:ln>
+        </p:spPr>
+        <p:style>
+          <a:lnRef idx="1">
+            <a:schemeClr val="accent1"/>
+          </a:lnRef>
+          <a:fillRef idx="0">
+            <a:schemeClr val="accent1"/>
+          </a:fillRef>
+          <a:effectRef idx="0">
+            <a:schemeClr val="accent1"/>
+          </a:effectRef>
+          <a:fontRef idx="minor">
+            <a:schemeClr val="tx1"/>
+          </a:fontRef>
+        </p:style>
+      </p:cxnSp>
+      <p:cxnSp>
+        <p:nvCxnSpPr>
+          <p:cNvPr id="29" name="Elbow Connector 59">
+            <a:extLst>
+              <a:ext uri="{FF2B5EF4-FFF2-40B4-BE49-F238E27FC236}">
+                <a16:creationId xmlns:a16="http://schemas.microsoft.com/office/drawing/2014/main" id="{9903C6C0-8E90-48C6-BD24-7D3851A373E3}"/>
+              </a:ext>
+            </a:extLst>
+          </p:cNvPr>
+          <p:cNvCxnSpPr>
+            <a:cxnSpLocks/>
+            <a:stCxn id="14" idx="4"/>
+            <a:endCxn id="5" idx="0"/>
+          </p:cNvCxnSpPr>
+          <p:nvPr/>
+        </p:nvCxnSpPr>
+        <p:spPr>
+          <a:xfrm>
+            <a:off x="6096000" y="1676399"/>
+            <a:ext cx="914400" cy="1219201"/>
+          </a:xfrm>
+          <a:prstGeom prst="bentConnector2">
+            <a:avLst/>
+          </a:prstGeom>
+          <a:ln w="38100">
+            <a:solidFill>
+              <a:schemeClr val="tx1"/>
+            </a:solidFill>
+            <a:prstDash val="solid"/>
+            <a:headEnd type="triangle" w="med" len="med"/>
+            <a:tailEnd type="none" w="med" len="med"/>
+          </a:ln>
+        </p:spPr>
+        <p:style>
+          <a:lnRef idx="1">
+            <a:schemeClr val="accent1"/>
+          </a:lnRef>
+          <a:fillRef idx="0">
+            <a:schemeClr val="accent1"/>
+          </a:fillRef>
+          <a:effectRef idx="0">
+            <a:schemeClr val="accent1"/>
+          </a:effectRef>
+          <a:fontRef idx="minor">
+            <a:schemeClr val="tx1"/>
+          </a:fontRef>
+        </p:style>
+      </p:cxnSp>
+    </p:spTree>
+    <p:extLst>
+      <p:ext uri="{BB962C8B-B14F-4D97-AF65-F5344CB8AC3E}">
+        <p14:creationId xmlns:p14="http://schemas.microsoft.com/office/powerpoint/2010/main" val="3955613896"/>
+      </p:ext>
+    </p:extLst>
   </p:cSld>
   <p:clrMapOvr>
     <a:masterClrMapping/>
@@ -18885,8 +19532,8 @@
           </a:fontRef>
         </p:style>
       </p:cxnSp>
-      <mc:AlternateContent xmlns:mc="http://schemas.openxmlformats.org/markup-compatibility/2006">
-        <mc:Choice xmlns:a14="http://schemas.microsoft.com/office/drawing/2010/main" Requires="a14">
+      <mc:AlternateContent xmlns:mc="http://schemas.openxmlformats.org/markup-compatibility/2006" xmlns:a14="http://schemas.microsoft.com/office/drawing/2010/main">
+        <mc:Choice Requires="a14">
           <p:sp>
             <p:nvSpPr>
               <p:cNvPr id="47" name="TextBox 46">
@@ -18938,7 +19585,7 @@
             </p:txBody>
           </p:sp>
         </mc:Choice>
-        <mc:Fallback>
+        <mc:Fallback xmlns="">
           <p:sp>
             <p:nvSpPr>
               <p:cNvPr id="47" name="TextBox 46">
@@ -18983,8 +19630,8 @@
           </p:sp>
         </mc:Fallback>
       </mc:AlternateContent>
-      <mc:AlternateContent xmlns:mc="http://schemas.openxmlformats.org/markup-compatibility/2006">
-        <mc:Choice xmlns:a14="http://schemas.microsoft.com/office/drawing/2010/main" Requires="a14">
+      <mc:AlternateContent xmlns:mc="http://schemas.openxmlformats.org/markup-compatibility/2006" xmlns:a14="http://schemas.microsoft.com/office/drawing/2010/main">
+        <mc:Choice Requires="a14">
           <p:sp>
             <p:nvSpPr>
               <p:cNvPr id="48" name="TextBox 47">
@@ -19036,7 +19683,7 @@
             </p:txBody>
           </p:sp>
         </mc:Choice>
-        <mc:Fallback>
+        <mc:Fallback xmlns="">
           <p:sp>
             <p:nvSpPr>
               <p:cNvPr id="48" name="TextBox 47">
@@ -19081,8 +19728,8 @@
           </p:sp>
         </mc:Fallback>
       </mc:AlternateContent>
-      <mc:AlternateContent xmlns:mc="http://schemas.openxmlformats.org/markup-compatibility/2006">
-        <mc:Choice xmlns:a14="http://schemas.microsoft.com/office/drawing/2010/main" Requires="a14">
+      <mc:AlternateContent xmlns:mc="http://schemas.openxmlformats.org/markup-compatibility/2006" xmlns:a14="http://schemas.microsoft.com/office/drawing/2010/main">
+        <mc:Choice Requires="a14">
           <p:sp>
             <p:nvSpPr>
               <p:cNvPr id="51" name="TextBox 50">
@@ -19153,7 +19800,7 @@
             </p:txBody>
           </p:sp>
         </mc:Choice>
-        <mc:Fallback>
+        <mc:Fallback xmlns="">
           <p:sp>
             <p:nvSpPr>
               <p:cNvPr id="51" name="TextBox 50">
@@ -20476,8 +21123,8 @@
           </a:p>
         </p:txBody>
       </p:sp>
-      <mc:AlternateContent xmlns:mc="http://schemas.openxmlformats.org/markup-compatibility/2006">
-        <mc:Choice xmlns:a14="http://schemas.microsoft.com/office/drawing/2010/main" Requires="a14">
+      <mc:AlternateContent xmlns:mc="http://schemas.openxmlformats.org/markup-compatibility/2006" xmlns:a14="http://schemas.microsoft.com/office/drawing/2010/main">
+        <mc:Choice Requires="a14">
           <p:sp>
             <p:nvSpPr>
               <p:cNvPr id="115" name="TextBox 114">
@@ -20548,7 +21195,7 @@
             </p:txBody>
           </p:sp>
         </mc:Choice>
-        <mc:Fallback>
+        <mc:Fallback xmlns="">
           <p:sp>
             <p:nvSpPr>
               <p:cNvPr id="115" name="TextBox 114">
@@ -20593,8 +21240,8 @@
           </p:sp>
         </mc:Fallback>
       </mc:AlternateContent>
-      <mc:AlternateContent xmlns:mc="http://schemas.openxmlformats.org/markup-compatibility/2006">
-        <mc:Choice xmlns:a14="http://schemas.microsoft.com/office/drawing/2010/main" Requires="a14">
+      <mc:AlternateContent xmlns:mc="http://schemas.openxmlformats.org/markup-compatibility/2006" xmlns:a14="http://schemas.microsoft.com/office/drawing/2010/main">
+        <mc:Choice Requires="a14">
           <p:sp>
             <p:nvSpPr>
               <p:cNvPr id="116" name="TextBox 115">
@@ -20696,7 +21343,7 @@
             </p:txBody>
           </p:sp>
         </mc:Choice>
-        <mc:Fallback>
+        <mc:Fallback xmlns="">
           <p:sp>
             <p:nvSpPr>
               <p:cNvPr id="116" name="TextBox 115">
@@ -20741,8 +21388,8 @@
           </p:sp>
         </mc:Fallback>
       </mc:AlternateContent>
-      <mc:AlternateContent xmlns:mc="http://schemas.openxmlformats.org/markup-compatibility/2006">
-        <mc:Choice xmlns:a14="http://schemas.microsoft.com/office/drawing/2010/main" Requires="a14">
+      <mc:AlternateContent xmlns:mc="http://schemas.openxmlformats.org/markup-compatibility/2006" xmlns:a14="http://schemas.microsoft.com/office/drawing/2010/main">
+        <mc:Choice Requires="a14">
           <p:sp>
             <p:nvSpPr>
               <p:cNvPr id="123" name="TextBox 122">
@@ -20844,7 +21491,7 @@
             </p:txBody>
           </p:sp>
         </mc:Choice>
-        <mc:Fallback>
+        <mc:Fallback xmlns="">
           <p:sp>
             <p:nvSpPr>
               <p:cNvPr id="123" name="TextBox 122">
@@ -21023,8 +21670,8 @@
           </a:fontRef>
         </p:style>
       </p:cxnSp>
-      <mc:AlternateContent xmlns:mc="http://schemas.openxmlformats.org/markup-compatibility/2006">
-        <mc:Choice xmlns:a14="http://schemas.microsoft.com/office/drawing/2010/main" Requires="a14">
+      <mc:AlternateContent xmlns:mc="http://schemas.openxmlformats.org/markup-compatibility/2006" xmlns:a14="http://schemas.microsoft.com/office/drawing/2010/main">
+        <mc:Choice Requires="a14">
           <p:sp>
             <p:nvSpPr>
               <p:cNvPr id="131" name="TextBox 130">
@@ -21155,13 +21802,12 @@
                 <a:endParaRPr lang="en-US" dirty="0"/>
               </a:p>
               <a:p>
-                <a:pPr/>
                 <a:endParaRPr lang="en-US" sz="900" dirty="0"/>
               </a:p>
             </p:txBody>
           </p:sp>
         </mc:Choice>
-        <mc:Fallback>
+        <mc:Fallback xmlns="">
           <p:sp>
             <p:nvSpPr>
               <p:cNvPr id="131" name="TextBox 130">
@@ -21206,8 +21852,8 @@
           </p:sp>
         </mc:Fallback>
       </mc:AlternateContent>
-      <mc:AlternateContent xmlns:mc="http://schemas.openxmlformats.org/markup-compatibility/2006">
-        <mc:Choice xmlns:a14="http://schemas.microsoft.com/office/drawing/2010/main" Requires="a14">
+      <mc:AlternateContent xmlns:mc="http://schemas.openxmlformats.org/markup-compatibility/2006" xmlns:a14="http://schemas.microsoft.com/office/drawing/2010/main">
+        <mc:Choice Requires="a14">
           <p:sp>
             <p:nvSpPr>
               <p:cNvPr id="132" name="TextBox 131">
@@ -21265,7 +21911,7 @@
             </p:txBody>
           </p:sp>
         </mc:Choice>
-        <mc:Fallback>
+        <mc:Fallback xmlns="">
           <p:sp>
             <p:nvSpPr>
               <p:cNvPr id="132" name="TextBox 131">
@@ -21310,8 +21956,8 @@
           </p:sp>
         </mc:Fallback>
       </mc:AlternateContent>
-      <mc:AlternateContent xmlns:mc="http://schemas.openxmlformats.org/markup-compatibility/2006">
-        <mc:Choice xmlns:a14="http://schemas.microsoft.com/office/drawing/2010/main" Requires="a14">
+      <mc:AlternateContent xmlns:mc="http://schemas.openxmlformats.org/markup-compatibility/2006" xmlns:a14="http://schemas.microsoft.com/office/drawing/2010/main">
+        <mc:Choice Requires="a14">
           <p:sp>
             <p:nvSpPr>
               <p:cNvPr id="133" name="TextBox 132">
@@ -21369,7 +22015,7 @@
             </p:txBody>
           </p:sp>
         </mc:Choice>
-        <mc:Fallback>
+        <mc:Fallback xmlns="">
           <p:sp>
             <p:nvSpPr>
               <p:cNvPr id="133" name="TextBox 132">

--- a/docs/paper/figs/Diagrams.pptx
+++ b/docs/paper/figs/Diagrams.pptx
@@ -4,6 +4,9 @@
   <p:sldMasterIdLst>
     <p:sldMasterId id="2147483648" r:id="rId1"/>
   </p:sldMasterIdLst>
+  <p:notesMasterIdLst>
+    <p:notesMasterId r:id="rId17"/>
+  </p:notesMasterIdLst>
   <p:sldIdLst>
     <p:sldId id="256" r:id="rId2"/>
     <p:sldId id="258" r:id="rId3"/>
@@ -15,6 +18,11 @@
     <p:sldId id="264" r:id="rId9"/>
     <p:sldId id="265" r:id="rId10"/>
     <p:sldId id="266" r:id="rId11"/>
+    <p:sldId id="267" r:id="rId12"/>
+    <p:sldId id="271" r:id="rId13"/>
+    <p:sldId id="269" r:id="rId14"/>
+    <p:sldId id="270" r:id="rId15"/>
+    <p:sldId id="268" r:id="rId16"/>
   </p:sldIdLst>
   <p:sldSz cx="9144000" cy="6858000" type="screen4x3"/>
   <p:notesSz cx="6858000" cy="9144000"/>
@@ -130,6 +138,439 @@
     </p:ext>
   </p:extLst>
 </p:presentation>
+</file>
+
+<file path=ppt/notesMasters/notesMaster1.xml><?xml version="1.0" encoding="utf-8"?>
+<p:notesMaster xmlns:a="http://schemas.openxmlformats.org/drawingml/2006/main" xmlns:r="http://schemas.openxmlformats.org/officeDocument/2006/relationships" xmlns:p="http://schemas.openxmlformats.org/presentationml/2006/main">
+  <p:cSld>
+    <p:bg>
+      <p:bgRef idx="1001">
+        <a:schemeClr val="bg1"/>
+      </p:bgRef>
+    </p:bg>
+    <p:spTree>
+      <p:nvGrpSpPr>
+        <p:cNvPr id="1" name=""/>
+        <p:cNvGrpSpPr/>
+        <p:nvPr/>
+      </p:nvGrpSpPr>
+      <p:grpSpPr>
+        <a:xfrm>
+          <a:off x="0" y="0"/>
+          <a:ext cx="0" cy="0"/>
+          <a:chOff x="0" y="0"/>
+          <a:chExt cx="0" cy="0"/>
+        </a:xfrm>
+      </p:grpSpPr>
+      <p:sp>
+        <p:nvSpPr>
+          <p:cNvPr id="2" name="Header Placeholder 1"/>
+          <p:cNvSpPr>
+            <a:spLocks noGrp="1"/>
+          </p:cNvSpPr>
+          <p:nvPr>
+            <p:ph type="hdr" sz="quarter"/>
+          </p:nvPr>
+        </p:nvSpPr>
+        <p:spPr>
+          <a:xfrm>
+            <a:off x="0" y="0"/>
+            <a:ext cx="2971800" cy="458788"/>
+          </a:xfrm>
+          <a:prstGeom prst="rect">
+            <a:avLst/>
+          </a:prstGeom>
+        </p:spPr>
+        <p:txBody>
+          <a:bodyPr vert="horz" lIns="91440" tIns="45720" rIns="91440" bIns="45720" rtlCol="0"/>
+          <a:lstStyle>
+            <a:lvl1pPr algn="l">
+              <a:defRPr sz="1200"/>
+            </a:lvl1pPr>
+          </a:lstStyle>
+          <a:p>
+            <a:endParaRPr lang="en-US"/>
+          </a:p>
+        </p:txBody>
+      </p:sp>
+      <p:sp>
+        <p:nvSpPr>
+          <p:cNvPr id="3" name="Date Placeholder 2"/>
+          <p:cNvSpPr>
+            <a:spLocks noGrp="1"/>
+          </p:cNvSpPr>
+          <p:nvPr>
+            <p:ph type="dt" idx="1"/>
+          </p:nvPr>
+        </p:nvSpPr>
+        <p:spPr>
+          <a:xfrm>
+            <a:off x="3884613" y="0"/>
+            <a:ext cx="2971800" cy="458788"/>
+          </a:xfrm>
+          <a:prstGeom prst="rect">
+            <a:avLst/>
+          </a:prstGeom>
+        </p:spPr>
+        <p:txBody>
+          <a:bodyPr vert="horz" lIns="91440" tIns="45720" rIns="91440" bIns="45720" rtlCol="0"/>
+          <a:lstStyle>
+            <a:lvl1pPr algn="r">
+              <a:defRPr sz="1200"/>
+            </a:lvl1pPr>
+          </a:lstStyle>
+          <a:p>
+            <a:fld id="{F9A10BC3-AABA-4C47-9304-433E17EADCD6}" type="datetimeFigureOut">
+              <a:rPr lang="en-US" smtClean="0"/>
+              <a:t>5/13/2019</a:t>
+            </a:fld>
+            <a:endParaRPr lang="en-US"/>
+          </a:p>
+        </p:txBody>
+      </p:sp>
+      <p:sp>
+        <p:nvSpPr>
+          <p:cNvPr id="4" name="Slide Image Placeholder 3"/>
+          <p:cNvSpPr>
+            <a:spLocks noGrp="1" noRot="1" noChangeAspect="1"/>
+          </p:cNvSpPr>
+          <p:nvPr>
+            <p:ph type="sldImg" idx="2"/>
+          </p:nvPr>
+        </p:nvSpPr>
+        <p:spPr>
+          <a:xfrm>
+            <a:off x="1371600" y="1143000"/>
+            <a:ext cx="4114800" cy="3086100"/>
+          </a:xfrm>
+          <a:prstGeom prst="rect">
+            <a:avLst/>
+          </a:prstGeom>
+          <a:noFill/>
+          <a:ln w="12700">
+            <a:solidFill>
+              <a:prstClr val="black"/>
+            </a:solidFill>
+          </a:ln>
+        </p:spPr>
+        <p:txBody>
+          <a:bodyPr vert="horz" lIns="91440" tIns="45720" rIns="91440" bIns="45720" rtlCol="0" anchor="ctr"/>
+          <a:lstStyle/>
+          <a:p>
+            <a:endParaRPr lang="en-US"/>
+          </a:p>
+        </p:txBody>
+      </p:sp>
+      <p:sp>
+        <p:nvSpPr>
+          <p:cNvPr id="5" name="Notes Placeholder 4"/>
+          <p:cNvSpPr>
+            <a:spLocks noGrp="1"/>
+          </p:cNvSpPr>
+          <p:nvPr>
+            <p:ph type="body" sz="quarter" idx="3"/>
+          </p:nvPr>
+        </p:nvSpPr>
+        <p:spPr>
+          <a:xfrm>
+            <a:off x="685800" y="4400550"/>
+            <a:ext cx="5486400" cy="3600450"/>
+          </a:xfrm>
+          <a:prstGeom prst="rect">
+            <a:avLst/>
+          </a:prstGeom>
+        </p:spPr>
+        <p:txBody>
+          <a:bodyPr vert="horz" lIns="91440" tIns="45720" rIns="91440" bIns="45720" rtlCol="0"/>
+          <a:lstStyle/>
+          <a:p>
+            <a:pPr lvl="0"/>
+            <a:r>
+              <a:rPr lang="en-US"/>
+              <a:t>Click to edit Master text styles</a:t>
+            </a:r>
+          </a:p>
+          <a:p>
+            <a:pPr lvl="1"/>
+            <a:r>
+              <a:rPr lang="en-US"/>
+              <a:t>Second level</a:t>
+            </a:r>
+          </a:p>
+          <a:p>
+            <a:pPr lvl="2"/>
+            <a:r>
+              <a:rPr lang="en-US"/>
+              <a:t>Third level</a:t>
+            </a:r>
+          </a:p>
+          <a:p>
+            <a:pPr lvl="3"/>
+            <a:r>
+              <a:rPr lang="en-US"/>
+              <a:t>Fourth level</a:t>
+            </a:r>
+          </a:p>
+          <a:p>
+            <a:pPr lvl="4"/>
+            <a:r>
+              <a:rPr lang="en-US"/>
+              <a:t>Fifth level</a:t>
+            </a:r>
+          </a:p>
+        </p:txBody>
+      </p:sp>
+      <p:sp>
+        <p:nvSpPr>
+          <p:cNvPr id="6" name="Footer Placeholder 5"/>
+          <p:cNvSpPr>
+            <a:spLocks noGrp="1"/>
+          </p:cNvSpPr>
+          <p:nvPr>
+            <p:ph type="ftr" sz="quarter" idx="4"/>
+          </p:nvPr>
+        </p:nvSpPr>
+        <p:spPr>
+          <a:xfrm>
+            <a:off x="0" y="8685213"/>
+            <a:ext cx="2971800" cy="458787"/>
+          </a:xfrm>
+          <a:prstGeom prst="rect">
+            <a:avLst/>
+          </a:prstGeom>
+        </p:spPr>
+        <p:txBody>
+          <a:bodyPr vert="horz" lIns="91440" tIns="45720" rIns="91440" bIns="45720" rtlCol="0" anchor="b"/>
+          <a:lstStyle>
+            <a:lvl1pPr algn="l">
+              <a:defRPr sz="1200"/>
+            </a:lvl1pPr>
+          </a:lstStyle>
+          <a:p>
+            <a:endParaRPr lang="en-US"/>
+          </a:p>
+        </p:txBody>
+      </p:sp>
+      <p:sp>
+        <p:nvSpPr>
+          <p:cNvPr id="7" name="Slide Number Placeholder 6"/>
+          <p:cNvSpPr>
+            <a:spLocks noGrp="1"/>
+          </p:cNvSpPr>
+          <p:nvPr>
+            <p:ph type="sldNum" sz="quarter" idx="5"/>
+          </p:nvPr>
+        </p:nvSpPr>
+        <p:spPr>
+          <a:xfrm>
+            <a:off x="3884613" y="8685213"/>
+            <a:ext cx="2971800" cy="458787"/>
+          </a:xfrm>
+          <a:prstGeom prst="rect">
+            <a:avLst/>
+          </a:prstGeom>
+        </p:spPr>
+        <p:txBody>
+          <a:bodyPr vert="horz" lIns="91440" tIns="45720" rIns="91440" bIns="45720" rtlCol="0" anchor="b"/>
+          <a:lstStyle>
+            <a:lvl1pPr algn="r">
+              <a:defRPr sz="1200"/>
+            </a:lvl1pPr>
+          </a:lstStyle>
+          <a:p>
+            <a:fld id="{C00D0790-43AC-4523-8D8A-A62DC4B60A27}" type="slidenum">
+              <a:rPr lang="en-US" smtClean="0"/>
+              <a:t>‹#›</a:t>
+            </a:fld>
+            <a:endParaRPr lang="en-US"/>
+          </a:p>
+        </p:txBody>
+      </p:sp>
+    </p:spTree>
+    <p:extLst>
+      <p:ext uri="{BB962C8B-B14F-4D97-AF65-F5344CB8AC3E}">
+        <p14:creationId xmlns:p14="http://schemas.microsoft.com/office/powerpoint/2010/main" val="3310158488"/>
+      </p:ext>
+    </p:extLst>
+  </p:cSld>
+  <p:clrMap bg1="lt1" tx1="dk1" bg2="lt2" tx2="dk2" accent1="accent1" accent2="accent2" accent3="accent3" accent4="accent4" accent5="accent5" accent6="accent6" hlink="hlink" folHlink="folHlink"/>
+  <p:notesStyle>
+    <a:lvl1pPr marL="0" algn="l" defTabSz="914400" rtl="0" eaLnBrk="1" latinLnBrk="0" hangingPunct="1">
+      <a:defRPr sz="1200" kern="1200">
+        <a:solidFill>
+          <a:schemeClr val="tx1"/>
+        </a:solidFill>
+        <a:latin typeface="+mn-lt"/>
+        <a:ea typeface="+mn-ea"/>
+        <a:cs typeface="+mn-cs"/>
+      </a:defRPr>
+    </a:lvl1pPr>
+    <a:lvl2pPr marL="457200" algn="l" defTabSz="914400" rtl="0" eaLnBrk="1" latinLnBrk="0" hangingPunct="1">
+      <a:defRPr sz="1200" kern="1200">
+        <a:solidFill>
+          <a:schemeClr val="tx1"/>
+        </a:solidFill>
+        <a:latin typeface="+mn-lt"/>
+        <a:ea typeface="+mn-ea"/>
+        <a:cs typeface="+mn-cs"/>
+      </a:defRPr>
+    </a:lvl2pPr>
+    <a:lvl3pPr marL="914400" algn="l" defTabSz="914400" rtl="0" eaLnBrk="1" latinLnBrk="0" hangingPunct="1">
+      <a:defRPr sz="1200" kern="1200">
+        <a:solidFill>
+          <a:schemeClr val="tx1"/>
+        </a:solidFill>
+        <a:latin typeface="+mn-lt"/>
+        <a:ea typeface="+mn-ea"/>
+        <a:cs typeface="+mn-cs"/>
+      </a:defRPr>
+    </a:lvl3pPr>
+    <a:lvl4pPr marL="1371600" algn="l" defTabSz="914400" rtl="0" eaLnBrk="1" latinLnBrk="0" hangingPunct="1">
+      <a:defRPr sz="1200" kern="1200">
+        <a:solidFill>
+          <a:schemeClr val="tx1"/>
+        </a:solidFill>
+        <a:latin typeface="+mn-lt"/>
+        <a:ea typeface="+mn-ea"/>
+        <a:cs typeface="+mn-cs"/>
+      </a:defRPr>
+    </a:lvl4pPr>
+    <a:lvl5pPr marL="1828800" algn="l" defTabSz="914400" rtl="0" eaLnBrk="1" latinLnBrk="0" hangingPunct="1">
+      <a:defRPr sz="1200" kern="1200">
+        <a:solidFill>
+          <a:schemeClr val="tx1"/>
+        </a:solidFill>
+        <a:latin typeface="+mn-lt"/>
+        <a:ea typeface="+mn-ea"/>
+        <a:cs typeface="+mn-cs"/>
+      </a:defRPr>
+    </a:lvl5pPr>
+    <a:lvl6pPr marL="2286000" algn="l" defTabSz="914400" rtl="0" eaLnBrk="1" latinLnBrk="0" hangingPunct="1">
+      <a:defRPr sz="1200" kern="1200">
+        <a:solidFill>
+          <a:schemeClr val="tx1"/>
+        </a:solidFill>
+        <a:latin typeface="+mn-lt"/>
+        <a:ea typeface="+mn-ea"/>
+        <a:cs typeface="+mn-cs"/>
+      </a:defRPr>
+    </a:lvl6pPr>
+    <a:lvl7pPr marL="2743200" algn="l" defTabSz="914400" rtl="0" eaLnBrk="1" latinLnBrk="0" hangingPunct="1">
+      <a:defRPr sz="1200" kern="1200">
+        <a:solidFill>
+          <a:schemeClr val="tx1"/>
+        </a:solidFill>
+        <a:latin typeface="+mn-lt"/>
+        <a:ea typeface="+mn-ea"/>
+        <a:cs typeface="+mn-cs"/>
+      </a:defRPr>
+    </a:lvl7pPr>
+    <a:lvl8pPr marL="3200400" algn="l" defTabSz="914400" rtl="0" eaLnBrk="1" latinLnBrk="0" hangingPunct="1">
+      <a:defRPr sz="1200" kern="1200">
+        <a:solidFill>
+          <a:schemeClr val="tx1"/>
+        </a:solidFill>
+        <a:latin typeface="+mn-lt"/>
+        <a:ea typeface="+mn-ea"/>
+        <a:cs typeface="+mn-cs"/>
+      </a:defRPr>
+    </a:lvl8pPr>
+    <a:lvl9pPr marL="3657600" algn="l" defTabSz="914400" rtl="0" eaLnBrk="1" latinLnBrk="0" hangingPunct="1">
+      <a:defRPr sz="1200" kern="1200">
+        <a:solidFill>
+          <a:schemeClr val="tx1"/>
+        </a:solidFill>
+        <a:latin typeface="+mn-lt"/>
+        <a:ea typeface="+mn-ea"/>
+        <a:cs typeface="+mn-cs"/>
+      </a:defRPr>
+    </a:lvl9pPr>
+  </p:notesStyle>
+</p:notesMaster>
+</file>
+
+<file path=ppt/notesSlides/notesSlide1.xml><?xml version="1.0" encoding="utf-8"?>
+<p:notes xmlns:a="http://schemas.openxmlformats.org/drawingml/2006/main" xmlns:r="http://schemas.openxmlformats.org/officeDocument/2006/relationships" xmlns:p="http://schemas.openxmlformats.org/presentationml/2006/main">
+  <p:cSld>
+    <p:spTree>
+      <p:nvGrpSpPr>
+        <p:cNvPr id="1" name=""/>
+        <p:cNvGrpSpPr/>
+        <p:nvPr/>
+      </p:nvGrpSpPr>
+      <p:grpSpPr>
+        <a:xfrm>
+          <a:off x="0" y="0"/>
+          <a:ext cx="0" cy="0"/>
+          <a:chOff x="0" y="0"/>
+          <a:chExt cx="0" cy="0"/>
+        </a:xfrm>
+      </p:grpSpPr>
+      <p:sp>
+        <p:nvSpPr>
+          <p:cNvPr id="2" name="Slide Image Placeholder 1"/>
+          <p:cNvSpPr>
+            <a:spLocks noGrp="1" noRot="1" noChangeAspect="1"/>
+          </p:cNvSpPr>
+          <p:nvPr>
+            <p:ph type="sldImg"/>
+          </p:nvPr>
+        </p:nvSpPr>
+        <p:spPr/>
+      </p:sp>
+      <p:sp>
+        <p:nvSpPr>
+          <p:cNvPr id="3" name="Notes Placeholder 2"/>
+          <p:cNvSpPr>
+            <a:spLocks noGrp="1"/>
+          </p:cNvSpPr>
+          <p:nvPr>
+            <p:ph type="body" idx="1"/>
+          </p:nvPr>
+        </p:nvSpPr>
+        <p:spPr/>
+        <p:txBody>
+          <a:bodyPr/>
+          <a:lstStyle/>
+          <a:p>
+            <a:endParaRPr lang="en-US" dirty="0"/>
+          </a:p>
+        </p:txBody>
+      </p:sp>
+      <p:sp>
+        <p:nvSpPr>
+          <p:cNvPr id="4" name="Slide Number Placeholder 3"/>
+          <p:cNvSpPr>
+            <a:spLocks noGrp="1"/>
+          </p:cNvSpPr>
+          <p:nvPr>
+            <p:ph type="sldNum" sz="quarter" idx="5"/>
+          </p:nvPr>
+        </p:nvSpPr>
+        <p:spPr/>
+        <p:txBody>
+          <a:bodyPr/>
+          <a:lstStyle/>
+          <a:p>
+            <a:fld id="{C00D0790-43AC-4523-8D8A-A62DC4B60A27}" type="slidenum">
+              <a:rPr lang="en-US" smtClean="0"/>
+              <a:t>14</a:t>
+            </a:fld>
+            <a:endParaRPr lang="en-US"/>
+          </a:p>
+        </p:txBody>
+      </p:sp>
+    </p:spTree>
+    <p:extLst>
+      <p:ext uri="{BB962C8B-B14F-4D97-AF65-F5344CB8AC3E}">
+        <p14:creationId xmlns:p14="http://schemas.microsoft.com/office/powerpoint/2010/main" val="1029888419"/>
+      </p:ext>
+    </p:extLst>
+  </p:cSld>
+  <p:clrMapOvr>
+    <a:masterClrMapping/>
+  </p:clrMapOvr>
+</p:notes>
 </file>
 
 <file path=ppt/slideLayouts/slideLayout1.xml><?xml version="1.0" encoding="utf-8"?>
@@ -5898,6 +6339,4660 @@
     <p:extLst>
       <p:ext uri="{BB962C8B-B14F-4D97-AF65-F5344CB8AC3E}">
         <p14:creationId xmlns:p14="http://schemas.microsoft.com/office/powerpoint/2010/main" val="3955613896"/>
+      </p:ext>
+    </p:extLst>
+  </p:cSld>
+  <p:clrMapOvr>
+    <a:masterClrMapping/>
+  </p:clrMapOvr>
+</p:sld>
+</file>
+
+<file path=ppt/slides/slide11.xml><?xml version="1.0" encoding="utf-8"?>
+<p:sld xmlns:a="http://schemas.openxmlformats.org/drawingml/2006/main" xmlns:r="http://schemas.openxmlformats.org/officeDocument/2006/relationships" xmlns:p="http://schemas.openxmlformats.org/presentationml/2006/main">
+  <p:cSld>
+    <p:spTree>
+      <p:nvGrpSpPr>
+        <p:cNvPr id="1" name=""/>
+        <p:cNvGrpSpPr/>
+        <p:nvPr/>
+      </p:nvGrpSpPr>
+      <p:grpSpPr>
+        <a:xfrm>
+          <a:off x="0" y="0"/>
+          <a:ext cx="0" cy="0"/>
+          <a:chOff x="0" y="0"/>
+          <a:chExt cx="0" cy="0"/>
+        </a:xfrm>
+      </p:grpSpPr>
+      <p:pic>
+        <p:nvPicPr>
+          <p:cNvPr id="3" name="Picture 2">
+            <a:extLst>
+              <a:ext uri="{FF2B5EF4-FFF2-40B4-BE49-F238E27FC236}">
+                <a16:creationId xmlns:a16="http://schemas.microsoft.com/office/drawing/2014/main" id="{AE0F27D2-6A10-4505-96EF-1B5A49CF7815}"/>
+              </a:ext>
+            </a:extLst>
+          </p:cNvPr>
+          <p:cNvPicPr>
+            <a:picLocks noChangeAspect="1"/>
+          </p:cNvPicPr>
+          <p:nvPr/>
+        </p:nvPicPr>
+        <p:blipFill>
+          <a:blip r:embed="rId2">
+            <a:extLst>
+              <a:ext uri="{28A0092B-C50C-407E-A947-70E740481C1C}">
+                <a14:useLocalDpi xmlns:a14="http://schemas.microsoft.com/office/drawing/2010/main" val="0"/>
+              </a:ext>
+            </a:extLst>
+          </a:blip>
+          <a:stretch>
+            <a:fillRect/>
+          </a:stretch>
+        </p:blipFill>
+        <p:spPr>
+          <a:xfrm>
+            <a:off x="178497" y="1619654"/>
+            <a:ext cx="8584503" cy="3333345"/>
+          </a:xfrm>
+          <a:prstGeom prst="rect">
+            <a:avLst/>
+          </a:prstGeom>
+        </p:spPr>
+      </p:pic>
+      <p:cxnSp>
+        <p:nvCxnSpPr>
+          <p:cNvPr id="4" name="Straight Connector 3">
+            <a:extLst>
+              <a:ext uri="{FF2B5EF4-FFF2-40B4-BE49-F238E27FC236}">
+                <a16:creationId xmlns:a16="http://schemas.microsoft.com/office/drawing/2014/main" id="{DF0BE187-0604-4BB5-B20C-8E9F0C2AB5DB}"/>
+              </a:ext>
+            </a:extLst>
+          </p:cNvPr>
+          <p:cNvCxnSpPr>
+            <a:cxnSpLocks/>
+          </p:cNvCxnSpPr>
+          <p:nvPr/>
+        </p:nvCxnSpPr>
+        <p:spPr>
+          <a:xfrm>
+            <a:off x="609600" y="2133600"/>
+            <a:ext cx="0" cy="2667000"/>
+          </a:xfrm>
+          <a:prstGeom prst="line">
+            <a:avLst/>
+          </a:prstGeom>
+          <a:ln w="28575">
+            <a:solidFill>
+              <a:schemeClr val="tx1"/>
+            </a:solidFill>
+            <a:prstDash val="sysDash"/>
+          </a:ln>
+        </p:spPr>
+        <p:style>
+          <a:lnRef idx="1">
+            <a:schemeClr val="accent1"/>
+          </a:lnRef>
+          <a:fillRef idx="0">
+            <a:schemeClr val="accent1"/>
+          </a:fillRef>
+          <a:effectRef idx="0">
+            <a:schemeClr val="accent1"/>
+          </a:effectRef>
+          <a:fontRef idx="minor">
+            <a:schemeClr val="tx1"/>
+          </a:fontRef>
+        </p:style>
+      </p:cxnSp>
+      <p:cxnSp>
+        <p:nvCxnSpPr>
+          <p:cNvPr id="8" name="Straight Connector 7">
+            <a:extLst>
+              <a:ext uri="{FF2B5EF4-FFF2-40B4-BE49-F238E27FC236}">
+                <a16:creationId xmlns:a16="http://schemas.microsoft.com/office/drawing/2014/main" id="{6070698F-BD17-4B90-85A5-7FA1AD427AB0}"/>
+              </a:ext>
+            </a:extLst>
+          </p:cNvPr>
+          <p:cNvCxnSpPr>
+            <a:cxnSpLocks/>
+          </p:cNvCxnSpPr>
+          <p:nvPr/>
+        </p:nvCxnSpPr>
+        <p:spPr>
+          <a:xfrm>
+            <a:off x="8610600" y="3276600"/>
+            <a:ext cx="0" cy="1524000"/>
+          </a:xfrm>
+          <a:prstGeom prst="line">
+            <a:avLst/>
+          </a:prstGeom>
+          <a:ln w="28575">
+            <a:solidFill>
+              <a:schemeClr val="tx1"/>
+            </a:solidFill>
+            <a:prstDash val="sysDash"/>
+          </a:ln>
+        </p:spPr>
+        <p:style>
+          <a:lnRef idx="1">
+            <a:schemeClr val="accent1"/>
+          </a:lnRef>
+          <a:fillRef idx="0">
+            <a:schemeClr val="accent1"/>
+          </a:fillRef>
+          <a:effectRef idx="0">
+            <a:schemeClr val="accent1"/>
+          </a:effectRef>
+          <a:fontRef idx="minor">
+            <a:schemeClr val="tx1"/>
+          </a:fontRef>
+        </p:style>
+      </p:cxnSp>
+      <mc:AlternateContent xmlns:mc="http://schemas.openxmlformats.org/markup-compatibility/2006" xmlns:a14="http://schemas.microsoft.com/office/drawing/2010/main">
+        <mc:Choice Requires="a14">
+          <p:sp>
+            <p:nvSpPr>
+              <p:cNvPr id="10" name="TextBox 9">
+                <a:extLst>
+                  <a:ext uri="{FF2B5EF4-FFF2-40B4-BE49-F238E27FC236}">
+                    <a16:creationId xmlns:a16="http://schemas.microsoft.com/office/drawing/2014/main" id="{B1A2DF79-6AC1-46FC-BE76-851A20A99AB6}"/>
+                  </a:ext>
+                </a:extLst>
+              </p:cNvPr>
+              <p:cNvSpPr txBox="1"/>
+              <p:nvPr/>
+            </p:nvSpPr>
+            <p:spPr>
+              <a:xfrm>
+                <a:off x="8489156" y="2895600"/>
+                <a:ext cx="286040" cy="276999"/>
+              </a:xfrm>
+              <a:prstGeom prst="rect">
+                <a:avLst/>
+              </a:prstGeom>
+              <a:solidFill>
+                <a:schemeClr val="bg1"/>
+              </a:solidFill>
+            </p:spPr>
+            <p:txBody>
+              <a:bodyPr wrap="none" lIns="0" tIns="0" rIns="0" bIns="0" rtlCol="0">
+                <a:spAutoFit/>
+              </a:bodyPr>
+              <a:lstStyle/>
+              <a:p>
+                <a:pPr/>
+                <a14:m>
+                  <m:oMathPara xmlns:m="http://schemas.openxmlformats.org/officeDocument/2006/math">
+                    <m:oMathParaPr>
+                      <m:jc m:val="centerGroup"/>
+                    </m:oMathParaPr>
+                    <m:oMath xmlns:m="http://schemas.openxmlformats.org/officeDocument/2006/math">
+                      <m:sSub>
+                        <m:sSubPr>
+                          <m:ctrlPr>
+                            <a:rPr lang="en-US" b="0" i="1" smtClean="0">
+                              <a:latin typeface="Cambria Math" panose="02040503050406030204" pitchFamily="18" charset="0"/>
+                            </a:rPr>
+                          </m:ctrlPr>
+                        </m:sSubPr>
+                        <m:e>
+                          <m:r>
+                            <a:rPr lang="en-US" b="0" i="1" smtClean="0">
+                              <a:latin typeface="Cambria Math" panose="02040503050406030204" pitchFamily="18" charset="0"/>
+                            </a:rPr>
+                            <m:t>𝑥</m:t>
+                          </m:r>
+                        </m:e>
+                        <m:sub>
+                          <m:r>
+                            <a:rPr lang="en-US" b="0" i="1" smtClean="0">
+                              <a:latin typeface="Cambria Math" panose="02040503050406030204" pitchFamily="18" charset="0"/>
+                            </a:rPr>
+                            <m:t>𝐴</m:t>
+                          </m:r>
+                        </m:sub>
+                      </m:sSub>
+                    </m:oMath>
+                  </m:oMathPara>
+                </a14:m>
+                <a:endParaRPr lang="en-US" dirty="0"/>
+              </a:p>
+            </p:txBody>
+          </p:sp>
+        </mc:Choice>
+        <mc:Fallback xmlns="">
+          <p:sp>
+            <p:nvSpPr>
+              <p:cNvPr id="10" name="TextBox 9">
+                <a:extLst>
+                  <a:ext uri="{FF2B5EF4-FFF2-40B4-BE49-F238E27FC236}">
+                    <a16:creationId xmlns:a16="http://schemas.microsoft.com/office/drawing/2014/main" id="{B1A2DF79-6AC1-46FC-BE76-851A20A99AB6}"/>
+                  </a:ext>
+                </a:extLst>
+              </p:cNvPr>
+              <p:cNvSpPr txBox="1">
+                <a:spLocks noRot="1" noChangeAspect="1" noMove="1" noResize="1" noEditPoints="1" noAdjustHandles="1" noChangeArrowheads="1" noChangeShapeType="1" noTextEdit="1"/>
+              </p:cNvSpPr>
+              <p:nvPr/>
+            </p:nvSpPr>
+            <p:spPr>
+              <a:xfrm>
+                <a:off x="8489156" y="2895600"/>
+                <a:ext cx="286040" cy="276999"/>
+              </a:xfrm>
+              <a:prstGeom prst="rect">
+                <a:avLst/>
+              </a:prstGeom>
+              <a:blipFill>
+                <a:blip r:embed="rId3"/>
+                <a:stretch>
+                  <a:fillRect l="-10638" r="-8511" b="-15556"/>
+                </a:stretch>
+              </a:blipFill>
+            </p:spPr>
+            <p:txBody>
+              <a:bodyPr/>
+              <a:lstStyle/>
+              <a:p>
+                <a:r>
+                  <a:rPr lang="en-US">
+                    <a:noFill/>
+                  </a:rPr>
+                  <a:t> </a:t>
+                </a:r>
+              </a:p>
+            </p:txBody>
+          </p:sp>
+        </mc:Fallback>
+      </mc:AlternateContent>
+      <mc:AlternateContent xmlns:mc="http://schemas.openxmlformats.org/markup-compatibility/2006" xmlns:a14="http://schemas.microsoft.com/office/drawing/2010/main">
+        <mc:Choice Requires="a14">
+          <p:sp>
+            <p:nvSpPr>
+              <p:cNvPr id="11" name="TextBox 10">
+                <a:extLst>
+                  <a:ext uri="{FF2B5EF4-FFF2-40B4-BE49-F238E27FC236}">
+                    <a16:creationId xmlns:a16="http://schemas.microsoft.com/office/drawing/2014/main" id="{CD80C885-2986-4145-A6F4-1068A8FA9258}"/>
+                  </a:ext>
+                </a:extLst>
+              </p:cNvPr>
+              <p:cNvSpPr txBox="1"/>
+              <p:nvPr/>
+            </p:nvSpPr>
+            <p:spPr>
+              <a:xfrm>
+                <a:off x="466580" y="1752600"/>
+                <a:ext cx="301942" cy="276999"/>
+              </a:xfrm>
+              <a:prstGeom prst="rect">
+                <a:avLst/>
+              </a:prstGeom>
+              <a:solidFill>
+                <a:schemeClr val="bg1"/>
+              </a:solidFill>
+            </p:spPr>
+            <p:txBody>
+              <a:bodyPr wrap="none" lIns="0" tIns="0" rIns="0" bIns="0" rtlCol="0">
+                <a:spAutoFit/>
+              </a:bodyPr>
+              <a:lstStyle/>
+              <a:p>
+                <a:pPr/>
+                <a14:m>
+                  <m:oMathPara xmlns:m="http://schemas.openxmlformats.org/officeDocument/2006/math">
+                    <m:oMathParaPr>
+                      <m:jc m:val="centerGroup"/>
+                    </m:oMathParaPr>
+                    <m:oMath xmlns:m="http://schemas.openxmlformats.org/officeDocument/2006/math">
+                      <m:sSub>
+                        <m:sSubPr>
+                          <m:ctrlPr>
+                            <a:rPr lang="en-US" b="0" i="1" smtClean="0">
+                              <a:latin typeface="Cambria Math" panose="02040503050406030204" pitchFamily="18" charset="0"/>
+                            </a:rPr>
+                          </m:ctrlPr>
+                        </m:sSubPr>
+                        <m:e>
+                          <m:r>
+                            <a:rPr lang="en-US" b="0" i="1" smtClean="0">
+                              <a:latin typeface="Cambria Math" panose="02040503050406030204" pitchFamily="18" charset="0"/>
+                            </a:rPr>
+                            <m:t>𝑥</m:t>
+                          </m:r>
+                        </m:e>
+                        <m:sub>
+                          <m:r>
+                            <a:rPr lang="en-US" b="0" i="1" smtClean="0">
+                              <a:latin typeface="Cambria Math" panose="02040503050406030204" pitchFamily="18" charset="0"/>
+                            </a:rPr>
+                            <m:t>𝐵</m:t>
+                          </m:r>
+                        </m:sub>
+                      </m:sSub>
+                    </m:oMath>
+                  </m:oMathPara>
+                </a14:m>
+                <a:endParaRPr lang="en-US" dirty="0"/>
+              </a:p>
+            </p:txBody>
+          </p:sp>
+        </mc:Choice>
+        <mc:Fallback xmlns="">
+          <p:sp>
+            <p:nvSpPr>
+              <p:cNvPr id="11" name="TextBox 10">
+                <a:extLst>
+                  <a:ext uri="{FF2B5EF4-FFF2-40B4-BE49-F238E27FC236}">
+                    <a16:creationId xmlns:a16="http://schemas.microsoft.com/office/drawing/2014/main" id="{CD80C885-2986-4145-A6F4-1068A8FA9258}"/>
+                  </a:ext>
+                </a:extLst>
+              </p:cNvPr>
+              <p:cNvSpPr txBox="1">
+                <a:spLocks noRot="1" noChangeAspect="1" noMove="1" noResize="1" noEditPoints="1" noAdjustHandles="1" noChangeArrowheads="1" noChangeShapeType="1" noTextEdit="1"/>
+              </p:cNvSpPr>
+              <p:nvPr/>
+            </p:nvSpPr>
+            <p:spPr>
+              <a:xfrm>
+                <a:off x="466580" y="1752600"/>
+                <a:ext cx="301942" cy="276999"/>
+              </a:xfrm>
+              <a:prstGeom prst="rect">
+                <a:avLst/>
+              </a:prstGeom>
+              <a:blipFill>
+                <a:blip r:embed="rId4"/>
+                <a:stretch>
+                  <a:fillRect l="-10204" r="-8163" b="-15556"/>
+                </a:stretch>
+              </a:blipFill>
+            </p:spPr>
+            <p:txBody>
+              <a:bodyPr/>
+              <a:lstStyle/>
+              <a:p>
+                <a:r>
+                  <a:rPr lang="en-US">
+                    <a:noFill/>
+                  </a:rPr>
+                  <a:t> </a:t>
+                </a:r>
+              </a:p>
+            </p:txBody>
+          </p:sp>
+        </mc:Fallback>
+      </mc:AlternateContent>
+      <mc:AlternateContent xmlns:mc="http://schemas.openxmlformats.org/markup-compatibility/2006">
+        <mc:Choice xmlns:a14="http://schemas.microsoft.com/office/drawing/2010/main" Requires="a14">
+          <p:sp>
+            <p:nvSpPr>
+              <p:cNvPr id="15" name="TextBox 14">
+                <a:extLst>
+                  <a:ext uri="{FF2B5EF4-FFF2-40B4-BE49-F238E27FC236}">
+                    <a16:creationId xmlns:a16="http://schemas.microsoft.com/office/drawing/2014/main" id="{53CC3D1C-512A-4DEA-9518-FBC14173EC01}"/>
+                  </a:ext>
+                </a:extLst>
+              </p:cNvPr>
+              <p:cNvSpPr txBox="1"/>
+              <p:nvPr/>
+            </p:nvSpPr>
+            <p:spPr>
+              <a:xfrm>
+                <a:off x="7010400" y="3124200"/>
+                <a:ext cx="259302" cy="299313"/>
+              </a:xfrm>
+              <a:prstGeom prst="rect">
+                <a:avLst/>
+              </a:prstGeom>
+              <a:solidFill>
+                <a:schemeClr val="bg1"/>
+              </a:solidFill>
+              <a:ln>
+                <a:solidFill>
+                  <a:schemeClr val="tx1"/>
+                </a:solidFill>
+              </a:ln>
+            </p:spPr>
+            <p:txBody>
+              <a:bodyPr wrap="none" lIns="0" tIns="0" rIns="0" bIns="0" rtlCol="0">
+                <a:spAutoFit/>
+              </a:bodyPr>
+              <a:lstStyle/>
+              <a:p>
+                <a:pPr/>
+                <a14:m>
+                  <m:oMathPara xmlns:m="http://schemas.openxmlformats.org/officeDocument/2006/math">
+                    <m:oMathParaPr>
+                      <m:jc m:val="centerGroup"/>
+                    </m:oMathParaPr>
+                    <m:oMath xmlns:m="http://schemas.openxmlformats.org/officeDocument/2006/math">
+                      <m:sSub>
+                        <m:sSubPr>
+                          <m:ctrlPr>
+                            <a:rPr lang="en-US" i="1" smtClean="0">
+                              <a:latin typeface="Cambria Math" panose="02040503050406030204" pitchFamily="18" charset="0"/>
+                              <a:cs typeface="Times New Roman" pitchFamily="18" charset="0"/>
+                            </a:rPr>
+                          </m:ctrlPr>
+                        </m:sSubPr>
+                        <m:e>
+                          <m:acc>
+                            <m:accPr>
+                              <m:chr m:val="⃗"/>
+                              <m:ctrlPr>
+                                <a:rPr lang="en-US" i="1">
+                                  <a:latin typeface="Cambria Math" panose="02040503050406030204" pitchFamily="18" charset="0"/>
+                                  <a:cs typeface="Times New Roman" pitchFamily="18" charset="0"/>
+                                </a:rPr>
+                              </m:ctrlPr>
+                            </m:accPr>
+                            <m:e>
+                              <m:r>
+                                <a:rPr lang="en-US" b="0" i="1" smtClean="0">
+                                  <a:latin typeface="Cambria Math" panose="02040503050406030204" pitchFamily="18" charset="0"/>
+                                  <a:cs typeface="Times New Roman" pitchFamily="18" charset="0"/>
+                                </a:rPr>
+                                <m:t>𝑛</m:t>
+                              </m:r>
+                            </m:e>
+                          </m:acc>
+                        </m:e>
+                        <m:sub>
+                          <m:r>
+                            <a:rPr lang="en-US" b="0" i="1" smtClean="0">
+                              <a:latin typeface="Cambria Math" panose="02040503050406030204" pitchFamily="18" charset="0"/>
+                              <a:cs typeface="Times New Roman" pitchFamily="18" charset="0"/>
+                            </a:rPr>
+                            <m:t>𝑗</m:t>
+                          </m:r>
+                        </m:sub>
+                      </m:sSub>
+                    </m:oMath>
+                  </m:oMathPara>
+                </a14:m>
+                <a:endParaRPr lang="en-US" dirty="0"/>
+              </a:p>
+            </p:txBody>
+          </p:sp>
+        </mc:Choice>
+        <mc:Fallback>
+          <p:sp>
+            <p:nvSpPr>
+              <p:cNvPr id="15" name="TextBox 14">
+                <a:extLst>
+                  <a:ext uri="{FF2B5EF4-FFF2-40B4-BE49-F238E27FC236}">
+                    <a16:creationId xmlns:a16="http://schemas.microsoft.com/office/drawing/2014/main" id="{53CC3D1C-512A-4DEA-9518-FBC14173EC01}"/>
+                  </a:ext>
+                </a:extLst>
+              </p:cNvPr>
+              <p:cNvSpPr txBox="1">
+                <a:spLocks noRot="1" noChangeAspect="1" noMove="1" noResize="1" noEditPoints="1" noAdjustHandles="1" noChangeArrowheads="1" noChangeShapeType="1" noTextEdit="1"/>
+              </p:cNvSpPr>
+              <p:nvPr/>
+            </p:nvSpPr>
+            <p:spPr>
+              <a:xfrm>
+                <a:off x="7010400" y="3124200"/>
+                <a:ext cx="259302" cy="299313"/>
+              </a:xfrm>
+              <a:prstGeom prst="rect">
+                <a:avLst/>
+              </a:prstGeom>
+              <a:blipFill>
+                <a:blip r:embed="rId5"/>
+                <a:stretch>
+                  <a:fillRect l="-11111" r="-11111" b="-21569"/>
+                </a:stretch>
+              </a:blipFill>
+              <a:ln>
+                <a:solidFill>
+                  <a:schemeClr val="tx1"/>
+                </a:solidFill>
+              </a:ln>
+            </p:spPr>
+            <p:txBody>
+              <a:bodyPr/>
+              <a:lstStyle/>
+              <a:p>
+                <a:r>
+                  <a:rPr lang="en-US">
+                    <a:noFill/>
+                  </a:rPr>
+                  <a:t> </a:t>
+                </a:r>
+              </a:p>
+            </p:txBody>
+          </p:sp>
+        </mc:Fallback>
+      </mc:AlternateContent>
+      <mc:AlternateContent xmlns:mc="http://schemas.openxmlformats.org/markup-compatibility/2006">
+        <mc:Choice xmlns:a14="http://schemas.microsoft.com/office/drawing/2010/main" Requires="a14">
+          <p:sp>
+            <p:nvSpPr>
+              <p:cNvPr id="16" name="TextBox 15">
+                <a:extLst>
+                  <a:ext uri="{FF2B5EF4-FFF2-40B4-BE49-F238E27FC236}">
+                    <a16:creationId xmlns:a16="http://schemas.microsoft.com/office/drawing/2014/main" id="{1DF393E3-EC42-4B35-ACD8-EC6DAA47D6B4}"/>
+                  </a:ext>
+                </a:extLst>
+              </p:cNvPr>
+              <p:cNvSpPr txBox="1"/>
+              <p:nvPr/>
+            </p:nvSpPr>
+            <p:spPr>
+              <a:xfrm>
+                <a:off x="7543800" y="3165578"/>
+                <a:ext cx="478914" cy="299313"/>
+              </a:xfrm>
+              <a:prstGeom prst="rect">
+                <a:avLst/>
+              </a:prstGeom>
+              <a:solidFill>
+                <a:schemeClr val="bg1"/>
+              </a:solidFill>
+              <a:ln>
+                <a:solidFill>
+                  <a:schemeClr val="tx1"/>
+                </a:solidFill>
+              </a:ln>
+            </p:spPr>
+            <p:txBody>
+              <a:bodyPr wrap="none" lIns="0" tIns="0" rIns="0" bIns="0" rtlCol="0">
+                <a:spAutoFit/>
+              </a:bodyPr>
+              <a:lstStyle/>
+              <a:p>
+                <a:pPr/>
+                <a14:m>
+                  <m:oMathPara xmlns:m="http://schemas.openxmlformats.org/officeDocument/2006/math">
+                    <m:oMathParaPr>
+                      <m:jc m:val="centerGroup"/>
+                    </m:oMathParaPr>
+                    <m:oMath xmlns:m="http://schemas.openxmlformats.org/officeDocument/2006/math">
+                      <m:sSub>
+                        <m:sSubPr>
+                          <m:ctrlPr>
+                            <a:rPr lang="en-US" i="1" smtClean="0">
+                              <a:latin typeface="Cambria Math" panose="02040503050406030204" pitchFamily="18" charset="0"/>
+                              <a:cs typeface="Times New Roman" pitchFamily="18" charset="0"/>
+                            </a:rPr>
+                          </m:ctrlPr>
+                        </m:sSubPr>
+                        <m:e>
+                          <m:acc>
+                            <m:accPr>
+                              <m:chr m:val="⃗"/>
+                              <m:ctrlPr>
+                                <a:rPr lang="en-US" i="1">
+                                  <a:latin typeface="Cambria Math" panose="02040503050406030204" pitchFamily="18" charset="0"/>
+                                  <a:cs typeface="Times New Roman" pitchFamily="18" charset="0"/>
+                                </a:rPr>
+                              </m:ctrlPr>
+                            </m:accPr>
+                            <m:e>
+                              <m:r>
+                                <a:rPr lang="en-US" b="0" i="1" smtClean="0">
+                                  <a:latin typeface="Cambria Math" panose="02040503050406030204" pitchFamily="18" charset="0"/>
+                                  <a:cs typeface="Times New Roman" pitchFamily="18" charset="0"/>
+                                </a:rPr>
+                                <m:t>𝑛</m:t>
+                              </m:r>
+                            </m:e>
+                          </m:acc>
+                        </m:e>
+                        <m:sub>
+                          <m:r>
+                            <a:rPr lang="en-US" b="0" i="1" smtClean="0">
+                              <a:latin typeface="Cambria Math" panose="02040503050406030204" pitchFamily="18" charset="0"/>
+                              <a:cs typeface="Times New Roman" pitchFamily="18" charset="0"/>
+                            </a:rPr>
+                            <m:t>𝑗</m:t>
+                          </m:r>
+                          <m:r>
+                            <a:rPr lang="en-US" b="0" i="1" smtClean="0">
+                              <a:latin typeface="Cambria Math" panose="02040503050406030204" pitchFamily="18" charset="0"/>
+                              <a:cs typeface="Times New Roman" pitchFamily="18" charset="0"/>
+                            </a:rPr>
+                            <m:t>−1</m:t>
+                          </m:r>
+                        </m:sub>
+                      </m:sSub>
+                    </m:oMath>
+                  </m:oMathPara>
+                </a14:m>
+                <a:endParaRPr lang="en-US" dirty="0"/>
+              </a:p>
+            </p:txBody>
+          </p:sp>
+        </mc:Choice>
+        <mc:Fallback>
+          <p:sp>
+            <p:nvSpPr>
+              <p:cNvPr id="16" name="TextBox 15">
+                <a:extLst>
+                  <a:ext uri="{FF2B5EF4-FFF2-40B4-BE49-F238E27FC236}">
+                    <a16:creationId xmlns:a16="http://schemas.microsoft.com/office/drawing/2014/main" id="{1DF393E3-EC42-4B35-ACD8-EC6DAA47D6B4}"/>
+                  </a:ext>
+                </a:extLst>
+              </p:cNvPr>
+              <p:cNvSpPr txBox="1">
+                <a:spLocks noRot="1" noChangeAspect="1" noMove="1" noResize="1" noEditPoints="1" noAdjustHandles="1" noChangeArrowheads="1" noChangeShapeType="1" noTextEdit="1"/>
+              </p:cNvSpPr>
+              <p:nvPr/>
+            </p:nvSpPr>
+            <p:spPr>
+              <a:xfrm>
+                <a:off x="7543800" y="3165578"/>
+                <a:ext cx="478914" cy="299313"/>
+              </a:xfrm>
+              <a:prstGeom prst="rect">
+                <a:avLst/>
+              </a:prstGeom>
+              <a:blipFill>
+                <a:blip r:embed="rId6"/>
+                <a:stretch>
+                  <a:fillRect l="-5000" r="-3750" b="-23529"/>
+                </a:stretch>
+              </a:blipFill>
+              <a:ln>
+                <a:solidFill>
+                  <a:schemeClr val="tx1"/>
+                </a:solidFill>
+              </a:ln>
+            </p:spPr>
+            <p:txBody>
+              <a:bodyPr/>
+              <a:lstStyle/>
+              <a:p>
+                <a:r>
+                  <a:rPr lang="en-US">
+                    <a:noFill/>
+                  </a:rPr>
+                  <a:t> </a:t>
+                </a:r>
+              </a:p>
+            </p:txBody>
+          </p:sp>
+        </mc:Fallback>
+      </mc:AlternateContent>
+      <p:cxnSp>
+        <p:nvCxnSpPr>
+          <p:cNvPr id="5" name="Straight Connector 4">
+            <a:extLst>
+              <a:ext uri="{FF2B5EF4-FFF2-40B4-BE49-F238E27FC236}">
+                <a16:creationId xmlns:a16="http://schemas.microsoft.com/office/drawing/2014/main" id="{EF1ED541-2278-4B3F-8373-820C92D79051}"/>
+              </a:ext>
+            </a:extLst>
+          </p:cNvPr>
+          <p:cNvCxnSpPr>
+            <a:stCxn id="15" idx="2"/>
+          </p:cNvCxnSpPr>
+          <p:nvPr/>
+        </p:nvCxnSpPr>
+        <p:spPr>
+          <a:xfrm flipH="1">
+            <a:off x="7120206" y="3423513"/>
+            <a:ext cx="19845" cy="345110"/>
+          </a:xfrm>
+          <a:prstGeom prst="line">
+            <a:avLst/>
+          </a:prstGeom>
+          <a:ln>
+            <a:solidFill>
+              <a:schemeClr val="tx1"/>
+            </a:solidFill>
+            <a:headEnd type="none" w="med" len="med"/>
+            <a:tailEnd type="triangle" w="med" len="med"/>
+          </a:ln>
+        </p:spPr>
+        <p:style>
+          <a:lnRef idx="1">
+            <a:schemeClr val="accent1"/>
+          </a:lnRef>
+          <a:fillRef idx="0">
+            <a:schemeClr val="accent1"/>
+          </a:fillRef>
+          <a:effectRef idx="0">
+            <a:schemeClr val="accent1"/>
+          </a:effectRef>
+          <a:fontRef idx="minor">
+            <a:schemeClr val="tx1"/>
+          </a:fontRef>
+        </p:style>
+      </p:cxnSp>
+      <p:cxnSp>
+        <p:nvCxnSpPr>
+          <p:cNvPr id="17" name="Straight Connector 16">
+            <a:extLst>
+              <a:ext uri="{FF2B5EF4-FFF2-40B4-BE49-F238E27FC236}">
+                <a16:creationId xmlns:a16="http://schemas.microsoft.com/office/drawing/2014/main" id="{0E4EAC38-3AC2-4EBD-8BEF-2E669D8860CF}"/>
+              </a:ext>
+            </a:extLst>
+          </p:cNvPr>
+          <p:cNvCxnSpPr>
+            <a:cxnSpLocks/>
+            <a:stCxn id="16" idx="2"/>
+          </p:cNvCxnSpPr>
+          <p:nvPr/>
+        </p:nvCxnSpPr>
+        <p:spPr>
+          <a:xfrm flipH="1">
+            <a:off x="7391401" y="3464891"/>
+            <a:ext cx="391856" cy="345109"/>
+          </a:xfrm>
+          <a:prstGeom prst="line">
+            <a:avLst/>
+          </a:prstGeom>
+          <a:ln>
+            <a:solidFill>
+              <a:schemeClr val="tx1"/>
+            </a:solidFill>
+            <a:headEnd type="none" w="med" len="med"/>
+            <a:tailEnd type="triangle" w="med" len="med"/>
+          </a:ln>
+        </p:spPr>
+        <p:style>
+          <a:lnRef idx="1">
+            <a:schemeClr val="accent1"/>
+          </a:lnRef>
+          <a:fillRef idx="0">
+            <a:schemeClr val="accent1"/>
+          </a:fillRef>
+          <a:effectRef idx="0">
+            <a:schemeClr val="accent1"/>
+          </a:effectRef>
+          <a:fontRef idx="minor">
+            <a:schemeClr val="tx1"/>
+          </a:fontRef>
+        </p:style>
+      </p:cxnSp>
+      <p:cxnSp>
+        <p:nvCxnSpPr>
+          <p:cNvPr id="20" name="Straight Connector 19">
+            <a:extLst>
+              <a:ext uri="{FF2B5EF4-FFF2-40B4-BE49-F238E27FC236}">
+                <a16:creationId xmlns:a16="http://schemas.microsoft.com/office/drawing/2014/main" id="{461EEFE4-BECD-4257-AF0C-27DA46127ECD}"/>
+              </a:ext>
+            </a:extLst>
+          </p:cNvPr>
+          <p:cNvCxnSpPr>
+            <a:cxnSpLocks/>
+            <a:stCxn id="23" idx="2"/>
+          </p:cNvCxnSpPr>
+          <p:nvPr/>
+        </p:nvCxnSpPr>
+        <p:spPr>
+          <a:xfrm flipH="1">
+            <a:off x="3875129" y="2760047"/>
+            <a:ext cx="26830" cy="398976"/>
+          </a:xfrm>
+          <a:prstGeom prst="line">
+            <a:avLst/>
+          </a:prstGeom>
+          <a:ln>
+            <a:solidFill>
+              <a:schemeClr val="accent2">
+                <a:lumMod val="50000"/>
+              </a:schemeClr>
+            </a:solidFill>
+            <a:headEnd type="none" w="med" len="med"/>
+            <a:tailEnd type="triangle" w="med" len="med"/>
+          </a:ln>
+        </p:spPr>
+        <p:style>
+          <a:lnRef idx="1">
+            <a:schemeClr val="accent1"/>
+          </a:lnRef>
+          <a:fillRef idx="0">
+            <a:schemeClr val="accent1"/>
+          </a:fillRef>
+          <a:effectRef idx="0">
+            <a:schemeClr val="accent1"/>
+          </a:effectRef>
+          <a:fontRef idx="minor">
+            <a:schemeClr val="tx1"/>
+          </a:fontRef>
+        </p:style>
+      </p:cxnSp>
+      <p:cxnSp>
+        <p:nvCxnSpPr>
+          <p:cNvPr id="21" name="Straight Connector 20">
+            <a:extLst>
+              <a:ext uri="{FF2B5EF4-FFF2-40B4-BE49-F238E27FC236}">
+                <a16:creationId xmlns:a16="http://schemas.microsoft.com/office/drawing/2014/main" id="{5F2A813E-49C1-4491-811F-86AA50491092}"/>
+              </a:ext>
+            </a:extLst>
+          </p:cNvPr>
+          <p:cNvCxnSpPr>
+            <a:cxnSpLocks/>
+            <a:stCxn id="26" idx="0"/>
+          </p:cNvCxnSpPr>
+          <p:nvPr/>
+        </p:nvCxnSpPr>
+        <p:spPr>
+          <a:xfrm flipV="1">
+            <a:off x="5355691" y="3733800"/>
+            <a:ext cx="0" cy="364153"/>
+          </a:xfrm>
+          <a:prstGeom prst="line">
+            <a:avLst/>
+          </a:prstGeom>
+          <a:ln>
+            <a:solidFill>
+              <a:schemeClr val="accent2">
+                <a:lumMod val="50000"/>
+              </a:schemeClr>
+            </a:solidFill>
+            <a:headEnd type="none" w="med" len="med"/>
+            <a:tailEnd type="triangle" w="med" len="med"/>
+          </a:ln>
+        </p:spPr>
+        <p:style>
+          <a:lnRef idx="1">
+            <a:schemeClr val="accent1"/>
+          </a:lnRef>
+          <a:fillRef idx="0">
+            <a:schemeClr val="accent1"/>
+          </a:fillRef>
+          <a:effectRef idx="0">
+            <a:schemeClr val="accent1"/>
+          </a:effectRef>
+          <a:fontRef idx="minor">
+            <a:schemeClr val="tx1"/>
+          </a:fontRef>
+        </p:style>
+      </p:cxnSp>
+      <mc:AlternateContent xmlns:mc="http://schemas.openxmlformats.org/markup-compatibility/2006">
+        <mc:Choice xmlns:a14="http://schemas.microsoft.com/office/drawing/2010/main" Requires="a14">
+          <p:sp>
+            <p:nvSpPr>
+              <p:cNvPr id="23" name="Diamond 22">
+                <a:extLst>
+                  <a:ext uri="{FF2B5EF4-FFF2-40B4-BE49-F238E27FC236}">
+                    <a16:creationId xmlns:a16="http://schemas.microsoft.com/office/drawing/2014/main" id="{F3BC54C9-DB50-4F9D-8854-AEEAB1B81498}"/>
+                  </a:ext>
+                </a:extLst>
+              </p:cNvPr>
+              <p:cNvSpPr/>
+              <p:nvPr/>
+            </p:nvSpPr>
+            <p:spPr>
+              <a:xfrm flipH="1">
+                <a:off x="3695051" y="2209800"/>
+                <a:ext cx="413817" cy="550247"/>
+              </a:xfrm>
+              <a:prstGeom prst="diamond">
+                <a:avLst/>
+              </a:prstGeom>
+              <a:solidFill>
+                <a:schemeClr val="accent2">
+                  <a:lumMod val="20000"/>
+                  <a:lumOff val="80000"/>
+                </a:schemeClr>
+              </a:solidFill>
+              <a:ln>
+                <a:solidFill>
+                  <a:schemeClr val="accent2">
+                    <a:lumMod val="50000"/>
+                  </a:schemeClr>
+                </a:solidFill>
+              </a:ln>
+            </p:spPr>
+            <p:txBody>
+              <a:bodyPr wrap="square" lIns="0" tIns="0" rIns="0" bIns="0" rtlCol="0">
+                <a:spAutoFit/>
+              </a:bodyPr>
+              <a:lstStyle/>
+              <a:p>
+                <a14:m>
+                  <m:oMathPara xmlns:m="http://schemas.openxmlformats.org/officeDocument/2006/math">
+                    <m:oMathParaPr>
+                      <m:jc m:val="centerGroup"/>
+                    </m:oMathParaPr>
+                    <m:oMath xmlns:m="http://schemas.openxmlformats.org/officeDocument/2006/math">
+                      <m:sSub>
+                        <m:sSubPr>
+                          <m:ctrlPr>
+                            <a:rPr lang="en-US" i="1">
+                              <a:solidFill>
+                                <a:schemeClr val="accent2">
+                                  <a:lumMod val="50000"/>
+                                </a:schemeClr>
+                              </a:solidFill>
+                              <a:latin typeface="Cambria Math" panose="02040503050406030204" pitchFamily="18" charset="0"/>
+                              <a:cs typeface="Times New Roman" pitchFamily="18" charset="0"/>
+                            </a:rPr>
+                          </m:ctrlPr>
+                        </m:sSubPr>
+                        <m:e>
+                          <m:acc>
+                            <m:accPr>
+                              <m:chr m:val="⃗"/>
+                              <m:ctrlPr>
+                                <a:rPr lang="en-US" i="1">
+                                  <a:solidFill>
+                                    <a:schemeClr val="accent2">
+                                      <a:lumMod val="50000"/>
+                                    </a:schemeClr>
+                                  </a:solidFill>
+                                  <a:latin typeface="Cambria Math" panose="02040503050406030204" pitchFamily="18" charset="0"/>
+                                  <a:cs typeface="Times New Roman" pitchFamily="18" charset="0"/>
+                                </a:rPr>
+                              </m:ctrlPr>
+                            </m:accPr>
+                            <m:e>
+                              <m:r>
+                                <a:rPr lang="en-US" i="1">
+                                  <a:solidFill>
+                                    <a:schemeClr val="accent2">
+                                      <a:lumMod val="50000"/>
+                                    </a:schemeClr>
+                                  </a:solidFill>
+                                  <a:latin typeface="Cambria Math" panose="02040503050406030204" pitchFamily="18" charset="0"/>
+                                  <a:cs typeface="Times New Roman" pitchFamily="18" charset="0"/>
+                                </a:rPr>
+                                <m:t>𝑜</m:t>
+                              </m:r>
+                            </m:e>
+                          </m:acc>
+                        </m:e>
+                        <m:sub>
+                          <m:r>
+                            <a:rPr lang="en-US" i="1">
+                              <a:solidFill>
+                                <a:schemeClr val="accent2">
+                                  <a:lumMod val="50000"/>
+                                </a:schemeClr>
+                              </a:solidFill>
+                              <a:latin typeface="Cambria Math" panose="02040503050406030204" pitchFamily="18" charset="0"/>
+                              <a:cs typeface="Times New Roman" pitchFamily="18" charset="0"/>
+                            </a:rPr>
+                            <m:t>𝑒</m:t>
+                          </m:r>
+                        </m:sub>
+                      </m:sSub>
+                    </m:oMath>
+                  </m:oMathPara>
+                </a14:m>
+                <a:endParaRPr lang="en-US" i="1" dirty="0">
+                  <a:solidFill>
+                    <a:schemeClr val="accent2">
+                      <a:lumMod val="50000"/>
+                    </a:schemeClr>
+                  </a:solidFill>
+                  <a:latin typeface="Cambria Math" panose="02040503050406030204" pitchFamily="18" charset="0"/>
+                  <a:cs typeface="Times New Roman" pitchFamily="18" charset="0"/>
+                </a:endParaRPr>
+              </a:p>
+            </p:txBody>
+          </p:sp>
+        </mc:Choice>
+        <mc:Fallback>
+          <p:sp>
+            <p:nvSpPr>
+              <p:cNvPr id="23" name="Diamond 22">
+                <a:extLst>
+                  <a:ext uri="{FF2B5EF4-FFF2-40B4-BE49-F238E27FC236}">
+                    <a16:creationId xmlns:a16="http://schemas.microsoft.com/office/drawing/2014/main" id="{F3BC54C9-DB50-4F9D-8854-AEEAB1B81498}"/>
+                  </a:ext>
+                </a:extLst>
+              </p:cNvPr>
+              <p:cNvSpPr>
+                <a:spLocks noRot="1" noChangeAspect="1" noMove="1" noResize="1" noEditPoints="1" noAdjustHandles="1" noChangeArrowheads="1" noChangeShapeType="1" noTextEdit="1"/>
+              </p:cNvSpPr>
+              <p:nvPr/>
+            </p:nvSpPr>
+            <p:spPr>
+              <a:xfrm flipH="1">
+                <a:off x="3695051" y="2209800"/>
+                <a:ext cx="413817" cy="550247"/>
+              </a:xfrm>
+              <a:prstGeom prst="diamond">
+                <a:avLst/>
+              </a:prstGeom>
+              <a:blipFill>
+                <a:blip r:embed="rId7"/>
+                <a:stretch>
+                  <a:fillRect r="-12857"/>
+                </a:stretch>
+              </a:blipFill>
+              <a:ln>
+                <a:solidFill>
+                  <a:schemeClr val="accent2">
+                    <a:lumMod val="50000"/>
+                  </a:schemeClr>
+                </a:solidFill>
+              </a:ln>
+            </p:spPr>
+            <p:txBody>
+              <a:bodyPr/>
+              <a:lstStyle/>
+              <a:p>
+                <a:r>
+                  <a:rPr lang="en-US">
+                    <a:noFill/>
+                  </a:rPr>
+                  <a:t> </a:t>
+                </a:r>
+              </a:p>
+            </p:txBody>
+          </p:sp>
+        </mc:Fallback>
+      </mc:AlternateContent>
+      <mc:AlternateContent xmlns:mc="http://schemas.openxmlformats.org/markup-compatibility/2006">
+        <mc:Choice xmlns:a14="http://schemas.microsoft.com/office/drawing/2010/main" Requires="a14">
+          <p:sp>
+            <p:nvSpPr>
+              <p:cNvPr id="26" name="Diamond 25">
+                <a:extLst>
+                  <a:ext uri="{FF2B5EF4-FFF2-40B4-BE49-F238E27FC236}">
+                    <a16:creationId xmlns:a16="http://schemas.microsoft.com/office/drawing/2014/main" id="{C14751FA-67DF-4C23-975B-D8DA7756A782}"/>
+                  </a:ext>
+                </a:extLst>
+              </p:cNvPr>
+              <p:cNvSpPr/>
+              <p:nvPr/>
+            </p:nvSpPr>
+            <p:spPr>
+              <a:xfrm flipH="1">
+                <a:off x="5148783" y="4097953"/>
+                <a:ext cx="413817" cy="550247"/>
+              </a:xfrm>
+              <a:prstGeom prst="diamond">
+                <a:avLst/>
+              </a:prstGeom>
+              <a:solidFill>
+                <a:schemeClr val="accent2">
+                  <a:lumMod val="20000"/>
+                  <a:lumOff val="80000"/>
+                </a:schemeClr>
+              </a:solidFill>
+              <a:ln>
+                <a:solidFill>
+                  <a:schemeClr val="accent2">
+                    <a:lumMod val="50000"/>
+                  </a:schemeClr>
+                </a:solidFill>
+              </a:ln>
+            </p:spPr>
+            <p:txBody>
+              <a:bodyPr wrap="square" lIns="0" tIns="0" rIns="0" bIns="0" rtlCol="0">
+                <a:spAutoFit/>
+              </a:bodyPr>
+              <a:lstStyle/>
+              <a:p>
+                <a14:m>
+                  <m:oMathPara xmlns:m="http://schemas.openxmlformats.org/officeDocument/2006/math">
+                    <m:oMathParaPr>
+                      <m:jc m:val="centerGroup"/>
+                    </m:oMathParaPr>
+                    <m:oMath xmlns:m="http://schemas.openxmlformats.org/officeDocument/2006/math">
+                      <m:sSub>
+                        <m:sSubPr>
+                          <m:ctrlPr>
+                            <a:rPr lang="en-US" i="1" smtClean="0">
+                              <a:solidFill>
+                                <a:schemeClr val="accent2">
+                                  <a:lumMod val="50000"/>
+                                </a:schemeClr>
+                              </a:solidFill>
+                              <a:latin typeface="Cambria Math" panose="02040503050406030204" pitchFamily="18" charset="0"/>
+                              <a:cs typeface="Times New Roman" pitchFamily="18" charset="0"/>
+                            </a:rPr>
+                          </m:ctrlPr>
+                        </m:sSubPr>
+                        <m:e>
+                          <m:acc>
+                            <m:accPr>
+                              <m:chr m:val="⃗"/>
+                              <m:ctrlPr>
+                                <a:rPr lang="en-US" i="1">
+                                  <a:solidFill>
+                                    <a:schemeClr val="accent2">
+                                      <a:lumMod val="50000"/>
+                                    </a:schemeClr>
+                                  </a:solidFill>
+                                  <a:latin typeface="Cambria Math" panose="02040503050406030204" pitchFamily="18" charset="0"/>
+                                  <a:cs typeface="Times New Roman" pitchFamily="18" charset="0"/>
+                                </a:rPr>
+                              </m:ctrlPr>
+                            </m:accPr>
+                            <m:e>
+                              <m:r>
+                                <a:rPr lang="en-US" i="1">
+                                  <a:solidFill>
+                                    <a:schemeClr val="accent2">
+                                      <a:lumMod val="50000"/>
+                                    </a:schemeClr>
+                                  </a:solidFill>
+                                  <a:latin typeface="Cambria Math" panose="02040503050406030204" pitchFamily="18" charset="0"/>
+                                  <a:cs typeface="Times New Roman" pitchFamily="18" charset="0"/>
+                                </a:rPr>
+                                <m:t>𝑜</m:t>
+                              </m:r>
+                            </m:e>
+                          </m:acc>
+                        </m:e>
+                        <m:sub>
+                          <m:r>
+                            <a:rPr lang="en-US" b="0" i="1" smtClean="0">
+                              <a:solidFill>
+                                <a:schemeClr val="accent2">
+                                  <a:lumMod val="50000"/>
+                                </a:schemeClr>
+                              </a:solidFill>
+                              <a:latin typeface="Cambria Math" panose="02040503050406030204" pitchFamily="18" charset="0"/>
+                              <a:cs typeface="Times New Roman" pitchFamily="18" charset="0"/>
+                            </a:rPr>
+                            <m:t>𝑠</m:t>
+                          </m:r>
+                        </m:sub>
+                      </m:sSub>
+                    </m:oMath>
+                  </m:oMathPara>
+                </a14:m>
+                <a:endParaRPr lang="en-US" i="1" dirty="0">
+                  <a:solidFill>
+                    <a:schemeClr val="accent2">
+                      <a:lumMod val="50000"/>
+                    </a:schemeClr>
+                  </a:solidFill>
+                  <a:latin typeface="Cambria Math" panose="02040503050406030204" pitchFamily="18" charset="0"/>
+                  <a:cs typeface="Times New Roman" pitchFamily="18" charset="0"/>
+                </a:endParaRPr>
+              </a:p>
+            </p:txBody>
+          </p:sp>
+        </mc:Choice>
+        <mc:Fallback>
+          <p:sp>
+            <p:nvSpPr>
+              <p:cNvPr id="26" name="Diamond 25">
+                <a:extLst>
+                  <a:ext uri="{FF2B5EF4-FFF2-40B4-BE49-F238E27FC236}">
+                    <a16:creationId xmlns:a16="http://schemas.microsoft.com/office/drawing/2014/main" id="{C14751FA-67DF-4C23-975B-D8DA7756A782}"/>
+                  </a:ext>
+                </a:extLst>
+              </p:cNvPr>
+              <p:cNvSpPr>
+                <a:spLocks noRot="1" noChangeAspect="1" noMove="1" noResize="1" noEditPoints="1" noAdjustHandles="1" noChangeArrowheads="1" noChangeShapeType="1" noTextEdit="1"/>
+              </p:cNvSpPr>
+              <p:nvPr/>
+            </p:nvSpPr>
+            <p:spPr>
+              <a:xfrm flipH="1">
+                <a:off x="5148783" y="4097953"/>
+                <a:ext cx="413817" cy="550247"/>
+              </a:xfrm>
+              <a:prstGeom prst="diamond">
+                <a:avLst/>
+              </a:prstGeom>
+              <a:blipFill>
+                <a:blip r:embed="rId8"/>
+                <a:stretch>
+                  <a:fillRect r="-11429"/>
+                </a:stretch>
+              </a:blipFill>
+              <a:ln>
+                <a:solidFill>
+                  <a:schemeClr val="accent2">
+                    <a:lumMod val="50000"/>
+                  </a:schemeClr>
+                </a:solidFill>
+              </a:ln>
+            </p:spPr>
+            <p:txBody>
+              <a:bodyPr/>
+              <a:lstStyle/>
+              <a:p>
+                <a:r>
+                  <a:rPr lang="en-US">
+                    <a:noFill/>
+                  </a:rPr>
+                  <a:t> </a:t>
+                </a:r>
+              </a:p>
+            </p:txBody>
+          </p:sp>
+        </mc:Fallback>
+      </mc:AlternateContent>
+    </p:spTree>
+    <p:extLst>
+      <p:ext uri="{BB962C8B-B14F-4D97-AF65-F5344CB8AC3E}">
+        <p14:creationId xmlns:p14="http://schemas.microsoft.com/office/powerpoint/2010/main" val="2116905144"/>
+      </p:ext>
+    </p:extLst>
+  </p:cSld>
+  <p:clrMapOvr>
+    <a:masterClrMapping/>
+  </p:clrMapOvr>
+</p:sld>
+</file>
+
+<file path=ppt/slides/slide12.xml><?xml version="1.0" encoding="utf-8"?>
+<p:sld xmlns:a="http://schemas.openxmlformats.org/drawingml/2006/main" xmlns:r="http://schemas.openxmlformats.org/officeDocument/2006/relationships" xmlns:p="http://schemas.openxmlformats.org/presentationml/2006/main">
+  <p:cSld>
+    <p:spTree>
+      <p:nvGrpSpPr>
+        <p:cNvPr id="1" name=""/>
+        <p:cNvGrpSpPr/>
+        <p:nvPr/>
+      </p:nvGrpSpPr>
+      <p:grpSpPr>
+        <a:xfrm>
+          <a:off x="0" y="0"/>
+          <a:ext cx="0" cy="0"/>
+          <a:chOff x="0" y="0"/>
+          <a:chExt cx="0" cy="0"/>
+        </a:xfrm>
+      </p:grpSpPr>
+      <p:pic>
+        <p:nvPicPr>
+          <p:cNvPr id="3" name="Picture 2">
+            <a:extLst>
+              <a:ext uri="{FF2B5EF4-FFF2-40B4-BE49-F238E27FC236}">
+                <a16:creationId xmlns:a16="http://schemas.microsoft.com/office/drawing/2014/main" id="{AE0F27D2-6A10-4505-96EF-1B5A49CF7815}"/>
+              </a:ext>
+            </a:extLst>
+          </p:cNvPr>
+          <p:cNvPicPr>
+            <a:picLocks noChangeAspect="1"/>
+          </p:cNvPicPr>
+          <p:nvPr/>
+        </p:nvPicPr>
+        <p:blipFill>
+          <a:blip r:embed="rId2">
+            <a:extLst>
+              <a:ext uri="{28A0092B-C50C-407E-A947-70E740481C1C}">
+                <a14:useLocalDpi xmlns:a14="http://schemas.microsoft.com/office/drawing/2010/main" val="0"/>
+              </a:ext>
+            </a:extLst>
+          </a:blip>
+          <a:stretch>
+            <a:fillRect/>
+          </a:stretch>
+        </p:blipFill>
+        <p:spPr>
+          <a:xfrm>
+            <a:off x="394901" y="1619654"/>
+            <a:ext cx="8584503" cy="3333345"/>
+          </a:xfrm>
+          <a:prstGeom prst="rect">
+            <a:avLst/>
+          </a:prstGeom>
+        </p:spPr>
+      </p:pic>
+      <p:cxnSp>
+        <p:nvCxnSpPr>
+          <p:cNvPr id="4" name="Straight Connector 3">
+            <a:extLst>
+              <a:ext uri="{FF2B5EF4-FFF2-40B4-BE49-F238E27FC236}">
+                <a16:creationId xmlns:a16="http://schemas.microsoft.com/office/drawing/2014/main" id="{DF0BE187-0604-4BB5-B20C-8E9F0C2AB5DB}"/>
+              </a:ext>
+            </a:extLst>
+          </p:cNvPr>
+          <p:cNvCxnSpPr>
+            <a:cxnSpLocks/>
+          </p:cNvCxnSpPr>
+          <p:nvPr/>
+        </p:nvCxnSpPr>
+        <p:spPr>
+          <a:xfrm>
+            <a:off x="826004" y="2133600"/>
+            <a:ext cx="0" cy="2667000"/>
+          </a:xfrm>
+          <a:prstGeom prst="line">
+            <a:avLst/>
+          </a:prstGeom>
+          <a:ln w="28575">
+            <a:solidFill>
+              <a:schemeClr val="tx1"/>
+            </a:solidFill>
+            <a:prstDash val="sysDash"/>
+          </a:ln>
+        </p:spPr>
+        <p:style>
+          <a:lnRef idx="1">
+            <a:schemeClr val="accent1"/>
+          </a:lnRef>
+          <a:fillRef idx="0">
+            <a:schemeClr val="accent1"/>
+          </a:fillRef>
+          <a:effectRef idx="0">
+            <a:schemeClr val="accent1"/>
+          </a:effectRef>
+          <a:fontRef idx="minor">
+            <a:schemeClr val="tx1"/>
+          </a:fontRef>
+        </p:style>
+      </p:cxnSp>
+      <p:cxnSp>
+        <p:nvCxnSpPr>
+          <p:cNvPr id="8" name="Straight Connector 7">
+            <a:extLst>
+              <a:ext uri="{FF2B5EF4-FFF2-40B4-BE49-F238E27FC236}">
+                <a16:creationId xmlns:a16="http://schemas.microsoft.com/office/drawing/2014/main" id="{6070698F-BD17-4B90-85A5-7FA1AD427AB0}"/>
+              </a:ext>
+            </a:extLst>
+          </p:cNvPr>
+          <p:cNvCxnSpPr>
+            <a:cxnSpLocks/>
+          </p:cNvCxnSpPr>
+          <p:nvPr/>
+        </p:nvCxnSpPr>
+        <p:spPr>
+          <a:xfrm>
+            <a:off x="8827004" y="3276600"/>
+            <a:ext cx="0" cy="1524000"/>
+          </a:xfrm>
+          <a:prstGeom prst="line">
+            <a:avLst/>
+          </a:prstGeom>
+          <a:ln w="28575">
+            <a:solidFill>
+              <a:schemeClr val="tx1"/>
+            </a:solidFill>
+            <a:prstDash val="sysDash"/>
+          </a:ln>
+        </p:spPr>
+        <p:style>
+          <a:lnRef idx="1">
+            <a:schemeClr val="accent1"/>
+          </a:lnRef>
+          <a:fillRef idx="0">
+            <a:schemeClr val="accent1"/>
+          </a:fillRef>
+          <a:effectRef idx="0">
+            <a:schemeClr val="accent1"/>
+          </a:effectRef>
+          <a:fontRef idx="minor">
+            <a:schemeClr val="tx1"/>
+          </a:fontRef>
+        </p:style>
+      </p:cxnSp>
+      <mc:AlternateContent xmlns:mc="http://schemas.openxmlformats.org/markup-compatibility/2006">
+        <mc:Choice xmlns:a14="http://schemas.microsoft.com/office/drawing/2010/main" Requires="a14">
+          <p:sp>
+            <p:nvSpPr>
+              <p:cNvPr id="10" name="TextBox 9">
+                <a:extLst>
+                  <a:ext uri="{FF2B5EF4-FFF2-40B4-BE49-F238E27FC236}">
+                    <a16:creationId xmlns:a16="http://schemas.microsoft.com/office/drawing/2014/main" id="{B1A2DF79-6AC1-46FC-BE76-851A20A99AB6}"/>
+                  </a:ext>
+                </a:extLst>
+              </p:cNvPr>
+              <p:cNvSpPr txBox="1"/>
+              <p:nvPr/>
+            </p:nvSpPr>
+            <p:spPr>
+              <a:xfrm>
+                <a:off x="8705560" y="2895600"/>
+                <a:ext cx="286040" cy="276999"/>
+              </a:xfrm>
+              <a:prstGeom prst="rect">
+                <a:avLst/>
+              </a:prstGeom>
+              <a:solidFill>
+                <a:schemeClr val="bg1"/>
+              </a:solidFill>
+            </p:spPr>
+            <p:txBody>
+              <a:bodyPr wrap="none" lIns="0" tIns="0" rIns="0" bIns="0" rtlCol="0">
+                <a:spAutoFit/>
+              </a:bodyPr>
+              <a:lstStyle/>
+              <a:p>
+                <a:pPr/>
+                <a14:m>
+                  <m:oMathPara xmlns:m="http://schemas.openxmlformats.org/officeDocument/2006/math">
+                    <m:oMathParaPr>
+                      <m:jc m:val="centerGroup"/>
+                    </m:oMathParaPr>
+                    <m:oMath xmlns:m="http://schemas.openxmlformats.org/officeDocument/2006/math">
+                      <m:sSub>
+                        <m:sSubPr>
+                          <m:ctrlPr>
+                            <a:rPr lang="en-US" b="0" i="1" smtClean="0">
+                              <a:latin typeface="Cambria Math" panose="02040503050406030204" pitchFamily="18" charset="0"/>
+                            </a:rPr>
+                          </m:ctrlPr>
+                        </m:sSubPr>
+                        <m:e>
+                          <m:r>
+                            <a:rPr lang="en-US" b="0" i="1" smtClean="0">
+                              <a:latin typeface="Cambria Math" panose="02040503050406030204" pitchFamily="18" charset="0"/>
+                            </a:rPr>
+                            <m:t>𝑥</m:t>
+                          </m:r>
+                        </m:e>
+                        <m:sub>
+                          <m:r>
+                            <a:rPr lang="en-US" b="0" i="1" smtClean="0">
+                              <a:latin typeface="Cambria Math" panose="02040503050406030204" pitchFamily="18" charset="0"/>
+                            </a:rPr>
+                            <m:t>𝐴</m:t>
+                          </m:r>
+                        </m:sub>
+                      </m:sSub>
+                    </m:oMath>
+                  </m:oMathPara>
+                </a14:m>
+                <a:endParaRPr lang="en-US" dirty="0"/>
+              </a:p>
+            </p:txBody>
+          </p:sp>
+        </mc:Choice>
+        <mc:Fallback>
+          <p:sp>
+            <p:nvSpPr>
+              <p:cNvPr id="10" name="TextBox 9">
+                <a:extLst>
+                  <a:ext uri="{FF2B5EF4-FFF2-40B4-BE49-F238E27FC236}">
+                    <a16:creationId xmlns:a16="http://schemas.microsoft.com/office/drawing/2014/main" id="{B1A2DF79-6AC1-46FC-BE76-851A20A99AB6}"/>
+                  </a:ext>
+                </a:extLst>
+              </p:cNvPr>
+              <p:cNvSpPr txBox="1">
+                <a:spLocks noRot="1" noChangeAspect="1" noMove="1" noResize="1" noEditPoints="1" noAdjustHandles="1" noChangeArrowheads="1" noChangeShapeType="1" noTextEdit="1"/>
+              </p:cNvSpPr>
+              <p:nvPr/>
+            </p:nvSpPr>
+            <p:spPr>
+              <a:xfrm>
+                <a:off x="8705560" y="2895600"/>
+                <a:ext cx="286040" cy="276999"/>
+              </a:xfrm>
+              <a:prstGeom prst="rect">
+                <a:avLst/>
+              </a:prstGeom>
+              <a:blipFill>
+                <a:blip r:embed="rId3"/>
+                <a:stretch>
+                  <a:fillRect l="-10638" r="-10638" b="-15556"/>
+                </a:stretch>
+              </a:blipFill>
+            </p:spPr>
+            <p:txBody>
+              <a:bodyPr/>
+              <a:lstStyle/>
+              <a:p>
+                <a:r>
+                  <a:rPr lang="en-US">
+                    <a:noFill/>
+                  </a:rPr>
+                  <a:t> </a:t>
+                </a:r>
+              </a:p>
+            </p:txBody>
+          </p:sp>
+        </mc:Fallback>
+      </mc:AlternateContent>
+      <mc:AlternateContent xmlns:mc="http://schemas.openxmlformats.org/markup-compatibility/2006">
+        <mc:Choice xmlns:a14="http://schemas.microsoft.com/office/drawing/2010/main" Requires="a14">
+          <p:sp>
+            <p:nvSpPr>
+              <p:cNvPr id="11" name="TextBox 10">
+                <a:extLst>
+                  <a:ext uri="{FF2B5EF4-FFF2-40B4-BE49-F238E27FC236}">
+                    <a16:creationId xmlns:a16="http://schemas.microsoft.com/office/drawing/2014/main" id="{CD80C885-2986-4145-A6F4-1068A8FA9258}"/>
+                  </a:ext>
+                </a:extLst>
+              </p:cNvPr>
+              <p:cNvSpPr txBox="1"/>
+              <p:nvPr/>
+            </p:nvSpPr>
+            <p:spPr>
+              <a:xfrm>
+                <a:off x="682984" y="1752600"/>
+                <a:ext cx="301942" cy="276999"/>
+              </a:xfrm>
+              <a:prstGeom prst="rect">
+                <a:avLst/>
+              </a:prstGeom>
+              <a:solidFill>
+                <a:schemeClr val="bg1"/>
+              </a:solidFill>
+            </p:spPr>
+            <p:txBody>
+              <a:bodyPr wrap="none" lIns="0" tIns="0" rIns="0" bIns="0" rtlCol="0">
+                <a:spAutoFit/>
+              </a:bodyPr>
+              <a:lstStyle/>
+              <a:p>
+                <a:pPr/>
+                <a14:m>
+                  <m:oMathPara xmlns:m="http://schemas.openxmlformats.org/officeDocument/2006/math">
+                    <m:oMathParaPr>
+                      <m:jc m:val="centerGroup"/>
+                    </m:oMathParaPr>
+                    <m:oMath xmlns:m="http://schemas.openxmlformats.org/officeDocument/2006/math">
+                      <m:sSub>
+                        <m:sSubPr>
+                          <m:ctrlPr>
+                            <a:rPr lang="en-US" b="0" i="1" smtClean="0">
+                              <a:latin typeface="Cambria Math" panose="02040503050406030204" pitchFamily="18" charset="0"/>
+                            </a:rPr>
+                          </m:ctrlPr>
+                        </m:sSubPr>
+                        <m:e>
+                          <m:r>
+                            <a:rPr lang="en-US" b="0" i="1" smtClean="0">
+                              <a:latin typeface="Cambria Math" panose="02040503050406030204" pitchFamily="18" charset="0"/>
+                            </a:rPr>
+                            <m:t>𝑥</m:t>
+                          </m:r>
+                        </m:e>
+                        <m:sub>
+                          <m:r>
+                            <a:rPr lang="en-US" b="0" i="1" smtClean="0">
+                              <a:latin typeface="Cambria Math" panose="02040503050406030204" pitchFamily="18" charset="0"/>
+                            </a:rPr>
+                            <m:t>𝐵</m:t>
+                          </m:r>
+                        </m:sub>
+                      </m:sSub>
+                    </m:oMath>
+                  </m:oMathPara>
+                </a14:m>
+                <a:endParaRPr lang="en-US" dirty="0"/>
+              </a:p>
+            </p:txBody>
+          </p:sp>
+        </mc:Choice>
+        <mc:Fallback>
+          <p:sp>
+            <p:nvSpPr>
+              <p:cNvPr id="11" name="TextBox 10">
+                <a:extLst>
+                  <a:ext uri="{FF2B5EF4-FFF2-40B4-BE49-F238E27FC236}">
+                    <a16:creationId xmlns:a16="http://schemas.microsoft.com/office/drawing/2014/main" id="{CD80C885-2986-4145-A6F4-1068A8FA9258}"/>
+                  </a:ext>
+                </a:extLst>
+              </p:cNvPr>
+              <p:cNvSpPr txBox="1">
+                <a:spLocks noRot="1" noChangeAspect="1" noMove="1" noResize="1" noEditPoints="1" noAdjustHandles="1" noChangeArrowheads="1" noChangeShapeType="1" noTextEdit="1"/>
+              </p:cNvSpPr>
+              <p:nvPr/>
+            </p:nvSpPr>
+            <p:spPr>
+              <a:xfrm>
+                <a:off x="682984" y="1752600"/>
+                <a:ext cx="301942" cy="276999"/>
+              </a:xfrm>
+              <a:prstGeom prst="rect">
+                <a:avLst/>
+              </a:prstGeom>
+              <a:blipFill>
+                <a:blip r:embed="rId4"/>
+                <a:stretch>
+                  <a:fillRect l="-10000" r="-8000" b="-15556"/>
+                </a:stretch>
+              </a:blipFill>
+            </p:spPr>
+            <p:txBody>
+              <a:bodyPr/>
+              <a:lstStyle/>
+              <a:p>
+                <a:r>
+                  <a:rPr lang="en-US">
+                    <a:noFill/>
+                  </a:rPr>
+                  <a:t> </a:t>
+                </a:r>
+              </a:p>
+            </p:txBody>
+          </p:sp>
+        </mc:Fallback>
+      </mc:AlternateContent>
+      <mc:AlternateContent xmlns:mc="http://schemas.openxmlformats.org/markup-compatibility/2006">
+        <mc:Choice xmlns:a14="http://schemas.microsoft.com/office/drawing/2010/main" Requires="a14">
+          <p:sp>
+            <p:nvSpPr>
+              <p:cNvPr id="13" name="TextBox 12">
+                <a:extLst>
+                  <a:ext uri="{FF2B5EF4-FFF2-40B4-BE49-F238E27FC236}">
+                    <a16:creationId xmlns:a16="http://schemas.microsoft.com/office/drawing/2014/main" id="{07F69534-CD4D-45FF-A2EE-4E68959A04E6}"/>
+                  </a:ext>
+                </a:extLst>
+              </p:cNvPr>
+              <p:cNvSpPr txBox="1"/>
+              <p:nvPr/>
+            </p:nvSpPr>
+            <p:spPr>
+              <a:xfrm>
+                <a:off x="5474204" y="3761601"/>
+                <a:ext cx="262058" cy="276999"/>
+              </a:xfrm>
+              <a:prstGeom prst="rect">
+                <a:avLst/>
+              </a:prstGeom>
+              <a:solidFill>
+                <a:schemeClr val="bg1"/>
+              </a:solidFill>
+            </p:spPr>
+            <p:txBody>
+              <a:bodyPr wrap="none" lIns="0" tIns="0" rIns="0" bIns="0" rtlCol="0">
+                <a:spAutoFit/>
+              </a:bodyPr>
+              <a:lstStyle/>
+              <a:p>
+                <a:pPr/>
+                <a14:m>
+                  <m:oMathPara xmlns:m="http://schemas.openxmlformats.org/officeDocument/2006/math">
+                    <m:oMathParaPr>
+                      <m:jc m:val="centerGroup"/>
+                    </m:oMathParaPr>
+                    <m:oMath xmlns:m="http://schemas.openxmlformats.org/officeDocument/2006/math">
+                      <m:sSub>
+                        <m:sSubPr>
+                          <m:ctrlPr>
+                            <a:rPr lang="en-US" i="1">
+                              <a:latin typeface="Cambria Math" panose="02040503050406030204" pitchFamily="18" charset="0"/>
+                              <a:cs typeface="Times New Roman" pitchFamily="18" charset="0"/>
+                            </a:rPr>
+                          </m:ctrlPr>
+                        </m:sSubPr>
+                        <m:e>
+                          <m:acc>
+                            <m:accPr>
+                              <m:chr m:val="⃗"/>
+                              <m:ctrlPr>
+                                <a:rPr lang="en-US" i="1">
+                                  <a:latin typeface="Cambria Math" panose="02040503050406030204" pitchFamily="18" charset="0"/>
+                                  <a:cs typeface="Times New Roman" pitchFamily="18" charset="0"/>
+                                </a:rPr>
+                              </m:ctrlPr>
+                            </m:accPr>
+                            <m:e>
+                              <m:r>
+                                <a:rPr lang="en-US" i="1">
+                                  <a:latin typeface="Cambria Math" panose="02040503050406030204" pitchFamily="18" charset="0"/>
+                                  <a:cs typeface="Times New Roman" pitchFamily="18" charset="0"/>
+                                </a:rPr>
+                                <m:t>𝑜</m:t>
+                              </m:r>
+                            </m:e>
+                          </m:acc>
+                        </m:e>
+                        <m:sub>
+                          <m:r>
+                            <a:rPr lang="en-US" i="1">
+                              <a:latin typeface="Cambria Math" panose="02040503050406030204" pitchFamily="18" charset="0"/>
+                              <a:cs typeface="Times New Roman" pitchFamily="18" charset="0"/>
+                            </a:rPr>
+                            <m:t>𝑠</m:t>
+                          </m:r>
+                        </m:sub>
+                      </m:sSub>
+                    </m:oMath>
+                  </m:oMathPara>
+                </a14:m>
+                <a:endParaRPr lang="en-US" dirty="0"/>
+              </a:p>
+            </p:txBody>
+          </p:sp>
+        </mc:Choice>
+        <mc:Fallback>
+          <p:sp>
+            <p:nvSpPr>
+              <p:cNvPr id="13" name="TextBox 12">
+                <a:extLst>
+                  <a:ext uri="{FF2B5EF4-FFF2-40B4-BE49-F238E27FC236}">
+                    <a16:creationId xmlns:a16="http://schemas.microsoft.com/office/drawing/2014/main" id="{07F69534-CD4D-45FF-A2EE-4E68959A04E6}"/>
+                  </a:ext>
+                </a:extLst>
+              </p:cNvPr>
+              <p:cNvSpPr txBox="1">
+                <a:spLocks noRot="1" noChangeAspect="1" noMove="1" noResize="1" noEditPoints="1" noAdjustHandles="1" noChangeArrowheads="1" noChangeShapeType="1" noTextEdit="1"/>
+              </p:cNvSpPr>
+              <p:nvPr/>
+            </p:nvSpPr>
+            <p:spPr>
+              <a:xfrm>
+                <a:off x="5474204" y="3761601"/>
+                <a:ext cx="262058" cy="276999"/>
+              </a:xfrm>
+              <a:prstGeom prst="rect">
+                <a:avLst/>
+              </a:prstGeom>
+              <a:blipFill>
+                <a:blip r:embed="rId5"/>
+                <a:stretch>
+                  <a:fillRect l="-23256" t="-45652" r="-69767" b="-10870"/>
+                </a:stretch>
+              </a:blipFill>
+            </p:spPr>
+            <p:txBody>
+              <a:bodyPr/>
+              <a:lstStyle/>
+              <a:p>
+                <a:r>
+                  <a:rPr lang="en-US">
+                    <a:noFill/>
+                  </a:rPr>
+                  <a:t> </a:t>
+                </a:r>
+              </a:p>
+            </p:txBody>
+          </p:sp>
+        </mc:Fallback>
+      </mc:AlternateContent>
+      <mc:AlternateContent xmlns:mc="http://schemas.openxmlformats.org/markup-compatibility/2006">
+        <mc:Choice xmlns:a14="http://schemas.microsoft.com/office/drawing/2010/main" Requires="a14">
+          <p:sp>
+            <p:nvSpPr>
+              <p:cNvPr id="14" name="TextBox 13">
+                <a:extLst>
+                  <a:ext uri="{FF2B5EF4-FFF2-40B4-BE49-F238E27FC236}">
+                    <a16:creationId xmlns:a16="http://schemas.microsoft.com/office/drawing/2014/main" id="{AB2E972E-1035-4FFD-9251-E41D3126E08E}"/>
+                  </a:ext>
+                </a:extLst>
+              </p:cNvPr>
+              <p:cNvSpPr txBox="1"/>
+              <p:nvPr/>
+            </p:nvSpPr>
+            <p:spPr>
+              <a:xfrm>
+                <a:off x="3992946" y="2819400"/>
+                <a:ext cx="273280" cy="276999"/>
+              </a:xfrm>
+              <a:prstGeom prst="rect">
+                <a:avLst/>
+              </a:prstGeom>
+              <a:solidFill>
+                <a:schemeClr val="bg1"/>
+              </a:solidFill>
+            </p:spPr>
+            <p:txBody>
+              <a:bodyPr wrap="none" lIns="0" tIns="0" rIns="0" bIns="0" rtlCol="0">
+                <a:spAutoFit/>
+              </a:bodyPr>
+              <a:lstStyle/>
+              <a:p>
+                <a:pPr/>
+                <a14:m>
+                  <m:oMathPara xmlns:m="http://schemas.openxmlformats.org/officeDocument/2006/math">
+                    <m:oMathParaPr>
+                      <m:jc m:val="centerGroup"/>
+                    </m:oMathParaPr>
+                    <m:oMath xmlns:m="http://schemas.openxmlformats.org/officeDocument/2006/math">
+                      <m:sSub>
+                        <m:sSubPr>
+                          <m:ctrlPr>
+                            <a:rPr lang="en-US" i="1" smtClean="0">
+                              <a:latin typeface="Cambria Math" panose="02040503050406030204" pitchFamily="18" charset="0"/>
+                              <a:cs typeface="Times New Roman" pitchFamily="18" charset="0"/>
+                            </a:rPr>
+                          </m:ctrlPr>
+                        </m:sSubPr>
+                        <m:e>
+                          <m:acc>
+                            <m:accPr>
+                              <m:chr m:val="⃗"/>
+                              <m:ctrlPr>
+                                <a:rPr lang="en-US" i="1">
+                                  <a:latin typeface="Cambria Math" panose="02040503050406030204" pitchFamily="18" charset="0"/>
+                                  <a:cs typeface="Times New Roman" pitchFamily="18" charset="0"/>
+                                </a:rPr>
+                              </m:ctrlPr>
+                            </m:accPr>
+                            <m:e>
+                              <m:r>
+                                <a:rPr lang="en-US" i="1">
+                                  <a:latin typeface="Cambria Math" panose="02040503050406030204" pitchFamily="18" charset="0"/>
+                                  <a:cs typeface="Times New Roman" pitchFamily="18" charset="0"/>
+                                </a:rPr>
+                                <m:t>𝑜</m:t>
+                              </m:r>
+                            </m:e>
+                          </m:acc>
+                        </m:e>
+                        <m:sub>
+                          <m:r>
+                            <a:rPr lang="en-US" b="0" i="1" smtClean="0">
+                              <a:latin typeface="Cambria Math" panose="02040503050406030204" pitchFamily="18" charset="0"/>
+                              <a:cs typeface="Times New Roman" pitchFamily="18" charset="0"/>
+                            </a:rPr>
+                            <m:t>𝑒</m:t>
+                          </m:r>
+                        </m:sub>
+                      </m:sSub>
+                    </m:oMath>
+                  </m:oMathPara>
+                </a14:m>
+                <a:endParaRPr lang="en-US" dirty="0"/>
+              </a:p>
+            </p:txBody>
+          </p:sp>
+        </mc:Choice>
+        <mc:Fallback>
+          <p:sp>
+            <p:nvSpPr>
+              <p:cNvPr id="14" name="TextBox 13">
+                <a:extLst>
+                  <a:ext uri="{FF2B5EF4-FFF2-40B4-BE49-F238E27FC236}">
+                    <a16:creationId xmlns:a16="http://schemas.microsoft.com/office/drawing/2014/main" id="{AB2E972E-1035-4FFD-9251-E41D3126E08E}"/>
+                  </a:ext>
+                </a:extLst>
+              </p:cNvPr>
+              <p:cNvSpPr txBox="1">
+                <a:spLocks noRot="1" noChangeAspect="1" noMove="1" noResize="1" noEditPoints="1" noAdjustHandles="1" noChangeArrowheads="1" noChangeShapeType="1" noTextEdit="1"/>
+              </p:cNvSpPr>
+              <p:nvPr/>
+            </p:nvSpPr>
+            <p:spPr>
+              <a:xfrm>
+                <a:off x="3992946" y="2819400"/>
+                <a:ext cx="273280" cy="276999"/>
+              </a:xfrm>
+              <a:prstGeom prst="rect">
+                <a:avLst/>
+              </a:prstGeom>
+              <a:blipFill>
+                <a:blip r:embed="rId6"/>
+                <a:stretch>
+                  <a:fillRect l="-22222" t="-48889" r="-68889" b="-11111"/>
+                </a:stretch>
+              </a:blipFill>
+            </p:spPr>
+            <p:txBody>
+              <a:bodyPr/>
+              <a:lstStyle/>
+              <a:p>
+                <a:r>
+                  <a:rPr lang="en-US">
+                    <a:noFill/>
+                  </a:rPr>
+                  <a:t> </a:t>
+                </a:r>
+              </a:p>
+            </p:txBody>
+          </p:sp>
+        </mc:Fallback>
+      </mc:AlternateContent>
+      <mc:AlternateContent xmlns:mc="http://schemas.openxmlformats.org/markup-compatibility/2006">
+        <mc:Choice xmlns:a14="http://schemas.microsoft.com/office/drawing/2010/main" Requires="a14">
+          <p:sp>
+            <p:nvSpPr>
+              <p:cNvPr id="15" name="TextBox 14">
+                <a:extLst>
+                  <a:ext uri="{FF2B5EF4-FFF2-40B4-BE49-F238E27FC236}">
+                    <a16:creationId xmlns:a16="http://schemas.microsoft.com/office/drawing/2014/main" id="{53CC3D1C-512A-4DEA-9518-FBC14173EC01}"/>
+                  </a:ext>
+                </a:extLst>
+              </p:cNvPr>
+              <p:cNvSpPr txBox="1"/>
+              <p:nvPr/>
+            </p:nvSpPr>
+            <p:spPr>
+              <a:xfrm>
+                <a:off x="7226804" y="3352800"/>
+                <a:ext cx="259302" cy="299313"/>
+              </a:xfrm>
+              <a:prstGeom prst="rect">
+                <a:avLst/>
+              </a:prstGeom>
+              <a:solidFill>
+                <a:schemeClr val="bg1"/>
+              </a:solidFill>
+            </p:spPr>
+            <p:txBody>
+              <a:bodyPr wrap="none" lIns="0" tIns="0" rIns="0" bIns="0" rtlCol="0">
+                <a:spAutoFit/>
+              </a:bodyPr>
+              <a:lstStyle/>
+              <a:p>
+                <a:pPr/>
+                <a14:m>
+                  <m:oMathPara xmlns:m="http://schemas.openxmlformats.org/officeDocument/2006/math">
+                    <m:oMathParaPr>
+                      <m:jc m:val="centerGroup"/>
+                    </m:oMathParaPr>
+                    <m:oMath xmlns:m="http://schemas.openxmlformats.org/officeDocument/2006/math">
+                      <m:sSub>
+                        <m:sSubPr>
+                          <m:ctrlPr>
+                            <a:rPr lang="en-US" i="1" smtClean="0">
+                              <a:latin typeface="Cambria Math" panose="02040503050406030204" pitchFamily="18" charset="0"/>
+                              <a:cs typeface="Times New Roman" pitchFamily="18" charset="0"/>
+                            </a:rPr>
+                          </m:ctrlPr>
+                        </m:sSubPr>
+                        <m:e>
+                          <m:acc>
+                            <m:accPr>
+                              <m:chr m:val="⃗"/>
+                              <m:ctrlPr>
+                                <a:rPr lang="en-US" i="1">
+                                  <a:latin typeface="Cambria Math" panose="02040503050406030204" pitchFamily="18" charset="0"/>
+                                  <a:cs typeface="Times New Roman" pitchFamily="18" charset="0"/>
+                                </a:rPr>
+                              </m:ctrlPr>
+                            </m:accPr>
+                            <m:e>
+                              <m:r>
+                                <a:rPr lang="en-US" b="0" i="1" smtClean="0">
+                                  <a:latin typeface="Cambria Math" panose="02040503050406030204" pitchFamily="18" charset="0"/>
+                                  <a:cs typeface="Times New Roman" pitchFamily="18" charset="0"/>
+                                </a:rPr>
+                                <m:t>𝑛</m:t>
+                              </m:r>
+                            </m:e>
+                          </m:acc>
+                        </m:e>
+                        <m:sub>
+                          <m:r>
+                            <a:rPr lang="en-US" b="0" i="1" smtClean="0">
+                              <a:latin typeface="Cambria Math" panose="02040503050406030204" pitchFamily="18" charset="0"/>
+                              <a:cs typeface="Times New Roman" pitchFamily="18" charset="0"/>
+                            </a:rPr>
+                            <m:t>𝑗</m:t>
+                          </m:r>
+                        </m:sub>
+                      </m:sSub>
+                    </m:oMath>
+                  </m:oMathPara>
+                </a14:m>
+                <a:endParaRPr lang="en-US" dirty="0"/>
+              </a:p>
+            </p:txBody>
+          </p:sp>
+        </mc:Choice>
+        <mc:Fallback>
+          <p:sp>
+            <p:nvSpPr>
+              <p:cNvPr id="15" name="TextBox 14">
+                <a:extLst>
+                  <a:ext uri="{FF2B5EF4-FFF2-40B4-BE49-F238E27FC236}">
+                    <a16:creationId xmlns:a16="http://schemas.microsoft.com/office/drawing/2014/main" id="{53CC3D1C-512A-4DEA-9518-FBC14173EC01}"/>
+                  </a:ext>
+                </a:extLst>
+              </p:cNvPr>
+              <p:cNvSpPr txBox="1">
+                <a:spLocks noRot="1" noChangeAspect="1" noMove="1" noResize="1" noEditPoints="1" noAdjustHandles="1" noChangeArrowheads="1" noChangeShapeType="1" noTextEdit="1"/>
+              </p:cNvSpPr>
+              <p:nvPr/>
+            </p:nvSpPr>
+            <p:spPr>
+              <a:xfrm>
+                <a:off x="7226804" y="3352800"/>
+                <a:ext cx="259302" cy="299313"/>
+              </a:xfrm>
+              <a:prstGeom prst="rect">
+                <a:avLst/>
+              </a:prstGeom>
+              <a:blipFill>
+                <a:blip r:embed="rId7"/>
+                <a:stretch>
+                  <a:fillRect l="-11628" r="-13953" b="-26531"/>
+                </a:stretch>
+              </a:blipFill>
+            </p:spPr>
+            <p:txBody>
+              <a:bodyPr/>
+              <a:lstStyle/>
+              <a:p>
+                <a:r>
+                  <a:rPr lang="en-US">
+                    <a:noFill/>
+                  </a:rPr>
+                  <a:t> </a:t>
+                </a:r>
+              </a:p>
+            </p:txBody>
+          </p:sp>
+        </mc:Fallback>
+      </mc:AlternateContent>
+      <mc:AlternateContent xmlns:mc="http://schemas.openxmlformats.org/markup-compatibility/2006">
+        <mc:Choice xmlns:a14="http://schemas.microsoft.com/office/drawing/2010/main" Requires="a14">
+          <p:sp>
+            <p:nvSpPr>
+              <p:cNvPr id="16" name="TextBox 15">
+                <a:extLst>
+                  <a:ext uri="{FF2B5EF4-FFF2-40B4-BE49-F238E27FC236}">
+                    <a16:creationId xmlns:a16="http://schemas.microsoft.com/office/drawing/2014/main" id="{1DF393E3-EC42-4B35-ACD8-EC6DAA47D6B4}"/>
+                  </a:ext>
+                </a:extLst>
+              </p:cNvPr>
+              <p:cNvSpPr txBox="1"/>
+              <p:nvPr/>
+            </p:nvSpPr>
+            <p:spPr>
+              <a:xfrm>
+                <a:off x="7738490" y="3352800"/>
+                <a:ext cx="478914" cy="299313"/>
+              </a:xfrm>
+              <a:prstGeom prst="rect">
+                <a:avLst/>
+              </a:prstGeom>
+              <a:solidFill>
+                <a:schemeClr val="bg1"/>
+              </a:solidFill>
+              <a:ln>
+                <a:solidFill>
+                  <a:schemeClr val="tx1"/>
+                </a:solidFill>
+              </a:ln>
+            </p:spPr>
+            <p:txBody>
+              <a:bodyPr wrap="none" lIns="0" tIns="0" rIns="0" bIns="0" rtlCol="0">
+                <a:spAutoFit/>
+              </a:bodyPr>
+              <a:lstStyle/>
+              <a:p>
+                <a:pPr/>
+                <a14:m>
+                  <m:oMathPara xmlns:m="http://schemas.openxmlformats.org/officeDocument/2006/math">
+                    <m:oMathParaPr>
+                      <m:jc m:val="centerGroup"/>
+                    </m:oMathParaPr>
+                    <m:oMath xmlns:m="http://schemas.openxmlformats.org/officeDocument/2006/math">
+                      <m:sSub>
+                        <m:sSubPr>
+                          <m:ctrlPr>
+                            <a:rPr lang="en-US" i="1" smtClean="0">
+                              <a:latin typeface="Cambria Math" panose="02040503050406030204" pitchFamily="18" charset="0"/>
+                              <a:cs typeface="Times New Roman" pitchFamily="18" charset="0"/>
+                            </a:rPr>
+                          </m:ctrlPr>
+                        </m:sSubPr>
+                        <m:e>
+                          <m:acc>
+                            <m:accPr>
+                              <m:chr m:val="⃗"/>
+                              <m:ctrlPr>
+                                <a:rPr lang="en-US" i="1">
+                                  <a:latin typeface="Cambria Math" panose="02040503050406030204" pitchFamily="18" charset="0"/>
+                                  <a:cs typeface="Times New Roman" pitchFamily="18" charset="0"/>
+                                </a:rPr>
+                              </m:ctrlPr>
+                            </m:accPr>
+                            <m:e>
+                              <m:r>
+                                <a:rPr lang="en-US" b="0" i="1" smtClean="0">
+                                  <a:latin typeface="Cambria Math" panose="02040503050406030204" pitchFamily="18" charset="0"/>
+                                  <a:cs typeface="Times New Roman" pitchFamily="18" charset="0"/>
+                                </a:rPr>
+                                <m:t>𝑛</m:t>
+                              </m:r>
+                            </m:e>
+                          </m:acc>
+                        </m:e>
+                        <m:sub>
+                          <m:r>
+                            <a:rPr lang="en-US" b="0" i="1" smtClean="0">
+                              <a:latin typeface="Cambria Math" panose="02040503050406030204" pitchFamily="18" charset="0"/>
+                              <a:cs typeface="Times New Roman" pitchFamily="18" charset="0"/>
+                            </a:rPr>
+                            <m:t>𝑗</m:t>
+                          </m:r>
+                          <m:r>
+                            <a:rPr lang="en-US" b="0" i="1" smtClean="0">
+                              <a:latin typeface="Cambria Math" panose="02040503050406030204" pitchFamily="18" charset="0"/>
+                              <a:cs typeface="Times New Roman" pitchFamily="18" charset="0"/>
+                            </a:rPr>
+                            <m:t>−1</m:t>
+                          </m:r>
+                        </m:sub>
+                      </m:sSub>
+                    </m:oMath>
+                  </m:oMathPara>
+                </a14:m>
+                <a:endParaRPr lang="en-US" dirty="0"/>
+              </a:p>
+            </p:txBody>
+          </p:sp>
+        </mc:Choice>
+        <mc:Fallback>
+          <p:sp>
+            <p:nvSpPr>
+              <p:cNvPr id="16" name="TextBox 15">
+                <a:extLst>
+                  <a:ext uri="{FF2B5EF4-FFF2-40B4-BE49-F238E27FC236}">
+                    <a16:creationId xmlns:a16="http://schemas.microsoft.com/office/drawing/2014/main" id="{1DF393E3-EC42-4B35-ACD8-EC6DAA47D6B4}"/>
+                  </a:ext>
+                </a:extLst>
+              </p:cNvPr>
+              <p:cNvSpPr txBox="1">
+                <a:spLocks noRot="1" noChangeAspect="1" noMove="1" noResize="1" noEditPoints="1" noAdjustHandles="1" noChangeArrowheads="1" noChangeShapeType="1" noTextEdit="1"/>
+              </p:cNvSpPr>
+              <p:nvPr/>
+            </p:nvSpPr>
+            <p:spPr>
+              <a:xfrm>
+                <a:off x="7738490" y="3352800"/>
+                <a:ext cx="478914" cy="299313"/>
+              </a:xfrm>
+              <a:prstGeom prst="rect">
+                <a:avLst/>
+              </a:prstGeom>
+              <a:blipFill>
+                <a:blip r:embed="rId8"/>
+                <a:stretch>
+                  <a:fillRect l="-4938" r="-3704" b="-23529"/>
+                </a:stretch>
+              </a:blipFill>
+              <a:ln>
+                <a:solidFill>
+                  <a:schemeClr val="tx1"/>
+                </a:solidFill>
+              </a:ln>
+            </p:spPr>
+            <p:txBody>
+              <a:bodyPr/>
+              <a:lstStyle/>
+              <a:p>
+                <a:r>
+                  <a:rPr lang="en-US">
+                    <a:noFill/>
+                  </a:rPr>
+                  <a:t> </a:t>
+                </a:r>
+              </a:p>
+            </p:txBody>
+          </p:sp>
+        </mc:Fallback>
+      </mc:AlternateContent>
+      <mc:AlternateContent xmlns:mc="http://schemas.openxmlformats.org/markup-compatibility/2006">
+        <mc:Choice xmlns:a14="http://schemas.microsoft.com/office/drawing/2010/main" Requires="a14">
+          <p:sp>
+            <p:nvSpPr>
+              <p:cNvPr id="12" name="TextBox 11">
+                <a:extLst>
+                  <a:ext uri="{FF2B5EF4-FFF2-40B4-BE49-F238E27FC236}">
+                    <a16:creationId xmlns:a16="http://schemas.microsoft.com/office/drawing/2014/main" id="{FD29B383-DCB7-4BDC-B2AF-ECDDFD1DCEAA}"/>
+                  </a:ext>
+                </a:extLst>
+              </p:cNvPr>
+              <p:cNvSpPr txBox="1"/>
+              <p:nvPr/>
+            </p:nvSpPr>
+            <p:spPr>
+              <a:xfrm rot="16200000">
+                <a:off x="39132" y="2856468"/>
+                <a:ext cx="441980" cy="215444"/>
+              </a:xfrm>
+              <a:prstGeom prst="rect">
+                <a:avLst/>
+              </a:prstGeom>
+              <a:solidFill>
+                <a:schemeClr val="bg1"/>
+              </a:solidFill>
+            </p:spPr>
+            <p:txBody>
+              <a:bodyPr wrap="none" lIns="0" tIns="0" rIns="0" bIns="0" rtlCol="0">
+                <a:spAutoFit/>
+              </a:bodyPr>
+              <a:lstStyle>
+                <a:defPPr>
+                  <a:defRPr lang="en-US"/>
+                </a:defPPr>
+                <a:lvl1pPr>
+                  <a:defRPr sz="1400" b="0" i="1">
+                    <a:latin typeface="Cambria Math" panose="02040503050406030204" pitchFamily="18" charset="0"/>
+                  </a:defRPr>
+                </a:lvl1pPr>
+              </a:lstStyle>
+              <a:p>
+                <a:pPr/>
+                <a14:m>
+                  <m:oMath xmlns:m="http://schemas.openxmlformats.org/officeDocument/2006/math">
+                    <m:r>
+                      <a:rPr lang="en-US" b="1" i="1"/>
+                      <m:t>𝒕</m:t>
+                    </m:r>
+                  </m:oMath>
+                </a14:m>
+                <a:r>
+                  <a:rPr lang="en-US" b="1" dirty="0"/>
+                  <a:t>,  </a:t>
+                </a:r>
+                <a:r>
+                  <a:rPr lang="en-US" b="1" i="0" dirty="0"/>
+                  <a:t>hrs</a:t>
+                </a:r>
+              </a:p>
+            </p:txBody>
+          </p:sp>
+        </mc:Choice>
+        <mc:Fallback>
+          <p:sp>
+            <p:nvSpPr>
+              <p:cNvPr id="12" name="TextBox 11">
+                <a:extLst>
+                  <a:ext uri="{FF2B5EF4-FFF2-40B4-BE49-F238E27FC236}">
+                    <a16:creationId xmlns:a16="http://schemas.microsoft.com/office/drawing/2014/main" id="{FD29B383-DCB7-4BDC-B2AF-ECDDFD1DCEAA}"/>
+                  </a:ext>
+                </a:extLst>
+              </p:cNvPr>
+              <p:cNvSpPr txBox="1">
+                <a:spLocks noRot="1" noChangeAspect="1" noMove="1" noResize="1" noEditPoints="1" noAdjustHandles="1" noChangeArrowheads="1" noChangeShapeType="1" noTextEdit="1"/>
+              </p:cNvSpPr>
+              <p:nvPr/>
+            </p:nvSpPr>
+            <p:spPr>
+              <a:xfrm rot="16200000">
+                <a:off x="39132" y="2856468"/>
+                <a:ext cx="441980" cy="215444"/>
+              </a:xfrm>
+              <a:prstGeom prst="rect">
+                <a:avLst/>
+              </a:prstGeom>
+              <a:blipFill>
+                <a:blip r:embed="rId9"/>
+                <a:stretch>
+                  <a:fillRect l="-28571" t="-24658" r="-48571" b="-12329"/>
+                </a:stretch>
+              </a:blipFill>
+            </p:spPr>
+            <p:txBody>
+              <a:bodyPr/>
+              <a:lstStyle/>
+              <a:p>
+                <a:r>
+                  <a:rPr lang="en-US">
+                    <a:noFill/>
+                  </a:rPr>
+                  <a:t> </a:t>
+                </a:r>
+              </a:p>
+            </p:txBody>
+          </p:sp>
+        </mc:Fallback>
+      </mc:AlternateContent>
+      <mc:AlternateContent xmlns:mc="http://schemas.openxmlformats.org/markup-compatibility/2006">
+        <mc:Choice xmlns:a14="http://schemas.microsoft.com/office/drawing/2010/main" Requires="a14">
+          <p:sp>
+            <p:nvSpPr>
+              <p:cNvPr id="17" name="TextBox 16">
+                <a:extLst>
+                  <a:ext uri="{FF2B5EF4-FFF2-40B4-BE49-F238E27FC236}">
+                    <a16:creationId xmlns:a16="http://schemas.microsoft.com/office/drawing/2014/main" id="{C353501C-5693-482A-922F-41CB656C5E9C}"/>
+                  </a:ext>
+                </a:extLst>
+              </p:cNvPr>
+              <p:cNvSpPr txBox="1"/>
+              <p:nvPr/>
+            </p:nvSpPr>
+            <p:spPr>
+              <a:xfrm>
+                <a:off x="4133120" y="4966156"/>
+                <a:ext cx="1112484" cy="215444"/>
+              </a:xfrm>
+              <a:prstGeom prst="rect">
+                <a:avLst/>
+              </a:prstGeom>
+              <a:solidFill>
+                <a:schemeClr val="bg1"/>
+              </a:solidFill>
+            </p:spPr>
+            <p:txBody>
+              <a:bodyPr wrap="none" lIns="0" tIns="0" rIns="0" bIns="0" rtlCol="0">
+                <a:spAutoFit/>
+              </a:bodyPr>
+              <a:lstStyle>
+                <a:defPPr>
+                  <a:defRPr lang="en-US"/>
+                </a:defPPr>
+                <a:lvl1pPr>
+                  <a:defRPr b="0" i="1">
+                    <a:latin typeface="Cambria Math" panose="02040503050406030204" pitchFamily="18" charset="0"/>
+                  </a:defRPr>
+                </a:lvl1pPr>
+              </a:lstStyle>
+              <a:p>
+                <a:pPr/>
+                <a14:m>
+                  <m:oMath xmlns:m="http://schemas.openxmlformats.org/officeDocument/2006/math">
+                    <m:r>
+                      <a:rPr lang="en-US" sz="1400" b="1" i="1" smtClean="0"/>
+                      <m:t>𝒙</m:t>
+                    </m:r>
+                  </m:oMath>
+                </a14:m>
+                <a:r>
+                  <a:rPr lang="en-US" sz="1400" b="1" i="0" dirty="0"/>
+                  <a:t>-distance</a:t>
+                </a:r>
+                <a:r>
+                  <a:rPr lang="en-US" sz="1400" b="1" dirty="0"/>
+                  <a:t>, </a:t>
+                </a:r>
+                <a:r>
+                  <a:rPr lang="en-US" sz="1400" b="1" i="0" dirty="0"/>
+                  <a:t>nm</a:t>
+                </a:r>
+              </a:p>
+            </p:txBody>
+          </p:sp>
+        </mc:Choice>
+        <mc:Fallback>
+          <p:sp>
+            <p:nvSpPr>
+              <p:cNvPr id="17" name="TextBox 16">
+                <a:extLst>
+                  <a:ext uri="{FF2B5EF4-FFF2-40B4-BE49-F238E27FC236}">
+                    <a16:creationId xmlns:a16="http://schemas.microsoft.com/office/drawing/2014/main" id="{C353501C-5693-482A-922F-41CB656C5E9C}"/>
+                  </a:ext>
+                </a:extLst>
+              </p:cNvPr>
+              <p:cNvSpPr txBox="1">
+                <a:spLocks noRot="1" noChangeAspect="1" noMove="1" noResize="1" noEditPoints="1" noAdjustHandles="1" noChangeArrowheads="1" noChangeShapeType="1" noTextEdit="1"/>
+              </p:cNvSpPr>
+              <p:nvPr/>
+            </p:nvSpPr>
+            <p:spPr>
+              <a:xfrm>
+                <a:off x="4133120" y="4966156"/>
+                <a:ext cx="1112484" cy="215444"/>
+              </a:xfrm>
+              <a:prstGeom prst="rect">
+                <a:avLst/>
+              </a:prstGeom>
+              <a:blipFill>
+                <a:blip r:embed="rId10"/>
+                <a:stretch>
+                  <a:fillRect l="-3846" t="-31429" r="-10989" b="-48571"/>
+                </a:stretch>
+              </a:blipFill>
+            </p:spPr>
+            <p:txBody>
+              <a:bodyPr/>
+              <a:lstStyle/>
+              <a:p>
+                <a:r>
+                  <a:rPr lang="en-US">
+                    <a:noFill/>
+                  </a:rPr>
+                  <a:t> </a:t>
+                </a:r>
+              </a:p>
+            </p:txBody>
+          </p:sp>
+        </mc:Fallback>
+      </mc:AlternateContent>
+    </p:spTree>
+    <p:extLst>
+      <p:ext uri="{BB962C8B-B14F-4D97-AF65-F5344CB8AC3E}">
+        <p14:creationId xmlns:p14="http://schemas.microsoft.com/office/powerpoint/2010/main" val="3089043920"/>
+      </p:ext>
+    </p:extLst>
+  </p:cSld>
+  <p:clrMapOvr>
+    <a:masterClrMapping/>
+  </p:clrMapOvr>
+</p:sld>
+</file>
+
+<file path=ppt/slides/slide13.xml><?xml version="1.0" encoding="utf-8"?>
+<p:sld xmlns:a="http://schemas.openxmlformats.org/drawingml/2006/main" xmlns:r="http://schemas.openxmlformats.org/officeDocument/2006/relationships" xmlns:p="http://schemas.openxmlformats.org/presentationml/2006/main">
+  <p:cSld>
+    <p:spTree>
+      <p:nvGrpSpPr>
+        <p:cNvPr id="1" name=""/>
+        <p:cNvGrpSpPr/>
+        <p:nvPr/>
+      </p:nvGrpSpPr>
+      <p:grpSpPr>
+        <a:xfrm>
+          <a:off x="0" y="0"/>
+          <a:ext cx="0" cy="0"/>
+          <a:chOff x="0" y="0"/>
+          <a:chExt cx="0" cy="0"/>
+        </a:xfrm>
+      </p:grpSpPr>
+      <p:pic>
+        <p:nvPicPr>
+          <p:cNvPr id="3" name="Picture 2">
+            <a:extLst>
+              <a:ext uri="{FF2B5EF4-FFF2-40B4-BE49-F238E27FC236}">
+                <a16:creationId xmlns:a16="http://schemas.microsoft.com/office/drawing/2014/main" id="{A8CD8AC6-269D-4DC0-9BC6-9D6CB1AAAC4B}"/>
+              </a:ext>
+            </a:extLst>
+          </p:cNvPr>
+          <p:cNvPicPr>
+            <a:picLocks noChangeAspect="1"/>
+          </p:cNvPicPr>
+          <p:nvPr/>
+        </p:nvPicPr>
+        <p:blipFill>
+          <a:blip r:embed="rId2">
+            <a:extLst>
+              <a:ext uri="{28A0092B-C50C-407E-A947-70E740481C1C}">
+                <a14:useLocalDpi xmlns:a14="http://schemas.microsoft.com/office/drawing/2010/main" val="0"/>
+              </a:ext>
+            </a:extLst>
+          </a:blip>
+          <a:stretch>
+            <a:fillRect/>
+          </a:stretch>
+        </p:blipFill>
+        <p:spPr>
+          <a:xfrm>
+            <a:off x="1295400" y="990600"/>
+            <a:ext cx="6248400" cy="4038309"/>
+          </a:xfrm>
+          <a:prstGeom prst="rect">
+            <a:avLst/>
+          </a:prstGeom>
+        </p:spPr>
+      </p:pic>
+      <mc:AlternateContent xmlns:mc="http://schemas.openxmlformats.org/markup-compatibility/2006">
+        <mc:Choice xmlns:a14="http://schemas.microsoft.com/office/drawing/2010/main" Requires="a14">
+          <p:sp>
+            <p:nvSpPr>
+              <p:cNvPr id="4" name="TextBox 3">
+                <a:extLst>
+                  <a:ext uri="{FF2B5EF4-FFF2-40B4-BE49-F238E27FC236}">
+                    <a16:creationId xmlns:a16="http://schemas.microsoft.com/office/drawing/2014/main" id="{6053E9C8-A295-41A7-BD14-88BCA7FCDC17}"/>
+                  </a:ext>
+                </a:extLst>
+              </p:cNvPr>
+              <p:cNvSpPr txBox="1"/>
+              <p:nvPr/>
+            </p:nvSpPr>
+            <p:spPr>
+              <a:xfrm rot="16200000">
+                <a:off x="877332" y="2856468"/>
+                <a:ext cx="441980" cy="215444"/>
+              </a:xfrm>
+              <a:prstGeom prst="rect">
+                <a:avLst/>
+              </a:prstGeom>
+              <a:solidFill>
+                <a:schemeClr val="bg1"/>
+              </a:solidFill>
+            </p:spPr>
+            <p:txBody>
+              <a:bodyPr wrap="none" lIns="0" tIns="0" rIns="0" bIns="0" rtlCol="0">
+                <a:spAutoFit/>
+              </a:bodyPr>
+              <a:lstStyle>
+                <a:defPPr>
+                  <a:defRPr lang="en-US"/>
+                </a:defPPr>
+                <a:lvl1pPr>
+                  <a:defRPr sz="1400" b="0" i="1">
+                    <a:latin typeface="Cambria Math" panose="02040503050406030204" pitchFamily="18" charset="0"/>
+                  </a:defRPr>
+                </a:lvl1pPr>
+              </a:lstStyle>
+              <a:p>
+                <a:pPr/>
+                <a14:m>
+                  <m:oMath xmlns:m="http://schemas.openxmlformats.org/officeDocument/2006/math">
+                    <m:r>
+                      <a:rPr lang="en-US" b="1" i="1"/>
+                      <m:t>𝒕</m:t>
+                    </m:r>
+                  </m:oMath>
+                </a14:m>
+                <a:r>
+                  <a:rPr lang="en-US" b="1" dirty="0"/>
+                  <a:t>,  </a:t>
+                </a:r>
+                <a:r>
+                  <a:rPr lang="en-US" b="1" i="0" dirty="0"/>
+                  <a:t>hrs</a:t>
+                </a:r>
+              </a:p>
+            </p:txBody>
+          </p:sp>
+        </mc:Choice>
+        <mc:Fallback>
+          <p:sp>
+            <p:nvSpPr>
+              <p:cNvPr id="4" name="TextBox 3">
+                <a:extLst>
+                  <a:ext uri="{FF2B5EF4-FFF2-40B4-BE49-F238E27FC236}">
+                    <a16:creationId xmlns:a16="http://schemas.microsoft.com/office/drawing/2014/main" id="{6053E9C8-A295-41A7-BD14-88BCA7FCDC17}"/>
+                  </a:ext>
+                </a:extLst>
+              </p:cNvPr>
+              <p:cNvSpPr txBox="1">
+                <a:spLocks noRot="1" noChangeAspect="1" noMove="1" noResize="1" noEditPoints="1" noAdjustHandles="1" noChangeArrowheads="1" noChangeShapeType="1" noTextEdit="1"/>
+              </p:cNvSpPr>
+              <p:nvPr/>
+            </p:nvSpPr>
+            <p:spPr>
+              <a:xfrm rot="16200000">
+                <a:off x="877332" y="2856468"/>
+                <a:ext cx="441980" cy="215444"/>
+              </a:xfrm>
+              <a:prstGeom prst="rect">
+                <a:avLst/>
+              </a:prstGeom>
+              <a:blipFill>
+                <a:blip r:embed="rId3"/>
+                <a:stretch>
+                  <a:fillRect l="-31429" t="-24658" r="-45714" b="-12329"/>
+                </a:stretch>
+              </a:blipFill>
+            </p:spPr>
+            <p:txBody>
+              <a:bodyPr/>
+              <a:lstStyle/>
+              <a:p>
+                <a:r>
+                  <a:rPr lang="en-US">
+                    <a:noFill/>
+                  </a:rPr>
+                  <a:t> </a:t>
+                </a:r>
+              </a:p>
+            </p:txBody>
+          </p:sp>
+        </mc:Fallback>
+      </mc:AlternateContent>
+      <mc:AlternateContent xmlns:mc="http://schemas.openxmlformats.org/markup-compatibility/2006">
+        <mc:Choice xmlns:a14="http://schemas.microsoft.com/office/drawing/2010/main" Requires="a14">
+          <p:sp>
+            <p:nvSpPr>
+              <p:cNvPr id="5" name="TextBox 4">
+                <a:extLst>
+                  <a:ext uri="{FF2B5EF4-FFF2-40B4-BE49-F238E27FC236}">
+                    <a16:creationId xmlns:a16="http://schemas.microsoft.com/office/drawing/2014/main" id="{DC2D6A5A-6A00-4997-B376-502446B90A18}"/>
+                  </a:ext>
+                </a:extLst>
+              </p:cNvPr>
+              <p:cNvSpPr txBox="1"/>
+              <p:nvPr/>
+            </p:nvSpPr>
+            <p:spPr>
+              <a:xfrm>
+                <a:off x="3916716" y="5028909"/>
+                <a:ext cx="1112484" cy="215444"/>
+              </a:xfrm>
+              <a:prstGeom prst="rect">
+                <a:avLst/>
+              </a:prstGeom>
+              <a:solidFill>
+                <a:schemeClr val="bg1"/>
+              </a:solidFill>
+            </p:spPr>
+            <p:txBody>
+              <a:bodyPr wrap="none" lIns="0" tIns="0" rIns="0" bIns="0" rtlCol="0">
+                <a:spAutoFit/>
+              </a:bodyPr>
+              <a:lstStyle>
+                <a:defPPr>
+                  <a:defRPr lang="en-US"/>
+                </a:defPPr>
+                <a:lvl1pPr>
+                  <a:defRPr b="0" i="1">
+                    <a:latin typeface="Cambria Math" panose="02040503050406030204" pitchFamily="18" charset="0"/>
+                  </a:defRPr>
+                </a:lvl1pPr>
+              </a:lstStyle>
+              <a:p>
+                <a:pPr/>
+                <a14:m>
+                  <m:oMath xmlns:m="http://schemas.openxmlformats.org/officeDocument/2006/math">
+                    <m:r>
+                      <a:rPr lang="en-US" sz="1400" b="1" i="1" smtClean="0"/>
+                      <m:t>𝒙</m:t>
+                    </m:r>
+                  </m:oMath>
+                </a14:m>
+                <a:r>
+                  <a:rPr lang="en-US" sz="1400" b="1" i="0" dirty="0"/>
+                  <a:t>-distance</a:t>
+                </a:r>
+                <a:r>
+                  <a:rPr lang="en-US" sz="1400" b="1" dirty="0"/>
+                  <a:t>, </a:t>
+                </a:r>
+                <a:r>
+                  <a:rPr lang="en-US" sz="1400" b="1" i="0" dirty="0"/>
+                  <a:t>nm</a:t>
+                </a:r>
+              </a:p>
+            </p:txBody>
+          </p:sp>
+        </mc:Choice>
+        <mc:Fallback>
+          <p:sp>
+            <p:nvSpPr>
+              <p:cNvPr id="5" name="TextBox 4">
+                <a:extLst>
+                  <a:ext uri="{FF2B5EF4-FFF2-40B4-BE49-F238E27FC236}">
+                    <a16:creationId xmlns:a16="http://schemas.microsoft.com/office/drawing/2014/main" id="{DC2D6A5A-6A00-4997-B376-502446B90A18}"/>
+                  </a:ext>
+                </a:extLst>
+              </p:cNvPr>
+              <p:cNvSpPr txBox="1">
+                <a:spLocks noRot="1" noChangeAspect="1" noMove="1" noResize="1" noEditPoints="1" noAdjustHandles="1" noChangeArrowheads="1" noChangeShapeType="1" noTextEdit="1"/>
+              </p:cNvSpPr>
+              <p:nvPr/>
+            </p:nvSpPr>
+            <p:spPr>
+              <a:xfrm>
+                <a:off x="3916716" y="5028909"/>
+                <a:ext cx="1112484" cy="215444"/>
+              </a:xfrm>
+              <a:prstGeom prst="rect">
+                <a:avLst/>
+              </a:prstGeom>
+              <a:blipFill>
+                <a:blip r:embed="rId4"/>
+                <a:stretch>
+                  <a:fillRect l="-4396" t="-28571" r="-10989" b="-48571"/>
+                </a:stretch>
+              </a:blipFill>
+            </p:spPr>
+            <p:txBody>
+              <a:bodyPr/>
+              <a:lstStyle/>
+              <a:p>
+                <a:r>
+                  <a:rPr lang="en-US">
+                    <a:noFill/>
+                  </a:rPr>
+                  <a:t> </a:t>
+                </a:r>
+              </a:p>
+            </p:txBody>
+          </p:sp>
+        </mc:Fallback>
+      </mc:AlternateContent>
+    </p:spTree>
+    <p:extLst>
+      <p:ext uri="{BB962C8B-B14F-4D97-AF65-F5344CB8AC3E}">
+        <p14:creationId xmlns:p14="http://schemas.microsoft.com/office/powerpoint/2010/main" val="3180454421"/>
+      </p:ext>
+    </p:extLst>
+  </p:cSld>
+  <p:clrMapOvr>
+    <a:masterClrMapping/>
+  </p:clrMapOvr>
+</p:sld>
+</file>
+
+<file path=ppt/slides/slide14.xml><?xml version="1.0" encoding="utf-8"?>
+<p:sld xmlns:a="http://schemas.openxmlformats.org/drawingml/2006/main" xmlns:r="http://schemas.openxmlformats.org/officeDocument/2006/relationships" xmlns:p="http://schemas.openxmlformats.org/presentationml/2006/main">
+  <p:cSld>
+    <p:spTree>
+      <p:nvGrpSpPr>
+        <p:cNvPr id="1" name=""/>
+        <p:cNvGrpSpPr/>
+        <p:nvPr/>
+      </p:nvGrpSpPr>
+      <p:grpSpPr>
+        <a:xfrm>
+          <a:off x="0" y="0"/>
+          <a:ext cx="0" cy="0"/>
+          <a:chOff x="0" y="0"/>
+          <a:chExt cx="0" cy="0"/>
+        </a:xfrm>
+      </p:grpSpPr>
+      <p:pic>
+        <p:nvPicPr>
+          <p:cNvPr id="3" name="Picture 2">
+            <a:extLst>
+              <a:ext uri="{FF2B5EF4-FFF2-40B4-BE49-F238E27FC236}">
+                <a16:creationId xmlns:a16="http://schemas.microsoft.com/office/drawing/2014/main" id="{8E6DD2E6-E61B-46C5-B30E-4AA1CFC97D12}"/>
+              </a:ext>
+            </a:extLst>
+          </p:cNvPr>
+          <p:cNvPicPr>
+            <a:picLocks noChangeAspect="1"/>
+          </p:cNvPicPr>
+          <p:nvPr/>
+        </p:nvPicPr>
+        <p:blipFill>
+          <a:blip r:embed="rId3">
+            <a:extLst>
+              <a:ext uri="{28A0092B-C50C-407E-A947-70E740481C1C}">
+                <a14:useLocalDpi xmlns:a14="http://schemas.microsoft.com/office/drawing/2010/main" val="0"/>
+              </a:ext>
+            </a:extLst>
+          </a:blip>
+          <a:stretch>
+            <a:fillRect/>
+          </a:stretch>
+        </p:blipFill>
+        <p:spPr>
+          <a:xfrm>
+            <a:off x="381454" y="1905000"/>
+            <a:ext cx="8381092" cy="3185574"/>
+          </a:xfrm>
+          <a:prstGeom prst="rect">
+            <a:avLst/>
+          </a:prstGeom>
+        </p:spPr>
+      </p:pic>
+      <mc:AlternateContent xmlns:mc="http://schemas.openxmlformats.org/markup-compatibility/2006">
+        <mc:Choice xmlns:a14="http://schemas.microsoft.com/office/drawing/2010/main" Requires="a14">
+          <p:sp>
+            <p:nvSpPr>
+              <p:cNvPr id="4" name="TextBox 3">
+                <a:extLst>
+                  <a:ext uri="{FF2B5EF4-FFF2-40B4-BE49-F238E27FC236}">
+                    <a16:creationId xmlns:a16="http://schemas.microsoft.com/office/drawing/2014/main" id="{DFF5EE40-156E-43D1-8B75-0B09220B2678}"/>
+                  </a:ext>
+                </a:extLst>
+              </p:cNvPr>
+              <p:cNvSpPr txBox="1"/>
+              <p:nvPr/>
+            </p:nvSpPr>
+            <p:spPr>
+              <a:xfrm rot="16200000">
+                <a:off x="39132" y="2856468"/>
+                <a:ext cx="441980" cy="215444"/>
+              </a:xfrm>
+              <a:prstGeom prst="rect">
+                <a:avLst/>
+              </a:prstGeom>
+              <a:solidFill>
+                <a:schemeClr val="bg1"/>
+              </a:solidFill>
+            </p:spPr>
+            <p:txBody>
+              <a:bodyPr wrap="none" lIns="0" tIns="0" rIns="0" bIns="0" rtlCol="0">
+                <a:spAutoFit/>
+              </a:bodyPr>
+              <a:lstStyle>
+                <a:defPPr>
+                  <a:defRPr lang="en-US"/>
+                </a:defPPr>
+                <a:lvl1pPr>
+                  <a:defRPr sz="1400" b="0" i="1">
+                    <a:latin typeface="Cambria Math" panose="02040503050406030204" pitchFamily="18" charset="0"/>
+                  </a:defRPr>
+                </a:lvl1pPr>
+              </a:lstStyle>
+              <a:p>
+                <a:pPr/>
+                <a14:m>
+                  <m:oMath xmlns:m="http://schemas.openxmlformats.org/officeDocument/2006/math">
+                    <m:r>
+                      <a:rPr lang="en-US" b="1" i="1"/>
+                      <m:t>𝒕</m:t>
+                    </m:r>
+                  </m:oMath>
+                </a14:m>
+                <a:r>
+                  <a:rPr lang="en-US" b="1" dirty="0"/>
+                  <a:t>,  </a:t>
+                </a:r>
+                <a:r>
+                  <a:rPr lang="en-US" b="1" i="0" dirty="0"/>
+                  <a:t>hrs</a:t>
+                </a:r>
+              </a:p>
+            </p:txBody>
+          </p:sp>
+        </mc:Choice>
+        <mc:Fallback>
+          <p:sp>
+            <p:nvSpPr>
+              <p:cNvPr id="4" name="TextBox 3">
+                <a:extLst>
+                  <a:ext uri="{FF2B5EF4-FFF2-40B4-BE49-F238E27FC236}">
+                    <a16:creationId xmlns:a16="http://schemas.microsoft.com/office/drawing/2014/main" id="{DFF5EE40-156E-43D1-8B75-0B09220B2678}"/>
+                  </a:ext>
+                </a:extLst>
+              </p:cNvPr>
+              <p:cNvSpPr txBox="1">
+                <a:spLocks noRot="1" noChangeAspect="1" noMove="1" noResize="1" noEditPoints="1" noAdjustHandles="1" noChangeArrowheads="1" noChangeShapeType="1" noTextEdit="1"/>
+              </p:cNvSpPr>
+              <p:nvPr/>
+            </p:nvSpPr>
+            <p:spPr>
+              <a:xfrm rot="16200000">
+                <a:off x="39132" y="2856468"/>
+                <a:ext cx="441980" cy="215444"/>
+              </a:xfrm>
+              <a:prstGeom prst="rect">
+                <a:avLst/>
+              </a:prstGeom>
+              <a:blipFill>
+                <a:blip r:embed="rId4"/>
+                <a:stretch>
+                  <a:fillRect l="-28571" t="-24658" r="-48571" b="-12329"/>
+                </a:stretch>
+              </a:blipFill>
+            </p:spPr>
+            <p:txBody>
+              <a:bodyPr/>
+              <a:lstStyle/>
+              <a:p>
+                <a:r>
+                  <a:rPr lang="en-US">
+                    <a:noFill/>
+                  </a:rPr>
+                  <a:t> </a:t>
+                </a:r>
+              </a:p>
+            </p:txBody>
+          </p:sp>
+        </mc:Fallback>
+      </mc:AlternateContent>
+      <mc:AlternateContent xmlns:mc="http://schemas.openxmlformats.org/markup-compatibility/2006">
+        <mc:Choice xmlns:a14="http://schemas.microsoft.com/office/drawing/2010/main" Requires="a14">
+          <p:sp>
+            <p:nvSpPr>
+              <p:cNvPr id="5" name="TextBox 4">
+                <a:extLst>
+                  <a:ext uri="{FF2B5EF4-FFF2-40B4-BE49-F238E27FC236}">
+                    <a16:creationId xmlns:a16="http://schemas.microsoft.com/office/drawing/2014/main" id="{DE6D6A52-8973-49FE-9ACA-B1DA93E4ABD4}"/>
+                  </a:ext>
+                </a:extLst>
+              </p:cNvPr>
+              <p:cNvSpPr txBox="1"/>
+              <p:nvPr/>
+            </p:nvSpPr>
+            <p:spPr>
+              <a:xfrm>
+                <a:off x="4191000" y="5069553"/>
+                <a:ext cx="1112484" cy="215444"/>
+              </a:xfrm>
+              <a:prstGeom prst="rect">
+                <a:avLst/>
+              </a:prstGeom>
+              <a:solidFill>
+                <a:schemeClr val="bg1"/>
+              </a:solidFill>
+            </p:spPr>
+            <p:txBody>
+              <a:bodyPr wrap="none" lIns="0" tIns="0" rIns="0" bIns="0" rtlCol="0">
+                <a:spAutoFit/>
+              </a:bodyPr>
+              <a:lstStyle>
+                <a:defPPr>
+                  <a:defRPr lang="en-US"/>
+                </a:defPPr>
+                <a:lvl1pPr>
+                  <a:defRPr b="0" i="1">
+                    <a:latin typeface="Cambria Math" panose="02040503050406030204" pitchFamily="18" charset="0"/>
+                  </a:defRPr>
+                </a:lvl1pPr>
+              </a:lstStyle>
+              <a:p>
+                <a:pPr/>
+                <a14:m>
+                  <m:oMath xmlns:m="http://schemas.openxmlformats.org/officeDocument/2006/math">
+                    <m:r>
+                      <a:rPr lang="en-US" sz="1400" b="1" i="1" smtClean="0"/>
+                      <m:t>𝒙</m:t>
+                    </m:r>
+                  </m:oMath>
+                </a14:m>
+                <a:r>
+                  <a:rPr lang="en-US" sz="1400" b="1" i="0" dirty="0"/>
+                  <a:t>-distance</a:t>
+                </a:r>
+                <a:r>
+                  <a:rPr lang="en-US" sz="1400" b="1" dirty="0"/>
+                  <a:t>, </a:t>
+                </a:r>
+                <a:r>
+                  <a:rPr lang="en-US" sz="1400" b="1" i="0" dirty="0"/>
+                  <a:t>nm</a:t>
+                </a:r>
+              </a:p>
+            </p:txBody>
+          </p:sp>
+        </mc:Choice>
+        <mc:Fallback>
+          <p:sp>
+            <p:nvSpPr>
+              <p:cNvPr id="5" name="TextBox 4">
+                <a:extLst>
+                  <a:ext uri="{FF2B5EF4-FFF2-40B4-BE49-F238E27FC236}">
+                    <a16:creationId xmlns:a16="http://schemas.microsoft.com/office/drawing/2014/main" id="{DE6D6A52-8973-49FE-9ACA-B1DA93E4ABD4}"/>
+                  </a:ext>
+                </a:extLst>
+              </p:cNvPr>
+              <p:cNvSpPr txBox="1">
+                <a:spLocks noRot="1" noChangeAspect="1" noMove="1" noResize="1" noEditPoints="1" noAdjustHandles="1" noChangeArrowheads="1" noChangeShapeType="1" noTextEdit="1"/>
+              </p:cNvSpPr>
+              <p:nvPr/>
+            </p:nvSpPr>
+            <p:spPr>
+              <a:xfrm>
+                <a:off x="4191000" y="5069553"/>
+                <a:ext cx="1112484" cy="215444"/>
+              </a:xfrm>
+              <a:prstGeom prst="rect">
+                <a:avLst/>
+              </a:prstGeom>
+              <a:blipFill>
+                <a:blip r:embed="rId5"/>
+                <a:stretch>
+                  <a:fillRect l="-4396" t="-31429" r="-10440" b="-48571"/>
+                </a:stretch>
+              </a:blipFill>
+            </p:spPr>
+            <p:txBody>
+              <a:bodyPr/>
+              <a:lstStyle/>
+              <a:p>
+                <a:r>
+                  <a:rPr lang="en-US">
+                    <a:noFill/>
+                  </a:rPr>
+                  <a:t> </a:t>
+                </a:r>
+              </a:p>
+            </p:txBody>
+          </p:sp>
+        </mc:Fallback>
+      </mc:AlternateContent>
+      <p:sp>
+        <p:nvSpPr>
+          <p:cNvPr id="6" name="Right Brace 5">
+            <a:extLst>
+              <a:ext uri="{FF2B5EF4-FFF2-40B4-BE49-F238E27FC236}">
+                <a16:creationId xmlns:a16="http://schemas.microsoft.com/office/drawing/2014/main" id="{AA351843-E00F-4D25-B8F3-193360EF5057}"/>
+              </a:ext>
+            </a:extLst>
+          </p:cNvPr>
+          <p:cNvSpPr/>
+          <p:nvPr/>
+        </p:nvSpPr>
+        <p:spPr>
+          <a:xfrm rot="16200000">
+            <a:off x="1562100" y="914400"/>
+            <a:ext cx="228600" cy="1981200"/>
+          </a:xfrm>
+          <a:prstGeom prst="rightBrace">
+            <a:avLst>
+              <a:gd name="adj1" fmla="val 47271"/>
+              <a:gd name="adj2" fmla="val 50000"/>
+            </a:avLst>
+          </a:prstGeom>
+          <a:ln w="38100">
+            <a:solidFill>
+              <a:schemeClr val="tx1"/>
+            </a:solidFill>
+          </a:ln>
+        </p:spPr>
+        <p:style>
+          <a:lnRef idx="1">
+            <a:schemeClr val="accent1"/>
+          </a:lnRef>
+          <a:fillRef idx="0">
+            <a:schemeClr val="accent1"/>
+          </a:fillRef>
+          <a:effectRef idx="0">
+            <a:schemeClr val="accent1"/>
+          </a:effectRef>
+          <a:fontRef idx="minor">
+            <a:schemeClr val="tx1"/>
+          </a:fontRef>
+        </p:style>
+        <p:txBody>
+          <a:bodyPr rtlCol="0" anchor="ctr"/>
+          <a:lstStyle/>
+          <a:p>
+            <a:pPr algn="ctr"/>
+            <a:endParaRPr lang="en-US"/>
+          </a:p>
+        </p:txBody>
+      </p:sp>
+      <mc:AlternateContent xmlns:mc="http://schemas.openxmlformats.org/markup-compatibility/2006">
+        <mc:Choice xmlns:a14="http://schemas.microsoft.com/office/drawing/2010/main" Requires="a14">
+          <p:sp>
+            <p:nvSpPr>
+              <p:cNvPr id="7" name="TextBox 6">
+                <a:extLst>
+                  <a:ext uri="{FF2B5EF4-FFF2-40B4-BE49-F238E27FC236}">
+                    <a16:creationId xmlns:a16="http://schemas.microsoft.com/office/drawing/2014/main" id="{5F6F1AA3-2DE1-4F22-B192-EC82EC5046D5}"/>
+                  </a:ext>
+                </a:extLst>
+              </p:cNvPr>
+              <p:cNvSpPr txBox="1"/>
+              <p:nvPr/>
+            </p:nvSpPr>
+            <p:spPr>
+              <a:xfrm>
+                <a:off x="1066800" y="1418040"/>
+                <a:ext cx="1274722" cy="307777"/>
+              </a:xfrm>
+              <a:prstGeom prst="rect">
+                <a:avLst/>
+              </a:prstGeom>
+              <a:noFill/>
+            </p:spPr>
+            <p:txBody>
+              <a:bodyPr wrap="square" rtlCol="0">
+                <a:spAutoFit/>
+              </a:bodyPr>
+              <a:lstStyle/>
+              <a:p>
+                <a:pPr algn="ctr"/>
+                <a:r>
+                  <a:rPr lang="en-US" sz="1400" dirty="0">
+                    <a:latin typeface="Times New Roman" pitchFamily="18" charset="0"/>
+                    <a:cs typeface="Times New Roman" pitchFamily="18" charset="0"/>
+                  </a:rPr>
+                  <a:t>Exceeds </a:t>
+                </a:r>
+                <a14:m>
+                  <m:oMath xmlns:m="http://schemas.openxmlformats.org/officeDocument/2006/math">
+                    <m:sSub>
+                      <m:sSubPr>
+                        <m:ctrlPr>
+                          <a:rPr lang="en-US" sz="1400" b="0" i="1" smtClean="0">
+                            <a:latin typeface="Cambria Math" panose="02040503050406030204" pitchFamily="18" charset="0"/>
+                            <a:cs typeface="Times New Roman" pitchFamily="18" charset="0"/>
+                          </a:rPr>
+                        </m:ctrlPr>
+                      </m:sSubPr>
+                      <m:e>
+                        <m:r>
+                          <a:rPr lang="en-US" sz="1400" b="0" i="1" smtClean="0">
+                            <a:latin typeface="Cambria Math" panose="02040503050406030204" pitchFamily="18" charset="0"/>
+                            <a:cs typeface="Times New Roman" pitchFamily="18" charset="0"/>
+                          </a:rPr>
+                          <m:t>𝑣</m:t>
+                        </m:r>
+                      </m:e>
+                      <m:sub>
+                        <m:r>
+                          <a:rPr lang="en-US" sz="1400" b="0" i="1" smtClean="0">
+                            <a:latin typeface="Cambria Math" panose="02040503050406030204" pitchFamily="18" charset="0"/>
+                            <a:cs typeface="Times New Roman" pitchFamily="18" charset="0"/>
+                          </a:rPr>
+                          <m:t>𝑚𝑎𝑥</m:t>
+                        </m:r>
+                      </m:sub>
+                    </m:sSub>
+                  </m:oMath>
+                </a14:m>
+                <a:endParaRPr lang="en-US" sz="1400" dirty="0">
+                  <a:latin typeface="Times New Roman" pitchFamily="18" charset="0"/>
+                  <a:cs typeface="Times New Roman" pitchFamily="18" charset="0"/>
+                </a:endParaRPr>
+              </a:p>
+            </p:txBody>
+          </p:sp>
+        </mc:Choice>
+        <mc:Fallback>
+          <p:sp>
+            <p:nvSpPr>
+              <p:cNvPr id="7" name="TextBox 6">
+                <a:extLst>
+                  <a:ext uri="{FF2B5EF4-FFF2-40B4-BE49-F238E27FC236}">
+                    <a16:creationId xmlns:a16="http://schemas.microsoft.com/office/drawing/2014/main" id="{5F6F1AA3-2DE1-4F22-B192-EC82EC5046D5}"/>
+                  </a:ext>
+                </a:extLst>
+              </p:cNvPr>
+              <p:cNvSpPr txBox="1">
+                <a:spLocks noRot="1" noChangeAspect="1" noMove="1" noResize="1" noEditPoints="1" noAdjustHandles="1" noChangeArrowheads="1" noChangeShapeType="1" noTextEdit="1"/>
+              </p:cNvSpPr>
+              <p:nvPr/>
+            </p:nvSpPr>
+            <p:spPr>
+              <a:xfrm>
+                <a:off x="1066800" y="1418040"/>
+                <a:ext cx="1274722" cy="307777"/>
+              </a:xfrm>
+              <a:prstGeom prst="rect">
+                <a:avLst/>
+              </a:prstGeom>
+              <a:blipFill>
+                <a:blip r:embed="rId6"/>
+                <a:stretch>
+                  <a:fillRect t="-4000" b="-20000"/>
+                </a:stretch>
+              </a:blipFill>
+            </p:spPr>
+            <p:txBody>
+              <a:bodyPr/>
+              <a:lstStyle/>
+              <a:p>
+                <a:r>
+                  <a:rPr lang="en-US">
+                    <a:noFill/>
+                  </a:rPr>
+                  <a:t> </a:t>
+                </a:r>
+              </a:p>
+            </p:txBody>
+          </p:sp>
+        </mc:Fallback>
+      </mc:AlternateContent>
+      <mc:AlternateContent xmlns:mc="http://schemas.openxmlformats.org/markup-compatibility/2006">
+        <mc:Choice xmlns:a14="http://schemas.microsoft.com/office/drawing/2010/main" Requires="a14">
+          <p:sp>
+            <p:nvSpPr>
+              <p:cNvPr id="9" name="TextBox 8">
+                <a:extLst>
+                  <a:ext uri="{FF2B5EF4-FFF2-40B4-BE49-F238E27FC236}">
+                    <a16:creationId xmlns:a16="http://schemas.microsoft.com/office/drawing/2014/main" id="{5CE12038-8DDD-4A53-A9BD-819A2E285BC1}"/>
+                  </a:ext>
+                </a:extLst>
+              </p:cNvPr>
+              <p:cNvSpPr txBox="1"/>
+              <p:nvPr/>
+            </p:nvSpPr>
+            <p:spPr>
+              <a:xfrm>
+                <a:off x="6400800" y="4732740"/>
+                <a:ext cx="1274722" cy="307777"/>
+              </a:xfrm>
+              <a:prstGeom prst="rect">
+                <a:avLst/>
+              </a:prstGeom>
+              <a:solidFill>
+                <a:schemeClr val="bg1"/>
+              </a:solidFill>
+            </p:spPr>
+            <p:txBody>
+              <a:bodyPr wrap="square" rtlCol="0">
+                <a:spAutoFit/>
+              </a:bodyPr>
+              <a:lstStyle/>
+              <a:p>
+                <a:pPr algn="ctr"/>
+                <a:r>
+                  <a:rPr lang="en-US" sz="1400" dirty="0">
+                    <a:latin typeface="Times New Roman" pitchFamily="18" charset="0"/>
+                    <a:cs typeface="Times New Roman" pitchFamily="18" charset="0"/>
+                  </a:rPr>
+                  <a:t>Exceeds </a:t>
+                </a:r>
+                <a14:m>
+                  <m:oMath xmlns:m="http://schemas.openxmlformats.org/officeDocument/2006/math">
+                    <m:sSub>
+                      <m:sSubPr>
+                        <m:ctrlPr>
+                          <a:rPr lang="en-US" sz="1400" b="0" i="1" smtClean="0">
+                            <a:latin typeface="Cambria Math" panose="02040503050406030204" pitchFamily="18" charset="0"/>
+                            <a:cs typeface="Times New Roman" pitchFamily="18" charset="0"/>
+                          </a:rPr>
+                        </m:ctrlPr>
+                      </m:sSubPr>
+                      <m:e>
+                        <m:r>
+                          <a:rPr lang="en-US" sz="1400" b="0" i="1" smtClean="0">
+                            <a:latin typeface="Cambria Math" panose="02040503050406030204" pitchFamily="18" charset="0"/>
+                            <a:cs typeface="Times New Roman" pitchFamily="18" charset="0"/>
+                          </a:rPr>
+                          <m:t>𝑣</m:t>
+                        </m:r>
+                      </m:e>
+                      <m:sub>
+                        <m:r>
+                          <a:rPr lang="en-US" sz="1400" b="0" i="1" smtClean="0">
+                            <a:latin typeface="Cambria Math" panose="02040503050406030204" pitchFamily="18" charset="0"/>
+                            <a:cs typeface="Times New Roman" pitchFamily="18" charset="0"/>
+                          </a:rPr>
+                          <m:t>𝑚𝑎𝑥</m:t>
+                        </m:r>
+                      </m:sub>
+                    </m:sSub>
+                  </m:oMath>
+                </a14:m>
+                <a:endParaRPr lang="en-US" sz="1400" dirty="0">
+                  <a:latin typeface="Times New Roman" pitchFamily="18" charset="0"/>
+                  <a:cs typeface="Times New Roman" pitchFamily="18" charset="0"/>
+                </a:endParaRPr>
+              </a:p>
+            </p:txBody>
+          </p:sp>
+        </mc:Choice>
+        <mc:Fallback>
+          <p:sp>
+            <p:nvSpPr>
+              <p:cNvPr id="9" name="TextBox 8">
+                <a:extLst>
+                  <a:ext uri="{FF2B5EF4-FFF2-40B4-BE49-F238E27FC236}">
+                    <a16:creationId xmlns:a16="http://schemas.microsoft.com/office/drawing/2014/main" id="{5CE12038-8DDD-4A53-A9BD-819A2E285BC1}"/>
+                  </a:ext>
+                </a:extLst>
+              </p:cNvPr>
+              <p:cNvSpPr txBox="1">
+                <a:spLocks noRot="1" noChangeAspect="1" noMove="1" noResize="1" noEditPoints="1" noAdjustHandles="1" noChangeArrowheads="1" noChangeShapeType="1" noTextEdit="1"/>
+              </p:cNvSpPr>
+              <p:nvPr/>
+            </p:nvSpPr>
+            <p:spPr>
+              <a:xfrm>
+                <a:off x="6400800" y="4732740"/>
+                <a:ext cx="1274722" cy="307777"/>
+              </a:xfrm>
+              <a:prstGeom prst="rect">
+                <a:avLst/>
+              </a:prstGeom>
+              <a:blipFill>
+                <a:blip r:embed="rId7"/>
+                <a:stretch>
+                  <a:fillRect t="-1961" b="-19608"/>
+                </a:stretch>
+              </a:blipFill>
+            </p:spPr>
+            <p:txBody>
+              <a:bodyPr/>
+              <a:lstStyle/>
+              <a:p>
+                <a:r>
+                  <a:rPr lang="en-US">
+                    <a:noFill/>
+                  </a:rPr>
+                  <a:t> </a:t>
+                </a:r>
+              </a:p>
+            </p:txBody>
+          </p:sp>
+        </mc:Fallback>
+      </mc:AlternateContent>
+      <p:sp>
+        <p:nvSpPr>
+          <p:cNvPr id="8" name="Right Brace 7">
+            <a:extLst>
+              <a:ext uri="{FF2B5EF4-FFF2-40B4-BE49-F238E27FC236}">
+                <a16:creationId xmlns:a16="http://schemas.microsoft.com/office/drawing/2014/main" id="{A1E5FA90-0159-4208-80D2-C768D1885162}"/>
+              </a:ext>
+            </a:extLst>
+          </p:cNvPr>
+          <p:cNvSpPr/>
+          <p:nvPr/>
+        </p:nvSpPr>
+        <p:spPr>
+          <a:xfrm rot="5400000">
+            <a:off x="6896100" y="3619500"/>
+            <a:ext cx="228600" cy="1981200"/>
+          </a:xfrm>
+          <a:prstGeom prst="rightBrace">
+            <a:avLst>
+              <a:gd name="adj1" fmla="val 47271"/>
+              <a:gd name="adj2" fmla="val 50000"/>
+            </a:avLst>
+          </a:prstGeom>
+          <a:ln w="38100">
+            <a:solidFill>
+              <a:schemeClr val="tx1"/>
+            </a:solidFill>
+          </a:ln>
+        </p:spPr>
+        <p:style>
+          <a:lnRef idx="1">
+            <a:schemeClr val="accent1"/>
+          </a:lnRef>
+          <a:fillRef idx="0">
+            <a:schemeClr val="accent1"/>
+          </a:fillRef>
+          <a:effectRef idx="0">
+            <a:schemeClr val="accent1"/>
+          </a:effectRef>
+          <a:fontRef idx="minor">
+            <a:schemeClr val="tx1"/>
+          </a:fontRef>
+        </p:style>
+        <p:txBody>
+          <a:bodyPr rtlCol="0" anchor="ctr"/>
+          <a:lstStyle/>
+          <a:p>
+            <a:pPr algn="ctr"/>
+            <a:endParaRPr lang="en-US"/>
+          </a:p>
+        </p:txBody>
+      </p:sp>
+      <p:sp>
+        <p:nvSpPr>
+          <p:cNvPr id="10" name="TextBox 9">
+            <a:extLst>
+              <a:ext uri="{FF2B5EF4-FFF2-40B4-BE49-F238E27FC236}">
+                <a16:creationId xmlns:a16="http://schemas.microsoft.com/office/drawing/2014/main" id="{667CCE25-B7DA-49C6-82ED-02A85AFBFB28}"/>
+              </a:ext>
+            </a:extLst>
+          </p:cNvPr>
+          <p:cNvSpPr txBox="1"/>
+          <p:nvPr/>
+        </p:nvSpPr>
+        <p:spPr>
+          <a:xfrm>
+            <a:off x="1752600" y="3581400"/>
+            <a:ext cx="1752600" cy="523220"/>
+          </a:xfrm>
+          <a:prstGeom prst="rect">
+            <a:avLst/>
+          </a:prstGeom>
+          <a:solidFill>
+            <a:schemeClr val="bg1"/>
+          </a:solidFill>
+          <a:ln w="19050">
+            <a:solidFill>
+              <a:schemeClr val="tx1"/>
+            </a:solidFill>
+          </a:ln>
+        </p:spPr>
+        <p:txBody>
+          <a:bodyPr wrap="square" rtlCol="0">
+            <a:spAutoFit/>
+          </a:bodyPr>
+          <a:lstStyle/>
+          <a:p>
+            <a:pPr algn="ctr"/>
+            <a:r>
+              <a:rPr lang="en-US" sz="1400" dirty="0">
+                <a:latin typeface="Times New Roman" pitchFamily="18" charset="0"/>
+                <a:cs typeface="Times New Roman" pitchFamily="18" charset="0"/>
+              </a:rPr>
+              <a:t>Invalid paths (outside of flight envelope)</a:t>
+            </a:r>
+          </a:p>
+        </p:txBody>
+      </p:sp>
+      <p:cxnSp>
+        <p:nvCxnSpPr>
+          <p:cNvPr id="13" name="Straight Arrow Connector 12">
+            <a:extLst>
+              <a:ext uri="{FF2B5EF4-FFF2-40B4-BE49-F238E27FC236}">
+                <a16:creationId xmlns:a16="http://schemas.microsoft.com/office/drawing/2014/main" id="{EE7D1A0D-3508-4A28-BE03-C5BEBF22F41F}"/>
+              </a:ext>
+            </a:extLst>
+          </p:cNvPr>
+          <p:cNvCxnSpPr>
+            <a:cxnSpLocks/>
+            <a:stCxn id="10" idx="3"/>
+          </p:cNvCxnSpPr>
+          <p:nvPr/>
+        </p:nvCxnSpPr>
+        <p:spPr>
+          <a:xfrm>
+            <a:off x="3505200" y="3843010"/>
+            <a:ext cx="1143000" cy="0"/>
+          </a:xfrm>
+          <a:prstGeom prst="straightConnector1">
+            <a:avLst/>
+          </a:prstGeom>
+          <a:ln w="28575">
+            <a:solidFill>
+              <a:schemeClr val="tx1"/>
+            </a:solidFill>
+            <a:tailEnd type="triangle"/>
+          </a:ln>
+        </p:spPr>
+        <p:style>
+          <a:lnRef idx="1">
+            <a:schemeClr val="accent1"/>
+          </a:lnRef>
+          <a:fillRef idx="0">
+            <a:schemeClr val="accent1"/>
+          </a:fillRef>
+          <a:effectRef idx="0">
+            <a:schemeClr val="accent1"/>
+          </a:effectRef>
+          <a:fontRef idx="minor">
+            <a:schemeClr val="tx1"/>
+          </a:fontRef>
+        </p:style>
+      </p:cxnSp>
+      <p:cxnSp>
+        <p:nvCxnSpPr>
+          <p:cNvPr id="16" name="Straight Arrow Connector 15">
+            <a:extLst>
+              <a:ext uri="{FF2B5EF4-FFF2-40B4-BE49-F238E27FC236}">
+                <a16:creationId xmlns:a16="http://schemas.microsoft.com/office/drawing/2014/main" id="{057A72F3-FDB5-427E-AA63-AF4595679156}"/>
+              </a:ext>
+            </a:extLst>
+          </p:cNvPr>
+          <p:cNvCxnSpPr>
+            <a:cxnSpLocks/>
+          </p:cNvCxnSpPr>
+          <p:nvPr/>
+        </p:nvCxnSpPr>
+        <p:spPr>
+          <a:xfrm flipV="1">
+            <a:off x="3733800" y="2590800"/>
+            <a:ext cx="381000" cy="1252210"/>
+          </a:xfrm>
+          <a:prstGeom prst="straightConnector1">
+            <a:avLst/>
+          </a:prstGeom>
+          <a:ln w="28575">
+            <a:solidFill>
+              <a:schemeClr val="tx1"/>
+            </a:solidFill>
+            <a:tailEnd type="triangle"/>
+          </a:ln>
+        </p:spPr>
+        <p:style>
+          <a:lnRef idx="1">
+            <a:schemeClr val="accent1"/>
+          </a:lnRef>
+          <a:fillRef idx="0">
+            <a:schemeClr val="accent1"/>
+          </a:fillRef>
+          <a:effectRef idx="0">
+            <a:schemeClr val="accent1"/>
+          </a:effectRef>
+          <a:fontRef idx="minor">
+            <a:schemeClr val="tx1"/>
+          </a:fontRef>
+        </p:style>
+      </p:cxnSp>
+    </p:spTree>
+    <p:extLst>
+      <p:ext uri="{BB962C8B-B14F-4D97-AF65-F5344CB8AC3E}">
+        <p14:creationId xmlns:p14="http://schemas.microsoft.com/office/powerpoint/2010/main" val="2059730505"/>
+      </p:ext>
+    </p:extLst>
+  </p:cSld>
+  <p:clrMapOvr>
+    <a:masterClrMapping/>
+  </p:clrMapOvr>
+</p:sld>
+</file>
+
+<file path=ppt/slides/slide15.xml><?xml version="1.0" encoding="utf-8"?>
+<p:sld xmlns:a="http://schemas.openxmlformats.org/drawingml/2006/main" xmlns:r="http://schemas.openxmlformats.org/officeDocument/2006/relationships" xmlns:p="http://schemas.openxmlformats.org/presentationml/2006/main">
+  <p:cSld>
+    <p:spTree>
+      <p:nvGrpSpPr>
+        <p:cNvPr id="1" name=""/>
+        <p:cNvGrpSpPr/>
+        <p:nvPr/>
+      </p:nvGrpSpPr>
+      <p:grpSpPr>
+        <a:xfrm>
+          <a:off x="0" y="0"/>
+          <a:ext cx="0" cy="0"/>
+          <a:chOff x="0" y="0"/>
+          <a:chExt cx="0" cy="0"/>
+        </a:xfrm>
+      </p:grpSpPr>
+      <p:pic>
+        <p:nvPicPr>
+          <p:cNvPr id="3" name="Picture 2">
+            <a:extLst>
+              <a:ext uri="{FF2B5EF4-FFF2-40B4-BE49-F238E27FC236}">
+                <a16:creationId xmlns:a16="http://schemas.microsoft.com/office/drawing/2014/main" id="{A3E8A320-35FE-4C58-AA9A-62B85AFE0303}"/>
+              </a:ext>
+            </a:extLst>
+          </p:cNvPr>
+          <p:cNvPicPr>
+            <a:picLocks noChangeAspect="1"/>
+          </p:cNvPicPr>
+          <p:nvPr/>
+        </p:nvPicPr>
+        <p:blipFill>
+          <a:blip r:embed="rId2">
+            <a:extLst>
+              <a:ext uri="{28A0092B-C50C-407E-A947-70E740481C1C}">
+                <a14:useLocalDpi xmlns:a14="http://schemas.microsoft.com/office/drawing/2010/main" val="0"/>
+              </a:ext>
+            </a:extLst>
+          </a:blip>
+          <a:stretch>
+            <a:fillRect/>
+          </a:stretch>
+        </p:blipFill>
+        <p:spPr>
+          <a:xfrm>
+            <a:off x="228600" y="1295400"/>
+            <a:ext cx="8488392" cy="5486400"/>
+          </a:xfrm>
+          <a:prstGeom prst="rect">
+            <a:avLst/>
+          </a:prstGeom>
+        </p:spPr>
+      </p:pic>
+      <p:cxnSp>
+        <p:nvCxnSpPr>
+          <p:cNvPr id="4" name="Straight Connector 3">
+            <a:extLst>
+              <a:ext uri="{FF2B5EF4-FFF2-40B4-BE49-F238E27FC236}">
+                <a16:creationId xmlns:a16="http://schemas.microsoft.com/office/drawing/2014/main" id="{AC85AEE2-2EA6-4F4E-A075-FC9A1D44CF10}"/>
+              </a:ext>
+            </a:extLst>
+          </p:cNvPr>
+          <p:cNvCxnSpPr>
+            <a:cxnSpLocks/>
+          </p:cNvCxnSpPr>
+          <p:nvPr/>
+        </p:nvCxnSpPr>
+        <p:spPr>
+          <a:xfrm>
+            <a:off x="609600" y="2133600"/>
+            <a:ext cx="0" cy="2667000"/>
+          </a:xfrm>
+          <a:prstGeom prst="line">
+            <a:avLst/>
+          </a:prstGeom>
+          <a:ln w="28575">
+            <a:solidFill>
+              <a:schemeClr val="tx1"/>
+            </a:solidFill>
+            <a:prstDash val="sysDash"/>
+          </a:ln>
+        </p:spPr>
+        <p:style>
+          <a:lnRef idx="1">
+            <a:schemeClr val="accent1"/>
+          </a:lnRef>
+          <a:fillRef idx="0">
+            <a:schemeClr val="accent1"/>
+          </a:fillRef>
+          <a:effectRef idx="0">
+            <a:schemeClr val="accent1"/>
+          </a:effectRef>
+          <a:fontRef idx="minor">
+            <a:schemeClr val="tx1"/>
+          </a:fontRef>
+        </p:style>
+      </p:cxnSp>
+      <p:cxnSp>
+        <p:nvCxnSpPr>
+          <p:cNvPr id="5" name="Straight Connector 4">
+            <a:extLst>
+              <a:ext uri="{FF2B5EF4-FFF2-40B4-BE49-F238E27FC236}">
+                <a16:creationId xmlns:a16="http://schemas.microsoft.com/office/drawing/2014/main" id="{E3582383-5C54-422F-8C6F-D3A95D026615}"/>
+              </a:ext>
+            </a:extLst>
+          </p:cNvPr>
+          <p:cNvCxnSpPr>
+            <a:cxnSpLocks/>
+          </p:cNvCxnSpPr>
+          <p:nvPr/>
+        </p:nvCxnSpPr>
+        <p:spPr>
+          <a:xfrm>
+            <a:off x="8610600" y="3276600"/>
+            <a:ext cx="0" cy="1524000"/>
+          </a:xfrm>
+          <a:prstGeom prst="line">
+            <a:avLst/>
+          </a:prstGeom>
+          <a:ln w="28575">
+            <a:solidFill>
+              <a:schemeClr val="tx1"/>
+            </a:solidFill>
+            <a:prstDash val="sysDash"/>
+          </a:ln>
+        </p:spPr>
+        <p:style>
+          <a:lnRef idx="1">
+            <a:schemeClr val="accent1"/>
+          </a:lnRef>
+          <a:fillRef idx="0">
+            <a:schemeClr val="accent1"/>
+          </a:fillRef>
+          <a:effectRef idx="0">
+            <a:schemeClr val="accent1"/>
+          </a:effectRef>
+          <a:fontRef idx="minor">
+            <a:schemeClr val="tx1"/>
+          </a:fontRef>
+        </p:style>
+      </p:cxnSp>
+      <mc:AlternateContent xmlns:mc="http://schemas.openxmlformats.org/markup-compatibility/2006">
+        <mc:Choice xmlns:a14="http://schemas.microsoft.com/office/drawing/2010/main" Requires="a14">
+          <p:sp>
+            <p:nvSpPr>
+              <p:cNvPr id="6" name="TextBox 5">
+                <a:extLst>
+                  <a:ext uri="{FF2B5EF4-FFF2-40B4-BE49-F238E27FC236}">
+                    <a16:creationId xmlns:a16="http://schemas.microsoft.com/office/drawing/2014/main" id="{AFB15FB0-3293-40AA-8773-11E75BF9C75B}"/>
+                  </a:ext>
+                </a:extLst>
+              </p:cNvPr>
+              <p:cNvSpPr txBox="1"/>
+              <p:nvPr/>
+            </p:nvSpPr>
+            <p:spPr>
+              <a:xfrm>
+                <a:off x="8489156" y="2895600"/>
+                <a:ext cx="286040" cy="276999"/>
+              </a:xfrm>
+              <a:prstGeom prst="rect">
+                <a:avLst/>
+              </a:prstGeom>
+              <a:solidFill>
+                <a:schemeClr val="bg1"/>
+              </a:solidFill>
+            </p:spPr>
+            <p:txBody>
+              <a:bodyPr wrap="none" lIns="0" tIns="0" rIns="0" bIns="0" rtlCol="0">
+                <a:spAutoFit/>
+              </a:bodyPr>
+              <a:lstStyle/>
+              <a:p>
+                <a:pPr/>
+                <a14:m>
+                  <m:oMathPara xmlns:m="http://schemas.openxmlformats.org/officeDocument/2006/math">
+                    <m:oMathParaPr>
+                      <m:jc m:val="centerGroup"/>
+                    </m:oMathParaPr>
+                    <m:oMath xmlns:m="http://schemas.openxmlformats.org/officeDocument/2006/math">
+                      <m:sSub>
+                        <m:sSubPr>
+                          <m:ctrlPr>
+                            <a:rPr lang="en-US" b="0" i="1" smtClean="0">
+                              <a:latin typeface="Cambria Math" panose="02040503050406030204" pitchFamily="18" charset="0"/>
+                            </a:rPr>
+                          </m:ctrlPr>
+                        </m:sSubPr>
+                        <m:e>
+                          <m:r>
+                            <a:rPr lang="en-US" b="0" i="1" smtClean="0">
+                              <a:latin typeface="Cambria Math" panose="02040503050406030204" pitchFamily="18" charset="0"/>
+                            </a:rPr>
+                            <m:t>𝑥</m:t>
+                          </m:r>
+                        </m:e>
+                        <m:sub>
+                          <m:r>
+                            <a:rPr lang="en-US" b="0" i="1" smtClean="0">
+                              <a:latin typeface="Cambria Math" panose="02040503050406030204" pitchFamily="18" charset="0"/>
+                            </a:rPr>
+                            <m:t>𝐴</m:t>
+                          </m:r>
+                        </m:sub>
+                      </m:sSub>
+                    </m:oMath>
+                  </m:oMathPara>
+                </a14:m>
+                <a:endParaRPr lang="en-US" dirty="0"/>
+              </a:p>
+            </p:txBody>
+          </p:sp>
+        </mc:Choice>
+        <mc:Fallback>
+          <p:sp>
+            <p:nvSpPr>
+              <p:cNvPr id="6" name="TextBox 5">
+                <a:extLst>
+                  <a:ext uri="{FF2B5EF4-FFF2-40B4-BE49-F238E27FC236}">
+                    <a16:creationId xmlns:a16="http://schemas.microsoft.com/office/drawing/2014/main" id="{AFB15FB0-3293-40AA-8773-11E75BF9C75B}"/>
+                  </a:ext>
+                </a:extLst>
+              </p:cNvPr>
+              <p:cNvSpPr txBox="1">
+                <a:spLocks noRot="1" noChangeAspect="1" noMove="1" noResize="1" noEditPoints="1" noAdjustHandles="1" noChangeArrowheads="1" noChangeShapeType="1" noTextEdit="1"/>
+              </p:cNvSpPr>
+              <p:nvPr/>
+            </p:nvSpPr>
+            <p:spPr>
+              <a:xfrm>
+                <a:off x="8489156" y="2895600"/>
+                <a:ext cx="286040" cy="276999"/>
+              </a:xfrm>
+              <a:prstGeom prst="rect">
+                <a:avLst/>
+              </a:prstGeom>
+              <a:blipFill>
+                <a:blip r:embed="rId3"/>
+                <a:stretch>
+                  <a:fillRect l="-10638" r="-8511" b="-15556"/>
+                </a:stretch>
+              </a:blipFill>
+            </p:spPr>
+            <p:txBody>
+              <a:bodyPr/>
+              <a:lstStyle/>
+              <a:p>
+                <a:r>
+                  <a:rPr lang="en-US">
+                    <a:noFill/>
+                  </a:rPr>
+                  <a:t> </a:t>
+                </a:r>
+              </a:p>
+            </p:txBody>
+          </p:sp>
+        </mc:Fallback>
+      </mc:AlternateContent>
+      <mc:AlternateContent xmlns:mc="http://schemas.openxmlformats.org/markup-compatibility/2006">
+        <mc:Choice xmlns:a14="http://schemas.microsoft.com/office/drawing/2010/main" Requires="a14">
+          <p:sp>
+            <p:nvSpPr>
+              <p:cNvPr id="7" name="TextBox 6">
+                <a:extLst>
+                  <a:ext uri="{FF2B5EF4-FFF2-40B4-BE49-F238E27FC236}">
+                    <a16:creationId xmlns:a16="http://schemas.microsoft.com/office/drawing/2014/main" id="{F8AE2055-0D73-4F3D-97DA-82035977DEDA}"/>
+                  </a:ext>
+                </a:extLst>
+              </p:cNvPr>
+              <p:cNvSpPr txBox="1"/>
+              <p:nvPr/>
+            </p:nvSpPr>
+            <p:spPr>
+              <a:xfrm>
+                <a:off x="466580" y="1752600"/>
+                <a:ext cx="301942" cy="276999"/>
+              </a:xfrm>
+              <a:prstGeom prst="rect">
+                <a:avLst/>
+              </a:prstGeom>
+              <a:solidFill>
+                <a:schemeClr val="bg1"/>
+              </a:solidFill>
+            </p:spPr>
+            <p:txBody>
+              <a:bodyPr wrap="none" lIns="0" tIns="0" rIns="0" bIns="0" rtlCol="0">
+                <a:spAutoFit/>
+              </a:bodyPr>
+              <a:lstStyle/>
+              <a:p>
+                <a:pPr/>
+                <a14:m>
+                  <m:oMathPara xmlns:m="http://schemas.openxmlformats.org/officeDocument/2006/math">
+                    <m:oMathParaPr>
+                      <m:jc m:val="centerGroup"/>
+                    </m:oMathParaPr>
+                    <m:oMath xmlns:m="http://schemas.openxmlformats.org/officeDocument/2006/math">
+                      <m:sSub>
+                        <m:sSubPr>
+                          <m:ctrlPr>
+                            <a:rPr lang="en-US" b="0" i="1" smtClean="0">
+                              <a:latin typeface="Cambria Math" panose="02040503050406030204" pitchFamily="18" charset="0"/>
+                            </a:rPr>
+                          </m:ctrlPr>
+                        </m:sSubPr>
+                        <m:e>
+                          <m:r>
+                            <a:rPr lang="en-US" b="0" i="1" smtClean="0">
+                              <a:latin typeface="Cambria Math" panose="02040503050406030204" pitchFamily="18" charset="0"/>
+                            </a:rPr>
+                            <m:t>𝑥</m:t>
+                          </m:r>
+                        </m:e>
+                        <m:sub>
+                          <m:r>
+                            <a:rPr lang="en-US" b="0" i="1" smtClean="0">
+                              <a:latin typeface="Cambria Math" panose="02040503050406030204" pitchFamily="18" charset="0"/>
+                            </a:rPr>
+                            <m:t>𝐵</m:t>
+                          </m:r>
+                        </m:sub>
+                      </m:sSub>
+                    </m:oMath>
+                  </m:oMathPara>
+                </a14:m>
+                <a:endParaRPr lang="en-US" dirty="0"/>
+              </a:p>
+            </p:txBody>
+          </p:sp>
+        </mc:Choice>
+        <mc:Fallback>
+          <p:sp>
+            <p:nvSpPr>
+              <p:cNvPr id="7" name="TextBox 6">
+                <a:extLst>
+                  <a:ext uri="{FF2B5EF4-FFF2-40B4-BE49-F238E27FC236}">
+                    <a16:creationId xmlns:a16="http://schemas.microsoft.com/office/drawing/2014/main" id="{F8AE2055-0D73-4F3D-97DA-82035977DEDA}"/>
+                  </a:ext>
+                </a:extLst>
+              </p:cNvPr>
+              <p:cNvSpPr txBox="1">
+                <a:spLocks noRot="1" noChangeAspect="1" noMove="1" noResize="1" noEditPoints="1" noAdjustHandles="1" noChangeArrowheads="1" noChangeShapeType="1" noTextEdit="1"/>
+              </p:cNvSpPr>
+              <p:nvPr/>
+            </p:nvSpPr>
+            <p:spPr>
+              <a:xfrm>
+                <a:off x="466580" y="1752600"/>
+                <a:ext cx="301942" cy="276999"/>
+              </a:xfrm>
+              <a:prstGeom prst="rect">
+                <a:avLst/>
+              </a:prstGeom>
+              <a:blipFill>
+                <a:blip r:embed="rId4"/>
+                <a:stretch>
+                  <a:fillRect l="-10204" r="-8163" b="-15556"/>
+                </a:stretch>
+              </a:blipFill>
+            </p:spPr>
+            <p:txBody>
+              <a:bodyPr/>
+              <a:lstStyle/>
+              <a:p>
+                <a:r>
+                  <a:rPr lang="en-US">
+                    <a:noFill/>
+                  </a:rPr>
+                  <a:t> </a:t>
+                </a:r>
+              </a:p>
+            </p:txBody>
+          </p:sp>
+        </mc:Fallback>
+      </mc:AlternateContent>
+      <mc:AlternateContent xmlns:mc="http://schemas.openxmlformats.org/markup-compatibility/2006">
+        <mc:Choice xmlns:a14="http://schemas.microsoft.com/office/drawing/2010/main" Requires="a14">
+          <p:sp>
+            <p:nvSpPr>
+              <p:cNvPr id="8" name="TextBox 7">
+                <a:extLst>
+                  <a:ext uri="{FF2B5EF4-FFF2-40B4-BE49-F238E27FC236}">
+                    <a16:creationId xmlns:a16="http://schemas.microsoft.com/office/drawing/2014/main" id="{98628B49-CD34-4954-B263-1A71AE4CD9A8}"/>
+                  </a:ext>
+                </a:extLst>
+              </p:cNvPr>
+              <p:cNvSpPr txBox="1"/>
+              <p:nvPr/>
+            </p:nvSpPr>
+            <p:spPr>
+              <a:xfrm>
+                <a:off x="7010400" y="3124200"/>
+                <a:ext cx="259302" cy="299313"/>
+              </a:xfrm>
+              <a:prstGeom prst="rect">
+                <a:avLst/>
+              </a:prstGeom>
+              <a:solidFill>
+                <a:schemeClr val="bg1"/>
+              </a:solidFill>
+              <a:ln>
+                <a:solidFill>
+                  <a:schemeClr val="tx1"/>
+                </a:solidFill>
+              </a:ln>
+            </p:spPr>
+            <p:txBody>
+              <a:bodyPr wrap="none" lIns="0" tIns="0" rIns="0" bIns="0" rtlCol="0">
+                <a:spAutoFit/>
+              </a:bodyPr>
+              <a:lstStyle/>
+              <a:p>
+                <a:pPr/>
+                <a14:m>
+                  <m:oMathPara xmlns:m="http://schemas.openxmlformats.org/officeDocument/2006/math">
+                    <m:oMathParaPr>
+                      <m:jc m:val="centerGroup"/>
+                    </m:oMathParaPr>
+                    <m:oMath xmlns:m="http://schemas.openxmlformats.org/officeDocument/2006/math">
+                      <m:sSub>
+                        <m:sSubPr>
+                          <m:ctrlPr>
+                            <a:rPr lang="en-US" i="1" smtClean="0">
+                              <a:latin typeface="Cambria Math" panose="02040503050406030204" pitchFamily="18" charset="0"/>
+                              <a:cs typeface="Times New Roman" pitchFamily="18" charset="0"/>
+                            </a:rPr>
+                          </m:ctrlPr>
+                        </m:sSubPr>
+                        <m:e>
+                          <m:acc>
+                            <m:accPr>
+                              <m:chr m:val="⃗"/>
+                              <m:ctrlPr>
+                                <a:rPr lang="en-US" i="1">
+                                  <a:latin typeface="Cambria Math" panose="02040503050406030204" pitchFamily="18" charset="0"/>
+                                  <a:cs typeface="Times New Roman" pitchFamily="18" charset="0"/>
+                                </a:rPr>
+                              </m:ctrlPr>
+                            </m:accPr>
+                            <m:e>
+                              <m:r>
+                                <a:rPr lang="en-US" b="0" i="1" smtClean="0">
+                                  <a:latin typeface="Cambria Math" panose="02040503050406030204" pitchFamily="18" charset="0"/>
+                                  <a:cs typeface="Times New Roman" pitchFamily="18" charset="0"/>
+                                </a:rPr>
+                                <m:t>𝑛</m:t>
+                              </m:r>
+                            </m:e>
+                          </m:acc>
+                        </m:e>
+                        <m:sub>
+                          <m:r>
+                            <a:rPr lang="en-US" b="0" i="1" smtClean="0">
+                              <a:latin typeface="Cambria Math" panose="02040503050406030204" pitchFamily="18" charset="0"/>
+                              <a:cs typeface="Times New Roman" pitchFamily="18" charset="0"/>
+                            </a:rPr>
+                            <m:t>𝑗</m:t>
+                          </m:r>
+                        </m:sub>
+                      </m:sSub>
+                    </m:oMath>
+                  </m:oMathPara>
+                </a14:m>
+                <a:endParaRPr lang="en-US" dirty="0"/>
+              </a:p>
+            </p:txBody>
+          </p:sp>
+        </mc:Choice>
+        <mc:Fallback>
+          <p:sp>
+            <p:nvSpPr>
+              <p:cNvPr id="8" name="TextBox 7">
+                <a:extLst>
+                  <a:ext uri="{FF2B5EF4-FFF2-40B4-BE49-F238E27FC236}">
+                    <a16:creationId xmlns:a16="http://schemas.microsoft.com/office/drawing/2014/main" id="{98628B49-CD34-4954-B263-1A71AE4CD9A8}"/>
+                  </a:ext>
+                </a:extLst>
+              </p:cNvPr>
+              <p:cNvSpPr txBox="1">
+                <a:spLocks noRot="1" noChangeAspect="1" noMove="1" noResize="1" noEditPoints="1" noAdjustHandles="1" noChangeArrowheads="1" noChangeShapeType="1" noTextEdit="1"/>
+              </p:cNvSpPr>
+              <p:nvPr/>
+            </p:nvSpPr>
+            <p:spPr>
+              <a:xfrm>
+                <a:off x="7010400" y="3124200"/>
+                <a:ext cx="259302" cy="299313"/>
+              </a:xfrm>
+              <a:prstGeom prst="rect">
+                <a:avLst/>
+              </a:prstGeom>
+              <a:blipFill>
+                <a:blip r:embed="rId5"/>
+                <a:stretch>
+                  <a:fillRect l="-11111" r="-11111" b="-21569"/>
+                </a:stretch>
+              </a:blipFill>
+              <a:ln>
+                <a:solidFill>
+                  <a:schemeClr val="tx1"/>
+                </a:solidFill>
+              </a:ln>
+            </p:spPr>
+            <p:txBody>
+              <a:bodyPr/>
+              <a:lstStyle/>
+              <a:p>
+                <a:r>
+                  <a:rPr lang="en-US">
+                    <a:noFill/>
+                  </a:rPr>
+                  <a:t> </a:t>
+                </a:r>
+              </a:p>
+            </p:txBody>
+          </p:sp>
+        </mc:Fallback>
+      </mc:AlternateContent>
+      <mc:AlternateContent xmlns:mc="http://schemas.openxmlformats.org/markup-compatibility/2006">
+        <mc:Choice xmlns:a14="http://schemas.microsoft.com/office/drawing/2010/main" Requires="a14">
+          <p:sp>
+            <p:nvSpPr>
+              <p:cNvPr id="9" name="TextBox 8">
+                <a:extLst>
+                  <a:ext uri="{FF2B5EF4-FFF2-40B4-BE49-F238E27FC236}">
+                    <a16:creationId xmlns:a16="http://schemas.microsoft.com/office/drawing/2014/main" id="{E237EAFF-A43C-4A6B-85D5-7A91E423A074}"/>
+                  </a:ext>
+                </a:extLst>
+              </p:cNvPr>
+              <p:cNvSpPr txBox="1"/>
+              <p:nvPr/>
+            </p:nvSpPr>
+            <p:spPr>
+              <a:xfrm>
+                <a:off x="7543800" y="3165578"/>
+                <a:ext cx="478914" cy="299313"/>
+              </a:xfrm>
+              <a:prstGeom prst="rect">
+                <a:avLst/>
+              </a:prstGeom>
+              <a:solidFill>
+                <a:schemeClr val="bg1"/>
+              </a:solidFill>
+              <a:ln>
+                <a:solidFill>
+                  <a:schemeClr val="tx1"/>
+                </a:solidFill>
+              </a:ln>
+            </p:spPr>
+            <p:txBody>
+              <a:bodyPr wrap="none" lIns="0" tIns="0" rIns="0" bIns="0" rtlCol="0">
+                <a:spAutoFit/>
+              </a:bodyPr>
+              <a:lstStyle/>
+              <a:p>
+                <a:pPr/>
+                <a14:m>
+                  <m:oMathPara xmlns:m="http://schemas.openxmlformats.org/officeDocument/2006/math">
+                    <m:oMathParaPr>
+                      <m:jc m:val="centerGroup"/>
+                    </m:oMathParaPr>
+                    <m:oMath xmlns:m="http://schemas.openxmlformats.org/officeDocument/2006/math">
+                      <m:sSub>
+                        <m:sSubPr>
+                          <m:ctrlPr>
+                            <a:rPr lang="en-US" i="1" smtClean="0">
+                              <a:latin typeface="Cambria Math" panose="02040503050406030204" pitchFamily="18" charset="0"/>
+                              <a:cs typeface="Times New Roman" pitchFamily="18" charset="0"/>
+                            </a:rPr>
+                          </m:ctrlPr>
+                        </m:sSubPr>
+                        <m:e>
+                          <m:acc>
+                            <m:accPr>
+                              <m:chr m:val="⃗"/>
+                              <m:ctrlPr>
+                                <a:rPr lang="en-US" i="1">
+                                  <a:latin typeface="Cambria Math" panose="02040503050406030204" pitchFamily="18" charset="0"/>
+                                  <a:cs typeface="Times New Roman" pitchFamily="18" charset="0"/>
+                                </a:rPr>
+                              </m:ctrlPr>
+                            </m:accPr>
+                            <m:e>
+                              <m:r>
+                                <a:rPr lang="en-US" b="0" i="1" smtClean="0">
+                                  <a:latin typeface="Cambria Math" panose="02040503050406030204" pitchFamily="18" charset="0"/>
+                                  <a:cs typeface="Times New Roman" pitchFamily="18" charset="0"/>
+                                </a:rPr>
+                                <m:t>𝑛</m:t>
+                              </m:r>
+                            </m:e>
+                          </m:acc>
+                        </m:e>
+                        <m:sub>
+                          <m:r>
+                            <a:rPr lang="en-US" b="0" i="1" smtClean="0">
+                              <a:latin typeface="Cambria Math" panose="02040503050406030204" pitchFamily="18" charset="0"/>
+                              <a:cs typeface="Times New Roman" pitchFamily="18" charset="0"/>
+                            </a:rPr>
+                            <m:t>𝑗</m:t>
+                          </m:r>
+                          <m:r>
+                            <a:rPr lang="en-US" b="0" i="1" smtClean="0">
+                              <a:latin typeface="Cambria Math" panose="02040503050406030204" pitchFamily="18" charset="0"/>
+                              <a:cs typeface="Times New Roman" pitchFamily="18" charset="0"/>
+                            </a:rPr>
+                            <m:t>−1</m:t>
+                          </m:r>
+                        </m:sub>
+                      </m:sSub>
+                    </m:oMath>
+                  </m:oMathPara>
+                </a14:m>
+                <a:endParaRPr lang="en-US" dirty="0"/>
+              </a:p>
+            </p:txBody>
+          </p:sp>
+        </mc:Choice>
+        <mc:Fallback>
+          <p:sp>
+            <p:nvSpPr>
+              <p:cNvPr id="9" name="TextBox 8">
+                <a:extLst>
+                  <a:ext uri="{FF2B5EF4-FFF2-40B4-BE49-F238E27FC236}">
+                    <a16:creationId xmlns:a16="http://schemas.microsoft.com/office/drawing/2014/main" id="{E237EAFF-A43C-4A6B-85D5-7A91E423A074}"/>
+                  </a:ext>
+                </a:extLst>
+              </p:cNvPr>
+              <p:cNvSpPr txBox="1">
+                <a:spLocks noRot="1" noChangeAspect="1" noMove="1" noResize="1" noEditPoints="1" noAdjustHandles="1" noChangeArrowheads="1" noChangeShapeType="1" noTextEdit="1"/>
+              </p:cNvSpPr>
+              <p:nvPr/>
+            </p:nvSpPr>
+            <p:spPr>
+              <a:xfrm>
+                <a:off x="7543800" y="3165578"/>
+                <a:ext cx="478914" cy="299313"/>
+              </a:xfrm>
+              <a:prstGeom prst="rect">
+                <a:avLst/>
+              </a:prstGeom>
+              <a:blipFill>
+                <a:blip r:embed="rId6"/>
+                <a:stretch>
+                  <a:fillRect l="-5000" r="-3750" b="-23529"/>
+                </a:stretch>
+              </a:blipFill>
+              <a:ln>
+                <a:solidFill>
+                  <a:schemeClr val="tx1"/>
+                </a:solidFill>
+              </a:ln>
+            </p:spPr>
+            <p:txBody>
+              <a:bodyPr/>
+              <a:lstStyle/>
+              <a:p>
+                <a:r>
+                  <a:rPr lang="en-US">
+                    <a:noFill/>
+                  </a:rPr>
+                  <a:t> </a:t>
+                </a:r>
+              </a:p>
+            </p:txBody>
+          </p:sp>
+        </mc:Fallback>
+      </mc:AlternateContent>
+      <p:cxnSp>
+        <p:nvCxnSpPr>
+          <p:cNvPr id="10" name="Straight Connector 9">
+            <a:extLst>
+              <a:ext uri="{FF2B5EF4-FFF2-40B4-BE49-F238E27FC236}">
+                <a16:creationId xmlns:a16="http://schemas.microsoft.com/office/drawing/2014/main" id="{C064D8A0-0B74-4918-9EF4-727C4C3137B2}"/>
+              </a:ext>
+            </a:extLst>
+          </p:cNvPr>
+          <p:cNvCxnSpPr>
+            <a:stCxn id="8" idx="2"/>
+          </p:cNvCxnSpPr>
+          <p:nvPr/>
+        </p:nvCxnSpPr>
+        <p:spPr>
+          <a:xfrm flipH="1">
+            <a:off x="7120206" y="3423513"/>
+            <a:ext cx="19845" cy="345110"/>
+          </a:xfrm>
+          <a:prstGeom prst="line">
+            <a:avLst/>
+          </a:prstGeom>
+          <a:ln>
+            <a:solidFill>
+              <a:schemeClr val="tx1"/>
+            </a:solidFill>
+            <a:headEnd type="none" w="med" len="med"/>
+            <a:tailEnd type="triangle" w="med" len="med"/>
+          </a:ln>
+        </p:spPr>
+        <p:style>
+          <a:lnRef idx="1">
+            <a:schemeClr val="accent1"/>
+          </a:lnRef>
+          <a:fillRef idx="0">
+            <a:schemeClr val="accent1"/>
+          </a:fillRef>
+          <a:effectRef idx="0">
+            <a:schemeClr val="accent1"/>
+          </a:effectRef>
+          <a:fontRef idx="minor">
+            <a:schemeClr val="tx1"/>
+          </a:fontRef>
+        </p:style>
+      </p:cxnSp>
+      <p:cxnSp>
+        <p:nvCxnSpPr>
+          <p:cNvPr id="11" name="Straight Connector 10">
+            <a:extLst>
+              <a:ext uri="{FF2B5EF4-FFF2-40B4-BE49-F238E27FC236}">
+                <a16:creationId xmlns:a16="http://schemas.microsoft.com/office/drawing/2014/main" id="{C4E20806-72B3-45A5-ACD0-1F34EFEB4865}"/>
+              </a:ext>
+            </a:extLst>
+          </p:cNvPr>
+          <p:cNvCxnSpPr>
+            <a:cxnSpLocks/>
+            <a:stCxn id="9" idx="2"/>
+          </p:cNvCxnSpPr>
+          <p:nvPr/>
+        </p:nvCxnSpPr>
+        <p:spPr>
+          <a:xfrm flipH="1">
+            <a:off x="7391401" y="3464891"/>
+            <a:ext cx="391856" cy="345109"/>
+          </a:xfrm>
+          <a:prstGeom prst="line">
+            <a:avLst/>
+          </a:prstGeom>
+          <a:ln>
+            <a:solidFill>
+              <a:schemeClr val="tx1"/>
+            </a:solidFill>
+            <a:headEnd type="none" w="med" len="med"/>
+            <a:tailEnd type="triangle" w="med" len="med"/>
+          </a:ln>
+        </p:spPr>
+        <p:style>
+          <a:lnRef idx="1">
+            <a:schemeClr val="accent1"/>
+          </a:lnRef>
+          <a:fillRef idx="0">
+            <a:schemeClr val="accent1"/>
+          </a:fillRef>
+          <a:effectRef idx="0">
+            <a:schemeClr val="accent1"/>
+          </a:effectRef>
+          <a:fontRef idx="minor">
+            <a:schemeClr val="tx1"/>
+          </a:fontRef>
+        </p:style>
+      </p:cxnSp>
+      <p:cxnSp>
+        <p:nvCxnSpPr>
+          <p:cNvPr id="12" name="Straight Connector 11">
+            <a:extLst>
+              <a:ext uri="{FF2B5EF4-FFF2-40B4-BE49-F238E27FC236}">
+                <a16:creationId xmlns:a16="http://schemas.microsoft.com/office/drawing/2014/main" id="{D7BD422C-2A88-46B8-A95F-204478458375}"/>
+              </a:ext>
+            </a:extLst>
+          </p:cNvPr>
+          <p:cNvCxnSpPr>
+            <a:cxnSpLocks/>
+            <a:stCxn id="14" idx="2"/>
+          </p:cNvCxnSpPr>
+          <p:nvPr/>
+        </p:nvCxnSpPr>
+        <p:spPr>
+          <a:xfrm flipH="1">
+            <a:off x="3875129" y="2760047"/>
+            <a:ext cx="26830" cy="398976"/>
+          </a:xfrm>
+          <a:prstGeom prst="line">
+            <a:avLst/>
+          </a:prstGeom>
+          <a:ln>
+            <a:solidFill>
+              <a:schemeClr val="accent2">
+                <a:lumMod val="50000"/>
+              </a:schemeClr>
+            </a:solidFill>
+            <a:headEnd type="none" w="med" len="med"/>
+            <a:tailEnd type="triangle" w="med" len="med"/>
+          </a:ln>
+        </p:spPr>
+        <p:style>
+          <a:lnRef idx="1">
+            <a:schemeClr val="accent1"/>
+          </a:lnRef>
+          <a:fillRef idx="0">
+            <a:schemeClr val="accent1"/>
+          </a:fillRef>
+          <a:effectRef idx="0">
+            <a:schemeClr val="accent1"/>
+          </a:effectRef>
+          <a:fontRef idx="minor">
+            <a:schemeClr val="tx1"/>
+          </a:fontRef>
+        </p:style>
+      </p:cxnSp>
+      <p:cxnSp>
+        <p:nvCxnSpPr>
+          <p:cNvPr id="13" name="Straight Connector 12">
+            <a:extLst>
+              <a:ext uri="{FF2B5EF4-FFF2-40B4-BE49-F238E27FC236}">
+                <a16:creationId xmlns:a16="http://schemas.microsoft.com/office/drawing/2014/main" id="{F7CDCB3F-32EA-4AE1-BA0C-1DBDA7C0ACFF}"/>
+              </a:ext>
+            </a:extLst>
+          </p:cNvPr>
+          <p:cNvCxnSpPr>
+            <a:cxnSpLocks/>
+            <a:stCxn id="15" idx="0"/>
+          </p:cNvCxnSpPr>
+          <p:nvPr/>
+        </p:nvCxnSpPr>
+        <p:spPr>
+          <a:xfrm flipV="1">
+            <a:off x="5355691" y="3733800"/>
+            <a:ext cx="0" cy="364153"/>
+          </a:xfrm>
+          <a:prstGeom prst="line">
+            <a:avLst/>
+          </a:prstGeom>
+          <a:ln>
+            <a:solidFill>
+              <a:schemeClr val="accent2">
+                <a:lumMod val="50000"/>
+              </a:schemeClr>
+            </a:solidFill>
+            <a:headEnd type="none" w="med" len="med"/>
+            <a:tailEnd type="triangle" w="med" len="med"/>
+          </a:ln>
+        </p:spPr>
+        <p:style>
+          <a:lnRef idx="1">
+            <a:schemeClr val="accent1"/>
+          </a:lnRef>
+          <a:fillRef idx="0">
+            <a:schemeClr val="accent1"/>
+          </a:fillRef>
+          <a:effectRef idx="0">
+            <a:schemeClr val="accent1"/>
+          </a:effectRef>
+          <a:fontRef idx="minor">
+            <a:schemeClr val="tx1"/>
+          </a:fontRef>
+        </p:style>
+      </p:cxnSp>
+      <mc:AlternateContent xmlns:mc="http://schemas.openxmlformats.org/markup-compatibility/2006">
+        <mc:Choice xmlns:a14="http://schemas.microsoft.com/office/drawing/2010/main" Requires="a14">
+          <p:sp>
+            <p:nvSpPr>
+              <p:cNvPr id="14" name="Diamond 13">
+                <a:extLst>
+                  <a:ext uri="{FF2B5EF4-FFF2-40B4-BE49-F238E27FC236}">
+                    <a16:creationId xmlns:a16="http://schemas.microsoft.com/office/drawing/2014/main" id="{EFBE2D07-0499-4896-B6D7-A33AB9D4CDE8}"/>
+                  </a:ext>
+                </a:extLst>
+              </p:cNvPr>
+              <p:cNvSpPr/>
+              <p:nvPr/>
+            </p:nvSpPr>
+            <p:spPr>
+              <a:xfrm flipH="1">
+                <a:off x="3695051" y="2209800"/>
+                <a:ext cx="413817" cy="550247"/>
+              </a:xfrm>
+              <a:prstGeom prst="diamond">
+                <a:avLst/>
+              </a:prstGeom>
+              <a:solidFill>
+                <a:schemeClr val="accent2">
+                  <a:lumMod val="20000"/>
+                  <a:lumOff val="80000"/>
+                </a:schemeClr>
+              </a:solidFill>
+              <a:ln>
+                <a:solidFill>
+                  <a:schemeClr val="accent2">
+                    <a:lumMod val="50000"/>
+                  </a:schemeClr>
+                </a:solidFill>
+              </a:ln>
+            </p:spPr>
+            <p:txBody>
+              <a:bodyPr wrap="square" lIns="0" tIns="0" rIns="0" bIns="0" rtlCol="0">
+                <a:spAutoFit/>
+              </a:bodyPr>
+              <a:lstStyle/>
+              <a:p>
+                <a14:m>
+                  <m:oMathPara xmlns:m="http://schemas.openxmlformats.org/officeDocument/2006/math">
+                    <m:oMathParaPr>
+                      <m:jc m:val="centerGroup"/>
+                    </m:oMathParaPr>
+                    <m:oMath xmlns:m="http://schemas.openxmlformats.org/officeDocument/2006/math">
+                      <m:sSub>
+                        <m:sSubPr>
+                          <m:ctrlPr>
+                            <a:rPr lang="en-US" i="1">
+                              <a:solidFill>
+                                <a:schemeClr val="accent2">
+                                  <a:lumMod val="50000"/>
+                                </a:schemeClr>
+                              </a:solidFill>
+                              <a:latin typeface="Cambria Math" panose="02040503050406030204" pitchFamily="18" charset="0"/>
+                              <a:cs typeface="Times New Roman" pitchFamily="18" charset="0"/>
+                            </a:rPr>
+                          </m:ctrlPr>
+                        </m:sSubPr>
+                        <m:e>
+                          <m:acc>
+                            <m:accPr>
+                              <m:chr m:val="⃗"/>
+                              <m:ctrlPr>
+                                <a:rPr lang="en-US" i="1">
+                                  <a:solidFill>
+                                    <a:schemeClr val="accent2">
+                                      <a:lumMod val="50000"/>
+                                    </a:schemeClr>
+                                  </a:solidFill>
+                                  <a:latin typeface="Cambria Math" panose="02040503050406030204" pitchFamily="18" charset="0"/>
+                                  <a:cs typeface="Times New Roman" pitchFamily="18" charset="0"/>
+                                </a:rPr>
+                              </m:ctrlPr>
+                            </m:accPr>
+                            <m:e>
+                              <m:r>
+                                <a:rPr lang="en-US" i="1">
+                                  <a:solidFill>
+                                    <a:schemeClr val="accent2">
+                                      <a:lumMod val="50000"/>
+                                    </a:schemeClr>
+                                  </a:solidFill>
+                                  <a:latin typeface="Cambria Math" panose="02040503050406030204" pitchFamily="18" charset="0"/>
+                                  <a:cs typeface="Times New Roman" pitchFamily="18" charset="0"/>
+                                </a:rPr>
+                                <m:t>𝑜</m:t>
+                              </m:r>
+                            </m:e>
+                          </m:acc>
+                        </m:e>
+                        <m:sub>
+                          <m:r>
+                            <a:rPr lang="en-US" i="1">
+                              <a:solidFill>
+                                <a:schemeClr val="accent2">
+                                  <a:lumMod val="50000"/>
+                                </a:schemeClr>
+                              </a:solidFill>
+                              <a:latin typeface="Cambria Math" panose="02040503050406030204" pitchFamily="18" charset="0"/>
+                              <a:cs typeface="Times New Roman" pitchFamily="18" charset="0"/>
+                            </a:rPr>
+                            <m:t>𝑒</m:t>
+                          </m:r>
+                        </m:sub>
+                      </m:sSub>
+                    </m:oMath>
+                  </m:oMathPara>
+                </a14:m>
+                <a:endParaRPr lang="en-US" i="1" dirty="0">
+                  <a:solidFill>
+                    <a:schemeClr val="accent2">
+                      <a:lumMod val="50000"/>
+                    </a:schemeClr>
+                  </a:solidFill>
+                  <a:latin typeface="Cambria Math" panose="02040503050406030204" pitchFamily="18" charset="0"/>
+                  <a:cs typeface="Times New Roman" pitchFamily="18" charset="0"/>
+                </a:endParaRPr>
+              </a:p>
+            </p:txBody>
+          </p:sp>
+        </mc:Choice>
+        <mc:Fallback>
+          <p:sp>
+            <p:nvSpPr>
+              <p:cNvPr id="14" name="Diamond 13">
+                <a:extLst>
+                  <a:ext uri="{FF2B5EF4-FFF2-40B4-BE49-F238E27FC236}">
+                    <a16:creationId xmlns:a16="http://schemas.microsoft.com/office/drawing/2014/main" id="{EFBE2D07-0499-4896-B6D7-A33AB9D4CDE8}"/>
+                  </a:ext>
+                </a:extLst>
+              </p:cNvPr>
+              <p:cNvSpPr>
+                <a:spLocks noRot="1" noChangeAspect="1" noMove="1" noResize="1" noEditPoints="1" noAdjustHandles="1" noChangeArrowheads="1" noChangeShapeType="1" noTextEdit="1"/>
+              </p:cNvSpPr>
+              <p:nvPr/>
+            </p:nvSpPr>
+            <p:spPr>
+              <a:xfrm flipH="1">
+                <a:off x="3695051" y="2209800"/>
+                <a:ext cx="413817" cy="550247"/>
+              </a:xfrm>
+              <a:prstGeom prst="diamond">
+                <a:avLst/>
+              </a:prstGeom>
+              <a:blipFill>
+                <a:blip r:embed="rId7"/>
+                <a:stretch>
+                  <a:fillRect r="-12857"/>
+                </a:stretch>
+              </a:blipFill>
+              <a:ln>
+                <a:solidFill>
+                  <a:schemeClr val="accent2">
+                    <a:lumMod val="50000"/>
+                  </a:schemeClr>
+                </a:solidFill>
+              </a:ln>
+            </p:spPr>
+            <p:txBody>
+              <a:bodyPr/>
+              <a:lstStyle/>
+              <a:p>
+                <a:r>
+                  <a:rPr lang="en-US">
+                    <a:noFill/>
+                  </a:rPr>
+                  <a:t> </a:t>
+                </a:r>
+              </a:p>
+            </p:txBody>
+          </p:sp>
+        </mc:Fallback>
+      </mc:AlternateContent>
+      <mc:AlternateContent xmlns:mc="http://schemas.openxmlformats.org/markup-compatibility/2006">
+        <mc:Choice xmlns:a14="http://schemas.microsoft.com/office/drawing/2010/main" Requires="a14">
+          <p:sp>
+            <p:nvSpPr>
+              <p:cNvPr id="15" name="Diamond 14">
+                <a:extLst>
+                  <a:ext uri="{FF2B5EF4-FFF2-40B4-BE49-F238E27FC236}">
+                    <a16:creationId xmlns:a16="http://schemas.microsoft.com/office/drawing/2014/main" id="{9BFAA775-939E-4749-A252-C2057AF3EF19}"/>
+                  </a:ext>
+                </a:extLst>
+              </p:cNvPr>
+              <p:cNvSpPr/>
+              <p:nvPr/>
+            </p:nvSpPr>
+            <p:spPr>
+              <a:xfrm flipH="1">
+                <a:off x="5148783" y="4097953"/>
+                <a:ext cx="413817" cy="550247"/>
+              </a:xfrm>
+              <a:prstGeom prst="diamond">
+                <a:avLst/>
+              </a:prstGeom>
+              <a:solidFill>
+                <a:schemeClr val="accent2">
+                  <a:lumMod val="20000"/>
+                  <a:lumOff val="80000"/>
+                </a:schemeClr>
+              </a:solidFill>
+              <a:ln>
+                <a:solidFill>
+                  <a:schemeClr val="accent2">
+                    <a:lumMod val="50000"/>
+                  </a:schemeClr>
+                </a:solidFill>
+              </a:ln>
+            </p:spPr>
+            <p:txBody>
+              <a:bodyPr wrap="square" lIns="0" tIns="0" rIns="0" bIns="0" rtlCol="0">
+                <a:spAutoFit/>
+              </a:bodyPr>
+              <a:lstStyle/>
+              <a:p>
+                <a14:m>
+                  <m:oMathPara xmlns:m="http://schemas.openxmlformats.org/officeDocument/2006/math">
+                    <m:oMathParaPr>
+                      <m:jc m:val="centerGroup"/>
+                    </m:oMathParaPr>
+                    <m:oMath xmlns:m="http://schemas.openxmlformats.org/officeDocument/2006/math">
+                      <m:sSub>
+                        <m:sSubPr>
+                          <m:ctrlPr>
+                            <a:rPr lang="en-US" i="1" smtClean="0">
+                              <a:solidFill>
+                                <a:schemeClr val="accent2">
+                                  <a:lumMod val="50000"/>
+                                </a:schemeClr>
+                              </a:solidFill>
+                              <a:latin typeface="Cambria Math" panose="02040503050406030204" pitchFamily="18" charset="0"/>
+                              <a:cs typeface="Times New Roman" pitchFamily="18" charset="0"/>
+                            </a:rPr>
+                          </m:ctrlPr>
+                        </m:sSubPr>
+                        <m:e>
+                          <m:acc>
+                            <m:accPr>
+                              <m:chr m:val="⃗"/>
+                              <m:ctrlPr>
+                                <a:rPr lang="en-US" i="1">
+                                  <a:solidFill>
+                                    <a:schemeClr val="accent2">
+                                      <a:lumMod val="50000"/>
+                                    </a:schemeClr>
+                                  </a:solidFill>
+                                  <a:latin typeface="Cambria Math" panose="02040503050406030204" pitchFamily="18" charset="0"/>
+                                  <a:cs typeface="Times New Roman" pitchFamily="18" charset="0"/>
+                                </a:rPr>
+                              </m:ctrlPr>
+                            </m:accPr>
+                            <m:e>
+                              <m:r>
+                                <a:rPr lang="en-US" i="1">
+                                  <a:solidFill>
+                                    <a:schemeClr val="accent2">
+                                      <a:lumMod val="50000"/>
+                                    </a:schemeClr>
+                                  </a:solidFill>
+                                  <a:latin typeface="Cambria Math" panose="02040503050406030204" pitchFamily="18" charset="0"/>
+                                  <a:cs typeface="Times New Roman" pitchFamily="18" charset="0"/>
+                                </a:rPr>
+                                <m:t>𝑜</m:t>
+                              </m:r>
+                            </m:e>
+                          </m:acc>
+                        </m:e>
+                        <m:sub>
+                          <m:r>
+                            <a:rPr lang="en-US" b="0" i="1" smtClean="0">
+                              <a:solidFill>
+                                <a:schemeClr val="accent2">
+                                  <a:lumMod val="50000"/>
+                                </a:schemeClr>
+                              </a:solidFill>
+                              <a:latin typeface="Cambria Math" panose="02040503050406030204" pitchFamily="18" charset="0"/>
+                              <a:cs typeface="Times New Roman" pitchFamily="18" charset="0"/>
+                            </a:rPr>
+                            <m:t>𝑠</m:t>
+                          </m:r>
+                        </m:sub>
+                      </m:sSub>
+                    </m:oMath>
+                  </m:oMathPara>
+                </a14:m>
+                <a:endParaRPr lang="en-US" i="1" dirty="0">
+                  <a:solidFill>
+                    <a:schemeClr val="accent2">
+                      <a:lumMod val="50000"/>
+                    </a:schemeClr>
+                  </a:solidFill>
+                  <a:latin typeface="Cambria Math" panose="02040503050406030204" pitchFamily="18" charset="0"/>
+                  <a:cs typeface="Times New Roman" pitchFamily="18" charset="0"/>
+                </a:endParaRPr>
+              </a:p>
+            </p:txBody>
+          </p:sp>
+        </mc:Choice>
+        <mc:Fallback>
+          <p:sp>
+            <p:nvSpPr>
+              <p:cNvPr id="15" name="Diamond 14">
+                <a:extLst>
+                  <a:ext uri="{FF2B5EF4-FFF2-40B4-BE49-F238E27FC236}">
+                    <a16:creationId xmlns:a16="http://schemas.microsoft.com/office/drawing/2014/main" id="{9BFAA775-939E-4749-A252-C2057AF3EF19}"/>
+                  </a:ext>
+                </a:extLst>
+              </p:cNvPr>
+              <p:cNvSpPr>
+                <a:spLocks noRot="1" noChangeAspect="1" noMove="1" noResize="1" noEditPoints="1" noAdjustHandles="1" noChangeArrowheads="1" noChangeShapeType="1" noTextEdit="1"/>
+              </p:cNvSpPr>
+              <p:nvPr/>
+            </p:nvSpPr>
+            <p:spPr>
+              <a:xfrm flipH="1">
+                <a:off x="5148783" y="4097953"/>
+                <a:ext cx="413817" cy="550247"/>
+              </a:xfrm>
+              <a:prstGeom prst="diamond">
+                <a:avLst/>
+              </a:prstGeom>
+              <a:blipFill>
+                <a:blip r:embed="rId8"/>
+                <a:stretch>
+                  <a:fillRect r="-11429"/>
+                </a:stretch>
+              </a:blipFill>
+              <a:ln>
+                <a:solidFill>
+                  <a:schemeClr val="accent2">
+                    <a:lumMod val="50000"/>
+                  </a:schemeClr>
+                </a:solidFill>
+              </a:ln>
+            </p:spPr>
+            <p:txBody>
+              <a:bodyPr/>
+              <a:lstStyle/>
+              <a:p>
+                <a:r>
+                  <a:rPr lang="en-US">
+                    <a:noFill/>
+                  </a:rPr>
+                  <a:t> </a:t>
+                </a:r>
+              </a:p>
+            </p:txBody>
+          </p:sp>
+        </mc:Fallback>
+      </mc:AlternateContent>
+    </p:spTree>
+    <p:extLst>
+      <p:ext uri="{BB962C8B-B14F-4D97-AF65-F5344CB8AC3E}">
+        <p14:creationId xmlns:p14="http://schemas.microsoft.com/office/powerpoint/2010/main" val="3705906260"/>
       </p:ext>
     </p:extLst>
   </p:cSld>
@@ -22354,4 +27449,299 @@
   <a:objectDefaults/>
   <a:extraClrSchemeLst/>
 </a:theme>
+</file>
+
+<file path=ppt/theme/theme2.xml><?xml version="1.0" encoding="utf-8"?>
+<a:theme xmlns:a="http://schemas.openxmlformats.org/drawingml/2006/main" name="Office Theme">
+  <a:themeElements>
+    <a:clrScheme name="Office">
+      <a:dk1>
+        <a:sysClr val="windowText" lastClr="000000"/>
+      </a:dk1>
+      <a:lt1>
+        <a:sysClr val="window" lastClr="FFFFFF"/>
+      </a:lt1>
+      <a:dk2>
+        <a:srgbClr val="44546A"/>
+      </a:dk2>
+      <a:lt2>
+        <a:srgbClr val="E7E6E6"/>
+      </a:lt2>
+      <a:accent1>
+        <a:srgbClr val="4472C4"/>
+      </a:accent1>
+      <a:accent2>
+        <a:srgbClr val="ED7D31"/>
+      </a:accent2>
+      <a:accent3>
+        <a:srgbClr val="A5A5A5"/>
+      </a:accent3>
+      <a:accent4>
+        <a:srgbClr val="FFC000"/>
+      </a:accent4>
+      <a:accent5>
+        <a:srgbClr val="5B9BD5"/>
+      </a:accent5>
+      <a:accent6>
+        <a:srgbClr val="70AD47"/>
+      </a:accent6>
+      <a:hlink>
+        <a:srgbClr val="0563C1"/>
+      </a:hlink>
+      <a:folHlink>
+        <a:srgbClr val="954F72"/>
+      </a:folHlink>
+    </a:clrScheme>
+    <a:fontScheme name="Office">
+      <a:majorFont>
+        <a:latin typeface="Calibri Light" panose="020F0302020204030204"/>
+        <a:ea typeface=""/>
+        <a:cs typeface=""/>
+        <a:font script="Jpan" typeface="游ゴシック Light"/>
+        <a:font script="Hang" typeface="맑은 고딕"/>
+        <a:font script="Hans" typeface="等线 Light"/>
+        <a:font script="Hant" typeface="新細明體"/>
+        <a:font script="Arab" typeface="Times New Roman"/>
+        <a:font script="Hebr" typeface="Times New Roman"/>
+        <a:font script="Thai" typeface="Angsana New"/>
+        <a:font script="Ethi" typeface="Nyala"/>
+        <a:font script="Beng" typeface="Vrinda"/>
+        <a:font script="Gujr" typeface="Shruti"/>
+        <a:font script="Khmr" typeface="MoolBoran"/>
+        <a:font script="Knda" typeface="Tunga"/>
+        <a:font script="Guru" typeface="Raavi"/>
+        <a:font script="Cans" typeface="Euphemia"/>
+        <a:font script="Cher" typeface="Plantagenet Cherokee"/>
+        <a:font script="Yiii" typeface="Microsoft Yi Baiti"/>
+        <a:font script="Tibt" typeface="Microsoft Himalaya"/>
+        <a:font script="Thaa" typeface="MV Boli"/>
+        <a:font script="Deva" typeface="Mangal"/>
+        <a:font script="Telu" typeface="Gautami"/>
+        <a:font script="Taml" typeface="Latha"/>
+        <a:font script="Syrc" typeface="Estrangelo Edessa"/>
+        <a:font script="Orya" typeface="Kalinga"/>
+        <a:font script="Mlym" typeface="Kartika"/>
+        <a:font script="Laoo" typeface="DokChampa"/>
+        <a:font script="Sinh" typeface="Iskoola Pota"/>
+        <a:font script="Mong" typeface="Mongolian Baiti"/>
+        <a:font script="Viet" typeface="Times New Roman"/>
+        <a:font script="Uigh" typeface="Microsoft Uighur"/>
+        <a:font script="Geor" typeface="Sylfaen"/>
+        <a:font script="Armn" typeface="Arial"/>
+        <a:font script="Bugi" typeface="Leelawadee UI"/>
+        <a:font script="Bopo" typeface="Microsoft JhengHei"/>
+        <a:font script="Java" typeface="Javanese Text"/>
+        <a:font script="Lisu" typeface="Segoe UI"/>
+        <a:font script="Mymr" typeface="Myanmar Text"/>
+        <a:font script="Nkoo" typeface="Ebrima"/>
+        <a:font script="Olck" typeface="Nirmala UI"/>
+        <a:font script="Osma" typeface="Ebrima"/>
+        <a:font script="Phag" typeface="Phagspa"/>
+        <a:font script="Syrn" typeface="Estrangelo Edessa"/>
+        <a:font script="Syrj" typeface="Estrangelo Edessa"/>
+        <a:font script="Syre" typeface="Estrangelo Edessa"/>
+        <a:font script="Sora" typeface="Nirmala UI"/>
+        <a:font script="Tale" typeface="Microsoft Tai Le"/>
+        <a:font script="Talu" typeface="Microsoft New Tai Lue"/>
+        <a:font script="Tfng" typeface="Ebrima"/>
+      </a:majorFont>
+      <a:minorFont>
+        <a:latin typeface="Calibri" panose="020F0502020204030204"/>
+        <a:ea typeface=""/>
+        <a:cs typeface=""/>
+        <a:font script="Jpan" typeface="游ゴシック"/>
+        <a:font script="Hang" typeface="맑은 고딕"/>
+        <a:font script="Hans" typeface="等线"/>
+        <a:font script="Hant" typeface="新細明體"/>
+        <a:font script="Arab" typeface="Arial"/>
+        <a:font script="Hebr" typeface="Arial"/>
+        <a:font script="Thai" typeface="Cordia New"/>
+        <a:font script="Ethi" typeface="Nyala"/>
+        <a:font script="Beng" typeface="Vrinda"/>
+        <a:font script="Gujr" typeface="Shruti"/>
+        <a:font script="Khmr" typeface="DaunPenh"/>
+        <a:font script="Knda" typeface="Tunga"/>
+        <a:font script="Guru" typeface="Raavi"/>
+        <a:font script="Cans" typeface="Euphemia"/>
+        <a:font script="Cher" typeface="Plantagenet Cherokee"/>
+        <a:font script="Yiii" typeface="Microsoft Yi Baiti"/>
+        <a:font script="Tibt" typeface="Microsoft Himalaya"/>
+        <a:font script="Thaa" typeface="MV Boli"/>
+        <a:font script="Deva" typeface="Mangal"/>
+        <a:font script="Telu" typeface="Gautami"/>
+        <a:font script="Taml" typeface="Latha"/>
+        <a:font script="Syrc" typeface="Estrangelo Edessa"/>
+        <a:font script="Orya" typeface="Kalinga"/>
+        <a:font script="Mlym" typeface="Kartika"/>
+        <a:font script="Laoo" typeface="DokChampa"/>
+        <a:font script="Sinh" typeface="Iskoola Pota"/>
+        <a:font script="Mong" typeface="Mongolian Baiti"/>
+        <a:font script="Viet" typeface="Arial"/>
+        <a:font script="Uigh" typeface="Microsoft Uighur"/>
+        <a:font script="Geor" typeface="Sylfaen"/>
+        <a:font script="Armn" typeface="Arial"/>
+        <a:font script="Bugi" typeface="Leelawadee UI"/>
+        <a:font script="Bopo" typeface="Microsoft JhengHei"/>
+        <a:font script="Java" typeface="Javanese Text"/>
+        <a:font script="Lisu" typeface="Segoe UI"/>
+        <a:font script="Mymr" typeface="Myanmar Text"/>
+        <a:font script="Nkoo" typeface="Ebrima"/>
+        <a:font script="Olck" typeface="Nirmala UI"/>
+        <a:font script="Osma" typeface="Ebrima"/>
+        <a:font script="Phag" typeface="Phagspa"/>
+        <a:font script="Syrn" typeface="Estrangelo Edessa"/>
+        <a:font script="Syrj" typeface="Estrangelo Edessa"/>
+        <a:font script="Syre" typeface="Estrangelo Edessa"/>
+        <a:font script="Sora" typeface="Nirmala UI"/>
+        <a:font script="Tale" typeface="Microsoft Tai Le"/>
+        <a:font script="Talu" typeface="Microsoft New Tai Lue"/>
+        <a:font script="Tfng" typeface="Ebrima"/>
+      </a:minorFont>
+    </a:fontScheme>
+    <a:fmtScheme name="Office">
+      <a:fillStyleLst>
+        <a:solidFill>
+          <a:schemeClr val="phClr"/>
+        </a:solidFill>
+        <a:gradFill rotWithShape="1">
+          <a:gsLst>
+            <a:gs pos="0">
+              <a:schemeClr val="phClr">
+                <a:lumMod val="110000"/>
+                <a:satMod val="105000"/>
+                <a:tint val="67000"/>
+              </a:schemeClr>
+            </a:gs>
+            <a:gs pos="50000">
+              <a:schemeClr val="phClr">
+                <a:lumMod val="105000"/>
+                <a:satMod val="103000"/>
+                <a:tint val="73000"/>
+              </a:schemeClr>
+            </a:gs>
+            <a:gs pos="100000">
+              <a:schemeClr val="phClr">
+                <a:lumMod val="105000"/>
+                <a:satMod val="109000"/>
+                <a:tint val="81000"/>
+              </a:schemeClr>
+            </a:gs>
+          </a:gsLst>
+          <a:lin ang="5400000" scaled="0"/>
+        </a:gradFill>
+        <a:gradFill rotWithShape="1">
+          <a:gsLst>
+            <a:gs pos="0">
+              <a:schemeClr val="phClr">
+                <a:satMod val="103000"/>
+                <a:lumMod val="102000"/>
+                <a:tint val="94000"/>
+              </a:schemeClr>
+            </a:gs>
+            <a:gs pos="50000">
+              <a:schemeClr val="phClr">
+                <a:satMod val="110000"/>
+                <a:lumMod val="100000"/>
+                <a:shade val="100000"/>
+              </a:schemeClr>
+            </a:gs>
+            <a:gs pos="100000">
+              <a:schemeClr val="phClr">
+                <a:lumMod val="99000"/>
+                <a:satMod val="120000"/>
+                <a:shade val="78000"/>
+              </a:schemeClr>
+            </a:gs>
+          </a:gsLst>
+          <a:lin ang="5400000" scaled="0"/>
+        </a:gradFill>
+      </a:fillStyleLst>
+      <a:lnStyleLst>
+        <a:ln w="6350" cap="flat" cmpd="sng" algn="ctr">
+          <a:solidFill>
+            <a:schemeClr val="phClr"/>
+          </a:solidFill>
+          <a:prstDash val="solid"/>
+          <a:miter lim="800000"/>
+        </a:ln>
+        <a:ln w="12700" cap="flat" cmpd="sng" algn="ctr">
+          <a:solidFill>
+            <a:schemeClr val="phClr"/>
+          </a:solidFill>
+          <a:prstDash val="solid"/>
+          <a:miter lim="800000"/>
+        </a:ln>
+        <a:ln w="19050" cap="flat" cmpd="sng" algn="ctr">
+          <a:solidFill>
+            <a:schemeClr val="phClr"/>
+          </a:solidFill>
+          <a:prstDash val="solid"/>
+          <a:miter lim="800000"/>
+        </a:ln>
+      </a:lnStyleLst>
+      <a:effectStyleLst>
+        <a:effectStyle>
+          <a:effectLst/>
+        </a:effectStyle>
+        <a:effectStyle>
+          <a:effectLst/>
+        </a:effectStyle>
+        <a:effectStyle>
+          <a:effectLst>
+            <a:outerShdw blurRad="57150" dist="19050" dir="5400000" algn="ctr" rotWithShape="0">
+              <a:srgbClr val="000000">
+                <a:alpha val="63000"/>
+              </a:srgbClr>
+            </a:outerShdw>
+          </a:effectLst>
+        </a:effectStyle>
+      </a:effectStyleLst>
+      <a:bgFillStyleLst>
+        <a:solidFill>
+          <a:schemeClr val="phClr"/>
+        </a:solidFill>
+        <a:solidFill>
+          <a:schemeClr val="phClr">
+            <a:tint val="95000"/>
+            <a:satMod val="170000"/>
+          </a:schemeClr>
+        </a:solidFill>
+        <a:gradFill rotWithShape="1">
+          <a:gsLst>
+            <a:gs pos="0">
+              <a:schemeClr val="phClr">
+                <a:tint val="93000"/>
+                <a:satMod val="150000"/>
+                <a:shade val="98000"/>
+                <a:lumMod val="102000"/>
+              </a:schemeClr>
+            </a:gs>
+            <a:gs pos="50000">
+              <a:schemeClr val="phClr">
+                <a:tint val="98000"/>
+                <a:satMod val="130000"/>
+                <a:shade val="90000"/>
+                <a:lumMod val="103000"/>
+              </a:schemeClr>
+            </a:gs>
+            <a:gs pos="100000">
+              <a:schemeClr val="phClr">
+                <a:shade val="63000"/>
+                <a:satMod val="120000"/>
+              </a:schemeClr>
+            </a:gs>
+          </a:gsLst>
+          <a:lin ang="5400000" scaled="0"/>
+        </a:gradFill>
+      </a:bgFillStyleLst>
+    </a:fmtScheme>
+  </a:themeElements>
+  <a:objectDefaults/>
+  <a:extraClrSchemeLst/>
+  <a:extLst>
+    <a:ext uri="{05A4C25C-085E-4340-85A3-A5531E510DB2}">
+      <thm15:themeFamily xmlns:thm15="http://schemas.microsoft.com/office/thememl/2012/main" name="Office Theme" id="{62F939B6-93AF-4DB8-9C6B-D6C7DFDC589F}" vid="{4A3C46E8-61CC-4603-A589-7422A47A8E4A}"/>
+    </a:ext>
+  </a:extLst>
+</a:theme>
 </file>
--- a/docs/paper/figs/Diagrams.pptx
+++ b/docs/paper/figs/Diagrams.pptx
@@ -6723,8 +6723,8 @@
           </p:sp>
         </mc:Fallback>
       </mc:AlternateContent>
-      <mc:AlternateContent xmlns:mc="http://schemas.openxmlformats.org/markup-compatibility/2006">
-        <mc:Choice xmlns:a14="http://schemas.microsoft.com/office/drawing/2010/main" Requires="a14">
+      <mc:AlternateContent xmlns:mc="http://schemas.openxmlformats.org/markup-compatibility/2006" xmlns:a14="http://schemas.microsoft.com/office/drawing/2010/main">
+        <mc:Choice Requires="a14">
           <p:sp>
             <p:nvSpPr>
               <p:cNvPr id="15" name="TextBox 14">
@@ -6816,7 +6816,7 @@
             </p:txBody>
           </p:sp>
         </mc:Choice>
-        <mc:Fallback>
+        <mc:Fallback xmlns="">
           <p:sp>
             <p:nvSpPr>
               <p:cNvPr id="15" name="TextBox 14">
@@ -6866,8 +6866,8 @@
           </p:sp>
         </mc:Fallback>
       </mc:AlternateContent>
-      <mc:AlternateContent xmlns:mc="http://schemas.openxmlformats.org/markup-compatibility/2006">
-        <mc:Choice xmlns:a14="http://schemas.microsoft.com/office/drawing/2010/main" Requires="a14">
+      <mc:AlternateContent xmlns:mc="http://schemas.openxmlformats.org/markup-compatibility/2006" xmlns:a14="http://schemas.microsoft.com/office/drawing/2010/main">
+        <mc:Choice Requires="a14">
           <p:sp>
             <p:nvSpPr>
               <p:cNvPr id="16" name="TextBox 15">
@@ -6966,7 +6966,7 @@
             </p:txBody>
           </p:sp>
         </mc:Choice>
-        <mc:Fallback>
+        <mc:Fallback xmlns="">
           <p:sp>
             <p:nvSpPr>
               <p:cNvPr id="16" name="TextBox 15">
@@ -7203,8 +7203,8 @@
           </a:fontRef>
         </p:style>
       </p:cxnSp>
-      <mc:AlternateContent xmlns:mc="http://schemas.openxmlformats.org/markup-compatibility/2006">
-        <mc:Choice xmlns:a14="http://schemas.microsoft.com/office/drawing/2010/main" Requires="a14">
+      <mc:AlternateContent xmlns:mc="http://schemas.openxmlformats.org/markup-compatibility/2006" xmlns:a14="http://schemas.microsoft.com/office/drawing/2010/main">
+        <mc:Choice Requires="a14">
           <p:sp>
             <p:nvSpPr>
               <p:cNvPr id="23" name="Diamond 22">
@@ -7245,6 +7245,7 @@
               </a:bodyPr>
               <a:lstStyle/>
               <a:p>
+                <a:pPr/>
                 <a14:m>
                   <m:oMathPara xmlns:m="http://schemas.openxmlformats.org/officeDocument/2006/math">
                     <m:oMathParaPr>
@@ -7328,7 +7329,7 @@
             </p:txBody>
           </p:sp>
         </mc:Choice>
-        <mc:Fallback>
+        <mc:Fallback xmlns="">
           <p:sp>
             <p:nvSpPr>
               <p:cNvPr id="23" name="Diamond 22">
@@ -7380,8 +7381,8 @@
           </p:sp>
         </mc:Fallback>
       </mc:AlternateContent>
-      <mc:AlternateContent xmlns:mc="http://schemas.openxmlformats.org/markup-compatibility/2006">
-        <mc:Choice xmlns:a14="http://schemas.microsoft.com/office/drawing/2010/main" Requires="a14">
+      <mc:AlternateContent xmlns:mc="http://schemas.openxmlformats.org/markup-compatibility/2006" xmlns:a14="http://schemas.microsoft.com/office/drawing/2010/main">
+        <mc:Choice Requires="a14">
           <p:sp>
             <p:nvSpPr>
               <p:cNvPr id="26" name="Diamond 25">
@@ -7422,6 +7423,7 @@
               </a:bodyPr>
               <a:lstStyle/>
               <a:p>
+                <a:pPr/>
                 <a14:m>
                   <m:oMathPara xmlns:m="http://schemas.openxmlformats.org/officeDocument/2006/math">
                     <m:oMathParaPr>
@@ -7505,7 +7507,7 @@
             </p:txBody>
           </p:sp>
         </mc:Choice>
-        <mc:Fallback>
+        <mc:Fallback xmlns="">
           <p:sp>
             <p:nvSpPr>
               <p:cNvPr id="26" name="Diamond 25">
@@ -7711,8 +7713,8 @@
           </a:fontRef>
         </p:style>
       </p:cxnSp>
-      <mc:AlternateContent xmlns:mc="http://schemas.openxmlformats.org/markup-compatibility/2006">
-        <mc:Choice xmlns:a14="http://schemas.microsoft.com/office/drawing/2010/main" Requires="a14">
+      <mc:AlternateContent xmlns:mc="http://schemas.openxmlformats.org/markup-compatibility/2006" xmlns:a14="http://schemas.microsoft.com/office/drawing/2010/main">
+        <mc:Choice Requires="a14">
           <p:sp>
             <p:nvSpPr>
               <p:cNvPr id="10" name="TextBox 9">
@@ -7783,7 +7785,7 @@
             </p:txBody>
           </p:sp>
         </mc:Choice>
-        <mc:Fallback>
+        <mc:Fallback xmlns="">
           <p:sp>
             <p:nvSpPr>
               <p:cNvPr id="10" name="TextBox 9">
@@ -7828,8 +7830,8 @@
           </p:sp>
         </mc:Fallback>
       </mc:AlternateContent>
-      <mc:AlternateContent xmlns:mc="http://schemas.openxmlformats.org/markup-compatibility/2006">
-        <mc:Choice xmlns:a14="http://schemas.microsoft.com/office/drawing/2010/main" Requires="a14">
+      <mc:AlternateContent xmlns:mc="http://schemas.openxmlformats.org/markup-compatibility/2006" xmlns:a14="http://schemas.microsoft.com/office/drawing/2010/main">
+        <mc:Choice Requires="a14">
           <p:sp>
             <p:nvSpPr>
               <p:cNvPr id="11" name="TextBox 10">
@@ -7900,7 +7902,7 @@
             </p:txBody>
           </p:sp>
         </mc:Choice>
-        <mc:Fallback>
+        <mc:Fallback xmlns="">
           <p:sp>
             <p:nvSpPr>
               <p:cNvPr id="11" name="TextBox 10">
@@ -7945,8 +7947,8 @@
           </p:sp>
         </mc:Fallback>
       </mc:AlternateContent>
-      <mc:AlternateContent xmlns:mc="http://schemas.openxmlformats.org/markup-compatibility/2006">
-        <mc:Choice xmlns:a14="http://schemas.microsoft.com/office/drawing/2010/main" Requires="a14">
+      <mc:AlternateContent xmlns:mc="http://schemas.openxmlformats.org/markup-compatibility/2006" xmlns:a14="http://schemas.microsoft.com/office/drawing/2010/main">
+        <mc:Choice Requires="a14">
           <p:sp>
             <p:nvSpPr>
               <p:cNvPr id="13" name="TextBox 12">
@@ -8033,7 +8035,7 @@
             </p:txBody>
           </p:sp>
         </mc:Choice>
-        <mc:Fallback>
+        <mc:Fallback xmlns="">
           <p:sp>
             <p:nvSpPr>
               <p:cNvPr id="13" name="TextBox 12">
@@ -8078,8 +8080,8 @@
           </p:sp>
         </mc:Fallback>
       </mc:AlternateContent>
-      <mc:AlternateContent xmlns:mc="http://schemas.openxmlformats.org/markup-compatibility/2006">
-        <mc:Choice xmlns:a14="http://schemas.microsoft.com/office/drawing/2010/main" Requires="a14">
+      <mc:AlternateContent xmlns:mc="http://schemas.openxmlformats.org/markup-compatibility/2006" xmlns:a14="http://schemas.microsoft.com/office/drawing/2010/main">
+        <mc:Choice Requires="a14">
           <p:sp>
             <p:nvSpPr>
               <p:cNvPr id="14" name="TextBox 13">
@@ -8166,7 +8168,7 @@
             </p:txBody>
           </p:sp>
         </mc:Choice>
-        <mc:Fallback>
+        <mc:Fallback xmlns="">
           <p:sp>
             <p:nvSpPr>
               <p:cNvPr id="14" name="TextBox 13">
@@ -8211,8 +8213,8 @@
           </p:sp>
         </mc:Fallback>
       </mc:AlternateContent>
-      <mc:AlternateContent xmlns:mc="http://schemas.openxmlformats.org/markup-compatibility/2006">
-        <mc:Choice xmlns:a14="http://schemas.microsoft.com/office/drawing/2010/main" Requires="a14">
+      <mc:AlternateContent xmlns:mc="http://schemas.openxmlformats.org/markup-compatibility/2006" xmlns:a14="http://schemas.microsoft.com/office/drawing/2010/main">
+        <mc:Choice Requires="a14">
           <p:sp>
             <p:nvSpPr>
               <p:cNvPr id="15" name="TextBox 14">
@@ -8299,7 +8301,7 @@
             </p:txBody>
           </p:sp>
         </mc:Choice>
-        <mc:Fallback>
+        <mc:Fallback xmlns="">
           <p:sp>
             <p:nvSpPr>
               <p:cNvPr id="15" name="TextBox 14">
@@ -8344,8 +8346,8 @@
           </p:sp>
         </mc:Fallback>
       </mc:AlternateContent>
-      <mc:AlternateContent xmlns:mc="http://schemas.openxmlformats.org/markup-compatibility/2006">
-        <mc:Choice xmlns:a14="http://schemas.microsoft.com/office/drawing/2010/main" Requires="a14">
+      <mc:AlternateContent xmlns:mc="http://schemas.openxmlformats.org/markup-compatibility/2006" xmlns:a14="http://schemas.microsoft.com/office/drawing/2010/main">
+        <mc:Choice Requires="a14">
           <p:sp>
             <p:nvSpPr>
               <p:cNvPr id="16" name="TextBox 15">
@@ -8444,7 +8446,7 @@
             </p:txBody>
           </p:sp>
         </mc:Choice>
-        <mc:Fallback>
+        <mc:Fallback xmlns="">
           <p:sp>
             <p:nvSpPr>
               <p:cNvPr id="16" name="TextBox 15">
@@ -8494,8 +8496,8 @@
           </p:sp>
         </mc:Fallback>
       </mc:AlternateContent>
-      <mc:AlternateContent xmlns:mc="http://schemas.openxmlformats.org/markup-compatibility/2006">
-        <mc:Choice xmlns:a14="http://schemas.microsoft.com/office/drawing/2010/main" Requires="a14">
+      <mc:AlternateContent xmlns:mc="http://schemas.openxmlformats.org/markup-compatibility/2006" xmlns:a14="http://schemas.microsoft.com/office/drawing/2010/main">
+        <mc:Choice Requires="a14">
           <p:sp>
             <p:nvSpPr>
               <p:cNvPr id="12" name="TextBox 11">
@@ -8535,11 +8537,12 @@
                 </a:lvl1pPr>
               </a:lstStyle>
               <a:p>
-                <a:pPr/>
                 <a14:m>
                   <m:oMath xmlns:m="http://schemas.openxmlformats.org/officeDocument/2006/math">
                     <m:r>
-                      <a:rPr lang="en-US" b="1" i="1"/>
+                      <a:rPr lang="en-US" b="1" i="1">
+                        <a:latin typeface="Cambria Math" panose="02040503050406030204" pitchFamily="18" charset="0"/>
+                      </a:rPr>
                       <m:t>𝒕</m:t>
                     </m:r>
                   </m:oMath>
@@ -8556,7 +8559,7 @@
             </p:txBody>
           </p:sp>
         </mc:Choice>
-        <mc:Fallback>
+        <mc:Fallback xmlns="">
           <p:sp>
             <p:nvSpPr>
               <p:cNvPr id="12" name="TextBox 11">
@@ -8601,8 +8604,8 @@
           </p:sp>
         </mc:Fallback>
       </mc:AlternateContent>
-      <mc:AlternateContent xmlns:mc="http://schemas.openxmlformats.org/markup-compatibility/2006">
-        <mc:Choice xmlns:a14="http://schemas.microsoft.com/office/drawing/2010/main" Requires="a14">
+      <mc:AlternateContent xmlns:mc="http://schemas.openxmlformats.org/markup-compatibility/2006" xmlns:a14="http://schemas.microsoft.com/office/drawing/2010/main">
+        <mc:Choice Requires="a14">
           <p:sp>
             <p:nvSpPr>
               <p:cNvPr id="17" name="TextBox 16">
@@ -8642,11 +8645,12 @@
                 </a:lvl1pPr>
               </a:lstStyle>
               <a:p>
-                <a:pPr/>
                 <a14:m>
                   <m:oMath xmlns:m="http://schemas.openxmlformats.org/officeDocument/2006/math">
                     <m:r>
-                      <a:rPr lang="en-US" sz="1400" b="1" i="1" smtClean="0"/>
+                      <a:rPr lang="en-US" sz="1400" b="1" i="1" smtClean="0">
+                        <a:latin typeface="Cambria Math" panose="02040503050406030204" pitchFamily="18" charset="0"/>
+                      </a:rPr>
                       <m:t>𝒙</m:t>
                     </m:r>
                   </m:oMath>
@@ -8667,7 +8671,7 @@
             </p:txBody>
           </p:sp>
         </mc:Choice>
-        <mc:Fallback>
+        <mc:Fallback xmlns="">
           <p:sp>
             <p:nvSpPr>
               <p:cNvPr id="17" name="TextBox 16">
@@ -8778,8 +8782,8 @@
           </a:prstGeom>
         </p:spPr>
       </p:pic>
-      <mc:AlternateContent xmlns:mc="http://schemas.openxmlformats.org/markup-compatibility/2006">
-        <mc:Choice xmlns:a14="http://schemas.microsoft.com/office/drawing/2010/main" Requires="a14">
+      <mc:AlternateContent xmlns:mc="http://schemas.openxmlformats.org/markup-compatibility/2006" xmlns:a14="http://schemas.microsoft.com/office/drawing/2010/main">
+        <mc:Choice Requires="a14">
           <p:sp>
             <p:nvSpPr>
               <p:cNvPr id="4" name="TextBox 3">
@@ -8819,11 +8823,12 @@
                 </a:lvl1pPr>
               </a:lstStyle>
               <a:p>
-                <a:pPr/>
                 <a14:m>
                   <m:oMath xmlns:m="http://schemas.openxmlformats.org/officeDocument/2006/math">
                     <m:r>
-                      <a:rPr lang="en-US" b="1" i="1"/>
+                      <a:rPr lang="en-US" b="1" i="1">
+                        <a:latin typeface="Cambria Math" panose="02040503050406030204" pitchFamily="18" charset="0"/>
+                      </a:rPr>
                       <m:t>𝒕</m:t>
                     </m:r>
                   </m:oMath>
@@ -8840,7 +8845,7 @@
             </p:txBody>
           </p:sp>
         </mc:Choice>
-        <mc:Fallback>
+        <mc:Fallback xmlns="">
           <p:sp>
             <p:nvSpPr>
               <p:cNvPr id="4" name="TextBox 3">
@@ -8885,8 +8890,8 @@
           </p:sp>
         </mc:Fallback>
       </mc:AlternateContent>
-      <mc:AlternateContent xmlns:mc="http://schemas.openxmlformats.org/markup-compatibility/2006">
-        <mc:Choice xmlns:a14="http://schemas.microsoft.com/office/drawing/2010/main" Requires="a14">
+      <mc:AlternateContent xmlns:mc="http://schemas.openxmlformats.org/markup-compatibility/2006" xmlns:a14="http://schemas.microsoft.com/office/drawing/2010/main">
+        <mc:Choice Requires="a14">
           <p:sp>
             <p:nvSpPr>
               <p:cNvPr id="5" name="TextBox 4">
@@ -8926,11 +8931,12 @@
                 </a:lvl1pPr>
               </a:lstStyle>
               <a:p>
-                <a:pPr/>
                 <a14:m>
                   <m:oMath xmlns:m="http://schemas.openxmlformats.org/officeDocument/2006/math">
                     <m:r>
-                      <a:rPr lang="en-US" sz="1400" b="1" i="1" smtClean="0"/>
+                      <a:rPr lang="en-US" sz="1400" b="1" i="1" smtClean="0">
+                        <a:latin typeface="Cambria Math" panose="02040503050406030204" pitchFamily="18" charset="0"/>
+                      </a:rPr>
                       <m:t>𝒙</m:t>
                     </m:r>
                   </m:oMath>
@@ -8951,7 +8957,7 @@
             </p:txBody>
           </p:sp>
         </mc:Choice>
-        <mc:Fallback>
+        <mc:Fallback xmlns="">
           <p:sp>
             <p:nvSpPr>
               <p:cNvPr id="5" name="TextBox 4">
@@ -9062,8 +9068,8 @@
           </a:prstGeom>
         </p:spPr>
       </p:pic>
-      <mc:AlternateContent xmlns:mc="http://schemas.openxmlformats.org/markup-compatibility/2006">
-        <mc:Choice xmlns:a14="http://schemas.microsoft.com/office/drawing/2010/main" Requires="a14">
+      <mc:AlternateContent xmlns:mc="http://schemas.openxmlformats.org/markup-compatibility/2006" xmlns:a14="http://schemas.microsoft.com/office/drawing/2010/main">
+        <mc:Choice Requires="a14">
           <p:sp>
             <p:nvSpPr>
               <p:cNvPr id="4" name="TextBox 3">
@@ -9103,11 +9109,12 @@
                 </a:lvl1pPr>
               </a:lstStyle>
               <a:p>
-                <a:pPr/>
                 <a14:m>
                   <m:oMath xmlns:m="http://schemas.openxmlformats.org/officeDocument/2006/math">
                     <m:r>
-                      <a:rPr lang="en-US" b="1" i="1"/>
+                      <a:rPr lang="en-US" b="1" i="1">
+                        <a:latin typeface="Cambria Math" panose="02040503050406030204" pitchFamily="18" charset="0"/>
+                      </a:rPr>
                       <m:t>𝒕</m:t>
                     </m:r>
                   </m:oMath>
@@ -9124,7 +9131,7 @@
             </p:txBody>
           </p:sp>
         </mc:Choice>
-        <mc:Fallback>
+        <mc:Fallback xmlns="">
           <p:sp>
             <p:nvSpPr>
               <p:cNvPr id="4" name="TextBox 3">
@@ -9169,8 +9176,8 @@
           </p:sp>
         </mc:Fallback>
       </mc:AlternateContent>
-      <mc:AlternateContent xmlns:mc="http://schemas.openxmlformats.org/markup-compatibility/2006">
-        <mc:Choice xmlns:a14="http://schemas.microsoft.com/office/drawing/2010/main" Requires="a14">
+      <mc:AlternateContent xmlns:mc="http://schemas.openxmlformats.org/markup-compatibility/2006" xmlns:a14="http://schemas.microsoft.com/office/drawing/2010/main">
+        <mc:Choice Requires="a14">
           <p:sp>
             <p:nvSpPr>
               <p:cNvPr id="5" name="TextBox 4">
@@ -9210,11 +9217,12 @@
                 </a:lvl1pPr>
               </a:lstStyle>
               <a:p>
-                <a:pPr/>
                 <a14:m>
                   <m:oMath xmlns:m="http://schemas.openxmlformats.org/officeDocument/2006/math">
                     <m:r>
-                      <a:rPr lang="en-US" sz="1400" b="1" i="1" smtClean="0"/>
+                      <a:rPr lang="en-US" sz="1400" b="1" i="1" smtClean="0">
+                        <a:latin typeface="Cambria Math" panose="02040503050406030204" pitchFamily="18" charset="0"/>
+                      </a:rPr>
                       <m:t>𝒙</m:t>
                     </m:r>
                   </m:oMath>
@@ -9235,7 +9243,7 @@
             </p:txBody>
           </p:sp>
         </mc:Choice>
-        <mc:Fallback>
+        <mc:Fallback xmlns="">
           <p:sp>
             <p:nvSpPr>
               <p:cNvPr id="5" name="TextBox 4">
@@ -9332,8 +9340,8 @@
           </a:p>
         </p:txBody>
       </p:sp>
-      <mc:AlternateContent xmlns:mc="http://schemas.openxmlformats.org/markup-compatibility/2006">
-        <mc:Choice xmlns:a14="http://schemas.microsoft.com/office/drawing/2010/main" Requires="a14">
+      <mc:AlternateContent xmlns:mc="http://schemas.openxmlformats.org/markup-compatibility/2006" xmlns:a14="http://schemas.microsoft.com/office/drawing/2010/main">
+        <mc:Choice Requires="a14">
           <p:sp>
             <p:nvSpPr>
               <p:cNvPr id="7" name="TextBox 6">
@@ -9410,7 +9418,7 @@
             </p:txBody>
           </p:sp>
         </mc:Choice>
-        <mc:Fallback>
+        <mc:Fallback xmlns="">
           <p:sp>
             <p:nvSpPr>
               <p:cNvPr id="7" name="TextBox 6">
@@ -9455,8 +9463,8 @@
           </p:sp>
         </mc:Fallback>
       </mc:AlternateContent>
-      <mc:AlternateContent xmlns:mc="http://schemas.openxmlformats.org/markup-compatibility/2006">
-        <mc:Choice xmlns:a14="http://schemas.microsoft.com/office/drawing/2010/main" Requires="a14">
+      <mc:AlternateContent xmlns:mc="http://schemas.openxmlformats.org/markup-compatibility/2006" xmlns:a14="http://schemas.microsoft.com/office/drawing/2010/main">
+        <mc:Choice Requires="a14">
           <p:sp>
             <p:nvSpPr>
               <p:cNvPr id="9" name="TextBox 8">
@@ -9535,7 +9543,7 @@
             </p:txBody>
           </p:sp>
         </mc:Choice>
-        <mc:Fallback>
+        <mc:Fallback xmlns="">
           <p:sp>
             <p:nvSpPr>
               <p:cNvPr id="9" name="TextBox 8">
@@ -9799,10 +9807,10 @@
       </p:grpSpPr>
       <p:pic>
         <p:nvPicPr>
-          <p:cNvPr id="3" name="Picture 2">
+          <p:cNvPr id="16" name="Picture 15">
             <a:extLst>
               <a:ext uri="{FF2B5EF4-FFF2-40B4-BE49-F238E27FC236}">
-                <a16:creationId xmlns:a16="http://schemas.microsoft.com/office/drawing/2014/main" id="{A3E8A320-35FE-4C58-AA9A-62B85AFE0303}"/>
+                <a16:creationId xmlns:a16="http://schemas.microsoft.com/office/drawing/2014/main" id="{F5D951FA-84F9-4F85-9C3D-EA6A13790DA1}"/>
               </a:ext>
             </a:extLst>
           </p:cNvPr>
@@ -9825,8 +9833,8 @@
         </p:blipFill>
         <p:spPr>
           <a:xfrm>
-            <a:off x="228600" y="1295400"/>
-            <a:ext cx="8488392" cy="5486400"/>
+            <a:off x="381000" y="1949922"/>
+            <a:ext cx="8679847" cy="3536478"/>
           </a:xfrm>
           <a:prstGeom prst="rect">
             <a:avLst/>
@@ -9849,8 +9857,8 @@
         </p:nvCxnSpPr>
         <p:spPr>
           <a:xfrm>
-            <a:off x="609600" y="2133600"/>
-            <a:ext cx="0" cy="2667000"/>
+            <a:off x="838201" y="2133600"/>
+            <a:ext cx="0" cy="3200400"/>
           </a:xfrm>
           <a:prstGeom prst="line">
             <a:avLst/>
@@ -9893,8 +9901,8 @@
         </p:nvCxnSpPr>
         <p:spPr>
           <a:xfrm>
-            <a:off x="8610600" y="3276600"/>
-            <a:ext cx="0" cy="1524000"/>
+            <a:off x="8915401" y="3276600"/>
+            <a:ext cx="0" cy="2057400"/>
           </a:xfrm>
           <a:prstGeom prst="line">
             <a:avLst/>
@@ -9937,7 +9945,7 @@
             </p:nvSpPr>
             <p:spPr>
               <a:xfrm>
-                <a:off x="8489156" y="2895600"/>
+                <a:off x="8717757" y="2895600"/>
                 <a:ext cx="286040" cy="276999"/>
               </a:xfrm>
               <a:prstGeom prst="rect">
@@ -10010,7 +10018,7 @@
             </p:nvSpPr>
             <p:spPr>
               <a:xfrm>
-                <a:off x="8489156" y="2895600"/>
+                <a:off x="8717757" y="2895600"/>
                 <a:ext cx="286040" cy="276999"/>
               </a:xfrm>
               <a:prstGeom prst="rect">
@@ -10019,7 +10027,7 @@
               <a:blipFill>
                 <a:blip r:embed="rId3"/>
                 <a:stretch>
-                  <a:fillRect l="-10638" r="-8511" b="-15556"/>
+                  <a:fillRect l="-10638" r="-10638" b="-15556"/>
                 </a:stretch>
               </a:blipFill>
             </p:spPr>
@@ -10054,7 +10062,7 @@
             </p:nvSpPr>
             <p:spPr>
               <a:xfrm>
-                <a:off x="466580" y="1752600"/>
+                <a:off x="695181" y="1905000"/>
                 <a:ext cx="301942" cy="276999"/>
               </a:xfrm>
               <a:prstGeom prst="rect">
@@ -10127,7 +10135,7 @@
             </p:nvSpPr>
             <p:spPr>
               <a:xfrm>
-                <a:off x="466580" y="1752600"/>
+                <a:off x="695181" y="1905000"/>
                 <a:ext cx="301942" cy="276999"/>
               </a:xfrm>
               <a:prstGeom prst="rect">
@@ -10136,7 +10144,7 @@
               <a:blipFill>
                 <a:blip r:embed="rId4"/>
                 <a:stretch>
-                  <a:fillRect l="-10204" r="-8163" b="-15556"/>
+                  <a:fillRect l="-10000" r="-8000" b="-15556"/>
                 </a:stretch>
               </a:blipFill>
             </p:spPr>
@@ -10171,8 +10179,8 @@
             </p:nvSpPr>
             <p:spPr>
               <a:xfrm>
-                <a:off x="7010400" y="3124200"/>
-                <a:ext cx="259302" cy="299313"/>
+                <a:off x="7239001" y="3124200"/>
+                <a:ext cx="264111" cy="299313"/>
               </a:xfrm>
               <a:prstGeom prst="rect">
                 <a:avLst/>
@@ -10194,56 +10202,54 @@
               <a:p>
                 <a:pPr/>
                 <a14:m>
-                  <m:oMathPara xmlns:m="http://schemas.openxmlformats.org/officeDocument/2006/math">
-                    <m:oMathParaPr>
-                      <m:jc m:val="centerGroup"/>
-                    </m:oMathParaPr>
-                    <m:oMath xmlns:m="http://schemas.openxmlformats.org/officeDocument/2006/math">
-                      <m:sSub>
-                        <m:sSubPr>
-                          <m:ctrlPr>
-                            <a:rPr lang="en-US" i="1" smtClean="0">
-                              <a:latin typeface="Cambria Math" panose="02040503050406030204" pitchFamily="18" charset="0"/>
-                              <a:cs typeface="Times New Roman" pitchFamily="18" charset="0"/>
-                            </a:rPr>
-                          </m:ctrlPr>
-                        </m:sSubPr>
-                        <m:e>
-                          <m:acc>
-                            <m:accPr>
-                              <m:chr m:val="⃗"/>
-                              <m:ctrlPr>
-                                <a:rPr lang="en-US" i="1">
-                                  <a:latin typeface="Cambria Math" panose="02040503050406030204" pitchFamily="18" charset="0"/>
-                                  <a:cs typeface="Times New Roman" pitchFamily="18" charset="0"/>
-                                </a:rPr>
-                              </m:ctrlPr>
-                            </m:accPr>
-                            <m:e>
-                              <m:r>
-                                <a:rPr lang="en-US" b="0" i="1" smtClean="0">
-                                  <a:latin typeface="Cambria Math" panose="02040503050406030204" pitchFamily="18" charset="0"/>
-                                  <a:cs typeface="Times New Roman" pitchFamily="18" charset="0"/>
-                                </a:rPr>
-                                <m:t>𝑛</m:t>
-                              </m:r>
-                            </m:e>
-                          </m:acc>
-                        </m:e>
-                        <m:sub>
-                          <m:r>
-                            <a:rPr lang="en-US" b="0" i="1" smtClean="0">
-                              <a:latin typeface="Cambria Math" panose="02040503050406030204" pitchFamily="18" charset="0"/>
-                              <a:cs typeface="Times New Roman" pitchFamily="18" charset="0"/>
-                            </a:rPr>
-                            <m:t>𝑗</m:t>
-                          </m:r>
-                        </m:sub>
-                      </m:sSub>
-                    </m:oMath>
-                  </m:oMathPara>
+                  <m:oMath xmlns:m="http://schemas.openxmlformats.org/officeDocument/2006/math">
+                    <m:sSub>
+                      <m:sSubPr>
+                        <m:ctrlPr>
+                          <a:rPr lang="en-US" i="1" smtClean="0">
+                            <a:latin typeface="Cambria Math" panose="02040503050406030204" pitchFamily="18" charset="0"/>
+                            <a:cs typeface="Times New Roman" pitchFamily="18" charset="0"/>
+                          </a:rPr>
+                        </m:ctrlPr>
+                      </m:sSubPr>
+                      <m:e>
+                        <m:acc>
+                          <m:accPr>
+                            <m:chr m:val="⃗"/>
+                            <m:ctrlPr>
+                              <a:rPr lang="en-US" i="1">
+                                <a:latin typeface="Cambria Math" panose="02040503050406030204" pitchFamily="18" charset="0"/>
+                                <a:cs typeface="Times New Roman" pitchFamily="18" charset="0"/>
+                              </a:rPr>
+                            </m:ctrlPr>
+                          </m:accPr>
+                          <m:e>
+                            <m:r>
+                              <a:rPr lang="en-US" b="0" i="1" smtClean="0">
+                                <a:latin typeface="Cambria Math" panose="02040503050406030204" pitchFamily="18" charset="0"/>
+                                <a:cs typeface="Times New Roman" pitchFamily="18" charset="0"/>
+                              </a:rPr>
+                              <m:t>𝑛</m:t>
+                            </m:r>
+                          </m:e>
+                        </m:acc>
+                      </m:e>
+                      <m:sub>
+                        <m:r>
+                          <a:rPr lang="en-US" b="0" i="1" smtClean="0">
+                            <a:latin typeface="Cambria Math" panose="02040503050406030204" pitchFamily="18" charset="0"/>
+                            <a:cs typeface="Times New Roman" pitchFamily="18" charset="0"/>
+                          </a:rPr>
+                          <m:t>𝑗</m:t>
+                        </m:r>
+                      </m:sub>
+                    </m:sSub>
+                  </m:oMath>
                 </a14:m>
-                <a:endParaRPr lang="en-US" dirty="0"/>
+                <a:r>
+                  <a:rPr lang="en-US" dirty="0"/>
+                  <a:t>’</a:t>
+                </a:r>
               </a:p>
             </p:txBody>
           </p:sp>
@@ -10265,8 +10271,8 @@
             </p:nvSpPr>
             <p:spPr>
               <a:xfrm>
-                <a:off x="7010400" y="3124200"/>
-                <a:ext cx="259302" cy="299313"/>
+                <a:off x="7239001" y="3124200"/>
+                <a:ext cx="264111" cy="299313"/>
               </a:xfrm>
               <a:prstGeom prst="rect">
                 <a:avLst/>
@@ -10274,7 +10280,7 @@
               <a:blipFill>
                 <a:blip r:embed="rId5"/>
                 <a:stretch>
-                  <a:fillRect l="-11111" r="-11111" b="-21569"/>
+                  <a:fillRect l="-20000" t="-21569" r="-48889" b="-37255"/>
                 </a:stretch>
               </a:blipFill>
               <a:ln>
@@ -10314,8 +10320,8 @@
             </p:nvSpPr>
             <p:spPr>
               <a:xfrm>
-                <a:off x="7543800" y="3165578"/>
-                <a:ext cx="478914" cy="299313"/>
+                <a:off x="7772401" y="3165578"/>
+                <a:ext cx="538224" cy="299313"/>
               </a:xfrm>
               <a:prstGeom prst="rect">
                 <a:avLst/>
@@ -10390,6 +10396,13 @@
                           </m:r>
                         </m:sub>
                       </m:sSub>
+                      <m:r>
+                        <a:rPr lang="en-US" b="0" i="1" smtClean="0">
+                          <a:latin typeface="Cambria Math" panose="02040503050406030204" pitchFamily="18" charset="0"/>
+                          <a:cs typeface="Times New Roman" pitchFamily="18" charset="0"/>
+                        </a:rPr>
+                        <m:t>′</m:t>
+                      </m:r>
                     </m:oMath>
                   </m:oMathPara>
                 </a14:m>
@@ -10415,8 +10428,8 @@
             </p:nvSpPr>
             <p:spPr>
               <a:xfrm>
-                <a:off x="7543800" y="3165578"/>
-                <a:ext cx="478914" cy="299313"/>
+                <a:off x="7772401" y="3165578"/>
+                <a:ext cx="538224" cy="299313"/>
               </a:xfrm>
               <a:prstGeom prst="rect">
                 <a:avLst/>
@@ -10424,7 +10437,7 @@
               <a:blipFill>
                 <a:blip r:embed="rId6"/>
                 <a:stretch>
-                  <a:fillRect l="-5000" r="-3750" b="-23529"/>
+                  <a:fillRect l="-4444" r="-12222" b="-23529"/>
                 </a:stretch>
               </a:blipFill>
               <a:ln>
@@ -10458,14 +10471,15 @@
             </a:extLst>
           </p:cNvPr>
           <p:cNvCxnSpPr>
+            <a:cxnSpLocks/>
             <a:stCxn id="8" idx="2"/>
           </p:cNvCxnSpPr>
           <p:nvPr/>
         </p:nvCxnSpPr>
         <p:spPr>
-          <a:xfrm flipH="1">
-            <a:off x="7120206" y="3423513"/>
-            <a:ext cx="19845" cy="345110"/>
+          <a:xfrm>
+            <a:off x="7371057" y="3423513"/>
+            <a:ext cx="0" cy="691287"/>
           </a:xfrm>
           <a:prstGeom prst="line">
             <a:avLst/>
@@ -10510,8 +10524,8 @@
         </p:nvCxnSpPr>
         <p:spPr>
           <a:xfrm flipH="1">
-            <a:off x="7391401" y="3464891"/>
-            <a:ext cx="391856" cy="345109"/>
+            <a:off x="7640347" y="3464891"/>
+            <a:ext cx="401166" cy="691287"/>
           </a:xfrm>
           <a:prstGeom prst="line">
             <a:avLst/>
@@ -10556,8 +10570,8 @@
         </p:nvCxnSpPr>
         <p:spPr>
           <a:xfrm flipH="1">
-            <a:off x="3875129" y="2760047"/>
-            <a:ext cx="26830" cy="398976"/>
+            <a:off x="3609079" y="2760047"/>
+            <a:ext cx="86616" cy="398976"/>
           </a:xfrm>
           <a:prstGeom prst="line">
             <a:avLst/>
@@ -10603,9 +10617,9 @@
           <p:nvPr/>
         </p:nvCxnSpPr>
         <p:spPr>
-          <a:xfrm flipV="1">
-            <a:off x="5355691" y="3733800"/>
-            <a:ext cx="0" cy="364153"/>
+          <a:xfrm flipH="1" flipV="1">
+            <a:off x="5889092" y="4038601"/>
+            <a:ext cx="76198" cy="364152"/>
           </a:xfrm>
           <a:prstGeom prst="line">
             <a:avLst/>
@@ -10651,8 +10665,8 @@
             </p:nvSpPr>
             <p:spPr>
               <a:xfrm flipH="1">
-                <a:off x="3695051" y="2209800"/>
-                <a:ext cx="413817" cy="550247"/>
+                <a:off x="3429000" y="2209800"/>
+                <a:ext cx="533391" cy="550247"/>
               </a:xfrm>
               <a:prstGeom prst="diamond">
                 <a:avLst/>
@@ -10677,6 +10691,7 @@
               </a:bodyPr>
               <a:lstStyle/>
               <a:p>
+                <a:pPr/>
                 <a14:m>
                   <m:oMathPara xmlns:m="http://schemas.openxmlformats.org/officeDocument/2006/math">
                     <m:oMathParaPr>
@@ -10686,7 +10701,7 @@
                       <m:sSub>
                         <m:sSubPr>
                           <m:ctrlPr>
-                            <a:rPr lang="en-US" i="1">
+                            <a:rPr lang="en-US" i="1" smtClean="0">
                               <a:solidFill>
                                 <a:schemeClr val="accent2">
                                   <a:lumMod val="50000"/>
@@ -10744,6 +10759,18 @@
                           </m:r>
                         </m:sub>
                       </m:sSub>
+                      <m:r>
+                        <a:rPr lang="en-US" b="0" i="1" smtClean="0">
+                          <a:solidFill>
+                            <a:schemeClr val="accent2">
+                              <a:lumMod val="50000"/>
+                            </a:schemeClr>
+                          </a:solidFill>
+                          <a:latin typeface="Cambria Math" panose="02040503050406030204" pitchFamily="18" charset="0"/>
+                          <a:cs typeface="Times New Roman" pitchFamily="18" charset="0"/>
+                        </a:rPr>
+                        <m:t>′</m:t>
+                      </m:r>
                     </m:oMath>
                   </m:oMathPara>
                 </a14:m>
@@ -10777,8 +10804,8 @@
             </p:nvSpPr>
             <p:spPr>
               <a:xfrm flipH="1">
-                <a:off x="3695051" y="2209800"/>
-                <a:ext cx="413817" cy="550247"/>
+                <a:off x="3429000" y="2209800"/>
+                <a:ext cx="533391" cy="550247"/>
               </a:xfrm>
               <a:prstGeom prst="diamond">
                 <a:avLst/>
@@ -10786,7 +10813,7 @@
               <a:blipFill>
                 <a:blip r:embed="rId7"/>
                 <a:stretch>
-                  <a:fillRect r="-12857"/>
+                  <a:fillRect r="-3371"/>
                 </a:stretch>
               </a:blipFill>
               <a:ln>
@@ -10828,8 +10855,8 @@
             </p:nvSpPr>
             <p:spPr>
               <a:xfrm flipH="1">
-                <a:off x="5148783" y="4097953"/>
-                <a:ext cx="413817" cy="550247"/>
+                <a:off x="5682183" y="4402753"/>
+                <a:ext cx="566215" cy="550247"/>
               </a:xfrm>
               <a:prstGeom prst="diamond">
                 <a:avLst/>
@@ -10854,6 +10881,7 @@
               </a:bodyPr>
               <a:lstStyle/>
               <a:p>
+                <a:pPr/>
                 <a14:m>
                   <m:oMathPara xmlns:m="http://schemas.openxmlformats.org/officeDocument/2006/math">
                     <m:oMathParaPr>
@@ -10921,6 +10949,18 @@
                           </m:r>
                         </m:sub>
                       </m:sSub>
+                      <m:r>
+                        <a:rPr lang="en-US" b="0" i="1" smtClean="0">
+                          <a:solidFill>
+                            <a:schemeClr val="accent2">
+                              <a:lumMod val="50000"/>
+                            </a:schemeClr>
+                          </a:solidFill>
+                          <a:latin typeface="Cambria Math" panose="02040503050406030204" pitchFamily="18" charset="0"/>
+                          <a:cs typeface="Times New Roman" pitchFamily="18" charset="0"/>
+                        </a:rPr>
+                        <m:t>′</m:t>
+                      </m:r>
                     </m:oMath>
                   </m:oMathPara>
                 </a14:m>
@@ -10954,8 +10994,8 @@
             </p:nvSpPr>
             <p:spPr>
               <a:xfrm flipH="1">
-                <a:off x="5148783" y="4097953"/>
-                <a:ext cx="413817" cy="550247"/>
+                <a:off x="5682183" y="4402753"/>
+                <a:ext cx="566215" cy="550247"/>
               </a:xfrm>
               <a:prstGeom prst="diamond">
                 <a:avLst/>
@@ -10963,7 +11003,7 @@
               <a:blipFill>
                 <a:blip r:embed="rId8"/>
                 <a:stretch>
-                  <a:fillRect r="-11429"/>
+                  <a:fillRect r="-3158"/>
                 </a:stretch>
               </a:blipFill>
               <a:ln>
@@ -10973,6 +11013,226 @@
                   </a:schemeClr>
                 </a:solidFill>
               </a:ln>
+            </p:spPr>
+            <p:txBody>
+              <a:bodyPr/>
+              <a:lstStyle/>
+              <a:p>
+                <a:r>
+                  <a:rPr lang="en-US">
+                    <a:noFill/>
+                  </a:rPr>
+                  <a:t> </a:t>
+                </a:r>
+              </a:p>
+            </p:txBody>
+          </p:sp>
+        </mc:Fallback>
+      </mc:AlternateContent>
+      <mc:AlternateContent xmlns:mc="http://schemas.openxmlformats.org/markup-compatibility/2006">
+        <mc:Choice xmlns:a14="http://schemas.microsoft.com/office/drawing/2010/main" Requires="a14">
+          <p:sp>
+            <p:nvSpPr>
+              <p:cNvPr id="25" name="TextBox 24">
+                <a:extLst>
+                  <a:ext uri="{FF2B5EF4-FFF2-40B4-BE49-F238E27FC236}">
+                    <a16:creationId xmlns:a16="http://schemas.microsoft.com/office/drawing/2014/main" id="{4FF40949-D9DB-4A63-B6A7-4E6DA886D17C}"/>
+                  </a:ext>
+                </a:extLst>
+              </p:cNvPr>
+              <p:cNvSpPr txBox="1"/>
+              <p:nvPr/>
+            </p:nvSpPr>
+            <p:spPr>
+              <a:xfrm rot="16200000">
+                <a:off x="39132" y="3557488"/>
+                <a:ext cx="441980" cy="215444"/>
+              </a:xfrm>
+              <a:prstGeom prst="rect">
+                <a:avLst/>
+              </a:prstGeom>
+              <a:solidFill>
+                <a:schemeClr val="bg1"/>
+              </a:solidFill>
+            </p:spPr>
+            <p:txBody>
+              <a:bodyPr wrap="none" lIns="0" tIns="0" rIns="0" bIns="0" rtlCol="0">
+                <a:spAutoFit/>
+              </a:bodyPr>
+              <a:lstStyle>
+                <a:defPPr>
+                  <a:defRPr lang="en-US"/>
+                </a:defPPr>
+                <a:lvl1pPr>
+                  <a:defRPr sz="1400" b="0" i="1">
+                    <a:latin typeface="Cambria Math" panose="02040503050406030204" pitchFamily="18" charset="0"/>
+                  </a:defRPr>
+                </a:lvl1pPr>
+              </a:lstStyle>
+              <a:p>
+                <a14:m>
+                  <m:oMath xmlns:m="http://schemas.openxmlformats.org/officeDocument/2006/math">
+                    <m:r>
+                      <a:rPr lang="en-US" b="1" i="1">
+                        <a:latin typeface="Cambria Math" panose="02040503050406030204" pitchFamily="18" charset="0"/>
+                      </a:rPr>
+                      <m:t>𝒕</m:t>
+                    </m:r>
+                  </m:oMath>
+                </a14:m>
+                <a:r>
+                  <a:rPr lang="en-US" b="1" dirty="0"/>
+                  <a:t>,  </a:t>
+                </a:r>
+                <a:r>
+                  <a:rPr lang="en-US" b="1" i="0" dirty="0"/>
+                  <a:t>hrs</a:t>
+                </a:r>
+              </a:p>
+            </p:txBody>
+          </p:sp>
+        </mc:Choice>
+        <mc:Fallback>
+          <p:sp>
+            <p:nvSpPr>
+              <p:cNvPr id="25" name="TextBox 24">
+                <a:extLst>
+                  <a:ext uri="{FF2B5EF4-FFF2-40B4-BE49-F238E27FC236}">
+                    <a16:creationId xmlns:a16="http://schemas.microsoft.com/office/drawing/2014/main" id="{4FF40949-D9DB-4A63-B6A7-4E6DA886D17C}"/>
+                  </a:ext>
+                </a:extLst>
+              </p:cNvPr>
+              <p:cNvSpPr txBox="1">
+                <a:spLocks noRot="1" noChangeAspect="1" noMove="1" noResize="1" noEditPoints="1" noAdjustHandles="1" noChangeArrowheads="1" noChangeShapeType="1" noTextEdit="1"/>
+              </p:cNvSpPr>
+              <p:nvPr/>
+            </p:nvSpPr>
+            <p:spPr>
+              <a:xfrm rot="16200000">
+                <a:off x="39132" y="3557488"/>
+                <a:ext cx="441980" cy="215444"/>
+              </a:xfrm>
+              <a:prstGeom prst="rect">
+                <a:avLst/>
+              </a:prstGeom>
+              <a:blipFill>
+                <a:blip r:embed="rId9"/>
+                <a:stretch>
+                  <a:fillRect l="-28571" t="-24658" r="-48571" b="-12329"/>
+                </a:stretch>
+              </a:blipFill>
+            </p:spPr>
+            <p:txBody>
+              <a:bodyPr/>
+              <a:lstStyle/>
+              <a:p>
+                <a:r>
+                  <a:rPr lang="en-US">
+                    <a:noFill/>
+                  </a:rPr>
+                  <a:t> </a:t>
+                </a:r>
+              </a:p>
+            </p:txBody>
+          </p:sp>
+        </mc:Fallback>
+      </mc:AlternateContent>
+      <mc:AlternateContent xmlns:mc="http://schemas.openxmlformats.org/markup-compatibility/2006">
+        <mc:Choice xmlns:a14="http://schemas.microsoft.com/office/drawing/2010/main" Requires="a14">
+          <p:sp>
+            <p:nvSpPr>
+              <p:cNvPr id="26" name="TextBox 25">
+                <a:extLst>
+                  <a:ext uri="{FF2B5EF4-FFF2-40B4-BE49-F238E27FC236}">
+                    <a16:creationId xmlns:a16="http://schemas.microsoft.com/office/drawing/2014/main" id="{26E2BA3C-7308-4E51-8E8C-6F5B6A800558}"/>
+                  </a:ext>
+                </a:extLst>
+              </p:cNvPr>
+              <p:cNvSpPr txBox="1"/>
+              <p:nvPr/>
+            </p:nvSpPr>
+            <p:spPr>
+              <a:xfrm>
+                <a:off x="4221516" y="5486400"/>
+                <a:ext cx="1112484" cy="215444"/>
+              </a:xfrm>
+              <a:prstGeom prst="rect">
+                <a:avLst/>
+              </a:prstGeom>
+              <a:solidFill>
+                <a:schemeClr val="bg1"/>
+              </a:solidFill>
+            </p:spPr>
+            <p:txBody>
+              <a:bodyPr wrap="none" lIns="0" tIns="0" rIns="0" bIns="0" rtlCol="0">
+                <a:spAutoFit/>
+              </a:bodyPr>
+              <a:lstStyle>
+                <a:defPPr>
+                  <a:defRPr lang="en-US"/>
+                </a:defPPr>
+                <a:lvl1pPr>
+                  <a:defRPr b="0" i="1">
+                    <a:latin typeface="Cambria Math" panose="02040503050406030204" pitchFamily="18" charset="0"/>
+                  </a:defRPr>
+                </a:lvl1pPr>
+              </a:lstStyle>
+              <a:p>
+                <a14:m>
+                  <m:oMath xmlns:m="http://schemas.openxmlformats.org/officeDocument/2006/math">
+                    <m:r>
+                      <a:rPr lang="en-US" sz="1400" b="1" i="1" smtClean="0">
+                        <a:latin typeface="Cambria Math" panose="02040503050406030204" pitchFamily="18" charset="0"/>
+                      </a:rPr>
+                      <m:t>𝒙</m:t>
+                    </m:r>
+                  </m:oMath>
+                </a14:m>
+                <a:r>
+                  <a:rPr lang="en-US" sz="1400" b="1" i="0" dirty="0"/>
+                  <a:t>-distance</a:t>
+                </a:r>
+                <a:r>
+                  <a:rPr lang="en-US" sz="1400" b="1" dirty="0"/>
+                  <a:t>, </a:t>
+                </a:r>
+                <a:r>
+                  <a:rPr lang="en-US" sz="1400" b="1" i="0" dirty="0"/>
+                  <a:t>nm</a:t>
+                </a:r>
+              </a:p>
+            </p:txBody>
+          </p:sp>
+        </mc:Choice>
+        <mc:Fallback>
+          <p:sp>
+            <p:nvSpPr>
+              <p:cNvPr id="26" name="TextBox 25">
+                <a:extLst>
+                  <a:ext uri="{FF2B5EF4-FFF2-40B4-BE49-F238E27FC236}">
+                    <a16:creationId xmlns:a16="http://schemas.microsoft.com/office/drawing/2014/main" id="{26E2BA3C-7308-4E51-8E8C-6F5B6A800558}"/>
+                  </a:ext>
+                </a:extLst>
+              </p:cNvPr>
+              <p:cNvSpPr txBox="1">
+                <a:spLocks noRot="1" noChangeAspect="1" noMove="1" noResize="1" noEditPoints="1" noAdjustHandles="1" noChangeArrowheads="1" noChangeShapeType="1" noTextEdit="1"/>
+              </p:cNvSpPr>
+              <p:nvPr/>
+            </p:nvSpPr>
+            <p:spPr>
+              <a:xfrm>
+                <a:off x="4221516" y="5486400"/>
+                <a:ext cx="1112484" cy="215444"/>
+              </a:xfrm>
+              <a:prstGeom prst="rect">
+                <a:avLst/>
+              </a:prstGeom>
+              <a:blipFill>
+                <a:blip r:embed="rId10"/>
+                <a:stretch>
+                  <a:fillRect l="-4396" t="-28571" r="-10989" b="-48571"/>
+                </a:stretch>
+              </a:blipFill>
             </p:spPr>
             <p:txBody>
               <a:bodyPr/>

--- a/docs/paper/figs/Diagrams.pptx
+++ b/docs/paper/figs/Diagrams.pptx
@@ -5,7 +5,7 @@
     <p:sldMasterId id="2147483648" r:id="rId1"/>
   </p:sldMasterIdLst>
   <p:notesMasterIdLst>
-    <p:notesMasterId r:id="rId17"/>
+    <p:notesMasterId r:id="rId16"/>
   </p:notesMasterIdLst>
   <p:sldIdLst>
     <p:sldId id="256" r:id="rId2"/>
@@ -19,10 +19,9 @@
     <p:sldId id="265" r:id="rId10"/>
     <p:sldId id="266" r:id="rId11"/>
     <p:sldId id="267" r:id="rId12"/>
-    <p:sldId id="271" r:id="rId13"/>
-    <p:sldId id="269" r:id="rId14"/>
-    <p:sldId id="270" r:id="rId15"/>
-    <p:sldId id="268" r:id="rId16"/>
+    <p:sldId id="269" r:id="rId13"/>
+    <p:sldId id="270" r:id="rId14"/>
+    <p:sldId id="268" r:id="rId15"/>
   </p:sldIdLst>
   <p:sldSz cx="9144000" cy="6858000" type="screen4x3"/>
   <p:notesSz cx="6858000" cy="9144000"/>
@@ -222,7 +221,7 @@
           <a:p>
             <a:fld id="{F9A10BC3-AABA-4C47-9304-433E17EADCD6}" type="datetimeFigureOut">
               <a:rPr lang="en-US" smtClean="0"/>
-              <a:t>5/13/2019</a:t>
+              <a:t>5/14/2019</a:t>
             </a:fld>
             <a:endParaRPr lang="en-US"/>
           </a:p>
@@ -554,7 +553,7 @@
           <a:p>
             <a:fld id="{C00D0790-43AC-4523-8D8A-A62DC4B60A27}" type="slidenum">
               <a:rPr lang="en-US" smtClean="0"/>
-              <a:t>14</a:t>
+              <a:t>13</a:t>
             </a:fld>
             <a:endParaRPr lang="en-US"/>
           </a:p>
@@ -753,7 +752,7 @@
             <a:fld id="{1D8BD707-D9CF-40AE-B4C6-C98DA3205C09}" type="datetimeFigureOut">
               <a:rPr lang="en-US" smtClean="0"/>
               <a:pPr/>
-              <a:t>5/13/2019</a:t>
+              <a:t>5/14/2019</a:t>
             </a:fld>
             <a:endParaRPr lang="en-US"/>
           </a:p>
@@ -918,7 +917,7 @@
             <a:fld id="{1D8BD707-D9CF-40AE-B4C6-C98DA3205C09}" type="datetimeFigureOut">
               <a:rPr lang="en-US" smtClean="0"/>
               <a:pPr/>
-              <a:t>5/13/2019</a:t>
+              <a:t>5/14/2019</a:t>
             </a:fld>
             <a:endParaRPr lang="en-US"/>
           </a:p>
@@ -1093,7 +1092,7 @@
             <a:fld id="{1D8BD707-D9CF-40AE-B4C6-C98DA3205C09}" type="datetimeFigureOut">
               <a:rPr lang="en-US" smtClean="0"/>
               <a:pPr/>
-              <a:t>5/13/2019</a:t>
+              <a:t>5/14/2019</a:t>
             </a:fld>
             <a:endParaRPr lang="en-US"/>
           </a:p>
@@ -1258,7 +1257,7 @@
             <a:fld id="{1D8BD707-D9CF-40AE-B4C6-C98DA3205C09}" type="datetimeFigureOut">
               <a:rPr lang="en-US" smtClean="0"/>
               <a:pPr/>
-              <a:t>5/13/2019</a:t>
+              <a:t>5/14/2019</a:t>
             </a:fld>
             <a:endParaRPr lang="en-US"/>
           </a:p>
@@ -1500,7 +1499,7 @@
             <a:fld id="{1D8BD707-D9CF-40AE-B4C6-C98DA3205C09}" type="datetimeFigureOut">
               <a:rPr lang="en-US" smtClean="0"/>
               <a:pPr/>
-              <a:t>5/13/2019</a:t>
+              <a:t>5/14/2019</a:t>
             </a:fld>
             <a:endParaRPr lang="en-US"/>
           </a:p>
@@ -1782,7 +1781,7 @@
             <a:fld id="{1D8BD707-D9CF-40AE-B4C6-C98DA3205C09}" type="datetimeFigureOut">
               <a:rPr lang="en-US" smtClean="0"/>
               <a:pPr/>
-              <a:t>5/13/2019</a:t>
+              <a:t>5/14/2019</a:t>
             </a:fld>
             <a:endParaRPr lang="en-US"/>
           </a:p>
@@ -2198,7 +2197,7 @@
             <a:fld id="{1D8BD707-D9CF-40AE-B4C6-C98DA3205C09}" type="datetimeFigureOut">
               <a:rPr lang="en-US" smtClean="0"/>
               <a:pPr/>
-              <a:t>5/13/2019</a:t>
+              <a:t>5/14/2019</a:t>
             </a:fld>
             <a:endParaRPr lang="en-US"/>
           </a:p>
@@ -2312,7 +2311,7 @@
             <a:fld id="{1D8BD707-D9CF-40AE-B4C6-C98DA3205C09}" type="datetimeFigureOut">
               <a:rPr lang="en-US" smtClean="0"/>
               <a:pPr/>
-              <a:t>5/13/2019</a:t>
+              <a:t>5/14/2019</a:t>
             </a:fld>
             <a:endParaRPr lang="en-US"/>
           </a:p>
@@ -2404,7 +2403,7 @@
             <a:fld id="{1D8BD707-D9CF-40AE-B4C6-C98DA3205C09}" type="datetimeFigureOut">
               <a:rPr lang="en-US" smtClean="0"/>
               <a:pPr/>
-              <a:t>5/13/2019</a:t>
+              <a:t>5/14/2019</a:t>
             </a:fld>
             <a:endParaRPr lang="en-US"/>
           </a:p>
@@ -2676,7 +2675,7 @@
             <a:fld id="{1D8BD707-D9CF-40AE-B4C6-C98DA3205C09}" type="datetimeFigureOut">
               <a:rPr lang="en-US" smtClean="0"/>
               <a:pPr/>
-              <a:t>5/13/2019</a:t>
+              <a:t>5/14/2019</a:t>
             </a:fld>
             <a:endParaRPr lang="en-US"/>
           </a:p>
@@ -2925,7 +2924,7 @@
             <a:fld id="{1D8BD707-D9CF-40AE-B4C6-C98DA3205C09}" type="datetimeFigureOut">
               <a:rPr lang="en-US" smtClean="0"/>
               <a:pPr/>
-              <a:t>5/13/2019</a:t>
+              <a:t>5/14/2019</a:t>
             </a:fld>
             <a:endParaRPr lang="en-US"/>
           </a:p>
@@ -3133,7 +3132,7 @@
             <a:fld id="{1D8BD707-D9CF-40AE-B4C6-C98DA3205C09}" type="datetimeFigureOut">
               <a:rPr lang="en-US" smtClean="0"/>
               <a:pPr/>
-              <a:t>5/13/2019</a:t>
+              <a:t>5/14/2019</a:t>
             </a:fld>
             <a:endParaRPr lang="en-US"/>
           </a:p>
@@ -6393,7 +6392,7 @@
         </p:blipFill>
         <p:spPr>
           <a:xfrm>
-            <a:off x="178497" y="1619654"/>
+            <a:off x="394901" y="1619654"/>
             <a:ext cx="8584503" cy="3333345"/>
           </a:xfrm>
           <a:prstGeom prst="rect">
@@ -6417,7 +6416,7 @@
         </p:nvCxnSpPr>
         <p:spPr>
           <a:xfrm>
-            <a:off x="609600" y="2133600"/>
+            <a:off x="826004" y="2133600"/>
             <a:ext cx="0" cy="2667000"/>
           </a:xfrm>
           <a:prstGeom prst="line">
@@ -6461,7 +6460,7 @@
         </p:nvCxnSpPr>
         <p:spPr>
           <a:xfrm>
-            <a:off x="8610600" y="3276600"/>
+            <a:off x="8827004" y="3276600"/>
             <a:ext cx="0" cy="1524000"/>
           </a:xfrm>
           <a:prstGeom prst="line">
@@ -6489,8 +6488,8 @@
           </a:fontRef>
         </p:style>
       </p:cxnSp>
-      <mc:AlternateContent xmlns:mc="http://schemas.openxmlformats.org/markup-compatibility/2006" xmlns:a14="http://schemas.microsoft.com/office/drawing/2010/main">
-        <mc:Choice Requires="a14">
+      <mc:AlternateContent xmlns:mc="http://schemas.openxmlformats.org/markup-compatibility/2006">
+        <mc:Choice xmlns:a14="http://schemas.microsoft.com/office/drawing/2010/main" Requires="a14">
           <p:sp>
             <p:nvSpPr>
               <p:cNvPr id="10" name="TextBox 9">
@@ -6505,7 +6504,7 @@
             </p:nvSpPr>
             <p:spPr>
               <a:xfrm>
-                <a:off x="8489156" y="2895600"/>
+                <a:off x="8705560" y="2895600"/>
                 <a:ext cx="286040" cy="276999"/>
               </a:xfrm>
               <a:prstGeom prst="rect">
@@ -6561,7 +6560,7 @@
             </p:txBody>
           </p:sp>
         </mc:Choice>
-        <mc:Fallback xmlns="">
+        <mc:Fallback>
           <p:sp>
             <p:nvSpPr>
               <p:cNvPr id="10" name="TextBox 9">
@@ -6578,7 +6577,7 @@
             </p:nvSpPr>
             <p:spPr>
               <a:xfrm>
-                <a:off x="8489156" y="2895600"/>
+                <a:off x="8705560" y="2895600"/>
                 <a:ext cx="286040" cy="276999"/>
               </a:xfrm>
               <a:prstGeom prst="rect">
@@ -6587,7 +6586,7 @@
               <a:blipFill>
                 <a:blip r:embed="rId3"/>
                 <a:stretch>
-                  <a:fillRect l="-10638" r="-8511" b="-15556"/>
+                  <a:fillRect l="-10638" r="-10638" b="-15556"/>
                 </a:stretch>
               </a:blipFill>
             </p:spPr>
@@ -6606,8 +6605,8 @@
           </p:sp>
         </mc:Fallback>
       </mc:AlternateContent>
-      <mc:AlternateContent xmlns:mc="http://schemas.openxmlformats.org/markup-compatibility/2006" xmlns:a14="http://schemas.microsoft.com/office/drawing/2010/main">
-        <mc:Choice Requires="a14">
+      <mc:AlternateContent xmlns:mc="http://schemas.openxmlformats.org/markup-compatibility/2006">
+        <mc:Choice xmlns:a14="http://schemas.microsoft.com/office/drawing/2010/main" Requires="a14">
           <p:sp>
             <p:nvSpPr>
               <p:cNvPr id="11" name="TextBox 10">
@@ -6622,7 +6621,7 @@
             </p:nvSpPr>
             <p:spPr>
               <a:xfrm>
-                <a:off x="466580" y="1752600"/>
+                <a:off x="682984" y="1752600"/>
                 <a:ext cx="301942" cy="276999"/>
               </a:xfrm>
               <a:prstGeom prst="rect">
@@ -6678,7 +6677,7 @@
             </p:txBody>
           </p:sp>
         </mc:Choice>
-        <mc:Fallback xmlns="">
+        <mc:Fallback>
           <p:sp>
             <p:nvSpPr>
               <p:cNvPr id="11" name="TextBox 10">
@@ -6695,7 +6694,7 @@
             </p:nvSpPr>
             <p:spPr>
               <a:xfrm>
-                <a:off x="466580" y="1752600"/>
+                <a:off x="682984" y="1752600"/>
                 <a:ext cx="301942" cy="276999"/>
               </a:xfrm>
               <a:prstGeom prst="rect">
@@ -6704,7 +6703,7 @@
               <a:blipFill>
                 <a:blip r:embed="rId4"/>
                 <a:stretch>
-                  <a:fillRect l="-10204" r="-8163" b="-15556"/>
+                  <a:fillRect l="-10000" r="-8000" b="-15556"/>
                 </a:stretch>
               </a:blipFill>
             </p:spPr>
@@ -6723,8 +6722,8 @@
           </p:sp>
         </mc:Fallback>
       </mc:AlternateContent>
-      <mc:AlternateContent xmlns:mc="http://schemas.openxmlformats.org/markup-compatibility/2006" xmlns:a14="http://schemas.microsoft.com/office/drawing/2010/main">
-        <mc:Choice Requires="a14">
+      <mc:AlternateContent xmlns:mc="http://schemas.openxmlformats.org/markup-compatibility/2006">
+        <mc:Choice xmlns:a14="http://schemas.microsoft.com/office/drawing/2010/main" Requires="a14">
           <p:sp>
             <p:nvSpPr>
               <p:cNvPr id="15" name="TextBox 14">
@@ -6739,7 +6738,7 @@
             </p:nvSpPr>
             <p:spPr>
               <a:xfrm>
-                <a:off x="7010400" y="3124200"/>
+                <a:off x="7226804" y="3124200"/>
                 <a:ext cx="259302" cy="299313"/>
               </a:xfrm>
               <a:prstGeom prst="rect">
@@ -6816,7 +6815,7 @@
             </p:txBody>
           </p:sp>
         </mc:Choice>
-        <mc:Fallback xmlns="">
+        <mc:Fallback>
           <p:sp>
             <p:nvSpPr>
               <p:cNvPr id="15" name="TextBox 14">
@@ -6833,7 +6832,7 @@
             </p:nvSpPr>
             <p:spPr>
               <a:xfrm>
-                <a:off x="7010400" y="3124200"/>
+                <a:off x="7226804" y="3124200"/>
                 <a:ext cx="259302" cy="299313"/>
               </a:xfrm>
               <a:prstGeom prst="rect">
@@ -6842,7 +6841,7 @@
               <a:blipFill>
                 <a:blip r:embed="rId5"/>
                 <a:stretch>
-                  <a:fillRect l="-11111" r="-11111" b="-21569"/>
+                  <a:fillRect l="-8889" r="-11111" b="-21569"/>
                 </a:stretch>
               </a:blipFill>
               <a:ln>
@@ -6866,8 +6865,8 @@
           </p:sp>
         </mc:Fallback>
       </mc:AlternateContent>
-      <mc:AlternateContent xmlns:mc="http://schemas.openxmlformats.org/markup-compatibility/2006" xmlns:a14="http://schemas.microsoft.com/office/drawing/2010/main">
-        <mc:Choice Requires="a14">
+      <mc:AlternateContent xmlns:mc="http://schemas.openxmlformats.org/markup-compatibility/2006">
+        <mc:Choice xmlns:a14="http://schemas.microsoft.com/office/drawing/2010/main" Requires="a14">
           <p:sp>
             <p:nvSpPr>
               <p:cNvPr id="16" name="TextBox 15">
@@ -6882,7 +6881,7 @@
             </p:nvSpPr>
             <p:spPr>
               <a:xfrm>
-                <a:off x="7543800" y="3165578"/>
+                <a:off x="7760204" y="3165578"/>
                 <a:ext cx="478914" cy="299313"/>
               </a:xfrm>
               <a:prstGeom prst="rect">
@@ -6966,7 +6965,7 @@
             </p:txBody>
           </p:sp>
         </mc:Choice>
-        <mc:Fallback xmlns="">
+        <mc:Fallback>
           <p:sp>
             <p:nvSpPr>
               <p:cNvPr id="16" name="TextBox 15">
@@ -6983,7 +6982,7 @@
             </p:nvSpPr>
             <p:spPr>
               <a:xfrm>
-                <a:off x="7543800" y="3165578"/>
+                <a:off x="7760204" y="3165578"/>
                 <a:ext cx="478914" cy="299313"/>
               </a:xfrm>
               <a:prstGeom prst="rect">
@@ -6992,7 +6991,7 @@
               <a:blipFill>
                 <a:blip r:embed="rId6"/>
                 <a:stretch>
-                  <a:fillRect l="-5000" r="-3750" b="-23529"/>
+                  <a:fillRect l="-4938" r="-2469" b="-23529"/>
                 </a:stretch>
               </a:blipFill>
               <a:ln>
@@ -7032,7 +7031,7 @@
         </p:nvCxnSpPr>
         <p:spPr>
           <a:xfrm flipH="1">
-            <a:off x="7120206" y="3423513"/>
+            <a:off x="7336610" y="3423513"/>
             <a:ext cx="19845" cy="345110"/>
           </a:xfrm>
           <a:prstGeom prst="line">
@@ -7078,7 +7077,7 @@
         </p:nvCxnSpPr>
         <p:spPr>
           <a:xfrm flipH="1">
-            <a:off x="7391401" y="3464891"/>
+            <a:off x="7607805" y="3464891"/>
             <a:ext cx="391856" cy="345109"/>
           </a:xfrm>
           <a:prstGeom prst="line">
@@ -7124,7 +7123,7 @@
         </p:nvCxnSpPr>
         <p:spPr>
           <a:xfrm flipH="1">
-            <a:off x="3875129" y="2760047"/>
+            <a:off x="4091533" y="2760047"/>
             <a:ext cx="26830" cy="398976"/>
           </a:xfrm>
           <a:prstGeom prst="line">
@@ -7172,7 +7171,7 @@
         </p:nvCxnSpPr>
         <p:spPr>
           <a:xfrm flipV="1">
-            <a:off x="5355691" y="3733800"/>
+            <a:off x="5572095" y="3733800"/>
             <a:ext cx="0" cy="364153"/>
           </a:xfrm>
           <a:prstGeom prst="line">
@@ -7203,8 +7202,8 @@
           </a:fontRef>
         </p:style>
       </p:cxnSp>
-      <mc:AlternateContent xmlns:mc="http://schemas.openxmlformats.org/markup-compatibility/2006" xmlns:a14="http://schemas.microsoft.com/office/drawing/2010/main">
-        <mc:Choice Requires="a14">
+      <mc:AlternateContent xmlns:mc="http://schemas.openxmlformats.org/markup-compatibility/2006">
+        <mc:Choice xmlns:a14="http://schemas.microsoft.com/office/drawing/2010/main" Requires="a14">
           <p:sp>
             <p:nvSpPr>
               <p:cNvPr id="23" name="Diamond 22">
@@ -7219,7 +7218,7 @@
             </p:nvSpPr>
             <p:spPr>
               <a:xfrm flipH="1">
-                <a:off x="3695051" y="2209800"/>
+                <a:off x="3911455" y="2209800"/>
                 <a:ext cx="413817" cy="550247"/>
               </a:xfrm>
               <a:prstGeom prst="diamond">
@@ -7329,7 +7328,7 @@
             </p:txBody>
           </p:sp>
         </mc:Choice>
-        <mc:Fallback xmlns="">
+        <mc:Fallback>
           <p:sp>
             <p:nvSpPr>
               <p:cNvPr id="23" name="Diamond 22">
@@ -7346,7 +7345,7 @@
             </p:nvSpPr>
             <p:spPr>
               <a:xfrm flipH="1">
-                <a:off x="3695051" y="2209800"/>
+                <a:off x="3911455" y="2209800"/>
                 <a:ext cx="413817" cy="550247"/>
               </a:xfrm>
               <a:prstGeom prst="diamond">
@@ -7355,7 +7354,7 @@
               <a:blipFill>
                 <a:blip r:embed="rId7"/>
                 <a:stretch>
-                  <a:fillRect r="-12857"/>
+                  <a:fillRect r="-11429"/>
                 </a:stretch>
               </a:blipFill>
               <a:ln>
@@ -7381,8 +7380,8 @@
           </p:sp>
         </mc:Fallback>
       </mc:AlternateContent>
-      <mc:AlternateContent xmlns:mc="http://schemas.openxmlformats.org/markup-compatibility/2006" xmlns:a14="http://schemas.microsoft.com/office/drawing/2010/main">
-        <mc:Choice Requires="a14">
+      <mc:AlternateContent xmlns:mc="http://schemas.openxmlformats.org/markup-compatibility/2006">
+        <mc:Choice xmlns:a14="http://schemas.microsoft.com/office/drawing/2010/main" Requires="a14">
           <p:sp>
             <p:nvSpPr>
               <p:cNvPr id="26" name="Diamond 25">
@@ -7397,7 +7396,7 @@
             </p:nvSpPr>
             <p:spPr>
               <a:xfrm flipH="1">
-                <a:off x="5148783" y="4097953"/>
+                <a:off x="5365187" y="4097953"/>
                 <a:ext cx="413817" cy="550247"/>
               </a:xfrm>
               <a:prstGeom prst="diamond">
@@ -7507,7 +7506,7 @@
             </p:txBody>
           </p:sp>
         </mc:Choice>
-        <mc:Fallback xmlns="">
+        <mc:Fallback>
           <p:sp>
             <p:nvSpPr>
               <p:cNvPr id="26" name="Diamond 25">
@@ -7524,7 +7523,7 @@
             </p:nvSpPr>
             <p:spPr>
               <a:xfrm flipH="1">
-                <a:off x="5148783" y="4097953"/>
+                <a:off x="5365187" y="4097953"/>
                 <a:ext cx="413817" cy="550247"/>
               </a:xfrm>
               <a:prstGeom prst="diamond">
@@ -7533,7 +7532,7 @@
               <a:blipFill>
                 <a:blip r:embed="rId8"/>
                 <a:stretch>
-                  <a:fillRect r="-11429"/>
+                  <a:fillRect r="-12857"/>
                 </a:stretch>
               </a:blipFill>
               <a:ln>
@@ -7559,951 +7558,14 @@
           </p:sp>
         </mc:Fallback>
       </mc:AlternateContent>
-    </p:spTree>
-    <p:extLst>
-      <p:ext uri="{BB962C8B-B14F-4D97-AF65-F5344CB8AC3E}">
-        <p14:creationId xmlns:p14="http://schemas.microsoft.com/office/powerpoint/2010/main" val="2116905144"/>
-      </p:ext>
-    </p:extLst>
-  </p:cSld>
-  <p:clrMapOvr>
-    <a:masterClrMapping/>
-  </p:clrMapOvr>
-</p:sld>
-</file>
-
-<file path=ppt/slides/slide12.xml><?xml version="1.0" encoding="utf-8"?>
-<p:sld xmlns:a="http://schemas.openxmlformats.org/drawingml/2006/main" xmlns:r="http://schemas.openxmlformats.org/officeDocument/2006/relationships" xmlns:p="http://schemas.openxmlformats.org/presentationml/2006/main">
-  <p:cSld>
-    <p:spTree>
-      <p:nvGrpSpPr>
-        <p:cNvPr id="1" name=""/>
-        <p:cNvGrpSpPr/>
-        <p:nvPr/>
-      </p:nvGrpSpPr>
-      <p:grpSpPr>
-        <a:xfrm>
-          <a:off x="0" y="0"/>
-          <a:ext cx="0" cy="0"/>
-          <a:chOff x="0" y="0"/>
-          <a:chExt cx="0" cy="0"/>
-        </a:xfrm>
-      </p:grpSpPr>
-      <p:pic>
-        <p:nvPicPr>
-          <p:cNvPr id="3" name="Picture 2">
-            <a:extLst>
-              <a:ext uri="{FF2B5EF4-FFF2-40B4-BE49-F238E27FC236}">
-                <a16:creationId xmlns:a16="http://schemas.microsoft.com/office/drawing/2014/main" id="{AE0F27D2-6A10-4505-96EF-1B5A49CF7815}"/>
-              </a:ext>
-            </a:extLst>
-          </p:cNvPr>
-          <p:cNvPicPr>
-            <a:picLocks noChangeAspect="1"/>
-          </p:cNvPicPr>
-          <p:nvPr/>
-        </p:nvPicPr>
-        <p:blipFill>
-          <a:blip r:embed="rId2">
-            <a:extLst>
-              <a:ext uri="{28A0092B-C50C-407E-A947-70E740481C1C}">
-                <a14:useLocalDpi xmlns:a14="http://schemas.microsoft.com/office/drawing/2010/main" val="0"/>
-              </a:ext>
-            </a:extLst>
-          </a:blip>
-          <a:stretch>
-            <a:fillRect/>
-          </a:stretch>
-        </p:blipFill>
-        <p:spPr>
-          <a:xfrm>
-            <a:off x="394901" y="1619654"/>
-            <a:ext cx="8584503" cy="3333345"/>
-          </a:xfrm>
-          <a:prstGeom prst="rect">
-            <a:avLst/>
-          </a:prstGeom>
-        </p:spPr>
-      </p:pic>
-      <p:cxnSp>
-        <p:nvCxnSpPr>
-          <p:cNvPr id="4" name="Straight Connector 3">
-            <a:extLst>
-              <a:ext uri="{FF2B5EF4-FFF2-40B4-BE49-F238E27FC236}">
-                <a16:creationId xmlns:a16="http://schemas.microsoft.com/office/drawing/2014/main" id="{DF0BE187-0604-4BB5-B20C-8E9F0C2AB5DB}"/>
-              </a:ext>
-            </a:extLst>
-          </p:cNvPr>
-          <p:cNvCxnSpPr>
-            <a:cxnSpLocks/>
-          </p:cNvCxnSpPr>
-          <p:nvPr/>
-        </p:nvCxnSpPr>
-        <p:spPr>
-          <a:xfrm>
-            <a:off x="826004" y="2133600"/>
-            <a:ext cx="0" cy="2667000"/>
-          </a:xfrm>
-          <a:prstGeom prst="line">
-            <a:avLst/>
-          </a:prstGeom>
-          <a:ln w="28575">
-            <a:solidFill>
-              <a:schemeClr val="tx1"/>
-            </a:solidFill>
-            <a:prstDash val="sysDash"/>
-          </a:ln>
-        </p:spPr>
-        <p:style>
-          <a:lnRef idx="1">
-            <a:schemeClr val="accent1"/>
-          </a:lnRef>
-          <a:fillRef idx="0">
-            <a:schemeClr val="accent1"/>
-          </a:fillRef>
-          <a:effectRef idx="0">
-            <a:schemeClr val="accent1"/>
-          </a:effectRef>
-          <a:fontRef idx="minor">
-            <a:schemeClr val="tx1"/>
-          </a:fontRef>
-        </p:style>
-      </p:cxnSp>
-      <p:cxnSp>
-        <p:nvCxnSpPr>
-          <p:cNvPr id="8" name="Straight Connector 7">
-            <a:extLst>
-              <a:ext uri="{FF2B5EF4-FFF2-40B4-BE49-F238E27FC236}">
-                <a16:creationId xmlns:a16="http://schemas.microsoft.com/office/drawing/2014/main" id="{6070698F-BD17-4B90-85A5-7FA1AD427AB0}"/>
-              </a:ext>
-            </a:extLst>
-          </p:cNvPr>
-          <p:cNvCxnSpPr>
-            <a:cxnSpLocks/>
-          </p:cNvCxnSpPr>
-          <p:nvPr/>
-        </p:nvCxnSpPr>
-        <p:spPr>
-          <a:xfrm>
-            <a:off x="8827004" y="3276600"/>
-            <a:ext cx="0" cy="1524000"/>
-          </a:xfrm>
-          <a:prstGeom prst="line">
-            <a:avLst/>
-          </a:prstGeom>
-          <a:ln w="28575">
-            <a:solidFill>
-              <a:schemeClr val="tx1"/>
-            </a:solidFill>
-            <a:prstDash val="sysDash"/>
-          </a:ln>
-        </p:spPr>
-        <p:style>
-          <a:lnRef idx="1">
-            <a:schemeClr val="accent1"/>
-          </a:lnRef>
-          <a:fillRef idx="0">
-            <a:schemeClr val="accent1"/>
-          </a:fillRef>
-          <a:effectRef idx="0">
-            <a:schemeClr val="accent1"/>
-          </a:effectRef>
-          <a:fontRef idx="minor">
-            <a:schemeClr val="tx1"/>
-          </a:fontRef>
-        </p:style>
-      </p:cxnSp>
-      <mc:AlternateContent xmlns:mc="http://schemas.openxmlformats.org/markup-compatibility/2006" xmlns:a14="http://schemas.microsoft.com/office/drawing/2010/main">
-        <mc:Choice Requires="a14">
+      <mc:AlternateContent xmlns:mc="http://schemas.openxmlformats.org/markup-compatibility/2006">
+        <mc:Choice xmlns:a14="http://schemas.microsoft.com/office/drawing/2010/main" Requires="a14">
           <p:sp>
             <p:nvSpPr>
-              <p:cNvPr id="10" name="TextBox 9">
+              <p:cNvPr id="18" name="TextBox 17">
                 <a:extLst>
                   <a:ext uri="{FF2B5EF4-FFF2-40B4-BE49-F238E27FC236}">
-                    <a16:creationId xmlns:a16="http://schemas.microsoft.com/office/drawing/2014/main" id="{B1A2DF79-6AC1-46FC-BE76-851A20A99AB6}"/>
-                  </a:ext>
-                </a:extLst>
-              </p:cNvPr>
-              <p:cNvSpPr txBox="1"/>
-              <p:nvPr/>
-            </p:nvSpPr>
-            <p:spPr>
-              <a:xfrm>
-                <a:off x="8705560" y="2895600"/>
-                <a:ext cx="286040" cy="276999"/>
-              </a:xfrm>
-              <a:prstGeom prst="rect">
-                <a:avLst/>
-              </a:prstGeom>
-              <a:solidFill>
-                <a:schemeClr val="bg1"/>
-              </a:solidFill>
-            </p:spPr>
-            <p:txBody>
-              <a:bodyPr wrap="none" lIns="0" tIns="0" rIns="0" bIns="0" rtlCol="0">
-                <a:spAutoFit/>
-              </a:bodyPr>
-              <a:lstStyle/>
-              <a:p>
-                <a:pPr/>
-                <a14:m>
-                  <m:oMathPara xmlns:m="http://schemas.openxmlformats.org/officeDocument/2006/math">
-                    <m:oMathParaPr>
-                      <m:jc m:val="centerGroup"/>
-                    </m:oMathParaPr>
-                    <m:oMath xmlns:m="http://schemas.openxmlformats.org/officeDocument/2006/math">
-                      <m:sSub>
-                        <m:sSubPr>
-                          <m:ctrlPr>
-                            <a:rPr lang="en-US" b="0" i="1" smtClean="0">
-                              <a:latin typeface="Cambria Math" panose="02040503050406030204" pitchFamily="18" charset="0"/>
-                            </a:rPr>
-                          </m:ctrlPr>
-                        </m:sSubPr>
-                        <m:e>
-                          <m:r>
-                            <a:rPr lang="en-US" b="0" i="1" smtClean="0">
-                              <a:latin typeface="Cambria Math" panose="02040503050406030204" pitchFamily="18" charset="0"/>
-                            </a:rPr>
-                            <m:t>𝑥</m:t>
-                          </m:r>
-                        </m:e>
-                        <m:sub>
-                          <m:r>
-                            <a:rPr lang="en-US" b="0" i="1" smtClean="0">
-                              <a:latin typeface="Cambria Math" panose="02040503050406030204" pitchFamily="18" charset="0"/>
-                            </a:rPr>
-                            <m:t>𝐴</m:t>
-                          </m:r>
-                        </m:sub>
-                      </m:sSub>
-                    </m:oMath>
-                  </m:oMathPara>
-                </a14:m>
-                <a:endParaRPr lang="en-US" dirty="0"/>
-              </a:p>
-            </p:txBody>
-          </p:sp>
-        </mc:Choice>
-        <mc:Fallback xmlns="">
-          <p:sp>
-            <p:nvSpPr>
-              <p:cNvPr id="10" name="TextBox 9">
-                <a:extLst>
-                  <a:ext uri="{FF2B5EF4-FFF2-40B4-BE49-F238E27FC236}">
-                    <a16:creationId xmlns:a16="http://schemas.microsoft.com/office/drawing/2014/main" id="{B1A2DF79-6AC1-46FC-BE76-851A20A99AB6}"/>
-                  </a:ext>
-                </a:extLst>
-              </p:cNvPr>
-              <p:cNvSpPr txBox="1">
-                <a:spLocks noRot="1" noChangeAspect="1" noMove="1" noResize="1" noEditPoints="1" noAdjustHandles="1" noChangeArrowheads="1" noChangeShapeType="1" noTextEdit="1"/>
-              </p:cNvSpPr>
-              <p:nvPr/>
-            </p:nvSpPr>
-            <p:spPr>
-              <a:xfrm>
-                <a:off x="8705560" y="2895600"/>
-                <a:ext cx="286040" cy="276999"/>
-              </a:xfrm>
-              <a:prstGeom prst="rect">
-                <a:avLst/>
-              </a:prstGeom>
-              <a:blipFill>
-                <a:blip r:embed="rId3"/>
-                <a:stretch>
-                  <a:fillRect l="-10638" r="-10638" b="-15556"/>
-                </a:stretch>
-              </a:blipFill>
-            </p:spPr>
-            <p:txBody>
-              <a:bodyPr/>
-              <a:lstStyle/>
-              <a:p>
-                <a:r>
-                  <a:rPr lang="en-US">
-                    <a:noFill/>
-                  </a:rPr>
-                  <a:t> </a:t>
-                </a:r>
-              </a:p>
-            </p:txBody>
-          </p:sp>
-        </mc:Fallback>
-      </mc:AlternateContent>
-      <mc:AlternateContent xmlns:mc="http://schemas.openxmlformats.org/markup-compatibility/2006" xmlns:a14="http://schemas.microsoft.com/office/drawing/2010/main">
-        <mc:Choice Requires="a14">
-          <p:sp>
-            <p:nvSpPr>
-              <p:cNvPr id="11" name="TextBox 10">
-                <a:extLst>
-                  <a:ext uri="{FF2B5EF4-FFF2-40B4-BE49-F238E27FC236}">
-                    <a16:creationId xmlns:a16="http://schemas.microsoft.com/office/drawing/2014/main" id="{CD80C885-2986-4145-A6F4-1068A8FA9258}"/>
-                  </a:ext>
-                </a:extLst>
-              </p:cNvPr>
-              <p:cNvSpPr txBox="1"/>
-              <p:nvPr/>
-            </p:nvSpPr>
-            <p:spPr>
-              <a:xfrm>
-                <a:off x="682984" y="1752600"/>
-                <a:ext cx="301942" cy="276999"/>
-              </a:xfrm>
-              <a:prstGeom prst="rect">
-                <a:avLst/>
-              </a:prstGeom>
-              <a:solidFill>
-                <a:schemeClr val="bg1"/>
-              </a:solidFill>
-            </p:spPr>
-            <p:txBody>
-              <a:bodyPr wrap="none" lIns="0" tIns="0" rIns="0" bIns="0" rtlCol="0">
-                <a:spAutoFit/>
-              </a:bodyPr>
-              <a:lstStyle/>
-              <a:p>
-                <a:pPr/>
-                <a14:m>
-                  <m:oMathPara xmlns:m="http://schemas.openxmlformats.org/officeDocument/2006/math">
-                    <m:oMathParaPr>
-                      <m:jc m:val="centerGroup"/>
-                    </m:oMathParaPr>
-                    <m:oMath xmlns:m="http://schemas.openxmlformats.org/officeDocument/2006/math">
-                      <m:sSub>
-                        <m:sSubPr>
-                          <m:ctrlPr>
-                            <a:rPr lang="en-US" b="0" i="1" smtClean="0">
-                              <a:latin typeface="Cambria Math" panose="02040503050406030204" pitchFamily="18" charset="0"/>
-                            </a:rPr>
-                          </m:ctrlPr>
-                        </m:sSubPr>
-                        <m:e>
-                          <m:r>
-                            <a:rPr lang="en-US" b="0" i="1" smtClean="0">
-                              <a:latin typeface="Cambria Math" panose="02040503050406030204" pitchFamily="18" charset="0"/>
-                            </a:rPr>
-                            <m:t>𝑥</m:t>
-                          </m:r>
-                        </m:e>
-                        <m:sub>
-                          <m:r>
-                            <a:rPr lang="en-US" b="0" i="1" smtClean="0">
-                              <a:latin typeface="Cambria Math" panose="02040503050406030204" pitchFamily="18" charset="0"/>
-                            </a:rPr>
-                            <m:t>𝐵</m:t>
-                          </m:r>
-                        </m:sub>
-                      </m:sSub>
-                    </m:oMath>
-                  </m:oMathPara>
-                </a14:m>
-                <a:endParaRPr lang="en-US" dirty="0"/>
-              </a:p>
-            </p:txBody>
-          </p:sp>
-        </mc:Choice>
-        <mc:Fallback xmlns="">
-          <p:sp>
-            <p:nvSpPr>
-              <p:cNvPr id="11" name="TextBox 10">
-                <a:extLst>
-                  <a:ext uri="{FF2B5EF4-FFF2-40B4-BE49-F238E27FC236}">
-                    <a16:creationId xmlns:a16="http://schemas.microsoft.com/office/drawing/2014/main" id="{CD80C885-2986-4145-A6F4-1068A8FA9258}"/>
-                  </a:ext>
-                </a:extLst>
-              </p:cNvPr>
-              <p:cNvSpPr txBox="1">
-                <a:spLocks noRot="1" noChangeAspect="1" noMove="1" noResize="1" noEditPoints="1" noAdjustHandles="1" noChangeArrowheads="1" noChangeShapeType="1" noTextEdit="1"/>
-              </p:cNvSpPr>
-              <p:nvPr/>
-            </p:nvSpPr>
-            <p:spPr>
-              <a:xfrm>
-                <a:off x="682984" y="1752600"/>
-                <a:ext cx="301942" cy="276999"/>
-              </a:xfrm>
-              <a:prstGeom prst="rect">
-                <a:avLst/>
-              </a:prstGeom>
-              <a:blipFill>
-                <a:blip r:embed="rId4"/>
-                <a:stretch>
-                  <a:fillRect l="-10000" r="-8000" b="-15556"/>
-                </a:stretch>
-              </a:blipFill>
-            </p:spPr>
-            <p:txBody>
-              <a:bodyPr/>
-              <a:lstStyle/>
-              <a:p>
-                <a:r>
-                  <a:rPr lang="en-US">
-                    <a:noFill/>
-                  </a:rPr>
-                  <a:t> </a:t>
-                </a:r>
-              </a:p>
-            </p:txBody>
-          </p:sp>
-        </mc:Fallback>
-      </mc:AlternateContent>
-      <mc:AlternateContent xmlns:mc="http://schemas.openxmlformats.org/markup-compatibility/2006" xmlns:a14="http://schemas.microsoft.com/office/drawing/2010/main">
-        <mc:Choice Requires="a14">
-          <p:sp>
-            <p:nvSpPr>
-              <p:cNvPr id="13" name="TextBox 12">
-                <a:extLst>
-                  <a:ext uri="{FF2B5EF4-FFF2-40B4-BE49-F238E27FC236}">
-                    <a16:creationId xmlns:a16="http://schemas.microsoft.com/office/drawing/2014/main" id="{07F69534-CD4D-45FF-A2EE-4E68959A04E6}"/>
-                  </a:ext>
-                </a:extLst>
-              </p:cNvPr>
-              <p:cNvSpPr txBox="1"/>
-              <p:nvPr/>
-            </p:nvSpPr>
-            <p:spPr>
-              <a:xfrm>
-                <a:off x="5474204" y="3761601"/>
-                <a:ext cx="262058" cy="276999"/>
-              </a:xfrm>
-              <a:prstGeom prst="rect">
-                <a:avLst/>
-              </a:prstGeom>
-              <a:solidFill>
-                <a:schemeClr val="bg1"/>
-              </a:solidFill>
-            </p:spPr>
-            <p:txBody>
-              <a:bodyPr wrap="none" lIns="0" tIns="0" rIns="0" bIns="0" rtlCol="0">
-                <a:spAutoFit/>
-              </a:bodyPr>
-              <a:lstStyle/>
-              <a:p>
-                <a:pPr/>
-                <a14:m>
-                  <m:oMathPara xmlns:m="http://schemas.openxmlformats.org/officeDocument/2006/math">
-                    <m:oMathParaPr>
-                      <m:jc m:val="centerGroup"/>
-                    </m:oMathParaPr>
-                    <m:oMath xmlns:m="http://schemas.openxmlformats.org/officeDocument/2006/math">
-                      <m:sSub>
-                        <m:sSubPr>
-                          <m:ctrlPr>
-                            <a:rPr lang="en-US" i="1">
-                              <a:latin typeface="Cambria Math" panose="02040503050406030204" pitchFamily="18" charset="0"/>
-                              <a:cs typeface="Times New Roman" pitchFamily="18" charset="0"/>
-                            </a:rPr>
-                          </m:ctrlPr>
-                        </m:sSubPr>
-                        <m:e>
-                          <m:acc>
-                            <m:accPr>
-                              <m:chr m:val="⃗"/>
-                              <m:ctrlPr>
-                                <a:rPr lang="en-US" i="1">
-                                  <a:latin typeface="Cambria Math" panose="02040503050406030204" pitchFamily="18" charset="0"/>
-                                  <a:cs typeface="Times New Roman" pitchFamily="18" charset="0"/>
-                                </a:rPr>
-                              </m:ctrlPr>
-                            </m:accPr>
-                            <m:e>
-                              <m:r>
-                                <a:rPr lang="en-US" i="1">
-                                  <a:latin typeface="Cambria Math" panose="02040503050406030204" pitchFamily="18" charset="0"/>
-                                  <a:cs typeface="Times New Roman" pitchFamily="18" charset="0"/>
-                                </a:rPr>
-                                <m:t>𝑜</m:t>
-                              </m:r>
-                            </m:e>
-                          </m:acc>
-                        </m:e>
-                        <m:sub>
-                          <m:r>
-                            <a:rPr lang="en-US" i="1">
-                              <a:latin typeface="Cambria Math" panose="02040503050406030204" pitchFamily="18" charset="0"/>
-                              <a:cs typeface="Times New Roman" pitchFamily="18" charset="0"/>
-                            </a:rPr>
-                            <m:t>𝑠</m:t>
-                          </m:r>
-                        </m:sub>
-                      </m:sSub>
-                    </m:oMath>
-                  </m:oMathPara>
-                </a14:m>
-                <a:endParaRPr lang="en-US" dirty="0"/>
-              </a:p>
-            </p:txBody>
-          </p:sp>
-        </mc:Choice>
-        <mc:Fallback xmlns="">
-          <p:sp>
-            <p:nvSpPr>
-              <p:cNvPr id="13" name="TextBox 12">
-                <a:extLst>
-                  <a:ext uri="{FF2B5EF4-FFF2-40B4-BE49-F238E27FC236}">
-                    <a16:creationId xmlns:a16="http://schemas.microsoft.com/office/drawing/2014/main" id="{07F69534-CD4D-45FF-A2EE-4E68959A04E6}"/>
-                  </a:ext>
-                </a:extLst>
-              </p:cNvPr>
-              <p:cNvSpPr txBox="1">
-                <a:spLocks noRot="1" noChangeAspect="1" noMove="1" noResize="1" noEditPoints="1" noAdjustHandles="1" noChangeArrowheads="1" noChangeShapeType="1" noTextEdit="1"/>
-              </p:cNvSpPr>
-              <p:nvPr/>
-            </p:nvSpPr>
-            <p:spPr>
-              <a:xfrm>
-                <a:off x="5474204" y="3761601"/>
-                <a:ext cx="262058" cy="276999"/>
-              </a:xfrm>
-              <a:prstGeom prst="rect">
-                <a:avLst/>
-              </a:prstGeom>
-              <a:blipFill>
-                <a:blip r:embed="rId5"/>
-                <a:stretch>
-                  <a:fillRect l="-23256" t="-45652" r="-69767" b="-10870"/>
-                </a:stretch>
-              </a:blipFill>
-            </p:spPr>
-            <p:txBody>
-              <a:bodyPr/>
-              <a:lstStyle/>
-              <a:p>
-                <a:r>
-                  <a:rPr lang="en-US">
-                    <a:noFill/>
-                  </a:rPr>
-                  <a:t> </a:t>
-                </a:r>
-              </a:p>
-            </p:txBody>
-          </p:sp>
-        </mc:Fallback>
-      </mc:AlternateContent>
-      <mc:AlternateContent xmlns:mc="http://schemas.openxmlformats.org/markup-compatibility/2006" xmlns:a14="http://schemas.microsoft.com/office/drawing/2010/main">
-        <mc:Choice Requires="a14">
-          <p:sp>
-            <p:nvSpPr>
-              <p:cNvPr id="14" name="TextBox 13">
-                <a:extLst>
-                  <a:ext uri="{FF2B5EF4-FFF2-40B4-BE49-F238E27FC236}">
-                    <a16:creationId xmlns:a16="http://schemas.microsoft.com/office/drawing/2014/main" id="{AB2E972E-1035-4FFD-9251-E41D3126E08E}"/>
-                  </a:ext>
-                </a:extLst>
-              </p:cNvPr>
-              <p:cNvSpPr txBox="1"/>
-              <p:nvPr/>
-            </p:nvSpPr>
-            <p:spPr>
-              <a:xfrm>
-                <a:off x="3992946" y="2819400"/>
-                <a:ext cx="273280" cy="276999"/>
-              </a:xfrm>
-              <a:prstGeom prst="rect">
-                <a:avLst/>
-              </a:prstGeom>
-              <a:solidFill>
-                <a:schemeClr val="bg1"/>
-              </a:solidFill>
-            </p:spPr>
-            <p:txBody>
-              <a:bodyPr wrap="none" lIns="0" tIns="0" rIns="0" bIns="0" rtlCol="0">
-                <a:spAutoFit/>
-              </a:bodyPr>
-              <a:lstStyle/>
-              <a:p>
-                <a:pPr/>
-                <a14:m>
-                  <m:oMathPara xmlns:m="http://schemas.openxmlformats.org/officeDocument/2006/math">
-                    <m:oMathParaPr>
-                      <m:jc m:val="centerGroup"/>
-                    </m:oMathParaPr>
-                    <m:oMath xmlns:m="http://schemas.openxmlformats.org/officeDocument/2006/math">
-                      <m:sSub>
-                        <m:sSubPr>
-                          <m:ctrlPr>
-                            <a:rPr lang="en-US" i="1" smtClean="0">
-                              <a:latin typeface="Cambria Math" panose="02040503050406030204" pitchFamily="18" charset="0"/>
-                              <a:cs typeface="Times New Roman" pitchFamily="18" charset="0"/>
-                            </a:rPr>
-                          </m:ctrlPr>
-                        </m:sSubPr>
-                        <m:e>
-                          <m:acc>
-                            <m:accPr>
-                              <m:chr m:val="⃗"/>
-                              <m:ctrlPr>
-                                <a:rPr lang="en-US" i="1">
-                                  <a:latin typeface="Cambria Math" panose="02040503050406030204" pitchFamily="18" charset="0"/>
-                                  <a:cs typeface="Times New Roman" pitchFamily="18" charset="0"/>
-                                </a:rPr>
-                              </m:ctrlPr>
-                            </m:accPr>
-                            <m:e>
-                              <m:r>
-                                <a:rPr lang="en-US" i="1">
-                                  <a:latin typeface="Cambria Math" panose="02040503050406030204" pitchFamily="18" charset="0"/>
-                                  <a:cs typeface="Times New Roman" pitchFamily="18" charset="0"/>
-                                </a:rPr>
-                                <m:t>𝑜</m:t>
-                              </m:r>
-                            </m:e>
-                          </m:acc>
-                        </m:e>
-                        <m:sub>
-                          <m:r>
-                            <a:rPr lang="en-US" b="0" i="1" smtClean="0">
-                              <a:latin typeface="Cambria Math" panose="02040503050406030204" pitchFamily="18" charset="0"/>
-                              <a:cs typeface="Times New Roman" pitchFamily="18" charset="0"/>
-                            </a:rPr>
-                            <m:t>𝑒</m:t>
-                          </m:r>
-                        </m:sub>
-                      </m:sSub>
-                    </m:oMath>
-                  </m:oMathPara>
-                </a14:m>
-                <a:endParaRPr lang="en-US" dirty="0"/>
-              </a:p>
-            </p:txBody>
-          </p:sp>
-        </mc:Choice>
-        <mc:Fallback xmlns="">
-          <p:sp>
-            <p:nvSpPr>
-              <p:cNvPr id="14" name="TextBox 13">
-                <a:extLst>
-                  <a:ext uri="{FF2B5EF4-FFF2-40B4-BE49-F238E27FC236}">
-                    <a16:creationId xmlns:a16="http://schemas.microsoft.com/office/drawing/2014/main" id="{AB2E972E-1035-4FFD-9251-E41D3126E08E}"/>
-                  </a:ext>
-                </a:extLst>
-              </p:cNvPr>
-              <p:cNvSpPr txBox="1">
-                <a:spLocks noRot="1" noChangeAspect="1" noMove="1" noResize="1" noEditPoints="1" noAdjustHandles="1" noChangeArrowheads="1" noChangeShapeType="1" noTextEdit="1"/>
-              </p:cNvSpPr>
-              <p:nvPr/>
-            </p:nvSpPr>
-            <p:spPr>
-              <a:xfrm>
-                <a:off x="3992946" y="2819400"/>
-                <a:ext cx="273280" cy="276999"/>
-              </a:xfrm>
-              <a:prstGeom prst="rect">
-                <a:avLst/>
-              </a:prstGeom>
-              <a:blipFill>
-                <a:blip r:embed="rId6"/>
-                <a:stretch>
-                  <a:fillRect l="-22222" t="-48889" r="-68889" b="-11111"/>
-                </a:stretch>
-              </a:blipFill>
-            </p:spPr>
-            <p:txBody>
-              <a:bodyPr/>
-              <a:lstStyle/>
-              <a:p>
-                <a:r>
-                  <a:rPr lang="en-US">
-                    <a:noFill/>
-                  </a:rPr>
-                  <a:t> </a:t>
-                </a:r>
-              </a:p>
-            </p:txBody>
-          </p:sp>
-        </mc:Fallback>
-      </mc:AlternateContent>
-      <mc:AlternateContent xmlns:mc="http://schemas.openxmlformats.org/markup-compatibility/2006" xmlns:a14="http://schemas.microsoft.com/office/drawing/2010/main">
-        <mc:Choice Requires="a14">
-          <p:sp>
-            <p:nvSpPr>
-              <p:cNvPr id="15" name="TextBox 14">
-                <a:extLst>
-                  <a:ext uri="{FF2B5EF4-FFF2-40B4-BE49-F238E27FC236}">
-                    <a16:creationId xmlns:a16="http://schemas.microsoft.com/office/drawing/2014/main" id="{53CC3D1C-512A-4DEA-9518-FBC14173EC01}"/>
-                  </a:ext>
-                </a:extLst>
-              </p:cNvPr>
-              <p:cNvSpPr txBox="1"/>
-              <p:nvPr/>
-            </p:nvSpPr>
-            <p:spPr>
-              <a:xfrm>
-                <a:off x="7226804" y="3352800"/>
-                <a:ext cx="259302" cy="299313"/>
-              </a:xfrm>
-              <a:prstGeom prst="rect">
-                <a:avLst/>
-              </a:prstGeom>
-              <a:solidFill>
-                <a:schemeClr val="bg1"/>
-              </a:solidFill>
-            </p:spPr>
-            <p:txBody>
-              <a:bodyPr wrap="none" lIns="0" tIns="0" rIns="0" bIns="0" rtlCol="0">
-                <a:spAutoFit/>
-              </a:bodyPr>
-              <a:lstStyle/>
-              <a:p>
-                <a:pPr/>
-                <a14:m>
-                  <m:oMathPara xmlns:m="http://schemas.openxmlformats.org/officeDocument/2006/math">
-                    <m:oMathParaPr>
-                      <m:jc m:val="centerGroup"/>
-                    </m:oMathParaPr>
-                    <m:oMath xmlns:m="http://schemas.openxmlformats.org/officeDocument/2006/math">
-                      <m:sSub>
-                        <m:sSubPr>
-                          <m:ctrlPr>
-                            <a:rPr lang="en-US" i="1" smtClean="0">
-                              <a:latin typeface="Cambria Math" panose="02040503050406030204" pitchFamily="18" charset="0"/>
-                              <a:cs typeface="Times New Roman" pitchFamily="18" charset="0"/>
-                            </a:rPr>
-                          </m:ctrlPr>
-                        </m:sSubPr>
-                        <m:e>
-                          <m:acc>
-                            <m:accPr>
-                              <m:chr m:val="⃗"/>
-                              <m:ctrlPr>
-                                <a:rPr lang="en-US" i="1">
-                                  <a:latin typeface="Cambria Math" panose="02040503050406030204" pitchFamily="18" charset="0"/>
-                                  <a:cs typeface="Times New Roman" pitchFamily="18" charset="0"/>
-                                </a:rPr>
-                              </m:ctrlPr>
-                            </m:accPr>
-                            <m:e>
-                              <m:r>
-                                <a:rPr lang="en-US" b="0" i="1" smtClean="0">
-                                  <a:latin typeface="Cambria Math" panose="02040503050406030204" pitchFamily="18" charset="0"/>
-                                  <a:cs typeface="Times New Roman" pitchFamily="18" charset="0"/>
-                                </a:rPr>
-                                <m:t>𝑛</m:t>
-                              </m:r>
-                            </m:e>
-                          </m:acc>
-                        </m:e>
-                        <m:sub>
-                          <m:r>
-                            <a:rPr lang="en-US" b="0" i="1" smtClean="0">
-                              <a:latin typeface="Cambria Math" panose="02040503050406030204" pitchFamily="18" charset="0"/>
-                              <a:cs typeface="Times New Roman" pitchFamily="18" charset="0"/>
-                            </a:rPr>
-                            <m:t>𝑗</m:t>
-                          </m:r>
-                        </m:sub>
-                      </m:sSub>
-                    </m:oMath>
-                  </m:oMathPara>
-                </a14:m>
-                <a:endParaRPr lang="en-US" dirty="0"/>
-              </a:p>
-            </p:txBody>
-          </p:sp>
-        </mc:Choice>
-        <mc:Fallback xmlns="">
-          <p:sp>
-            <p:nvSpPr>
-              <p:cNvPr id="15" name="TextBox 14">
-                <a:extLst>
-                  <a:ext uri="{FF2B5EF4-FFF2-40B4-BE49-F238E27FC236}">
-                    <a16:creationId xmlns:a16="http://schemas.microsoft.com/office/drawing/2014/main" id="{53CC3D1C-512A-4DEA-9518-FBC14173EC01}"/>
-                  </a:ext>
-                </a:extLst>
-              </p:cNvPr>
-              <p:cNvSpPr txBox="1">
-                <a:spLocks noRot="1" noChangeAspect="1" noMove="1" noResize="1" noEditPoints="1" noAdjustHandles="1" noChangeArrowheads="1" noChangeShapeType="1" noTextEdit="1"/>
-              </p:cNvSpPr>
-              <p:nvPr/>
-            </p:nvSpPr>
-            <p:spPr>
-              <a:xfrm>
-                <a:off x="7226804" y="3352800"/>
-                <a:ext cx="259302" cy="299313"/>
-              </a:xfrm>
-              <a:prstGeom prst="rect">
-                <a:avLst/>
-              </a:prstGeom>
-              <a:blipFill>
-                <a:blip r:embed="rId7"/>
-                <a:stretch>
-                  <a:fillRect l="-11628" r="-13953" b="-26531"/>
-                </a:stretch>
-              </a:blipFill>
-            </p:spPr>
-            <p:txBody>
-              <a:bodyPr/>
-              <a:lstStyle/>
-              <a:p>
-                <a:r>
-                  <a:rPr lang="en-US">
-                    <a:noFill/>
-                  </a:rPr>
-                  <a:t> </a:t>
-                </a:r>
-              </a:p>
-            </p:txBody>
-          </p:sp>
-        </mc:Fallback>
-      </mc:AlternateContent>
-      <mc:AlternateContent xmlns:mc="http://schemas.openxmlformats.org/markup-compatibility/2006" xmlns:a14="http://schemas.microsoft.com/office/drawing/2010/main">
-        <mc:Choice Requires="a14">
-          <p:sp>
-            <p:nvSpPr>
-              <p:cNvPr id="16" name="TextBox 15">
-                <a:extLst>
-                  <a:ext uri="{FF2B5EF4-FFF2-40B4-BE49-F238E27FC236}">
-                    <a16:creationId xmlns:a16="http://schemas.microsoft.com/office/drawing/2014/main" id="{1DF393E3-EC42-4B35-ACD8-EC6DAA47D6B4}"/>
-                  </a:ext>
-                </a:extLst>
-              </p:cNvPr>
-              <p:cNvSpPr txBox="1"/>
-              <p:nvPr/>
-            </p:nvSpPr>
-            <p:spPr>
-              <a:xfrm>
-                <a:off x="7738490" y="3352800"/>
-                <a:ext cx="478914" cy="299313"/>
-              </a:xfrm>
-              <a:prstGeom prst="rect">
-                <a:avLst/>
-              </a:prstGeom>
-              <a:solidFill>
-                <a:schemeClr val="bg1"/>
-              </a:solidFill>
-              <a:ln>
-                <a:solidFill>
-                  <a:schemeClr val="tx1"/>
-                </a:solidFill>
-              </a:ln>
-            </p:spPr>
-            <p:txBody>
-              <a:bodyPr wrap="none" lIns="0" tIns="0" rIns="0" bIns="0" rtlCol="0">
-                <a:spAutoFit/>
-              </a:bodyPr>
-              <a:lstStyle/>
-              <a:p>
-                <a:pPr/>
-                <a14:m>
-                  <m:oMathPara xmlns:m="http://schemas.openxmlformats.org/officeDocument/2006/math">
-                    <m:oMathParaPr>
-                      <m:jc m:val="centerGroup"/>
-                    </m:oMathParaPr>
-                    <m:oMath xmlns:m="http://schemas.openxmlformats.org/officeDocument/2006/math">
-                      <m:sSub>
-                        <m:sSubPr>
-                          <m:ctrlPr>
-                            <a:rPr lang="en-US" i="1" smtClean="0">
-                              <a:latin typeface="Cambria Math" panose="02040503050406030204" pitchFamily="18" charset="0"/>
-                              <a:cs typeface="Times New Roman" pitchFamily="18" charset="0"/>
-                            </a:rPr>
-                          </m:ctrlPr>
-                        </m:sSubPr>
-                        <m:e>
-                          <m:acc>
-                            <m:accPr>
-                              <m:chr m:val="⃗"/>
-                              <m:ctrlPr>
-                                <a:rPr lang="en-US" i="1">
-                                  <a:latin typeface="Cambria Math" panose="02040503050406030204" pitchFamily="18" charset="0"/>
-                                  <a:cs typeface="Times New Roman" pitchFamily="18" charset="0"/>
-                                </a:rPr>
-                              </m:ctrlPr>
-                            </m:accPr>
-                            <m:e>
-                              <m:r>
-                                <a:rPr lang="en-US" b="0" i="1" smtClean="0">
-                                  <a:latin typeface="Cambria Math" panose="02040503050406030204" pitchFamily="18" charset="0"/>
-                                  <a:cs typeface="Times New Roman" pitchFamily="18" charset="0"/>
-                                </a:rPr>
-                                <m:t>𝑛</m:t>
-                              </m:r>
-                            </m:e>
-                          </m:acc>
-                        </m:e>
-                        <m:sub>
-                          <m:r>
-                            <a:rPr lang="en-US" b="0" i="1" smtClean="0">
-                              <a:latin typeface="Cambria Math" panose="02040503050406030204" pitchFamily="18" charset="0"/>
-                              <a:cs typeface="Times New Roman" pitchFamily="18" charset="0"/>
-                            </a:rPr>
-                            <m:t>𝑗</m:t>
-                          </m:r>
-                          <m:r>
-                            <a:rPr lang="en-US" b="0" i="1" smtClean="0">
-                              <a:latin typeface="Cambria Math" panose="02040503050406030204" pitchFamily="18" charset="0"/>
-                              <a:cs typeface="Times New Roman" pitchFamily="18" charset="0"/>
-                            </a:rPr>
-                            <m:t>−1</m:t>
-                          </m:r>
-                        </m:sub>
-                      </m:sSub>
-                    </m:oMath>
-                  </m:oMathPara>
-                </a14:m>
-                <a:endParaRPr lang="en-US" dirty="0"/>
-              </a:p>
-            </p:txBody>
-          </p:sp>
-        </mc:Choice>
-        <mc:Fallback xmlns="">
-          <p:sp>
-            <p:nvSpPr>
-              <p:cNvPr id="16" name="TextBox 15">
-                <a:extLst>
-                  <a:ext uri="{FF2B5EF4-FFF2-40B4-BE49-F238E27FC236}">
-                    <a16:creationId xmlns:a16="http://schemas.microsoft.com/office/drawing/2014/main" id="{1DF393E3-EC42-4B35-ACD8-EC6DAA47D6B4}"/>
-                  </a:ext>
-                </a:extLst>
-              </p:cNvPr>
-              <p:cNvSpPr txBox="1">
-                <a:spLocks noRot="1" noChangeAspect="1" noMove="1" noResize="1" noEditPoints="1" noAdjustHandles="1" noChangeArrowheads="1" noChangeShapeType="1" noTextEdit="1"/>
-              </p:cNvSpPr>
-              <p:nvPr/>
-            </p:nvSpPr>
-            <p:spPr>
-              <a:xfrm>
-                <a:off x="7738490" y="3352800"/>
-                <a:ext cx="478914" cy="299313"/>
-              </a:xfrm>
-              <a:prstGeom prst="rect">
-                <a:avLst/>
-              </a:prstGeom>
-              <a:blipFill>
-                <a:blip r:embed="rId8"/>
-                <a:stretch>
-                  <a:fillRect l="-4938" r="-3704" b="-23529"/>
-                </a:stretch>
-              </a:blipFill>
-              <a:ln>
-                <a:solidFill>
-                  <a:schemeClr val="tx1"/>
-                </a:solidFill>
-              </a:ln>
-            </p:spPr>
-            <p:txBody>
-              <a:bodyPr/>
-              <a:lstStyle/>
-              <a:p>
-                <a:r>
-                  <a:rPr lang="en-US">
-                    <a:noFill/>
-                  </a:rPr>
-                  <a:t> </a:t>
-                </a:r>
-              </a:p>
-            </p:txBody>
-          </p:sp>
-        </mc:Fallback>
-      </mc:AlternateContent>
-      <mc:AlternateContent xmlns:mc="http://schemas.openxmlformats.org/markup-compatibility/2006" xmlns:a14="http://schemas.microsoft.com/office/drawing/2010/main">
-        <mc:Choice Requires="a14">
-          <p:sp>
-            <p:nvSpPr>
-              <p:cNvPr id="12" name="TextBox 11">
-                <a:extLst>
-                  <a:ext uri="{FF2B5EF4-FFF2-40B4-BE49-F238E27FC236}">
-                    <a16:creationId xmlns:a16="http://schemas.microsoft.com/office/drawing/2014/main" id="{FD29B383-DCB7-4BDC-B2AF-ECDDFD1DCEAA}"/>
+                    <a16:creationId xmlns:a16="http://schemas.microsoft.com/office/drawing/2014/main" id="{4355B764-7618-4428-A38A-8030D50C6966}"/>
                   </a:ext>
                 </a:extLst>
               </p:cNvPr>
@@ -8559,13 +7621,13 @@
             </p:txBody>
           </p:sp>
         </mc:Choice>
-        <mc:Fallback xmlns="">
+        <mc:Fallback>
           <p:sp>
             <p:nvSpPr>
-              <p:cNvPr id="12" name="TextBox 11">
+              <p:cNvPr id="18" name="TextBox 17">
                 <a:extLst>
                   <a:ext uri="{FF2B5EF4-FFF2-40B4-BE49-F238E27FC236}">
-                    <a16:creationId xmlns:a16="http://schemas.microsoft.com/office/drawing/2014/main" id="{FD29B383-DCB7-4BDC-B2AF-ECDDFD1DCEAA}"/>
+                    <a16:creationId xmlns:a16="http://schemas.microsoft.com/office/drawing/2014/main" id="{4355B764-7618-4428-A38A-8030D50C6966}"/>
                   </a:ext>
                 </a:extLst>
               </p:cNvPr>
@@ -8604,14 +7666,14 @@
           </p:sp>
         </mc:Fallback>
       </mc:AlternateContent>
-      <mc:AlternateContent xmlns:mc="http://schemas.openxmlformats.org/markup-compatibility/2006" xmlns:a14="http://schemas.microsoft.com/office/drawing/2010/main">
-        <mc:Choice Requires="a14">
+      <mc:AlternateContent xmlns:mc="http://schemas.openxmlformats.org/markup-compatibility/2006">
+        <mc:Choice xmlns:a14="http://schemas.microsoft.com/office/drawing/2010/main" Requires="a14">
           <p:sp>
             <p:nvSpPr>
-              <p:cNvPr id="17" name="TextBox 16">
+              <p:cNvPr id="19" name="TextBox 18">
                 <a:extLst>
                   <a:ext uri="{FF2B5EF4-FFF2-40B4-BE49-F238E27FC236}">
-                    <a16:creationId xmlns:a16="http://schemas.microsoft.com/office/drawing/2014/main" id="{C353501C-5693-482A-922F-41CB656C5E9C}"/>
+                    <a16:creationId xmlns:a16="http://schemas.microsoft.com/office/drawing/2014/main" id="{7E204A3C-3C6A-4841-B2A6-09BEF93BE0BE}"/>
                   </a:ext>
                 </a:extLst>
               </p:cNvPr>
@@ -8671,13 +7733,13 @@
             </p:txBody>
           </p:sp>
         </mc:Choice>
-        <mc:Fallback xmlns="">
+        <mc:Fallback>
           <p:sp>
             <p:nvSpPr>
-              <p:cNvPr id="17" name="TextBox 16">
+              <p:cNvPr id="19" name="TextBox 18">
                 <a:extLst>
                   <a:ext uri="{FF2B5EF4-FFF2-40B4-BE49-F238E27FC236}">
-                    <a16:creationId xmlns:a16="http://schemas.microsoft.com/office/drawing/2014/main" id="{C353501C-5693-482A-922F-41CB656C5E9C}"/>
+                    <a16:creationId xmlns:a16="http://schemas.microsoft.com/office/drawing/2014/main" id="{7E204A3C-3C6A-4841-B2A6-09BEF93BE0BE}"/>
                   </a:ext>
                 </a:extLst>
               </p:cNvPr>
@@ -8719,7 +7781,7 @@
     </p:spTree>
     <p:extLst>
       <p:ext uri="{BB962C8B-B14F-4D97-AF65-F5344CB8AC3E}">
-        <p14:creationId xmlns:p14="http://schemas.microsoft.com/office/powerpoint/2010/main" val="3089043920"/>
+        <p14:creationId xmlns:p14="http://schemas.microsoft.com/office/powerpoint/2010/main" val="2116905144"/>
       </p:ext>
     </p:extLst>
   </p:cSld>
@@ -8729,7 +7791,7 @@
 </p:sld>
 </file>
 
-<file path=ppt/slides/slide13.xml><?xml version="1.0" encoding="utf-8"?>
+<file path=ppt/slides/slide12.xml><?xml version="1.0" encoding="utf-8"?>
 <p:sld xmlns:a="http://schemas.openxmlformats.org/drawingml/2006/main" xmlns:r="http://schemas.openxmlformats.org/officeDocument/2006/relationships" xmlns:p="http://schemas.openxmlformats.org/presentationml/2006/main">
   <p:cSld>
     <p:spTree>
@@ -9015,7 +8077,7 @@
 </p:sld>
 </file>
 
-<file path=ppt/slides/slide14.xml><?xml version="1.0" encoding="utf-8"?>
+<file path=ppt/slides/slide13.xml><?xml version="1.0" encoding="utf-8"?>
 <p:sld xmlns:a="http://schemas.openxmlformats.org/drawingml/2006/main" xmlns:r="http://schemas.openxmlformats.org/officeDocument/2006/relationships" xmlns:p="http://schemas.openxmlformats.org/presentationml/2006/main">
   <p:cSld>
     <p:spTree>
@@ -9788,7 +8850,7 @@
 </p:sld>
 </file>
 
-<file path=ppt/slides/slide15.xml><?xml version="1.0" encoding="utf-8"?>
+<file path=ppt/slides/slide14.xml><?xml version="1.0" encoding="utf-8"?>
 <p:sld xmlns:a="http://schemas.openxmlformats.org/drawingml/2006/main" xmlns:r="http://schemas.openxmlformats.org/officeDocument/2006/relationships" xmlns:p="http://schemas.openxmlformats.org/presentationml/2006/main">
   <p:cSld>
     <p:spTree>
@@ -9929,8 +8991,8 @@
           </a:fontRef>
         </p:style>
       </p:cxnSp>
-      <mc:AlternateContent xmlns:mc="http://schemas.openxmlformats.org/markup-compatibility/2006">
-        <mc:Choice xmlns:a14="http://schemas.microsoft.com/office/drawing/2010/main" Requires="a14">
+      <mc:AlternateContent xmlns:mc="http://schemas.openxmlformats.org/markup-compatibility/2006" xmlns:a14="http://schemas.microsoft.com/office/drawing/2010/main">
+        <mc:Choice Requires="a14">
           <p:sp>
             <p:nvSpPr>
               <p:cNvPr id="6" name="TextBox 5">
@@ -10001,7 +9063,7 @@
             </p:txBody>
           </p:sp>
         </mc:Choice>
-        <mc:Fallback>
+        <mc:Fallback xmlns="">
           <p:sp>
             <p:nvSpPr>
               <p:cNvPr id="6" name="TextBox 5">
@@ -10046,8 +9108,8 @@
           </p:sp>
         </mc:Fallback>
       </mc:AlternateContent>
-      <mc:AlternateContent xmlns:mc="http://schemas.openxmlformats.org/markup-compatibility/2006">
-        <mc:Choice xmlns:a14="http://schemas.microsoft.com/office/drawing/2010/main" Requires="a14">
+      <mc:AlternateContent xmlns:mc="http://schemas.openxmlformats.org/markup-compatibility/2006" xmlns:a14="http://schemas.microsoft.com/office/drawing/2010/main">
+        <mc:Choice Requires="a14">
           <p:sp>
             <p:nvSpPr>
               <p:cNvPr id="7" name="TextBox 6">
@@ -10118,7 +9180,7 @@
             </p:txBody>
           </p:sp>
         </mc:Choice>
-        <mc:Fallback>
+        <mc:Fallback xmlns="">
           <p:sp>
             <p:nvSpPr>
               <p:cNvPr id="7" name="TextBox 6">
@@ -10163,8 +9225,8 @@
           </p:sp>
         </mc:Fallback>
       </mc:AlternateContent>
-      <mc:AlternateContent xmlns:mc="http://schemas.openxmlformats.org/markup-compatibility/2006">
-        <mc:Choice xmlns:a14="http://schemas.microsoft.com/office/drawing/2010/main" Requires="a14">
+      <mc:AlternateContent xmlns:mc="http://schemas.openxmlformats.org/markup-compatibility/2006" xmlns:a14="http://schemas.microsoft.com/office/drawing/2010/main">
+        <mc:Choice Requires="a14">
           <p:sp>
             <p:nvSpPr>
               <p:cNvPr id="8" name="TextBox 7">
@@ -10200,7 +9262,6 @@
               </a:bodyPr>
               <a:lstStyle/>
               <a:p>
-                <a:pPr/>
                 <a14:m>
                   <m:oMath xmlns:m="http://schemas.openxmlformats.org/officeDocument/2006/math">
                     <m:sSub>
@@ -10254,7 +9315,7 @@
             </p:txBody>
           </p:sp>
         </mc:Choice>
-        <mc:Fallback>
+        <mc:Fallback xmlns="">
           <p:sp>
             <p:nvSpPr>
               <p:cNvPr id="8" name="TextBox 7">
@@ -10304,8 +9365,8 @@
           </p:sp>
         </mc:Fallback>
       </mc:AlternateContent>
-      <mc:AlternateContent xmlns:mc="http://schemas.openxmlformats.org/markup-compatibility/2006">
-        <mc:Choice xmlns:a14="http://schemas.microsoft.com/office/drawing/2010/main" Requires="a14">
+      <mc:AlternateContent xmlns:mc="http://schemas.openxmlformats.org/markup-compatibility/2006" xmlns:a14="http://schemas.microsoft.com/office/drawing/2010/main">
+        <mc:Choice Requires="a14">
           <p:sp>
             <p:nvSpPr>
               <p:cNvPr id="9" name="TextBox 8">
@@ -10411,7 +9472,7 @@
             </p:txBody>
           </p:sp>
         </mc:Choice>
-        <mc:Fallback>
+        <mc:Fallback xmlns="">
           <p:sp>
             <p:nvSpPr>
               <p:cNvPr id="9" name="TextBox 8">
@@ -10649,8 +9710,8 @@
           </a:fontRef>
         </p:style>
       </p:cxnSp>
-      <mc:AlternateContent xmlns:mc="http://schemas.openxmlformats.org/markup-compatibility/2006">
-        <mc:Choice xmlns:a14="http://schemas.microsoft.com/office/drawing/2010/main" Requires="a14">
+      <mc:AlternateContent xmlns:mc="http://schemas.openxmlformats.org/markup-compatibility/2006" xmlns:a14="http://schemas.microsoft.com/office/drawing/2010/main">
+        <mc:Choice Requires="a14">
           <p:sp>
             <p:nvSpPr>
               <p:cNvPr id="14" name="Diamond 13">
@@ -10787,7 +9848,7 @@
             </p:txBody>
           </p:sp>
         </mc:Choice>
-        <mc:Fallback>
+        <mc:Fallback xmlns="">
           <p:sp>
             <p:nvSpPr>
               <p:cNvPr id="14" name="Diamond 13">
@@ -10839,8 +9900,8 @@
           </p:sp>
         </mc:Fallback>
       </mc:AlternateContent>
-      <mc:AlternateContent xmlns:mc="http://schemas.openxmlformats.org/markup-compatibility/2006">
-        <mc:Choice xmlns:a14="http://schemas.microsoft.com/office/drawing/2010/main" Requires="a14">
+      <mc:AlternateContent xmlns:mc="http://schemas.openxmlformats.org/markup-compatibility/2006" xmlns:a14="http://schemas.microsoft.com/office/drawing/2010/main">
+        <mc:Choice Requires="a14">
           <p:sp>
             <p:nvSpPr>
               <p:cNvPr id="15" name="Diamond 14">
@@ -10977,7 +10038,7 @@
             </p:txBody>
           </p:sp>
         </mc:Choice>
-        <mc:Fallback>
+        <mc:Fallback xmlns="">
           <p:sp>
             <p:nvSpPr>
               <p:cNvPr id="15" name="Diamond 14">
@@ -11029,8 +10090,8 @@
           </p:sp>
         </mc:Fallback>
       </mc:AlternateContent>
-      <mc:AlternateContent xmlns:mc="http://schemas.openxmlformats.org/markup-compatibility/2006">
-        <mc:Choice xmlns:a14="http://schemas.microsoft.com/office/drawing/2010/main" Requires="a14">
+      <mc:AlternateContent xmlns:mc="http://schemas.openxmlformats.org/markup-compatibility/2006" xmlns:a14="http://schemas.microsoft.com/office/drawing/2010/main">
+        <mc:Choice Requires="a14">
           <p:sp>
             <p:nvSpPr>
               <p:cNvPr id="25" name="TextBox 24">
@@ -11092,7 +10153,7 @@
             </p:txBody>
           </p:sp>
         </mc:Choice>
-        <mc:Fallback>
+        <mc:Fallback xmlns="">
           <p:sp>
             <p:nvSpPr>
               <p:cNvPr id="25" name="TextBox 24">
@@ -11137,8 +10198,8 @@
           </p:sp>
         </mc:Fallback>
       </mc:AlternateContent>
-      <mc:AlternateContent xmlns:mc="http://schemas.openxmlformats.org/markup-compatibility/2006">
-        <mc:Choice xmlns:a14="http://schemas.microsoft.com/office/drawing/2010/main" Requires="a14">
+      <mc:AlternateContent xmlns:mc="http://schemas.openxmlformats.org/markup-compatibility/2006" xmlns:a14="http://schemas.microsoft.com/office/drawing/2010/main">
+        <mc:Choice Requires="a14">
           <p:sp>
             <p:nvSpPr>
               <p:cNvPr id="26" name="TextBox 25">
@@ -11204,7 +10265,7 @@
             </p:txBody>
           </p:sp>
         </mc:Choice>
-        <mc:Fallback>
+        <mc:Fallback xmlns="">
           <p:sp>
             <p:nvSpPr>
               <p:cNvPr id="26" name="TextBox 25">

--- a/docs/paper/figs/Diagrams.pptx
+++ b/docs/paper/figs/Diagrams.pptx
@@ -5,7 +5,7 @@
     <p:sldMasterId id="2147483648" r:id="rId1"/>
   </p:sldMasterIdLst>
   <p:notesMasterIdLst>
-    <p:notesMasterId r:id="rId16"/>
+    <p:notesMasterId r:id="rId17"/>
   </p:notesMasterIdLst>
   <p:sldIdLst>
     <p:sldId id="256" r:id="rId2"/>
@@ -22,6 +22,7 @@
     <p:sldId id="269" r:id="rId13"/>
     <p:sldId id="270" r:id="rId14"/>
     <p:sldId id="268" r:id="rId15"/>
+    <p:sldId id="271" r:id="rId16"/>
   </p:sldIdLst>
   <p:sldSz cx="9144000" cy="6858000" type="screen4x3"/>
   <p:notesSz cx="6858000" cy="9144000"/>
@@ -6488,8 +6489,8 @@
           </a:fontRef>
         </p:style>
       </p:cxnSp>
-      <mc:AlternateContent xmlns:mc="http://schemas.openxmlformats.org/markup-compatibility/2006">
-        <mc:Choice xmlns:a14="http://schemas.microsoft.com/office/drawing/2010/main" Requires="a14">
+      <mc:AlternateContent xmlns:mc="http://schemas.openxmlformats.org/markup-compatibility/2006" xmlns:a14="http://schemas.microsoft.com/office/drawing/2010/main">
+        <mc:Choice Requires="a14">
           <p:sp>
             <p:nvSpPr>
               <p:cNvPr id="10" name="TextBox 9">
@@ -6560,7 +6561,7 @@
             </p:txBody>
           </p:sp>
         </mc:Choice>
-        <mc:Fallback>
+        <mc:Fallback xmlns="">
           <p:sp>
             <p:nvSpPr>
               <p:cNvPr id="10" name="TextBox 9">
@@ -6605,8 +6606,8 @@
           </p:sp>
         </mc:Fallback>
       </mc:AlternateContent>
-      <mc:AlternateContent xmlns:mc="http://schemas.openxmlformats.org/markup-compatibility/2006">
-        <mc:Choice xmlns:a14="http://schemas.microsoft.com/office/drawing/2010/main" Requires="a14">
+      <mc:AlternateContent xmlns:mc="http://schemas.openxmlformats.org/markup-compatibility/2006" xmlns:a14="http://schemas.microsoft.com/office/drawing/2010/main">
+        <mc:Choice Requires="a14">
           <p:sp>
             <p:nvSpPr>
               <p:cNvPr id="11" name="TextBox 10">
@@ -6677,7 +6678,7 @@
             </p:txBody>
           </p:sp>
         </mc:Choice>
-        <mc:Fallback>
+        <mc:Fallback xmlns="">
           <p:sp>
             <p:nvSpPr>
               <p:cNvPr id="11" name="TextBox 10">
@@ -6722,8 +6723,8 @@
           </p:sp>
         </mc:Fallback>
       </mc:AlternateContent>
-      <mc:AlternateContent xmlns:mc="http://schemas.openxmlformats.org/markup-compatibility/2006">
-        <mc:Choice xmlns:a14="http://schemas.microsoft.com/office/drawing/2010/main" Requires="a14">
+      <mc:AlternateContent xmlns:mc="http://schemas.openxmlformats.org/markup-compatibility/2006" xmlns:a14="http://schemas.microsoft.com/office/drawing/2010/main">
+        <mc:Choice Requires="a14">
           <p:sp>
             <p:nvSpPr>
               <p:cNvPr id="15" name="TextBox 14">
@@ -6815,7 +6816,7 @@
             </p:txBody>
           </p:sp>
         </mc:Choice>
-        <mc:Fallback>
+        <mc:Fallback xmlns="">
           <p:sp>
             <p:nvSpPr>
               <p:cNvPr id="15" name="TextBox 14">
@@ -6865,8 +6866,8 @@
           </p:sp>
         </mc:Fallback>
       </mc:AlternateContent>
-      <mc:AlternateContent xmlns:mc="http://schemas.openxmlformats.org/markup-compatibility/2006">
-        <mc:Choice xmlns:a14="http://schemas.microsoft.com/office/drawing/2010/main" Requires="a14">
+      <mc:AlternateContent xmlns:mc="http://schemas.openxmlformats.org/markup-compatibility/2006" xmlns:a14="http://schemas.microsoft.com/office/drawing/2010/main">
+        <mc:Choice Requires="a14">
           <p:sp>
             <p:nvSpPr>
               <p:cNvPr id="16" name="TextBox 15">
@@ -6965,7 +6966,7 @@
             </p:txBody>
           </p:sp>
         </mc:Choice>
-        <mc:Fallback>
+        <mc:Fallback xmlns="">
           <p:sp>
             <p:nvSpPr>
               <p:cNvPr id="16" name="TextBox 15">
@@ -7202,8 +7203,8 @@
           </a:fontRef>
         </p:style>
       </p:cxnSp>
-      <mc:AlternateContent xmlns:mc="http://schemas.openxmlformats.org/markup-compatibility/2006">
-        <mc:Choice xmlns:a14="http://schemas.microsoft.com/office/drawing/2010/main" Requires="a14">
+      <mc:AlternateContent xmlns:mc="http://schemas.openxmlformats.org/markup-compatibility/2006" xmlns:a14="http://schemas.microsoft.com/office/drawing/2010/main">
+        <mc:Choice Requires="a14">
           <p:sp>
             <p:nvSpPr>
               <p:cNvPr id="23" name="Diamond 22">
@@ -7328,7 +7329,7 @@
             </p:txBody>
           </p:sp>
         </mc:Choice>
-        <mc:Fallback>
+        <mc:Fallback xmlns="">
           <p:sp>
             <p:nvSpPr>
               <p:cNvPr id="23" name="Diamond 22">
@@ -7380,8 +7381,8 @@
           </p:sp>
         </mc:Fallback>
       </mc:AlternateContent>
-      <mc:AlternateContent xmlns:mc="http://schemas.openxmlformats.org/markup-compatibility/2006">
-        <mc:Choice xmlns:a14="http://schemas.microsoft.com/office/drawing/2010/main" Requires="a14">
+      <mc:AlternateContent xmlns:mc="http://schemas.openxmlformats.org/markup-compatibility/2006" xmlns:a14="http://schemas.microsoft.com/office/drawing/2010/main">
+        <mc:Choice Requires="a14">
           <p:sp>
             <p:nvSpPr>
               <p:cNvPr id="26" name="Diamond 25">
@@ -7506,7 +7507,7 @@
             </p:txBody>
           </p:sp>
         </mc:Choice>
-        <mc:Fallback>
+        <mc:Fallback xmlns="">
           <p:sp>
             <p:nvSpPr>
               <p:cNvPr id="26" name="Diamond 25">
@@ -7558,8 +7559,8 @@
           </p:sp>
         </mc:Fallback>
       </mc:AlternateContent>
-      <mc:AlternateContent xmlns:mc="http://schemas.openxmlformats.org/markup-compatibility/2006">
-        <mc:Choice xmlns:a14="http://schemas.microsoft.com/office/drawing/2010/main" Requires="a14">
+      <mc:AlternateContent xmlns:mc="http://schemas.openxmlformats.org/markup-compatibility/2006" xmlns:a14="http://schemas.microsoft.com/office/drawing/2010/main">
+        <mc:Choice Requires="a14">
           <p:sp>
             <p:nvSpPr>
               <p:cNvPr id="18" name="TextBox 17">
@@ -7621,7 +7622,7 @@
             </p:txBody>
           </p:sp>
         </mc:Choice>
-        <mc:Fallback>
+        <mc:Fallback xmlns="">
           <p:sp>
             <p:nvSpPr>
               <p:cNvPr id="18" name="TextBox 17">
@@ -7666,8 +7667,8 @@
           </p:sp>
         </mc:Fallback>
       </mc:AlternateContent>
-      <mc:AlternateContent xmlns:mc="http://schemas.openxmlformats.org/markup-compatibility/2006">
-        <mc:Choice xmlns:a14="http://schemas.microsoft.com/office/drawing/2010/main" Requires="a14">
+      <mc:AlternateContent xmlns:mc="http://schemas.openxmlformats.org/markup-compatibility/2006" xmlns:a14="http://schemas.microsoft.com/office/drawing/2010/main">
+        <mc:Choice Requires="a14">
           <p:sp>
             <p:nvSpPr>
               <p:cNvPr id="19" name="TextBox 18">
@@ -7733,7 +7734,7 @@
             </p:txBody>
           </p:sp>
         </mc:Choice>
-        <mc:Fallback>
+        <mc:Fallback xmlns="">
           <p:sp>
             <p:nvSpPr>
               <p:cNvPr id="19" name="TextBox 18">
@@ -10314,6 +10315,493 @@
     <p:extLst>
       <p:ext uri="{BB962C8B-B14F-4D97-AF65-F5344CB8AC3E}">
         <p14:creationId xmlns:p14="http://schemas.microsoft.com/office/powerpoint/2010/main" val="3705906260"/>
+      </p:ext>
+    </p:extLst>
+  </p:cSld>
+  <p:clrMapOvr>
+    <a:masterClrMapping/>
+  </p:clrMapOvr>
+</p:sld>
+</file>
+
+<file path=ppt/slides/slide15.xml><?xml version="1.0" encoding="utf-8"?>
+<p:sld xmlns:a="http://schemas.openxmlformats.org/drawingml/2006/main" xmlns:r="http://schemas.openxmlformats.org/officeDocument/2006/relationships" xmlns:p="http://schemas.openxmlformats.org/presentationml/2006/main">
+  <p:cSld>
+    <p:spTree>
+      <p:nvGrpSpPr>
+        <p:cNvPr id="1" name=""/>
+        <p:cNvGrpSpPr/>
+        <p:nvPr/>
+      </p:nvGrpSpPr>
+      <p:grpSpPr>
+        <a:xfrm>
+          <a:off x="0" y="0"/>
+          <a:ext cx="0" cy="0"/>
+          <a:chOff x="0" y="0"/>
+          <a:chExt cx="0" cy="0"/>
+        </a:xfrm>
+      </p:grpSpPr>
+      <p:pic>
+        <p:nvPicPr>
+          <p:cNvPr id="10" name="Picture 9">
+            <a:extLst>
+              <a:ext uri="{FF2B5EF4-FFF2-40B4-BE49-F238E27FC236}">
+                <a16:creationId xmlns:a16="http://schemas.microsoft.com/office/drawing/2014/main" id="{56418749-EA92-4BCD-8A31-C73982C65CD8}"/>
+              </a:ext>
+            </a:extLst>
+          </p:cNvPr>
+          <p:cNvPicPr>
+            <a:picLocks noChangeAspect="1"/>
+          </p:cNvPicPr>
+          <p:nvPr/>
+        </p:nvPicPr>
+        <p:blipFill>
+          <a:blip r:embed="rId2">
+            <a:extLst>
+              <a:ext uri="{28A0092B-C50C-407E-A947-70E740481C1C}">
+                <a14:useLocalDpi xmlns:a14="http://schemas.microsoft.com/office/drawing/2010/main" val="0"/>
+              </a:ext>
+            </a:extLst>
+          </a:blip>
+          <a:stretch>
+            <a:fillRect/>
+          </a:stretch>
+        </p:blipFill>
+        <p:spPr>
+          <a:xfrm>
+            <a:off x="737855" y="381000"/>
+            <a:ext cx="3992983" cy="5426529"/>
+          </a:xfrm>
+          <a:prstGeom prst="rect">
+            <a:avLst/>
+          </a:prstGeom>
+        </p:spPr>
+      </p:pic>
+      <p:sp>
+        <p:nvSpPr>
+          <p:cNvPr id="3" name="Rectangle 2">
+            <a:extLst>
+              <a:ext uri="{FF2B5EF4-FFF2-40B4-BE49-F238E27FC236}">
+                <a16:creationId xmlns:a16="http://schemas.microsoft.com/office/drawing/2014/main" id="{866E685D-332C-48ED-A04A-642F06850E8F}"/>
+              </a:ext>
+            </a:extLst>
+          </p:cNvPr>
+          <p:cNvSpPr/>
+          <p:nvPr/>
+        </p:nvSpPr>
+        <p:spPr>
+          <a:xfrm>
+            <a:off x="4648200" y="1600200"/>
+            <a:ext cx="2667000" cy="1905000"/>
+          </a:xfrm>
+          <a:prstGeom prst="rect">
+            <a:avLst/>
+          </a:prstGeom>
+          <a:solidFill>
+            <a:schemeClr val="bg1"/>
+          </a:solidFill>
+          <a:ln cmpd="sng">
+            <a:solidFill>
+              <a:schemeClr val="tx1"/>
+            </a:solidFill>
+            <a:prstDash val="solid"/>
+          </a:ln>
+        </p:spPr>
+        <p:style>
+          <a:lnRef idx="2">
+            <a:schemeClr val="accent1">
+              <a:shade val="50000"/>
+            </a:schemeClr>
+          </a:lnRef>
+          <a:fillRef idx="1">
+            <a:schemeClr val="accent1"/>
+          </a:fillRef>
+          <a:effectRef idx="0">
+            <a:schemeClr val="accent1"/>
+          </a:effectRef>
+          <a:fontRef idx="minor">
+            <a:schemeClr val="lt1"/>
+          </a:fontRef>
+        </p:style>
+        <p:txBody>
+          <a:bodyPr rtlCol="0" anchor="t"/>
+          <a:lstStyle/>
+          <a:p>
+            <a:pPr marL="511175" indent="288925">
+              <a:lnSpc>
+                <a:spcPct val="200000"/>
+              </a:lnSpc>
+              <a:spcBef>
+                <a:spcPts val="10"/>
+              </a:spcBef>
+            </a:pPr>
+            <a:r>
+              <a:rPr lang="en-US" sz="1400" dirty="0">
+                <a:solidFill>
+                  <a:sysClr val="windowText" lastClr="000000"/>
+                </a:solidFill>
+                <a:latin typeface="Times New Roman" pitchFamily="18" charset="0"/>
+                <a:cs typeface="Times New Roman" pitchFamily="18" charset="0"/>
+              </a:rPr>
+              <a:t>Original Flight Path</a:t>
+            </a:r>
+          </a:p>
+          <a:p>
+            <a:pPr marL="511175" indent="288925">
+              <a:lnSpc>
+                <a:spcPct val="200000"/>
+              </a:lnSpc>
+              <a:spcBef>
+                <a:spcPts val="10"/>
+              </a:spcBef>
+            </a:pPr>
+            <a:r>
+              <a:rPr lang="en-US" sz="1400" dirty="0">
+                <a:solidFill>
+                  <a:sysClr val="windowText" lastClr="000000"/>
+                </a:solidFill>
+                <a:latin typeface="Times New Roman" pitchFamily="18" charset="0"/>
+                <a:cs typeface="Times New Roman" pitchFamily="18" charset="0"/>
+              </a:rPr>
+              <a:t>Altered Flight</a:t>
+            </a:r>
+          </a:p>
+          <a:p>
+            <a:pPr marL="511175" indent="288925">
+              <a:lnSpc>
+                <a:spcPct val="200000"/>
+              </a:lnSpc>
+              <a:spcBef>
+                <a:spcPts val="10"/>
+              </a:spcBef>
+            </a:pPr>
+            <a:r>
+              <a:rPr lang="en-US" sz="1400" dirty="0">
+                <a:solidFill>
+                  <a:sysClr val="windowText" lastClr="000000"/>
+                </a:solidFill>
+                <a:latin typeface="Times New Roman" pitchFamily="18" charset="0"/>
+                <a:cs typeface="Times New Roman" pitchFamily="18" charset="0"/>
+              </a:rPr>
+              <a:t>Sim Object Path</a:t>
+            </a:r>
+            <a:endParaRPr lang="en-US" sz="1200" dirty="0">
+              <a:solidFill>
+                <a:sysClr val="windowText" lastClr="000000"/>
+              </a:solidFill>
+              <a:latin typeface="Times New Roman" pitchFamily="18" charset="0"/>
+              <a:cs typeface="Times New Roman" pitchFamily="18" charset="0"/>
+            </a:endParaRPr>
+          </a:p>
+          <a:p>
+            <a:pPr marL="511175" indent="288925">
+              <a:lnSpc>
+                <a:spcPct val="200000"/>
+              </a:lnSpc>
+              <a:spcBef>
+                <a:spcPts val="10"/>
+              </a:spcBef>
+            </a:pPr>
+            <a:r>
+              <a:rPr lang="en-US" sz="1400" dirty="0">
+                <a:solidFill>
+                  <a:sysClr val="windowText" lastClr="000000"/>
+                </a:solidFill>
+                <a:latin typeface="Times New Roman" pitchFamily="18" charset="0"/>
+                <a:cs typeface="Times New Roman" pitchFamily="18" charset="0"/>
+              </a:rPr>
+              <a:t>Contact Region</a:t>
+            </a:r>
+          </a:p>
+        </p:txBody>
+      </p:sp>
+      <p:cxnSp>
+        <p:nvCxnSpPr>
+          <p:cNvPr id="4" name="Straight Connector 3">
+            <a:extLst>
+              <a:ext uri="{FF2B5EF4-FFF2-40B4-BE49-F238E27FC236}">
+                <a16:creationId xmlns:a16="http://schemas.microsoft.com/office/drawing/2014/main" id="{95982823-E712-435D-961A-1091A7CB5625}"/>
+              </a:ext>
+            </a:extLst>
+          </p:cNvPr>
+          <p:cNvCxnSpPr/>
+          <p:nvPr/>
+        </p:nvCxnSpPr>
+        <p:spPr>
+          <a:xfrm>
+            <a:off x="4942490" y="1921329"/>
+            <a:ext cx="425669" cy="0"/>
+          </a:xfrm>
+          <a:prstGeom prst="line">
+            <a:avLst/>
+          </a:prstGeom>
+          <a:ln w="38100" cmpd="sng">
+            <a:solidFill>
+              <a:schemeClr val="bg1">
+                <a:lumMod val="50000"/>
+              </a:schemeClr>
+            </a:solidFill>
+          </a:ln>
+        </p:spPr>
+        <p:style>
+          <a:lnRef idx="1">
+            <a:schemeClr val="accent1"/>
+          </a:lnRef>
+          <a:fillRef idx="0">
+            <a:schemeClr val="accent1"/>
+          </a:fillRef>
+          <a:effectRef idx="0">
+            <a:schemeClr val="accent1"/>
+          </a:effectRef>
+          <a:fontRef idx="minor">
+            <a:schemeClr val="tx1"/>
+          </a:fontRef>
+        </p:style>
+      </p:cxnSp>
+      <p:cxnSp>
+        <p:nvCxnSpPr>
+          <p:cNvPr id="5" name="Straight Connector 4">
+            <a:extLst>
+              <a:ext uri="{FF2B5EF4-FFF2-40B4-BE49-F238E27FC236}">
+                <a16:creationId xmlns:a16="http://schemas.microsoft.com/office/drawing/2014/main" id="{13557F2E-2742-4000-941D-97D2D4541EB6}"/>
+              </a:ext>
+            </a:extLst>
+          </p:cNvPr>
+          <p:cNvCxnSpPr/>
+          <p:nvPr/>
+        </p:nvCxnSpPr>
+        <p:spPr>
+          <a:xfrm>
+            <a:off x="4953000" y="2781300"/>
+            <a:ext cx="425669" cy="0"/>
+          </a:xfrm>
+          <a:prstGeom prst="line">
+            <a:avLst/>
+          </a:prstGeom>
+          <a:ln w="38100" cmpd="sng">
+            <a:solidFill>
+              <a:srgbClr val="CC99FF"/>
+            </a:solidFill>
+          </a:ln>
+        </p:spPr>
+        <p:style>
+          <a:lnRef idx="1">
+            <a:schemeClr val="accent1"/>
+          </a:lnRef>
+          <a:fillRef idx="0">
+            <a:schemeClr val="accent1"/>
+          </a:fillRef>
+          <a:effectRef idx="0">
+            <a:schemeClr val="accent1"/>
+          </a:effectRef>
+          <a:fontRef idx="minor">
+            <a:schemeClr val="tx1"/>
+          </a:fontRef>
+        </p:style>
+      </p:cxnSp>
+      <p:cxnSp>
+        <p:nvCxnSpPr>
+          <p:cNvPr id="6" name="Straight Connector 5">
+            <a:extLst>
+              <a:ext uri="{FF2B5EF4-FFF2-40B4-BE49-F238E27FC236}">
+                <a16:creationId xmlns:a16="http://schemas.microsoft.com/office/drawing/2014/main" id="{651A51F3-DE19-448C-93E2-4D3285ECBB94}"/>
+              </a:ext>
+            </a:extLst>
+          </p:cNvPr>
+          <p:cNvCxnSpPr>
+            <a:cxnSpLocks/>
+          </p:cNvCxnSpPr>
+          <p:nvPr/>
+        </p:nvCxnSpPr>
+        <p:spPr>
+          <a:xfrm>
+            <a:off x="4953000" y="2362200"/>
+            <a:ext cx="425669" cy="0"/>
+          </a:xfrm>
+          <a:prstGeom prst="line">
+            <a:avLst/>
+          </a:prstGeom>
+          <a:ln w="57150" cap="rnd" cmpd="sng">
+            <a:solidFill>
+              <a:schemeClr val="tx1">
+                <a:lumMod val="85000"/>
+                <a:lumOff val="15000"/>
+              </a:schemeClr>
+            </a:solidFill>
+            <a:prstDash val="sysDot"/>
+          </a:ln>
+        </p:spPr>
+        <p:style>
+          <a:lnRef idx="1">
+            <a:schemeClr val="accent1"/>
+          </a:lnRef>
+          <a:fillRef idx="0">
+            <a:schemeClr val="accent1"/>
+          </a:fillRef>
+          <a:effectRef idx="0">
+            <a:schemeClr val="accent1"/>
+          </a:effectRef>
+          <a:fontRef idx="minor">
+            <a:schemeClr val="tx1"/>
+          </a:fontRef>
+        </p:style>
+      </p:cxnSp>
+      <p:sp>
+        <p:nvSpPr>
+          <p:cNvPr id="7" name="Diamond 6">
+            <a:extLst>
+              <a:ext uri="{FF2B5EF4-FFF2-40B4-BE49-F238E27FC236}">
+                <a16:creationId xmlns:a16="http://schemas.microsoft.com/office/drawing/2014/main" id="{82E1CE08-5866-435E-81F1-24BC0CBAA521}"/>
+              </a:ext>
+            </a:extLst>
+          </p:cNvPr>
+          <p:cNvSpPr/>
+          <p:nvPr/>
+        </p:nvSpPr>
+        <p:spPr>
+          <a:xfrm>
+            <a:off x="5051534" y="2667000"/>
+            <a:ext cx="228600" cy="228600"/>
+          </a:xfrm>
+          <a:prstGeom prst="diamond">
+            <a:avLst/>
+          </a:prstGeom>
+          <a:solidFill>
+            <a:srgbClr val="CC99FF"/>
+          </a:solidFill>
+          <a:ln>
+            <a:solidFill>
+              <a:srgbClr val="CC99FF"/>
+            </a:solidFill>
+          </a:ln>
+        </p:spPr>
+        <p:style>
+          <a:lnRef idx="2">
+            <a:schemeClr val="accent1">
+              <a:shade val="50000"/>
+            </a:schemeClr>
+          </a:lnRef>
+          <a:fillRef idx="1">
+            <a:schemeClr val="accent1"/>
+          </a:fillRef>
+          <a:effectRef idx="0">
+            <a:schemeClr val="accent1"/>
+          </a:effectRef>
+          <a:fontRef idx="minor">
+            <a:schemeClr val="lt1"/>
+          </a:fontRef>
+        </p:style>
+        <p:txBody>
+          <a:bodyPr rtlCol="0" anchor="ctr"/>
+          <a:lstStyle/>
+          <a:p>
+            <a:pPr algn="ctr"/>
+            <a:endParaRPr lang="en-US"/>
+          </a:p>
+        </p:txBody>
+      </p:sp>
+      <p:sp>
+        <p:nvSpPr>
+          <p:cNvPr id="8" name="Oval 7">
+            <a:extLst>
+              <a:ext uri="{FF2B5EF4-FFF2-40B4-BE49-F238E27FC236}">
+                <a16:creationId xmlns:a16="http://schemas.microsoft.com/office/drawing/2014/main" id="{91C57DF2-4A4D-4FF6-BFA8-D070EDE8034F}"/>
+              </a:ext>
+            </a:extLst>
+          </p:cNvPr>
+          <p:cNvSpPr/>
+          <p:nvPr/>
+        </p:nvSpPr>
+        <p:spPr>
+          <a:xfrm>
+            <a:off x="5041024" y="1798865"/>
+            <a:ext cx="228600" cy="228600"/>
+          </a:xfrm>
+          <a:prstGeom prst="ellipse">
+            <a:avLst/>
+          </a:prstGeom>
+          <a:solidFill>
+            <a:schemeClr val="tx1">
+              <a:lumMod val="50000"/>
+              <a:lumOff val="50000"/>
+            </a:schemeClr>
+          </a:solidFill>
+          <a:ln>
+            <a:noFill/>
+          </a:ln>
+        </p:spPr>
+        <p:style>
+          <a:lnRef idx="2">
+            <a:schemeClr val="accent1">
+              <a:shade val="50000"/>
+            </a:schemeClr>
+          </a:lnRef>
+          <a:fillRef idx="1">
+            <a:schemeClr val="accent1"/>
+          </a:fillRef>
+          <a:effectRef idx="0">
+            <a:schemeClr val="accent1"/>
+          </a:effectRef>
+          <a:fontRef idx="minor">
+            <a:schemeClr val="lt1"/>
+          </a:fontRef>
+        </p:style>
+        <p:txBody>
+          <a:bodyPr rtlCol="0" anchor="ctr"/>
+          <a:lstStyle/>
+          <a:p>
+            <a:pPr algn="ctr"/>
+            <a:endParaRPr lang="en-US"/>
+          </a:p>
+        </p:txBody>
+      </p:sp>
+      <p:cxnSp>
+        <p:nvCxnSpPr>
+          <p:cNvPr id="12" name="Straight Connector 11">
+            <a:extLst>
+              <a:ext uri="{FF2B5EF4-FFF2-40B4-BE49-F238E27FC236}">
+                <a16:creationId xmlns:a16="http://schemas.microsoft.com/office/drawing/2014/main" id="{22AD47D4-CE72-4C3A-9018-D7AA2D9A29FD}"/>
+              </a:ext>
+            </a:extLst>
+          </p:cNvPr>
+          <p:cNvCxnSpPr/>
+          <p:nvPr/>
+        </p:nvCxnSpPr>
+        <p:spPr>
+          <a:xfrm>
+            <a:off x="4953000" y="3200400"/>
+            <a:ext cx="425669" cy="0"/>
+          </a:xfrm>
+          <a:prstGeom prst="line">
+            <a:avLst/>
+          </a:prstGeom>
+          <a:ln w="38100" cmpd="sng">
+            <a:solidFill>
+              <a:schemeClr val="accent2">
+                <a:lumMod val="75000"/>
+              </a:schemeClr>
+            </a:solidFill>
+          </a:ln>
+        </p:spPr>
+        <p:style>
+          <a:lnRef idx="1">
+            <a:schemeClr val="accent1"/>
+          </a:lnRef>
+          <a:fillRef idx="0">
+            <a:schemeClr val="accent1"/>
+          </a:fillRef>
+          <a:effectRef idx="0">
+            <a:schemeClr val="accent1"/>
+          </a:effectRef>
+          <a:fontRef idx="minor">
+            <a:schemeClr val="tx1"/>
+          </a:fontRef>
+        </p:style>
+      </p:cxnSp>
+    </p:spTree>
+    <p:extLst>
+      <p:ext uri="{BB962C8B-B14F-4D97-AF65-F5344CB8AC3E}">
+        <p14:creationId xmlns:p14="http://schemas.microsoft.com/office/powerpoint/2010/main" val="3679433715"/>
       </p:ext>
     </p:extLst>
   </p:cSld>

--- a/docs/paper/figs/Diagrams.pptx
+++ b/docs/paper/figs/Diagrams.pptx
@@ -5,7 +5,7 @@
     <p:sldMasterId id="2147483648" r:id="rId1"/>
   </p:sldMasterIdLst>
   <p:notesMasterIdLst>
-    <p:notesMasterId r:id="rId24"/>
+    <p:notesMasterId r:id="rId25"/>
   </p:notesMasterIdLst>
   <p:sldIdLst>
     <p:sldId id="256" r:id="rId2"/>
@@ -27,9 +27,10 @@
     <p:sldId id="270" r:id="rId18"/>
     <p:sldId id="268" r:id="rId19"/>
     <p:sldId id="271" r:id="rId20"/>
-    <p:sldId id="276" r:id="rId21"/>
-    <p:sldId id="277" r:id="rId22"/>
-    <p:sldId id="278" r:id="rId23"/>
+    <p:sldId id="279" r:id="rId21"/>
+    <p:sldId id="276" r:id="rId22"/>
+    <p:sldId id="277" r:id="rId23"/>
+    <p:sldId id="278" r:id="rId24"/>
   </p:sldIdLst>
   <p:sldSz cx="9144000" cy="6858000" type="screen4x3"/>
   <p:notesSz cx="6858000" cy="9144000"/>
@@ -229,7 +230,7 @@
           <a:p>
             <a:fld id="{F9A10BC3-AABA-4C47-9304-433E17EADCD6}" type="datetimeFigureOut">
               <a:rPr lang="en-US" smtClean="0"/>
-              <a:t>6/14/2019</a:t>
+              <a:t>6/15/2019</a:t>
             </a:fld>
             <a:endParaRPr lang="en-US"/>
           </a:p>
@@ -645,7 +646,7 @@
           <a:p>
             <a:fld id="{C00D0790-43AC-4523-8D8A-A62DC4B60A27}" type="slidenum">
               <a:rPr lang="en-US" smtClean="0"/>
-              <a:t>21</a:t>
+              <a:t>22</a:t>
             </a:fld>
             <a:endParaRPr lang="en-US"/>
           </a:p>
@@ -844,7 +845,7 @@
             <a:fld id="{1D8BD707-D9CF-40AE-B4C6-C98DA3205C09}" type="datetimeFigureOut">
               <a:rPr lang="en-US" smtClean="0"/>
               <a:pPr/>
-              <a:t>6/14/2019</a:t>
+              <a:t>6/15/2019</a:t>
             </a:fld>
             <a:endParaRPr lang="en-US"/>
           </a:p>
@@ -1009,7 +1010,7 @@
             <a:fld id="{1D8BD707-D9CF-40AE-B4C6-C98DA3205C09}" type="datetimeFigureOut">
               <a:rPr lang="en-US" smtClean="0"/>
               <a:pPr/>
-              <a:t>6/14/2019</a:t>
+              <a:t>6/15/2019</a:t>
             </a:fld>
             <a:endParaRPr lang="en-US"/>
           </a:p>
@@ -1184,7 +1185,7 @@
             <a:fld id="{1D8BD707-D9CF-40AE-B4C6-C98DA3205C09}" type="datetimeFigureOut">
               <a:rPr lang="en-US" smtClean="0"/>
               <a:pPr/>
-              <a:t>6/14/2019</a:t>
+              <a:t>6/15/2019</a:t>
             </a:fld>
             <a:endParaRPr lang="en-US"/>
           </a:p>
@@ -1349,7 +1350,7 @@
             <a:fld id="{1D8BD707-D9CF-40AE-B4C6-C98DA3205C09}" type="datetimeFigureOut">
               <a:rPr lang="en-US" smtClean="0"/>
               <a:pPr/>
-              <a:t>6/14/2019</a:t>
+              <a:t>6/15/2019</a:t>
             </a:fld>
             <a:endParaRPr lang="en-US"/>
           </a:p>
@@ -1591,7 +1592,7 @@
             <a:fld id="{1D8BD707-D9CF-40AE-B4C6-C98DA3205C09}" type="datetimeFigureOut">
               <a:rPr lang="en-US" smtClean="0"/>
               <a:pPr/>
-              <a:t>6/14/2019</a:t>
+              <a:t>6/15/2019</a:t>
             </a:fld>
             <a:endParaRPr lang="en-US"/>
           </a:p>
@@ -1873,7 +1874,7 @@
             <a:fld id="{1D8BD707-D9CF-40AE-B4C6-C98DA3205C09}" type="datetimeFigureOut">
               <a:rPr lang="en-US" smtClean="0"/>
               <a:pPr/>
-              <a:t>6/14/2019</a:t>
+              <a:t>6/15/2019</a:t>
             </a:fld>
             <a:endParaRPr lang="en-US"/>
           </a:p>
@@ -2289,7 +2290,7 @@
             <a:fld id="{1D8BD707-D9CF-40AE-B4C6-C98DA3205C09}" type="datetimeFigureOut">
               <a:rPr lang="en-US" smtClean="0"/>
               <a:pPr/>
-              <a:t>6/14/2019</a:t>
+              <a:t>6/15/2019</a:t>
             </a:fld>
             <a:endParaRPr lang="en-US"/>
           </a:p>
@@ -2403,7 +2404,7 @@
             <a:fld id="{1D8BD707-D9CF-40AE-B4C6-C98DA3205C09}" type="datetimeFigureOut">
               <a:rPr lang="en-US" smtClean="0"/>
               <a:pPr/>
-              <a:t>6/14/2019</a:t>
+              <a:t>6/15/2019</a:t>
             </a:fld>
             <a:endParaRPr lang="en-US"/>
           </a:p>
@@ -2495,7 +2496,7 @@
             <a:fld id="{1D8BD707-D9CF-40AE-B4C6-C98DA3205C09}" type="datetimeFigureOut">
               <a:rPr lang="en-US" smtClean="0"/>
               <a:pPr/>
-              <a:t>6/14/2019</a:t>
+              <a:t>6/15/2019</a:t>
             </a:fld>
             <a:endParaRPr lang="en-US"/>
           </a:p>
@@ -2767,7 +2768,7 @@
             <a:fld id="{1D8BD707-D9CF-40AE-B4C6-C98DA3205C09}" type="datetimeFigureOut">
               <a:rPr lang="en-US" smtClean="0"/>
               <a:pPr/>
-              <a:t>6/14/2019</a:t>
+              <a:t>6/15/2019</a:t>
             </a:fld>
             <a:endParaRPr lang="en-US"/>
           </a:p>
@@ -3016,7 +3017,7 @@
             <a:fld id="{1D8BD707-D9CF-40AE-B4C6-C98DA3205C09}" type="datetimeFigureOut">
               <a:rPr lang="en-US" smtClean="0"/>
               <a:pPr/>
-              <a:t>6/14/2019</a:t>
+              <a:t>6/15/2019</a:t>
             </a:fld>
             <a:endParaRPr lang="en-US"/>
           </a:p>
@@ -3224,7 +3225,7 @@
             <a:fld id="{1D8BD707-D9CF-40AE-B4C6-C98DA3205C09}" type="datetimeFigureOut">
               <a:rPr lang="en-US" smtClean="0"/>
               <a:pPr/>
-              <a:t>6/14/2019</a:t>
+              <a:t>6/15/2019</a:t>
             </a:fld>
             <a:endParaRPr lang="en-US"/>
           </a:p>
@@ -10510,8 +10511,8 @@
           </a:p>
         </p:txBody>
       </p:sp>
-      <mc:AlternateContent xmlns:mc="http://schemas.openxmlformats.org/markup-compatibility/2006">
-        <mc:Choice xmlns:a14="http://schemas.microsoft.com/office/drawing/2010/main" Requires="a14">
+      <mc:AlternateContent xmlns:mc="http://schemas.openxmlformats.org/markup-compatibility/2006" xmlns:a14="http://schemas.microsoft.com/office/drawing/2010/main">
+        <mc:Choice Requires="a14">
           <p:sp>
             <p:nvSpPr>
               <p:cNvPr id="74" name="TextBox 73">
@@ -10588,7 +10589,7 @@
             </p:txBody>
           </p:sp>
         </mc:Choice>
-        <mc:Fallback>
+        <mc:Fallback xmlns="">
           <p:sp>
             <p:nvSpPr>
               <p:cNvPr id="74" name="TextBox 73">
@@ -10633,8 +10634,8 @@
           </p:sp>
         </mc:Fallback>
       </mc:AlternateContent>
-      <mc:AlternateContent xmlns:mc="http://schemas.openxmlformats.org/markup-compatibility/2006">
-        <mc:Choice xmlns:a14="http://schemas.microsoft.com/office/drawing/2010/main" Requires="a14">
+      <mc:AlternateContent xmlns:mc="http://schemas.openxmlformats.org/markup-compatibility/2006" xmlns:a14="http://schemas.microsoft.com/office/drawing/2010/main">
+        <mc:Choice Requires="a14">
           <p:sp>
             <p:nvSpPr>
               <p:cNvPr id="75" name="TextBox 74">
@@ -10711,7 +10712,7 @@
             </p:txBody>
           </p:sp>
         </mc:Choice>
-        <mc:Fallback>
+        <mc:Fallback xmlns="">
           <p:sp>
             <p:nvSpPr>
               <p:cNvPr id="75" name="TextBox 74">
@@ -22389,6 +22390,497 @@
       </p:grpSpPr>
       <p:pic>
         <p:nvPicPr>
+          <p:cNvPr id="10" name="Picture 9">
+            <a:extLst>
+              <a:ext uri="{FF2B5EF4-FFF2-40B4-BE49-F238E27FC236}">
+                <a16:creationId xmlns:a16="http://schemas.microsoft.com/office/drawing/2014/main" id="{56418749-EA92-4BCD-8A31-C73982C65CD8}"/>
+              </a:ext>
+            </a:extLst>
+          </p:cNvPr>
+          <p:cNvPicPr>
+            <a:picLocks noChangeAspect="1"/>
+          </p:cNvPicPr>
+          <p:nvPr/>
+        </p:nvPicPr>
+        <p:blipFill>
+          <a:blip r:embed="rId2">
+            <a:extLst>
+              <a:ext uri="{28A0092B-C50C-407E-A947-70E740481C1C}">
+                <a14:useLocalDpi xmlns:a14="http://schemas.microsoft.com/office/drawing/2010/main" val="0"/>
+              </a:ext>
+            </a:extLst>
+          </a:blip>
+          <a:stretch>
+            <a:fillRect/>
+          </a:stretch>
+        </p:blipFill>
+        <p:spPr>
+          <a:xfrm>
+            <a:off x="737855" y="381000"/>
+            <a:ext cx="3992983" cy="5426529"/>
+          </a:xfrm>
+          <a:prstGeom prst="rect">
+            <a:avLst/>
+          </a:prstGeom>
+        </p:spPr>
+      </p:pic>
+      <p:sp>
+        <p:nvSpPr>
+          <p:cNvPr id="3" name="Rectangle 2">
+            <a:extLst>
+              <a:ext uri="{FF2B5EF4-FFF2-40B4-BE49-F238E27FC236}">
+                <a16:creationId xmlns:a16="http://schemas.microsoft.com/office/drawing/2014/main" id="{866E685D-332C-48ED-A04A-642F06850E8F}"/>
+              </a:ext>
+            </a:extLst>
+          </p:cNvPr>
+          <p:cNvSpPr/>
+          <p:nvPr/>
+        </p:nvSpPr>
+        <p:spPr>
+          <a:xfrm>
+            <a:off x="3962400" y="1752600"/>
+            <a:ext cx="2667000" cy="1905000"/>
+          </a:xfrm>
+          <a:prstGeom prst="rect">
+            <a:avLst/>
+          </a:prstGeom>
+          <a:solidFill>
+            <a:schemeClr val="bg1"/>
+          </a:solidFill>
+          <a:ln cmpd="sng">
+            <a:solidFill>
+              <a:schemeClr val="tx1"/>
+            </a:solidFill>
+            <a:prstDash val="solid"/>
+          </a:ln>
+        </p:spPr>
+        <p:style>
+          <a:lnRef idx="2">
+            <a:schemeClr val="accent1">
+              <a:shade val="50000"/>
+            </a:schemeClr>
+          </a:lnRef>
+          <a:fillRef idx="1">
+            <a:schemeClr val="accent1"/>
+          </a:fillRef>
+          <a:effectRef idx="0">
+            <a:schemeClr val="accent1"/>
+          </a:effectRef>
+          <a:fontRef idx="minor">
+            <a:schemeClr val="lt1"/>
+          </a:fontRef>
+        </p:style>
+        <p:txBody>
+          <a:bodyPr rtlCol="0" anchor="t"/>
+          <a:lstStyle/>
+          <a:p>
+            <a:pPr marL="511175" indent="288925">
+              <a:lnSpc>
+                <a:spcPct val="200000"/>
+              </a:lnSpc>
+              <a:spcBef>
+                <a:spcPts val="10"/>
+              </a:spcBef>
+            </a:pPr>
+            <a:r>
+              <a:rPr lang="en-US" sz="1400" dirty="0">
+                <a:solidFill>
+                  <a:sysClr val="windowText" lastClr="000000"/>
+                </a:solidFill>
+                <a:latin typeface="Lato Heavy" panose="020F0502020204030203"/>
+                <a:cs typeface="Times New Roman" pitchFamily="18" charset="0"/>
+              </a:rPr>
+              <a:t>Original Flight Path</a:t>
+            </a:r>
+          </a:p>
+          <a:p>
+            <a:pPr marL="511175" indent="288925">
+              <a:lnSpc>
+                <a:spcPct val="200000"/>
+              </a:lnSpc>
+              <a:spcBef>
+                <a:spcPts val="10"/>
+              </a:spcBef>
+            </a:pPr>
+            <a:r>
+              <a:rPr lang="en-US" sz="1400" dirty="0">
+                <a:solidFill>
+                  <a:sysClr val="windowText" lastClr="000000"/>
+                </a:solidFill>
+                <a:latin typeface="Lato Heavy" panose="020F0502020204030203"/>
+                <a:cs typeface="Times New Roman" pitchFamily="18" charset="0"/>
+              </a:rPr>
+              <a:t>Altered Flight</a:t>
+            </a:r>
+          </a:p>
+          <a:p>
+            <a:pPr marL="511175" indent="288925">
+              <a:lnSpc>
+                <a:spcPct val="200000"/>
+              </a:lnSpc>
+              <a:spcBef>
+                <a:spcPts val="10"/>
+              </a:spcBef>
+            </a:pPr>
+            <a:r>
+              <a:rPr lang="en-US" sz="1400" dirty="0">
+                <a:solidFill>
+                  <a:sysClr val="windowText" lastClr="000000"/>
+                </a:solidFill>
+                <a:latin typeface="Lato Heavy" panose="020F0502020204030203"/>
+                <a:cs typeface="Times New Roman" pitchFamily="18" charset="0"/>
+              </a:rPr>
+              <a:t>Sim Object Path</a:t>
+            </a:r>
+            <a:endParaRPr lang="en-US" sz="1200" dirty="0">
+              <a:solidFill>
+                <a:sysClr val="windowText" lastClr="000000"/>
+              </a:solidFill>
+              <a:latin typeface="Lato Heavy" panose="020F0502020204030203"/>
+              <a:cs typeface="Times New Roman" pitchFamily="18" charset="0"/>
+            </a:endParaRPr>
+          </a:p>
+          <a:p>
+            <a:pPr marL="511175" indent="288925">
+              <a:lnSpc>
+                <a:spcPct val="200000"/>
+              </a:lnSpc>
+              <a:spcBef>
+                <a:spcPts val="10"/>
+              </a:spcBef>
+            </a:pPr>
+            <a:r>
+              <a:rPr lang="en-US" sz="1400" dirty="0">
+                <a:solidFill>
+                  <a:sysClr val="windowText" lastClr="000000"/>
+                </a:solidFill>
+                <a:latin typeface="Lato Heavy" panose="020F0502020204030203"/>
+                <a:cs typeface="Times New Roman" pitchFamily="18" charset="0"/>
+              </a:rPr>
+              <a:t>Contact Region</a:t>
+            </a:r>
+          </a:p>
+        </p:txBody>
+      </p:sp>
+      <p:cxnSp>
+        <p:nvCxnSpPr>
+          <p:cNvPr id="4" name="Straight Connector 3">
+            <a:extLst>
+              <a:ext uri="{FF2B5EF4-FFF2-40B4-BE49-F238E27FC236}">
+                <a16:creationId xmlns:a16="http://schemas.microsoft.com/office/drawing/2014/main" id="{95982823-E712-435D-961A-1091A7CB5625}"/>
+              </a:ext>
+            </a:extLst>
+          </p:cNvPr>
+          <p:cNvCxnSpPr/>
+          <p:nvPr/>
+        </p:nvCxnSpPr>
+        <p:spPr>
+          <a:xfrm>
+            <a:off x="4256690" y="2073729"/>
+            <a:ext cx="425669" cy="0"/>
+          </a:xfrm>
+          <a:prstGeom prst="line">
+            <a:avLst/>
+          </a:prstGeom>
+          <a:ln w="38100" cmpd="sng">
+            <a:solidFill>
+              <a:schemeClr val="bg1">
+                <a:lumMod val="50000"/>
+              </a:schemeClr>
+            </a:solidFill>
+          </a:ln>
+        </p:spPr>
+        <p:style>
+          <a:lnRef idx="1">
+            <a:schemeClr val="accent1"/>
+          </a:lnRef>
+          <a:fillRef idx="0">
+            <a:schemeClr val="accent1"/>
+          </a:fillRef>
+          <a:effectRef idx="0">
+            <a:schemeClr val="accent1"/>
+          </a:effectRef>
+          <a:fontRef idx="minor">
+            <a:schemeClr val="tx1"/>
+          </a:fontRef>
+        </p:style>
+      </p:cxnSp>
+      <p:cxnSp>
+        <p:nvCxnSpPr>
+          <p:cNvPr id="5" name="Straight Connector 4">
+            <a:extLst>
+              <a:ext uri="{FF2B5EF4-FFF2-40B4-BE49-F238E27FC236}">
+                <a16:creationId xmlns:a16="http://schemas.microsoft.com/office/drawing/2014/main" id="{13557F2E-2742-4000-941D-97D2D4541EB6}"/>
+              </a:ext>
+            </a:extLst>
+          </p:cNvPr>
+          <p:cNvCxnSpPr/>
+          <p:nvPr/>
+        </p:nvCxnSpPr>
+        <p:spPr>
+          <a:xfrm>
+            <a:off x="4267200" y="2933700"/>
+            <a:ext cx="425669" cy="0"/>
+          </a:xfrm>
+          <a:prstGeom prst="line">
+            <a:avLst/>
+          </a:prstGeom>
+          <a:ln w="38100" cmpd="sng">
+            <a:solidFill>
+              <a:srgbClr val="CC99FF"/>
+            </a:solidFill>
+          </a:ln>
+        </p:spPr>
+        <p:style>
+          <a:lnRef idx="1">
+            <a:schemeClr val="accent1"/>
+          </a:lnRef>
+          <a:fillRef idx="0">
+            <a:schemeClr val="accent1"/>
+          </a:fillRef>
+          <a:effectRef idx="0">
+            <a:schemeClr val="accent1"/>
+          </a:effectRef>
+          <a:fontRef idx="minor">
+            <a:schemeClr val="tx1"/>
+          </a:fontRef>
+        </p:style>
+      </p:cxnSp>
+      <p:cxnSp>
+        <p:nvCxnSpPr>
+          <p:cNvPr id="6" name="Straight Connector 5">
+            <a:extLst>
+              <a:ext uri="{FF2B5EF4-FFF2-40B4-BE49-F238E27FC236}">
+                <a16:creationId xmlns:a16="http://schemas.microsoft.com/office/drawing/2014/main" id="{651A51F3-DE19-448C-93E2-4D3285ECBB94}"/>
+              </a:ext>
+            </a:extLst>
+          </p:cNvPr>
+          <p:cNvCxnSpPr>
+            <a:cxnSpLocks/>
+          </p:cNvCxnSpPr>
+          <p:nvPr/>
+        </p:nvCxnSpPr>
+        <p:spPr>
+          <a:xfrm>
+            <a:off x="4267200" y="2514600"/>
+            <a:ext cx="425669" cy="0"/>
+          </a:xfrm>
+          <a:prstGeom prst="line">
+            <a:avLst/>
+          </a:prstGeom>
+          <a:ln w="57150" cap="rnd" cmpd="sng">
+            <a:solidFill>
+              <a:schemeClr val="tx1">
+                <a:lumMod val="85000"/>
+                <a:lumOff val="15000"/>
+              </a:schemeClr>
+            </a:solidFill>
+            <a:prstDash val="sysDot"/>
+          </a:ln>
+        </p:spPr>
+        <p:style>
+          <a:lnRef idx="1">
+            <a:schemeClr val="accent1"/>
+          </a:lnRef>
+          <a:fillRef idx="0">
+            <a:schemeClr val="accent1"/>
+          </a:fillRef>
+          <a:effectRef idx="0">
+            <a:schemeClr val="accent1"/>
+          </a:effectRef>
+          <a:fontRef idx="minor">
+            <a:schemeClr val="tx1"/>
+          </a:fontRef>
+        </p:style>
+      </p:cxnSp>
+      <p:sp>
+        <p:nvSpPr>
+          <p:cNvPr id="7" name="Diamond 6">
+            <a:extLst>
+              <a:ext uri="{FF2B5EF4-FFF2-40B4-BE49-F238E27FC236}">
+                <a16:creationId xmlns:a16="http://schemas.microsoft.com/office/drawing/2014/main" id="{82E1CE08-5866-435E-81F1-24BC0CBAA521}"/>
+              </a:ext>
+            </a:extLst>
+          </p:cNvPr>
+          <p:cNvSpPr/>
+          <p:nvPr/>
+        </p:nvSpPr>
+        <p:spPr>
+          <a:xfrm>
+            <a:off x="4365734" y="2819400"/>
+            <a:ext cx="228600" cy="228600"/>
+          </a:xfrm>
+          <a:prstGeom prst="diamond">
+            <a:avLst/>
+          </a:prstGeom>
+          <a:solidFill>
+            <a:srgbClr val="CC99FF"/>
+          </a:solidFill>
+          <a:ln>
+            <a:solidFill>
+              <a:srgbClr val="CC99FF"/>
+            </a:solidFill>
+          </a:ln>
+        </p:spPr>
+        <p:style>
+          <a:lnRef idx="2">
+            <a:schemeClr val="accent1">
+              <a:shade val="50000"/>
+            </a:schemeClr>
+          </a:lnRef>
+          <a:fillRef idx="1">
+            <a:schemeClr val="accent1"/>
+          </a:fillRef>
+          <a:effectRef idx="0">
+            <a:schemeClr val="accent1"/>
+          </a:effectRef>
+          <a:fontRef idx="minor">
+            <a:schemeClr val="lt1"/>
+          </a:fontRef>
+        </p:style>
+        <p:txBody>
+          <a:bodyPr rtlCol="0" anchor="ctr"/>
+          <a:lstStyle/>
+          <a:p>
+            <a:pPr algn="ctr"/>
+            <a:endParaRPr lang="en-US">
+              <a:latin typeface="Lato Heavy" panose="020F0502020204030203"/>
+            </a:endParaRPr>
+          </a:p>
+        </p:txBody>
+      </p:sp>
+      <p:sp>
+        <p:nvSpPr>
+          <p:cNvPr id="8" name="Oval 7">
+            <a:extLst>
+              <a:ext uri="{FF2B5EF4-FFF2-40B4-BE49-F238E27FC236}">
+                <a16:creationId xmlns:a16="http://schemas.microsoft.com/office/drawing/2014/main" id="{91C57DF2-4A4D-4FF6-BFA8-D070EDE8034F}"/>
+              </a:ext>
+            </a:extLst>
+          </p:cNvPr>
+          <p:cNvSpPr/>
+          <p:nvPr/>
+        </p:nvSpPr>
+        <p:spPr>
+          <a:xfrm>
+            <a:off x="4355224" y="1951265"/>
+            <a:ext cx="228600" cy="228600"/>
+          </a:xfrm>
+          <a:prstGeom prst="ellipse">
+            <a:avLst/>
+          </a:prstGeom>
+          <a:solidFill>
+            <a:schemeClr val="tx1">
+              <a:lumMod val="50000"/>
+              <a:lumOff val="50000"/>
+            </a:schemeClr>
+          </a:solidFill>
+          <a:ln>
+            <a:noFill/>
+          </a:ln>
+        </p:spPr>
+        <p:style>
+          <a:lnRef idx="2">
+            <a:schemeClr val="accent1">
+              <a:shade val="50000"/>
+            </a:schemeClr>
+          </a:lnRef>
+          <a:fillRef idx="1">
+            <a:schemeClr val="accent1"/>
+          </a:fillRef>
+          <a:effectRef idx="0">
+            <a:schemeClr val="accent1"/>
+          </a:effectRef>
+          <a:fontRef idx="minor">
+            <a:schemeClr val="lt1"/>
+          </a:fontRef>
+        </p:style>
+        <p:txBody>
+          <a:bodyPr rtlCol="0" anchor="ctr"/>
+          <a:lstStyle/>
+          <a:p>
+            <a:pPr algn="ctr"/>
+            <a:endParaRPr lang="en-US">
+              <a:latin typeface="Lato Heavy" panose="020F0502020204030203"/>
+            </a:endParaRPr>
+          </a:p>
+        </p:txBody>
+      </p:sp>
+      <p:cxnSp>
+        <p:nvCxnSpPr>
+          <p:cNvPr id="12" name="Straight Connector 11">
+            <a:extLst>
+              <a:ext uri="{FF2B5EF4-FFF2-40B4-BE49-F238E27FC236}">
+                <a16:creationId xmlns:a16="http://schemas.microsoft.com/office/drawing/2014/main" id="{22AD47D4-CE72-4C3A-9018-D7AA2D9A29FD}"/>
+              </a:ext>
+            </a:extLst>
+          </p:cNvPr>
+          <p:cNvCxnSpPr/>
+          <p:nvPr/>
+        </p:nvCxnSpPr>
+        <p:spPr>
+          <a:xfrm>
+            <a:off x="4267200" y="3352800"/>
+            <a:ext cx="425669" cy="0"/>
+          </a:xfrm>
+          <a:prstGeom prst="line">
+            <a:avLst/>
+          </a:prstGeom>
+          <a:ln w="38100" cmpd="sng">
+            <a:solidFill>
+              <a:schemeClr val="accent2">
+                <a:lumMod val="75000"/>
+              </a:schemeClr>
+            </a:solidFill>
+          </a:ln>
+        </p:spPr>
+        <p:style>
+          <a:lnRef idx="1">
+            <a:schemeClr val="accent1"/>
+          </a:lnRef>
+          <a:fillRef idx="0">
+            <a:schemeClr val="accent1"/>
+          </a:fillRef>
+          <a:effectRef idx="0">
+            <a:schemeClr val="accent1"/>
+          </a:effectRef>
+          <a:fontRef idx="minor">
+            <a:schemeClr val="tx1"/>
+          </a:fontRef>
+        </p:style>
+      </p:cxnSp>
+    </p:spTree>
+    <p:extLst>
+      <p:ext uri="{BB962C8B-B14F-4D97-AF65-F5344CB8AC3E}">
+        <p14:creationId xmlns:p14="http://schemas.microsoft.com/office/powerpoint/2010/main" val="3765896451"/>
+      </p:ext>
+    </p:extLst>
+  </p:cSld>
+  <p:clrMapOvr>
+    <a:masterClrMapping/>
+  </p:clrMapOvr>
+</p:sld>
+</file>
+
+<file path=ppt/slides/slide21.xml><?xml version="1.0" encoding="utf-8"?>
+<p:sld xmlns:a="http://schemas.openxmlformats.org/drawingml/2006/main" xmlns:r="http://schemas.openxmlformats.org/officeDocument/2006/relationships" xmlns:p="http://schemas.openxmlformats.org/presentationml/2006/main">
+  <p:cSld>
+    <p:spTree>
+      <p:nvGrpSpPr>
+        <p:cNvPr id="1" name=""/>
+        <p:cNvGrpSpPr/>
+        <p:nvPr/>
+      </p:nvGrpSpPr>
+      <p:grpSpPr>
+        <a:xfrm>
+          <a:off x="0" y="0"/>
+          <a:ext cx="0" cy="0"/>
+          <a:chOff x="0" y="0"/>
+          <a:chExt cx="0" cy="0"/>
+        </a:xfrm>
+      </p:grpSpPr>
+      <p:pic>
+        <p:nvPicPr>
           <p:cNvPr id="3" name="Picture 2">
             <a:extLst>
               <a:ext uri="{FF2B5EF4-FFF2-40B4-BE49-F238E27FC236}">
@@ -22745,8 +23237,8 @@
           </p:sp>
         </mc:Fallback>
       </mc:AlternateContent>
-      <mc:AlternateContent xmlns:mc="http://schemas.openxmlformats.org/markup-compatibility/2006">
-        <mc:Choice xmlns:a14="http://schemas.microsoft.com/office/drawing/2010/main" Requires="a14">
+      <mc:AlternateContent xmlns:mc="http://schemas.openxmlformats.org/markup-compatibility/2006" xmlns:a14="http://schemas.microsoft.com/office/drawing/2010/main">
+        <mc:Choice Requires="a14">
           <p:sp>
             <p:nvSpPr>
               <p:cNvPr id="15" name="TextBox 14">
@@ -22838,7 +23330,7 @@
             </p:txBody>
           </p:sp>
         </mc:Choice>
-        <mc:Fallback>
+        <mc:Fallback xmlns="">
           <p:sp>
             <p:nvSpPr>
               <p:cNvPr id="15" name="TextBox 14">
@@ -22888,8 +23380,8 @@
           </p:sp>
         </mc:Fallback>
       </mc:AlternateContent>
-      <mc:AlternateContent xmlns:mc="http://schemas.openxmlformats.org/markup-compatibility/2006">
-        <mc:Choice xmlns:a14="http://schemas.microsoft.com/office/drawing/2010/main" Requires="a14">
+      <mc:AlternateContent xmlns:mc="http://schemas.openxmlformats.org/markup-compatibility/2006" xmlns:a14="http://schemas.microsoft.com/office/drawing/2010/main">
+        <mc:Choice Requires="a14">
           <p:sp>
             <p:nvSpPr>
               <p:cNvPr id="16" name="TextBox 15">
@@ -22988,7 +23480,7 @@
             </p:txBody>
           </p:sp>
         </mc:Choice>
-        <mc:Fallback>
+        <mc:Fallback xmlns="">
           <p:sp>
             <p:nvSpPr>
               <p:cNvPr id="16" name="TextBox 15">
@@ -23582,8 +24074,8 @@
           </p:sp>
         </mc:Fallback>
       </mc:AlternateContent>
-      <mc:AlternateContent xmlns:mc="http://schemas.openxmlformats.org/markup-compatibility/2006">
-        <mc:Choice xmlns:a14="http://schemas.microsoft.com/office/drawing/2010/main" Requires="a14">
+      <mc:AlternateContent xmlns:mc="http://schemas.openxmlformats.org/markup-compatibility/2006" xmlns:a14="http://schemas.microsoft.com/office/drawing/2010/main">
+        <mc:Choice Requires="a14">
           <p:sp>
             <p:nvSpPr>
               <p:cNvPr id="18" name="TextBox 17">
@@ -23626,7 +24118,9 @@
                 <a14:m>
                   <m:oMath xmlns:m="http://schemas.openxmlformats.org/officeDocument/2006/math">
                     <m:r>
-                      <a:rPr lang="en-US" b="0" i="1"/>
+                      <a:rPr lang="en-US" b="0" i="1">
+                        <a:latin typeface="Cambria Math" panose="02040503050406030204" pitchFamily="18" charset="0"/>
+                      </a:rPr>
                       <m:t>𝑡</m:t>
                     </m:r>
                   </m:oMath>
@@ -23647,7 +24141,7 @@
             </p:txBody>
           </p:sp>
         </mc:Choice>
-        <mc:Fallback>
+        <mc:Fallback xmlns="">
           <p:sp>
             <p:nvSpPr>
               <p:cNvPr id="18" name="TextBox 17">
@@ -23692,8 +24186,8 @@
           </p:sp>
         </mc:Fallback>
       </mc:AlternateContent>
-      <mc:AlternateContent xmlns:mc="http://schemas.openxmlformats.org/markup-compatibility/2006">
-        <mc:Choice xmlns:a14="http://schemas.microsoft.com/office/drawing/2010/main" Requires="a14">
+      <mc:AlternateContent xmlns:mc="http://schemas.openxmlformats.org/markup-compatibility/2006" xmlns:a14="http://schemas.microsoft.com/office/drawing/2010/main">
+        <mc:Choice Requires="a14">
           <p:sp>
             <p:nvSpPr>
               <p:cNvPr id="19" name="TextBox 18">
@@ -23736,7 +24230,9 @@
                 <a14:m>
                   <m:oMath xmlns:m="http://schemas.openxmlformats.org/officeDocument/2006/math">
                     <m:r>
-                      <a:rPr lang="en-US" sz="1400" b="0" i="1" smtClean="0"/>
+                      <a:rPr lang="en-US" sz="1400" b="0" i="1" smtClean="0">
+                        <a:latin typeface="Cambria Math" panose="02040503050406030204" pitchFamily="18" charset="0"/>
+                      </a:rPr>
                       <m:t>𝑥</m:t>
                     </m:r>
                   </m:oMath>
@@ -23763,7 +24259,7 @@
             </p:txBody>
           </p:sp>
         </mc:Choice>
-        <mc:Fallback>
+        <mc:Fallback xmlns="">
           <p:sp>
             <p:nvSpPr>
               <p:cNvPr id="19" name="TextBox 18">
@@ -23903,7 +24399,7 @@
 </p:sld>
 </file>
 
-<file path=ppt/slides/slide21.xml><?xml version="1.0" encoding="utf-8"?>
+<file path=ppt/slides/slide22.xml><?xml version="1.0" encoding="utf-8"?>
 <p:sld xmlns:a="http://schemas.openxmlformats.org/drawingml/2006/main" xmlns:r="http://schemas.openxmlformats.org/officeDocument/2006/relationships" xmlns:p="http://schemas.openxmlformats.org/presentationml/2006/main">
   <p:cSld>
     <p:spTree>
@@ -24091,8 +24587,8 @@
           </a:fontRef>
         </p:style>
       </p:cxnSp>
-      <mc:AlternateContent xmlns:mc="http://schemas.openxmlformats.org/markup-compatibility/2006">
-        <mc:Choice xmlns:a14="http://schemas.microsoft.com/office/drawing/2010/main" Requires="a14">
+      <mc:AlternateContent xmlns:mc="http://schemas.openxmlformats.org/markup-compatibility/2006" xmlns:a14="http://schemas.microsoft.com/office/drawing/2010/main">
+        <mc:Choice Requires="a14">
           <p:sp>
             <p:nvSpPr>
               <p:cNvPr id="15" name="TextBox 14">
@@ -24135,7 +24631,9 @@
                 <a14:m>
                   <m:oMath xmlns:m="http://schemas.openxmlformats.org/officeDocument/2006/math">
                     <m:r>
-                      <a:rPr lang="en-US" b="0" i="1"/>
+                      <a:rPr lang="en-US" b="0" i="1">
+                        <a:latin typeface="Cambria Math" panose="02040503050406030204" pitchFamily="18" charset="0"/>
+                      </a:rPr>
                       <m:t>𝑡</m:t>
                     </m:r>
                   </m:oMath>
@@ -24156,7 +24654,7 @@
             </p:txBody>
           </p:sp>
         </mc:Choice>
-        <mc:Fallback>
+        <mc:Fallback xmlns="">
           <p:sp>
             <p:nvSpPr>
               <p:cNvPr id="15" name="TextBox 14">
@@ -24201,8 +24699,8 @@
           </p:sp>
         </mc:Fallback>
       </mc:AlternateContent>
-      <mc:AlternateContent xmlns:mc="http://schemas.openxmlformats.org/markup-compatibility/2006">
-        <mc:Choice xmlns:a14="http://schemas.microsoft.com/office/drawing/2010/main" Requires="a14">
+      <mc:AlternateContent xmlns:mc="http://schemas.openxmlformats.org/markup-compatibility/2006" xmlns:a14="http://schemas.microsoft.com/office/drawing/2010/main">
+        <mc:Choice Requires="a14">
           <p:sp>
             <p:nvSpPr>
               <p:cNvPr id="17" name="TextBox 16">
@@ -24245,7 +24743,9 @@
                 <a14:m>
                   <m:oMath xmlns:m="http://schemas.openxmlformats.org/officeDocument/2006/math">
                     <m:r>
-                      <a:rPr lang="en-US" sz="1400" b="0" i="1" smtClean="0"/>
+                      <a:rPr lang="en-US" sz="1400" b="0" i="1" smtClean="0">
+                        <a:latin typeface="Cambria Math" panose="02040503050406030204" pitchFamily="18" charset="0"/>
+                      </a:rPr>
                       <m:t>𝑥</m:t>
                     </m:r>
                   </m:oMath>
@@ -24272,7 +24772,7 @@
             </p:txBody>
           </p:sp>
         </mc:Choice>
-        <mc:Fallback>
+        <mc:Fallback xmlns="">
           <p:sp>
             <p:nvSpPr>
               <p:cNvPr id="17" name="TextBox 16">
@@ -24330,7 +24830,7 @@
 </p:sld>
 </file>
 
-<file path=ppt/slides/slide22.xml><?xml version="1.0" encoding="utf-8"?>
+<file path=ppt/slides/slide23.xml><?xml version="1.0" encoding="utf-8"?>
 <p:sld xmlns:a="http://schemas.openxmlformats.org/drawingml/2006/main" xmlns:r="http://schemas.openxmlformats.org/officeDocument/2006/relationships" xmlns:p="http://schemas.openxmlformats.org/presentationml/2006/main">
   <p:cSld>
     <p:spTree>
@@ -25570,8 +26070,8 @@
           </p:sp>
         </mc:Fallback>
       </mc:AlternateContent>
-      <mc:AlternateContent xmlns:mc="http://schemas.openxmlformats.org/markup-compatibility/2006">
-        <mc:Choice xmlns:a14="http://schemas.microsoft.com/office/drawing/2010/main" Requires="a14">
+      <mc:AlternateContent xmlns:mc="http://schemas.openxmlformats.org/markup-compatibility/2006" xmlns:a14="http://schemas.microsoft.com/office/drawing/2010/main">
+        <mc:Choice Requires="a14">
           <p:sp>
             <p:nvSpPr>
               <p:cNvPr id="17" name="TextBox 16">
@@ -25614,7 +26114,9 @@
                 <a14:m>
                   <m:oMath xmlns:m="http://schemas.openxmlformats.org/officeDocument/2006/math">
                     <m:r>
-                      <a:rPr lang="en-US" b="0" i="1"/>
+                      <a:rPr lang="en-US" b="0" i="1">
+                        <a:latin typeface="Cambria Math" panose="02040503050406030204" pitchFamily="18" charset="0"/>
+                      </a:rPr>
                       <m:t>𝑡</m:t>
                     </m:r>
                   </m:oMath>
@@ -25635,7 +26137,7 @@
             </p:txBody>
           </p:sp>
         </mc:Choice>
-        <mc:Fallback>
+        <mc:Fallback xmlns="">
           <p:sp>
             <p:nvSpPr>
               <p:cNvPr id="17" name="TextBox 16">
@@ -25680,8 +26182,8 @@
           </p:sp>
         </mc:Fallback>
       </mc:AlternateContent>
-      <mc:AlternateContent xmlns:mc="http://schemas.openxmlformats.org/markup-compatibility/2006">
-        <mc:Choice xmlns:a14="http://schemas.microsoft.com/office/drawing/2010/main" Requires="a14">
+      <mc:AlternateContent xmlns:mc="http://schemas.openxmlformats.org/markup-compatibility/2006" xmlns:a14="http://schemas.microsoft.com/office/drawing/2010/main">
+        <mc:Choice Requires="a14">
           <p:sp>
             <p:nvSpPr>
               <p:cNvPr id="18" name="TextBox 17">
@@ -25724,7 +26226,9 @@
                 <a14:m>
                   <m:oMath xmlns:m="http://schemas.openxmlformats.org/officeDocument/2006/math">
                     <m:r>
-                      <a:rPr lang="en-US" sz="1400" b="0" i="1" smtClean="0"/>
+                      <a:rPr lang="en-US" sz="1400" b="0" i="1" smtClean="0">
+                        <a:latin typeface="Cambria Math" panose="02040503050406030204" pitchFamily="18" charset="0"/>
+                      </a:rPr>
                       <m:t>𝑥</m:t>
                     </m:r>
                   </m:oMath>
@@ -25751,7 +26255,7 @@
             </p:txBody>
           </p:sp>
         </mc:Choice>
-        <mc:Fallback>
+        <mc:Fallback xmlns="">
           <p:sp>
             <p:nvSpPr>
               <p:cNvPr id="18" name="TextBox 17">
@@ -29920,8 +30424,8 @@
           </a:p>
         </p:txBody>
       </p:sp>
-      <mc:AlternateContent xmlns:mc="http://schemas.openxmlformats.org/markup-compatibility/2006">
-        <mc:Choice xmlns:a14="http://schemas.microsoft.com/office/drawing/2010/main" Requires="a14">
+      <mc:AlternateContent xmlns:mc="http://schemas.openxmlformats.org/markup-compatibility/2006" xmlns:a14="http://schemas.microsoft.com/office/drawing/2010/main">
+        <mc:Choice Requires="a14">
           <p:sp>
             <p:nvSpPr>
               <p:cNvPr id="36" name="TextBox 35"/>
@@ -30004,7 +30508,7 @@
             </p:txBody>
           </p:sp>
         </mc:Choice>
-        <mc:Fallback>
+        <mc:Fallback xmlns="">
           <p:sp>
             <p:nvSpPr>
               <p:cNvPr id="36" name="TextBox 35"/>
@@ -30043,8 +30547,8 @@
           </p:sp>
         </mc:Fallback>
       </mc:AlternateContent>
-      <mc:AlternateContent xmlns:mc="http://schemas.openxmlformats.org/markup-compatibility/2006">
-        <mc:Choice xmlns:a14="http://schemas.microsoft.com/office/drawing/2010/main" Requires="a14">
+      <mc:AlternateContent xmlns:mc="http://schemas.openxmlformats.org/markup-compatibility/2006" xmlns:a14="http://schemas.microsoft.com/office/drawing/2010/main">
+        <mc:Choice Requires="a14">
           <p:sp>
             <p:nvSpPr>
               <p:cNvPr id="37" name="TextBox 36"/>
@@ -30127,7 +30631,7 @@
             </p:txBody>
           </p:sp>
         </mc:Choice>
-        <mc:Fallback>
+        <mc:Fallback xmlns="">
           <p:sp>
             <p:nvSpPr>
               <p:cNvPr id="37" name="TextBox 36"/>
@@ -30166,8 +30670,8 @@
           </p:sp>
         </mc:Fallback>
       </mc:AlternateContent>
-      <mc:AlternateContent xmlns:mc="http://schemas.openxmlformats.org/markup-compatibility/2006">
-        <mc:Choice xmlns:a14="http://schemas.microsoft.com/office/drawing/2010/main" Requires="a14">
+      <mc:AlternateContent xmlns:mc="http://schemas.openxmlformats.org/markup-compatibility/2006" xmlns:a14="http://schemas.microsoft.com/office/drawing/2010/main">
+        <mc:Choice Requires="a14">
           <p:sp>
             <p:nvSpPr>
               <p:cNvPr id="73" name="TextBox 72"/>
@@ -30250,7 +30754,7 @@
             </p:txBody>
           </p:sp>
         </mc:Choice>
-        <mc:Fallback>
+        <mc:Fallback xmlns="">
           <p:sp>
             <p:nvSpPr>
               <p:cNvPr id="73" name="TextBox 72"/>
@@ -30516,8 +31020,8 @@
           </a:p>
         </p:txBody>
       </p:sp>
-      <mc:AlternateContent xmlns:mc="http://schemas.openxmlformats.org/markup-compatibility/2006">
-        <mc:Choice xmlns:a14="http://schemas.microsoft.com/office/drawing/2010/main" Requires="a14">
+      <mc:AlternateContent xmlns:mc="http://schemas.openxmlformats.org/markup-compatibility/2006" xmlns:a14="http://schemas.microsoft.com/office/drawing/2010/main">
+        <mc:Choice Requires="a14">
           <p:sp>
             <p:nvSpPr>
               <p:cNvPr id="127" name="Rectangle 126"/>
@@ -30735,7 +31239,7 @@
             </p:txBody>
           </p:sp>
         </mc:Choice>
-        <mc:Fallback>
+        <mc:Fallback xmlns="">
           <p:sp>
             <p:nvSpPr>
               <p:cNvPr id="127" name="Rectangle 126"/>

--- a/docs/paper/figs/Diagrams.pptx
+++ b/docs/paper/figs/Diagrams.pptx
@@ -5,7 +5,7 @@
     <p:sldMasterId id="2147483648" r:id="rId1"/>
   </p:sldMasterIdLst>
   <p:notesMasterIdLst>
-    <p:notesMasterId r:id="rId25"/>
+    <p:notesMasterId r:id="rId26"/>
   </p:notesMasterIdLst>
   <p:sldIdLst>
     <p:sldId id="256" r:id="rId2"/>
@@ -22,15 +22,16 @@
     <p:sldId id="264" r:id="rId13"/>
     <p:sldId id="265" r:id="rId14"/>
     <p:sldId id="266" r:id="rId15"/>
-    <p:sldId id="267" r:id="rId16"/>
-    <p:sldId id="269" r:id="rId17"/>
-    <p:sldId id="270" r:id="rId18"/>
-    <p:sldId id="268" r:id="rId19"/>
-    <p:sldId id="271" r:id="rId20"/>
-    <p:sldId id="279" r:id="rId21"/>
-    <p:sldId id="276" r:id="rId22"/>
-    <p:sldId id="277" r:id="rId23"/>
-    <p:sldId id="278" r:id="rId24"/>
+    <p:sldId id="280" r:id="rId16"/>
+    <p:sldId id="267" r:id="rId17"/>
+    <p:sldId id="269" r:id="rId18"/>
+    <p:sldId id="270" r:id="rId19"/>
+    <p:sldId id="268" r:id="rId20"/>
+    <p:sldId id="271" r:id="rId21"/>
+    <p:sldId id="279" r:id="rId22"/>
+    <p:sldId id="276" r:id="rId23"/>
+    <p:sldId id="277" r:id="rId24"/>
+    <p:sldId id="278" r:id="rId25"/>
   </p:sldIdLst>
   <p:sldSz cx="9144000" cy="6858000" type="screen4x3"/>
   <p:notesSz cx="6858000" cy="9144000"/>
@@ -230,7 +231,7 @@
           <a:p>
             <a:fld id="{F9A10BC3-AABA-4C47-9304-433E17EADCD6}" type="datetimeFigureOut">
               <a:rPr lang="en-US" smtClean="0"/>
-              <a:t>6/15/2019</a:t>
+              <a:t>6/16/2019</a:t>
             </a:fld>
             <a:endParaRPr lang="en-US"/>
           </a:p>
@@ -562,7 +563,7 @@
           <a:p>
             <a:fld id="{C00D0790-43AC-4523-8D8A-A62DC4B60A27}" type="slidenum">
               <a:rPr lang="en-US" smtClean="0"/>
-              <a:t>17</a:t>
+              <a:t>18</a:t>
             </a:fld>
             <a:endParaRPr lang="en-US"/>
           </a:p>
@@ -646,7 +647,7 @@
           <a:p>
             <a:fld id="{C00D0790-43AC-4523-8D8A-A62DC4B60A27}" type="slidenum">
               <a:rPr lang="en-US" smtClean="0"/>
-              <a:t>22</a:t>
+              <a:t>23</a:t>
             </a:fld>
             <a:endParaRPr lang="en-US"/>
           </a:p>
@@ -845,7 +846,7 @@
             <a:fld id="{1D8BD707-D9CF-40AE-B4C6-C98DA3205C09}" type="datetimeFigureOut">
               <a:rPr lang="en-US" smtClean="0"/>
               <a:pPr/>
-              <a:t>6/15/2019</a:t>
+              <a:t>6/16/2019</a:t>
             </a:fld>
             <a:endParaRPr lang="en-US"/>
           </a:p>
@@ -1010,7 +1011,7 @@
             <a:fld id="{1D8BD707-D9CF-40AE-B4C6-C98DA3205C09}" type="datetimeFigureOut">
               <a:rPr lang="en-US" smtClean="0"/>
               <a:pPr/>
-              <a:t>6/15/2019</a:t>
+              <a:t>6/16/2019</a:t>
             </a:fld>
             <a:endParaRPr lang="en-US"/>
           </a:p>
@@ -1185,7 +1186,7 @@
             <a:fld id="{1D8BD707-D9CF-40AE-B4C6-C98DA3205C09}" type="datetimeFigureOut">
               <a:rPr lang="en-US" smtClean="0"/>
               <a:pPr/>
-              <a:t>6/15/2019</a:t>
+              <a:t>6/16/2019</a:t>
             </a:fld>
             <a:endParaRPr lang="en-US"/>
           </a:p>
@@ -1350,7 +1351,7 @@
             <a:fld id="{1D8BD707-D9CF-40AE-B4C6-C98DA3205C09}" type="datetimeFigureOut">
               <a:rPr lang="en-US" smtClean="0"/>
               <a:pPr/>
-              <a:t>6/15/2019</a:t>
+              <a:t>6/16/2019</a:t>
             </a:fld>
             <a:endParaRPr lang="en-US"/>
           </a:p>
@@ -1592,7 +1593,7 @@
             <a:fld id="{1D8BD707-D9CF-40AE-B4C6-C98DA3205C09}" type="datetimeFigureOut">
               <a:rPr lang="en-US" smtClean="0"/>
               <a:pPr/>
-              <a:t>6/15/2019</a:t>
+              <a:t>6/16/2019</a:t>
             </a:fld>
             <a:endParaRPr lang="en-US"/>
           </a:p>
@@ -1874,7 +1875,7 @@
             <a:fld id="{1D8BD707-D9CF-40AE-B4C6-C98DA3205C09}" type="datetimeFigureOut">
               <a:rPr lang="en-US" smtClean="0"/>
               <a:pPr/>
-              <a:t>6/15/2019</a:t>
+              <a:t>6/16/2019</a:t>
             </a:fld>
             <a:endParaRPr lang="en-US"/>
           </a:p>
@@ -2290,7 +2291,7 @@
             <a:fld id="{1D8BD707-D9CF-40AE-B4C6-C98DA3205C09}" type="datetimeFigureOut">
               <a:rPr lang="en-US" smtClean="0"/>
               <a:pPr/>
-              <a:t>6/15/2019</a:t>
+              <a:t>6/16/2019</a:t>
             </a:fld>
             <a:endParaRPr lang="en-US"/>
           </a:p>
@@ -2404,7 +2405,7 @@
             <a:fld id="{1D8BD707-D9CF-40AE-B4C6-C98DA3205C09}" type="datetimeFigureOut">
               <a:rPr lang="en-US" smtClean="0"/>
               <a:pPr/>
-              <a:t>6/15/2019</a:t>
+              <a:t>6/16/2019</a:t>
             </a:fld>
             <a:endParaRPr lang="en-US"/>
           </a:p>
@@ -2496,7 +2497,7 @@
             <a:fld id="{1D8BD707-D9CF-40AE-B4C6-C98DA3205C09}" type="datetimeFigureOut">
               <a:rPr lang="en-US" smtClean="0"/>
               <a:pPr/>
-              <a:t>6/15/2019</a:t>
+              <a:t>6/16/2019</a:t>
             </a:fld>
             <a:endParaRPr lang="en-US"/>
           </a:p>
@@ -2768,7 +2769,7 @@
             <a:fld id="{1D8BD707-D9CF-40AE-B4C6-C98DA3205C09}" type="datetimeFigureOut">
               <a:rPr lang="en-US" smtClean="0"/>
               <a:pPr/>
-              <a:t>6/15/2019</a:t>
+              <a:t>6/16/2019</a:t>
             </a:fld>
             <a:endParaRPr lang="en-US"/>
           </a:p>
@@ -3017,7 +3018,7 @@
             <a:fld id="{1D8BD707-D9CF-40AE-B4C6-C98DA3205C09}" type="datetimeFigureOut">
               <a:rPr lang="en-US" smtClean="0"/>
               <a:pPr/>
-              <a:t>6/15/2019</a:t>
+              <a:t>6/16/2019</a:t>
             </a:fld>
             <a:endParaRPr lang="en-US"/>
           </a:p>
@@ -3225,7 +3226,7 @@
             <a:fld id="{1D8BD707-D9CF-40AE-B4C6-C98DA3205C09}" type="datetimeFigureOut">
               <a:rPr lang="en-US" smtClean="0"/>
               <a:pPr/>
-              <a:t>6/15/2019</a:t>
+              <a:t>6/16/2019</a:t>
             </a:fld>
             <a:endParaRPr lang="en-US"/>
           </a:p>
@@ -16622,6 +16623,652 @@
 </file>
 
 <file path=ppt/slides/slide15.xml><?xml version="1.0" encoding="utf-8"?>
+<p:sld xmlns:a="http://schemas.openxmlformats.org/drawingml/2006/main" xmlns:r="http://schemas.openxmlformats.org/officeDocument/2006/relationships" xmlns:p="http://schemas.openxmlformats.org/presentationml/2006/main">
+  <p:cSld>
+    <p:spTree>
+      <p:nvGrpSpPr>
+        <p:cNvPr id="1" name=""/>
+        <p:cNvGrpSpPr/>
+        <p:nvPr/>
+      </p:nvGrpSpPr>
+      <p:grpSpPr>
+        <a:xfrm>
+          <a:off x="0" y="0"/>
+          <a:ext cx="0" cy="0"/>
+          <a:chOff x="0" y="0"/>
+          <a:chExt cx="0" cy="0"/>
+        </a:xfrm>
+      </p:grpSpPr>
+      <p:cxnSp>
+        <p:nvCxnSpPr>
+          <p:cNvPr id="3" name="Elbow Connector 59">
+            <a:extLst>
+              <a:ext uri="{FF2B5EF4-FFF2-40B4-BE49-F238E27FC236}">
+                <a16:creationId xmlns:a16="http://schemas.microsoft.com/office/drawing/2014/main" id="{BEC44C06-987A-45BE-8F73-AE1C4493FCC9}"/>
+              </a:ext>
+            </a:extLst>
+          </p:cNvPr>
+          <p:cNvCxnSpPr>
+            <a:cxnSpLocks/>
+            <a:stCxn id="5" idx="2"/>
+            <a:endCxn id="2" idx="2"/>
+          </p:cNvCxnSpPr>
+          <p:nvPr/>
+        </p:nvCxnSpPr>
+        <p:spPr>
+          <a:xfrm rot="5400000" flipH="1">
+            <a:off x="4740455" y="2302052"/>
+            <a:ext cx="114298" cy="4501793"/>
+          </a:xfrm>
+          <a:prstGeom prst="bentConnector3">
+            <a:avLst>
+              <a:gd name="adj1" fmla="val -200003"/>
+            </a:avLst>
+          </a:prstGeom>
+          <a:ln w="38100">
+            <a:solidFill>
+              <a:schemeClr val="tx1"/>
+            </a:solidFill>
+            <a:prstDash val="solid"/>
+            <a:headEnd type="triangle" w="med" len="med"/>
+            <a:tailEnd type="none" w="med" len="med"/>
+          </a:ln>
+        </p:spPr>
+        <p:style>
+          <a:lnRef idx="1">
+            <a:schemeClr val="accent1"/>
+          </a:lnRef>
+          <a:fillRef idx="0">
+            <a:schemeClr val="accent1"/>
+          </a:fillRef>
+          <a:effectRef idx="0">
+            <a:schemeClr val="accent1"/>
+          </a:effectRef>
+          <a:fontRef idx="minor">
+            <a:schemeClr val="tx1"/>
+          </a:fontRef>
+        </p:style>
+      </p:cxnSp>
+      <p:sp>
+        <p:nvSpPr>
+          <p:cNvPr id="5" name="Rectangle 4">
+            <a:extLst>
+              <a:ext uri="{FF2B5EF4-FFF2-40B4-BE49-F238E27FC236}">
+                <a16:creationId xmlns:a16="http://schemas.microsoft.com/office/drawing/2014/main" id="{A778FEAF-7939-4FF9-A479-C5FA4E5829D1}"/>
+              </a:ext>
+            </a:extLst>
+          </p:cNvPr>
+          <p:cNvSpPr/>
+          <p:nvPr/>
+        </p:nvSpPr>
+        <p:spPr>
+          <a:xfrm>
+            <a:off x="5410200" y="2895600"/>
+            <a:ext cx="3276600" cy="1714497"/>
+          </a:xfrm>
+          <a:prstGeom prst="rect">
+            <a:avLst/>
+          </a:prstGeom>
+          <a:solidFill>
+            <a:schemeClr val="bg1">
+              <a:lumMod val="95000"/>
+            </a:schemeClr>
+          </a:solidFill>
+          <a:ln w="76200" cmpd="tri">
+            <a:solidFill>
+              <a:schemeClr val="tx1"/>
+            </a:solidFill>
+            <a:prstDash val="solid"/>
+          </a:ln>
+        </p:spPr>
+        <p:style>
+          <a:lnRef idx="2">
+            <a:schemeClr val="accent1">
+              <a:shade val="50000"/>
+            </a:schemeClr>
+          </a:lnRef>
+          <a:fillRef idx="1">
+            <a:schemeClr val="accent1"/>
+          </a:fillRef>
+          <a:effectRef idx="0">
+            <a:schemeClr val="accent1"/>
+          </a:effectRef>
+          <a:fontRef idx="minor">
+            <a:schemeClr val="lt1"/>
+          </a:fontRef>
+        </p:style>
+        <p:txBody>
+          <a:bodyPr rtlCol="0" anchor="ctr"/>
+          <a:lstStyle/>
+          <a:p>
+            <a:pPr algn="ctr"/>
+            <a:r>
+              <a:rPr lang="en-US" sz="1400" b="1" dirty="0">
+                <a:solidFill>
+                  <a:sysClr val="windowText" lastClr="000000"/>
+                </a:solidFill>
+                <a:latin typeface="Lato Heavy" panose="020F0502020204030203"/>
+                <a:cs typeface="Times New Roman" pitchFamily="18" charset="0"/>
+              </a:rPr>
+              <a:t>Differentiable Extension</a:t>
+            </a:r>
+          </a:p>
+          <a:p>
+            <a:pPr marL="342900" indent="-342900">
+              <a:buFont typeface="+mj-lt"/>
+              <a:buAutoNum type="arabicParenR"/>
+            </a:pPr>
+            <a:r>
+              <a:rPr lang="en-US" sz="1400" dirty="0">
+                <a:solidFill>
+                  <a:sysClr val="windowText" lastClr="000000"/>
+                </a:solidFill>
+                <a:latin typeface="Lato Heavy" panose="020F0502020204030203"/>
+                <a:cs typeface="Times New Roman" pitchFamily="18" charset="0"/>
+              </a:rPr>
+              <a:t>Assess best-performing path</a:t>
+            </a:r>
+          </a:p>
+          <a:p>
+            <a:pPr marL="342900" indent="-342900">
+              <a:buFont typeface="+mj-lt"/>
+              <a:buAutoNum type="arabicParenR"/>
+            </a:pPr>
+            <a:r>
+              <a:rPr lang="en-US" sz="1400" dirty="0">
+                <a:solidFill>
+                  <a:sysClr val="windowText" lastClr="000000"/>
+                </a:solidFill>
+                <a:latin typeface="Lato Heavy" panose="020F0502020204030203"/>
+                <a:cs typeface="Times New Roman" pitchFamily="18" charset="0"/>
+              </a:rPr>
+              <a:t>Minimize Path Length while maintaining contact</a:t>
+            </a:r>
+          </a:p>
+          <a:p>
+            <a:pPr marL="342900" indent="-342900">
+              <a:buFont typeface="+mj-lt"/>
+              <a:buAutoNum type="arabicParenR"/>
+            </a:pPr>
+            <a:r>
+              <a:rPr lang="en-US" sz="1400" dirty="0">
+                <a:solidFill>
+                  <a:sysClr val="windowText" lastClr="000000"/>
+                </a:solidFill>
+                <a:latin typeface="Lato Heavy" panose="020F0502020204030203"/>
+                <a:cs typeface="Times New Roman" pitchFamily="18" charset="0"/>
+              </a:rPr>
+              <a:t>Optimized parameters</a:t>
+            </a:r>
+          </a:p>
+          <a:p>
+            <a:pPr marL="342900" indent="-342900">
+              <a:buFont typeface="+mj-lt"/>
+              <a:buAutoNum type="arabicParenR"/>
+            </a:pPr>
+            <a:r>
+              <a:rPr lang="en-US" sz="1400" dirty="0">
+                <a:solidFill>
+                  <a:sysClr val="windowText" lastClr="000000"/>
+                </a:solidFill>
+                <a:latin typeface="Lato Heavy" panose="020F0502020204030203"/>
+                <a:cs typeface="Times New Roman" pitchFamily="18" charset="0"/>
+              </a:rPr>
+              <a:t>Output shortened path with equivalent contact performance</a:t>
+            </a:r>
+          </a:p>
+        </p:txBody>
+      </p:sp>
+      <p:sp>
+        <p:nvSpPr>
+          <p:cNvPr id="12" name="Flowchart: Predefined Process 11">
+            <a:extLst>
+              <a:ext uri="{FF2B5EF4-FFF2-40B4-BE49-F238E27FC236}">
+                <a16:creationId xmlns:a16="http://schemas.microsoft.com/office/drawing/2014/main" id="{F88CA9D5-05D6-4261-8D87-0C8F624A3808}"/>
+              </a:ext>
+            </a:extLst>
+          </p:cNvPr>
+          <p:cNvSpPr/>
+          <p:nvPr/>
+        </p:nvSpPr>
+        <p:spPr>
+          <a:xfrm>
+            <a:off x="1403707" y="1066800"/>
+            <a:ext cx="2286000" cy="1219200"/>
+          </a:xfrm>
+          <a:prstGeom prst="flowChartPredefinedProcess">
+            <a:avLst/>
+          </a:prstGeom>
+          <a:solidFill>
+            <a:schemeClr val="bg1"/>
+          </a:solidFill>
+          <a:ln cmpd="sng">
+            <a:solidFill>
+              <a:schemeClr val="bg1">
+                <a:lumMod val="75000"/>
+              </a:schemeClr>
+            </a:solidFill>
+            <a:prstDash val="solid"/>
+          </a:ln>
+        </p:spPr>
+        <p:style>
+          <a:lnRef idx="2">
+            <a:schemeClr val="accent1">
+              <a:shade val="50000"/>
+            </a:schemeClr>
+          </a:lnRef>
+          <a:fillRef idx="1">
+            <a:schemeClr val="accent1"/>
+          </a:fillRef>
+          <a:effectRef idx="0">
+            <a:schemeClr val="accent1"/>
+          </a:effectRef>
+          <a:fontRef idx="minor">
+            <a:schemeClr val="lt1"/>
+          </a:fontRef>
+        </p:style>
+        <p:txBody>
+          <a:bodyPr rtlCol="0" anchor="ctr"/>
+          <a:lstStyle/>
+          <a:p>
+            <a:pPr algn="ctr"/>
+            <a:r>
+              <a:rPr lang="en-US" sz="1400" dirty="0">
+                <a:solidFill>
+                  <a:sysClr val="windowText" lastClr="000000"/>
+                </a:solidFill>
+                <a:latin typeface="Lato Heavy" panose="020F0502020204030203"/>
+                <a:cs typeface="Times New Roman" pitchFamily="18" charset="0"/>
+              </a:rPr>
+              <a:t>Simulation:</a:t>
+            </a:r>
+          </a:p>
+          <a:p>
+            <a:pPr algn="ctr"/>
+            <a:r>
+              <a:rPr lang="en-US" sz="1200" i="1" dirty="0">
+                <a:solidFill>
+                  <a:sysClr val="windowText" lastClr="000000"/>
+                </a:solidFill>
+                <a:latin typeface="Lato Heavy" panose="020F0502020204030203"/>
+                <a:cs typeface="Times New Roman" pitchFamily="18" charset="0"/>
+              </a:rPr>
+              <a:t>Generates flight path contact with simulated objects</a:t>
+            </a:r>
+          </a:p>
+        </p:txBody>
+      </p:sp>
+      <p:cxnSp>
+        <p:nvCxnSpPr>
+          <p:cNvPr id="13" name="Straight Arrow Connector 12">
+            <a:extLst>
+              <a:ext uri="{FF2B5EF4-FFF2-40B4-BE49-F238E27FC236}">
+                <a16:creationId xmlns:a16="http://schemas.microsoft.com/office/drawing/2014/main" id="{180860D7-0DCF-424A-8F2E-3B0000427A1E}"/>
+              </a:ext>
+            </a:extLst>
+          </p:cNvPr>
+          <p:cNvCxnSpPr>
+            <a:cxnSpLocks/>
+            <a:stCxn id="12" idx="3"/>
+            <a:endCxn id="14" idx="2"/>
+          </p:cNvCxnSpPr>
+          <p:nvPr/>
+        </p:nvCxnSpPr>
+        <p:spPr>
+          <a:xfrm flipV="1">
+            <a:off x="3689707" y="1676399"/>
+            <a:ext cx="1339493" cy="1"/>
+          </a:xfrm>
+          <a:prstGeom prst="straightConnector1">
+            <a:avLst/>
+          </a:prstGeom>
+          <a:ln w="38100" cmpd="sng">
+            <a:solidFill>
+              <a:schemeClr val="bg1">
+                <a:lumMod val="75000"/>
+              </a:schemeClr>
+            </a:solidFill>
+            <a:prstDash val="solid"/>
+            <a:headEnd type="triangle" w="med" len="med"/>
+            <a:tailEnd type="none" w="med" len="med"/>
+          </a:ln>
+        </p:spPr>
+        <p:style>
+          <a:lnRef idx="1">
+            <a:schemeClr val="accent1"/>
+          </a:lnRef>
+          <a:fillRef idx="0">
+            <a:schemeClr val="accent1"/>
+          </a:fillRef>
+          <a:effectRef idx="0">
+            <a:schemeClr val="accent1"/>
+          </a:effectRef>
+          <a:fontRef idx="minor">
+            <a:schemeClr val="tx1"/>
+          </a:fontRef>
+        </p:style>
+      </p:cxnSp>
+      <p:sp>
+        <p:nvSpPr>
+          <p:cNvPr id="14" name="Can 2">
+            <a:extLst>
+              <a:ext uri="{FF2B5EF4-FFF2-40B4-BE49-F238E27FC236}">
+                <a16:creationId xmlns:a16="http://schemas.microsoft.com/office/drawing/2014/main" id="{BE79ADA4-F7FA-4E4A-A9F3-00178093B2E6}"/>
+              </a:ext>
+            </a:extLst>
+          </p:cNvPr>
+          <p:cNvSpPr/>
+          <p:nvPr/>
+        </p:nvSpPr>
+        <p:spPr>
+          <a:xfrm>
+            <a:off x="5029200" y="990599"/>
+            <a:ext cx="1066800" cy="1371600"/>
+          </a:xfrm>
+          <a:prstGeom prst="can">
+            <a:avLst/>
+          </a:prstGeom>
+          <a:solidFill>
+            <a:schemeClr val="bg1">
+              <a:lumMod val="95000"/>
+            </a:schemeClr>
+          </a:solidFill>
+          <a:ln cmpd="sng">
+            <a:solidFill>
+              <a:schemeClr val="tx1"/>
+            </a:solidFill>
+            <a:prstDash val="solid"/>
+          </a:ln>
+        </p:spPr>
+        <p:style>
+          <a:lnRef idx="2">
+            <a:schemeClr val="accent1">
+              <a:shade val="50000"/>
+            </a:schemeClr>
+          </a:lnRef>
+          <a:fillRef idx="1">
+            <a:schemeClr val="accent1"/>
+          </a:fillRef>
+          <a:effectRef idx="0">
+            <a:schemeClr val="accent1"/>
+          </a:effectRef>
+          <a:fontRef idx="minor">
+            <a:schemeClr val="lt1"/>
+          </a:fontRef>
+        </p:style>
+        <p:txBody>
+          <a:bodyPr rtlCol="0" anchor="ctr"/>
+          <a:lstStyle/>
+          <a:p>
+            <a:pPr algn="ctr"/>
+            <a:r>
+              <a:rPr lang="en-US" sz="1400" dirty="0">
+                <a:solidFill>
+                  <a:sysClr val="windowText" lastClr="000000"/>
+                </a:solidFill>
+                <a:latin typeface="Lato Heavy" panose="020F0502020204030203"/>
+                <a:cs typeface="Times New Roman" pitchFamily="18" charset="0"/>
+              </a:rPr>
+              <a:t>MySQL</a:t>
+            </a:r>
+          </a:p>
+          <a:p>
+            <a:pPr algn="ctr"/>
+            <a:r>
+              <a:rPr lang="en-US" sz="1400" dirty="0">
+                <a:solidFill>
+                  <a:sysClr val="windowText" lastClr="000000"/>
+                </a:solidFill>
+                <a:latin typeface="Lato Heavy" panose="020F0502020204030203"/>
+                <a:cs typeface="Times New Roman" pitchFamily="18" charset="0"/>
+              </a:rPr>
+              <a:t>Database</a:t>
+            </a:r>
+          </a:p>
+        </p:txBody>
+      </p:sp>
+      <p:cxnSp>
+        <p:nvCxnSpPr>
+          <p:cNvPr id="21" name="Straight Arrow Connector 20">
+            <a:extLst>
+              <a:ext uri="{FF2B5EF4-FFF2-40B4-BE49-F238E27FC236}">
+                <a16:creationId xmlns:a16="http://schemas.microsoft.com/office/drawing/2014/main" id="{3A51C57E-BD7C-4418-BAC7-015707BC8020}"/>
+              </a:ext>
+            </a:extLst>
+          </p:cNvPr>
+          <p:cNvCxnSpPr>
+            <a:cxnSpLocks/>
+            <a:stCxn id="2" idx="0"/>
+            <a:endCxn id="12" idx="2"/>
+          </p:cNvCxnSpPr>
+          <p:nvPr/>
+        </p:nvCxnSpPr>
+        <p:spPr>
+          <a:xfrm flipV="1">
+            <a:off x="2546707" y="2286000"/>
+            <a:ext cx="0" cy="609599"/>
+          </a:xfrm>
+          <a:prstGeom prst="straightConnector1">
+            <a:avLst/>
+          </a:prstGeom>
+          <a:ln w="38100" cmpd="sng">
+            <a:solidFill>
+              <a:schemeClr val="bg1">
+                <a:lumMod val="75000"/>
+              </a:schemeClr>
+            </a:solidFill>
+            <a:prstDash val="solid"/>
+            <a:headEnd type="triangle" w="med" len="med"/>
+            <a:tailEnd type="none" w="med" len="med"/>
+          </a:ln>
+        </p:spPr>
+        <p:style>
+          <a:lnRef idx="1">
+            <a:schemeClr val="accent1"/>
+          </a:lnRef>
+          <a:fillRef idx="0">
+            <a:schemeClr val="accent1"/>
+          </a:fillRef>
+          <a:effectRef idx="0">
+            <a:schemeClr val="accent1"/>
+          </a:effectRef>
+          <a:fontRef idx="minor">
+            <a:schemeClr val="tx1"/>
+          </a:fontRef>
+        </p:style>
+      </p:cxnSp>
+      <p:cxnSp>
+        <p:nvCxnSpPr>
+          <p:cNvPr id="29" name="Elbow Connector 59">
+            <a:extLst>
+              <a:ext uri="{FF2B5EF4-FFF2-40B4-BE49-F238E27FC236}">
+                <a16:creationId xmlns:a16="http://schemas.microsoft.com/office/drawing/2014/main" id="{9903C6C0-8E90-48C6-BD24-7D3851A373E3}"/>
+              </a:ext>
+            </a:extLst>
+          </p:cNvPr>
+          <p:cNvCxnSpPr>
+            <a:cxnSpLocks/>
+            <a:stCxn id="14" idx="4"/>
+            <a:endCxn id="5" idx="0"/>
+          </p:cNvCxnSpPr>
+          <p:nvPr/>
+        </p:nvCxnSpPr>
+        <p:spPr>
+          <a:xfrm>
+            <a:off x="6096000" y="1676399"/>
+            <a:ext cx="952500" cy="1219201"/>
+          </a:xfrm>
+          <a:prstGeom prst="bentConnector2">
+            <a:avLst/>
+          </a:prstGeom>
+          <a:ln w="38100">
+            <a:solidFill>
+              <a:schemeClr val="tx1"/>
+            </a:solidFill>
+            <a:prstDash val="solid"/>
+            <a:headEnd type="triangle" w="med" len="med"/>
+            <a:tailEnd type="none" w="med" len="med"/>
+          </a:ln>
+        </p:spPr>
+        <p:style>
+          <a:lnRef idx="1">
+            <a:schemeClr val="accent1"/>
+          </a:lnRef>
+          <a:fillRef idx="0">
+            <a:schemeClr val="accent1"/>
+          </a:fillRef>
+          <a:effectRef idx="0">
+            <a:schemeClr val="accent1"/>
+          </a:effectRef>
+          <a:fontRef idx="minor">
+            <a:schemeClr val="tx1"/>
+          </a:fontRef>
+        </p:style>
+      </p:cxnSp>
+      <p:sp>
+        <p:nvSpPr>
+          <p:cNvPr id="2" name="Flowchart: Manual Operation 1">
+            <a:extLst>
+              <a:ext uri="{FF2B5EF4-FFF2-40B4-BE49-F238E27FC236}">
+                <a16:creationId xmlns:a16="http://schemas.microsoft.com/office/drawing/2014/main" id="{B19C5C58-52F5-40BF-9545-B05A8DB901E1}"/>
+              </a:ext>
+            </a:extLst>
+          </p:cNvPr>
+          <p:cNvSpPr/>
+          <p:nvPr/>
+        </p:nvSpPr>
+        <p:spPr>
+          <a:xfrm>
+            <a:off x="219610" y="2895599"/>
+            <a:ext cx="4654193" cy="1600200"/>
+          </a:xfrm>
+          <a:prstGeom prst="flowChartManualOperation">
+            <a:avLst/>
+          </a:prstGeom>
+          <a:solidFill>
+            <a:schemeClr val="bg1">
+              <a:lumMod val="95000"/>
+            </a:schemeClr>
+          </a:solidFill>
+          <a:ln w="76200" cmpd="tri">
+            <a:solidFill>
+              <a:schemeClr val="tx1"/>
+            </a:solidFill>
+            <a:prstDash val="solid"/>
+          </a:ln>
+        </p:spPr>
+        <p:style>
+          <a:lnRef idx="2">
+            <a:schemeClr val="accent1">
+              <a:shade val="50000"/>
+            </a:schemeClr>
+          </a:lnRef>
+          <a:fillRef idx="1">
+            <a:schemeClr val="accent1"/>
+          </a:fillRef>
+          <a:effectRef idx="0">
+            <a:schemeClr val="accent1"/>
+          </a:effectRef>
+          <a:fontRef idx="minor">
+            <a:schemeClr val="lt1"/>
+          </a:fontRef>
+        </p:style>
+        <p:txBody>
+          <a:bodyPr rtlCol="0" anchor="ctr"/>
+          <a:lstStyle/>
+          <a:p>
+            <a:pPr algn="ctr"/>
+            <a:r>
+              <a:rPr lang="en-US" sz="1400" b="1" dirty="0">
+                <a:solidFill>
+                  <a:sysClr val="windowText" lastClr="000000"/>
+                </a:solidFill>
+                <a:latin typeface="Lato Heavy" panose="020F0502020204030203"/>
+                <a:cs typeface="Times New Roman" pitchFamily="18" charset="0"/>
+              </a:rPr>
+              <a:t>Core Algorithm</a:t>
+            </a:r>
+          </a:p>
+          <a:p>
+            <a:pPr marL="342900" indent="-342900">
+              <a:buFont typeface="+mj-lt"/>
+              <a:buAutoNum type="arabicParenR"/>
+            </a:pPr>
+            <a:r>
+              <a:rPr lang="en-US" sz="1400" dirty="0">
+                <a:solidFill>
+                  <a:sysClr val="windowText" lastClr="000000"/>
+                </a:solidFill>
+                <a:latin typeface="Lato Heavy" panose="020F0502020204030203"/>
+                <a:cs typeface="Times New Roman" pitchFamily="18" charset="0"/>
+              </a:rPr>
+              <a:t>Batch of Shaping Parameters</a:t>
+            </a:r>
+          </a:p>
+          <a:p>
+            <a:pPr marL="342900" indent="-342900">
+              <a:buFont typeface="+mj-lt"/>
+              <a:buAutoNum type="arabicParenR"/>
+            </a:pPr>
+            <a:r>
+              <a:rPr lang="en-US" sz="1400" dirty="0">
+                <a:solidFill>
+                  <a:sysClr val="windowText" lastClr="000000"/>
+                </a:solidFill>
+                <a:latin typeface="Lato Heavy" panose="020F0502020204030203"/>
+                <a:cs typeface="Times New Roman" pitchFamily="18" charset="0"/>
+              </a:rPr>
+              <a:t>Proposed Flights</a:t>
+            </a:r>
+          </a:p>
+          <a:p>
+            <a:pPr marL="342900" indent="-342900">
+              <a:buFont typeface="+mj-lt"/>
+              <a:buAutoNum type="arabicParenR"/>
+            </a:pPr>
+            <a:r>
+              <a:rPr lang="en-US" sz="1400" dirty="0">
+                <a:solidFill>
+                  <a:sysClr val="windowText" lastClr="000000"/>
+                </a:solidFill>
+                <a:latin typeface="Lato Heavy" panose="020F0502020204030203"/>
+                <a:cs typeface="Times New Roman" pitchFamily="18" charset="0"/>
+              </a:rPr>
+              <a:t>Valid Flights</a:t>
+            </a:r>
+          </a:p>
+          <a:p>
+            <a:pPr marL="342900" indent="-342900">
+              <a:buFont typeface="+mj-lt"/>
+              <a:buAutoNum type="arabicParenR"/>
+            </a:pPr>
+            <a:r>
+              <a:rPr lang="en-US" sz="1400" dirty="0">
+                <a:solidFill>
+                  <a:sysClr val="windowText" lastClr="000000"/>
+                </a:solidFill>
+                <a:latin typeface="Lato Heavy" panose="020F0502020204030203"/>
+                <a:cs typeface="Times New Roman" pitchFamily="18" charset="0"/>
+              </a:rPr>
+              <a:t>Select parameter set from best-performing flight</a:t>
+            </a:r>
+          </a:p>
+        </p:txBody>
+      </p:sp>
+    </p:spTree>
+    <p:extLst>
+      <p:ext uri="{BB962C8B-B14F-4D97-AF65-F5344CB8AC3E}">
+        <p14:creationId xmlns:p14="http://schemas.microsoft.com/office/powerpoint/2010/main" val="4273355721"/>
+      </p:ext>
+    </p:extLst>
+  </p:cSld>
+  <p:clrMapOvr>
+    <a:masterClrMapping/>
+  </p:clrMapOvr>
+</p:sld>
+</file>
+
+<file path=ppt/slides/slide16.xml><?xml version="1.0" encoding="utf-8"?>
 <p:sld xmlns:a="http://schemas.openxmlformats.org/drawingml/2006/main" xmlns:r="http://schemas.openxmlformats.org/officeDocument/2006/relationships" xmlns:p="http://schemas.openxmlformats.org/presentationml/2006/main">
   <p:cSld>
     <p:spTree>
@@ -18065,7 +18712,7 @@
 </p:sld>
 </file>
 
-<file path=ppt/slides/slide16.xml><?xml version="1.0" encoding="utf-8"?>
+<file path=ppt/slides/slide17.xml><?xml version="1.0" encoding="utf-8"?>
 <p:sld xmlns:a="http://schemas.openxmlformats.org/drawingml/2006/main" xmlns:r="http://schemas.openxmlformats.org/officeDocument/2006/relationships" xmlns:p="http://schemas.openxmlformats.org/presentationml/2006/main">
   <p:cSld>
     <p:spTree>
@@ -18351,7 +18998,7 @@
 </p:sld>
 </file>
 
-<file path=ppt/slides/slide17.xml><?xml version="1.0" encoding="utf-8"?>
+<file path=ppt/slides/slide18.xml><?xml version="1.0" encoding="utf-8"?>
 <p:sld xmlns:a="http://schemas.openxmlformats.org/drawingml/2006/main" xmlns:r="http://schemas.openxmlformats.org/officeDocument/2006/relationships" xmlns:p="http://schemas.openxmlformats.org/presentationml/2006/main">
   <p:cSld>
     <p:spTree>
@@ -19124,7 +19771,7 @@
 </p:sld>
 </file>
 
-<file path=ppt/slides/slide18.xml><?xml version="1.0" encoding="utf-8"?>
+<file path=ppt/slides/slide19.xml><?xml version="1.0" encoding="utf-8"?>
 <p:sld xmlns:a="http://schemas.openxmlformats.org/drawingml/2006/main" xmlns:r="http://schemas.openxmlformats.org/officeDocument/2006/relationships" xmlns:p="http://schemas.openxmlformats.org/presentationml/2006/main">
   <p:cSld>
     <p:spTree>
@@ -20597,7 +21244,1294 @@
 </p:sld>
 </file>
 
-<file path=ppt/slides/slide19.xml><?xml version="1.0" encoding="utf-8"?>
+<file path=ppt/slides/slide2.xml><?xml version="1.0" encoding="utf-8"?>
+<p:sld xmlns:a="http://schemas.openxmlformats.org/drawingml/2006/main" xmlns:r="http://schemas.openxmlformats.org/officeDocument/2006/relationships" xmlns:p="http://schemas.openxmlformats.org/presentationml/2006/main">
+  <p:cSld>
+    <p:spTree>
+      <p:nvGrpSpPr>
+        <p:cNvPr id="1" name=""/>
+        <p:cNvGrpSpPr/>
+        <p:nvPr/>
+      </p:nvGrpSpPr>
+      <p:grpSpPr>
+        <a:xfrm>
+          <a:off x="0" y="0"/>
+          <a:ext cx="0" cy="0"/>
+          <a:chOff x="0" y="0"/>
+          <a:chExt cx="0" cy="0"/>
+        </a:xfrm>
+      </p:grpSpPr>
+      <p:sp>
+        <p:nvSpPr>
+          <p:cNvPr id="2" name="Flowchart: Predefined Process 1"/>
+          <p:cNvSpPr/>
+          <p:nvPr/>
+        </p:nvSpPr>
+        <p:spPr>
+          <a:xfrm>
+            <a:off x="5791200" y="1104900"/>
+            <a:ext cx="2286000" cy="1219200"/>
+          </a:xfrm>
+          <a:prstGeom prst="flowChartPredefinedProcess">
+            <a:avLst/>
+          </a:prstGeom>
+          <a:solidFill>
+            <a:schemeClr val="bg1"/>
+          </a:solidFill>
+          <a:ln cmpd="sng">
+            <a:solidFill>
+              <a:schemeClr val="bg1">
+                <a:lumMod val="75000"/>
+              </a:schemeClr>
+            </a:solidFill>
+            <a:prstDash val="solid"/>
+          </a:ln>
+        </p:spPr>
+        <p:style>
+          <a:lnRef idx="2">
+            <a:schemeClr val="accent1">
+              <a:shade val="50000"/>
+            </a:schemeClr>
+          </a:lnRef>
+          <a:fillRef idx="1">
+            <a:schemeClr val="accent1"/>
+          </a:fillRef>
+          <a:effectRef idx="0">
+            <a:schemeClr val="accent1"/>
+          </a:effectRef>
+          <a:fontRef idx="minor">
+            <a:schemeClr val="lt1"/>
+          </a:fontRef>
+        </p:style>
+        <p:txBody>
+          <a:bodyPr rtlCol="0" anchor="ctr"/>
+          <a:lstStyle/>
+          <a:p>
+            <a:pPr algn="ctr"/>
+            <a:r>
+              <a:rPr lang="en-US" sz="1400" dirty="0">
+                <a:solidFill>
+                  <a:sysClr val="windowText" lastClr="000000"/>
+                </a:solidFill>
+                <a:latin typeface="Times New Roman" pitchFamily="18" charset="0"/>
+                <a:cs typeface="Times New Roman" pitchFamily="18" charset="0"/>
+              </a:rPr>
+              <a:t>Simulation:</a:t>
+            </a:r>
+          </a:p>
+          <a:p>
+            <a:pPr algn="ctr"/>
+            <a:r>
+              <a:rPr lang="en-US" sz="1200" i="1" dirty="0">
+                <a:solidFill>
+                  <a:sysClr val="windowText" lastClr="000000"/>
+                </a:solidFill>
+                <a:latin typeface="Times New Roman" pitchFamily="18" charset="0"/>
+                <a:cs typeface="Times New Roman" pitchFamily="18" charset="0"/>
+              </a:rPr>
+              <a:t>Generates flight path contact with simulated objects</a:t>
+            </a:r>
+          </a:p>
+        </p:txBody>
+      </p:sp>
+      <p:cxnSp>
+        <p:nvCxnSpPr>
+          <p:cNvPr id="18" name="Straight Arrow Connector 17"/>
+          <p:cNvCxnSpPr>
+            <a:stCxn id="3" idx="2"/>
+            <a:endCxn id="40" idx="0"/>
+          </p:cNvCxnSpPr>
+          <p:nvPr/>
+        </p:nvCxnSpPr>
+        <p:spPr>
+          <a:xfrm flipH="1">
+            <a:off x="2682054" y="1714500"/>
+            <a:ext cx="438894" cy="0"/>
+          </a:xfrm>
+          <a:prstGeom prst="straightConnector1">
+            <a:avLst/>
+          </a:prstGeom>
+          <a:ln w="19050" cmpd="sng">
+            <a:solidFill>
+              <a:schemeClr val="tx1"/>
+            </a:solidFill>
+            <a:prstDash val="solid"/>
+            <a:headEnd type="triangle" w="med" len="med"/>
+            <a:tailEnd type="none" w="med" len="med"/>
+          </a:ln>
+        </p:spPr>
+        <p:style>
+          <a:lnRef idx="1">
+            <a:schemeClr val="accent1"/>
+          </a:lnRef>
+          <a:fillRef idx="0">
+            <a:schemeClr val="accent1"/>
+          </a:fillRef>
+          <a:effectRef idx="0">
+            <a:schemeClr val="accent1"/>
+          </a:effectRef>
+          <a:fontRef idx="minor">
+            <a:schemeClr val="tx1"/>
+          </a:fontRef>
+        </p:style>
+      </p:cxnSp>
+      <p:cxnSp>
+        <p:nvCxnSpPr>
+          <p:cNvPr id="21" name="Straight Arrow Connector 20"/>
+          <p:cNvCxnSpPr>
+            <a:stCxn id="2" idx="1"/>
+            <a:endCxn id="3" idx="4"/>
+          </p:cNvCxnSpPr>
+          <p:nvPr/>
+        </p:nvCxnSpPr>
+        <p:spPr>
+          <a:xfrm flipH="1">
+            <a:off x="4187748" y="1714500"/>
+            <a:ext cx="1603452" cy="0"/>
+          </a:xfrm>
+          <a:prstGeom prst="straightConnector1">
+            <a:avLst/>
+          </a:prstGeom>
+          <a:ln w="19050" cmpd="sng">
+            <a:solidFill>
+              <a:schemeClr val="bg1">
+                <a:lumMod val="75000"/>
+              </a:schemeClr>
+            </a:solidFill>
+            <a:prstDash val="solid"/>
+            <a:headEnd type="triangle" w="med" len="med"/>
+            <a:tailEnd type="none" w="med" len="med"/>
+          </a:ln>
+        </p:spPr>
+        <p:style>
+          <a:lnRef idx="1">
+            <a:schemeClr val="accent1"/>
+          </a:lnRef>
+          <a:fillRef idx="0">
+            <a:schemeClr val="accent1"/>
+          </a:fillRef>
+          <a:effectRef idx="0">
+            <a:schemeClr val="accent1"/>
+          </a:effectRef>
+          <a:fontRef idx="minor">
+            <a:schemeClr val="tx1"/>
+          </a:fontRef>
+        </p:style>
+      </p:cxnSp>
+      <p:cxnSp>
+        <p:nvCxnSpPr>
+          <p:cNvPr id="33" name="Elbow Connector 59"/>
+          <p:cNvCxnSpPr>
+            <a:stCxn id="3" idx="3"/>
+            <a:endCxn id="39" idx="3"/>
+          </p:cNvCxnSpPr>
+          <p:nvPr/>
+        </p:nvCxnSpPr>
+        <p:spPr>
+          <a:xfrm rot="5400000">
+            <a:off x="2460192" y="1669662"/>
+            <a:ext cx="463519" cy="1924794"/>
+          </a:xfrm>
+          <a:prstGeom prst="bentConnector3">
+            <a:avLst>
+              <a:gd name="adj1" fmla="val 50000"/>
+            </a:avLst>
+          </a:prstGeom>
+          <a:ln w="19050">
+            <a:solidFill>
+              <a:schemeClr val="tx1"/>
+            </a:solidFill>
+            <a:prstDash val="solid"/>
+            <a:headEnd type="triangle" w="med" len="med"/>
+            <a:tailEnd type="none" w="med" len="med"/>
+          </a:ln>
+        </p:spPr>
+        <p:style>
+          <a:lnRef idx="1">
+            <a:schemeClr val="accent1"/>
+          </a:lnRef>
+          <a:fillRef idx="0">
+            <a:schemeClr val="accent1"/>
+          </a:fillRef>
+          <a:effectRef idx="0">
+            <a:schemeClr val="accent1"/>
+          </a:effectRef>
+          <a:fontRef idx="minor">
+            <a:schemeClr val="tx1"/>
+          </a:fontRef>
+        </p:style>
+      </p:cxnSp>
+      <p:sp>
+        <p:nvSpPr>
+          <p:cNvPr id="39" name="Snip Diagonal Corner Rectangle 38"/>
+          <p:cNvSpPr/>
+          <p:nvPr/>
+        </p:nvSpPr>
+        <p:spPr>
+          <a:xfrm>
+            <a:off x="777054" y="2863819"/>
+            <a:ext cx="1905000" cy="609600"/>
+          </a:xfrm>
+          <a:prstGeom prst="snip2DiagRect">
+            <a:avLst>
+              <a:gd name="adj1" fmla="val 0"/>
+              <a:gd name="adj2" fmla="val 37537"/>
+            </a:avLst>
+          </a:prstGeom>
+          <a:solidFill>
+            <a:schemeClr val="bg1">
+              <a:lumMod val="95000"/>
+            </a:schemeClr>
+          </a:solidFill>
+          <a:ln w="76200" cmpd="tri">
+            <a:solidFill>
+              <a:schemeClr val="tx1"/>
+            </a:solidFill>
+            <a:prstDash val="solid"/>
+          </a:ln>
+        </p:spPr>
+        <p:style>
+          <a:lnRef idx="2">
+            <a:schemeClr val="accent1">
+              <a:shade val="50000"/>
+            </a:schemeClr>
+          </a:lnRef>
+          <a:fillRef idx="1">
+            <a:schemeClr val="accent1"/>
+          </a:fillRef>
+          <a:effectRef idx="0">
+            <a:schemeClr val="accent1"/>
+          </a:effectRef>
+          <a:fontRef idx="minor">
+            <a:schemeClr val="lt1"/>
+          </a:fontRef>
+        </p:style>
+        <p:txBody>
+          <a:bodyPr rtlCol="0" anchor="ctr"/>
+          <a:lstStyle/>
+          <a:p>
+            <a:pPr algn="ctr"/>
+            <a:r>
+              <a:rPr lang="en-US" sz="1400" dirty="0">
+                <a:solidFill>
+                  <a:sysClr val="windowText" lastClr="000000"/>
+                </a:solidFill>
+                <a:latin typeface="Times New Roman" pitchFamily="18" charset="0"/>
+                <a:cs typeface="Times New Roman" pitchFamily="18" charset="0"/>
+              </a:rPr>
+              <a:t>Resulting best-performing path</a:t>
+            </a:r>
+          </a:p>
+        </p:txBody>
+      </p:sp>
+      <p:sp>
+        <p:nvSpPr>
+          <p:cNvPr id="40" name="Snip Diagonal Corner Rectangle 39"/>
+          <p:cNvSpPr/>
+          <p:nvPr/>
+        </p:nvSpPr>
+        <p:spPr>
+          <a:xfrm>
+            <a:off x="777054" y="1409700"/>
+            <a:ext cx="1905000" cy="609600"/>
+          </a:xfrm>
+          <a:prstGeom prst="snip2DiagRect">
+            <a:avLst>
+              <a:gd name="adj1" fmla="val 0"/>
+              <a:gd name="adj2" fmla="val 37537"/>
+            </a:avLst>
+          </a:prstGeom>
+          <a:solidFill>
+            <a:schemeClr val="bg1">
+              <a:lumMod val="95000"/>
+            </a:schemeClr>
+          </a:solidFill>
+          <a:ln w="76200" cmpd="tri">
+            <a:solidFill>
+              <a:schemeClr val="tx1"/>
+            </a:solidFill>
+            <a:prstDash val="solid"/>
+          </a:ln>
+        </p:spPr>
+        <p:style>
+          <a:lnRef idx="2">
+            <a:schemeClr val="accent1">
+              <a:shade val="50000"/>
+            </a:schemeClr>
+          </a:lnRef>
+          <a:fillRef idx="1">
+            <a:schemeClr val="accent1"/>
+          </a:fillRef>
+          <a:effectRef idx="0">
+            <a:schemeClr val="accent1"/>
+          </a:effectRef>
+          <a:fontRef idx="minor">
+            <a:schemeClr val="lt1"/>
+          </a:fontRef>
+        </p:style>
+        <p:txBody>
+          <a:bodyPr rtlCol="0" anchor="ctr"/>
+          <a:lstStyle/>
+          <a:p>
+            <a:pPr algn="ctr"/>
+            <a:r>
+              <a:rPr lang="en-US" sz="1400" dirty="0">
+                <a:solidFill>
+                  <a:sysClr val="windowText" lastClr="000000"/>
+                </a:solidFill>
+                <a:latin typeface="Times New Roman" pitchFamily="18" charset="0"/>
+                <a:cs typeface="Times New Roman" pitchFamily="18" charset="0"/>
+              </a:rPr>
+              <a:t>Initial path and contact event</a:t>
+            </a:r>
+          </a:p>
+        </p:txBody>
+      </p:sp>
+      <p:sp>
+        <p:nvSpPr>
+          <p:cNvPr id="58" name="Snip Diagonal Corner Rectangle 57"/>
+          <p:cNvSpPr/>
+          <p:nvPr/>
+        </p:nvSpPr>
+        <p:spPr>
+          <a:xfrm>
+            <a:off x="510354" y="3810000"/>
+            <a:ext cx="2438400" cy="609600"/>
+          </a:xfrm>
+          <a:prstGeom prst="snip2DiagRect">
+            <a:avLst>
+              <a:gd name="adj1" fmla="val 0"/>
+              <a:gd name="adj2" fmla="val 37537"/>
+            </a:avLst>
+          </a:prstGeom>
+          <a:solidFill>
+            <a:schemeClr val="bg1">
+              <a:lumMod val="95000"/>
+            </a:schemeClr>
+          </a:solidFill>
+          <a:ln cmpd="sng">
+            <a:solidFill>
+              <a:schemeClr val="tx1"/>
+            </a:solidFill>
+            <a:prstDash val="solid"/>
+          </a:ln>
+        </p:spPr>
+        <p:style>
+          <a:lnRef idx="2">
+            <a:schemeClr val="accent1">
+              <a:shade val="50000"/>
+            </a:schemeClr>
+          </a:lnRef>
+          <a:fillRef idx="1">
+            <a:schemeClr val="accent1"/>
+          </a:fillRef>
+          <a:effectRef idx="0">
+            <a:schemeClr val="accent1"/>
+          </a:effectRef>
+          <a:fontRef idx="minor">
+            <a:schemeClr val="lt1"/>
+          </a:fontRef>
+        </p:style>
+        <p:txBody>
+          <a:bodyPr rtlCol="0" anchor="ctr"/>
+          <a:lstStyle/>
+          <a:p>
+            <a:pPr algn="ctr"/>
+            <a:r>
+              <a:rPr lang="en-US" sz="1400" dirty="0">
+                <a:solidFill>
+                  <a:sysClr val="windowText" lastClr="000000"/>
+                </a:solidFill>
+                <a:latin typeface="Times New Roman" pitchFamily="18" charset="0"/>
+                <a:cs typeface="Times New Roman" pitchFamily="18" charset="0"/>
+              </a:rPr>
+              <a:t>Determine best-performing parameters</a:t>
+            </a:r>
+          </a:p>
+        </p:txBody>
+      </p:sp>
+      <p:sp>
+        <p:nvSpPr>
+          <p:cNvPr id="63" name="Snip Diagonal Corner Rectangle 62"/>
+          <p:cNvSpPr/>
+          <p:nvPr/>
+        </p:nvSpPr>
+        <p:spPr>
+          <a:xfrm>
+            <a:off x="5391150" y="3673955"/>
+            <a:ext cx="3086100" cy="914400"/>
+          </a:xfrm>
+          <a:prstGeom prst="snip2DiagRect">
+            <a:avLst>
+              <a:gd name="adj1" fmla="val 0"/>
+              <a:gd name="adj2" fmla="val 37537"/>
+            </a:avLst>
+          </a:prstGeom>
+          <a:solidFill>
+            <a:schemeClr val="bg1">
+              <a:lumMod val="95000"/>
+            </a:schemeClr>
+          </a:solidFill>
+          <a:ln cmpd="sng">
+            <a:solidFill>
+              <a:schemeClr val="tx1"/>
+            </a:solidFill>
+            <a:prstDash val="solid"/>
+          </a:ln>
+        </p:spPr>
+        <p:style>
+          <a:lnRef idx="2">
+            <a:schemeClr val="accent1">
+              <a:shade val="50000"/>
+            </a:schemeClr>
+          </a:lnRef>
+          <a:fillRef idx="1">
+            <a:schemeClr val="accent1"/>
+          </a:fillRef>
+          <a:effectRef idx="0">
+            <a:schemeClr val="accent1"/>
+          </a:effectRef>
+          <a:fontRef idx="minor">
+            <a:schemeClr val="lt1"/>
+          </a:fontRef>
+        </p:style>
+        <p:txBody>
+          <a:bodyPr rtlCol="0" anchor="ctr"/>
+          <a:lstStyle/>
+          <a:p>
+            <a:pPr algn="ctr"/>
+            <a:r>
+              <a:rPr lang="en-US" sz="1400" dirty="0">
+                <a:solidFill>
+                  <a:sysClr val="windowText" lastClr="000000"/>
+                </a:solidFill>
+                <a:latin typeface="Times New Roman" pitchFamily="18" charset="0"/>
+                <a:cs typeface="Times New Roman" pitchFamily="18" charset="0"/>
+              </a:rPr>
+              <a:t>Generate mutated children paths alongside parent (previous generation’s best performing)</a:t>
+            </a:r>
+          </a:p>
+        </p:txBody>
+      </p:sp>
+      <p:cxnSp>
+        <p:nvCxnSpPr>
+          <p:cNvPr id="71" name="Straight Arrow Connector 70"/>
+          <p:cNvCxnSpPr>
+            <a:cxnSpLocks/>
+            <a:stCxn id="63" idx="3"/>
+            <a:endCxn id="53" idx="1"/>
+          </p:cNvCxnSpPr>
+          <p:nvPr/>
+        </p:nvCxnSpPr>
+        <p:spPr>
+          <a:xfrm flipV="1">
+            <a:off x="6934200" y="3369155"/>
+            <a:ext cx="0" cy="304800"/>
+          </a:xfrm>
+          <a:prstGeom prst="straightConnector1">
+            <a:avLst/>
+          </a:prstGeom>
+          <a:ln w="19050" cmpd="sng">
+            <a:solidFill>
+              <a:schemeClr val="tx1"/>
+            </a:solidFill>
+            <a:prstDash val="solid"/>
+            <a:headEnd type="triangle" w="med" len="med"/>
+            <a:tailEnd type="none" w="med" len="med"/>
+          </a:ln>
+        </p:spPr>
+        <p:style>
+          <a:lnRef idx="1">
+            <a:schemeClr val="accent1"/>
+          </a:lnRef>
+          <a:fillRef idx="0">
+            <a:schemeClr val="accent1"/>
+          </a:fillRef>
+          <a:effectRef idx="0">
+            <a:schemeClr val="accent1"/>
+          </a:effectRef>
+          <a:fontRef idx="minor">
+            <a:schemeClr val="tx1"/>
+          </a:fontRef>
+        </p:style>
+      </p:cxnSp>
+      <p:cxnSp>
+        <p:nvCxnSpPr>
+          <p:cNvPr id="75" name="Straight Arrow Connector 74">
+            <a:extLst>
+              <a:ext uri="{FF2B5EF4-FFF2-40B4-BE49-F238E27FC236}">
+                <a16:creationId xmlns:a16="http://schemas.microsoft.com/office/drawing/2014/main" id="{4BDD8873-0547-45B2-B747-AA5754E31D9D}"/>
+              </a:ext>
+            </a:extLst>
+          </p:cNvPr>
+          <p:cNvCxnSpPr>
+            <a:cxnSpLocks/>
+            <a:stCxn id="53" idx="3"/>
+            <a:endCxn id="2" idx="2"/>
+          </p:cNvCxnSpPr>
+          <p:nvPr/>
+        </p:nvCxnSpPr>
+        <p:spPr>
+          <a:xfrm flipV="1">
+            <a:off x="6934200" y="2324100"/>
+            <a:ext cx="0" cy="435455"/>
+          </a:xfrm>
+          <a:prstGeom prst="straightConnector1">
+            <a:avLst/>
+          </a:prstGeom>
+          <a:ln w="19050" cmpd="sng">
+            <a:solidFill>
+              <a:schemeClr val="bg1">
+                <a:lumMod val="75000"/>
+              </a:schemeClr>
+            </a:solidFill>
+            <a:prstDash val="solid"/>
+            <a:headEnd type="triangle" w="med" len="med"/>
+            <a:tailEnd type="none" w="med" len="med"/>
+          </a:ln>
+        </p:spPr>
+        <p:style>
+          <a:lnRef idx="1">
+            <a:schemeClr val="accent1"/>
+          </a:lnRef>
+          <a:fillRef idx="0">
+            <a:schemeClr val="accent1"/>
+          </a:fillRef>
+          <a:effectRef idx="0">
+            <a:schemeClr val="accent1"/>
+          </a:effectRef>
+          <a:fontRef idx="minor">
+            <a:schemeClr val="tx1"/>
+          </a:fontRef>
+        </p:style>
+      </p:cxnSp>
+      <p:cxnSp>
+        <p:nvCxnSpPr>
+          <p:cNvPr id="102" name="Straight Arrow Connector 101">
+            <a:extLst>
+              <a:ext uri="{FF2B5EF4-FFF2-40B4-BE49-F238E27FC236}">
+                <a16:creationId xmlns:a16="http://schemas.microsoft.com/office/drawing/2014/main" id="{D4F54408-50A9-4D83-BAE2-CA75EC1C5A17}"/>
+              </a:ext>
+            </a:extLst>
+          </p:cNvPr>
+          <p:cNvCxnSpPr>
+            <a:cxnSpLocks/>
+            <a:stCxn id="39" idx="1"/>
+            <a:endCxn id="58" idx="3"/>
+          </p:cNvCxnSpPr>
+          <p:nvPr/>
+        </p:nvCxnSpPr>
+        <p:spPr>
+          <a:xfrm>
+            <a:off x="1729554" y="3473419"/>
+            <a:ext cx="0" cy="336581"/>
+          </a:xfrm>
+          <a:prstGeom prst="straightConnector1">
+            <a:avLst/>
+          </a:prstGeom>
+          <a:ln w="19050" cmpd="sng">
+            <a:solidFill>
+              <a:schemeClr val="tx1"/>
+            </a:solidFill>
+            <a:prstDash val="solid"/>
+            <a:headEnd type="triangle" w="med" len="med"/>
+            <a:tailEnd type="none" w="med" len="med"/>
+          </a:ln>
+        </p:spPr>
+        <p:style>
+          <a:lnRef idx="1">
+            <a:schemeClr val="accent1"/>
+          </a:lnRef>
+          <a:fillRef idx="0">
+            <a:schemeClr val="accent1"/>
+          </a:fillRef>
+          <a:effectRef idx="0">
+            <a:schemeClr val="accent1"/>
+          </a:effectRef>
+          <a:fontRef idx="minor">
+            <a:schemeClr val="tx1"/>
+          </a:fontRef>
+        </p:style>
+      </p:cxnSp>
+      <p:cxnSp>
+        <p:nvCxnSpPr>
+          <p:cNvPr id="112" name="Elbow Connector 59">
+            <a:extLst>
+              <a:ext uri="{FF2B5EF4-FFF2-40B4-BE49-F238E27FC236}">
+                <a16:creationId xmlns:a16="http://schemas.microsoft.com/office/drawing/2014/main" id="{20310B79-BF8E-441E-96E0-7CC583D8EFEA}"/>
+              </a:ext>
+            </a:extLst>
+          </p:cNvPr>
+          <p:cNvCxnSpPr>
+            <a:cxnSpLocks/>
+            <a:stCxn id="64" idx="0"/>
+            <a:endCxn id="63" idx="1"/>
+          </p:cNvCxnSpPr>
+          <p:nvPr/>
+        </p:nvCxnSpPr>
+        <p:spPr>
+          <a:xfrm flipV="1">
+            <a:off x="5257800" y="4588355"/>
+            <a:ext cx="1676400" cy="370964"/>
+          </a:xfrm>
+          <a:prstGeom prst="bentConnector2">
+            <a:avLst/>
+          </a:prstGeom>
+          <a:ln w="19050">
+            <a:solidFill>
+              <a:schemeClr val="tx1"/>
+            </a:solidFill>
+            <a:prstDash val="solid"/>
+            <a:headEnd type="triangle" w="med" len="med"/>
+            <a:tailEnd type="none" w="med" len="med"/>
+          </a:ln>
+        </p:spPr>
+        <p:style>
+          <a:lnRef idx="1">
+            <a:schemeClr val="accent1"/>
+          </a:lnRef>
+          <a:fillRef idx="0">
+            <a:schemeClr val="accent1"/>
+          </a:fillRef>
+          <a:effectRef idx="0">
+            <a:schemeClr val="accent1"/>
+          </a:effectRef>
+          <a:fontRef idx="minor">
+            <a:schemeClr val="tx1"/>
+          </a:fontRef>
+        </p:style>
+      </p:cxnSp>
+      <p:cxnSp>
+        <p:nvCxnSpPr>
+          <p:cNvPr id="128" name="Elbow Connector 59">
+            <a:extLst>
+              <a:ext uri="{FF2B5EF4-FFF2-40B4-BE49-F238E27FC236}">
+                <a16:creationId xmlns:a16="http://schemas.microsoft.com/office/drawing/2014/main" id="{B7CE63DA-52A1-41D3-B9ED-4879C5FE8F9A}"/>
+              </a:ext>
+            </a:extLst>
+          </p:cNvPr>
+          <p:cNvCxnSpPr>
+            <a:cxnSpLocks/>
+            <a:stCxn id="58" idx="1"/>
+            <a:endCxn id="64" idx="2"/>
+          </p:cNvCxnSpPr>
+          <p:nvPr/>
+        </p:nvCxnSpPr>
+        <p:spPr>
+          <a:xfrm rot="16200000" flipH="1">
+            <a:off x="2195118" y="3954036"/>
+            <a:ext cx="539719" cy="1470846"/>
+          </a:xfrm>
+          <a:prstGeom prst="bentConnector2">
+            <a:avLst/>
+          </a:prstGeom>
+          <a:ln w="19050">
+            <a:solidFill>
+              <a:schemeClr val="tx1"/>
+            </a:solidFill>
+            <a:prstDash val="solid"/>
+            <a:headEnd type="triangle" w="med" len="med"/>
+            <a:tailEnd type="none" w="med" len="med"/>
+          </a:ln>
+        </p:spPr>
+        <p:style>
+          <a:lnRef idx="1">
+            <a:schemeClr val="accent1"/>
+          </a:lnRef>
+          <a:fillRef idx="0">
+            <a:schemeClr val="accent1"/>
+          </a:fillRef>
+          <a:effectRef idx="0">
+            <a:schemeClr val="accent1"/>
+          </a:effectRef>
+          <a:fontRef idx="minor">
+            <a:schemeClr val="tx1"/>
+          </a:fontRef>
+        </p:style>
+      </p:cxnSp>
+      <p:cxnSp>
+        <p:nvCxnSpPr>
+          <p:cNvPr id="143" name="Elbow Connector 59">
+            <a:extLst>
+              <a:ext uri="{FF2B5EF4-FFF2-40B4-BE49-F238E27FC236}">
+                <a16:creationId xmlns:a16="http://schemas.microsoft.com/office/drawing/2014/main" id="{BB6653B8-6029-4032-92C5-692DEF42FEB3}"/>
+              </a:ext>
+            </a:extLst>
+          </p:cNvPr>
+          <p:cNvCxnSpPr>
+            <a:cxnSpLocks/>
+            <a:stCxn id="64" idx="3"/>
+            <a:endCxn id="2" idx="2"/>
+          </p:cNvCxnSpPr>
+          <p:nvPr/>
+        </p:nvCxnSpPr>
+        <p:spPr>
+          <a:xfrm rot="5400000" flipH="1" flipV="1">
+            <a:off x="4416441" y="2136760"/>
+            <a:ext cx="2330419" cy="2705100"/>
+          </a:xfrm>
+          <a:prstGeom prst="bentConnector3">
+            <a:avLst>
+              <a:gd name="adj1" fmla="val 91726"/>
+            </a:avLst>
+          </a:prstGeom>
+          <a:ln w="19050">
+            <a:solidFill>
+              <a:schemeClr val="bg1">
+                <a:lumMod val="75000"/>
+              </a:schemeClr>
+            </a:solidFill>
+            <a:prstDash val="solid"/>
+            <a:headEnd type="triangle" w="med" len="med"/>
+            <a:tailEnd type="none" w="med" len="med"/>
+          </a:ln>
+        </p:spPr>
+        <p:style>
+          <a:lnRef idx="1">
+            <a:schemeClr val="accent1"/>
+          </a:lnRef>
+          <a:fillRef idx="0">
+            <a:schemeClr val="accent1"/>
+          </a:fillRef>
+          <a:effectRef idx="0">
+            <a:schemeClr val="accent1"/>
+          </a:effectRef>
+          <a:fontRef idx="minor">
+            <a:schemeClr val="tx1"/>
+          </a:fontRef>
+        </p:style>
+      </p:cxnSp>
+      <p:sp>
+        <p:nvSpPr>
+          <p:cNvPr id="3" name="Can 2"/>
+          <p:cNvSpPr/>
+          <p:nvPr/>
+        </p:nvSpPr>
+        <p:spPr>
+          <a:xfrm>
+            <a:off x="3120948" y="1028700"/>
+            <a:ext cx="1066800" cy="1371600"/>
+          </a:xfrm>
+          <a:prstGeom prst="can">
+            <a:avLst/>
+          </a:prstGeom>
+          <a:solidFill>
+            <a:schemeClr val="bg1">
+              <a:lumMod val="95000"/>
+            </a:schemeClr>
+          </a:solidFill>
+          <a:ln cmpd="sng">
+            <a:solidFill>
+              <a:schemeClr val="tx1"/>
+            </a:solidFill>
+            <a:prstDash val="solid"/>
+          </a:ln>
+        </p:spPr>
+        <p:style>
+          <a:lnRef idx="2">
+            <a:schemeClr val="accent1">
+              <a:shade val="50000"/>
+            </a:schemeClr>
+          </a:lnRef>
+          <a:fillRef idx="1">
+            <a:schemeClr val="accent1"/>
+          </a:fillRef>
+          <a:effectRef idx="0">
+            <a:schemeClr val="accent1"/>
+          </a:effectRef>
+          <a:fontRef idx="minor">
+            <a:schemeClr val="lt1"/>
+          </a:fontRef>
+        </p:style>
+        <p:txBody>
+          <a:bodyPr rtlCol="0" anchor="ctr"/>
+          <a:lstStyle/>
+          <a:p>
+            <a:pPr algn="ctr"/>
+            <a:r>
+              <a:rPr lang="en-US" sz="1400" dirty="0">
+                <a:solidFill>
+                  <a:sysClr val="windowText" lastClr="000000"/>
+                </a:solidFill>
+                <a:latin typeface="Times New Roman" pitchFamily="18" charset="0"/>
+                <a:cs typeface="Times New Roman" pitchFamily="18" charset="0"/>
+              </a:rPr>
+              <a:t>MySQL</a:t>
+            </a:r>
+          </a:p>
+          <a:p>
+            <a:pPr algn="ctr"/>
+            <a:r>
+              <a:rPr lang="en-US" sz="1400" dirty="0">
+                <a:solidFill>
+                  <a:sysClr val="windowText" lastClr="000000"/>
+                </a:solidFill>
+                <a:latin typeface="Times New Roman" pitchFamily="18" charset="0"/>
+                <a:cs typeface="Times New Roman" pitchFamily="18" charset="0"/>
+              </a:rPr>
+              <a:t>Database</a:t>
+            </a:r>
+          </a:p>
+        </p:txBody>
+      </p:sp>
+      <p:sp>
+        <p:nvSpPr>
+          <p:cNvPr id="64" name="Snip Diagonal Corner Rectangle 63"/>
+          <p:cNvSpPr/>
+          <p:nvPr/>
+        </p:nvSpPr>
+        <p:spPr>
+          <a:xfrm>
+            <a:off x="3200400" y="4654519"/>
+            <a:ext cx="2057400" cy="609600"/>
+          </a:xfrm>
+          <a:prstGeom prst="snip2DiagRect">
+            <a:avLst>
+              <a:gd name="adj1" fmla="val 0"/>
+              <a:gd name="adj2" fmla="val 37537"/>
+            </a:avLst>
+          </a:prstGeom>
+          <a:solidFill>
+            <a:schemeClr val="bg1">
+              <a:lumMod val="95000"/>
+            </a:schemeClr>
+          </a:solidFill>
+          <a:ln cmpd="sng">
+            <a:solidFill>
+              <a:schemeClr val="tx1"/>
+            </a:solidFill>
+            <a:prstDash val="solid"/>
+          </a:ln>
+        </p:spPr>
+        <p:style>
+          <a:lnRef idx="2">
+            <a:schemeClr val="accent1">
+              <a:shade val="50000"/>
+            </a:schemeClr>
+          </a:lnRef>
+          <a:fillRef idx="1">
+            <a:schemeClr val="accent1"/>
+          </a:fillRef>
+          <a:effectRef idx="0">
+            <a:schemeClr val="accent1"/>
+          </a:effectRef>
+          <a:fontRef idx="minor">
+            <a:schemeClr val="lt1"/>
+          </a:fontRef>
+        </p:style>
+        <p:txBody>
+          <a:bodyPr rtlCol="0" anchor="ctr"/>
+          <a:lstStyle/>
+          <a:p>
+            <a:pPr algn="ctr"/>
+            <a:r>
+              <a:rPr lang="en-US" sz="1400" dirty="0">
+                <a:solidFill>
+                  <a:sysClr val="windowText" lastClr="000000"/>
+                </a:solidFill>
+                <a:latin typeface="Times New Roman" pitchFamily="18" charset="0"/>
+                <a:cs typeface="Times New Roman" pitchFamily="18" charset="0"/>
+              </a:rPr>
+              <a:t>Fly a batch of </a:t>
+            </a:r>
+            <a:r>
+              <a:rPr lang="en-US" sz="1400" b="1" dirty="0">
+                <a:solidFill>
+                  <a:sysClr val="windowText" lastClr="000000"/>
+                </a:solidFill>
+                <a:latin typeface="Times New Roman" pitchFamily="18" charset="0"/>
+                <a:cs typeface="Times New Roman" pitchFamily="18" charset="0"/>
+              </a:rPr>
+              <a:t>valid</a:t>
+            </a:r>
+            <a:r>
+              <a:rPr lang="en-US" sz="1400" dirty="0">
+                <a:solidFill>
+                  <a:sysClr val="windowText" lastClr="000000"/>
+                </a:solidFill>
+                <a:latin typeface="Times New Roman" pitchFamily="18" charset="0"/>
+                <a:cs typeface="Times New Roman" pitchFamily="18" charset="0"/>
+              </a:rPr>
+              <a:t> paths from parameters</a:t>
+            </a:r>
+          </a:p>
+        </p:txBody>
+      </p:sp>
+      <p:sp>
+        <p:nvSpPr>
+          <p:cNvPr id="53" name="Snip Diagonal Corner Rectangle 52"/>
+          <p:cNvSpPr/>
+          <p:nvPr/>
+        </p:nvSpPr>
+        <p:spPr>
+          <a:xfrm>
+            <a:off x="5391150" y="2759555"/>
+            <a:ext cx="3086100" cy="609600"/>
+          </a:xfrm>
+          <a:prstGeom prst="snip2DiagRect">
+            <a:avLst>
+              <a:gd name="adj1" fmla="val 0"/>
+              <a:gd name="adj2" fmla="val 37537"/>
+            </a:avLst>
+          </a:prstGeom>
+          <a:solidFill>
+            <a:schemeClr val="bg1">
+              <a:lumMod val="95000"/>
+            </a:schemeClr>
+          </a:solidFill>
+          <a:ln cmpd="sng">
+            <a:solidFill>
+              <a:schemeClr val="tx1"/>
+            </a:solidFill>
+            <a:prstDash val="solid"/>
+          </a:ln>
+        </p:spPr>
+        <p:style>
+          <a:lnRef idx="2">
+            <a:schemeClr val="accent1">
+              <a:shade val="50000"/>
+            </a:schemeClr>
+          </a:lnRef>
+          <a:fillRef idx="1">
+            <a:schemeClr val="accent1"/>
+          </a:fillRef>
+          <a:effectRef idx="0">
+            <a:schemeClr val="accent1"/>
+          </a:effectRef>
+          <a:fontRef idx="minor">
+            <a:schemeClr val="lt1"/>
+          </a:fontRef>
+        </p:style>
+        <p:txBody>
+          <a:bodyPr rtlCol="0" anchor="ctr"/>
+          <a:lstStyle/>
+          <a:p>
+            <a:pPr algn="ctr"/>
+            <a:r>
+              <a:rPr lang="en-US" sz="1400" dirty="0">
+                <a:solidFill>
+                  <a:sysClr val="windowText" lastClr="000000"/>
+                </a:solidFill>
+                <a:latin typeface="Times New Roman" pitchFamily="18" charset="0"/>
+                <a:cs typeface="Times New Roman" pitchFamily="18" charset="0"/>
+              </a:rPr>
+              <a:t>Assess contact event and generate alteration planes</a:t>
+            </a:r>
+          </a:p>
+        </p:txBody>
+      </p:sp>
+      <p:cxnSp>
+        <p:nvCxnSpPr>
+          <p:cNvPr id="160" name="Elbow Connector 59">
+            <a:extLst>
+              <a:ext uri="{FF2B5EF4-FFF2-40B4-BE49-F238E27FC236}">
+                <a16:creationId xmlns:a16="http://schemas.microsoft.com/office/drawing/2014/main" id="{F1CDC0BF-338F-4AAB-B972-6587C0324B42}"/>
+              </a:ext>
+            </a:extLst>
+          </p:cNvPr>
+          <p:cNvCxnSpPr>
+            <a:cxnSpLocks/>
+            <a:stCxn id="63" idx="2"/>
+            <a:endCxn id="58" idx="3"/>
+          </p:cNvCxnSpPr>
+          <p:nvPr/>
+        </p:nvCxnSpPr>
+        <p:spPr>
+          <a:xfrm rot="10800000">
+            <a:off x="1729554" y="3810001"/>
+            <a:ext cx="3661596" cy="321155"/>
+          </a:xfrm>
+          <a:prstGeom prst="bentConnector4">
+            <a:avLst>
+              <a:gd name="adj1" fmla="val 48066"/>
+              <a:gd name="adj2" fmla="val 138101"/>
+            </a:avLst>
+          </a:prstGeom>
+          <a:ln w="19050">
+            <a:solidFill>
+              <a:schemeClr val="tx1"/>
+            </a:solidFill>
+            <a:prstDash val="solid"/>
+            <a:headEnd type="triangle" w="med" len="med"/>
+            <a:tailEnd type="none" w="med" len="med"/>
+          </a:ln>
+        </p:spPr>
+        <p:style>
+          <a:lnRef idx="1">
+            <a:schemeClr val="accent1"/>
+          </a:lnRef>
+          <a:fillRef idx="0">
+            <a:schemeClr val="accent1"/>
+          </a:fillRef>
+          <a:effectRef idx="0">
+            <a:schemeClr val="accent1"/>
+          </a:effectRef>
+          <a:fontRef idx="minor">
+            <a:schemeClr val="tx1"/>
+          </a:fontRef>
+        </p:style>
+      </p:cxnSp>
+      <p:sp>
+        <p:nvSpPr>
+          <p:cNvPr id="165" name="Rectangle 164">
+            <a:extLst>
+              <a:ext uri="{FF2B5EF4-FFF2-40B4-BE49-F238E27FC236}">
+                <a16:creationId xmlns:a16="http://schemas.microsoft.com/office/drawing/2014/main" id="{BC1DB069-94FD-4840-9458-95E3CFA128F3}"/>
+              </a:ext>
+            </a:extLst>
+          </p:cNvPr>
+          <p:cNvSpPr/>
+          <p:nvPr/>
+        </p:nvSpPr>
+        <p:spPr>
+          <a:xfrm>
+            <a:off x="5197399" y="2646359"/>
+            <a:ext cx="446144" cy="364647"/>
+          </a:xfrm>
+          <a:prstGeom prst="rect">
+            <a:avLst/>
+          </a:prstGeom>
+          <a:solidFill>
+            <a:schemeClr val="bg1"/>
+          </a:solidFill>
+          <a:ln>
+            <a:solidFill>
+              <a:schemeClr val="tx1"/>
+            </a:solidFill>
+          </a:ln>
+        </p:spPr>
+        <p:style>
+          <a:lnRef idx="2">
+            <a:schemeClr val="accent1">
+              <a:shade val="50000"/>
+            </a:schemeClr>
+          </a:lnRef>
+          <a:fillRef idx="1">
+            <a:schemeClr val="accent1"/>
+          </a:fillRef>
+          <a:effectRef idx="0">
+            <a:schemeClr val="accent1"/>
+          </a:effectRef>
+          <a:fontRef idx="minor">
+            <a:schemeClr val="lt1"/>
+          </a:fontRef>
+        </p:style>
+        <p:txBody>
+          <a:bodyPr rtlCol="0" anchor="ctr"/>
+          <a:lstStyle/>
+          <a:p>
+            <a:pPr algn="ctr"/>
+            <a:r>
+              <a:rPr lang="en-US" dirty="0">
+                <a:solidFill>
+                  <a:schemeClr val="tx1"/>
+                </a:solidFill>
+                <a:latin typeface="Times New Roman" panose="02020603050405020304" pitchFamily="18" charset="0"/>
+                <a:cs typeface="Times New Roman" panose="02020603050405020304" pitchFamily="18" charset="0"/>
+              </a:rPr>
+              <a:t>C.</a:t>
+            </a:r>
+          </a:p>
+        </p:txBody>
+      </p:sp>
+      <p:sp>
+        <p:nvSpPr>
+          <p:cNvPr id="166" name="Rectangle 165">
+            <a:extLst>
+              <a:ext uri="{FF2B5EF4-FFF2-40B4-BE49-F238E27FC236}">
+                <a16:creationId xmlns:a16="http://schemas.microsoft.com/office/drawing/2014/main" id="{F29BB2A6-623E-4EDB-B05F-003D01DACEDE}"/>
+              </a:ext>
+            </a:extLst>
+          </p:cNvPr>
+          <p:cNvSpPr/>
+          <p:nvPr/>
+        </p:nvSpPr>
+        <p:spPr>
+          <a:xfrm>
+            <a:off x="5197399" y="3559655"/>
+            <a:ext cx="446144" cy="364647"/>
+          </a:xfrm>
+          <a:prstGeom prst="rect">
+            <a:avLst/>
+          </a:prstGeom>
+          <a:solidFill>
+            <a:schemeClr val="bg1"/>
+          </a:solidFill>
+          <a:ln>
+            <a:solidFill>
+              <a:schemeClr val="tx1"/>
+            </a:solidFill>
+          </a:ln>
+        </p:spPr>
+        <p:style>
+          <a:lnRef idx="2">
+            <a:schemeClr val="accent1">
+              <a:shade val="50000"/>
+            </a:schemeClr>
+          </a:lnRef>
+          <a:fillRef idx="1">
+            <a:schemeClr val="accent1"/>
+          </a:fillRef>
+          <a:effectRef idx="0">
+            <a:schemeClr val="accent1"/>
+          </a:effectRef>
+          <a:fontRef idx="minor">
+            <a:schemeClr val="lt1"/>
+          </a:fontRef>
+        </p:style>
+        <p:txBody>
+          <a:bodyPr rtlCol="0" anchor="ctr"/>
+          <a:lstStyle/>
+          <a:p>
+            <a:pPr algn="ctr"/>
+            <a:r>
+              <a:rPr lang="en-US" dirty="0">
+                <a:solidFill>
+                  <a:schemeClr val="tx1"/>
+                </a:solidFill>
+                <a:latin typeface="Times New Roman" panose="02020603050405020304" pitchFamily="18" charset="0"/>
+                <a:cs typeface="Times New Roman" panose="02020603050405020304" pitchFamily="18" charset="0"/>
+              </a:rPr>
+              <a:t>D.</a:t>
+            </a:r>
+          </a:p>
+        </p:txBody>
+      </p:sp>
+      <p:sp>
+        <p:nvSpPr>
+          <p:cNvPr id="167" name="Rectangle 166">
+            <a:extLst>
+              <a:ext uri="{FF2B5EF4-FFF2-40B4-BE49-F238E27FC236}">
+                <a16:creationId xmlns:a16="http://schemas.microsoft.com/office/drawing/2014/main" id="{C72A6B7B-BDB3-43B0-930A-D97FD01D76C6}"/>
+              </a:ext>
+            </a:extLst>
+          </p:cNvPr>
+          <p:cNvSpPr/>
+          <p:nvPr/>
+        </p:nvSpPr>
+        <p:spPr>
+          <a:xfrm>
+            <a:off x="3009433" y="4507135"/>
+            <a:ext cx="446144" cy="364647"/>
+          </a:xfrm>
+          <a:prstGeom prst="rect">
+            <a:avLst/>
+          </a:prstGeom>
+          <a:solidFill>
+            <a:schemeClr val="bg1"/>
+          </a:solidFill>
+          <a:ln>
+            <a:solidFill>
+              <a:schemeClr val="tx1"/>
+            </a:solidFill>
+          </a:ln>
+        </p:spPr>
+        <p:style>
+          <a:lnRef idx="2">
+            <a:schemeClr val="accent1">
+              <a:shade val="50000"/>
+            </a:schemeClr>
+          </a:lnRef>
+          <a:fillRef idx="1">
+            <a:schemeClr val="accent1"/>
+          </a:fillRef>
+          <a:effectRef idx="0">
+            <a:schemeClr val="accent1"/>
+          </a:effectRef>
+          <a:fontRef idx="minor">
+            <a:schemeClr val="lt1"/>
+          </a:fontRef>
+        </p:style>
+        <p:txBody>
+          <a:bodyPr rtlCol="0" anchor="ctr"/>
+          <a:lstStyle/>
+          <a:p>
+            <a:pPr algn="ctr"/>
+            <a:r>
+              <a:rPr lang="en-US" dirty="0">
+                <a:solidFill>
+                  <a:schemeClr val="tx1"/>
+                </a:solidFill>
+                <a:latin typeface="Times New Roman" panose="02020603050405020304" pitchFamily="18" charset="0"/>
+                <a:cs typeface="Times New Roman" panose="02020603050405020304" pitchFamily="18" charset="0"/>
+              </a:rPr>
+              <a:t>E.</a:t>
+            </a:r>
+          </a:p>
+        </p:txBody>
+      </p:sp>
+      <p:sp>
+        <p:nvSpPr>
+          <p:cNvPr id="168" name="Rectangle 167">
+            <a:extLst>
+              <a:ext uri="{FF2B5EF4-FFF2-40B4-BE49-F238E27FC236}">
+                <a16:creationId xmlns:a16="http://schemas.microsoft.com/office/drawing/2014/main" id="{3FA68DD3-970B-4186-AEBA-561F693DF9D4}"/>
+              </a:ext>
+            </a:extLst>
+          </p:cNvPr>
+          <p:cNvSpPr/>
+          <p:nvPr/>
+        </p:nvSpPr>
+        <p:spPr>
+          <a:xfrm>
+            <a:off x="304800" y="3622422"/>
+            <a:ext cx="407949" cy="364647"/>
+          </a:xfrm>
+          <a:prstGeom prst="rect">
+            <a:avLst/>
+          </a:prstGeom>
+          <a:solidFill>
+            <a:schemeClr val="bg1"/>
+          </a:solidFill>
+          <a:ln>
+            <a:solidFill>
+              <a:schemeClr val="tx1"/>
+            </a:solidFill>
+          </a:ln>
+        </p:spPr>
+        <p:style>
+          <a:lnRef idx="2">
+            <a:schemeClr val="accent1">
+              <a:shade val="50000"/>
+            </a:schemeClr>
+          </a:lnRef>
+          <a:fillRef idx="1">
+            <a:schemeClr val="accent1"/>
+          </a:fillRef>
+          <a:effectRef idx="0">
+            <a:schemeClr val="accent1"/>
+          </a:effectRef>
+          <a:fontRef idx="minor">
+            <a:schemeClr val="lt1"/>
+          </a:fontRef>
+        </p:style>
+        <p:txBody>
+          <a:bodyPr rtlCol="0" anchor="ctr"/>
+          <a:lstStyle/>
+          <a:p>
+            <a:pPr algn="ctr"/>
+            <a:r>
+              <a:rPr lang="en-US" dirty="0">
+                <a:solidFill>
+                  <a:schemeClr val="tx1"/>
+                </a:solidFill>
+                <a:latin typeface="Times New Roman" panose="02020603050405020304" pitchFamily="18" charset="0"/>
+                <a:cs typeface="Times New Roman" panose="02020603050405020304" pitchFamily="18" charset="0"/>
+              </a:rPr>
+              <a:t>F.</a:t>
+            </a:r>
+          </a:p>
+        </p:txBody>
+      </p:sp>
+    </p:spTree>
+  </p:cSld>
+  <p:clrMapOvr>
+    <a:masterClrMapping/>
+  </p:clrMapOvr>
+</p:sld>
+</file>
+
+<file path=ppt/slides/slide20.xml><?xml version="1.0" encoding="utf-8"?>
 <p:sld xmlns:a="http://schemas.openxmlformats.org/drawingml/2006/main" xmlns:r="http://schemas.openxmlformats.org/officeDocument/2006/relationships" xmlns:p="http://schemas.openxmlformats.org/presentationml/2006/main">
   <p:cSld>
     <p:spTree>
@@ -21084,1294 +23018,7 @@
 </p:sld>
 </file>
 
-<file path=ppt/slides/slide2.xml><?xml version="1.0" encoding="utf-8"?>
-<p:sld xmlns:a="http://schemas.openxmlformats.org/drawingml/2006/main" xmlns:r="http://schemas.openxmlformats.org/officeDocument/2006/relationships" xmlns:p="http://schemas.openxmlformats.org/presentationml/2006/main">
-  <p:cSld>
-    <p:spTree>
-      <p:nvGrpSpPr>
-        <p:cNvPr id="1" name=""/>
-        <p:cNvGrpSpPr/>
-        <p:nvPr/>
-      </p:nvGrpSpPr>
-      <p:grpSpPr>
-        <a:xfrm>
-          <a:off x="0" y="0"/>
-          <a:ext cx="0" cy="0"/>
-          <a:chOff x="0" y="0"/>
-          <a:chExt cx="0" cy="0"/>
-        </a:xfrm>
-      </p:grpSpPr>
-      <p:sp>
-        <p:nvSpPr>
-          <p:cNvPr id="2" name="Flowchart: Predefined Process 1"/>
-          <p:cNvSpPr/>
-          <p:nvPr/>
-        </p:nvSpPr>
-        <p:spPr>
-          <a:xfrm>
-            <a:off x="5791200" y="1104900"/>
-            <a:ext cx="2286000" cy="1219200"/>
-          </a:xfrm>
-          <a:prstGeom prst="flowChartPredefinedProcess">
-            <a:avLst/>
-          </a:prstGeom>
-          <a:solidFill>
-            <a:schemeClr val="bg1"/>
-          </a:solidFill>
-          <a:ln cmpd="sng">
-            <a:solidFill>
-              <a:schemeClr val="bg1">
-                <a:lumMod val="75000"/>
-              </a:schemeClr>
-            </a:solidFill>
-            <a:prstDash val="solid"/>
-          </a:ln>
-        </p:spPr>
-        <p:style>
-          <a:lnRef idx="2">
-            <a:schemeClr val="accent1">
-              <a:shade val="50000"/>
-            </a:schemeClr>
-          </a:lnRef>
-          <a:fillRef idx="1">
-            <a:schemeClr val="accent1"/>
-          </a:fillRef>
-          <a:effectRef idx="0">
-            <a:schemeClr val="accent1"/>
-          </a:effectRef>
-          <a:fontRef idx="minor">
-            <a:schemeClr val="lt1"/>
-          </a:fontRef>
-        </p:style>
-        <p:txBody>
-          <a:bodyPr rtlCol="0" anchor="ctr"/>
-          <a:lstStyle/>
-          <a:p>
-            <a:pPr algn="ctr"/>
-            <a:r>
-              <a:rPr lang="en-US" sz="1400" dirty="0">
-                <a:solidFill>
-                  <a:sysClr val="windowText" lastClr="000000"/>
-                </a:solidFill>
-                <a:latin typeface="Times New Roman" pitchFamily="18" charset="0"/>
-                <a:cs typeface="Times New Roman" pitchFamily="18" charset="0"/>
-              </a:rPr>
-              <a:t>Simulation:</a:t>
-            </a:r>
-          </a:p>
-          <a:p>
-            <a:pPr algn="ctr"/>
-            <a:r>
-              <a:rPr lang="en-US" sz="1200" i="1" dirty="0">
-                <a:solidFill>
-                  <a:sysClr val="windowText" lastClr="000000"/>
-                </a:solidFill>
-                <a:latin typeface="Times New Roman" pitchFamily="18" charset="0"/>
-                <a:cs typeface="Times New Roman" pitchFamily="18" charset="0"/>
-              </a:rPr>
-              <a:t>Generates flight path contact with simulated objects</a:t>
-            </a:r>
-          </a:p>
-        </p:txBody>
-      </p:sp>
-      <p:cxnSp>
-        <p:nvCxnSpPr>
-          <p:cNvPr id="18" name="Straight Arrow Connector 17"/>
-          <p:cNvCxnSpPr>
-            <a:stCxn id="3" idx="2"/>
-            <a:endCxn id="40" idx="0"/>
-          </p:cNvCxnSpPr>
-          <p:nvPr/>
-        </p:nvCxnSpPr>
-        <p:spPr>
-          <a:xfrm flipH="1">
-            <a:off x="2682054" y="1714500"/>
-            <a:ext cx="438894" cy="0"/>
-          </a:xfrm>
-          <a:prstGeom prst="straightConnector1">
-            <a:avLst/>
-          </a:prstGeom>
-          <a:ln w="19050" cmpd="sng">
-            <a:solidFill>
-              <a:schemeClr val="tx1"/>
-            </a:solidFill>
-            <a:prstDash val="solid"/>
-            <a:headEnd type="triangle" w="med" len="med"/>
-            <a:tailEnd type="none" w="med" len="med"/>
-          </a:ln>
-        </p:spPr>
-        <p:style>
-          <a:lnRef idx="1">
-            <a:schemeClr val="accent1"/>
-          </a:lnRef>
-          <a:fillRef idx="0">
-            <a:schemeClr val="accent1"/>
-          </a:fillRef>
-          <a:effectRef idx="0">
-            <a:schemeClr val="accent1"/>
-          </a:effectRef>
-          <a:fontRef idx="minor">
-            <a:schemeClr val="tx1"/>
-          </a:fontRef>
-        </p:style>
-      </p:cxnSp>
-      <p:cxnSp>
-        <p:nvCxnSpPr>
-          <p:cNvPr id="21" name="Straight Arrow Connector 20"/>
-          <p:cNvCxnSpPr>
-            <a:stCxn id="2" idx="1"/>
-            <a:endCxn id="3" idx="4"/>
-          </p:cNvCxnSpPr>
-          <p:nvPr/>
-        </p:nvCxnSpPr>
-        <p:spPr>
-          <a:xfrm flipH="1">
-            <a:off x="4187748" y="1714500"/>
-            <a:ext cx="1603452" cy="0"/>
-          </a:xfrm>
-          <a:prstGeom prst="straightConnector1">
-            <a:avLst/>
-          </a:prstGeom>
-          <a:ln w="19050" cmpd="sng">
-            <a:solidFill>
-              <a:schemeClr val="bg1">
-                <a:lumMod val="75000"/>
-              </a:schemeClr>
-            </a:solidFill>
-            <a:prstDash val="solid"/>
-            <a:headEnd type="triangle" w="med" len="med"/>
-            <a:tailEnd type="none" w="med" len="med"/>
-          </a:ln>
-        </p:spPr>
-        <p:style>
-          <a:lnRef idx="1">
-            <a:schemeClr val="accent1"/>
-          </a:lnRef>
-          <a:fillRef idx="0">
-            <a:schemeClr val="accent1"/>
-          </a:fillRef>
-          <a:effectRef idx="0">
-            <a:schemeClr val="accent1"/>
-          </a:effectRef>
-          <a:fontRef idx="minor">
-            <a:schemeClr val="tx1"/>
-          </a:fontRef>
-        </p:style>
-      </p:cxnSp>
-      <p:cxnSp>
-        <p:nvCxnSpPr>
-          <p:cNvPr id="33" name="Elbow Connector 59"/>
-          <p:cNvCxnSpPr>
-            <a:stCxn id="3" idx="3"/>
-            <a:endCxn id="39" idx="3"/>
-          </p:cNvCxnSpPr>
-          <p:nvPr/>
-        </p:nvCxnSpPr>
-        <p:spPr>
-          <a:xfrm rot="5400000">
-            <a:off x="2460192" y="1669662"/>
-            <a:ext cx="463519" cy="1924794"/>
-          </a:xfrm>
-          <a:prstGeom prst="bentConnector3">
-            <a:avLst>
-              <a:gd name="adj1" fmla="val 50000"/>
-            </a:avLst>
-          </a:prstGeom>
-          <a:ln w="19050">
-            <a:solidFill>
-              <a:schemeClr val="tx1"/>
-            </a:solidFill>
-            <a:prstDash val="solid"/>
-            <a:headEnd type="triangle" w="med" len="med"/>
-            <a:tailEnd type="none" w="med" len="med"/>
-          </a:ln>
-        </p:spPr>
-        <p:style>
-          <a:lnRef idx="1">
-            <a:schemeClr val="accent1"/>
-          </a:lnRef>
-          <a:fillRef idx="0">
-            <a:schemeClr val="accent1"/>
-          </a:fillRef>
-          <a:effectRef idx="0">
-            <a:schemeClr val="accent1"/>
-          </a:effectRef>
-          <a:fontRef idx="minor">
-            <a:schemeClr val="tx1"/>
-          </a:fontRef>
-        </p:style>
-      </p:cxnSp>
-      <p:sp>
-        <p:nvSpPr>
-          <p:cNvPr id="39" name="Snip Diagonal Corner Rectangle 38"/>
-          <p:cNvSpPr/>
-          <p:nvPr/>
-        </p:nvSpPr>
-        <p:spPr>
-          <a:xfrm>
-            <a:off x="777054" y="2863819"/>
-            <a:ext cx="1905000" cy="609600"/>
-          </a:xfrm>
-          <a:prstGeom prst="snip2DiagRect">
-            <a:avLst>
-              <a:gd name="adj1" fmla="val 0"/>
-              <a:gd name="adj2" fmla="val 37537"/>
-            </a:avLst>
-          </a:prstGeom>
-          <a:solidFill>
-            <a:schemeClr val="bg1">
-              <a:lumMod val="95000"/>
-            </a:schemeClr>
-          </a:solidFill>
-          <a:ln w="76200" cmpd="tri">
-            <a:solidFill>
-              <a:schemeClr val="tx1"/>
-            </a:solidFill>
-            <a:prstDash val="solid"/>
-          </a:ln>
-        </p:spPr>
-        <p:style>
-          <a:lnRef idx="2">
-            <a:schemeClr val="accent1">
-              <a:shade val="50000"/>
-            </a:schemeClr>
-          </a:lnRef>
-          <a:fillRef idx="1">
-            <a:schemeClr val="accent1"/>
-          </a:fillRef>
-          <a:effectRef idx="0">
-            <a:schemeClr val="accent1"/>
-          </a:effectRef>
-          <a:fontRef idx="minor">
-            <a:schemeClr val="lt1"/>
-          </a:fontRef>
-        </p:style>
-        <p:txBody>
-          <a:bodyPr rtlCol="0" anchor="ctr"/>
-          <a:lstStyle/>
-          <a:p>
-            <a:pPr algn="ctr"/>
-            <a:r>
-              <a:rPr lang="en-US" sz="1400" dirty="0">
-                <a:solidFill>
-                  <a:sysClr val="windowText" lastClr="000000"/>
-                </a:solidFill>
-                <a:latin typeface="Times New Roman" pitchFamily="18" charset="0"/>
-                <a:cs typeface="Times New Roman" pitchFamily="18" charset="0"/>
-              </a:rPr>
-              <a:t>Resulting best-performing path</a:t>
-            </a:r>
-          </a:p>
-        </p:txBody>
-      </p:sp>
-      <p:sp>
-        <p:nvSpPr>
-          <p:cNvPr id="40" name="Snip Diagonal Corner Rectangle 39"/>
-          <p:cNvSpPr/>
-          <p:nvPr/>
-        </p:nvSpPr>
-        <p:spPr>
-          <a:xfrm>
-            <a:off x="777054" y="1409700"/>
-            <a:ext cx="1905000" cy="609600"/>
-          </a:xfrm>
-          <a:prstGeom prst="snip2DiagRect">
-            <a:avLst>
-              <a:gd name="adj1" fmla="val 0"/>
-              <a:gd name="adj2" fmla="val 37537"/>
-            </a:avLst>
-          </a:prstGeom>
-          <a:solidFill>
-            <a:schemeClr val="bg1">
-              <a:lumMod val="95000"/>
-            </a:schemeClr>
-          </a:solidFill>
-          <a:ln w="76200" cmpd="tri">
-            <a:solidFill>
-              <a:schemeClr val="tx1"/>
-            </a:solidFill>
-            <a:prstDash val="solid"/>
-          </a:ln>
-        </p:spPr>
-        <p:style>
-          <a:lnRef idx="2">
-            <a:schemeClr val="accent1">
-              <a:shade val="50000"/>
-            </a:schemeClr>
-          </a:lnRef>
-          <a:fillRef idx="1">
-            <a:schemeClr val="accent1"/>
-          </a:fillRef>
-          <a:effectRef idx="0">
-            <a:schemeClr val="accent1"/>
-          </a:effectRef>
-          <a:fontRef idx="minor">
-            <a:schemeClr val="lt1"/>
-          </a:fontRef>
-        </p:style>
-        <p:txBody>
-          <a:bodyPr rtlCol="0" anchor="ctr"/>
-          <a:lstStyle/>
-          <a:p>
-            <a:pPr algn="ctr"/>
-            <a:r>
-              <a:rPr lang="en-US" sz="1400" dirty="0">
-                <a:solidFill>
-                  <a:sysClr val="windowText" lastClr="000000"/>
-                </a:solidFill>
-                <a:latin typeface="Times New Roman" pitchFamily="18" charset="0"/>
-                <a:cs typeface="Times New Roman" pitchFamily="18" charset="0"/>
-              </a:rPr>
-              <a:t>Initial path and contact event</a:t>
-            </a:r>
-          </a:p>
-        </p:txBody>
-      </p:sp>
-      <p:sp>
-        <p:nvSpPr>
-          <p:cNvPr id="58" name="Snip Diagonal Corner Rectangle 57"/>
-          <p:cNvSpPr/>
-          <p:nvPr/>
-        </p:nvSpPr>
-        <p:spPr>
-          <a:xfrm>
-            <a:off x="510354" y="3810000"/>
-            <a:ext cx="2438400" cy="609600"/>
-          </a:xfrm>
-          <a:prstGeom prst="snip2DiagRect">
-            <a:avLst>
-              <a:gd name="adj1" fmla="val 0"/>
-              <a:gd name="adj2" fmla="val 37537"/>
-            </a:avLst>
-          </a:prstGeom>
-          <a:solidFill>
-            <a:schemeClr val="bg1">
-              <a:lumMod val="95000"/>
-            </a:schemeClr>
-          </a:solidFill>
-          <a:ln cmpd="sng">
-            <a:solidFill>
-              <a:schemeClr val="tx1"/>
-            </a:solidFill>
-            <a:prstDash val="solid"/>
-          </a:ln>
-        </p:spPr>
-        <p:style>
-          <a:lnRef idx="2">
-            <a:schemeClr val="accent1">
-              <a:shade val="50000"/>
-            </a:schemeClr>
-          </a:lnRef>
-          <a:fillRef idx="1">
-            <a:schemeClr val="accent1"/>
-          </a:fillRef>
-          <a:effectRef idx="0">
-            <a:schemeClr val="accent1"/>
-          </a:effectRef>
-          <a:fontRef idx="minor">
-            <a:schemeClr val="lt1"/>
-          </a:fontRef>
-        </p:style>
-        <p:txBody>
-          <a:bodyPr rtlCol="0" anchor="ctr"/>
-          <a:lstStyle/>
-          <a:p>
-            <a:pPr algn="ctr"/>
-            <a:r>
-              <a:rPr lang="en-US" sz="1400" dirty="0">
-                <a:solidFill>
-                  <a:sysClr val="windowText" lastClr="000000"/>
-                </a:solidFill>
-                <a:latin typeface="Times New Roman" pitchFamily="18" charset="0"/>
-                <a:cs typeface="Times New Roman" pitchFamily="18" charset="0"/>
-              </a:rPr>
-              <a:t>Determine best-performing parameters</a:t>
-            </a:r>
-          </a:p>
-        </p:txBody>
-      </p:sp>
-      <p:sp>
-        <p:nvSpPr>
-          <p:cNvPr id="63" name="Snip Diagonal Corner Rectangle 62"/>
-          <p:cNvSpPr/>
-          <p:nvPr/>
-        </p:nvSpPr>
-        <p:spPr>
-          <a:xfrm>
-            <a:off x="5391150" y="3673955"/>
-            <a:ext cx="3086100" cy="914400"/>
-          </a:xfrm>
-          <a:prstGeom prst="snip2DiagRect">
-            <a:avLst>
-              <a:gd name="adj1" fmla="val 0"/>
-              <a:gd name="adj2" fmla="val 37537"/>
-            </a:avLst>
-          </a:prstGeom>
-          <a:solidFill>
-            <a:schemeClr val="bg1">
-              <a:lumMod val="95000"/>
-            </a:schemeClr>
-          </a:solidFill>
-          <a:ln cmpd="sng">
-            <a:solidFill>
-              <a:schemeClr val="tx1"/>
-            </a:solidFill>
-            <a:prstDash val="solid"/>
-          </a:ln>
-        </p:spPr>
-        <p:style>
-          <a:lnRef idx="2">
-            <a:schemeClr val="accent1">
-              <a:shade val="50000"/>
-            </a:schemeClr>
-          </a:lnRef>
-          <a:fillRef idx="1">
-            <a:schemeClr val="accent1"/>
-          </a:fillRef>
-          <a:effectRef idx="0">
-            <a:schemeClr val="accent1"/>
-          </a:effectRef>
-          <a:fontRef idx="minor">
-            <a:schemeClr val="lt1"/>
-          </a:fontRef>
-        </p:style>
-        <p:txBody>
-          <a:bodyPr rtlCol="0" anchor="ctr"/>
-          <a:lstStyle/>
-          <a:p>
-            <a:pPr algn="ctr"/>
-            <a:r>
-              <a:rPr lang="en-US" sz="1400" dirty="0">
-                <a:solidFill>
-                  <a:sysClr val="windowText" lastClr="000000"/>
-                </a:solidFill>
-                <a:latin typeface="Times New Roman" pitchFamily="18" charset="0"/>
-                <a:cs typeface="Times New Roman" pitchFamily="18" charset="0"/>
-              </a:rPr>
-              <a:t>Generate mutated children paths alongside parent (previous generation’s best performing)</a:t>
-            </a:r>
-          </a:p>
-        </p:txBody>
-      </p:sp>
-      <p:cxnSp>
-        <p:nvCxnSpPr>
-          <p:cNvPr id="71" name="Straight Arrow Connector 70"/>
-          <p:cNvCxnSpPr>
-            <a:cxnSpLocks/>
-            <a:stCxn id="63" idx="3"/>
-            <a:endCxn id="53" idx="1"/>
-          </p:cNvCxnSpPr>
-          <p:nvPr/>
-        </p:nvCxnSpPr>
-        <p:spPr>
-          <a:xfrm flipV="1">
-            <a:off x="6934200" y="3369155"/>
-            <a:ext cx="0" cy="304800"/>
-          </a:xfrm>
-          <a:prstGeom prst="straightConnector1">
-            <a:avLst/>
-          </a:prstGeom>
-          <a:ln w="19050" cmpd="sng">
-            <a:solidFill>
-              <a:schemeClr val="tx1"/>
-            </a:solidFill>
-            <a:prstDash val="solid"/>
-            <a:headEnd type="triangle" w="med" len="med"/>
-            <a:tailEnd type="none" w="med" len="med"/>
-          </a:ln>
-        </p:spPr>
-        <p:style>
-          <a:lnRef idx="1">
-            <a:schemeClr val="accent1"/>
-          </a:lnRef>
-          <a:fillRef idx="0">
-            <a:schemeClr val="accent1"/>
-          </a:fillRef>
-          <a:effectRef idx="0">
-            <a:schemeClr val="accent1"/>
-          </a:effectRef>
-          <a:fontRef idx="minor">
-            <a:schemeClr val="tx1"/>
-          </a:fontRef>
-        </p:style>
-      </p:cxnSp>
-      <p:cxnSp>
-        <p:nvCxnSpPr>
-          <p:cNvPr id="75" name="Straight Arrow Connector 74">
-            <a:extLst>
-              <a:ext uri="{FF2B5EF4-FFF2-40B4-BE49-F238E27FC236}">
-                <a16:creationId xmlns:a16="http://schemas.microsoft.com/office/drawing/2014/main" id="{4BDD8873-0547-45B2-B747-AA5754E31D9D}"/>
-              </a:ext>
-            </a:extLst>
-          </p:cNvPr>
-          <p:cNvCxnSpPr>
-            <a:cxnSpLocks/>
-            <a:stCxn id="53" idx="3"/>
-            <a:endCxn id="2" idx="2"/>
-          </p:cNvCxnSpPr>
-          <p:nvPr/>
-        </p:nvCxnSpPr>
-        <p:spPr>
-          <a:xfrm flipV="1">
-            <a:off x="6934200" y="2324100"/>
-            <a:ext cx="0" cy="435455"/>
-          </a:xfrm>
-          <a:prstGeom prst="straightConnector1">
-            <a:avLst/>
-          </a:prstGeom>
-          <a:ln w="19050" cmpd="sng">
-            <a:solidFill>
-              <a:schemeClr val="bg1">
-                <a:lumMod val="75000"/>
-              </a:schemeClr>
-            </a:solidFill>
-            <a:prstDash val="solid"/>
-            <a:headEnd type="triangle" w="med" len="med"/>
-            <a:tailEnd type="none" w="med" len="med"/>
-          </a:ln>
-        </p:spPr>
-        <p:style>
-          <a:lnRef idx="1">
-            <a:schemeClr val="accent1"/>
-          </a:lnRef>
-          <a:fillRef idx="0">
-            <a:schemeClr val="accent1"/>
-          </a:fillRef>
-          <a:effectRef idx="0">
-            <a:schemeClr val="accent1"/>
-          </a:effectRef>
-          <a:fontRef idx="minor">
-            <a:schemeClr val="tx1"/>
-          </a:fontRef>
-        </p:style>
-      </p:cxnSp>
-      <p:cxnSp>
-        <p:nvCxnSpPr>
-          <p:cNvPr id="102" name="Straight Arrow Connector 101">
-            <a:extLst>
-              <a:ext uri="{FF2B5EF4-FFF2-40B4-BE49-F238E27FC236}">
-                <a16:creationId xmlns:a16="http://schemas.microsoft.com/office/drawing/2014/main" id="{D4F54408-50A9-4D83-BAE2-CA75EC1C5A17}"/>
-              </a:ext>
-            </a:extLst>
-          </p:cNvPr>
-          <p:cNvCxnSpPr>
-            <a:cxnSpLocks/>
-            <a:stCxn id="39" idx="1"/>
-            <a:endCxn id="58" idx="3"/>
-          </p:cNvCxnSpPr>
-          <p:nvPr/>
-        </p:nvCxnSpPr>
-        <p:spPr>
-          <a:xfrm>
-            <a:off x="1729554" y="3473419"/>
-            <a:ext cx="0" cy="336581"/>
-          </a:xfrm>
-          <a:prstGeom prst="straightConnector1">
-            <a:avLst/>
-          </a:prstGeom>
-          <a:ln w="19050" cmpd="sng">
-            <a:solidFill>
-              <a:schemeClr val="tx1"/>
-            </a:solidFill>
-            <a:prstDash val="solid"/>
-            <a:headEnd type="triangle" w="med" len="med"/>
-            <a:tailEnd type="none" w="med" len="med"/>
-          </a:ln>
-        </p:spPr>
-        <p:style>
-          <a:lnRef idx="1">
-            <a:schemeClr val="accent1"/>
-          </a:lnRef>
-          <a:fillRef idx="0">
-            <a:schemeClr val="accent1"/>
-          </a:fillRef>
-          <a:effectRef idx="0">
-            <a:schemeClr val="accent1"/>
-          </a:effectRef>
-          <a:fontRef idx="minor">
-            <a:schemeClr val="tx1"/>
-          </a:fontRef>
-        </p:style>
-      </p:cxnSp>
-      <p:cxnSp>
-        <p:nvCxnSpPr>
-          <p:cNvPr id="112" name="Elbow Connector 59">
-            <a:extLst>
-              <a:ext uri="{FF2B5EF4-FFF2-40B4-BE49-F238E27FC236}">
-                <a16:creationId xmlns:a16="http://schemas.microsoft.com/office/drawing/2014/main" id="{20310B79-BF8E-441E-96E0-7CC583D8EFEA}"/>
-              </a:ext>
-            </a:extLst>
-          </p:cNvPr>
-          <p:cNvCxnSpPr>
-            <a:cxnSpLocks/>
-            <a:stCxn id="64" idx="0"/>
-            <a:endCxn id="63" idx="1"/>
-          </p:cNvCxnSpPr>
-          <p:nvPr/>
-        </p:nvCxnSpPr>
-        <p:spPr>
-          <a:xfrm flipV="1">
-            <a:off x="5257800" y="4588355"/>
-            <a:ext cx="1676400" cy="370964"/>
-          </a:xfrm>
-          <a:prstGeom prst="bentConnector2">
-            <a:avLst/>
-          </a:prstGeom>
-          <a:ln w="19050">
-            <a:solidFill>
-              <a:schemeClr val="tx1"/>
-            </a:solidFill>
-            <a:prstDash val="solid"/>
-            <a:headEnd type="triangle" w="med" len="med"/>
-            <a:tailEnd type="none" w="med" len="med"/>
-          </a:ln>
-        </p:spPr>
-        <p:style>
-          <a:lnRef idx="1">
-            <a:schemeClr val="accent1"/>
-          </a:lnRef>
-          <a:fillRef idx="0">
-            <a:schemeClr val="accent1"/>
-          </a:fillRef>
-          <a:effectRef idx="0">
-            <a:schemeClr val="accent1"/>
-          </a:effectRef>
-          <a:fontRef idx="minor">
-            <a:schemeClr val="tx1"/>
-          </a:fontRef>
-        </p:style>
-      </p:cxnSp>
-      <p:cxnSp>
-        <p:nvCxnSpPr>
-          <p:cNvPr id="128" name="Elbow Connector 59">
-            <a:extLst>
-              <a:ext uri="{FF2B5EF4-FFF2-40B4-BE49-F238E27FC236}">
-                <a16:creationId xmlns:a16="http://schemas.microsoft.com/office/drawing/2014/main" id="{B7CE63DA-52A1-41D3-B9ED-4879C5FE8F9A}"/>
-              </a:ext>
-            </a:extLst>
-          </p:cNvPr>
-          <p:cNvCxnSpPr>
-            <a:cxnSpLocks/>
-            <a:stCxn id="58" idx="1"/>
-            <a:endCxn id="64" idx="2"/>
-          </p:cNvCxnSpPr>
-          <p:nvPr/>
-        </p:nvCxnSpPr>
-        <p:spPr>
-          <a:xfrm rot="16200000" flipH="1">
-            <a:off x="2195118" y="3954036"/>
-            <a:ext cx="539719" cy="1470846"/>
-          </a:xfrm>
-          <a:prstGeom prst="bentConnector2">
-            <a:avLst/>
-          </a:prstGeom>
-          <a:ln w="19050">
-            <a:solidFill>
-              <a:schemeClr val="tx1"/>
-            </a:solidFill>
-            <a:prstDash val="solid"/>
-            <a:headEnd type="triangle" w="med" len="med"/>
-            <a:tailEnd type="none" w="med" len="med"/>
-          </a:ln>
-        </p:spPr>
-        <p:style>
-          <a:lnRef idx="1">
-            <a:schemeClr val="accent1"/>
-          </a:lnRef>
-          <a:fillRef idx="0">
-            <a:schemeClr val="accent1"/>
-          </a:fillRef>
-          <a:effectRef idx="0">
-            <a:schemeClr val="accent1"/>
-          </a:effectRef>
-          <a:fontRef idx="minor">
-            <a:schemeClr val="tx1"/>
-          </a:fontRef>
-        </p:style>
-      </p:cxnSp>
-      <p:cxnSp>
-        <p:nvCxnSpPr>
-          <p:cNvPr id="143" name="Elbow Connector 59">
-            <a:extLst>
-              <a:ext uri="{FF2B5EF4-FFF2-40B4-BE49-F238E27FC236}">
-                <a16:creationId xmlns:a16="http://schemas.microsoft.com/office/drawing/2014/main" id="{BB6653B8-6029-4032-92C5-692DEF42FEB3}"/>
-              </a:ext>
-            </a:extLst>
-          </p:cNvPr>
-          <p:cNvCxnSpPr>
-            <a:cxnSpLocks/>
-            <a:stCxn id="64" idx="3"/>
-            <a:endCxn id="2" idx="2"/>
-          </p:cNvCxnSpPr>
-          <p:nvPr/>
-        </p:nvCxnSpPr>
-        <p:spPr>
-          <a:xfrm rot="5400000" flipH="1" flipV="1">
-            <a:off x="4416441" y="2136760"/>
-            <a:ext cx="2330419" cy="2705100"/>
-          </a:xfrm>
-          <a:prstGeom prst="bentConnector3">
-            <a:avLst>
-              <a:gd name="adj1" fmla="val 91726"/>
-            </a:avLst>
-          </a:prstGeom>
-          <a:ln w="19050">
-            <a:solidFill>
-              <a:schemeClr val="bg1">
-                <a:lumMod val="75000"/>
-              </a:schemeClr>
-            </a:solidFill>
-            <a:prstDash val="solid"/>
-            <a:headEnd type="triangle" w="med" len="med"/>
-            <a:tailEnd type="none" w="med" len="med"/>
-          </a:ln>
-        </p:spPr>
-        <p:style>
-          <a:lnRef idx="1">
-            <a:schemeClr val="accent1"/>
-          </a:lnRef>
-          <a:fillRef idx="0">
-            <a:schemeClr val="accent1"/>
-          </a:fillRef>
-          <a:effectRef idx="0">
-            <a:schemeClr val="accent1"/>
-          </a:effectRef>
-          <a:fontRef idx="minor">
-            <a:schemeClr val="tx1"/>
-          </a:fontRef>
-        </p:style>
-      </p:cxnSp>
-      <p:sp>
-        <p:nvSpPr>
-          <p:cNvPr id="3" name="Can 2"/>
-          <p:cNvSpPr/>
-          <p:nvPr/>
-        </p:nvSpPr>
-        <p:spPr>
-          <a:xfrm>
-            <a:off x="3120948" y="1028700"/>
-            <a:ext cx="1066800" cy="1371600"/>
-          </a:xfrm>
-          <a:prstGeom prst="can">
-            <a:avLst/>
-          </a:prstGeom>
-          <a:solidFill>
-            <a:schemeClr val="bg1">
-              <a:lumMod val="95000"/>
-            </a:schemeClr>
-          </a:solidFill>
-          <a:ln cmpd="sng">
-            <a:solidFill>
-              <a:schemeClr val="tx1"/>
-            </a:solidFill>
-            <a:prstDash val="solid"/>
-          </a:ln>
-        </p:spPr>
-        <p:style>
-          <a:lnRef idx="2">
-            <a:schemeClr val="accent1">
-              <a:shade val="50000"/>
-            </a:schemeClr>
-          </a:lnRef>
-          <a:fillRef idx="1">
-            <a:schemeClr val="accent1"/>
-          </a:fillRef>
-          <a:effectRef idx="0">
-            <a:schemeClr val="accent1"/>
-          </a:effectRef>
-          <a:fontRef idx="minor">
-            <a:schemeClr val="lt1"/>
-          </a:fontRef>
-        </p:style>
-        <p:txBody>
-          <a:bodyPr rtlCol="0" anchor="ctr"/>
-          <a:lstStyle/>
-          <a:p>
-            <a:pPr algn="ctr"/>
-            <a:r>
-              <a:rPr lang="en-US" sz="1400" dirty="0">
-                <a:solidFill>
-                  <a:sysClr val="windowText" lastClr="000000"/>
-                </a:solidFill>
-                <a:latin typeface="Times New Roman" pitchFamily="18" charset="0"/>
-                <a:cs typeface="Times New Roman" pitchFamily="18" charset="0"/>
-              </a:rPr>
-              <a:t>MySQL</a:t>
-            </a:r>
-          </a:p>
-          <a:p>
-            <a:pPr algn="ctr"/>
-            <a:r>
-              <a:rPr lang="en-US" sz="1400" dirty="0">
-                <a:solidFill>
-                  <a:sysClr val="windowText" lastClr="000000"/>
-                </a:solidFill>
-                <a:latin typeface="Times New Roman" pitchFamily="18" charset="0"/>
-                <a:cs typeface="Times New Roman" pitchFamily="18" charset="0"/>
-              </a:rPr>
-              <a:t>Database</a:t>
-            </a:r>
-          </a:p>
-        </p:txBody>
-      </p:sp>
-      <p:sp>
-        <p:nvSpPr>
-          <p:cNvPr id="64" name="Snip Diagonal Corner Rectangle 63"/>
-          <p:cNvSpPr/>
-          <p:nvPr/>
-        </p:nvSpPr>
-        <p:spPr>
-          <a:xfrm>
-            <a:off x="3200400" y="4654519"/>
-            <a:ext cx="2057400" cy="609600"/>
-          </a:xfrm>
-          <a:prstGeom prst="snip2DiagRect">
-            <a:avLst>
-              <a:gd name="adj1" fmla="val 0"/>
-              <a:gd name="adj2" fmla="val 37537"/>
-            </a:avLst>
-          </a:prstGeom>
-          <a:solidFill>
-            <a:schemeClr val="bg1">
-              <a:lumMod val="95000"/>
-            </a:schemeClr>
-          </a:solidFill>
-          <a:ln cmpd="sng">
-            <a:solidFill>
-              <a:schemeClr val="tx1"/>
-            </a:solidFill>
-            <a:prstDash val="solid"/>
-          </a:ln>
-        </p:spPr>
-        <p:style>
-          <a:lnRef idx="2">
-            <a:schemeClr val="accent1">
-              <a:shade val="50000"/>
-            </a:schemeClr>
-          </a:lnRef>
-          <a:fillRef idx="1">
-            <a:schemeClr val="accent1"/>
-          </a:fillRef>
-          <a:effectRef idx="0">
-            <a:schemeClr val="accent1"/>
-          </a:effectRef>
-          <a:fontRef idx="minor">
-            <a:schemeClr val="lt1"/>
-          </a:fontRef>
-        </p:style>
-        <p:txBody>
-          <a:bodyPr rtlCol="0" anchor="ctr"/>
-          <a:lstStyle/>
-          <a:p>
-            <a:pPr algn="ctr"/>
-            <a:r>
-              <a:rPr lang="en-US" sz="1400" dirty="0">
-                <a:solidFill>
-                  <a:sysClr val="windowText" lastClr="000000"/>
-                </a:solidFill>
-                <a:latin typeface="Times New Roman" pitchFamily="18" charset="0"/>
-                <a:cs typeface="Times New Roman" pitchFamily="18" charset="0"/>
-              </a:rPr>
-              <a:t>Fly a batch of </a:t>
-            </a:r>
-            <a:r>
-              <a:rPr lang="en-US" sz="1400" b="1" dirty="0">
-                <a:solidFill>
-                  <a:sysClr val="windowText" lastClr="000000"/>
-                </a:solidFill>
-                <a:latin typeface="Times New Roman" pitchFamily="18" charset="0"/>
-                <a:cs typeface="Times New Roman" pitchFamily="18" charset="0"/>
-              </a:rPr>
-              <a:t>valid</a:t>
-            </a:r>
-            <a:r>
-              <a:rPr lang="en-US" sz="1400" dirty="0">
-                <a:solidFill>
-                  <a:sysClr val="windowText" lastClr="000000"/>
-                </a:solidFill>
-                <a:latin typeface="Times New Roman" pitchFamily="18" charset="0"/>
-                <a:cs typeface="Times New Roman" pitchFamily="18" charset="0"/>
-              </a:rPr>
-              <a:t> paths from parameters</a:t>
-            </a:r>
-          </a:p>
-        </p:txBody>
-      </p:sp>
-      <p:sp>
-        <p:nvSpPr>
-          <p:cNvPr id="53" name="Snip Diagonal Corner Rectangle 52"/>
-          <p:cNvSpPr/>
-          <p:nvPr/>
-        </p:nvSpPr>
-        <p:spPr>
-          <a:xfrm>
-            <a:off x="5391150" y="2759555"/>
-            <a:ext cx="3086100" cy="609600"/>
-          </a:xfrm>
-          <a:prstGeom prst="snip2DiagRect">
-            <a:avLst>
-              <a:gd name="adj1" fmla="val 0"/>
-              <a:gd name="adj2" fmla="val 37537"/>
-            </a:avLst>
-          </a:prstGeom>
-          <a:solidFill>
-            <a:schemeClr val="bg1">
-              <a:lumMod val="95000"/>
-            </a:schemeClr>
-          </a:solidFill>
-          <a:ln cmpd="sng">
-            <a:solidFill>
-              <a:schemeClr val="tx1"/>
-            </a:solidFill>
-            <a:prstDash val="solid"/>
-          </a:ln>
-        </p:spPr>
-        <p:style>
-          <a:lnRef idx="2">
-            <a:schemeClr val="accent1">
-              <a:shade val="50000"/>
-            </a:schemeClr>
-          </a:lnRef>
-          <a:fillRef idx="1">
-            <a:schemeClr val="accent1"/>
-          </a:fillRef>
-          <a:effectRef idx="0">
-            <a:schemeClr val="accent1"/>
-          </a:effectRef>
-          <a:fontRef idx="minor">
-            <a:schemeClr val="lt1"/>
-          </a:fontRef>
-        </p:style>
-        <p:txBody>
-          <a:bodyPr rtlCol="0" anchor="ctr"/>
-          <a:lstStyle/>
-          <a:p>
-            <a:pPr algn="ctr"/>
-            <a:r>
-              <a:rPr lang="en-US" sz="1400" dirty="0">
-                <a:solidFill>
-                  <a:sysClr val="windowText" lastClr="000000"/>
-                </a:solidFill>
-                <a:latin typeface="Times New Roman" pitchFamily="18" charset="0"/>
-                <a:cs typeface="Times New Roman" pitchFamily="18" charset="0"/>
-              </a:rPr>
-              <a:t>Assess contact event and generate alteration planes</a:t>
-            </a:r>
-          </a:p>
-        </p:txBody>
-      </p:sp>
-      <p:cxnSp>
-        <p:nvCxnSpPr>
-          <p:cNvPr id="160" name="Elbow Connector 59">
-            <a:extLst>
-              <a:ext uri="{FF2B5EF4-FFF2-40B4-BE49-F238E27FC236}">
-                <a16:creationId xmlns:a16="http://schemas.microsoft.com/office/drawing/2014/main" id="{F1CDC0BF-338F-4AAB-B972-6587C0324B42}"/>
-              </a:ext>
-            </a:extLst>
-          </p:cNvPr>
-          <p:cNvCxnSpPr>
-            <a:cxnSpLocks/>
-            <a:stCxn id="63" idx="2"/>
-            <a:endCxn id="58" idx="3"/>
-          </p:cNvCxnSpPr>
-          <p:nvPr/>
-        </p:nvCxnSpPr>
-        <p:spPr>
-          <a:xfrm rot="10800000">
-            <a:off x="1729554" y="3810001"/>
-            <a:ext cx="3661596" cy="321155"/>
-          </a:xfrm>
-          <a:prstGeom prst="bentConnector4">
-            <a:avLst>
-              <a:gd name="adj1" fmla="val 48066"/>
-              <a:gd name="adj2" fmla="val 138101"/>
-            </a:avLst>
-          </a:prstGeom>
-          <a:ln w="19050">
-            <a:solidFill>
-              <a:schemeClr val="tx1"/>
-            </a:solidFill>
-            <a:prstDash val="solid"/>
-            <a:headEnd type="triangle" w="med" len="med"/>
-            <a:tailEnd type="none" w="med" len="med"/>
-          </a:ln>
-        </p:spPr>
-        <p:style>
-          <a:lnRef idx="1">
-            <a:schemeClr val="accent1"/>
-          </a:lnRef>
-          <a:fillRef idx="0">
-            <a:schemeClr val="accent1"/>
-          </a:fillRef>
-          <a:effectRef idx="0">
-            <a:schemeClr val="accent1"/>
-          </a:effectRef>
-          <a:fontRef idx="minor">
-            <a:schemeClr val="tx1"/>
-          </a:fontRef>
-        </p:style>
-      </p:cxnSp>
-      <p:sp>
-        <p:nvSpPr>
-          <p:cNvPr id="165" name="Rectangle 164">
-            <a:extLst>
-              <a:ext uri="{FF2B5EF4-FFF2-40B4-BE49-F238E27FC236}">
-                <a16:creationId xmlns:a16="http://schemas.microsoft.com/office/drawing/2014/main" id="{BC1DB069-94FD-4840-9458-95E3CFA128F3}"/>
-              </a:ext>
-            </a:extLst>
-          </p:cNvPr>
-          <p:cNvSpPr/>
-          <p:nvPr/>
-        </p:nvSpPr>
-        <p:spPr>
-          <a:xfrm>
-            <a:off x="5197399" y="2646359"/>
-            <a:ext cx="446144" cy="364647"/>
-          </a:xfrm>
-          <a:prstGeom prst="rect">
-            <a:avLst/>
-          </a:prstGeom>
-          <a:solidFill>
-            <a:schemeClr val="bg1"/>
-          </a:solidFill>
-          <a:ln>
-            <a:solidFill>
-              <a:schemeClr val="tx1"/>
-            </a:solidFill>
-          </a:ln>
-        </p:spPr>
-        <p:style>
-          <a:lnRef idx="2">
-            <a:schemeClr val="accent1">
-              <a:shade val="50000"/>
-            </a:schemeClr>
-          </a:lnRef>
-          <a:fillRef idx="1">
-            <a:schemeClr val="accent1"/>
-          </a:fillRef>
-          <a:effectRef idx="0">
-            <a:schemeClr val="accent1"/>
-          </a:effectRef>
-          <a:fontRef idx="minor">
-            <a:schemeClr val="lt1"/>
-          </a:fontRef>
-        </p:style>
-        <p:txBody>
-          <a:bodyPr rtlCol="0" anchor="ctr"/>
-          <a:lstStyle/>
-          <a:p>
-            <a:pPr algn="ctr"/>
-            <a:r>
-              <a:rPr lang="en-US" dirty="0">
-                <a:solidFill>
-                  <a:schemeClr val="tx1"/>
-                </a:solidFill>
-                <a:latin typeface="Times New Roman" panose="02020603050405020304" pitchFamily="18" charset="0"/>
-                <a:cs typeface="Times New Roman" panose="02020603050405020304" pitchFamily="18" charset="0"/>
-              </a:rPr>
-              <a:t>C.</a:t>
-            </a:r>
-          </a:p>
-        </p:txBody>
-      </p:sp>
-      <p:sp>
-        <p:nvSpPr>
-          <p:cNvPr id="166" name="Rectangle 165">
-            <a:extLst>
-              <a:ext uri="{FF2B5EF4-FFF2-40B4-BE49-F238E27FC236}">
-                <a16:creationId xmlns:a16="http://schemas.microsoft.com/office/drawing/2014/main" id="{F29BB2A6-623E-4EDB-B05F-003D01DACEDE}"/>
-              </a:ext>
-            </a:extLst>
-          </p:cNvPr>
-          <p:cNvSpPr/>
-          <p:nvPr/>
-        </p:nvSpPr>
-        <p:spPr>
-          <a:xfrm>
-            <a:off x="5197399" y="3559655"/>
-            <a:ext cx="446144" cy="364647"/>
-          </a:xfrm>
-          <a:prstGeom prst="rect">
-            <a:avLst/>
-          </a:prstGeom>
-          <a:solidFill>
-            <a:schemeClr val="bg1"/>
-          </a:solidFill>
-          <a:ln>
-            <a:solidFill>
-              <a:schemeClr val="tx1"/>
-            </a:solidFill>
-          </a:ln>
-        </p:spPr>
-        <p:style>
-          <a:lnRef idx="2">
-            <a:schemeClr val="accent1">
-              <a:shade val="50000"/>
-            </a:schemeClr>
-          </a:lnRef>
-          <a:fillRef idx="1">
-            <a:schemeClr val="accent1"/>
-          </a:fillRef>
-          <a:effectRef idx="0">
-            <a:schemeClr val="accent1"/>
-          </a:effectRef>
-          <a:fontRef idx="minor">
-            <a:schemeClr val="lt1"/>
-          </a:fontRef>
-        </p:style>
-        <p:txBody>
-          <a:bodyPr rtlCol="0" anchor="ctr"/>
-          <a:lstStyle/>
-          <a:p>
-            <a:pPr algn="ctr"/>
-            <a:r>
-              <a:rPr lang="en-US" dirty="0">
-                <a:solidFill>
-                  <a:schemeClr val="tx1"/>
-                </a:solidFill>
-                <a:latin typeface="Times New Roman" panose="02020603050405020304" pitchFamily="18" charset="0"/>
-                <a:cs typeface="Times New Roman" panose="02020603050405020304" pitchFamily="18" charset="0"/>
-              </a:rPr>
-              <a:t>D.</a:t>
-            </a:r>
-          </a:p>
-        </p:txBody>
-      </p:sp>
-      <p:sp>
-        <p:nvSpPr>
-          <p:cNvPr id="167" name="Rectangle 166">
-            <a:extLst>
-              <a:ext uri="{FF2B5EF4-FFF2-40B4-BE49-F238E27FC236}">
-                <a16:creationId xmlns:a16="http://schemas.microsoft.com/office/drawing/2014/main" id="{C72A6B7B-BDB3-43B0-930A-D97FD01D76C6}"/>
-              </a:ext>
-            </a:extLst>
-          </p:cNvPr>
-          <p:cNvSpPr/>
-          <p:nvPr/>
-        </p:nvSpPr>
-        <p:spPr>
-          <a:xfrm>
-            <a:off x="3009433" y="4507135"/>
-            <a:ext cx="446144" cy="364647"/>
-          </a:xfrm>
-          <a:prstGeom prst="rect">
-            <a:avLst/>
-          </a:prstGeom>
-          <a:solidFill>
-            <a:schemeClr val="bg1"/>
-          </a:solidFill>
-          <a:ln>
-            <a:solidFill>
-              <a:schemeClr val="tx1"/>
-            </a:solidFill>
-          </a:ln>
-        </p:spPr>
-        <p:style>
-          <a:lnRef idx="2">
-            <a:schemeClr val="accent1">
-              <a:shade val="50000"/>
-            </a:schemeClr>
-          </a:lnRef>
-          <a:fillRef idx="1">
-            <a:schemeClr val="accent1"/>
-          </a:fillRef>
-          <a:effectRef idx="0">
-            <a:schemeClr val="accent1"/>
-          </a:effectRef>
-          <a:fontRef idx="minor">
-            <a:schemeClr val="lt1"/>
-          </a:fontRef>
-        </p:style>
-        <p:txBody>
-          <a:bodyPr rtlCol="0" anchor="ctr"/>
-          <a:lstStyle/>
-          <a:p>
-            <a:pPr algn="ctr"/>
-            <a:r>
-              <a:rPr lang="en-US" dirty="0">
-                <a:solidFill>
-                  <a:schemeClr val="tx1"/>
-                </a:solidFill>
-                <a:latin typeface="Times New Roman" panose="02020603050405020304" pitchFamily="18" charset="0"/>
-                <a:cs typeface="Times New Roman" panose="02020603050405020304" pitchFamily="18" charset="0"/>
-              </a:rPr>
-              <a:t>E.</a:t>
-            </a:r>
-          </a:p>
-        </p:txBody>
-      </p:sp>
-      <p:sp>
-        <p:nvSpPr>
-          <p:cNvPr id="168" name="Rectangle 167">
-            <a:extLst>
-              <a:ext uri="{FF2B5EF4-FFF2-40B4-BE49-F238E27FC236}">
-                <a16:creationId xmlns:a16="http://schemas.microsoft.com/office/drawing/2014/main" id="{3FA68DD3-970B-4186-AEBA-561F693DF9D4}"/>
-              </a:ext>
-            </a:extLst>
-          </p:cNvPr>
-          <p:cNvSpPr/>
-          <p:nvPr/>
-        </p:nvSpPr>
-        <p:spPr>
-          <a:xfrm>
-            <a:off x="304800" y="3622422"/>
-            <a:ext cx="407949" cy="364647"/>
-          </a:xfrm>
-          <a:prstGeom prst="rect">
-            <a:avLst/>
-          </a:prstGeom>
-          <a:solidFill>
-            <a:schemeClr val="bg1"/>
-          </a:solidFill>
-          <a:ln>
-            <a:solidFill>
-              <a:schemeClr val="tx1"/>
-            </a:solidFill>
-          </a:ln>
-        </p:spPr>
-        <p:style>
-          <a:lnRef idx="2">
-            <a:schemeClr val="accent1">
-              <a:shade val="50000"/>
-            </a:schemeClr>
-          </a:lnRef>
-          <a:fillRef idx="1">
-            <a:schemeClr val="accent1"/>
-          </a:fillRef>
-          <a:effectRef idx="0">
-            <a:schemeClr val="accent1"/>
-          </a:effectRef>
-          <a:fontRef idx="minor">
-            <a:schemeClr val="lt1"/>
-          </a:fontRef>
-        </p:style>
-        <p:txBody>
-          <a:bodyPr rtlCol="0" anchor="ctr"/>
-          <a:lstStyle/>
-          <a:p>
-            <a:pPr algn="ctr"/>
-            <a:r>
-              <a:rPr lang="en-US" dirty="0">
-                <a:solidFill>
-                  <a:schemeClr val="tx1"/>
-                </a:solidFill>
-                <a:latin typeface="Times New Roman" panose="02020603050405020304" pitchFamily="18" charset="0"/>
-                <a:cs typeface="Times New Roman" panose="02020603050405020304" pitchFamily="18" charset="0"/>
-              </a:rPr>
-              <a:t>F.</a:t>
-            </a:r>
-          </a:p>
-        </p:txBody>
-      </p:sp>
-    </p:spTree>
-  </p:cSld>
-  <p:clrMapOvr>
-    <a:masterClrMapping/>
-  </p:clrMapOvr>
-</p:sld>
-</file>
-
-<file path=ppt/slides/slide20.xml><?xml version="1.0" encoding="utf-8"?>
+<file path=ppt/slides/slide21.xml><?xml version="1.0" encoding="utf-8"?>
 <p:sld xmlns:a="http://schemas.openxmlformats.org/drawingml/2006/main" xmlns:r="http://schemas.openxmlformats.org/officeDocument/2006/relationships" xmlns:p="http://schemas.openxmlformats.org/presentationml/2006/main">
   <p:cSld>
     <p:spTree>
@@ -22862,7 +23509,7 @@
 </p:sld>
 </file>
 
-<file path=ppt/slides/slide21.xml><?xml version="1.0" encoding="utf-8"?>
+<file path=ppt/slides/slide22.xml><?xml version="1.0" encoding="utf-8"?>
 <p:sld xmlns:a="http://schemas.openxmlformats.org/drawingml/2006/main" xmlns:r="http://schemas.openxmlformats.org/officeDocument/2006/relationships" xmlns:p="http://schemas.openxmlformats.org/presentationml/2006/main">
   <p:cSld>
     <p:spTree>
@@ -24399,7 +25046,7 @@
 </p:sld>
 </file>
 
-<file path=ppt/slides/slide22.xml><?xml version="1.0" encoding="utf-8"?>
+<file path=ppt/slides/slide23.xml><?xml version="1.0" encoding="utf-8"?>
 <p:sld xmlns:a="http://schemas.openxmlformats.org/drawingml/2006/main" xmlns:r="http://schemas.openxmlformats.org/officeDocument/2006/relationships" xmlns:p="http://schemas.openxmlformats.org/presentationml/2006/main">
   <p:cSld>
     <p:spTree>
@@ -24830,7 +25477,7 @@
 </p:sld>
 </file>
 
-<file path=ppt/slides/slide23.xml><?xml version="1.0" encoding="utf-8"?>
+<file path=ppt/slides/slide24.xml><?xml version="1.0" encoding="utf-8"?>
 <p:sld xmlns:a="http://schemas.openxmlformats.org/drawingml/2006/main" xmlns:r="http://schemas.openxmlformats.org/officeDocument/2006/relationships" xmlns:p="http://schemas.openxmlformats.org/presentationml/2006/main">
   <p:cSld>
     <p:spTree>
